--- a/courses/apcsp/lect3.pptx
+++ b/courses/apcsp/lect3.pptx
@@ -7,10 +7,17 @@
   <p:sldIdLst>
     <p:sldId id="289" r:id="rId2"/>
     <p:sldId id="257" r:id="rId3"/>
-    <p:sldId id="277" r:id="rId4"/>
-    <p:sldId id="282" r:id="rId5"/>
-    <p:sldId id="283" r:id="rId6"/>
-    <p:sldId id="290" r:id="rId7"/>
+    <p:sldId id="274" r:id="rId4"/>
+    <p:sldId id="275" r:id="rId5"/>
+    <p:sldId id="291" r:id="rId6"/>
+    <p:sldId id="276" r:id="rId7"/>
+    <p:sldId id="278" r:id="rId8"/>
+    <p:sldId id="279" r:id="rId9"/>
+    <p:sldId id="292" r:id="rId10"/>
+    <p:sldId id="294" r:id="rId11"/>
+    <p:sldId id="280" r:id="rId12"/>
+    <p:sldId id="295" r:id="rId13"/>
+    <p:sldId id="284" r:id="rId14"/>
   </p:sldIdLst>
   <p:sldSz cx="9144000" cy="5715000" type="screen16x10"/>
   <p:notesSz cx="6858000" cy="9144000"/>
@@ -120,7 +127,8 @@
 <file path=ppt/revisionInfo.xml><?xml version="1.0" encoding="utf-8"?>
 <p1510:revInfo xmlns:a="http://schemas.openxmlformats.org/drawingml/2006/main" xmlns:r="http://schemas.openxmlformats.org/officeDocument/2006/relationships" xmlns:p1510="http://schemas.microsoft.com/office/powerpoint/2015/10/main">
   <p1510:revLst>
-    <p1510:client id="{3F616429-CA07-8145-BE07-B7552942C56D}" v="2" dt="2019-08-25T12:50:04.550"/>
+    <p1510:client id="{2C9BD3C4-A72C-C34E-A2E2-4164CEFFD187}" v="6" dt="2019-09-08T00:57:21.141"/>
+    <p1510:client id="{5BA4ED75-8AB8-EF4B-B40C-CAAFEBD8F6A0}" v="4" dt="2019-09-07T18:16:12.785"/>
   </p1510:revLst>
 </p1510:revInfo>
 </file>
@@ -128,95 +136,12 @@
 <file path=ppt/changesInfos/changesInfo1.xml><?xml version="1.0" encoding="utf-8"?>
 <pc:chgInfo xmlns:a="http://schemas.openxmlformats.org/drawingml/2006/main" xmlns:r="http://schemas.openxmlformats.org/officeDocument/2006/relationships" xmlns:ac="http://schemas.microsoft.com/office/drawing/2013/main/command" xmlns:pc="http://schemas.microsoft.com/office/powerpoint/2013/main/command">
   <pc:docChgLst>
-    <pc:chgData name="Long B Nguyen" userId="f59fb8f3-a021-417a-8bc1-65c8d471c621" providerId="ADAL" clId="{3F616429-CA07-8145-BE07-B7552942C56D}"/>
-    <pc:docChg chg="addSld delSld modSld">
-      <pc:chgData name="Long B Nguyen" userId="f59fb8f3-a021-417a-8bc1-65c8d471c621" providerId="ADAL" clId="{3F616429-CA07-8145-BE07-B7552942C56D}" dt="2019-08-25T12:50:06.023" v="67" actId="2696"/>
-      <pc:docMkLst>
-        <pc:docMk/>
-      </pc:docMkLst>
-      <pc:sldChg chg="modSp">
-        <pc:chgData name="Long B Nguyen" userId="f59fb8f3-a021-417a-8bc1-65c8d471c621" providerId="ADAL" clId="{3F616429-CA07-8145-BE07-B7552942C56D}" dt="2019-08-25T11:29:21.006" v="65" actId="20577"/>
-        <pc:sldMkLst>
-          <pc:docMk/>
-          <pc:sldMk cId="2207246265" sldId="257"/>
-        </pc:sldMkLst>
-        <pc:spChg chg="mod">
-          <ac:chgData name="Long B Nguyen" userId="f59fb8f3-a021-417a-8bc1-65c8d471c621" providerId="ADAL" clId="{3F616429-CA07-8145-BE07-B7552942C56D}" dt="2019-08-25T11:29:21.006" v="65" actId="20577"/>
-          <ac:spMkLst>
-            <pc:docMk/>
-            <pc:sldMk cId="2207246265" sldId="257"/>
-            <ac:spMk id="9" creationId="{E3B2E017-30B2-884B-A113-B419A2ED51AD}"/>
-          </ac:spMkLst>
-        </pc:spChg>
-      </pc:sldChg>
-      <pc:sldChg chg="del">
-        <pc:chgData name="Long B Nguyen" userId="f59fb8f3-a021-417a-8bc1-65c8d471c621" providerId="ADAL" clId="{3F616429-CA07-8145-BE07-B7552942C56D}" dt="2019-08-25T12:50:06.023" v="67" actId="2696"/>
-        <pc:sldMkLst>
-          <pc:docMk/>
-          <pc:sldMk cId="1438711869" sldId="284"/>
-        </pc:sldMkLst>
-      </pc:sldChg>
-      <pc:sldChg chg="modSp">
-        <pc:chgData name="Long B Nguyen" userId="f59fb8f3-a021-417a-8bc1-65c8d471c621" providerId="ADAL" clId="{3F616429-CA07-8145-BE07-B7552942C56D}" dt="2019-08-18T20:00:29.297" v="64" actId="20577"/>
-        <pc:sldMkLst>
-          <pc:docMk/>
-          <pc:sldMk cId="3974060782" sldId="289"/>
-        </pc:sldMkLst>
-        <pc:spChg chg="mod">
-          <ac:chgData name="Long B Nguyen" userId="f59fb8f3-a021-417a-8bc1-65c8d471c621" providerId="ADAL" clId="{3F616429-CA07-8145-BE07-B7552942C56D}" dt="2019-08-18T20:00:29.297" v="64" actId="20577"/>
-          <ac:spMkLst>
-            <pc:docMk/>
-            <pc:sldMk cId="3974060782" sldId="289"/>
-            <ac:spMk id="3" creationId="{1BDC47C8-6776-7B44-9CD4-95FC91452D62}"/>
-          </ac:spMkLst>
-        </pc:spChg>
-      </pc:sldChg>
-      <pc:sldChg chg="add">
-        <pc:chgData name="Long B Nguyen" userId="f59fb8f3-a021-417a-8bc1-65c8d471c621" providerId="ADAL" clId="{3F616429-CA07-8145-BE07-B7552942C56D}" dt="2019-08-25T12:50:04.549" v="66"/>
-        <pc:sldMkLst>
-          <pc:docMk/>
-          <pc:sldMk cId="1728628262" sldId="290"/>
-        </pc:sldMkLst>
-      </pc:sldChg>
-    </pc:docChg>
-  </pc:docChgLst>
-  <pc:docChgLst>
     <pc:chgData name="Long B Nguyen" userId="f59fb8f3-a021-417a-8bc1-65c8d471c621" providerId="ADAL" clId="{05A1C5B8-6AA9-824C-B77D-182A36FCC0A3}"/>
     <pc:docChg chg="custSel addSld delSld modSld">
       <pc:chgData name="Long B Nguyen" userId="f59fb8f3-a021-417a-8bc1-65c8d471c621" providerId="ADAL" clId="{05A1C5B8-6AA9-824C-B77D-182A36FCC0A3}" dt="2019-06-14T11:56:44.727" v="163" actId="1036"/>
       <pc:docMkLst>
         <pc:docMk/>
       </pc:docMkLst>
-      <pc:sldChg chg="modSp">
-        <pc:chgData name="Long B Nguyen" userId="f59fb8f3-a021-417a-8bc1-65c8d471c621" providerId="ADAL" clId="{05A1C5B8-6AA9-824C-B77D-182A36FCC0A3}" dt="2019-06-14T11:56:24.872" v="157" actId="1036"/>
-        <pc:sldMkLst>
-          <pc:docMk/>
-          <pc:sldMk cId="3692685984" sldId="282"/>
-        </pc:sldMkLst>
-        <pc:picChg chg="mod">
-          <ac:chgData name="Long B Nguyen" userId="f59fb8f3-a021-417a-8bc1-65c8d471c621" providerId="ADAL" clId="{05A1C5B8-6AA9-824C-B77D-182A36FCC0A3}" dt="2019-06-14T11:56:24.872" v="157" actId="1036"/>
-          <ac:picMkLst>
-            <pc:docMk/>
-            <pc:sldMk cId="3692685984" sldId="282"/>
-            <ac:picMk id="5" creationId="{A9EDB93F-76CE-6747-9589-BC88C1222D45}"/>
-          </ac:picMkLst>
-        </pc:picChg>
-      </pc:sldChg>
-      <pc:sldChg chg="modSp">
-        <pc:chgData name="Long B Nguyen" userId="f59fb8f3-a021-417a-8bc1-65c8d471c621" providerId="ADAL" clId="{05A1C5B8-6AA9-824C-B77D-182A36FCC0A3}" dt="2019-06-14T11:56:31.155" v="159" actId="20577"/>
-        <pc:sldMkLst>
-          <pc:docMk/>
-          <pc:sldMk cId="1520265794" sldId="283"/>
-        </pc:sldMkLst>
-        <pc:spChg chg="mod">
-          <ac:chgData name="Long B Nguyen" userId="f59fb8f3-a021-417a-8bc1-65c8d471c621" providerId="ADAL" clId="{05A1C5B8-6AA9-824C-B77D-182A36FCC0A3}" dt="2019-06-14T11:56:31.155" v="159" actId="20577"/>
-          <ac:spMkLst>
-            <pc:docMk/>
-            <pc:sldMk cId="1520265794" sldId="283"/>
-            <ac:spMk id="9" creationId="{E3B2E017-30B2-884B-A113-B419A2ED51AD}"/>
-          </ac:spMkLst>
-        </pc:spChg>
-      </pc:sldChg>
       <pc:sldChg chg="modSp">
         <pc:chgData name="Long B Nguyen" userId="f59fb8f3-a021-417a-8bc1-65c8d471c621" providerId="ADAL" clId="{05A1C5B8-6AA9-824C-B77D-182A36FCC0A3}" dt="2019-06-14T02:15:45.959" v="28" actId="20577"/>
         <pc:sldMkLst>
@@ -239,6 +164,13 @@
             <ac:spMk id="3" creationId="{1BDC47C8-6776-7B44-9CD4-95FC91452D62}"/>
           </ac:spMkLst>
         </pc:spChg>
+      </pc:sldChg>
+      <pc:sldChg chg="add">
+        <pc:chgData name="Long B Nguyen" userId="f59fb8f3-a021-417a-8bc1-65c8d471c621" providerId="ADAL" clId="{05A1C5B8-6AA9-824C-B77D-182A36FCC0A3}" dt="2019-06-14T01:15:02.964" v="2"/>
+        <pc:sldMkLst>
+          <pc:docMk/>
+          <pc:sldMk cId="3060343526" sldId="294"/>
+        </pc:sldMkLst>
       </pc:sldChg>
     </pc:docChg>
   </pc:docChgLst>
@@ -267,29 +199,50 @@
     </pc:docChg>
   </pc:docChgLst>
   <pc:docChgLst>
-    <pc:chgData name="Long B Nguyen" userId="f59fb8f3-a021-417a-8bc1-65c8d471c621" providerId="ADAL" clId="{5BA4ED75-8AB8-EF4B-B40C-CAAFEBD8F6A0}"/>
-    <pc:docChg chg="delSld">
-      <pc:chgData name="Long B Nguyen" userId="f59fb8f3-a021-417a-8bc1-65c8d471c621" providerId="ADAL" clId="{5BA4ED75-8AB8-EF4B-B40C-CAAFEBD8F6A0}" dt="2019-08-17T12:25:36.924" v="13" actId="2696"/>
+    <pc:chgData name="Long B Nguyen" userId="f59fb8f3-a021-417a-8bc1-65c8d471c621" providerId="ADAL" clId="{2C9BD3C4-A72C-C34E-A2E2-4164CEFFD187}"/>
+    <pc:docChg chg="modSld">
+      <pc:chgData name="Long B Nguyen" userId="f59fb8f3-a021-417a-8bc1-65c8d471c621" providerId="ADAL" clId="{2C9BD3C4-A72C-C34E-A2E2-4164CEFFD187}" dt="2019-09-08T00:57:47.257" v="95" actId="20577"/>
       <pc:docMkLst>
         <pc:docMk/>
       </pc:docMkLst>
-    </pc:docChg>
-  </pc:docChgLst>
-  <pc:docChgLst>
-    <pc:chgData name="Long B Nguyen" userId="f59fb8f3-a021-417a-8bc1-65c8d471c621" providerId="ADAL" clId="{6CD83B71-C243-244B-B302-DE2E82069201}"/>
-    <pc:docChg chg="undo custSel addSld delSld modSld modMainMaster">
-      <pc:chgData name="Long B Nguyen" userId="f59fb8f3-a021-417a-8bc1-65c8d471c621" providerId="ADAL" clId="{6CD83B71-C243-244B-B302-DE2E82069201}" dt="2019-05-31T17:21:53.328" v="4147" actId="2711"/>
-      <pc:docMkLst>
-        <pc:docMk/>
-      </pc:docMkLst>
-      <pc:sldChg chg="modSp add">
-        <pc:chgData name="Long B Nguyen" userId="f59fb8f3-a021-417a-8bc1-65c8d471c621" providerId="ADAL" clId="{6CD83B71-C243-244B-B302-DE2E82069201}" dt="2019-05-31T14:23:05.031" v="3634" actId="20577"/>
+      <pc:sldChg chg="modSp">
+        <pc:chgData name="Long B Nguyen" userId="f59fb8f3-a021-417a-8bc1-65c8d471c621" providerId="ADAL" clId="{2C9BD3C4-A72C-C34E-A2E2-4164CEFFD187}" dt="2019-09-08T00:55:00.174" v="16" actId="20577"/>
+        <pc:sldMkLst>
+          <pc:docMk/>
+          <pc:sldMk cId="2207246265" sldId="257"/>
+        </pc:sldMkLst>
+        <pc:spChg chg="mod">
+          <ac:chgData name="Long B Nguyen" userId="f59fb8f3-a021-417a-8bc1-65c8d471c621" providerId="ADAL" clId="{2C9BD3C4-A72C-C34E-A2E2-4164CEFFD187}" dt="2019-09-08T00:55:00.174" v="16" actId="20577"/>
+          <ac:spMkLst>
+            <pc:docMk/>
+            <pc:sldMk cId="2207246265" sldId="257"/>
+            <ac:spMk id="9" creationId="{E3B2E017-30B2-884B-A113-B419A2ED51AD}"/>
+          </ac:spMkLst>
+        </pc:spChg>
+      </pc:sldChg>
+      <pc:sldChg chg="modSp">
+        <pc:chgData name="Long B Nguyen" userId="f59fb8f3-a021-417a-8bc1-65c8d471c621" providerId="ADAL" clId="{2C9BD3C4-A72C-C34E-A2E2-4164CEFFD187}" dt="2019-09-08T00:57:47.257" v="95" actId="20577"/>
+        <pc:sldMkLst>
+          <pc:docMk/>
+          <pc:sldMk cId="3369363658" sldId="278"/>
+        </pc:sldMkLst>
+        <pc:spChg chg="mod">
+          <ac:chgData name="Long B Nguyen" userId="f59fb8f3-a021-417a-8bc1-65c8d471c621" providerId="ADAL" clId="{2C9BD3C4-A72C-C34E-A2E2-4164CEFFD187}" dt="2019-09-08T00:57:47.257" v="95" actId="20577"/>
+          <ac:spMkLst>
+            <pc:docMk/>
+            <pc:sldMk cId="3369363658" sldId="278"/>
+            <ac:spMk id="9" creationId="{E3B2E017-30B2-884B-A113-B419A2ED51AD}"/>
+          </ac:spMkLst>
+        </pc:spChg>
+      </pc:sldChg>
+      <pc:sldChg chg="modSp">
+        <pc:chgData name="Long B Nguyen" userId="f59fb8f3-a021-417a-8bc1-65c8d471c621" providerId="ADAL" clId="{2C9BD3C4-A72C-C34E-A2E2-4164CEFFD187}" dt="2019-09-08T00:54:53.106" v="15" actId="20577"/>
         <pc:sldMkLst>
           <pc:docMk/>
           <pc:sldMk cId="3974060782" sldId="289"/>
         </pc:sldMkLst>
         <pc:spChg chg="mod">
-          <ac:chgData name="Long B Nguyen" userId="f59fb8f3-a021-417a-8bc1-65c8d471c621" providerId="ADAL" clId="{6CD83B71-C243-244B-B302-DE2E82069201}" dt="2019-05-31T14:23:05.031" v="3634" actId="20577"/>
+          <ac:chgData name="Long B Nguyen" userId="f59fb8f3-a021-417a-8bc1-65c8d471c621" providerId="ADAL" clId="{2C9BD3C4-A72C-C34E-A2E2-4164CEFFD187}" dt="2019-09-08T00:54:53.106" v="15" actId="20577"/>
           <ac:spMkLst>
             <pc:docMk/>
             <pc:sldMk cId="3974060782" sldId="289"/>
@@ -300,41 +253,123 @@
     </pc:docChg>
   </pc:docChgLst>
   <pc:docChgLst>
-    <pc:chgData name="Long B Nguyen" userId="f59fb8f3-a021-417a-8bc1-65c8d471c621" providerId="ADAL" clId="{A2B9980D-0FF0-CA43-9CAC-D70036623538}"/>
+    <pc:chgData name="Long B Nguyen" userId="f59fb8f3-a021-417a-8bc1-65c8d471c621" providerId="ADAL" clId="{5BA4ED75-8AB8-EF4B-B40C-CAAFEBD8F6A0}"/>
     <pc:docChg chg="custSel addSld delSld modSld">
-      <pc:chgData name="Long B Nguyen" userId="f59fb8f3-a021-417a-8bc1-65c8d471c621" providerId="ADAL" clId="{A2B9980D-0FF0-CA43-9CAC-D70036623538}" dt="2019-06-03T12:17:44.069" v="34" actId="2696"/>
+      <pc:chgData name="Long B Nguyen" userId="f59fb8f3-a021-417a-8bc1-65c8d471c621" providerId="ADAL" clId="{5BA4ED75-8AB8-EF4B-B40C-CAAFEBD8F6A0}" dt="2019-09-07T18:16:12.785" v="168"/>
       <pc:docMkLst>
         <pc:docMk/>
       </pc:docMkLst>
-      <pc:sldChg chg="add">
-        <pc:chgData name="Long B Nguyen" userId="f59fb8f3-a021-417a-8bc1-65c8d471c621" providerId="ADAL" clId="{A2B9980D-0FF0-CA43-9CAC-D70036623538}" dt="2019-06-03T12:17:05.033" v="28"/>
+      <pc:sldChg chg="modSp">
+        <pc:chgData name="Long B Nguyen" userId="f59fb8f3-a021-417a-8bc1-65c8d471c621" providerId="ADAL" clId="{5BA4ED75-8AB8-EF4B-B40C-CAAFEBD8F6A0}" dt="2019-09-07T18:16:12.785" v="168"/>
         <pc:sldMkLst>
           <pc:docMk/>
           <pc:sldMk cId="2207246265" sldId="257"/>
         </pc:sldMkLst>
+        <pc:spChg chg="mod">
+          <ac:chgData name="Long B Nguyen" userId="f59fb8f3-a021-417a-8bc1-65c8d471c621" providerId="ADAL" clId="{5BA4ED75-8AB8-EF4B-B40C-CAAFEBD8F6A0}" dt="2019-09-07T18:16:12.785" v="168"/>
+          <ac:spMkLst>
+            <pc:docMk/>
+            <pc:sldMk cId="2207246265" sldId="257"/>
+            <ac:spMk id="9" creationId="{E3B2E017-30B2-884B-A113-B419A2ED51AD}"/>
+          </ac:spMkLst>
+        </pc:spChg>
       </pc:sldChg>
-      <pc:sldChg chg="add">
-        <pc:chgData name="Long B Nguyen" userId="f59fb8f3-a021-417a-8bc1-65c8d471c621" providerId="ADAL" clId="{A2B9980D-0FF0-CA43-9CAC-D70036623538}" dt="2019-06-03T12:17:05.033" v="28"/>
+      <pc:sldChg chg="modSp">
+        <pc:chgData name="Long B Nguyen" userId="f59fb8f3-a021-417a-8bc1-65c8d471c621" providerId="ADAL" clId="{5BA4ED75-8AB8-EF4B-B40C-CAAFEBD8F6A0}" dt="2019-08-18T20:08:42.191" v="115" actId="313"/>
         <pc:sldMkLst>
           <pc:docMk/>
-          <pc:sldMk cId="3043984240" sldId="277"/>
+          <pc:sldMk cId="4018759955" sldId="274"/>
+        </pc:sldMkLst>
+        <pc:spChg chg="mod">
+          <ac:chgData name="Long B Nguyen" userId="f59fb8f3-a021-417a-8bc1-65c8d471c621" providerId="ADAL" clId="{5BA4ED75-8AB8-EF4B-B40C-CAAFEBD8F6A0}" dt="2019-08-18T20:08:42.191" v="115" actId="313"/>
+          <ac:spMkLst>
+            <pc:docMk/>
+            <pc:sldMk cId="4018759955" sldId="274"/>
+            <ac:spMk id="9" creationId="{E3B2E017-30B2-884B-A113-B419A2ED51AD}"/>
+          </ac:spMkLst>
+        </pc:spChg>
+      </pc:sldChg>
+      <pc:sldChg chg="modSp">
+        <pc:chgData name="Long B Nguyen" userId="f59fb8f3-a021-417a-8bc1-65c8d471c621" providerId="ADAL" clId="{5BA4ED75-8AB8-EF4B-B40C-CAAFEBD8F6A0}" dt="2019-08-18T20:09:14.054" v="121" actId="313"/>
+        <pc:sldMkLst>
+          <pc:docMk/>
+          <pc:sldMk cId="3908189275" sldId="275"/>
+        </pc:sldMkLst>
+        <pc:spChg chg="mod">
+          <ac:chgData name="Long B Nguyen" userId="f59fb8f3-a021-417a-8bc1-65c8d471c621" providerId="ADAL" clId="{5BA4ED75-8AB8-EF4B-B40C-CAAFEBD8F6A0}" dt="2019-08-18T20:09:14.054" v="121" actId="313"/>
+          <ac:spMkLst>
+            <pc:docMk/>
+            <pc:sldMk cId="3908189275" sldId="275"/>
+            <ac:spMk id="9" creationId="{E3B2E017-30B2-884B-A113-B419A2ED51AD}"/>
+          </ac:spMkLst>
+        </pc:spChg>
+      </pc:sldChg>
+      <pc:sldChg chg="modSp">
+        <pc:chgData name="Long B Nguyen" userId="f59fb8f3-a021-417a-8bc1-65c8d471c621" providerId="ADAL" clId="{5BA4ED75-8AB8-EF4B-B40C-CAAFEBD8F6A0}" dt="2019-08-18T20:09:30.839" v="124" actId="313"/>
+        <pc:sldMkLst>
+          <pc:docMk/>
+          <pc:sldMk cId="1114720448" sldId="276"/>
+        </pc:sldMkLst>
+        <pc:spChg chg="mod">
+          <ac:chgData name="Long B Nguyen" userId="f59fb8f3-a021-417a-8bc1-65c8d471c621" providerId="ADAL" clId="{5BA4ED75-8AB8-EF4B-B40C-CAAFEBD8F6A0}" dt="2019-08-18T20:09:30.839" v="124" actId="313"/>
+          <ac:spMkLst>
+            <pc:docMk/>
+            <pc:sldMk cId="1114720448" sldId="276"/>
+            <ac:spMk id="9" creationId="{E3B2E017-30B2-884B-A113-B419A2ED51AD}"/>
+          </ac:spMkLst>
+        </pc:spChg>
+      </pc:sldChg>
+      <pc:sldChg chg="del">
+        <pc:chgData name="Long B Nguyen" userId="f59fb8f3-a021-417a-8bc1-65c8d471c621" providerId="ADAL" clId="{5BA4ED75-8AB8-EF4B-B40C-CAAFEBD8F6A0}" dt="2019-09-07T18:01:55.931" v="164" actId="2696"/>
+        <pc:sldMkLst>
+          <pc:docMk/>
+          <pc:sldMk cId="2702355806" sldId="281"/>
         </pc:sldMkLst>
       </pc:sldChg>
       <pc:sldChg chg="add">
-        <pc:chgData name="Long B Nguyen" userId="f59fb8f3-a021-417a-8bc1-65c8d471c621" providerId="ADAL" clId="{A2B9980D-0FF0-CA43-9CAC-D70036623538}" dt="2019-06-03T12:17:05.033" v="28"/>
+        <pc:chgData name="Long B Nguyen" userId="f59fb8f3-a021-417a-8bc1-65c8d471c621" providerId="ADAL" clId="{5BA4ED75-8AB8-EF4B-B40C-CAAFEBD8F6A0}" dt="2019-08-25T11:36:43.747" v="163"/>
         <pc:sldMkLst>
           <pc:docMk/>
-          <pc:sldMk cId="3692685984" sldId="282"/>
+          <pc:sldMk cId="2783383753" sldId="284"/>
         </pc:sldMkLst>
       </pc:sldChg>
-      <pc:sldChg chg="add">
-        <pc:chgData name="Long B Nguyen" userId="f59fb8f3-a021-417a-8bc1-65c8d471c621" providerId="ADAL" clId="{A2B9980D-0FF0-CA43-9CAC-D70036623538}" dt="2019-06-03T12:17:05.033" v="28"/>
+      <pc:sldChg chg="modSp">
+        <pc:chgData name="Long B Nguyen" userId="f59fb8f3-a021-417a-8bc1-65c8d471c621" providerId="ADAL" clId="{5BA4ED75-8AB8-EF4B-B40C-CAAFEBD8F6A0}" dt="2019-08-25T11:28:37.709" v="159" actId="20577"/>
         <pc:sldMkLst>
           <pc:docMk/>
-          <pc:sldMk cId="1520265794" sldId="283"/>
+          <pc:sldMk cId="3974060782" sldId="289"/>
         </pc:sldMkLst>
+        <pc:spChg chg="mod">
+          <ac:chgData name="Long B Nguyen" userId="f59fb8f3-a021-417a-8bc1-65c8d471c621" providerId="ADAL" clId="{5BA4ED75-8AB8-EF4B-B40C-CAAFEBD8F6A0}" dt="2019-08-25T11:28:37.709" v="159" actId="20577"/>
+          <ac:spMkLst>
+            <pc:docMk/>
+            <pc:sldMk cId="3974060782" sldId="289"/>
+            <ac:spMk id="3" creationId="{1BDC47C8-6776-7B44-9CD4-95FC91452D62}"/>
+          </ac:spMkLst>
+        </pc:spChg>
+      </pc:sldChg>
+      <pc:sldChg chg="modSp add">
+        <pc:chgData name="Long B Nguyen" userId="f59fb8f3-a021-417a-8bc1-65c8d471c621" providerId="ADAL" clId="{5BA4ED75-8AB8-EF4B-B40C-CAAFEBD8F6A0}" dt="2019-08-18T20:10:24.321" v="127" actId="20577"/>
+        <pc:sldMkLst>
+          <pc:docMk/>
+          <pc:sldMk cId="1714696104" sldId="295"/>
+        </pc:sldMkLst>
+        <pc:spChg chg="mod">
+          <ac:chgData name="Long B Nguyen" userId="f59fb8f3-a021-417a-8bc1-65c8d471c621" providerId="ADAL" clId="{5BA4ED75-8AB8-EF4B-B40C-CAAFEBD8F6A0}" dt="2019-08-18T20:10:24.321" v="127" actId="20577"/>
+          <ac:spMkLst>
+            <pc:docMk/>
+            <pc:sldMk cId="1714696104" sldId="295"/>
+            <ac:spMk id="9" creationId="{E3B2E017-30B2-884B-A113-B419A2ED51AD}"/>
+          </ac:spMkLst>
+        </pc:spChg>
       </pc:sldChg>
     </pc:docChg>
+  </pc:docChgLst>
+  <pc:docChgLst>
+    <pc:chgData name="Long B Nguyen" userId="f59fb8f3-a021-417a-8bc1-65c8d471c621" providerId="ADAL" clId="{6CD83B71-C243-244B-B302-DE2E82069201}"/>
+  </pc:docChgLst>
+  <pc:docChgLst>
+    <pc:chgData name="Long B Nguyen" userId="f59fb8f3-a021-417a-8bc1-65c8d471c621" providerId="ADAL" clId="{A2B9980D-0FF0-CA43-9CAC-D70036623538}"/>
   </pc:docChgLst>
 </pc:chgInfo>
 </file>
@@ -470,7 +505,7 @@
           <a:p>
             <a:fld id="{4AAD347D-5ACD-4C99-B74B-A9C85AD731AF}" type="datetimeFigureOut">
               <a:rPr lang="en-US" smtClean="0"/>
-              <a:t>8/25/19</a:t>
+              <a:t>9/7/19</a:t>
             </a:fld>
             <a:endParaRPr lang="en-US" dirty="0"/>
           </a:p>
@@ -640,7 +675,7 @@
           <a:p>
             <a:fld id="{4509A250-FF31-4206-8172-F9D3106AACB1}" type="datetimeFigureOut">
               <a:rPr lang="en-US" smtClean="0"/>
-              <a:t>8/25/19</a:t>
+              <a:t>9/7/19</a:t>
             </a:fld>
             <a:endParaRPr lang="en-US" dirty="0"/>
           </a:p>
@@ -820,7 +855,7 @@
           <a:p>
             <a:fld id="{4509A250-FF31-4206-8172-F9D3106AACB1}" type="datetimeFigureOut">
               <a:rPr lang="en-US" smtClean="0"/>
-              <a:t>8/25/19</a:t>
+              <a:t>9/7/19</a:t>
             </a:fld>
             <a:endParaRPr lang="en-US" dirty="0"/>
           </a:p>
@@ -990,7 +1025,7 @@
           <a:p>
             <a:fld id="{4509A250-FF31-4206-8172-F9D3106AACB1}" type="datetimeFigureOut">
               <a:rPr lang="en-US" smtClean="0"/>
-              <a:t>8/25/19</a:t>
+              <a:t>9/7/19</a:t>
             </a:fld>
             <a:endParaRPr lang="en-US" dirty="0"/>
           </a:p>
@@ -1236,7 +1271,7 @@
           <a:p>
             <a:fld id="{9796027F-7875-4030-9381-8BD8C4F21935}" type="datetimeFigureOut">
               <a:rPr lang="en-US" smtClean="0"/>
-              <a:t>8/25/19</a:t>
+              <a:t>9/7/19</a:t>
             </a:fld>
             <a:endParaRPr lang="en-US" dirty="0"/>
           </a:p>
@@ -1468,7 +1503,7 @@
           <a:p>
             <a:fld id="{9796027F-7875-4030-9381-8BD8C4F21935}" type="datetimeFigureOut">
               <a:rPr lang="en-US" smtClean="0"/>
-              <a:t>8/25/19</a:t>
+              <a:t>9/7/19</a:t>
             </a:fld>
             <a:endParaRPr lang="en-US" dirty="0"/>
           </a:p>
@@ -1835,7 +1870,7 @@
           <a:p>
             <a:fld id="{9796027F-7875-4030-9381-8BD8C4F21935}" type="datetimeFigureOut">
               <a:rPr lang="en-US" smtClean="0"/>
-              <a:t>8/25/19</a:t>
+              <a:t>9/7/19</a:t>
             </a:fld>
             <a:endParaRPr lang="en-US" dirty="0"/>
           </a:p>
@@ -1953,7 +1988,7 @@
           <a:p>
             <a:fld id="{4509A250-FF31-4206-8172-F9D3106AACB1}" type="datetimeFigureOut">
               <a:rPr lang="en-US" smtClean="0"/>
-              <a:t>8/25/19</a:t>
+              <a:t>9/7/19</a:t>
             </a:fld>
             <a:endParaRPr lang="en-US" dirty="0"/>
           </a:p>
@@ -2048,7 +2083,7 @@
           <a:p>
             <a:fld id="{4509A250-FF31-4206-8172-F9D3106AACB1}" type="datetimeFigureOut">
               <a:rPr lang="en-US" smtClean="0"/>
-              <a:t>8/25/19</a:t>
+              <a:t>9/7/19</a:t>
             </a:fld>
             <a:endParaRPr lang="en-US" dirty="0"/>
           </a:p>
@@ -2325,7 +2360,7 @@
           <a:p>
             <a:fld id="{4509A250-FF31-4206-8172-F9D3106AACB1}" type="datetimeFigureOut">
               <a:rPr lang="en-US" smtClean="0"/>
-              <a:t>8/25/19</a:t>
+              <a:t>9/7/19</a:t>
             </a:fld>
             <a:endParaRPr lang="en-US" dirty="0"/>
           </a:p>
@@ -2582,7 +2617,7 @@
           <a:p>
             <a:fld id="{4509A250-FF31-4206-8172-F9D3106AACB1}" type="datetimeFigureOut">
               <a:rPr lang="en-US" smtClean="0"/>
-              <a:t>8/25/19</a:t>
+              <a:t>9/7/19</a:t>
             </a:fld>
             <a:endParaRPr lang="en-US" dirty="0"/>
           </a:p>
@@ -2795,7 +2830,7 @@
           <a:p>
             <a:fld id="{4AAD347D-5ACD-4C99-B74B-A9C85AD731AF}" type="datetimeFigureOut">
               <a:rPr lang="en-US" smtClean="0"/>
-              <a:t>8/25/19</a:t>
+              <a:t>9/7/19</a:t>
             </a:fld>
             <a:endParaRPr lang="en-US" dirty="0"/>
           </a:p>
@@ -3254,7 +3289,7 @@
         <p:spPr>
           <a:xfrm>
             <a:off x="1849821" y="2550187"/>
-            <a:ext cx="5055475" cy="1277135"/>
+            <a:ext cx="6200317" cy="1277135"/>
           </a:xfrm>
         </p:spPr>
         <p:txBody>
@@ -3265,16 +3300,19 @@
           <a:p>
             <a:pPr algn="l"/>
             <a:r>
-              <a:rPr lang="en-US" sz="2400" b="1"/>
-              <a:t>Arithmetic</a:t>
-            </a:r>
-            <a:r>
               <a:rPr lang="en-US" sz="2400" b="1" dirty="0"/>
-              <a:t>, Comparison </a:t>
-            </a:r>
-            <a:r>
-              <a:rPr lang="en-US" sz="2400" b="1"/>
-              <a:t>and Boolean Operations</a:t>
+              <a:t>Basic Syntax</a:t>
+            </a:r>
+          </a:p>
+          <a:p>
+            <a:pPr algn="l"/>
+            <a:r>
+              <a:rPr lang="en-US" sz="2400" b="1" dirty="0"/>
+              <a:t>Datatypes II: Strings, </a:t>
+            </a:r>
+            <a:r>
+              <a:rPr lang="en-US" sz="2400" b="1" dirty="0" err="1"/>
+              <a:t>NoneType</a:t>
             </a:r>
             <a:endParaRPr lang="en-US" sz="2400" b="1" dirty="0"/>
           </a:p>
@@ -3481,6 +3519,1317 @@
     <p:extLst>
       <p:ext uri="{BB962C8B-B14F-4D97-AF65-F5344CB8AC3E}">
         <p14:creationId xmlns:p14="http://schemas.microsoft.com/office/powerpoint/2010/main" val="3974060782"/>
+      </p:ext>
+    </p:extLst>
+  </p:cSld>
+  <p:clrMapOvr>
+    <a:masterClrMapping/>
+  </p:clrMapOvr>
+</p:sld>
+</file>
+
+<file path=ppt/slides/slide10.xml><?xml version="1.0" encoding="utf-8"?>
+<p:sld xmlns:a="http://schemas.openxmlformats.org/drawingml/2006/main" xmlns:r="http://schemas.openxmlformats.org/officeDocument/2006/relationships" xmlns:p="http://schemas.openxmlformats.org/presentationml/2006/main">
+  <p:cSld>
+    <p:spTree>
+      <p:nvGrpSpPr>
+        <p:cNvPr id="1" name=""/>
+        <p:cNvGrpSpPr/>
+        <p:nvPr/>
+      </p:nvGrpSpPr>
+      <p:grpSpPr>
+        <a:xfrm>
+          <a:off x="0" y="0"/>
+          <a:ext cx="0" cy="0"/>
+          <a:chOff x="0" y="0"/>
+          <a:chExt cx="0" cy="0"/>
+        </a:xfrm>
+      </p:grpSpPr>
+      <p:sp>
+        <p:nvSpPr>
+          <p:cNvPr id="2" name="Title 1">
+            <a:extLst>
+              <a:ext uri="{FF2B5EF4-FFF2-40B4-BE49-F238E27FC236}">
+                <a16:creationId xmlns:a16="http://schemas.microsoft.com/office/drawing/2014/main" id="{AA3A228F-61D0-D949-A5E7-F83756230BF8}"/>
+              </a:ext>
+            </a:extLst>
+          </p:cNvPr>
+          <p:cNvSpPr>
+            <a:spLocks noGrp="1"/>
+          </p:cNvSpPr>
+          <p:nvPr>
+            <p:ph type="title"/>
+          </p:nvPr>
+        </p:nvSpPr>
+        <p:spPr>
+          <a:xfrm>
+            <a:off x="483848" y="467027"/>
+            <a:ext cx="7053542" cy="683886"/>
+          </a:xfrm>
+        </p:spPr>
+        <p:txBody>
+          <a:bodyPr/>
+          <a:lstStyle/>
+          <a:p>
+            <a:r>
+              <a:rPr lang="en-US" dirty="0"/>
+              <a:t>f-Strings Precision</a:t>
+            </a:r>
+          </a:p>
+        </p:txBody>
+      </p:sp>
+      <p:sp>
+        <p:nvSpPr>
+          <p:cNvPr id="9" name="Content Placeholder 8">
+            <a:extLst>
+              <a:ext uri="{FF2B5EF4-FFF2-40B4-BE49-F238E27FC236}">
+                <a16:creationId xmlns:a16="http://schemas.microsoft.com/office/drawing/2014/main" id="{E3B2E017-30B2-884B-A113-B419A2ED51AD}"/>
+              </a:ext>
+            </a:extLst>
+          </p:cNvPr>
+          <p:cNvSpPr>
+            <a:spLocks noGrp="1"/>
+          </p:cNvSpPr>
+          <p:nvPr>
+            <p:ph idx="1"/>
+          </p:nvPr>
+        </p:nvSpPr>
+        <p:spPr>
+          <a:xfrm>
+            <a:off x="483848" y="1150913"/>
+            <a:ext cx="8051725" cy="4440590"/>
+          </a:xfrm>
+        </p:spPr>
+        <p:txBody>
+          <a:bodyPr>
+            <a:noAutofit/>
+          </a:bodyPr>
+          <a:lstStyle/>
+          <a:p>
+            <a:pPr marL="0" indent="0">
+              <a:buNone/>
+            </a:pPr>
+            <a:endParaRPr lang="en-US" sz="1900" b="1" dirty="0">
+              <a:solidFill>
+                <a:srgbClr val="000087"/>
+              </a:solidFill>
+              <a:latin typeface="Inconsolata Medium" panose="020B0609030003000000" pitchFamily="49" charset="77"/>
+            </a:endParaRPr>
+          </a:p>
+          <a:p>
+            <a:pPr marL="0" indent="0">
+              <a:buNone/>
+            </a:pPr>
+            <a:r>
+              <a:rPr lang="en-US" b="1" dirty="0">
+                <a:solidFill>
+                  <a:srgbClr val="000087"/>
+                </a:solidFill>
+                <a:latin typeface="Inconsolata Medium" panose="020B0609030003000000" pitchFamily="49" charset="77"/>
+              </a:rPr>
+              <a:t>In </a:t>
+            </a:r>
+            <a:r>
+              <a:rPr lang="en-US" b="1" dirty="0">
+                <a:latin typeface="Inconsolata Medium" panose="020B0609030003000000" pitchFamily="49" charset="77"/>
+              </a:rPr>
+              <a:t>[</a:t>
+            </a:r>
+            <a:r>
+              <a:rPr lang="en-US" b="1" dirty="0">
+                <a:solidFill>
+                  <a:srgbClr val="FF6600"/>
+                </a:solidFill>
+                <a:latin typeface="Inconsolata Medium" panose="020B0609030003000000" pitchFamily="49" charset="77"/>
+              </a:rPr>
+              <a:t>26</a:t>
+            </a:r>
+            <a:r>
+              <a:rPr lang="en-US" b="1" dirty="0">
+                <a:latin typeface="Inconsolata Medium" panose="020B0609030003000000" pitchFamily="49" charset="77"/>
+              </a:rPr>
+              <a:t>]: import math</a:t>
+            </a:r>
+            <a:r>
+              <a:rPr lang="en-US" b="1" dirty="0">
+                <a:solidFill>
+                  <a:srgbClr val="CC3300"/>
+                </a:solidFill>
+                <a:latin typeface="Inconsolata Medium" panose="020B0609030003000000" pitchFamily="49" charset="77"/>
+              </a:rPr>
+              <a:t> </a:t>
+            </a:r>
+          </a:p>
+          <a:p>
+            <a:pPr marL="0" indent="0">
+              <a:buNone/>
+            </a:pPr>
+            <a:r>
+              <a:rPr lang="en-US" b="1" dirty="0">
+                <a:solidFill>
+                  <a:srgbClr val="CC3300"/>
+                </a:solidFill>
+                <a:latin typeface="Inconsolata Medium" panose="020B0609030003000000" pitchFamily="49" charset="77"/>
+              </a:rPr>
+              <a:t>	    </a:t>
+            </a:r>
+            <a:r>
+              <a:rPr lang="en-US" b="1" dirty="0">
+                <a:solidFill>
+                  <a:srgbClr val="000087"/>
+                </a:solidFill>
+                <a:latin typeface="Inconsolata Medium" panose="020B0609030003000000" pitchFamily="49" charset="77"/>
+              </a:rPr>
+              <a:t>x = </a:t>
+            </a:r>
+            <a:r>
+              <a:rPr lang="en-US" b="1" dirty="0" err="1">
+                <a:solidFill>
+                  <a:srgbClr val="CC3300"/>
+                </a:solidFill>
+                <a:latin typeface="Inconsolata Medium" panose="020B0609030003000000" pitchFamily="49" charset="77"/>
+              </a:rPr>
+              <a:t>math.pi</a:t>
+            </a:r>
+            <a:r>
+              <a:rPr lang="en-US" b="1" dirty="0">
+                <a:solidFill>
+                  <a:srgbClr val="CC3300"/>
+                </a:solidFill>
+                <a:latin typeface="Inconsolata Medium" panose="020B0609030003000000" pitchFamily="49" charset="77"/>
+              </a:rPr>
+              <a:t> </a:t>
+            </a:r>
+          </a:p>
+          <a:p>
+            <a:pPr marL="0" indent="0">
+              <a:buNone/>
+            </a:pPr>
+            <a:r>
+              <a:rPr lang="en-US" b="1" dirty="0">
+                <a:solidFill>
+                  <a:srgbClr val="CC3300"/>
+                </a:solidFill>
+                <a:latin typeface="Inconsolata Medium" panose="020B0609030003000000" pitchFamily="49" charset="77"/>
+              </a:rPr>
+              <a:t>         </a:t>
+            </a:r>
+            <a:r>
+              <a:rPr lang="en-US" b="1" dirty="0">
+                <a:solidFill>
+                  <a:srgbClr val="000087"/>
+                </a:solidFill>
+                <a:latin typeface="Inconsolata Medium" panose="020B0609030003000000" pitchFamily="49" charset="77"/>
+              </a:rPr>
+              <a:t>print(f</a:t>
+            </a:r>
+            <a:r>
+              <a:rPr lang="en-US" b="1" dirty="0">
+                <a:solidFill>
+                  <a:srgbClr val="CC3300"/>
+                </a:solidFill>
+                <a:latin typeface="Inconsolata Medium" panose="020B0609030003000000" pitchFamily="49" charset="77"/>
+              </a:rPr>
+              <a:t>“{x}”</a:t>
+            </a:r>
+            <a:r>
+              <a:rPr lang="en-US" b="1" dirty="0">
+                <a:solidFill>
+                  <a:srgbClr val="000087"/>
+                </a:solidFill>
+                <a:latin typeface="Inconsolata Medium" panose="020B0609030003000000" pitchFamily="49" charset="77"/>
+              </a:rPr>
+              <a:t>)</a:t>
+            </a:r>
+            <a:r>
+              <a:rPr lang="en-US" b="1" dirty="0">
+                <a:solidFill>
+                  <a:srgbClr val="CC3300"/>
+                </a:solidFill>
+                <a:latin typeface="Inconsolata Medium" panose="020B0609030003000000" pitchFamily="49" charset="77"/>
+              </a:rPr>
+              <a:t> 	</a:t>
+            </a:r>
+          </a:p>
+          <a:p>
+            <a:pPr marL="0" indent="0">
+              <a:buNone/>
+            </a:pPr>
+            <a:r>
+              <a:rPr lang="en-US" b="1" dirty="0">
+                <a:solidFill>
+                  <a:srgbClr val="CC3300"/>
+                </a:solidFill>
+                <a:latin typeface="Inconsolata Medium" panose="020B0609030003000000" pitchFamily="49" charset="77"/>
+              </a:rPr>
+              <a:t>         </a:t>
+            </a:r>
+            <a:r>
+              <a:rPr lang="en-US" b="1" dirty="0">
+                <a:solidFill>
+                  <a:srgbClr val="000087"/>
+                </a:solidFill>
+                <a:latin typeface="Inconsolata Medium" panose="020B0609030003000000" pitchFamily="49" charset="77"/>
+              </a:rPr>
+              <a:t>print(f</a:t>
+            </a:r>
+            <a:r>
+              <a:rPr lang="en-US" b="1" dirty="0">
+                <a:solidFill>
+                  <a:srgbClr val="CC3300"/>
+                </a:solidFill>
+                <a:latin typeface="Inconsolata Medium" panose="020B0609030003000000" pitchFamily="49" charset="77"/>
+              </a:rPr>
+              <a:t>“{x:.2f}”</a:t>
+            </a:r>
+            <a:r>
+              <a:rPr lang="en-US" b="1" dirty="0">
+                <a:solidFill>
+                  <a:srgbClr val="000087"/>
+                </a:solidFill>
+                <a:latin typeface="Inconsolata Medium" panose="020B0609030003000000" pitchFamily="49" charset="77"/>
+              </a:rPr>
+              <a:t>)</a:t>
+            </a:r>
+            <a:r>
+              <a:rPr lang="en-US" b="1" dirty="0">
+                <a:solidFill>
+                  <a:srgbClr val="CC3300"/>
+                </a:solidFill>
+                <a:latin typeface="Inconsolata Medium" panose="020B0609030003000000" pitchFamily="49" charset="77"/>
+              </a:rPr>
+              <a:t> </a:t>
+            </a:r>
+          </a:p>
+          <a:p>
+            <a:pPr marL="0" indent="0">
+              <a:buNone/>
+            </a:pPr>
+            <a:r>
+              <a:rPr lang="en-US" b="1" dirty="0">
+                <a:solidFill>
+                  <a:srgbClr val="CC3300"/>
+                </a:solidFill>
+                <a:latin typeface="Inconsolata Medium" panose="020B0609030003000000" pitchFamily="49" charset="77"/>
+              </a:rPr>
+              <a:t>         </a:t>
+            </a:r>
+            <a:r>
+              <a:rPr lang="en-US" b="1" dirty="0">
+                <a:solidFill>
+                  <a:srgbClr val="000087"/>
+                </a:solidFill>
+                <a:latin typeface="Inconsolata Medium" panose="020B0609030003000000" pitchFamily="49" charset="77"/>
+              </a:rPr>
+              <a:t>print(f</a:t>
+            </a:r>
+            <a:r>
+              <a:rPr lang="en-US" b="1" dirty="0">
+                <a:solidFill>
+                  <a:srgbClr val="CC3300"/>
+                </a:solidFill>
+                <a:latin typeface="Inconsolata Medium" panose="020B0609030003000000" pitchFamily="49" charset="77"/>
+              </a:rPr>
+              <a:t>“{x:.3f}”</a:t>
+            </a:r>
+            <a:r>
+              <a:rPr lang="en-US" b="1" dirty="0">
+                <a:solidFill>
+                  <a:srgbClr val="000087"/>
+                </a:solidFill>
+                <a:latin typeface="Inconsolata Medium" panose="020B0609030003000000" pitchFamily="49" charset="77"/>
+              </a:rPr>
+              <a:t>)</a:t>
+            </a:r>
+            <a:r>
+              <a:rPr lang="en-US" b="1" dirty="0">
+                <a:solidFill>
+                  <a:srgbClr val="CC3300"/>
+                </a:solidFill>
+                <a:latin typeface="Inconsolata Medium" panose="020B0609030003000000" pitchFamily="49" charset="77"/>
+              </a:rPr>
+              <a:t> </a:t>
+            </a:r>
+          </a:p>
+          <a:p>
+            <a:pPr marL="0" indent="0">
+              <a:buNone/>
+            </a:pPr>
+            <a:endParaRPr lang="en-US" b="1" dirty="0">
+              <a:latin typeface="Inconsolata Medium" panose="020B0609030003000000" pitchFamily="49" charset="77"/>
+            </a:endParaRPr>
+          </a:p>
+          <a:p>
+            <a:pPr marL="0" indent="0">
+              <a:buNone/>
+            </a:pPr>
+            <a:r>
+              <a:rPr lang="en-US" b="1" dirty="0">
+                <a:latin typeface="Inconsolata Medium" panose="020B0609030003000000" pitchFamily="49" charset="77"/>
+              </a:rPr>
+              <a:t>3.141592653589793</a:t>
+            </a:r>
+          </a:p>
+          <a:p>
+            <a:pPr marL="0" indent="0">
+              <a:buNone/>
+            </a:pPr>
+            <a:r>
+              <a:rPr lang="en-US" sz="2000" b="1" dirty="0">
+                <a:latin typeface="Inconsolata Medium" panose="020B0609030003000000" pitchFamily="49" charset="77"/>
+              </a:rPr>
+              <a:t>3.14</a:t>
+            </a:r>
+          </a:p>
+          <a:p>
+            <a:pPr marL="0" indent="0">
+              <a:buNone/>
+            </a:pPr>
+            <a:r>
+              <a:rPr lang="en-US" sz="2000" b="1" dirty="0">
+                <a:latin typeface="Inconsolata Medium" panose="020B0609030003000000" pitchFamily="49" charset="77"/>
+              </a:rPr>
+              <a:t>3.142</a:t>
+            </a:r>
+            <a:endParaRPr lang="en-US" sz="1900" b="1" dirty="0">
+              <a:latin typeface="Inconsolata Medium" panose="020B0609030003000000" pitchFamily="49" charset="77"/>
+            </a:endParaRPr>
+          </a:p>
+        </p:txBody>
+      </p:sp>
+    </p:spTree>
+    <p:extLst>
+      <p:ext uri="{BB962C8B-B14F-4D97-AF65-F5344CB8AC3E}">
+        <p14:creationId xmlns:p14="http://schemas.microsoft.com/office/powerpoint/2010/main" val="3060343526"/>
+      </p:ext>
+    </p:extLst>
+  </p:cSld>
+  <p:clrMapOvr>
+    <a:masterClrMapping/>
+  </p:clrMapOvr>
+</p:sld>
+</file>
+
+<file path=ppt/slides/slide11.xml><?xml version="1.0" encoding="utf-8"?>
+<p:sld xmlns:a="http://schemas.openxmlformats.org/drawingml/2006/main" xmlns:r="http://schemas.openxmlformats.org/officeDocument/2006/relationships" xmlns:p="http://schemas.openxmlformats.org/presentationml/2006/main">
+  <p:cSld>
+    <p:spTree>
+      <p:nvGrpSpPr>
+        <p:cNvPr id="1" name=""/>
+        <p:cNvGrpSpPr/>
+        <p:nvPr/>
+      </p:nvGrpSpPr>
+      <p:grpSpPr>
+        <a:xfrm>
+          <a:off x="0" y="0"/>
+          <a:ext cx="0" cy="0"/>
+          <a:chOff x="0" y="0"/>
+          <a:chExt cx="0" cy="0"/>
+        </a:xfrm>
+      </p:grpSpPr>
+      <p:sp>
+        <p:nvSpPr>
+          <p:cNvPr id="2" name="Title 1">
+            <a:extLst>
+              <a:ext uri="{FF2B5EF4-FFF2-40B4-BE49-F238E27FC236}">
+                <a16:creationId xmlns:a16="http://schemas.microsoft.com/office/drawing/2014/main" id="{AA3A228F-61D0-D949-A5E7-F83756230BF8}"/>
+              </a:ext>
+            </a:extLst>
+          </p:cNvPr>
+          <p:cNvSpPr>
+            <a:spLocks noGrp="1"/>
+          </p:cNvSpPr>
+          <p:nvPr>
+            <p:ph type="title"/>
+          </p:nvPr>
+        </p:nvSpPr>
+        <p:spPr>
+          <a:xfrm>
+            <a:off x="483848" y="467027"/>
+            <a:ext cx="7053542" cy="683886"/>
+          </a:xfrm>
+        </p:spPr>
+        <p:txBody>
+          <a:bodyPr/>
+          <a:lstStyle/>
+          <a:p>
+            <a:r>
+              <a:rPr lang="en-US" dirty="0" err="1"/>
+              <a:t>NoneType</a:t>
+            </a:r>
+            <a:endParaRPr lang="en-US" dirty="0"/>
+          </a:p>
+        </p:txBody>
+      </p:sp>
+      <p:sp>
+        <p:nvSpPr>
+          <p:cNvPr id="9" name="Content Placeholder 8">
+            <a:extLst>
+              <a:ext uri="{FF2B5EF4-FFF2-40B4-BE49-F238E27FC236}">
+                <a16:creationId xmlns:a16="http://schemas.microsoft.com/office/drawing/2014/main" id="{E3B2E017-30B2-884B-A113-B419A2ED51AD}"/>
+              </a:ext>
+            </a:extLst>
+          </p:cNvPr>
+          <p:cNvSpPr>
+            <a:spLocks noGrp="1"/>
+          </p:cNvSpPr>
+          <p:nvPr>
+            <p:ph idx="1"/>
+          </p:nvPr>
+        </p:nvSpPr>
+        <p:spPr>
+          <a:xfrm>
+            <a:off x="483848" y="1150913"/>
+            <a:ext cx="8051725" cy="4440590"/>
+          </a:xfrm>
+        </p:spPr>
+        <p:txBody>
+          <a:bodyPr>
+            <a:noAutofit/>
+          </a:bodyPr>
+          <a:lstStyle/>
+          <a:p>
+            <a:pPr marL="0" indent="0">
+              <a:buNone/>
+            </a:pPr>
+            <a:r>
+              <a:rPr lang="en-US" dirty="0"/>
+              <a:t>Python includes a special type, the </a:t>
+            </a:r>
+            <a:r>
+              <a:rPr lang="en-US" dirty="0" err="1"/>
+              <a:t>NoneType</a:t>
+            </a:r>
+            <a:r>
+              <a:rPr lang="en-US" dirty="0"/>
+              <a:t>, which has only a single possible value: None. </a:t>
+            </a:r>
+          </a:p>
+          <a:p>
+            <a:pPr marL="0" indent="0">
+              <a:buNone/>
+            </a:pPr>
+            <a:r>
+              <a:rPr lang="en-US" b="1" dirty="0">
+                <a:solidFill>
+                  <a:srgbClr val="000087"/>
+                </a:solidFill>
+                <a:latin typeface="Inconsolata Medium" panose="020B0609030003000000" pitchFamily="49" charset="77"/>
+              </a:rPr>
+              <a:t>In </a:t>
+            </a:r>
+            <a:r>
+              <a:rPr lang="en-US" b="1" dirty="0">
+                <a:latin typeface="Inconsolata Medium" panose="020B0609030003000000" pitchFamily="49" charset="77"/>
+              </a:rPr>
+              <a:t>[</a:t>
+            </a:r>
+            <a:r>
+              <a:rPr lang="en-US" b="1" dirty="0">
+                <a:solidFill>
+                  <a:srgbClr val="FF6600"/>
+                </a:solidFill>
+                <a:latin typeface="Inconsolata Medium" panose="020B0609030003000000" pitchFamily="49" charset="77"/>
+              </a:rPr>
+              <a:t>24</a:t>
+            </a:r>
+            <a:r>
+              <a:rPr lang="en-US" b="1" dirty="0">
+                <a:latin typeface="Inconsolata Medium" panose="020B0609030003000000" pitchFamily="49" charset="77"/>
+              </a:rPr>
+              <a:t>]: </a:t>
+            </a:r>
+            <a:r>
+              <a:rPr lang="en-US" b="1" dirty="0">
+                <a:solidFill>
+                  <a:srgbClr val="336666"/>
+                </a:solidFill>
+                <a:latin typeface="Inconsolata Medium" panose="020B0609030003000000" pitchFamily="49" charset="77"/>
+              </a:rPr>
+              <a:t>type</a:t>
+            </a:r>
+            <a:r>
+              <a:rPr lang="en-US" b="1" dirty="0">
+                <a:latin typeface="Inconsolata Medium" panose="020B0609030003000000" pitchFamily="49" charset="77"/>
+              </a:rPr>
+              <a:t>(</a:t>
+            </a:r>
+            <a:r>
+              <a:rPr lang="en-US" b="1" dirty="0">
+                <a:solidFill>
+                  <a:srgbClr val="336666"/>
+                </a:solidFill>
+                <a:latin typeface="Inconsolata Medium" panose="020B0609030003000000" pitchFamily="49" charset="77"/>
+              </a:rPr>
+              <a:t>None</a:t>
+            </a:r>
+            <a:r>
+              <a:rPr lang="en-US" b="1" dirty="0">
+                <a:latin typeface="Inconsolata Medium" panose="020B0609030003000000" pitchFamily="49" charset="77"/>
+              </a:rPr>
+              <a:t>) </a:t>
+            </a:r>
+          </a:p>
+          <a:p>
+            <a:pPr marL="0" indent="0">
+              <a:buNone/>
+            </a:pPr>
+            <a:r>
+              <a:rPr lang="en-US" b="1" dirty="0">
+                <a:latin typeface="Inconsolata Medium" panose="020B0609030003000000" pitchFamily="49" charset="77"/>
+              </a:rPr>
+              <a:t>Out [24]: </a:t>
+            </a:r>
+            <a:r>
+              <a:rPr lang="en-US" b="1" dirty="0" err="1">
+                <a:latin typeface="Inconsolata Medium" panose="020B0609030003000000" pitchFamily="49" charset="77"/>
+              </a:rPr>
+              <a:t>NoneType</a:t>
+            </a:r>
+            <a:r>
+              <a:rPr lang="en-US" b="1" dirty="0">
+                <a:latin typeface="Inconsolata Medium" panose="020B0609030003000000" pitchFamily="49" charset="77"/>
+              </a:rPr>
+              <a:t> </a:t>
+            </a:r>
+          </a:p>
+          <a:p>
+            <a:pPr marL="0" indent="0">
+              <a:buNone/>
+            </a:pPr>
+            <a:endParaRPr lang="en-US" dirty="0"/>
+          </a:p>
+          <a:p>
+            <a:pPr marL="0" indent="0">
+              <a:buNone/>
+            </a:pPr>
+            <a:r>
+              <a:rPr lang="en-US" dirty="0"/>
+              <a:t>You’ll see None used in many places, but perhaps most commonly it is used as the default return value of a function. </a:t>
+            </a:r>
+          </a:p>
+          <a:p>
+            <a:pPr marL="0" indent="0">
+              <a:buNone/>
+            </a:pPr>
+            <a:r>
+              <a:rPr lang="en-US" b="1" dirty="0">
+                <a:solidFill>
+                  <a:srgbClr val="000087"/>
+                </a:solidFill>
+                <a:latin typeface="Inconsolata Medium" panose="020B0609030003000000" pitchFamily="49" charset="77"/>
+              </a:rPr>
+              <a:t>In </a:t>
+            </a:r>
+            <a:r>
+              <a:rPr lang="en-US" b="1" dirty="0">
+                <a:latin typeface="Inconsolata Medium" panose="020B0609030003000000" pitchFamily="49" charset="77"/>
+              </a:rPr>
+              <a:t>[</a:t>
+            </a:r>
+            <a:r>
+              <a:rPr lang="en-US" b="1" dirty="0">
+                <a:solidFill>
+                  <a:srgbClr val="FF6600"/>
+                </a:solidFill>
+                <a:latin typeface="Inconsolata Medium" panose="020B0609030003000000" pitchFamily="49" charset="77"/>
+              </a:rPr>
+              <a:t>25</a:t>
+            </a:r>
+            <a:r>
+              <a:rPr lang="en-US" b="1" dirty="0">
+                <a:latin typeface="Inconsolata Medium" panose="020B0609030003000000" pitchFamily="49" charset="77"/>
+              </a:rPr>
+              <a:t>]: </a:t>
+            </a:r>
+            <a:r>
+              <a:rPr lang="en-US" b="1" dirty="0" err="1">
+                <a:solidFill>
+                  <a:srgbClr val="000087"/>
+                </a:solidFill>
+                <a:latin typeface="Inconsolata Medium" panose="020B0609030003000000" pitchFamily="49" charset="77"/>
+              </a:rPr>
+              <a:t>return_value</a:t>
+            </a:r>
+            <a:r>
+              <a:rPr lang="en-US" b="1" dirty="0">
+                <a:solidFill>
+                  <a:srgbClr val="000087"/>
+                </a:solidFill>
+                <a:latin typeface="Inconsolata Medium" panose="020B0609030003000000" pitchFamily="49" charset="77"/>
+              </a:rPr>
+              <a:t> </a:t>
+            </a:r>
+            <a:r>
+              <a:rPr lang="en-US" b="1" dirty="0">
+                <a:solidFill>
+                  <a:srgbClr val="545454"/>
+                </a:solidFill>
+                <a:latin typeface="Inconsolata Medium" panose="020B0609030003000000" pitchFamily="49" charset="77"/>
+              </a:rPr>
+              <a:t>= </a:t>
+            </a:r>
+            <a:r>
+              <a:rPr lang="en-US" b="1" dirty="0">
+                <a:solidFill>
+                  <a:srgbClr val="006699"/>
+                </a:solidFill>
+                <a:latin typeface="Inconsolata Medium" panose="020B0609030003000000" pitchFamily="49" charset="77"/>
+              </a:rPr>
+              <a:t>print</a:t>
+            </a:r>
+            <a:r>
+              <a:rPr lang="en-US" b="1" dirty="0">
+                <a:latin typeface="Inconsolata Medium" panose="020B0609030003000000" pitchFamily="49" charset="77"/>
+              </a:rPr>
+              <a:t>(</a:t>
+            </a:r>
+            <a:r>
+              <a:rPr lang="en-US" b="1" dirty="0">
+                <a:solidFill>
+                  <a:srgbClr val="CC3300"/>
+                </a:solidFill>
+                <a:latin typeface="Inconsolata Medium" panose="020B0609030003000000" pitchFamily="49" charset="77"/>
+              </a:rPr>
+              <a:t>'</a:t>
+            </a:r>
+            <a:r>
+              <a:rPr lang="en-US" b="1" dirty="0" err="1">
+                <a:solidFill>
+                  <a:srgbClr val="CC3300"/>
+                </a:solidFill>
+                <a:latin typeface="Inconsolata Medium" panose="020B0609030003000000" pitchFamily="49" charset="77"/>
+              </a:rPr>
+              <a:t>abc</a:t>
+            </a:r>
+            <a:r>
+              <a:rPr lang="en-US" b="1" dirty="0">
+                <a:solidFill>
+                  <a:srgbClr val="CC3300"/>
+                </a:solidFill>
+                <a:latin typeface="Inconsolata Medium" panose="020B0609030003000000" pitchFamily="49" charset="77"/>
+              </a:rPr>
+              <a:t>’</a:t>
+            </a:r>
+            <a:r>
+              <a:rPr lang="en-US" b="1" dirty="0">
+                <a:latin typeface="Inconsolata Medium" panose="020B0609030003000000" pitchFamily="49" charset="77"/>
+              </a:rPr>
+              <a:t>) </a:t>
+            </a:r>
+          </a:p>
+          <a:p>
+            <a:pPr marL="0" indent="0">
+              <a:buNone/>
+            </a:pPr>
+            <a:r>
+              <a:rPr lang="en-US" b="1" dirty="0" err="1">
+                <a:latin typeface="Inconsolata Medium" panose="020B0609030003000000" pitchFamily="49" charset="77"/>
+              </a:rPr>
+              <a:t>abc</a:t>
+            </a:r>
+            <a:br>
+              <a:rPr lang="en-US" b="1" dirty="0">
+                <a:latin typeface="Inconsolata Medium" panose="020B0609030003000000" pitchFamily="49" charset="77"/>
+              </a:rPr>
+            </a:br>
+            <a:endParaRPr lang="en-US" b="1" dirty="0">
+              <a:latin typeface="Inconsolata Medium" panose="020B0609030003000000" pitchFamily="49" charset="77"/>
+            </a:endParaRPr>
+          </a:p>
+          <a:p>
+            <a:pPr marL="0" indent="0">
+              <a:buNone/>
+            </a:pPr>
+            <a:r>
+              <a:rPr lang="en-US" b="1" dirty="0">
+                <a:solidFill>
+                  <a:srgbClr val="000087"/>
+                </a:solidFill>
+                <a:latin typeface="Inconsolata Medium" panose="020B0609030003000000" pitchFamily="49" charset="77"/>
+              </a:rPr>
+              <a:t>In </a:t>
+            </a:r>
+            <a:r>
+              <a:rPr lang="en-US" b="1" dirty="0">
+                <a:latin typeface="Inconsolata Medium" panose="020B0609030003000000" pitchFamily="49" charset="77"/>
+              </a:rPr>
+              <a:t>[</a:t>
+            </a:r>
+            <a:r>
+              <a:rPr lang="en-US" b="1" dirty="0">
+                <a:solidFill>
+                  <a:srgbClr val="FF6600"/>
+                </a:solidFill>
+                <a:latin typeface="Inconsolata Medium" panose="020B0609030003000000" pitchFamily="49" charset="77"/>
+              </a:rPr>
+              <a:t>26</a:t>
+            </a:r>
+            <a:r>
+              <a:rPr lang="en-US" b="1" dirty="0">
+                <a:latin typeface="Inconsolata Medium" panose="020B0609030003000000" pitchFamily="49" charset="77"/>
+              </a:rPr>
+              <a:t>]: </a:t>
+            </a:r>
+            <a:r>
+              <a:rPr lang="en-US" b="1" dirty="0">
+                <a:solidFill>
+                  <a:srgbClr val="006699"/>
+                </a:solidFill>
+                <a:latin typeface="Inconsolata Medium" panose="020B0609030003000000" pitchFamily="49" charset="77"/>
+              </a:rPr>
+              <a:t>print</a:t>
+            </a:r>
+            <a:r>
+              <a:rPr lang="en-US" b="1" dirty="0">
+                <a:latin typeface="Inconsolata Medium" panose="020B0609030003000000" pitchFamily="49" charset="77"/>
+              </a:rPr>
+              <a:t>(</a:t>
+            </a:r>
+            <a:r>
+              <a:rPr lang="en-US" b="1" dirty="0" err="1">
+                <a:solidFill>
+                  <a:srgbClr val="000087"/>
+                </a:solidFill>
+                <a:latin typeface="Inconsolata Medium" panose="020B0609030003000000" pitchFamily="49" charset="77"/>
+              </a:rPr>
+              <a:t>return_value</a:t>
+            </a:r>
+            <a:r>
+              <a:rPr lang="en-US" b="1" dirty="0">
+                <a:latin typeface="Inconsolata Medium" panose="020B0609030003000000" pitchFamily="49" charset="77"/>
+              </a:rPr>
+              <a:t>)</a:t>
+            </a:r>
+            <a:br>
+              <a:rPr lang="en-US" b="1" dirty="0">
+                <a:latin typeface="Inconsolata Medium" panose="020B0609030003000000" pitchFamily="49" charset="77"/>
+              </a:rPr>
+            </a:br>
+            <a:r>
+              <a:rPr lang="en-US" b="1" dirty="0">
+                <a:latin typeface="Inconsolata Medium" panose="020B0609030003000000" pitchFamily="49" charset="77"/>
+              </a:rPr>
+              <a:t>None </a:t>
+            </a:r>
+          </a:p>
+          <a:p>
+            <a:pPr marL="0" indent="0">
+              <a:buNone/>
+            </a:pPr>
+            <a:endParaRPr lang="en-US" dirty="0"/>
+          </a:p>
+          <a:p>
+            <a:pPr marL="0" indent="0">
+              <a:buNone/>
+            </a:pPr>
+            <a:endParaRPr lang="en-US" dirty="0"/>
+          </a:p>
+          <a:p>
+            <a:pPr marL="0" indent="0">
+              <a:buNone/>
+            </a:pPr>
+            <a:endParaRPr lang="en-US" sz="1900" b="1" dirty="0">
+              <a:latin typeface="Inconsolata Medium" panose="020B0609030003000000" pitchFamily="49" charset="77"/>
+            </a:endParaRPr>
+          </a:p>
+        </p:txBody>
+      </p:sp>
+    </p:spTree>
+    <p:extLst>
+      <p:ext uri="{BB962C8B-B14F-4D97-AF65-F5344CB8AC3E}">
+        <p14:creationId xmlns:p14="http://schemas.microsoft.com/office/powerpoint/2010/main" val="1096082918"/>
+      </p:ext>
+    </p:extLst>
+  </p:cSld>
+  <p:clrMapOvr>
+    <a:masterClrMapping/>
+  </p:clrMapOvr>
+</p:sld>
+</file>
+
+<file path=ppt/slides/slide12.xml><?xml version="1.0" encoding="utf-8"?>
+<p:sld xmlns:a="http://schemas.openxmlformats.org/drawingml/2006/main" xmlns:r="http://schemas.openxmlformats.org/officeDocument/2006/relationships" xmlns:p="http://schemas.openxmlformats.org/presentationml/2006/main">
+  <p:cSld>
+    <p:spTree>
+      <p:nvGrpSpPr>
+        <p:cNvPr id="1" name=""/>
+        <p:cNvGrpSpPr/>
+        <p:nvPr/>
+      </p:nvGrpSpPr>
+      <p:grpSpPr>
+        <a:xfrm>
+          <a:off x="0" y="0"/>
+          <a:ext cx="0" cy="0"/>
+          <a:chOff x="0" y="0"/>
+          <a:chExt cx="0" cy="0"/>
+        </a:xfrm>
+      </p:grpSpPr>
+      <p:sp>
+        <p:nvSpPr>
+          <p:cNvPr id="2" name="Title 1">
+            <a:extLst>
+              <a:ext uri="{FF2B5EF4-FFF2-40B4-BE49-F238E27FC236}">
+                <a16:creationId xmlns:a16="http://schemas.microsoft.com/office/drawing/2014/main" id="{AA3A228F-61D0-D949-A5E7-F83756230BF8}"/>
+              </a:ext>
+            </a:extLst>
+          </p:cNvPr>
+          <p:cNvSpPr>
+            <a:spLocks noGrp="1"/>
+          </p:cNvSpPr>
+          <p:nvPr>
+            <p:ph type="title"/>
+          </p:nvPr>
+        </p:nvSpPr>
+        <p:spPr>
+          <a:xfrm>
+            <a:off x="483848" y="467027"/>
+            <a:ext cx="7053542" cy="683886"/>
+          </a:xfrm>
+        </p:spPr>
+        <p:txBody>
+          <a:bodyPr/>
+          <a:lstStyle/>
+          <a:p>
+            <a:r>
+              <a:rPr lang="en-US" dirty="0" err="1"/>
+              <a:t>NoneType</a:t>
+            </a:r>
+            <a:endParaRPr lang="en-US" dirty="0"/>
+          </a:p>
+        </p:txBody>
+      </p:sp>
+      <p:sp>
+        <p:nvSpPr>
+          <p:cNvPr id="9" name="Content Placeholder 8">
+            <a:extLst>
+              <a:ext uri="{FF2B5EF4-FFF2-40B4-BE49-F238E27FC236}">
+                <a16:creationId xmlns:a16="http://schemas.microsoft.com/office/drawing/2014/main" id="{E3B2E017-30B2-884B-A113-B419A2ED51AD}"/>
+              </a:ext>
+            </a:extLst>
+          </p:cNvPr>
+          <p:cNvSpPr>
+            <a:spLocks noGrp="1"/>
+          </p:cNvSpPr>
+          <p:nvPr>
+            <p:ph idx="1"/>
+          </p:nvPr>
+        </p:nvSpPr>
+        <p:spPr>
+          <a:xfrm>
+            <a:off x="483848" y="1150913"/>
+            <a:ext cx="8051725" cy="4440590"/>
+          </a:xfrm>
+        </p:spPr>
+        <p:txBody>
+          <a:bodyPr>
+            <a:noAutofit/>
+          </a:bodyPr>
+          <a:lstStyle/>
+          <a:p>
+            <a:pPr marL="0" indent="0">
+              <a:buNone/>
+            </a:pPr>
+            <a:endParaRPr lang="en-US"/>
+          </a:p>
+          <a:p>
+            <a:pPr marL="0" indent="0">
+              <a:buNone/>
+            </a:pPr>
+            <a:r>
+              <a:rPr lang="en-US"/>
+              <a:t>You’ll </a:t>
+            </a:r>
+            <a:r>
+              <a:rPr lang="en-US" dirty="0"/>
+              <a:t>see None used in many places, but perhaps most commonly it is used as the default return value of a function. </a:t>
+            </a:r>
+          </a:p>
+          <a:p>
+            <a:pPr marL="0" indent="0">
+              <a:buNone/>
+            </a:pPr>
+            <a:r>
+              <a:rPr lang="en-US" b="1" dirty="0">
+                <a:solidFill>
+                  <a:srgbClr val="000087"/>
+                </a:solidFill>
+                <a:latin typeface="Inconsolata Medium" panose="020B0609030003000000" pitchFamily="49" charset="77"/>
+              </a:rPr>
+              <a:t>In </a:t>
+            </a:r>
+            <a:r>
+              <a:rPr lang="en-US" b="1" dirty="0">
+                <a:latin typeface="Inconsolata Medium" panose="020B0609030003000000" pitchFamily="49" charset="77"/>
+              </a:rPr>
+              <a:t>[</a:t>
+            </a:r>
+            <a:r>
+              <a:rPr lang="en-US" b="1" dirty="0">
+                <a:solidFill>
+                  <a:srgbClr val="FF6600"/>
+                </a:solidFill>
+                <a:latin typeface="Inconsolata Medium" panose="020B0609030003000000" pitchFamily="49" charset="77"/>
+              </a:rPr>
+              <a:t>25</a:t>
+            </a:r>
+            <a:r>
+              <a:rPr lang="en-US" b="1" dirty="0">
+                <a:latin typeface="Inconsolata Medium" panose="020B0609030003000000" pitchFamily="49" charset="77"/>
+              </a:rPr>
+              <a:t>]: </a:t>
+            </a:r>
+            <a:r>
+              <a:rPr lang="en-US" b="1" dirty="0" err="1">
+                <a:solidFill>
+                  <a:srgbClr val="000087"/>
+                </a:solidFill>
+                <a:latin typeface="Inconsolata Medium" panose="020B0609030003000000" pitchFamily="49" charset="77"/>
+              </a:rPr>
+              <a:t>return_value</a:t>
+            </a:r>
+            <a:r>
+              <a:rPr lang="en-US" b="1" dirty="0">
+                <a:solidFill>
+                  <a:srgbClr val="000087"/>
+                </a:solidFill>
+                <a:latin typeface="Inconsolata Medium" panose="020B0609030003000000" pitchFamily="49" charset="77"/>
+              </a:rPr>
+              <a:t> </a:t>
+            </a:r>
+            <a:r>
+              <a:rPr lang="en-US" b="1" dirty="0">
+                <a:solidFill>
+                  <a:srgbClr val="545454"/>
+                </a:solidFill>
+                <a:latin typeface="Inconsolata Medium" panose="020B0609030003000000" pitchFamily="49" charset="77"/>
+              </a:rPr>
+              <a:t>= </a:t>
+            </a:r>
+            <a:r>
+              <a:rPr lang="en-US" b="1" dirty="0">
+                <a:solidFill>
+                  <a:srgbClr val="006699"/>
+                </a:solidFill>
+                <a:latin typeface="Inconsolata Medium" panose="020B0609030003000000" pitchFamily="49" charset="77"/>
+              </a:rPr>
+              <a:t>print</a:t>
+            </a:r>
+            <a:r>
+              <a:rPr lang="en-US" b="1" dirty="0">
+                <a:latin typeface="Inconsolata Medium" panose="020B0609030003000000" pitchFamily="49" charset="77"/>
+              </a:rPr>
+              <a:t>(</a:t>
+            </a:r>
+            <a:r>
+              <a:rPr lang="en-US" b="1" dirty="0">
+                <a:solidFill>
+                  <a:srgbClr val="CC3300"/>
+                </a:solidFill>
+                <a:latin typeface="Inconsolata Medium" panose="020B0609030003000000" pitchFamily="49" charset="77"/>
+              </a:rPr>
+              <a:t>'</a:t>
+            </a:r>
+            <a:r>
+              <a:rPr lang="en-US" b="1" dirty="0" err="1">
+                <a:solidFill>
+                  <a:srgbClr val="CC3300"/>
+                </a:solidFill>
+                <a:latin typeface="Inconsolata Medium" panose="020B0609030003000000" pitchFamily="49" charset="77"/>
+              </a:rPr>
+              <a:t>abc</a:t>
+            </a:r>
+            <a:r>
+              <a:rPr lang="en-US" b="1" dirty="0">
+                <a:solidFill>
+                  <a:srgbClr val="CC3300"/>
+                </a:solidFill>
+                <a:latin typeface="Inconsolata Medium" panose="020B0609030003000000" pitchFamily="49" charset="77"/>
+              </a:rPr>
+              <a:t>’</a:t>
+            </a:r>
+            <a:r>
+              <a:rPr lang="en-US" b="1" dirty="0">
+                <a:latin typeface="Inconsolata Medium" panose="020B0609030003000000" pitchFamily="49" charset="77"/>
+              </a:rPr>
+              <a:t>) </a:t>
+            </a:r>
+          </a:p>
+          <a:p>
+            <a:pPr marL="0" indent="0">
+              <a:buNone/>
+            </a:pPr>
+            <a:r>
+              <a:rPr lang="en-US" b="1" dirty="0" err="1">
+                <a:latin typeface="Inconsolata Medium" panose="020B0609030003000000" pitchFamily="49" charset="77"/>
+              </a:rPr>
+              <a:t>abc</a:t>
+            </a:r>
+            <a:br>
+              <a:rPr lang="en-US" b="1" dirty="0">
+                <a:latin typeface="Inconsolata Medium" panose="020B0609030003000000" pitchFamily="49" charset="77"/>
+              </a:rPr>
+            </a:br>
+            <a:endParaRPr lang="en-US" b="1" dirty="0">
+              <a:latin typeface="Inconsolata Medium" panose="020B0609030003000000" pitchFamily="49" charset="77"/>
+            </a:endParaRPr>
+          </a:p>
+          <a:p>
+            <a:pPr marL="0" indent="0">
+              <a:buNone/>
+            </a:pPr>
+            <a:r>
+              <a:rPr lang="en-US" b="1" dirty="0">
+                <a:solidFill>
+                  <a:srgbClr val="000087"/>
+                </a:solidFill>
+                <a:latin typeface="Inconsolata Medium" panose="020B0609030003000000" pitchFamily="49" charset="77"/>
+              </a:rPr>
+              <a:t>In </a:t>
+            </a:r>
+            <a:r>
+              <a:rPr lang="en-US" b="1" dirty="0">
+                <a:latin typeface="Inconsolata Medium" panose="020B0609030003000000" pitchFamily="49" charset="77"/>
+              </a:rPr>
+              <a:t>[</a:t>
+            </a:r>
+            <a:r>
+              <a:rPr lang="en-US" b="1" dirty="0">
+                <a:solidFill>
+                  <a:srgbClr val="FF6600"/>
+                </a:solidFill>
+                <a:latin typeface="Inconsolata Medium" panose="020B0609030003000000" pitchFamily="49" charset="77"/>
+              </a:rPr>
+              <a:t>26</a:t>
+            </a:r>
+            <a:r>
+              <a:rPr lang="en-US" b="1" dirty="0">
+                <a:latin typeface="Inconsolata Medium" panose="020B0609030003000000" pitchFamily="49" charset="77"/>
+              </a:rPr>
+              <a:t>]: </a:t>
+            </a:r>
+            <a:r>
+              <a:rPr lang="en-US" b="1" dirty="0">
+                <a:solidFill>
+                  <a:srgbClr val="006699"/>
+                </a:solidFill>
+                <a:latin typeface="Inconsolata Medium" panose="020B0609030003000000" pitchFamily="49" charset="77"/>
+              </a:rPr>
+              <a:t>print</a:t>
+            </a:r>
+            <a:r>
+              <a:rPr lang="en-US" b="1" dirty="0">
+                <a:latin typeface="Inconsolata Medium" panose="020B0609030003000000" pitchFamily="49" charset="77"/>
+              </a:rPr>
+              <a:t>(</a:t>
+            </a:r>
+            <a:r>
+              <a:rPr lang="en-US" b="1" dirty="0" err="1">
+                <a:solidFill>
+                  <a:srgbClr val="000087"/>
+                </a:solidFill>
+                <a:latin typeface="Inconsolata Medium" panose="020B0609030003000000" pitchFamily="49" charset="77"/>
+              </a:rPr>
+              <a:t>return_value</a:t>
+            </a:r>
+            <a:r>
+              <a:rPr lang="en-US" b="1" dirty="0">
+                <a:latin typeface="Inconsolata Medium" panose="020B0609030003000000" pitchFamily="49" charset="77"/>
+              </a:rPr>
+              <a:t>)</a:t>
+            </a:r>
+            <a:br>
+              <a:rPr lang="en-US" b="1" dirty="0">
+                <a:latin typeface="Inconsolata Medium" panose="020B0609030003000000" pitchFamily="49" charset="77"/>
+              </a:rPr>
+            </a:br>
+            <a:r>
+              <a:rPr lang="en-US" b="1" dirty="0">
+                <a:latin typeface="Inconsolata Medium" panose="020B0609030003000000" pitchFamily="49" charset="77"/>
+              </a:rPr>
+              <a:t>None </a:t>
+            </a:r>
+          </a:p>
+          <a:p>
+            <a:pPr marL="0" indent="0">
+              <a:buNone/>
+            </a:pPr>
+            <a:endParaRPr lang="en-US" dirty="0"/>
+          </a:p>
+          <a:p>
+            <a:pPr marL="0" indent="0">
+              <a:buNone/>
+            </a:pPr>
+            <a:endParaRPr lang="en-US" dirty="0"/>
+          </a:p>
+          <a:p>
+            <a:pPr marL="0" indent="0">
+              <a:buNone/>
+            </a:pPr>
+            <a:endParaRPr lang="en-US" sz="1900" b="1" dirty="0">
+              <a:latin typeface="Inconsolata Medium" panose="020B0609030003000000" pitchFamily="49" charset="77"/>
+            </a:endParaRPr>
+          </a:p>
+        </p:txBody>
+      </p:sp>
+    </p:spTree>
+    <p:extLst>
+      <p:ext uri="{BB962C8B-B14F-4D97-AF65-F5344CB8AC3E}">
+        <p14:creationId xmlns:p14="http://schemas.microsoft.com/office/powerpoint/2010/main" val="1714696104"/>
+      </p:ext>
+    </p:extLst>
+  </p:cSld>
+  <p:clrMapOvr>
+    <a:masterClrMapping/>
+  </p:clrMapOvr>
+</p:sld>
+</file>
+
+<file path=ppt/slides/slide13.xml><?xml version="1.0" encoding="utf-8"?>
+<p:sld xmlns:a="http://schemas.openxmlformats.org/drawingml/2006/main" xmlns:r="http://schemas.openxmlformats.org/officeDocument/2006/relationships" xmlns:p="http://schemas.openxmlformats.org/presentationml/2006/main">
+  <p:cSld>
+    <p:spTree>
+      <p:nvGrpSpPr>
+        <p:cNvPr id="1" name=""/>
+        <p:cNvGrpSpPr/>
+        <p:nvPr/>
+      </p:nvGrpSpPr>
+      <p:grpSpPr>
+        <a:xfrm>
+          <a:off x="0" y="0"/>
+          <a:ext cx="0" cy="0"/>
+          <a:chOff x="0" y="0"/>
+          <a:chExt cx="0" cy="0"/>
+        </a:xfrm>
+      </p:grpSpPr>
+      <p:sp>
+        <p:nvSpPr>
+          <p:cNvPr id="2" name="Title 1">
+            <a:extLst>
+              <a:ext uri="{FF2B5EF4-FFF2-40B4-BE49-F238E27FC236}">
+                <a16:creationId xmlns:a16="http://schemas.microsoft.com/office/drawing/2014/main" id="{AA3A228F-61D0-D949-A5E7-F83756230BF8}"/>
+              </a:ext>
+            </a:extLst>
+          </p:cNvPr>
+          <p:cNvSpPr>
+            <a:spLocks noGrp="1"/>
+          </p:cNvSpPr>
+          <p:nvPr>
+            <p:ph type="title"/>
+          </p:nvPr>
+        </p:nvSpPr>
+        <p:spPr>
+          <a:xfrm>
+            <a:off x="483848" y="467027"/>
+            <a:ext cx="7053542" cy="683886"/>
+          </a:xfrm>
+        </p:spPr>
+        <p:txBody>
+          <a:bodyPr/>
+          <a:lstStyle/>
+          <a:p>
+            <a:r>
+              <a:rPr lang="en-US" dirty="0"/>
+              <a:t>References</a:t>
+            </a:r>
+          </a:p>
+        </p:txBody>
+      </p:sp>
+      <p:sp>
+        <p:nvSpPr>
+          <p:cNvPr id="9" name="Content Placeholder 8">
+            <a:extLst>
+              <a:ext uri="{FF2B5EF4-FFF2-40B4-BE49-F238E27FC236}">
+                <a16:creationId xmlns:a16="http://schemas.microsoft.com/office/drawing/2014/main" id="{E3B2E017-30B2-884B-A113-B419A2ED51AD}"/>
+              </a:ext>
+            </a:extLst>
+          </p:cNvPr>
+          <p:cNvSpPr>
+            <a:spLocks noGrp="1"/>
+          </p:cNvSpPr>
+          <p:nvPr>
+            <p:ph idx="1"/>
+          </p:nvPr>
+        </p:nvSpPr>
+        <p:spPr>
+          <a:xfrm>
+            <a:off x="483848" y="1150913"/>
+            <a:ext cx="8051725" cy="4440590"/>
+          </a:xfrm>
+        </p:spPr>
+        <p:txBody>
+          <a:bodyPr>
+            <a:noAutofit/>
+          </a:bodyPr>
+          <a:lstStyle/>
+          <a:p>
+            <a:pPr marL="0" indent="0">
+              <a:buNone/>
+            </a:pPr>
+            <a:endParaRPr lang="en-US" dirty="0"/>
+          </a:p>
+          <a:p>
+            <a:pPr marL="0" indent="0">
+              <a:buNone/>
+            </a:pPr>
+            <a:endParaRPr lang="en-US"/>
+          </a:p>
+          <a:p>
+            <a:pPr marL="0" indent="0">
+              <a:buNone/>
+            </a:pPr>
+            <a:endParaRPr lang="en-US" dirty="0"/>
+          </a:p>
+          <a:p>
+            <a:pPr marL="457200" indent="-457200">
+              <a:buAutoNum type="arabicParenR"/>
+            </a:pPr>
+            <a:r>
+              <a:rPr lang="en-US" dirty="0" err="1"/>
+              <a:t>Vanderplas</a:t>
+            </a:r>
+            <a:r>
+              <a:rPr lang="en-US" dirty="0"/>
+              <a:t>, Jake, A Whirlwind Tour of Python, </a:t>
+            </a:r>
+            <a:r>
+              <a:rPr lang="en-US" dirty="0" err="1"/>
+              <a:t>O’reilly</a:t>
+            </a:r>
+            <a:r>
+              <a:rPr lang="en-US" dirty="0"/>
+              <a:t> Media. </a:t>
+            </a:r>
+          </a:p>
+          <a:p>
+            <a:pPr marL="0" indent="0">
+              <a:buNone/>
+            </a:pPr>
+            <a:endParaRPr lang="en-US" dirty="0"/>
+          </a:p>
+          <a:p>
+            <a:pPr marL="0" indent="0">
+              <a:buNone/>
+            </a:pPr>
+            <a:r>
+              <a:rPr lang="en-US" dirty="0"/>
+              <a:t>This book is completely free and can be downloaded online at </a:t>
+            </a:r>
+            <a:r>
+              <a:rPr lang="en-US" dirty="0" err="1"/>
+              <a:t>O’reilly’s</a:t>
+            </a:r>
+            <a:r>
+              <a:rPr lang="en-US" dirty="0"/>
+              <a:t> site. </a:t>
+            </a:r>
+          </a:p>
+        </p:txBody>
+      </p:sp>
+    </p:spTree>
+    <p:extLst>
+      <p:ext uri="{BB962C8B-B14F-4D97-AF65-F5344CB8AC3E}">
+        <p14:creationId xmlns:p14="http://schemas.microsoft.com/office/powerpoint/2010/main" val="2783383753"/>
       </p:ext>
     </p:extLst>
   </p:cSld>
@@ -3575,63 +4924,44 @@
           </a:p>
           <a:p>
             <a:pPr marL="457200" indent="-457200">
-              <a:buFont typeface="+mj-lt"/>
+              <a:buAutoNum type="arabicParenR"/>
+            </a:pPr>
+            <a:endParaRPr lang="en-US" dirty="0">
+              <a:latin typeface="Gill Sans MT" panose="020B0502020104020203" pitchFamily="34" charset="77"/>
+            </a:endParaRPr>
+          </a:p>
+          <a:p>
+            <a:pPr marL="457200" indent="-457200">
+              <a:buAutoNum type="arabicParenR"/>
+            </a:pPr>
+            <a:endParaRPr lang="en-US" dirty="0">
+              <a:latin typeface="Gill Sans MT" panose="020B0502020104020203" pitchFamily="34" charset="77"/>
+            </a:endParaRPr>
+          </a:p>
+          <a:p>
+            <a:pPr marL="457200" indent="-457200">
               <a:buAutoNum type="arabicParenR"/>
             </a:pPr>
             <a:r>
               <a:rPr lang="en-US" dirty="0">
                 <a:latin typeface="Gill Sans MT" panose="020B0502020104020203" pitchFamily="34" charset="77"/>
               </a:rPr>
-              <a:t>Variables</a:t>
+              <a:t>Strings (indexing, slicing)</a:t>
             </a:r>
           </a:p>
           <a:p>
             <a:pPr marL="457200" indent="-457200">
-              <a:buFont typeface="+mj-lt"/>
               <a:buAutoNum type="arabicParenR"/>
             </a:pPr>
             <a:r>
-              <a:rPr lang="en-US" dirty="0">
+              <a:rPr lang="en-US" dirty="0" err="1">
                 <a:latin typeface="Gill Sans MT" panose="020B0502020104020203" pitchFamily="34" charset="77"/>
               </a:rPr>
-              <a:t>Operations</a:t>
-            </a:r>
-          </a:p>
-          <a:p>
-            <a:pPr marL="800100" lvl="1" indent="-457200">
-              <a:buFont typeface="+mj-lt"/>
-              <a:buAutoNum type="alphaLcParenR"/>
-            </a:pPr>
-            <a:r>
-              <a:rPr lang="en-US" dirty="0">
-                <a:latin typeface="Gill Sans MT" panose="020B0502020104020203" pitchFamily="34" charset="77"/>
-              </a:rPr>
-              <a:t>Arithmetic</a:t>
-            </a:r>
-          </a:p>
-          <a:p>
-            <a:pPr marL="800100" lvl="1" indent="-457200">
-              <a:buFont typeface="+mj-lt"/>
-              <a:buAutoNum type="alphaLcParenR"/>
-            </a:pPr>
-            <a:r>
-              <a:rPr lang="en-US" dirty="0">
-                <a:latin typeface="Gill Sans MT" panose="020B0502020104020203" pitchFamily="34" charset="77"/>
-              </a:rPr>
-              <a:t>Comparison</a:t>
-            </a:r>
-          </a:p>
-          <a:p>
-            <a:pPr marL="800100" lvl="1" indent="-457200">
-              <a:buFont typeface="+mj-lt"/>
-              <a:buAutoNum type="alphaLcParenR"/>
-            </a:pPr>
-            <a:r>
-              <a:rPr lang="en-US" dirty="0">
-                <a:latin typeface="Gill Sans MT" panose="020B0502020104020203" pitchFamily="34" charset="77"/>
-              </a:rPr>
-              <a:t>Boolean</a:t>
-            </a:r>
+              <a:t>NoneType</a:t>
+            </a:r>
+            <a:endParaRPr lang="en-US" dirty="0">
+              <a:latin typeface="Gill Sans MT" panose="020B0502020104020203" pitchFamily="34" charset="77"/>
+            </a:endParaRPr>
           </a:p>
           <a:p>
             <a:pPr marL="342900" lvl="1" indent="0">
@@ -3742,7 +5072,7 @@
           <a:p>
             <a:r>
               <a:rPr lang="en-US" dirty="0"/>
-              <a:t>Arithmetic Operations</a:t>
+              <a:t>String</a:t>
             </a:r>
           </a:p>
         </p:txBody>
@@ -3778,52 +5108,357 @@
             <a:pPr marL="0" indent="0">
               <a:buNone/>
             </a:pPr>
-            <a:endParaRPr lang="en-US" sz="2000" dirty="0"/>
-          </a:p>
-          <a:p>
-            <a:pPr marL="0" indent="0">
-              <a:buNone/>
-            </a:pPr>
-            <a:endParaRPr lang="en-US" sz="2000" b="1" dirty="0">
+            <a:r>
+              <a:rPr lang="en-US" dirty="0"/>
+              <a:t>Strings in Python are created with single or double quotes. </a:t>
+            </a:r>
+          </a:p>
+          <a:p>
+            <a:pPr marL="0" indent="0">
+              <a:buNone/>
+            </a:pPr>
+            <a:endParaRPr lang="en-US" dirty="0"/>
+          </a:p>
+          <a:p>
+            <a:pPr marL="0" indent="0">
+              <a:buNone/>
+            </a:pPr>
+            <a:r>
+              <a:rPr lang="en-US" b="1" dirty="0">
+                <a:solidFill>
+                  <a:srgbClr val="000087"/>
+                </a:solidFill>
+                <a:latin typeface="Inconsolata Medium" panose="020B0609030003000000" pitchFamily="49" charset="77"/>
+              </a:rPr>
+              <a:t>In </a:t>
+            </a:r>
+            <a:r>
+              <a:rPr lang="en-US" b="1" dirty="0">
+                <a:latin typeface="Inconsolata Medium" panose="020B0609030003000000" pitchFamily="49" charset="77"/>
+              </a:rPr>
+              <a:t>[</a:t>
+            </a:r>
+            <a:r>
+              <a:rPr lang="en-US" b="1" dirty="0">
+                <a:solidFill>
+                  <a:srgbClr val="FF6600"/>
+                </a:solidFill>
+                <a:latin typeface="Inconsolata Medium" panose="020B0609030003000000" pitchFamily="49" charset="77"/>
+              </a:rPr>
+              <a:t>17</a:t>
+            </a:r>
+            <a:r>
+              <a:rPr lang="en-US" b="1" dirty="0">
+                <a:latin typeface="Inconsolata Medium" panose="020B0609030003000000" pitchFamily="49" charset="77"/>
+              </a:rPr>
+              <a:t>]: </a:t>
+            </a:r>
+            <a:r>
+              <a:rPr lang="en-US" b="1" dirty="0">
+                <a:solidFill>
+                  <a:srgbClr val="000087"/>
+                </a:solidFill>
+                <a:latin typeface="Inconsolata Medium" panose="020B0609030003000000" pitchFamily="49" charset="77"/>
+              </a:rPr>
+              <a:t>message </a:t>
+            </a:r>
+            <a:r>
+              <a:rPr lang="en-US" b="1" dirty="0">
+                <a:solidFill>
+                  <a:srgbClr val="545454"/>
+                </a:solidFill>
+                <a:latin typeface="Inconsolata Medium" panose="020B0609030003000000" pitchFamily="49" charset="77"/>
+              </a:rPr>
+              <a:t>= </a:t>
+            </a:r>
+            <a:r>
+              <a:rPr lang="en-US" b="1" dirty="0">
+                <a:solidFill>
+                  <a:srgbClr val="CC3300"/>
+                </a:solidFill>
+                <a:latin typeface="Inconsolata Medium" panose="020B0609030003000000" pitchFamily="49" charset="77"/>
+              </a:rPr>
+              <a:t>‘what do you like?’ </a:t>
+            </a:r>
+          </a:p>
+          <a:p>
+            <a:pPr marL="0" indent="0">
+              <a:buNone/>
+            </a:pPr>
+            <a:r>
+              <a:rPr lang="en-US" b="1" dirty="0">
+                <a:solidFill>
+                  <a:srgbClr val="CC3300"/>
+                </a:solidFill>
+                <a:latin typeface="Inconsolata Medium" panose="020B0609030003000000" pitchFamily="49" charset="77"/>
+              </a:rPr>
+              <a:t>	    </a:t>
+            </a:r>
+            <a:r>
+              <a:rPr lang="en-US" b="1" dirty="0">
+                <a:solidFill>
+                  <a:srgbClr val="000087"/>
+                </a:solidFill>
+                <a:latin typeface="Inconsolata Medium" panose="020B0609030003000000" pitchFamily="49" charset="77"/>
+              </a:rPr>
+              <a:t>response </a:t>
+            </a:r>
+            <a:r>
+              <a:rPr lang="en-US" b="1" dirty="0">
+                <a:solidFill>
+                  <a:srgbClr val="545454"/>
+                </a:solidFill>
+                <a:latin typeface="Inconsolata Medium" panose="020B0609030003000000" pitchFamily="49" charset="77"/>
+              </a:rPr>
+              <a:t>= </a:t>
+            </a:r>
+            <a:r>
+              <a:rPr lang="en-US" b="1" dirty="0">
+                <a:solidFill>
+                  <a:srgbClr val="CC3300"/>
+                </a:solidFill>
+                <a:latin typeface="Inconsolata Medium" panose="020B0609030003000000" pitchFamily="49" charset="77"/>
+              </a:rPr>
+              <a:t>‘spam' </a:t>
+            </a:r>
+            <a:endParaRPr lang="en-US" b="1" dirty="0">
               <a:latin typeface="Inconsolata Medium" panose="020B0609030003000000" pitchFamily="49" charset="77"/>
             </a:endParaRPr>
           </a:p>
-        </p:txBody>
-      </p:sp>
-      <p:pic>
-        <p:nvPicPr>
-          <p:cNvPr id="5" name="Picture 4">
-            <a:extLst>
-              <a:ext uri="{FF2B5EF4-FFF2-40B4-BE49-F238E27FC236}">
-                <a16:creationId xmlns:a16="http://schemas.microsoft.com/office/drawing/2014/main" id="{95A91F39-ED3A-DF40-A679-CCDEC730876D}"/>
-              </a:ext>
-            </a:extLst>
-          </p:cNvPr>
-          <p:cNvPicPr>
-            <a:picLocks noChangeAspect="1"/>
-          </p:cNvPicPr>
-          <p:nvPr/>
-        </p:nvPicPr>
-        <p:blipFill>
-          <a:blip r:embed="rId2"/>
-          <a:stretch>
-            <a:fillRect/>
-          </a:stretch>
-        </p:blipFill>
-        <p:spPr>
-          <a:xfrm>
-            <a:off x="370918" y="1027416"/>
-            <a:ext cx="6917576" cy="4564087"/>
-          </a:xfrm>
-          <a:prstGeom prst="rect">
-            <a:avLst/>
-          </a:prstGeom>
-        </p:spPr>
-      </p:pic>
+          <a:p>
+            <a:pPr marL="0" indent="0">
+              <a:buNone/>
+            </a:pPr>
+            <a:r>
+              <a:rPr lang="en-US" b="1" dirty="0">
+                <a:solidFill>
+                  <a:srgbClr val="000087"/>
+                </a:solidFill>
+                <a:latin typeface="Inconsolata Medium" panose="020B0609030003000000" pitchFamily="49" charset="77"/>
+              </a:rPr>
+              <a:t>In </a:t>
+            </a:r>
+            <a:r>
+              <a:rPr lang="en-US" b="1" dirty="0">
+                <a:latin typeface="Inconsolata Medium" panose="020B0609030003000000" pitchFamily="49" charset="77"/>
+              </a:rPr>
+              <a:t>[</a:t>
+            </a:r>
+            <a:r>
+              <a:rPr lang="en-US" b="1" dirty="0">
+                <a:solidFill>
+                  <a:srgbClr val="FF6600"/>
+                </a:solidFill>
+                <a:latin typeface="Inconsolata Medium" panose="020B0609030003000000" pitchFamily="49" charset="77"/>
+              </a:rPr>
+              <a:t>18</a:t>
+            </a:r>
+            <a:r>
+              <a:rPr lang="en-US" b="1" dirty="0">
+                <a:latin typeface="Inconsolata Medium" panose="020B0609030003000000" pitchFamily="49" charset="77"/>
+              </a:rPr>
+              <a:t>]: </a:t>
+            </a:r>
+            <a:r>
+              <a:rPr lang="en-US" b="1" dirty="0" err="1">
+                <a:solidFill>
+                  <a:srgbClr val="336666"/>
+                </a:solidFill>
+                <a:latin typeface="Inconsolata Medium" panose="020B0609030003000000" pitchFamily="49" charset="77"/>
+              </a:rPr>
+              <a:t>len</a:t>
+            </a:r>
+            <a:r>
+              <a:rPr lang="en-US" b="1" dirty="0">
+                <a:latin typeface="Inconsolata Medium" panose="020B0609030003000000" pitchFamily="49" charset="77"/>
+              </a:rPr>
+              <a:t>(</a:t>
+            </a:r>
+            <a:r>
+              <a:rPr lang="en-US" b="1" dirty="0">
+                <a:solidFill>
+                  <a:srgbClr val="000087"/>
+                </a:solidFill>
+                <a:latin typeface="Inconsolata Medium" panose="020B0609030003000000" pitchFamily="49" charset="77"/>
+              </a:rPr>
+              <a:t>response</a:t>
+            </a:r>
+            <a:r>
+              <a:rPr lang="en-US" b="1" dirty="0">
+                <a:latin typeface="Inconsolata Medium" panose="020B0609030003000000" pitchFamily="49" charset="77"/>
+              </a:rPr>
+              <a:t>) </a:t>
+            </a:r>
+          </a:p>
+          <a:p>
+            <a:pPr marL="0" indent="0">
+              <a:buNone/>
+            </a:pPr>
+            <a:r>
+              <a:rPr lang="en-US" b="1" dirty="0">
+                <a:latin typeface="Inconsolata Medium" panose="020B0609030003000000" pitchFamily="49" charset="77"/>
+              </a:rPr>
+              <a:t>Out [18]: 4 </a:t>
+            </a:r>
+          </a:p>
+          <a:p>
+            <a:pPr marL="0" indent="0">
+              <a:buNone/>
+            </a:pPr>
+            <a:endParaRPr lang="en-US" b="1" dirty="0">
+              <a:solidFill>
+                <a:srgbClr val="000087"/>
+              </a:solidFill>
+              <a:latin typeface="Inconsolata Medium" panose="020B0609030003000000" pitchFamily="49" charset="77"/>
+            </a:endParaRPr>
+          </a:p>
+          <a:p>
+            <a:pPr marL="0" indent="0">
+              <a:buNone/>
+            </a:pPr>
+            <a:r>
+              <a:rPr lang="en-US" b="1" dirty="0">
+                <a:solidFill>
+                  <a:srgbClr val="000087"/>
+                </a:solidFill>
+                <a:latin typeface="Inconsolata Medium" panose="020B0609030003000000" pitchFamily="49" charset="77"/>
+              </a:rPr>
+              <a:t>In </a:t>
+            </a:r>
+            <a:r>
+              <a:rPr lang="en-US" b="1" dirty="0">
+                <a:latin typeface="Inconsolata Medium" panose="020B0609030003000000" pitchFamily="49" charset="77"/>
+              </a:rPr>
+              <a:t>[</a:t>
+            </a:r>
+            <a:r>
+              <a:rPr lang="en-US" b="1" dirty="0">
+                <a:solidFill>
+                  <a:srgbClr val="FF6600"/>
+                </a:solidFill>
+                <a:latin typeface="Inconsolata Medium" panose="020B0609030003000000" pitchFamily="49" charset="77"/>
+              </a:rPr>
+              <a:t>19</a:t>
+            </a:r>
+            <a:r>
+              <a:rPr lang="en-US" b="1" dirty="0">
+                <a:latin typeface="Inconsolata Medium" panose="020B0609030003000000" pitchFamily="49" charset="77"/>
+              </a:rPr>
+              <a:t>]: </a:t>
+            </a:r>
+            <a:r>
+              <a:rPr lang="en-US" b="1" i="1" dirty="0">
+                <a:solidFill>
+                  <a:srgbClr val="33566B"/>
+                </a:solidFill>
+                <a:latin typeface="Inconsolata Medium" panose="020B0609030003000000" pitchFamily="49" charset="77"/>
+              </a:rPr>
+              <a:t># Make uppercase. See also </a:t>
+            </a:r>
+            <a:r>
+              <a:rPr lang="en-US" b="1" i="1" dirty="0" err="1">
+                <a:solidFill>
+                  <a:srgbClr val="33566B"/>
+                </a:solidFill>
+                <a:latin typeface="Inconsolata Medium" panose="020B0609030003000000" pitchFamily="49" charset="77"/>
+              </a:rPr>
+              <a:t>str.lower</a:t>
+            </a:r>
+            <a:r>
+              <a:rPr lang="en-US" b="1" i="1" dirty="0">
+                <a:solidFill>
+                  <a:srgbClr val="33566B"/>
+                </a:solidFill>
+                <a:latin typeface="Inconsolata Medium" panose="020B0609030003000000" pitchFamily="49" charset="77"/>
+              </a:rPr>
+              <a:t>() 	   	  	    </a:t>
+            </a:r>
+            <a:r>
+              <a:rPr lang="en-US" b="1" dirty="0" err="1">
+                <a:solidFill>
+                  <a:srgbClr val="000087"/>
+                </a:solidFill>
+                <a:latin typeface="Inconsolata Medium" panose="020B0609030003000000" pitchFamily="49" charset="77"/>
+              </a:rPr>
+              <a:t>response</a:t>
+            </a:r>
+            <a:r>
+              <a:rPr lang="en-US" b="1" dirty="0" err="1">
+                <a:solidFill>
+                  <a:srgbClr val="545454"/>
+                </a:solidFill>
+                <a:latin typeface="Inconsolata Medium" panose="020B0609030003000000" pitchFamily="49" charset="77"/>
+              </a:rPr>
+              <a:t>.</a:t>
+            </a:r>
+            <a:r>
+              <a:rPr lang="en-US" b="1" dirty="0" err="1">
+                <a:solidFill>
+                  <a:srgbClr val="000087"/>
+                </a:solidFill>
+                <a:latin typeface="Inconsolata Medium" panose="020B0609030003000000" pitchFamily="49" charset="77"/>
+              </a:rPr>
+              <a:t>upper</a:t>
+            </a:r>
+            <a:r>
+              <a:rPr lang="en-US" b="1" dirty="0">
+                <a:latin typeface="Inconsolata Medium" panose="020B0609030003000000" pitchFamily="49" charset="77"/>
+              </a:rPr>
+              <a:t>() </a:t>
+            </a:r>
+          </a:p>
+          <a:p>
+            <a:pPr marL="0" indent="0">
+              <a:buNone/>
+            </a:pPr>
+            <a:r>
+              <a:rPr lang="en-US" b="1" dirty="0">
+                <a:latin typeface="Inconsolata Medium" panose="020B0609030003000000" pitchFamily="49" charset="77"/>
+              </a:rPr>
+              <a:t>Out [19]: 'SPAM’ </a:t>
+            </a:r>
+          </a:p>
+          <a:p>
+            <a:pPr marL="0" indent="0">
+              <a:buNone/>
+            </a:pPr>
+            <a:endParaRPr lang="en-US" b="1" dirty="0">
+              <a:latin typeface="Inconsolata Medium" panose="020B0609030003000000" pitchFamily="49" charset="77"/>
+            </a:endParaRPr>
+          </a:p>
+          <a:p>
+            <a:pPr marL="0" indent="0">
+              <a:buNone/>
+            </a:pPr>
+            <a:endParaRPr lang="en-US" dirty="0"/>
+          </a:p>
+          <a:p>
+            <a:pPr marL="0" indent="0">
+              <a:buNone/>
+            </a:pPr>
+            <a:r>
+              <a:rPr lang="en-US" dirty="0"/>
+              <a:t> </a:t>
+            </a:r>
+          </a:p>
+          <a:p>
+            <a:pPr marL="0" indent="0">
+              <a:buNone/>
+            </a:pPr>
+            <a:endParaRPr lang="en-US" dirty="0"/>
+          </a:p>
+          <a:p>
+            <a:pPr marL="0" indent="0">
+              <a:buNone/>
+            </a:pPr>
+            <a:endParaRPr lang="en-US" dirty="0"/>
+          </a:p>
+        </p:txBody>
+      </p:sp>
     </p:spTree>
     <p:extLst>
       <p:ext uri="{BB962C8B-B14F-4D97-AF65-F5344CB8AC3E}">
-        <p14:creationId xmlns:p14="http://schemas.microsoft.com/office/powerpoint/2010/main" val="3043984240"/>
+        <p14:creationId xmlns:p14="http://schemas.microsoft.com/office/powerpoint/2010/main" val="4018759955"/>
       </p:ext>
     </p:extLst>
   </p:cSld>
@@ -3878,7 +5513,7 @@
           <a:p>
             <a:r>
               <a:rPr lang="en-US" dirty="0"/>
-              <a:t>Comparison Operators</a:t>
+              <a:t>String Concatenation</a:t>
             </a:r>
           </a:p>
         </p:txBody>
@@ -3911,49 +5546,281 @@
           </a:bodyPr>
           <a:lstStyle/>
           <a:p>
-            <a:pPr marL="0" indent="0">
-              <a:buNone/>
-            </a:pPr>
-            <a:endParaRPr lang="en-US" sz="1900" b="1" dirty="0">
+            <a:pPr marL="0" lvl="0" indent="0">
+              <a:buNone/>
+            </a:pPr>
+            <a:r>
+              <a:rPr lang="en-US" b="1" dirty="0">
+                <a:solidFill>
+                  <a:srgbClr val="000087"/>
+                </a:solidFill>
+                <a:latin typeface="Inconsolata Medium" panose="020B0609030003000000" pitchFamily="49" charset="77"/>
+              </a:rPr>
+              <a:t>In </a:t>
+            </a:r>
+            <a:r>
+              <a:rPr lang="en-US" b="1" dirty="0">
+                <a:solidFill>
+                  <a:prstClr val="black"/>
+                </a:solidFill>
+                <a:latin typeface="Inconsolata Medium" panose="020B0609030003000000" pitchFamily="49" charset="77"/>
+              </a:rPr>
+              <a:t>[</a:t>
+            </a:r>
+            <a:r>
+              <a:rPr lang="en-US" b="1" dirty="0">
+                <a:solidFill>
+                  <a:srgbClr val="FF6600"/>
+                </a:solidFill>
+                <a:latin typeface="Inconsolata Medium" panose="020B0609030003000000" pitchFamily="49" charset="77"/>
+              </a:rPr>
+              <a:t>21</a:t>
+            </a:r>
+            <a:r>
+              <a:rPr lang="en-US" b="1" dirty="0">
+                <a:solidFill>
+                  <a:prstClr val="black"/>
+                </a:solidFill>
+                <a:latin typeface="Inconsolata Medium" panose="020B0609030003000000" pitchFamily="49" charset="77"/>
+              </a:rPr>
+              <a:t>]: </a:t>
+            </a:r>
+            <a:r>
+              <a:rPr lang="en-US" b="1" i="1" dirty="0">
+                <a:solidFill>
+                  <a:srgbClr val="33566B"/>
+                </a:solidFill>
+                <a:latin typeface="Inconsolata Medium" panose="020B0609030003000000" pitchFamily="49" charset="77"/>
+              </a:rPr>
+              <a:t># concatenation with + </a:t>
+            </a:r>
+          </a:p>
+          <a:p>
+            <a:pPr marL="0" lvl="0" indent="0">
+              <a:buNone/>
+            </a:pPr>
+            <a:r>
+              <a:rPr lang="en-US" b="1" dirty="0">
+                <a:solidFill>
+                  <a:srgbClr val="000087"/>
+                </a:solidFill>
+                <a:latin typeface="Inconsolata Medium" panose="020B0609030003000000" pitchFamily="49" charset="77"/>
+              </a:rPr>
+              <a:t>	    message </a:t>
+            </a:r>
+            <a:r>
+              <a:rPr lang="en-US" b="1" dirty="0">
+                <a:solidFill>
+                  <a:srgbClr val="545454"/>
+                </a:solidFill>
+                <a:latin typeface="Inconsolata Medium" panose="020B0609030003000000" pitchFamily="49" charset="77"/>
+              </a:rPr>
+              <a:t>+ </a:t>
+            </a:r>
+            <a:r>
+              <a:rPr lang="en-US" b="1" dirty="0">
+                <a:solidFill>
+                  <a:srgbClr val="000087"/>
+                </a:solidFill>
+                <a:latin typeface="Inconsolata Medium" panose="020B0609030003000000" pitchFamily="49" charset="77"/>
+              </a:rPr>
+              <a:t>response </a:t>
+            </a:r>
+            <a:endParaRPr lang="en-US" b="1" dirty="0">
+              <a:solidFill>
+                <a:prstClr val="black"/>
+              </a:solidFill>
               <a:latin typeface="Inconsolata Medium" panose="020B0609030003000000" pitchFamily="49" charset="77"/>
             </a:endParaRPr>
           </a:p>
-        </p:txBody>
-      </p:sp>
-      <p:pic>
-        <p:nvPicPr>
-          <p:cNvPr id="5" name="Picture 4">
-            <a:extLst>
-              <a:ext uri="{FF2B5EF4-FFF2-40B4-BE49-F238E27FC236}">
-                <a16:creationId xmlns:a16="http://schemas.microsoft.com/office/drawing/2014/main" id="{A9EDB93F-76CE-6747-9589-BC88C1222D45}"/>
-              </a:ext>
-            </a:extLst>
-          </p:cNvPr>
-          <p:cNvPicPr>
-            <a:picLocks noChangeAspect="1"/>
-          </p:cNvPicPr>
-          <p:nvPr/>
-        </p:nvPicPr>
-        <p:blipFill>
-          <a:blip r:embed="rId2"/>
-          <a:stretch>
-            <a:fillRect/>
-          </a:stretch>
-        </p:blipFill>
-        <p:spPr>
-          <a:xfrm>
-            <a:off x="483848" y="1492746"/>
-            <a:ext cx="4604085" cy="3661728"/>
-          </a:xfrm>
-          <a:prstGeom prst="rect">
-            <a:avLst/>
-          </a:prstGeom>
-        </p:spPr>
-      </p:pic>
+          <a:p>
+            <a:pPr marL="0" lvl="0" indent="0">
+              <a:buNone/>
+            </a:pPr>
+            <a:r>
+              <a:rPr lang="en-US" b="1" dirty="0">
+                <a:solidFill>
+                  <a:prstClr val="black"/>
+                </a:solidFill>
+                <a:latin typeface="Inconsolata Medium" panose="020B0609030003000000" pitchFamily="49" charset="77"/>
+              </a:rPr>
+              <a:t>Out [21]: ‘what do you </a:t>
+            </a:r>
+            <a:r>
+              <a:rPr lang="en-US" b="1" dirty="0" err="1">
+                <a:solidFill>
+                  <a:prstClr val="black"/>
+                </a:solidFill>
+                <a:latin typeface="Inconsolata Medium" panose="020B0609030003000000" pitchFamily="49" charset="77"/>
+              </a:rPr>
+              <a:t>like?spam</a:t>
+            </a:r>
+            <a:r>
+              <a:rPr lang="en-US" b="1" dirty="0">
+                <a:solidFill>
+                  <a:prstClr val="black"/>
+                </a:solidFill>
+                <a:latin typeface="Inconsolata Medium" panose="020B0609030003000000" pitchFamily="49" charset="77"/>
+              </a:rPr>
+              <a:t>’ </a:t>
+            </a:r>
+          </a:p>
+          <a:p>
+            <a:pPr marL="0" lvl="0" indent="0">
+              <a:buNone/>
+            </a:pPr>
+            <a:endParaRPr lang="en-US" b="1" dirty="0">
+              <a:solidFill>
+                <a:srgbClr val="000087"/>
+              </a:solidFill>
+              <a:latin typeface="Inconsolata Medium" panose="020B0609030003000000" pitchFamily="49" charset="77"/>
+            </a:endParaRPr>
+          </a:p>
+          <a:p>
+            <a:pPr marL="0" lvl="0" indent="0">
+              <a:buNone/>
+            </a:pPr>
+            <a:r>
+              <a:rPr lang="en-US" b="1" dirty="0">
+                <a:solidFill>
+                  <a:srgbClr val="000087"/>
+                </a:solidFill>
+                <a:latin typeface="Inconsolata Medium" panose="020B0609030003000000" pitchFamily="49" charset="77"/>
+              </a:rPr>
+              <a:t>In </a:t>
+            </a:r>
+            <a:r>
+              <a:rPr lang="en-US" b="1" dirty="0">
+                <a:solidFill>
+                  <a:prstClr val="black"/>
+                </a:solidFill>
+                <a:latin typeface="Inconsolata Medium" panose="020B0609030003000000" pitchFamily="49" charset="77"/>
+              </a:rPr>
+              <a:t>[</a:t>
+            </a:r>
+            <a:r>
+              <a:rPr lang="en-US" b="1" dirty="0">
+                <a:solidFill>
+                  <a:srgbClr val="FF6600"/>
+                </a:solidFill>
+                <a:latin typeface="Inconsolata Medium" panose="020B0609030003000000" pitchFamily="49" charset="77"/>
+              </a:rPr>
+              <a:t>22</a:t>
+            </a:r>
+            <a:r>
+              <a:rPr lang="en-US" b="1" dirty="0">
+                <a:solidFill>
+                  <a:prstClr val="black"/>
+                </a:solidFill>
+                <a:latin typeface="Inconsolata Medium" panose="020B0609030003000000" pitchFamily="49" charset="77"/>
+              </a:rPr>
+              <a:t>]: </a:t>
+            </a:r>
+            <a:r>
+              <a:rPr lang="en-US" b="1" i="1" dirty="0">
+                <a:solidFill>
+                  <a:srgbClr val="33566B"/>
+                </a:solidFill>
+                <a:latin typeface="Inconsolata Medium" panose="020B0609030003000000" pitchFamily="49" charset="77"/>
+              </a:rPr>
+              <a:t># multiplication is multiple concatenation </a:t>
+            </a:r>
+          </a:p>
+          <a:p>
+            <a:pPr marL="0" lvl="0" indent="0">
+              <a:buNone/>
+            </a:pPr>
+            <a:r>
+              <a:rPr lang="en-US" b="1" i="1" dirty="0">
+                <a:solidFill>
+                  <a:srgbClr val="33566B"/>
+                </a:solidFill>
+                <a:latin typeface="Inconsolata Medium" panose="020B0609030003000000" pitchFamily="49" charset="77"/>
+              </a:rPr>
+              <a:t>	    </a:t>
+            </a:r>
+            <a:r>
+              <a:rPr lang="en-US" b="1" dirty="0">
+                <a:solidFill>
+                  <a:srgbClr val="FF6600"/>
+                </a:solidFill>
+                <a:latin typeface="Inconsolata Medium" panose="020B0609030003000000" pitchFamily="49" charset="77"/>
+              </a:rPr>
+              <a:t>5 </a:t>
+            </a:r>
+            <a:r>
+              <a:rPr lang="en-US" b="1" dirty="0">
+                <a:solidFill>
+                  <a:srgbClr val="545454"/>
+                </a:solidFill>
+                <a:latin typeface="Inconsolata Medium" panose="020B0609030003000000" pitchFamily="49" charset="77"/>
+              </a:rPr>
+              <a:t>* </a:t>
+            </a:r>
+            <a:r>
+              <a:rPr lang="en-US" b="1" dirty="0">
+                <a:solidFill>
+                  <a:srgbClr val="000087"/>
+                </a:solidFill>
+                <a:latin typeface="Inconsolata Medium" panose="020B0609030003000000" pitchFamily="49" charset="77"/>
+              </a:rPr>
+              <a:t>response </a:t>
+            </a:r>
+            <a:endParaRPr lang="en-US" b="1" dirty="0">
+              <a:solidFill>
+                <a:prstClr val="black"/>
+              </a:solidFill>
+              <a:latin typeface="Inconsolata Medium" panose="020B0609030003000000" pitchFamily="49" charset="77"/>
+            </a:endParaRPr>
+          </a:p>
+          <a:p>
+            <a:pPr marL="0" lvl="0" indent="0">
+              <a:buNone/>
+            </a:pPr>
+            <a:r>
+              <a:rPr lang="en-US" b="1" dirty="0">
+                <a:solidFill>
+                  <a:prstClr val="black"/>
+                </a:solidFill>
+                <a:latin typeface="Inconsolata Medium" panose="020B0609030003000000" pitchFamily="49" charset="77"/>
+              </a:rPr>
+              <a:t>Out [22]: ‘</a:t>
+            </a:r>
+            <a:r>
+              <a:rPr lang="en-US" b="1" dirty="0" err="1">
+                <a:solidFill>
+                  <a:prstClr val="black"/>
+                </a:solidFill>
+                <a:latin typeface="Inconsolata Medium" panose="020B0609030003000000" pitchFamily="49" charset="77"/>
+              </a:rPr>
+              <a:t>spamspamspamspamspam</a:t>
+            </a:r>
+            <a:r>
+              <a:rPr lang="en-US" b="1" dirty="0">
+                <a:solidFill>
+                  <a:prstClr val="black"/>
+                </a:solidFill>
+                <a:latin typeface="Inconsolata Medium" panose="020B0609030003000000" pitchFamily="49" charset="77"/>
+              </a:rPr>
+              <a:t>' </a:t>
+            </a:r>
+          </a:p>
+          <a:p>
+            <a:pPr marL="0" indent="0">
+              <a:buNone/>
+            </a:pPr>
+            <a:endParaRPr lang="en-US" dirty="0">
+              <a:solidFill>
+                <a:prstClr val="black"/>
+              </a:solidFill>
+            </a:endParaRPr>
+          </a:p>
+        </p:txBody>
+      </p:sp>
     </p:spTree>
     <p:extLst>
       <p:ext uri="{BB962C8B-B14F-4D97-AF65-F5344CB8AC3E}">
-        <p14:creationId xmlns:p14="http://schemas.microsoft.com/office/powerpoint/2010/main" val="3692685984"/>
+        <p14:creationId xmlns:p14="http://schemas.microsoft.com/office/powerpoint/2010/main" val="3908189275"/>
       </p:ext>
     </p:extLst>
   </p:cSld>
@@ -4008,7 +5875,7 @@
           <a:p>
             <a:r>
               <a:rPr lang="en-US" dirty="0"/>
-              <a:t>Boolean Operations</a:t>
+              <a:t>String Indexing </a:t>
             </a:r>
           </a:p>
         </p:txBody>
@@ -4031,8 +5898,8 @@
         </p:nvSpPr>
         <p:spPr>
           <a:xfrm>
-            <a:off x="483848" y="1003610"/>
-            <a:ext cx="8051725" cy="4711390"/>
+            <a:off x="483848" y="1150913"/>
+            <a:ext cx="8051725" cy="4440590"/>
           </a:xfrm>
         </p:spPr>
         <p:txBody>
@@ -4045,24 +5912,65 @@
               <a:buNone/>
             </a:pPr>
             <a:r>
-              <a:rPr lang="en-US" dirty="0"/>
-              <a:t>Python provides operators to combine the values using the standard concepts of “and”, “or”, and “not”. </a:t>
-            </a:r>
-          </a:p>
-          <a:p>
-            <a:pPr marL="0" indent="0">
-              <a:buNone/>
-            </a:pPr>
+              <a:rPr lang="en-US" b="1" dirty="0">
+                <a:solidFill>
+                  <a:srgbClr val="000087"/>
+                </a:solidFill>
+                <a:latin typeface="Inconsolata Medium" panose="020B0609030003000000" pitchFamily="49" charset="77"/>
+              </a:rPr>
+              <a:t>In </a:t>
+            </a:r>
+            <a:r>
+              <a:rPr lang="en-US" b="1" dirty="0">
+                <a:latin typeface="Inconsolata Medium" panose="020B0609030003000000" pitchFamily="49" charset="77"/>
+              </a:rPr>
+              <a:t>[</a:t>
+            </a:r>
+            <a:r>
+              <a:rPr lang="en-US" b="1" dirty="0">
+                <a:solidFill>
+                  <a:srgbClr val="FF6600"/>
+                </a:solidFill>
+                <a:latin typeface="Inconsolata Medium" panose="020B0609030003000000" pitchFamily="49" charset="77"/>
+              </a:rPr>
+              <a:t>23</a:t>
+            </a:r>
+            <a:r>
+              <a:rPr lang="en-US" b="1" dirty="0">
+                <a:latin typeface="Inconsolata Medium" panose="020B0609030003000000" pitchFamily="49" charset="77"/>
+              </a:rPr>
+              <a:t>]: </a:t>
+            </a:r>
+            <a:r>
+              <a:rPr lang="en-US" b="1" dirty="0">
+                <a:solidFill>
+                  <a:srgbClr val="000087"/>
+                </a:solidFill>
+                <a:latin typeface="Inconsolata Medium" panose="020B0609030003000000" pitchFamily="49" charset="77"/>
+              </a:rPr>
+              <a:t>message = </a:t>
+            </a:r>
+            <a:r>
+              <a:rPr lang="en-US" dirty="0">
+                <a:solidFill>
+                  <a:srgbClr val="CC3300"/>
+                </a:solidFill>
+                <a:latin typeface="UbuntuMono"/>
+              </a:rPr>
+              <a:t>"what do you like?" </a:t>
+            </a:r>
             <a:endParaRPr lang="en-US" dirty="0"/>
           </a:p>
           <a:p>
             <a:pPr marL="0" indent="0">
               <a:buNone/>
             </a:pPr>
-            <a:r>
-              <a:rPr lang="en-US" dirty="0"/>
-              <a:t>Predictably, these operators are expressed using the words and, or,  and not: </a:t>
-            </a:r>
+            <a:endParaRPr lang="en-US" b="1" dirty="0">
+              <a:solidFill>
+                <a:srgbClr val="000087"/>
+              </a:solidFill>
+              <a:latin typeface="Inconsolata Medium" panose="020B0609030003000000" pitchFamily="49" charset="77"/>
+            </a:endParaRPr>
           </a:p>
           <a:p>
             <a:pPr marL="0" indent="0">
@@ -4075,7 +5983,7 @@
                 </a:solidFill>
                 <a:latin typeface="Inconsolata Medium" panose="020B0609030003000000" pitchFamily="49" charset="77"/>
               </a:rPr>
-              <a:t>In</a:t>
+              <a:t>In </a:t>
             </a:r>
             <a:r>
               <a:rPr lang="en-US" b="1" dirty="0">
@@ -4090,7 +5998,7 @@
                 </a:solidFill>
                 <a:latin typeface="Inconsolata Medium" panose="020B0609030003000000" pitchFamily="49" charset="77"/>
               </a:rPr>
-              <a:t>15</a:t>
+              <a:t>24</a:t>
             </a:r>
             <a:r>
               <a:rPr lang="en-US" b="1" dirty="0">
@@ -4105,16 +6013,13 @@
                 </a:solidFill>
                 <a:latin typeface="Inconsolata Medium" panose="020B0609030003000000" pitchFamily="49" charset="77"/>
               </a:rPr>
-              <a:t>x </a:t>
-            </a:r>
-            <a:r>
-              <a:rPr lang="en-US" b="1" dirty="0">
-                <a:solidFill>
-                  <a:srgbClr val="545454"/>
-                </a:solidFill>
-                <a:latin typeface="Inconsolata Medium" panose="020B0609030003000000" pitchFamily="49" charset="77"/>
-              </a:rPr>
-              <a:t>= </a:t>
+              <a:t>message</a:t>
+            </a:r>
+            <a:r>
+              <a:rPr lang="en-US" b="1" dirty="0">
+                <a:latin typeface="Inconsolata Medium" panose="020B0609030003000000" pitchFamily="49" charset="77"/>
+              </a:rPr>
+              <a:t>[</a:t>
             </a:r>
             <a:r>
               <a:rPr lang="en-US" b="1" dirty="0">
@@ -4123,13 +6028,53 @@
                 </a:solidFill>
                 <a:latin typeface="Inconsolata Medium" panose="020B0609030003000000" pitchFamily="49" charset="77"/>
               </a:rPr>
-              <a:t>4 </a:t>
-            </a:r>
-          </a:p>
-          <a:p>
-            <a:pPr marL="0" indent="0">
-              <a:buNone/>
-            </a:pPr>
+              <a:t>0</a:t>
+            </a:r>
+            <a:r>
+              <a:rPr lang="en-US" b="1" dirty="0">
+                <a:latin typeface="Inconsolata Medium" panose="020B0609030003000000" pitchFamily="49" charset="77"/>
+              </a:rPr>
+              <a:t>] </a:t>
+            </a:r>
+          </a:p>
+          <a:p>
+            <a:pPr marL="0" indent="0">
+              <a:buNone/>
+            </a:pPr>
+            <a:r>
+              <a:rPr lang="en-US" b="1" dirty="0">
+                <a:latin typeface="Inconsolata Medium" panose="020B0609030003000000" pitchFamily="49" charset="77"/>
+              </a:rPr>
+              <a:t>Out [24]: 'w' </a:t>
+            </a:r>
+          </a:p>
+          <a:p>
+            <a:pPr marL="0" indent="0">
+              <a:buNone/>
+            </a:pPr>
+            <a:endParaRPr lang="en-US" b="1" dirty="0">
+              <a:latin typeface="Inconsolata Medium" panose="020B0609030003000000" pitchFamily="49" charset="77"/>
+            </a:endParaRPr>
+          </a:p>
+          <a:p>
+            <a:pPr marL="0" indent="0">
+              <a:buNone/>
+            </a:pPr>
+            <a:r>
+              <a:rPr lang="en-US" b="1" dirty="0">
+                <a:solidFill>
+                  <a:srgbClr val="000087"/>
+                </a:solidFill>
+                <a:latin typeface="Inconsolata Medium" panose="020B0609030003000000" pitchFamily="49" charset="77"/>
+              </a:rPr>
+              <a:t>In </a:t>
+            </a:r>
+            <a:r>
+              <a:rPr lang="en-US" b="1" dirty="0">
+                <a:latin typeface="Inconsolata Medium" panose="020B0609030003000000" pitchFamily="49" charset="77"/>
+              </a:rPr>
+              <a:t>[</a:t>
+            </a:r>
             <a:r>
               <a:rPr lang="en-US" b="1" dirty="0">
                 <a:solidFill>
@@ -4137,13 +6082,36 @@
                 </a:solidFill>
                 <a:latin typeface="Inconsolata Medium" panose="020B0609030003000000" pitchFamily="49" charset="77"/>
               </a:rPr>
-              <a:t>	   </a:t>
-            </a:r>
-            <a:r>
-              <a:rPr lang="en-US" b="1" dirty="0">
-                <a:latin typeface="Inconsolata Medium" panose="020B0609030003000000" pitchFamily="49" charset="77"/>
-              </a:rPr>
-              <a:t>(</a:t>
+              <a:t>24</a:t>
+            </a:r>
+            <a:r>
+              <a:rPr lang="en-US" b="1" dirty="0">
+                <a:latin typeface="Inconsolata Medium" panose="020B0609030003000000" pitchFamily="49" charset="77"/>
+              </a:rPr>
+              <a:t>]: </a:t>
+            </a:r>
+            <a:r>
+              <a:rPr lang="en-US" b="1" i="1" dirty="0">
+                <a:solidFill>
+                  <a:srgbClr val="33566B"/>
+                </a:solidFill>
+                <a:latin typeface="Inconsolata Medium" panose="020B0609030003000000" pitchFamily="49" charset="77"/>
+              </a:rPr>
+              <a:t># negative indices wraps around the end</a:t>
+            </a:r>
+          </a:p>
+          <a:p>
+            <a:pPr marL="0" indent="0">
+              <a:buNone/>
+            </a:pPr>
+            <a:r>
+              <a:rPr lang="en-US" b="1" i="1" dirty="0">
+                <a:solidFill>
+                  <a:srgbClr val="33566B"/>
+                </a:solidFill>
+                <a:latin typeface="Inconsolata Medium" panose="020B0609030003000000" pitchFamily="49" charset="77"/>
+              </a:rPr>
+              <a:t>	    </a:t>
             </a:r>
             <a:r>
               <a:rPr lang="en-US" b="1" dirty="0">
@@ -4152,16 +6120,13 @@
                 </a:solidFill>
                 <a:latin typeface="Inconsolata Medium" panose="020B0609030003000000" pitchFamily="49" charset="77"/>
               </a:rPr>
-              <a:t>x </a:t>
-            </a:r>
-            <a:r>
-              <a:rPr lang="en-US" b="1" dirty="0">
-                <a:solidFill>
-                  <a:srgbClr val="545454"/>
-                </a:solidFill>
-                <a:latin typeface="Inconsolata Medium" panose="020B0609030003000000" pitchFamily="49" charset="77"/>
-              </a:rPr>
-              <a:t>&lt; </a:t>
+              <a:t>message</a:t>
+            </a:r>
+            <a:r>
+              <a:rPr lang="en-US" b="1" dirty="0">
+                <a:latin typeface="Inconsolata Medium" panose="020B0609030003000000" pitchFamily="49" charset="77"/>
+              </a:rPr>
+              <a:t>[</a:t>
             </a:r>
             <a:r>
               <a:rPr lang="en-US" b="1" dirty="0">
@@ -4170,308 +6135,145 @@
                 </a:solidFill>
                 <a:latin typeface="Inconsolata Medium" panose="020B0609030003000000" pitchFamily="49" charset="77"/>
               </a:rPr>
-              <a:t>6</a:t>
-            </a:r>
-            <a:r>
-              <a:rPr lang="en-US" b="1" dirty="0">
-                <a:latin typeface="Inconsolata Medium" panose="020B0609030003000000" pitchFamily="49" charset="77"/>
-              </a:rPr>
-              <a:t>) and (</a:t>
-            </a:r>
-            <a:r>
-              <a:rPr lang="en-US" b="1" dirty="0">
-                <a:solidFill>
-                  <a:srgbClr val="000087"/>
-                </a:solidFill>
-                <a:latin typeface="Inconsolata Medium" panose="020B0609030003000000" pitchFamily="49" charset="77"/>
-              </a:rPr>
-              <a:t>x </a:t>
-            </a:r>
-            <a:r>
-              <a:rPr lang="en-US" b="1" dirty="0">
-                <a:solidFill>
-                  <a:srgbClr val="545454"/>
-                </a:solidFill>
-                <a:latin typeface="Inconsolata Medium" panose="020B0609030003000000" pitchFamily="49" charset="77"/>
-              </a:rPr>
-              <a:t>&gt; </a:t>
-            </a:r>
-            <a:r>
-              <a:rPr lang="en-US" b="1" dirty="0">
-                <a:solidFill>
-                  <a:srgbClr val="FF6600"/>
-                </a:solidFill>
-                <a:latin typeface="Inconsolata Medium" panose="020B0609030003000000" pitchFamily="49" charset="77"/>
-              </a:rPr>
-              <a:t>2</a:t>
-            </a:r>
-            <a:r>
-              <a:rPr lang="en-US" b="1" dirty="0">
-                <a:latin typeface="Inconsolata Medium" panose="020B0609030003000000" pitchFamily="49" charset="77"/>
-              </a:rPr>
-              <a:t>) </a:t>
-            </a:r>
-          </a:p>
-          <a:p>
-            <a:pPr marL="0" indent="0">
-              <a:buNone/>
-            </a:pPr>
-            <a:r>
-              <a:rPr lang="en-US" b="1" dirty="0">
-                <a:latin typeface="Inconsolata Medium" panose="020B0609030003000000" pitchFamily="49" charset="77"/>
-              </a:rPr>
-              <a:t>Out [15]: True </a:t>
-            </a:r>
-          </a:p>
-          <a:p>
-            <a:pPr marL="0" indent="0">
-              <a:buNone/>
-            </a:pPr>
-            <a:r>
-              <a:rPr lang="en-US" b="1" dirty="0">
-                <a:solidFill>
-                  <a:srgbClr val="000087"/>
-                </a:solidFill>
-                <a:latin typeface="Inconsolata Medium" panose="020B0609030003000000" pitchFamily="49" charset="77"/>
-              </a:rPr>
-              <a:t>In</a:t>
-            </a:r>
-            <a:r>
-              <a:rPr lang="en-US" b="1" dirty="0">
-                <a:latin typeface="Inconsolata Medium" panose="020B0609030003000000" pitchFamily="49" charset="77"/>
-              </a:rPr>
-              <a:t>[</a:t>
-            </a:r>
-            <a:r>
-              <a:rPr lang="en-US" b="1" dirty="0">
-                <a:solidFill>
-                  <a:srgbClr val="FF6600"/>
-                </a:solidFill>
-                <a:latin typeface="Inconsolata Medium" panose="020B0609030003000000" pitchFamily="49" charset="77"/>
-              </a:rPr>
-              <a:t>16</a:t>
-            </a:r>
-            <a:r>
-              <a:rPr lang="en-US" b="1" dirty="0">
-                <a:latin typeface="Inconsolata Medium" panose="020B0609030003000000" pitchFamily="49" charset="77"/>
-              </a:rPr>
-              <a:t>]: (</a:t>
-            </a:r>
-            <a:r>
-              <a:rPr lang="en-US" b="1" dirty="0">
-                <a:solidFill>
-                  <a:srgbClr val="000087"/>
-                </a:solidFill>
-                <a:latin typeface="Inconsolata Medium" panose="020B0609030003000000" pitchFamily="49" charset="77"/>
-              </a:rPr>
-              <a:t>x </a:t>
-            </a:r>
-            <a:r>
-              <a:rPr lang="en-US" b="1" dirty="0">
-                <a:solidFill>
-                  <a:srgbClr val="545454"/>
-                </a:solidFill>
-                <a:latin typeface="Inconsolata Medium" panose="020B0609030003000000" pitchFamily="49" charset="77"/>
-              </a:rPr>
-              <a:t>&gt; </a:t>
-            </a:r>
-            <a:r>
-              <a:rPr lang="en-US" b="1" dirty="0">
-                <a:solidFill>
-                  <a:srgbClr val="FF6600"/>
-                </a:solidFill>
-                <a:latin typeface="Inconsolata Medium" panose="020B0609030003000000" pitchFamily="49" charset="77"/>
-              </a:rPr>
-              <a:t>10</a:t>
-            </a:r>
-            <a:r>
-              <a:rPr lang="en-US" b="1" dirty="0">
-                <a:latin typeface="Inconsolata Medium" panose="020B0609030003000000" pitchFamily="49" charset="77"/>
-              </a:rPr>
-              <a:t>) or (</a:t>
-            </a:r>
-            <a:r>
-              <a:rPr lang="en-US" b="1" dirty="0">
-                <a:solidFill>
-                  <a:srgbClr val="000087"/>
-                </a:solidFill>
-                <a:latin typeface="Inconsolata Medium" panose="020B0609030003000000" pitchFamily="49" charset="77"/>
-              </a:rPr>
-              <a:t>x </a:t>
-            </a:r>
-            <a:r>
-              <a:rPr lang="en-US" b="1" dirty="0">
-                <a:solidFill>
-                  <a:srgbClr val="545454"/>
-                </a:solidFill>
-                <a:latin typeface="Inconsolata Medium" panose="020B0609030003000000" pitchFamily="49" charset="77"/>
-              </a:rPr>
-              <a:t>% </a:t>
-            </a:r>
-            <a:r>
-              <a:rPr lang="en-US" b="1" dirty="0">
-                <a:solidFill>
-                  <a:srgbClr val="FF6600"/>
-                </a:solidFill>
-                <a:latin typeface="Inconsolata Medium" panose="020B0609030003000000" pitchFamily="49" charset="77"/>
-              </a:rPr>
-              <a:t>2 </a:t>
-            </a:r>
-            <a:r>
-              <a:rPr lang="en-US" b="1" dirty="0">
-                <a:solidFill>
-                  <a:srgbClr val="545454"/>
-                </a:solidFill>
-                <a:latin typeface="Inconsolata Medium" panose="020B0609030003000000" pitchFamily="49" charset="77"/>
-              </a:rPr>
-              <a:t>== </a:t>
-            </a:r>
-            <a:r>
-              <a:rPr lang="en-US" b="1" dirty="0">
-                <a:solidFill>
-                  <a:srgbClr val="FF6600"/>
-                </a:solidFill>
-                <a:latin typeface="Inconsolata Medium" panose="020B0609030003000000" pitchFamily="49" charset="77"/>
-              </a:rPr>
-              <a:t>0</a:t>
-            </a:r>
-            <a:r>
-              <a:rPr lang="en-US" b="1" dirty="0">
-                <a:latin typeface="Inconsolata Medium" panose="020B0609030003000000" pitchFamily="49" charset="77"/>
-              </a:rPr>
-              <a:t>) </a:t>
-            </a:r>
-          </a:p>
-          <a:p>
-            <a:pPr marL="0" indent="0">
-              <a:buNone/>
-            </a:pPr>
-            <a:r>
-              <a:rPr lang="en-US" b="1" dirty="0">
-                <a:latin typeface="Inconsolata Medium" panose="020B0609030003000000" pitchFamily="49" charset="77"/>
-              </a:rPr>
-              <a:t>Out [16]: True</a:t>
-            </a:r>
-          </a:p>
-          <a:p>
-            <a:pPr marL="0" indent="0">
-              <a:buNone/>
-            </a:pPr>
-            <a:br>
-              <a:rPr lang="en-US" b="1" dirty="0">
-                <a:latin typeface="Inconsolata Medium" panose="020B0609030003000000" pitchFamily="49" charset="77"/>
-              </a:rPr>
-            </a:br>
-            <a:r>
-              <a:rPr lang="en-US" b="1" dirty="0">
-                <a:solidFill>
-                  <a:srgbClr val="000087"/>
-                </a:solidFill>
-                <a:latin typeface="Inconsolata Medium" panose="020B0609030003000000" pitchFamily="49" charset="77"/>
-              </a:rPr>
-              <a:t>In</a:t>
-            </a:r>
-            <a:r>
-              <a:rPr lang="en-US" b="1" dirty="0">
-                <a:latin typeface="Inconsolata Medium" panose="020B0609030003000000" pitchFamily="49" charset="77"/>
-              </a:rPr>
-              <a:t>[</a:t>
-            </a:r>
-            <a:r>
-              <a:rPr lang="en-US" b="1" dirty="0">
-                <a:solidFill>
-                  <a:srgbClr val="FF6600"/>
-                </a:solidFill>
-                <a:latin typeface="Inconsolata Medium" panose="020B0609030003000000" pitchFamily="49" charset="77"/>
-              </a:rPr>
-              <a:t>17</a:t>
-            </a:r>
-            <a:r>
-              <a:rPr lang="en-US" b="1" dirty="0">
-                <a:latin typeface="Inconsolata Medium" panose="020B0609030003000000" pitchFamily="49" charset="77"/>
-              </a:rPr>
-              <a:t>]: not (</a:t>
-            </a:r>
-            <a:r>
-              <a:rPr lang="en-US" b="1" dirty="0">
-                <a:solidFill>
-                  <a:srgbClr val="000087"/>
-                </a:solidFill>
-                <a:latin typeface="Inconsolata Medium" panose="020B0609030003000000" pitchFamily="49" charset="77"/>
-              </a:rPr>
-              <a:t>x </a:t>
-            </a:r>
-            <a:r>
-              <a:rPr lang="en-US" b="1" dirty="0">
-                <a:solidFill>
-                  <a:srgbClr val="545454"/>
-                </a:solidFill>
-                <a:latin typeface="Inconsolata Medium" panose="020B0609030003000000" pitchFamily="49" charset="77"/>
-              </a:rPr>
-              <a:t>&lt; </a:t>
-            </a:r>
-            <a:r>
-              <a:rPr lang="en-US" b="1" dirty="0">
-                <a:solidFill>
-                  <a:srgbClr val="FF6600"/>
-                </a:solidFill>
-                <a:latin typeface="Inconsolata Medium" panose="020B0609030003000000" pitchFamily="49" charset="77"/>
-              </a:rPr>
-              <a:t>6</a:t>
-            </a:r>
-            <a:r>
-              <a:rPr lang="en-US" b="1" dirty="0">
-                <a:latin typeface="Inconsolata Medium" panose="020B0609030003000000" pitchFamily="49" charset="77"/>
-              </a:rPr>
-              <a:t>)</a:t>
-            </a:r>
-            <a:br>
-              <a:rPr lang="en-US" b="1" dirty="0">
-                <a:latin typeface="Inconsolata Medium" panose="020B0609030003000000" pitchFamily="49" charset="77"/>
-              </a:rPr>
-            </a:br>
-            <a:r>
-              <a:rPr lang="en-US" b="1" dirty="0">
-                <a:latin typeface="Inconsolata Medium" panose="020B0609030003000000" pitchFamily="49" charset="77"/>
-              </a:rPr>
-              <a:t>Out [17]: False </a:t>
-            </a:r>
-          </a:p>
-          <a:p>
-            <a:pPr marL="0" indent="0">
-              <a:buNone/>
-            </a:pPr>
-            <a:endParaRPr lang="en-US" dirty="0"/>
-          </a:p>
-          <a:p>
-            <a:pPr marL="0" indent="0">
-              <a:buNone/>
-            </a:pPr>
-            <a:endParaRPr lang="en-US" dirty="0"/>
-          </a:p>
-          <a:p>
-            <a:pPr marL="0" indent="0">
-              <a:buNone/>
-            </a:pPr>
-            <a:endParaRPr lang="en-US" dirty="0"/>
-          </a:p>
-          <a:p>
-            <a:pPr marL="0" indent="0">
-              <a:buNone/>
-            </a:pPr>
-            <a:endParaRPr lang="en-US" dirty="0"/>
-          </a:p>
-          <a:p>
-            <a:pPr marL="0" indent="0">
-              <a:buNone/>
-            </a:pPr>
-            <a:endParaRPr lang="en-US" dirty="0"/>
-          </a:p>
-          <a:p>
-            <a:pPr marL="0" indent="0">
-              <a:buNone/>
-            </a:pPr>
-            <a:endParaRPr lang="en-US" sz="1900" b="1" dirty="0">
+              <a:t>-1</a:t>
+            </a:r>
+            <a:r>
+              <a:rPr lang="en-US" b="1" dirty="0">
+                <a:latin typeface="Inconsolata Medium" panose="020B0609030003000000" pitchFamily="49" charset="77"/>
+              </a:rPr>
+              <a:t>]   </a:t>
+            </a:r>
+            <a:r>
+              <a:rPr lang="en-US" b="1" i="1" dirty="0">
+                <a:solidFill>
+                  <a:srgbClr val="33566B"/>
+                </a:solidFill>
+                <a:latin typeface="Inconsolata Medium" panose="020B0609030003000000" pitchFamily="49" charset="77"/>
+              </a:rPr>
+              <a:t># last character </a:t>
+            </a:r>
+            <a:endParaRPr lang="en-US" b="1" dirty="0">
+              <a:latin typeface="Inconsolata Medium" panose="020B0609030003000000" pitchFamily="49" charset="77"/>
+            </a:endParaRPr>
+          </a:p>
+          <a:p>
+            <a:pPr marL="0" indent="0">
+              <a:buNone/>
+            </a:pPr>
+            <a:r>
+              <a:rPr lang="en-US" b="1" dirty="0">
+                <a:latin typeface="Inconsolata Medium" panose="020B0609030003000000" pitchFamily="49" charset="77"/>
+              </a:rPr>
+              <a:t>Out [24]: ‘?' </a:t>
+            </a:r>
+          </a:p>
+          <a:p>
+            <a:pPr marL="0" indent="0">
+              <a:buNone/>
+            </a:pPr>
+            <a:endParaRPr lang="en-US" b="1" dirty="0">
+              <a:latin typeface="Inconsolata Medium" panose="020B0609030003000000" pitchFamily="49" charset="77"/>
+            </a:endParaRPr>
+          </a:p>
+          <a:p>
+            <a:pPr marL="0" indent="0">
+              <a:buNone/>
+            </a:pPr>
+            <a:endParaRPr lang="en-US" b="1" dirty="0">
+              <a:latin typeface="Inconsolata Medium" panose="020B0609030003000000" pitchFamily="49" charset="77"/>
+            </a:endParaRPr>
+          </a:p>
+          <a:p>
+            <a:pPr marL="0" indent="0">
+              <a:buNone/>
+            </a:pPr>
+            <a:endParaRPr lang="en-US" b="1" dirty="0">
+              <a:latin typeface="Inconsolata Medium" panose="020B0609030003000000" pitchFamily="49" charset="77"/>
+            </a:endParaRPr>
+          </a:p>
+          <a:p>
+            <a:pPr marL="0" indent="0">
+              <a:buNone/>
+            </a:pPr>
+            <a:endParaRPr lang="en-US" b="1" dirty="0">
+              <a:latin typeface="Inconsolata Medium" panose="020B0609030003000000" pitchFamily="49" charset="77"/>
+            </a:endParaRPr>
+          </a:p>
+          <a:p>
+            <a:pPr marL="0" indent="0">
+              <a:buNone/>
+            </a:pPr>
+            <a:r>
+              <a:rPr lang="en-US" b="1" dirty="0">
+                <a:latin typeface="Inconsolata Medium" panose="020B0609030003000000" pitchFamily="49" charset="77"/>
+              </a:rPr>
+              <a:t> </a:t>
+            </a:r>
+          </a:p>
+          <a:p>
+            <a:pPr marL="0" indent="0">
+              <a:buNone/>
+            </a:pPr>
+            <a:endParaRPr lang="en-US" b="1" dirty="0">
+              <a:latin typeface="Inconsolata Medium" panose="020B0609030003000000" pitchFamily="49" charset="77"/>
+            </a:endParaRPr>
+          </a:p>
+          <a:p>
+            <a:pPr marL="0" indent="0">
+              <a:buNone/>
+            </a:pPr>
+            <a:endParaRPr lang="en-US" b="1" dirty="0">
+              <a:latin typeface="Inconsolata Medium" panose="020B0609030003000000" pitchFamily="49" charset="77"/>
+            </a:endParaRPr>
+          </a:p>
+          <a:p>
+            <a:pPr marL="0" indent="0">
+              <a:buNone/>
+            </a:pPr>
+            <a:endParaRPr lang="en-US" b="1" dirty="0">
+              <a:latin typeface="Inconsolata Medium" panose="020B0609030003000000" pitchFamily="49" charset="77"/>
+            </a:endParaRPr>
+          </a:p>
+          <a:p>
+            <a:pPr marL="0" indent="0">
+              <a:buNone/>
+            </a:pPr>
+            <a:endParaRPr lang="en-US" b="1" dirty="0">
+              <a:latin typeface="Inconsolata Medium" panose="020B0609030003000000" pitchFamily="49" charset="77"/>
+            </a:endParaRPr>
+          </a:p>
+          <a:p>
+            <a:pPr marL="0" indent="0">
+              <a:buNone/>
+            </a:pPr>
+            <a:endParaRPr lang="en-US" b="1" dirty="0">
+              <a:latin typeface="Inconsolata Medium" panose="020B0609030003000000" pitchFamily="49" charset="77"/>
+            </a:endParaRPr>
+          </a:p>
+          <a:p>
+            <a:pPr marL="0" indent="0">
+              <a:buNone/>
+            </a:pPr>
+            <a:r>
+              <a:rPr lang="en-US" b="1" dirty="0">
+                <a:latin typeface="Inconsolata Medium" panose="020B0609030003000000" pitchFamily="49" charset="77"/>
+              </a:rPr>
+              <a:t> </a:t>
+            </a:r>
+          </a:p>
+          <a:p>
+            <a:pPr marL="0" indent="0">
+              <a:buNone/>
+            </a:pPr>
+            <a:endParaRPr lang="en-US" b="1" dirty="0">
+              <a:latin typeface="Inconsolata Medium" panose="020B0609030003000000" pitchFamily="49" charset="77"/>
+            </a:endParaRPr>
+          </a:p>
+          <a:p>
+            <a:pPr marL="0" indent="0">
+              <a:buNone/>
+            </a:pPr>
+            <a:endParaRPr lang="en-US" b="1" dirty="0">
               <a:latin typeface="Inconsolata Medium" panose="020B0609030003000000" pitchFamily="49" charset="77"/>
             </a:endParaRPr>
           </a:p>
@@ -4480,7 +6282,7 @@
     </p:spTree>
     <p:extLst>
       <p:ext uri="{BB962C8B-B14F-4D97-AF65-F5344CB8AC3E}">
-        <p14:creationId xmlns:p14="http://schemas.microsoft.com/office/powerpoint/2010/main" val="1520265794"/>
+        <p14:creationId xmlns:p14="http://schemas.microsoft.com/office/powerpoint/2010/main" val="99755680"/>
       </p:ext>
     </p:extLst>
   </p:cSld>
@@ -4535,7 +6337,7 @@
           <a:p>
             <a:r>
               <a:rPr lang="en-US" dirty="0"/>
-              <a:t>References</a:t>
+              <a:t>String Indexing and Slicing</a:t>
             </a:r>
           </a:p>
         </p:txBody>
@@ -4571,70 +6373,2096 @@
             <a:pPr marL="0" indent="0">
               <a:buNone/>
             </a:pPr>
-            <a:endParaRPr lang="en-US" dirty="0"/>
-          </a:p>
-          <a:p>
-            <a:pPr marL="0" indent="0">
-              <a:buNone/>
-            </a:pPr>
-            <a:endParaRPr lang="en-US"/>
-          </a:p>
-          <a:p>
-            <a:pPr marL="0" indent="0">
-              <a:buNone/>
-            </a:pPr>
-            <a:endParaRPr lang="en-US" dirty="0"/>
-          </a:p>
-          <a:p>
-            <a:pPr marL="457200" indent="-457200">
-              <a:buAutoNum type="arabicParenR"/>
-            </a:pPr>
-            <a:r>
-              <a:rPr lang="en-US" dirty="0" err="1"/>
-              <a:t>Vanderplas</a:t>
-            </a:r>
-            <a:r>
-              <a:rPr lang="en-US" dirty="0"/>
-              <a:t>, Jake, A Whirlwind Tour of Python, </a:t>
-            </a:r>
-            <a:r>
-              <a:rPr lang="en-US" dirty="0" err="1"/>
-              <a:t>O’reilly</a:t>
-            </a:r>
-            <a:r>
-              <a:rPr lang="en-US" dirty="0"/>
-              <a:t> Media. </a:t>
-            </a:r>
-          </a:p>
-          <a:p>
-            <a:pPr marL="0" indent="0">
-              <a:buNone/>
-            </a:pPr>
-            <a:endParaRPr lang="en-US" dirty="0"/>
-          </a:p>
-          <a:p>
-            <a:pPr marL="0" indent="0">
-              <a:buNone/>
-            </a:pPr>
-            <a:r>
-              <a:rPr lang="en-US" dirty="0"/>
-              <a:t>This book is completely free and can be downloaded online at </a:t>
-            </a:r>
-            <a:r>
-              <a:rPr lang="en-US" dirty="0" err="1"/>
-              <a:t>O’reilly’s</a:t>
-            </a:r>
-            <a:r>
-              <a:rPr lang="en-US" dirty="0"/>
-              <a:t> site. </a:t>
-            </a:r>
+            <a:r>
+              <a:rPr lang="en-US" sz="1900" b="1" dirty="0">
+                <a:solidFill>
+                  <a:srgbClr val="000087"/>
+                </a:solidFill>
+                <a:latin typeface="Inconsolata Medium" panose="020B0609030003000000" pitchFamily="49" charset="77"/>
+              </a:rPr>
+              <a:t>In </a:t>
+            </a:r>
+            <a:r>
+              <a:rPr lang="en-US" sz="1900" b="1" dirty="0">
+                <a:latin typeface="Inconsolata Medium" panose="020B0609030003000000" pitchFamily="49" charset="77"/>
+              </a:rPr>
+              <a:t>[</a:t>
+            </a:r>
+            <a:r>
+              <a:rPr lang="en-US" sz="1900" b="1" dirty="0">
+                <a:solidFill>
+                  <a:srgbClr val="FF6600"/>
+                </a:solidFill>
+                <a:latin typeface="Inconsolata Medium" panose="020B0609030003000000" pitchFamily="49" charset="77"/>
+              </a:rPr>
+              <a:t>23</a:t>
+            </a:r>
+            <a:r>
+              <a:rPr lang="en-US" sz="1900" b="1" dirty="0">
+                <a:latin typeface="Inconsolata Medium" panose="020B0609030003000000" pitchFamily="49" charset="77"/>
+              </a:rPr>
+              <a:t>]: </a:t>
+            </a:r>
+            <a:r>
+              <a:rPr lang="en-US" sz="1900" b="1" dirty="0">
+                <a:solidFill>
+                  <a:srgbClr val="000087"/>
+                </a:solidFill>
+                <a:latin typeface="Inconsolata Medium" panose="020B0609030003000000" pitchFamily="49" charset="77"/>
+              </a:rPr>
+              <a:t>message = </a:t>
+            </a:r>
+            <a:r>
+              <a:rPr lang="en-US" sz="2000" dirty="0">
+                <a:solidFill>
+                  <a:srgbClr val="CC3300"/>
+                </a:solidFill>
+                <a:latin typeface="UbuntuMono"/>
+              </a:rPr>
+              <a:t>"what do you like?" </a:t>
+            </a:r>
+            <a:endParaRPr lang="en-US" sz="2000" dirty="0"/>
+          </a:p>
+          <a:p>
+            <a:pPr marL="0" indent="0">
+              <a:buNone/>
+            </a:pPr>
+            <a:endParaRPr lang="en-US" sz="1900" b="1" dirty="0">
+              <a:solidFill>
+                <a:srgbClr val="000087"/>
+              </a:solidFill>
+              <a:latin typeface="Inconsolata Medium" panose="020B0609030003000000" pitchFamily="49" charset="77"/>
+            </a:endParaRPr>
+          </a:p>
+          <a:p>
+            <a:pPr marL="0" indent="0">
+              <a:buNone/>
+            </a:pPr>
+            <a:r>
+              <a:rPr lang="en-US" sz="1900" b="1" dirty="0">
+                <a:solidFill>
+                  <a:srgbClr val="000087"/>
+                </a:solidFill>
+                <a:latin typeface="Inconsolata Medium" panose="020B0609030003000000" pitchFamily="49" charset="77"/>
+              </a:rPr>
+              <a:t>In </a:t>
+            </a:r>
+            <a:r>
+              <a:rPr lang="en-US" sz="1900" b="1" dirty="0">
+                <a:latin typeface="Inconsolata Medium" panose="020B0609030003000000" pitchFamily="49" charset="77"/>
+              </a:rPr>
+              <a:t>[</a:t>
+            </a:r>
+            <a:r>
+              <a:rPr lang="en-US" sz="1900" b="1" dirty="0">
+                <a:solidFill>
+                  <a:srgbClr val="FF6600"/>
+                </a:solidFill>
+                <a:latin typeface="Inconsolata Medium" panose="020B0609030003000000" pitchFamily="49" charset="77"/>
+              </a:rPr>
+              <a:t>24</a:t>
+            </a:r>
+            <a:r>
+              <a:rPr lang="en-US" sz="1900" b="1" dirty="0">
+                <a:latin typeface="Inconsolata Medium" panose="020B0609030003000000" pitchFamily="49" charset="77"/>
+              </a:rPr>
+              <a:t>]: </a:t>
+            </a:r>
+            <a:r>
+              <a:rPr lang="en-US" sz="1900" b="1" i="1" dirty="0">
+                <a:solidFill>
+                  <a:srgbClr val="33566B"/>
+                </a:solidFill>
+                <a:latin typeface="Inconsolata Medium" panose="020B0609030003000000" pitchFamily="49" charset="77"/>
+              </a:rPr>
+              <a:t># Access individual characters (zero-based indexing) 	    </a:t>
+            </a:r>
+            <a:r>
+              <a:rPr lang="en-US" sz="1900" b="1" dirty="0">
+                <a:solidFill>
+                  <a:srgbClr val="000087"/>
+                </a:solidFill>
+                <a:latin typeface="Inconsolata Medium" panose="020B0609030003000000" pitchFamily="49" charset="77"/>
+              </a:rPr>
+              <a:t>message</a:t>
+            </a:r>
+            <a:r>
+              <a:rPr lang="en-US" sz="1900" b="1" dirty="0">
+                <a:latin typeface="Inconsolata Medium" panose="020B0609030003000000" pitchFamily="49" charset="77"/>
+              </a:rPr>
+              <a:t>[</a:t>
+            </a:r>
+            <a:r>
+              <a:rPr lang="en-US" sz="1900" b="1" dirty="0">
+                <a:solidFill>
+                  <a:srgbClr val="FF6600"/>
+                </a:solidFill>
+                <a:latin typeface="Inconsolata Medium" panose="020B0609030003000000" pitchFamily="49" charset="77"/>
+              </a:rPr>
+              <a:t>0</a:t>
+            </a:r>
+            <a:r>
+              <a:rPr lang="en-US" sz="1900" b="1" dirty="0">
+                <a:latin typeface="Inconsolata Medium" panose="020B0609030003000000" pitchFamily="49" charset="77"/>
+              </a:rPr>
+              <a:t>] </a:t>
+            </a:r>
+          </a:p>
+          <a:p>
+            <a:pPr marL="0" indent="0">
+              <a:buNone/>
+            </a:pPr>
+            <a:r>
+              <a:rPr lang="en-US" sz="1900" b="1" dirty="0">
+                <a:latin typeface="Inconsolata Medium" panose="020B0609030003000000" pitchFamily="49" charset="77"/>
+              </a:rPr>
+              <a:t>Out [24]: ‘w' </a:t>
+            </a:r>
+          </a:p>
+          <a:p>
+            <a:pPr marL="0" indent="0">
+              <a:buNone/>
+            </a:pPr>
+            <a:endParaRPr lang="en-US" sz="1900" b="1" dirty="0">
+              <a:latin typeface="Inconsolata Medium" panose="020B0609030003000000" pitchFamily="49" charset="77"/>
+            </a:endParaRPr>
+          </a:p>
+          <a:p>
+            <a:pPr marL="0" indent="0">
+              <a:buNone/>
+            </a:pPr>
+            <a:r>
+              <a:rPr lang="en-US" sz="1900" b="1" dirty="0">
+                <a:solidFill>
+                  <a:srgbClr val="000087"/>
+                </a:solidFill>
+                <a:latin typeface="Inconsolata Medium" panose="020B0609030003000000" pitchFamily="49" charset="77"/>
+              </a:rPr>
+              <a:t>In </a:t>
+            </a:r>
+            <a:r>
+              <a:rPr lang="en-US" sz="1900" b="1" dirty="0">
+                <a:latin typeface="Inconsolata Medium" panose="020B0609030003000000" pitchFamily="49" charset="77"/>
+              </a:rPr>
+              <a:t>[</a:t>
+            </a:r>
+            <a:r>
+              <a:rPr lang="en-US" sz="1900" b="1" dirty="0">
+                <a:solidFill>
+                  <a:srgbClr val="FF6600"/>
+                </a:solidFill>
+                <a:latin typeface="Inconsolata Medium" panose="020B0609030003000000" pitchFamily="49" charset="77"/>
+              </a:rPr>
+              <a:t>25</a:t>
+            </a:r>
+            <a:r>
+              <a:rPr lang="en-US" sz="1900" b="1" dirty="0">
+                <a:latin typeface="Inconsolata Medium" panose="020B0609030003000000" pitchFamily="49" charset="77"/>
+              </a:rPr>
+              <a:t>]:  </a:t>
+            </a:r>
+            <a:r>
+              <a:rPr lang="en-US" sz="1900" b="1" dirty="0">
+                <a:solidFill>
+                  <a:srgbClr val="000087"/>
+                </a:solidFill>
+                <a:latin typeface="Inconsolata Medium" panose="020B0609030003000000" pitchFamily="49" charset="77"/>
+              </a:rPr>
+              <a:t>message</a:t>
+            </a:r>
+            <a:r>
+              <a:rPr lang="en-US" sz="1900" b="1" dirty="0">
+                <a:latin typeface="Inconsolata Medium" panose="020B0609030003000000" pitchFamily="49" charset="77"/>
+              </a:rPr>
+              <a:t>[</a:t>
+            </a:r>
+            <a:r>
+              <a:rPr lang="en-US" sz="1900" b="1" dirty="0">
+                <a:solidFill>
+                  <a:srgbClr val="FF6600"/>
+                </a:solidFill>
+                <a:latin typeface="Inconsolata Medium" panose="020B0609030003000000" pitchFamily="49" charset="77"/>
+              </a:rPr>
+              <a:t>0:4</a:t>
+            </a:r>
+            <a:r>
+              <a:rPr lang="en-US" sz="1900" b="1" dirty="0">
+                <a:latin typeface="Inconsolata Medium" panose="020B0609030003000000" pitchFamily="49" charset="77"/>
+              </a:rPr>
+              <a:t>] </a:t>
+            </a:r>
+            <a:r>
+              <a:rPr lang="en-US" sz="1900" b="1" i="1" dirty="0">
+                <a:solidFill>
+                  <a:srgbClr val="33566B"/>
+                </a:solidFill>
+                <a:latin typeface="Inconsolata Medium" panose="020B0609030003000000" pitchFamily="49" charset="77"/>
+              </a:rPr>
+              <a:t># up to but not including index 4</a:t>
+            </a:r>
+            <a:endParaRPr lang="en-US" sz="1900" b="1" dirty="0">
+              <a:latin typeface="Inconsolata Medium" panose="020B0609030003000000" pitchFamily="49" charset="77"/>
+            </a:endParaRPr>
+          </a:p>
+          <a:p>
+            <a:pPr marL="0" indent="0">
+              <a:buNone/>
+            </a:pPr>
+            <a:r>
+              <a:rPr lang="en-US" sz="1900" b="1" dirty="0">
+                <a:latin typeface="Inconsolata Medium" panose="020B0609030003000000" pitchFamily="49" charset="77"/>
+              </a:rPr>
+              <a:t>Out [25]: ‘what’ </a:t>
+            </a:r>
+          </a:p>
+          <a:p>
+            <a:pPr marL="0" indent="0">
+              <a:buNone/>
+            </a:pPr>
+            <a:endParaRPr lang="en-US" sz="1900" b="1" dirty="0">
+              <a:latin typeface="Inconsolata Medium" panose="020B0609030003000000" pitchFamily="49" charset="77"/>
+            </a:endParaRPr>
+          </a:p>
+          <a:p>
+            <a:pPr marL="0" indent="0">
+              <a:buNone/>
+            </a:pPr>
+            <a:r>
+              <a:rPr lang="en-US" sz="1900" b="1" dirty="0">
+                <a:solidFill>
+                  <a:srgbClr val="000087"/>
+                </a:solidFill>
+                <a:latin typeface="Inconsolata Medium" panose="020B0609030003000000" pitchFamily="49" charset="77"/>
+              </a:rPr>
+              <a:t>In </a:t>
+            </a:r>
+            <a:r>
+              <a:rPr lang="en-US" sz="1900" b="1" dirty="0">
+                <a:latin typeface="Inconsolata Medium" panose="020B0609030003000000" pitchFamily="49" charset="77"/>
+              </a:rPr>
+              <a:t>[</a:t>
+            </a:r>
+            <a:r>
+              <a:rPr lang="en-US" sz="1900" b="1" dirty="0">
+                <a:solidFill>
+                  <a:srgbClr val="FF6600"/>
+                </a:solidFill>
+                <a:latin typeface="Inconsolata Medium" panose="020B0609030003000000" pitchFamily="49" charset="77"/>
+              </a:rPr>
+              <a:t>25</a:t>
+            </a:r>
+            <a:r>
+              <a:rPr lang="en-US" sz="1900" b="1" dirty="0">
+                <a:latin typeface="Inconsolata Medium" panose="020B0609030003000000" pitchFamily="49" charset="77"/>
+              </a:rPr>
+              <a:t>]:  </a:t>
+            </a:r>
+            <a:r>
+              <a:rPr lang="en-US" sz="1900" b="1" dirty="0">
+                <a:solidFill>
+                  <a:srgbClr val="000087"/>
+                </a:solidFill>
+                <a:latin typeface="Inconsolata Medium" panose="020B0609030003000000" pitchFamily="49" charset="77"/>
+              </a:rPr>
+              <a:t>message</a:t>
+            </a:r>
+            <a:r>
+              <a:rPr lang="en-US" sz="1900" b="1" dirty="0">
+                <a:latin typeface="Inconsolata Medium" panose="020B0609030003000000" pitchFamily="49" charset="77"/>
+              </a:rPr>
+              <a:t>[</a:t>
+            </a:r>
+            <a:r>
+              <a:rPr lang="en-US" sz="1900" b="1" dirty="0">
+                <a:solidFill>
+                  <a:srgbClr val="FF6600"/>
+                </a:solidFill>
+                <a:latin typeface="Inconsolata Medium" panose="020B0609030003000000" pitchFamily="49" charset="77"/>
+              </a:rPr>
+              <a:t>0:7:2</a:t>
+            </a:r>
+            <a:r>
+              <a:rPr lang="en-US" sz="1900" b="1" dirty="0">
+                <a:latin typeface="Inconsolata Medium" panose="020B0609030003000000" pitchFamily="49" charset="77"/>
+              </a:rPr>
+              <a:t>] </a:t>
+            </a:r>
+            <a:r>
+              <a:rPr lang="en-US" sz="1900" b="1" i="1" dirty="0">
+                <a:solidFill>
+                  <a:srgbClr val="33566B"/>
+                </a:solidFill>
+                <a:latin typeface="Inconsolata Medium" panose="020B0609030003000000" pitchFamily="49" charset="77"/>
+              </a:rPr>
+              <a:t># step size of 2</a:t>
+            </a:r>
+            <a:endParaRPr lang="en-US" sz="1900" b="1" dirty="0">
+              <a:latin typeface="Inconsolata Medium" panose="020B0609030003000000" pitchFamily="49" charset="77"/>
+            </a:endParaRPr>
+          </a:p>
+          <a:p>
+            <a:pPr marL="0" indent="0">
+              <a:buNone/>
+            </a:pPr>
+            <a:r>
+              <a:rPr lang="en-US" sz="1900" b="1" dirty="0">
+                <a:latin typeface="Inconsolata Medium" panose="020B0609030003000000" pitchFamily="49" charset="77"/>
+              </a:rPr>
+              <a:t>Out [25]: ‘</a:t>
+            </a:r>
+            <a:r>
+              <a:rPr lang="en-US" sz="1900" b="1" dirty="0" err="1">
+                <a:latin typeface="Inconsolata Medium" panose="020B0609030003000000" pitchFamily="49" charset="77"/>
+              </a:rPr>
+              <a:t>wa</a:t>
+            </a:r>
+            <a:r>
+              <a:rPr lang="en-US" sz="1900" b="1" dirty="0">
+                <a:latin typeface="Inconsolata Medium" panose="020B0609030003000000" pitchFamily="49" charset="77"/>
+              </a:rPr>
+              <a:t> o' </a:t>
+            </a:r>
+          </a:p>
+          <a:p>
+            <a:pPr marL="0" indent="0">
+              <a:buNone/>
+            </a:pPr>
+            <a:endParaRPr lang="en-US" sz="1900" b="1" dirty="0">
+              <a:latin typeface="Inconsolata Medium" panose="020B0609030003000000" pitchFamily="49" charset="77"/>
+            </a:endParaRPr>
+          </a:p>
+          <a:p>
+            <a:pPr marL="0" indent="0">
+              <a:buNone/>
+            </a:pPr>
+            <a:endParaRPr lang="en-US" sz="1900" b="1" dirty="0">
+              <a:latin typeface="Inconsolata Medium" panose="020B0609030003000000" pitchFamily="49" charset="77"/>
+            </a:endParaRPr>
+          </a:p>
+          <a:p>
+            <a:pPr marL="0" indent="0">
+              <a:buNone/>
+            </a:pPr>
+            <a:endParaRPr lang="en-US" sz="1900" b="1" dirty="0">
+              <a:latin typeface="Inconsolata Medium" panose="020B0609030003000000" pitchFamily="49" charset="77"/>
+            </a:endParaRPr>
+          </a:p>
+          <a:p>
+            <a:pPr marL="0" indent="0">
+              <a:buNone/>
+            </a:pPr>
+            <a:endParaRPr lang="en-US" sz="1900" b="1" dirty="0">
+              <a:latin typeface="Inconsolata Medium" panose="020B0609030003000000" pitchFamily="49" charset="77"/>
+            </a:endParaRPr>
+          </a:p>
+          <a:p>
+            <a:pPr marL="0" indent="0">
+              <a:buNone/>
+            </a:pPr>
+            <a:r>
+              <a:rPr lang="en-US" sz="1900" b="1" dirty="0">
+                <a:latin typeface="Inconsolata Medium" panose="020B0609030003000000" pitchFamily="49" charset="77"/>
+              </a:rPr>
+              <a:t> </a:t>
+            </a:r>
+          </a:p>
+          <a:p>
+            <a:pPr marL="0" indent="0">
+              <a:buNone/>
+            </a:pPr>
+            <a:endParaRPr lang="en-US" sz="1900" b="1" dirty="0">
+              <a:latin typeface="Inconsolata Medium" panose="020B0609030003000000" pitchFamily="49" charset="77"/>
+            </a:endParaRPr>
+          </a:p>
+          <a:p>
+            <a:pPr marL="0" indent="0">
+              <a:buNone/>
+            </a:pPr>
+            <a:endParaRPr lang="en-US" sz="1900" b="1" dirty="0">
+              <a:latin typeface="Inconsolata Medium" panose="020B0609030003000000" pitchFamily="49" charset="77"/>
+            </a:endParaRPr>
+          </a:p>
+          <a:p>
+            <a:pPr marL="0" indent="0">
+              <a:buNone/>
+            </a:pPr>
+            <a:endParaRPr lang="en-US" sz="1900" b="1" dirty="0">
+              <a:latin typeface="Inconsolata Medium" panose="020B0609030003000000" pitchFamily="49" charset="77"/>
+            </a:endParaRPr>
+          </a:p>
+          <a:p>
+            <a:pPr marL="0" indent="0">
+              <a:buNone/>
+            </a:pPr>
+            <a:endParaRPr lang="en-US" sz="1900" b="1" dirty="0">
+              <a:latin typeface="Inconsolata Medium" panose="020B0609030003000000" pitchFamily="49" charset="77"/>
+            </a:endParaRPr>
+          </a:p>
+          <a:p>
+            <a:pPr marL="0" indent="0">
+              <a:buNone/>
+            </a:pPr>
+            <a:endParaRPr lang="en-US" sz="1900" b="1" dirty="0">
+              <a:latin typeface="Inconsolata Medium" panose="020B0609030003000000" pitchFamily="49" charset="77"/>
+            </a:endParaRPr>
+          </a:p>
+          <a:p>
+            <a:pPr marL="0" indent="0">
+              <a:buNone/>
+            </a:pPr>
+            <a:r>
+              <a:rPr lang="en-US" sz="1900" b="1" dirty="0">
+                <a:latin typeface="Inconsolata Medium" panose="020B0609030003000000" pitchFamily="49" charset="77"/>
+              </a:rPr>
+              <a:t> </a:t>
+            </a:r>
+          </a:p>
+          <a:p>
+            <a:pPr marL="0" indent="0">
+              <a:buNone/>
+            </a:pPr>
+            <a:endParaRPr lang="en-US" sz="1900" b="1" dirty="0">
+              <a:latin typeface="Inconsolata Medium" panose="020B0609030003000000" pitchFamily="49" charset="77"/>
+            </a:endParaRPr>
+          </a:p>
+          <a:p>
+            <a:pPr marL="0" indent="0">
+              <a:buNone/>
+            </a:pPr>
+            <a:endParaRPr lang="en-US" sz="1900" b="1" dirty="0">
+              <a:latin typeface="Inconsolata Medium" panose="020B0609030003000000" pitchFamily="49" charset="77"/>
+            </a:endParaRPr>
           </a:p>
         </p:txBody>
       </p:sp>
     </p:spTree>
     <p:extLst>
       <p:ext uri="{BB962C8B-B14F-4D97-AF65-F5344CB8AC3E}">
-        <p14:creationId xmlns:p14="http://schemas.microsoft.com/office/powerpoint/2010/main" val="1728628262"/>
+        <p14:creationId xmlns:p14="http://schemas.microsoft.com/office/powerpoint/2010/main" val="1114720448"/>
+      </p:ext>
+    </p:extLst>
+  </p:cSld>
+  <p:clrMapOvr>
+    <a:masterClrMapping/>
+  </p:clrMapOvr>
+</p:sld>
+</file>
+
+<file path=ppt/slides/slide7.xml><?xml version="1.0" encoding="utf-8"?>
+<p:sld xmlns:a="http://schemas.openxmlformats.org/drawingml/2006/main" xmlns:r="http://schemas.openxmlformats.org/officeDocument/2006/relationships" xmlns:p="http://schemas.openxmlformats.org/presentationml/2006/main">
+  <p:cSld>
+    <p:spTree>
+      <p:nvGrpSpPr>
+        <p:cNvPr id="1" name=""/>
+        <p:cNvGrpSpPr/>
+        <p:nvPr/>
+      </p:nvGrpSpPr>
+      <p:grpSpPr>
+        <a:xfrm>
+          <a:off x="0" y="0"/>
+          <a:ext cx="0" cy="0"/>
+          <a:chOff x="0" y="0"/>
+          <a:chExt cx="0" cy="0"/>
+        </a:xfrm>
+      </p:grpSpPr>
+      <p:sp>
+        <p:nvSpPr>
+          <p:cNvPr id="2" name="Title 1">
+            <a:extLst>
+              <a:ext uri="{FF2B5EF4-FFF2-40B4-BE49-F238E27FC236}">
+                <a16:creationId xmlns:a16="http://schemas.microsoft.com/office/drawing/2014/main" id="{AA3A228F-61D0-D949-A5E7-F83756230BF8}"/>
+              </a:ext>
+            </a:extLst>
+          </p:cNvPr>
+          <p:cNvSpPr>
+            <a:spLocks noGrp="1"/>
+          </p:cNvSpPr>
+          <p:nvPr>
+            <p:ph type="title"/>
+          </p:nvPr>
+        </p:nvSpPr>
+        <p:spPr>
+          <a:xfrm>
+            <a:off x="483848" y="467027"/>
+            <a:ext cx="7053542" cy="683886"/>
+          </a:xfrm>
+        </p:spPr>
+        <p:txBody>
+          <a:bodyPr/>
+          <a:lstStyle/>
+          <a:p>
+            <a:r>
+              <a:rPr lang="en-US" dirty="0"/>
+              <a:t>String Indexing and Slicing</a:t>
+            </a:r>
+          </a:p>
+        </p:txBody>
+      </p:sp>
+      <p:sp>
+        <p:nvSpPr>
+          <p:cNvPr id="9" name="Content Placeholder 8">
+            <a:extLst>
+              <a:ext uri="{FF2B5EF4-FFF2-40B4-BE49-F238E27FC236}">
+                <a16:creationId xmlns:a16="http://schemas.microsoft.com/office/drawing/2014/main" id="{E3B2E017-30B2-884B-A113-B419A2ED51AD}"/>
+              </a:ext>
+            </a:extLst>
+          </p:cNvPr>
+          <p:cNvSpPr>
+            <a:spLocks noGrp="1"/>
+          </p:cNvSpPr>
+          <p:nvPr>
+            <p:ph idx="1"/>
+          </p:nvPr>
+        </p:nvSpPr>
+        <p:spPr>
+          <a:xfrm>
+            <a:off x="483848" y="1150913"/>
+            <a:ext cx="8051725" cy="4440590"/>
+          </a:xfrm>
+        </p:spPr>
+        <p:txBody>
+          <a:bodyPr>
+            <a:noAutofit/>
+          </a:bodyPr>
+          <a:lstStyle/>
+          <a:p>
+            <a:pPr marL="0" indent="0">
+              <a:buNone/>
+            </a:pPr>
+            <a:r>
+              <a:rPr lang="en-US" sz="1900" b="1" dirty="0">
+                <a:solidFill>
+                  <a:srgbClr val="000087"/>
+                </a:solidFill>
+                <a:latin typeface="Inconsolata Medium" panose="020B0609030003000000" pitchFamily="49" charset="77"/>
+              </a:rPr>
+              <a:t>In </a:t>
+            </a:r>
+            <a:r>
+              <a:rPr lang="en-US" sz="1900" b="1" dirty="0">
+                <a:latin typeface="Inconsolata Medium" panose="020B0609030003000000" pitchFamily="49" charset="77"/>
+              </a:rPr>
+              <a:t>[</a:t>
+            </a:r>
+            <a:r>
+              <a:rPr lang="en-US" sz="1900" b="1" dirty="0">
+                <a:solidFill>
+                  <a:srgbClr val="FF6600"/>
+                </a:solidFill>
+                <a:latin typeface="Inconsolata Medium" panose="020B0609030003000000" pitchFamily="49" charset="77"/>
+              </a:rPr>
+              <a:t>26</a:t>
+            </a:r>
+            <a:r>
+              <a:rPr lang="en-US" sz="1900" b="1" dirty="0">
+                <a:latin typeface="Inconsolata Medium" panose="020B0609030003000000" pitchFamily="49" charset="77"/>
+              </a:rPr>
+              <a:t>]: </a:t>
+            </a:r>
+            <a:r>
+              <a:rPr lang="en-US" sz="1900" b="1" dirty="0">
+                <a:solidFill>
+                  <a:srgbClr val="000087"/>
+                </a:solidFill>
+                <a:latin typeface="Inconsolata Medium" panose="020B0609030003000000" pitchFamily="49" charset="77"/>
+              </a:rPr>
+              <a:t>message = </a:t>
+            </a:r>
+            <a:r>
+              <a:rPr lang="en-US" sz="2000" dirty="0">
+                <a:solidFill>
+                  <a:srgbClr val="CC3300"/>
+                </a:solidFill>
+                <a:latin typeface="UbuntuMono"/>
+              </a:rPr>
+              <a:t>”python" </a:t>
+            </a:r>
+            <a:endParaRPr lang="en-US" sz="1900" b="1" dirty="0">
+              <a:solidFill>
+                <a:srgbClr val="000087"/>
+              </a:solidFill>
+              <a:latin typeface="Inconsolata Medium" panose="020B0609030003000000" pitchFamily="49" charset="77"/>
+            </a:endParaRPr>
+          </a:p>
+          <a:p>
+            <a:pPr marL="0" indent="0">
+              <a:buNone/>
+            </a:pPr>
+            <a:r>
+              <a:rPr lang="en-US" sz="1900" b="1" dirty="0">
+                <a:solidFill>
+                  <a:srgbClr val="000087"/>
+                </a:solidFill>
+                <a:latin typeface="Inconsolata Medium" panose="020B0609030003000000" pitchFamily="49" charset="77"/>
+              </a:rPr>
+              <a:t>In </a:t>
+            </a:r>
+            <a:r>
+              <a:rPr lang="en-US" sz="1900" b="1" dirty="0">
+                <a:latin typeface="Inconsolata Medium" panose="020B0609030003000000" pitchFamily="49" charset="77"/>
+              </a:rPr>
+              <a:t>[</a:t>
+            </a:r>
+            <a:r>
+              <a:rPr lang="en-US" sz="1900" b="1" dirty="0">
+                <a:solidFill>
+                  <a:srgbClr val="FF6600"/>
+                </a:solidFill>
+                <a:latin typeface="Inconsolata Medium" panose="020B0609030003000000" pitchFamily="49" charset="77"/>
+              </a:rPr>
+              <a:t>26</a:t>
+            </a:r>
+            <a:r>
+              <a:rPr lang="en-US" sz="1900" b="1" dirty="0">
+                <a:latin typeface="Inconsolata Medium" panose="020B0609030003000000" pitchFamily="49" charset="77"/>
+              </a:rPr>
+              <a:t>]: </a:t>
+            </a:r>
+            <a:r>
+              <a:rPr lang="en-US" sz="1900" b="1" i="1" dirty="0">
+                <a:solidFill>
+                  <a:srgbClr val="33566B"/>
+                </a:solidFill>
+                <a:latin typeface="Inconsolata Medium" panose="020B0609030003000000" pitchFamily="49" charset="77"/>
+              </a:rPr>
+              <a:t># default start index is 0</a:t>
+            </a:r>
+          </a:p>
+          <a:p>
+            <a:pPr marL="0" indent="0">
+              <a:buNone/>
+            </a:pPr>
+            <a:r>
+              <a:rPr lang="en-US" sz="1900" b="1" i="1" dirty="0">
+                <a:solidFill>
+                  <a:srgbClr val="33566B"/>
+                </a:solidFill>
+                <a:latin typeface="Inconsolata Medium" panose="020B0609030003000000" pitchFamily="49" charset="77"/>
+              </a:rPr>
+              <a:t>	    </a:t>
+            </a:r>
+            <a:r>
+              <a:rPr lang="en-US" sz="1900" b="1" dirty="0">
+                <a:solidFill>
+                  <a:srgbClr val="000087"/>
+                </a:solidFill>
+                <a:latin typeface="Inconsolata Medium" panose="020B0609030003000000" pitchFamily="49" charset="77"/>
+              </a:rPr>
+              <a:t>message</a:t>
+            </a:r>
+            <a:r>
+              <a:rPr lang="en-US" sz="1900" b="1" dirty="0">
+                <a:latin typeface="Inconsolata Medium" panose="020B0609030003000000" pitchFamily="49" charset="77"/>
+              </a:rPr>
+              <a:t>[</a:t>
+            </a:r>
+            <a:r>
+              <a:rPr lang="en-US" sz="1900" b="1" dirty="0">
+                <a:solidFill>
+                  <a:srgbClr val="FF6600"/>
+                </a:solidFill>
+                <a:latin typeface="Inconsolata Medium" panose="020B0609030003000000" pitchFamily="49" charset="77"/>
+              </a:rPr>
+              <a:t>:4</a:t>
+            </a:r>
+            <a:r>
+              <a:rPr lang="en-US" sz="1900" b="1" dirty="0">
+                <a:latin typeface="Inconsolata Medium" panose="020B0609030003000000" pitchFamily="49" charset="77"/>
+              </a:rPr>
+              <a:t>] </a:t>
+            </a:r>
+          </a:p>
+          <a:p>
+            <a:pPr marL="0" indent="0">
+              <a:buNone/>
+            </a:pPr>
+            <a:r>
+              <a:rPr lang="en-US" sz="1900" b="1" dirty="0">
+                <a:latin typeface="Inconsolata Medium" panose="020B0609030003000000" pitchFamily="49" charset="77"/>
+              </a:rPr>
+              <a:t>Out [26]: ‘</a:t>
+            </a:r>
+            <a:r>
+              <a:rPr lang="en-US" sz="1900" b="1" dirty="0" err="1">
+                <a:latin typeface="Inconsolata Medium" panose="020B0609030003000000" pitchFamily="49" charset="77"/>
+              </a:rPr>
+              <a:t>pyth</a:t>
+            </a:r>
+            <a:r>
+              <a:rPr lang="en-US" sz="1900" b="1" dirty="0">
+                <a:latin typeface="Inconsolata Medium" panose="020B0609030003000000" pitchFamily="49" charset="77"/>
+              </a:rPr>
+              <a:t>' </a:t>
+            </a:r>
+          </a:p>
+          <a:p>
+            <a:pPr marL="0" indent="0">
+              <a:buNone/>
+            </a:pPr>
+            <a:endParaRPr lang="en-US" sz="1900" b="1" dirty="0">
+              <a:latin typeface="Inconsolata Medium" panose="020B0609030003000000" pitchFamily="49" charset="77"/>
+            </a:endParaRPr>
+          </a:p>
+          <a:p>
+            <a:pPr marL="0" indent="0">
+              <a:buNone/>
+            </a:pPr>
+            <a:r>
+              <a:rPr lang="en-US" sz="1900" b="1" dirty="0">
+                <a:solidFill>
+                  <a:srgbClr val="000087"/>
+                </a:solidFill>
+                <a:latin typeface="Inconsolata Medium" panose="020B0609030003000000" pitchFamily="49" charset="77"/>
+              </a:rPr>
+              <a:t>In </a:t>
+            </a:r>
+            <a:r>
+              <a:rPr lang="en-US" sz="1900" b="1" dirty="0">
+                <a:latin typeface="Inconsolata Medium" panose="020B0609030003000000" pitchFamily="49" charset="77"/>
+              </a:rPr>
+              <a:t>[</a:t>
+            </a:r>
+            <a:r>
+              <a:rPr lang="en-US" sz="1900" b="1" dirty="0">
+                <a:solidFill>
+                  <a:srgbClr val="FF6600"/>
+                </a:solidFill>
+                <a:latin typeface="Inconsolata Medium" panose="020B0609030003000000" pitchFamily="49" charset="77"/>
+              </a:rPr>
+              <a:t>27</a:t>
+            </a:r>
+            <a:r>
+              <a:rPr lang="en-US" sz="1900" b="1" dirty="0">
+                <a:latin typeface="Inconsolata Medium" panose="020B0609030003000000" pitchFamily="49" charset="77"/>
+              </a:rPr>
+              <a:t>]: </a:t>
+            </a:r>
+            <a:r>
+              <a:rPr lang="en-US" sz="1900" b="1" i="1" dirty="0">
+                <a:solidFill>
+                  <a:srgbClr val="33566B"/>
+                </a:solidFill>
+                <a:latin typeface="Inconsolata Medium" panose="020B0609030003000000" pitchFamily="49" charset="77"/>
+              </a:rPr>
+              <a:t># default end index is length of string</a:t>
+            </a:r>
+          </a:p>
+          <a:p>
+            <a:pPr marL="0" indent="0">
+              <a:buNone/>
+            </a:pPr>
+            <a:r>
+              <a:rPr lang="en-US" sz="1900" b="1" i="1" dirty="0">
+                <a:solidFill>
+                  <a:srgbClr val="33566B"/>
+                </a:solidFill>
+                <a:latin typeface="Inconsolata Medium" panose="020B0609030003000000" pitchFamily="49" charset="77"/>
+              </a:rPr>
+              <a:t>	    </a:t>
+            </a:r>
+            <a:r>
+              <a:rPr lang="en-US" sz="1900" b="1" dirty="0">
+                <a:solidFill>
+                  <a:srgbClr val="000087"/>
+                </a:solidFill>
+                <a:latin typeface="Inconsolata Medium" panose="020B0609030003000000" pitchFamily="49" charset="77"/>
+              </a:rPr>
+              <a:t>message</a:t>
+            </a:r>
+            <a:r>
+              <a:rPr lang="en-US" sz="1900" b="1" dirty="0">
+                <a:latin typeface="Inconsolata Medium" panose="020B0609030003000000" pitchFamily="49" charset="77"/>
+              </a:rPr>
+              <a:t>[</a:t>
+            </a:r>
+            <a:r>
+              <a:rPr lang="en-US" sz="1900" b="1" dirty="0">
+                <a:solidFill>
+                  <a:srgbClr val="FF6600"/>
+                </a:solidFill>
+                <a:latin typeface="Inconsolata Medium" panose="020B0609030003000000" pitchFamily="49" charset="77"/>
+              </a:rPr>
+              <a:t>4:</a:t>
+            </a:r>
+            <a:r>
+              <a:rPr lang="en-US" sz="1900" b="1" dirty="0">
+                <a:latin typeface="Inconsolata Medium" panose="020B0609030003000000" pitchFamily="49" charset="77"/>
+              </a:rPr>
+              <a:t>] </a:t>
+            </a:r>
+            <a:endParaRPr lang="en-US" sz="1900" b="1" i="1" dirty="0">
+              <a:solidFill>
+                <a:srgbClr val="33566B"/>
+              </a:solidFill>
+              <a:latin typeface="Inconsolata Medium" panose="020B0609030003000000" pitchFamily="49" charset="77"/>
+            </a:endParaRPr>
+          </a:p>
+          <a:p>
+            <a:pPr marL="0" indent="0">
+              <a:buNone/>
+            </a:pPr>
+            <a:r>
+              <a:rPr lang="en-US" sz="1900" b="1" dirty="0">
+                <a:latin typeface="Inconsolata Medium" panose="020B0609030003000000" pitchFamily="49" charset="77"/>
+              </a:rPr>
+              <a:t>Out [27]: ‘on’ </a:t>
+            </a:r>
+          </a:p>
+          <a:p>
+            <a:pPr marL="0" indent="0">
+              <a:buNone/>
+            </a:pPr>
+            <a:endParaRPr lang="en-US" sz="1900" b="1" dirty="0">
+              <a:latin typeface="Inconsolata Medium" panose="020B0609030003000000" pitchFamily="49" charset="77"/>
+            </a:endParaRPr>
+          </a:p>
+          <a:p>
+            <a:pPr marL="0" indent="0">
+              <a:buNone/>
+            </a:pPr>
+            <a:r>
+              <a:rPr lang="en-US" sz="1900" b="1" dirty="0">
+                <a:solidFill>
+                  <a:srgbClr val="000087"/>
+                </a:solidFill>
+                <a:latin typeface="Inconsolata Medium" panose="020B0609030003000000" pitchFamily="49" charset="77"/>
+              </a:rPr>
+              <a:t>In </a:t>
+            </a:r>
+            <a:r>
+              <a:rPr lang="en-US" sz="1900" b="1" dirty="0">
+                <a:latin typeface="Inconsolata Medium" panose="020B0609030003000000" pitchFamily="49" charset="77"/>
+              </a:rPr>
+              <a:t>[</a:t>
+            </a:r>
+            <a:r>
+              <a:rPr lang="en-US" sz="1900" b="1" dirty="0">
+                <a:solidFill>
+                  <a:srgbClr val="FF6600"/>
+                </a:solidFill>
+                <a:latin typeface="Inconsolata Medium" panose="020B0609030003000000" pitchFamily="49" charset="77"/>
+              </a:rPr>
+              <a:t>28</a:t>
+            </a:r>
+            <a:r>
+              <a:rPr lang="en-US" sz="1900" b="1" dirty="0">
+                <a:latin typeface="Inconsolata Medium" panose="020B0609030003000000" pitchFamily="49" charset="77"/>
+              </a:rPr>
+              <a:t>]: </a:t>
+            </a:r>
+            <a:r>
+              <a:rPr lang="en-US" sz="1900" b="1" i="1" dirty="0">
+                <a:solidFill>
+                  <a:srgbClr val="33566B"/>
+                </a:solidFill>
+                <a:latin typeface="Inconsolata Medium" panose="020B0609030003000000" pitchFamily="49" charset="77"/>
+              </a:rPr>
+              <a:t> </a:t>
+            </a:r>
+            <a:r>
+              <a:rPr lang="en-US" sz="1900" b="1" dirty="0">
+                <a:solidFill>
+                  <a:srgbClr val="000087"/>
+                </a:solidFill>
+                <a:latin typeface="Inconsolata Medium" panose="020B0609030003000000" pitchFamily="49" charset="77"/>
+              </a:rPr>
+              <a:t>message</a:t>
+            </a:r>
+            <a:r>
+              <a:rPr lang="en-US" sz="1900" b="1" dirty="0">
+                <a:latin typeface="Inconsolata Medium" panose="020B0609030003000000" pitchFamily="49" charset="77"/>
+              </a:rPr>
+              <a:t>[</a:t>
+            </a:r>
+            <a:r>
+              <a:rPr lang="en-US" sz="1900" b="1" dirty="0">
+                <a:solidFill>
+                  <a:srgbClr val="FF6600"/>
+                </a:solidFill>
+                <a:latin typeface="Inconsolata Medium" panose="020B0609030003000000" pitchFamily="49" charset="77"/>
+              </a:rPr>
+              <a:t>:</a:t>
+            </a:r>
+            <a:r>
+              <a:rPr lang="en-US" sz="1900" b="1" dirty="0">
+                <a:latin typeface="Inconsolata Medium" panose="020B0609030003000000" pitchFamily="49" charset="77"/>
+              </a:rPr>
+              <a:t>]  </a:t>
+            </a:r>
+            <a:r>
+              <a:rPr lang="en-US" sz="1900" b="1" i="1" dirty="0">
+                <a:solidFill>
+                  <a:srgbClr val="33566B"/>
+                </a:solidFill>
+                <a:latin typeface="Inconsolata Medium" panose="020B0609030003000000" pitchFamily="49" charset="77"/>
+              </a:rPr>
+              <a:t># default 0 to end of string</a:t>
+            </a:r>
+            <a:endParaRPr lang="en-US" sz="1900" b="1" i="1" dirty="0">
+              <a:solidFill>
+                <a:schemeClr val="accent5"/>
+              </a:solidFill>
+              <a:latin typeface="Inconsolata Medium" panose="020B0609030003000000" pitchFamily="49" charset="77"/>
+            </a:endParaRPr>
+          </a:p>
+          <a:p>
+            <a:pPr marL="0" indent="0">
+              <a:buNone/>
+            </a:pPr>
+            <a:r>
+              <a:rPr lang="en-US" sz="1900" b="1" dirty="0">
+                <a:latin typeface="Inconsolata Medium" panose="020B0609030003000000" pitchFamily="49" charset="77"/>
+              </a:rPr>
+              <a:t>Out [28]: ‘python’ </a:t>
+            </a:r>
+          </a:p>
+          <a:p>
+            <a:pPr marL="0" indent="0">
+              <a:buNone/>
+            </a:pPr>
+            <a:endParaRPr lang="en-US" sz="1900" b="1" dirty="0">
+              <a:latin typeface="Inconsolata Medium" panose="020B0609030003000000" pitchFamily="49" charset="77"/>
+            </a:endParaRPr>
+          </a:p>
+          <a:p>
+            <a:pPr marL="0" indent="0">
+              <a:buNone/>
+            </a:pPr>
+            <a:endParaRPr lang="en-US" sz="1900" b="1" dirty="0">
+              <a:latin typeface="Inconsolata Medium" panose="020B0609030003000000" pitchFamily="49" charset="77"/>
+            </a:endParaRPr>
+          </a:p>
+          <a:p>
+            <a:pPr marL="0" indent="0">
+              <a:buNone/>
+            </a:pPr>
+            <a:endParaRPr lang="en-US" sz="1900" b="1" dirty="0">
+              <a:latin typeface="Inconsolata Medium" panose="020B0609030003000000" pitchFamily="49" charset="77"/>
+            </a:endParaRPr>
+          </a:p>
+          <a:p>
+            <a:pPr marL="0" indent="0">
+              <a:buNone/>
+            </a:pPr>
+            <a:endParaRPr lang="en-US" sz="1900" b="1" dirty="0">
+              <a:latin typeface="Inconsolata Medium" panose="020B0609030003000000" pitchFamily="49" charset="77"/>
+            </a:endParaRPr>
+          </a:p>
+          <a:p>
+            <a:pPr marL="0" indent="0">
+              <a:buNone/>
+            </a:pPr>
+            <a:r>
+              <a:rPr lang="en-US" sz="1900" b="1" dirty="0">
+                <a:latin typeface="Inconsolata Medium" panose="020B0609030003000000" pitchFamily="49" charset="77"/>
+              </a:rPr>
+              <a:t> </a:t>
+            </a:r>
+          </a:p>
+          <a:p>
+            <a:pPr marL="0" indent="0">
+              <a:buNone/>
+            </a:pPr>
+            <a:endParaRPr lang="en-US" sz="1900" b="1" dirty="0">
+              <a:latin typeface="Inconsolata Medium" panose="020B0609030003000000" pitchFamily="49" charset="77"/>
+            </a:endParaRPr>
+          </a:p>
+          <a:p>
+            <a:pPr marL="0" indent="0">
+              <a:buNone/>
+            </a:pPr>
+            <a:endParaRPr lang="en-US" sz="1900" b="1" dirty="0">
+              <a:latin typeface="Inconsolata Medium" panose="020B0609030003000000" pitchFamily="49" charset="77"/>
+            </a:endParaRPr>
+          </a:p>
+          <a:p>
+            <a:pPr marL="0" indent="0">
+              <a:buNone/>
+            </a:pPr>
+            <a:endParaRPr lang="en-US" sz="1900" b="1" dirty="0">
+              <a:latin typeface="Inconsolata Medium" panose="020B0609030003000000" pitchFamily="49" charset="77"/>
+            </a:endParaRPr>
+          </a:p>
+          <a:p>
+            <a:pPr marL="0" indent="0">
+              <a:buNone/>
+            </a:pPr>
+            <a:endParaRPr lang="en-US" sz="1900" b="1" dirty="0">
+              <a:latin typeface="Inconsolata Medium" panose="020B0609030003000000" pitchFamily="49" charset="77"/>
+            </a:endParaRPr>
+          </a:p>
+          <a:p>
+            <a:pPr marL="0" indent="0">
+              <a:buNone/>
+            </a:pPr>
+            <a:endParaRPr lang="en-US" sz="1900" b="1" dirty="0">
+              <a:latin typeface="Inconsolata Medium" panose="020B0609030003000000" pitchFamily="49" charset="77"/>
+            </a:endParaRPr>
+          </a:p>
+          <a:p>
+            <a:pPr marL="0" indent="0">
+              <a:buNone/>
+            </a:pPr>
+            <a:r>
+              <a:rPr lang="en-US" sz="1900" b="1" dirty="0">
+                <a:latin typeface="Inconsolata Medium" panose="020B0609030003000000" pitchFamily="49" charset="77"/>
+              </a:rPr>
+              <a:t> </a:t>
+            </a:r>
+          </a:p>
+          <a:p>
+            <a:pPr marL="0" indent="0">
+              <a:buNone/>
+            </a:pPr>
+            <a:endParaRPr lang="en-US" sz="1900" b="1" dirty="0">
+              <a:latin typeface="Inconsolata Medium" panose="020B0609030003000000" pitchFamily="49" charset="77"/>
+            </a:endParaRPr>
+          </a:p>
+          <a:p>
+            <a:pPr marL="0" indent="0">
+              <a:buNone/>
+            </a:pPr>
+            <a:endParaRPr lang="en-US" sz="1900" b="1" dirty="0">
+              <a:latin typeface="Inconsolata Medium" panose="020B0609030003000000" pitchFamily="49" charset="77"/>
+            </a:endParaRPr>
+          </a:p>
+        </p:txBody>
+      </p:sp>
+    </p:spTree>
+    <p:extLst>
+      <p:ext uri="{BB962C8B-B14F-4D97-AF65-F5344CB8AC3E}">
+        <p14:creationId xmlns:p14="http://schemas.microsoft.com/office/powerpoint/2010/main" val="3369363658"/>
+      </p:ext>
+    </p:extLst>
+  </p:cSld>
+  <p:clrMapOvr>
+    <a:masterClrMapping/>
+  </p:clrMapOvr>
+</p:sld>
+</file>
+
+<file path=ppt/slides/slide8.xml><?xml version="1.0" encoding="utf-8"?>
+<p:sld xmlns:a="http://schemas.openxmlformats.org/drawingml/2006/main" xmlns:r="http://schemas.openxmlformats.org/officeDocument/2006/relationships" xmlns:p="http://schemas.openxmlformats.org/presentationml/2006/main">
+  <p:cSld>
+    <p:spTree>
+      <p:nvGrpSpPr>
+        <p:cNvPr id="1" name=""/>
+        <p:cNvGrpSpPr/>
+        <p:nvPr/>
+      </p:nvGrpSpPr>
+      <p:grpSpPr>
+        <a:xfrm>
+          <a:off x="0" y="0"/>
+          <a:ext cx="0" cy="0"/>
+          <a:chOff x="0" y="0"/>
+          <a:chExt cx="0" cy="0"/>
+        </a:xfrm>
+      </p:grpSpPr>
+      <p:sp>
+        <p:nvSpPr>
+          <p:cNvPr id="2" name="Title 1">
+            <a:extLst>
+              <a:ext uri="{FF2B5EF4-FFF2-40B4-BE49-F238E27FC236}">
+                <a16:creationId xmlns:a16="http://schemas.microsoft.com/office/drawing/2014/main" id="{AA3A228F-61D0-D949-A5E7-F83756230BF8}"/>
+              </a:ext>
+            </a:extLst>
+          </p:cNvPr>
+          <p:cNvSpPr>
+            <a:spLocks noGrp="1"/>
+          </p:cNvSpPr>
+          <p:nvPr>
+            <p:ph type="title"/>
+          </p:nvPr>
+        </p:nvSpPr>
+        <p:spPr>
+          <a:xfrm>
+            <a:off x="483848" y="467027"/>
+            <a:ext cx="7053542" cy="683886"/>
+          </a:xfrm>
+        </p:spPr>
+        <p:txBody>
+          <a:bodyPr/>
+          <a:lstStyle/>
+          <a:p>
+            <a:r>
+              <a:rPr lang="en-US" dirty="0"/>
+              <a:t>String Indexing and Slicing</a:t>
+            </a:r>
+          </a:p>
+        </p:txBody>
+      </p:sp>
+      <p:sp>
+        <p:nvSpPr>
+          <p:cNvPr id="9" name="Content Placeholder 8">
+            <a:extLst>
+              <a:ext uri="{FF2B5EF4-FFF2-40B4-BE49-F238E27FC236}">
+                <a16:creationId xmlns:a16="http://schemas.microsoft.com/office/drawing/2014/main" id="{E3B2E017-30B2-884B-A113-B419A2ED51AD}"/>
+              </a:ext>
+            </a:extLst>
+          </p:cNvPr>
+          <p:cNvSpPr>
+            <a:spLocks noGrp="1"/>
+          </p:cNvSpPr>
+          <p:nvPr>
+            <p:ph idx="1"/>
+          </p:nvPr>
+        </p:nvSpPr>
+        <p:spPr>
+          <a:xfrm>
+            <a:off x="483848" y="1150913"/>
+            <a:ext cx="8051725" cy="4440590"/>
+          </a:xfrm>
+        </p:spPr>
+        <p:txBody>
+          <a:bodyPr>
+            <a:noAutofit/>
+          </a:bodyPr>
+          <a:lstStyle/>
+          <a:p>
+            <a:pPr marL="0" indent="0">
+              <a:buNone/>
+            </a:pPr>
+            <a:r>
+              <a:rPr lang="en-US" sz="1900" b="1" dirty="0">
+                <a:solidFill>
+                  <a:srgbClr val="000087"/>
+                </a:solidFill>
+                <a:latin typeface="Inconsolata Medium" panose="020B0609030003000000" pitchFamily="49" charset="77"/>
+              </a:rPr>
+              <a:t>In </a:t>
+            </a:r>
+            <a:r>
+              <a:rPr lang="en-US" sz="1900" b="1" dirty="0">
+                <a:latin typeface="Inconsolata Medium" panose="020B0609030003000000" pitchFamily="49" charset="77"/>
+              </a:rPr>
+              <a:t>[</a:t>
+            </a:r>
+            <a:r>
+              <a:rPr lang="en-US" sz="1900" b="1" dirty="0">
+                <a:solidFill>
+                  <a:srgbClr val="FF6600"/>
+                </a:solidFill>
+                <a:latin typeface="Inconsolata Medium" panose="020B0609030003000000" pitchFamily="49" charset="77"/>
+              </a:rPr>
+              <a:t>26</a:t>
+            </a:r>
+            <a:r>
+              <a:rPr lang="en-US" sz="1900" b="1" dirty="0">
+                <a:latin typeface="Inconsolata Medium" panose="020B0609030003000000" pitchFamily="49" charset="77"/>
+              </a:rPr>
+              <a:t>]: </a:t>
+            </a:r>
+            <a:r>
+              <a:rPr lang="en-US" sz="1900" b="1" dirty="0">
+                <a:solidFill>
+                  <a:srgbClr val="000087"/>
+                </a:solidFill>
+                <a:latin typeface="Inconsolata Medium" panose="020B0609030003000000" pitchFamily="49" charset="77"/>
+              </a:rPr>
+              <a:t>message = </a:t>
+            </a:r>
+            <a:r>
+              <a:rPr lang="en-US" sz="2000" dirty="0">
+                <a:solidFill>
+                  <a:srgbClr val="CC3300"/>
+                </a:solidFill>
+                <a:latin typeface="UbuntuMono"/>
+              </a:rPr>
+              <a:t>”python" </a:t>
+            </a:r>
+            <a:endParaRPr lang="en-US" sz="1900" b="1" dirty="0">
+              <a:solidFill>
+                <a:srgbClr val="000087"/>
+              </a:solidFill>
+              <a:latin typeface="Inconsolata Medium" panose="020B0609030003000000" pitchFamily="49" charset="77"/>
+            </a:endParaRPr>
+          </a:p>
+          <a:p>
+            <a:pPr marL="0" indent="0">
+              <a:buNone/>
+            </a:pPr>
+            <a:r>
+              <a:rPr lang="en-US" sz="1900" b="1" dirty="0">
+                <a:solidFill>
+                  <a:srgbClr val="000087"/>
+                </a:solidFill>
+                <a:latin typeface="Inconsolata Medium" panose="020B0609030003000000" pitchFamily="49" charset="77"/>
+              </a:rPr>
+              <a:t>In </a:t>
+            </a:r>
+            <a:r>
+              <a:rPr lang="en-US" sz="1900" b="1" dirty="0">
+                <a:latin typeface="Inconsolata Medium" panose="020B0609030003000000" pitchFamily="49" charset="77"/>
+              </a:rPr>
+              <a:t>[</a:t>
+            </a:r>
+            <a:r>
+              <a:rPr lang="en-US" sz="1900" b="1" dirty="0">
+                <a:solidFill>
+                  <a:srgbClr val="FF6600"/>
+                </a:solidFill>
+                <a:latin typeface="Inconsolata Medium" panose="020B0609030003000000" pitchFamily="49" charset="77"/>
+              </a:rPr>
+              <a:t>24</a:t>
+            </a:r>
+            <a:r>
+              <a:rPr lang="en-US" sz="1900" b="1" dirty="0">
+                <a:latin typeface="Inconsolata Medium" panose="020B0609030003000000" pitchFamily="49" charset="77"/>
+              </a:rPr>
+              <a:t>]: </a:t>
+            </a:r>
+            <a:r>
+              <a:rPr lang="en-US" sz="1900" b="1" i="1" dirty="0">
+                <a:solidFill>
+                  <a:srgbClr val="33566B"/>
+                </a:solidFill>
+                <a:latin typeface="Inconsolata Medium" panose="020B0609030003000000" pitchFamily="49" charset="77"/>
+              </a:rPr>
+              <a:t># negative indices wraps around the end</a:t>
+            </a:r>
+          </a:p>
+          <a:p>
+            <a:pPr marL="0" indent="0">
+              <a:buNone/>
+            </a:pPr>
+            <a:r>
+              <a:rPr lang="en-US" sz="1900" b="1" i="1" dirty="0">
+                <a:solidFill>
+                  <a:srgbClr val="33566B"/>
+                </a:solidFill>
+                <a:latin typeface="Inconsolata Medium" panose="020B0609030003000000" pitchFamily="49" charset="77"/>
+              </a:rPr>
+              <a:t>	    </a:t>
+            </a:r>
+            <a:r>
+              <a:rPr lang="en-US" sz="1900" b="1" dirty="0">
+                <a:solidFill>
+                  <a:srgbClr val="000087"/>
+                </a:solidFill>
+                <a:latin typeface="Inconsolata Medium" panose="020B0609030003000000" pitchFamily="49" charset="77"/>
+              </a:rPr>
+              <a:t>message</a:t>
+            </a:r>
+            <a:r>
+              <a:rPr lang="en-US" sz="1900" b="1" dirty="0">
+                <a:latin typeface="Inconsolata Medium" panose="020B0609030003000000" pitchFamily="49" charset="77"/>
+              </a:rPr>
+              <a:t>[</a:t>
+            </a:r>
+            <a:r>
+              <a:rPr lang="en-US" sz="1900" b="1" dirty="0">
+                <a:solidFill>
+                  <a:srgbClr val="FF6600"/>
+                </a:solidFill>
+                <a:latin typeface="Inconsolata Medium" panose="020B0609030003000000" pitchFamily="49" charset="77"/>
+              </a:rPr>
+              <a:t>-1</a:t>
+            </a:r>
+            <a:r>
+              <a:rPr lang="en-US" sz="1900" b="1" dirty="0">
+                <a:latin typeface="Inconsolata Medium" panose="020B0609030003000000" pitchFamily="49" charset="77"/>
+              </a:rPr>
+              <a:t>]   </a:t>
+            </a:r>
+            <a:r>
+              <a:rPr lang="en-US" sz="1900" b="1" i="1" dirty="0">
+                <a:solidFill>
+                  <a:srgbClr val="33566B"/>
+                </a:solidFill>
+                <a:latin typeface="Inconsolata Medium" panose="020B0609030003000000" pitchFamily="49" charset="77"/>
+              </a:rPr>
+              <a:t># last character </a:t>
+            </a:r>
+            <a:endParaRPr lang="en-US" sz="1900" b="1" dirty="0">
+              <a:latin typeface="Inconsolata Medium" panose="020B0609030003000000" pitchFamily="49" charset="77"/>
+            </a:endParaRPr>
+          </a:p>
+          <a:p>
+            <a:pPr marL="0" indent="0">
+              <a:buNone/>
+            </a:pPr>
+            <a:r>
+              <a:rPr lang="en-US" sz="1900" b="1" dirty="0">
+                <a:latin typeface="Inconsolata Medium" panose="020B0609030003000000" pitchFamily="49" charset="77"/>
+              </a:rPr>
+              <a:t>Out [24]: ‘n' </a:t>
+            </a:r>
+          </a:p>
+          <a:p>
+            <a:pPr marL="0" indent="0">
+              <a:buNone/>
+            </a:pPr>
+            <a:endParaRPr lang="en-US" sz="1900" b="1" dirty="0">
+              <a:latin typeface="Inconsolata Medium" panose="020B0609030003000000" pitchFamily="49" charset="77"/>
+            </a:endParaRPr>
+          </a:p>
+          <a:p>
+            <a:pPr marL="0" indent="0">
+              <a:buNone/>
+            </a:pPr>
+            <a:r>
+              <a:rPr lang="en-US" sz="1900" b="1" dirty="0">
+                <a:solidFill>
+                  <a:srgbClr val="000087"/>
+                </a:solidFill>
+                <a:latin typeface="Inconsolata Medium" panose="020B0609030003000000" pitchFamily="49" charset="77"/>
+              </a:rPr>
+              <a:t>In </a:t>
+            </a:r>
+            <a:r>
+              <a:rPr lang="en-US" sz="1900" b="1" dirty="0">
+                <a:latin typeface="Inconsolata Medium" panose="020B0609030003000000" pitchFamily="49" charset="77"/>
+              </a:rPr>
+              <a:t>[</a:t>
+            </a:r>
+            <a:r>
+              <a:rPr lang="en-US" sz="1900" b="1" dirty="0">
+                <a:solidFill>
+                  <a:srgbClr val="FF6600"/>
+                </a:solidFill>
+                <a:latin typeface="Inconsolata Medium" panose="020B0609030003000000" pitchFamily="49" charset="77"/>
+              </a:rPr>
+              <a:t>25</a:t>
+            </a:r>
+            <a:r>
+              <a:rPr lang="en-US" sz="1900" b="1" dirty="0">
+                <a:latin typeface="Inconsolata Medium" panose="020B0609030003000000" pitchFamily="49" charset="77"/>
+              </a:rPr>
+              <a:t>]: </a:t>
+            </a:r>
+            <a:r>
+              <a:rPr lang="en-US" sz="1900" b="1" i="1" dirty="0">
+                <a:solidFill>
+                  <a:srgbClr val="33566B"/>
+                </a:solidFill>
+                <a:latin typeface="Inconsolata Medium" panose="020B0609030003000000" pitchFamily="49" charset="77"/>
+              </a:rPr>
+              <a:t># all except the last character</a:t>
+            </a:r>
+          </a:p>
+          <a:p>
+            <a:pPr marL="0" indent="0">
+              <a:buNone/>
+            </a:pPr>
+            <a:r>
+              <a:rPr lang="en-US" sz="1900" b="1" i="1" dirty="0">
+                <a:solidFill>
+                  <a:srgbClr val="33566B"/>
+                </a:solidFill>
+                <a:latin typeface="Inconsolata Medium" panose="020B0609030003000000" pitchFamily="49" charset="77"/>
+              </a:rPr>
+              <a:t>	    </a:t>
+            </a:r>
+            <a:r>
+              <a:rPr lang="en-US" sz="1900" b="1" dirty="0">
+                <a:solidFill>
+                  <a:srgbClr val="000087"/>
+                </a:solidFill>
+                <a:latin typeface="Inconsolata Medium" panose="020B0609030003000000" pitchFamily="49" charset="77"/>
+              </a:rPr>
+              <a:t>message</a:t>
+            </a:r>
+            <a:r>
+              <a:rPr lang="en-US" sz="1900" b="1" dirty="0">
+                <a:latin typeface="Inconsolata Medium" panose="020B0609030003000000" pitchFamily="49" charset="77"/>
+              </a:rPr>
+              <a:t>[</a:t>
+            </a:r>
+            <a:r>
+              <a:rPr lang="en-US" sz="1900" b="1" dirty="0">
+                <a:solidFill>
+                  <a:srgbClr val="FF6600"/>
+                </a:solidFill>
+                <a:latin typeface="Inconsolata Medium" panose="020B0609030003000000" pitchFamily="49" charset="77"/>
+              </a:rPr>
+              <a:t>:-1</a:t>
+            </a:r>
+            <a:r>
+              <a:rPr lang="en-US" sz="1900" b="1" dirty="0">
+                <a:latin typeface="Inconsolata Medium" panose="020B0609030003000000" pitchFamily="49" charset="77"/>
+              </a:rPr>
+              <a:t>] </a:t>
+            </a:r>
+            <a:endParaRPr lang="en-US" sz="1900" b="1" i="1" dirty="0">
+              <a:solidFill>
+                <a:srgbClr val="33566B"/>
+              </a:solidFill>
+              <a:latin typeface="Inconsolata Medium" panose="020B0609030003000000" pitchFamily="49" charset="77"/>
+            </a:endParaRPr>
+          </a:p>
+          <a:p>
+            <a:pPr marL="0" indent="0">
+              <a:buNone/>
+            </a:pPr>
+            <a:r>
+              <a:rPr lang="en-US" sz="1900" b="1" dirty="0">
+                <a:latin typeface="Inconsolata Medium" panose="020B0609030003000000" pitchFamily="49" charset="77"/>
+              </a:rPr>
+              <a:t>Out [25]: ‘</a:t>
+            </a:r>
+            <a:r>
+              <a:rPr lang="en-US" sz="1900" b="1" dirty="0" err="1">
+                <a:latin typeface="Inconsolata Medium" panose="020B0609030003000000" pitchFamily="49" charset="77"/>
+              </a:rPr>
+              <a:t>pytho</a:t>
+            </a:r>
+            <a:r>
+              <a:rPr lang="en-US" sz="1900" b="1" dirty="0">
+                <a:latin typeface="Inconsolata Medium" panose="020B0609030003000000" pitchFamily="49" charset="77"/>
+              </a:rPr>
+              <a:t>’ </a:t>
+            </a:r>
+          </a:p>
+          <a:p>
+            <a:pPr marL="0" indent="0">
+              <a:buNone/>
+            </a:pPr>
+            <a:endParaRPr lang="en-US" sz="1900" b="1" dirty="0">
+              <a:latin typeface="Inconsolata Medium" panose="020B0609030003000000" pitchFamily="49" charset="77"/>
+            </a:endParaRPr>
+          </a:p>
+          <a:p>
+            <a:pPr marL="0" indent="0">
+              <a:buNone/>
+            </a:pPr>
+            <a:r>
+              <a:rPr lang="en-US" sz="1900" b="1" dirty="0">
+                <a:solidFill>
+                  <a:srgbClr val="000087"/>
+                </a:solidFill>
+                <a:latin typeface="Inconsolata Medium" panose="020B0609030003000000" pitchFamily="49" charset="77"/>
+              </a:rPr>
+              <a:t>In </a:t>
+            </a:r>
+            <a:r>
+              <a:rPr lang="en-US" sz="1900" b="1" dirty="0">
+                <a:latin typeface="Inconsolata Medium" panose="020B0609030003000000" pitchFamily="49" charset="77"/>
+              </a:rPr>
+              <a:t>[</a:t>
+            </a:r>
+            <a:r>
+              <a:rPr lang="en-US" sz="1900" b="1" dirty="0">
+                <a:solidFill>
+                  <a:srgbClr val="FF6600"/>
+                </a:solidFill>
+                <a:latin typeface="Inconsolata Medium" panose="020B0609030003000000" pitchFamily="49" charset="77"/>
+              </a:rPr>
+              <a:t>25</a:t>
+            </a:r>
+            <a:r>
+              <a:rPr lang="en-US" sz="1900" b="1" dirty="0">
+                <a:latin typeface="Inconsolata Medium" panose="020B0609030003000000" pitchFamily="49" charset="77"/>
+              </a:rPr>
+              <a:t>]: </a:t>
+            </a:r>
+            <a:r>
+              <a:rPr lang="en-US" sz="1900" b="1" i="1" dirty="0">
+                <a:solidFill>
+                  <a:srgbClr val="33566B"/>
+                </a:solidFill>
+                <a:latin typeface="Inconsolata Medium" panose="020B0609030003000000" pitchFamily="49" charset="77"/>
+              </a:rPr>
+              <a:t># negative step size traverses backwards</a:t>
+            </a:r>
+          </a:p>
+          <a:p>
+            <a:pPr marL="0" indent="0">
+              <a:buNone/>
+            </a:pPr>
+            <a:r>
+              <a:rPr lang="en-US" sz="1900" b="1" i="1" dirty="0">
+                <a:solidFill>
+                  <a:srgbClr val="33566B"/>
+                </a:solidFill>
+                <a:latin typeface="Inconsolata Medium" panose="020B0609030003000000" pitchFamily="49" charset="77"/>
+              </a:rPr>
+              <a:t>	    </a:t>
+            </a:r>
+            <a:r>
+              <a:rPr lang="en-US" sz="1900" b="1" dirty="0">
+                <a:solidFill>
+                  <a:srgbClr val="000087"/>
+                </a:solidFill>
+                <a:latin typeface="Inconsolata Medium" panose="020B0609030003000000" pitchFamily="49" charset="77"/>
+              </a:rPr>
+              <a:t>message</a:t>
+            </a:r>
+            <a:r>
+              <a:rPr lang="en-US" sz="1900" b="1" dirty="0">
+                <a:latin typeface="Inconsolata Medium" panose="020B0609030003000000" pitchFamily="49" charset="77"/>
+              </a:rPr>
+              <a:t>[</a:t>
+            </a:r>
+            <a:r>
+              <a:rPr lang="en-US" sz="1900" b="1" dirty="0">
+                <a:solidFill>
+                  <a:srgbClr val="FF6600"/>
+                </a:solidFill>
+                <a:latin typeface="Inconsolata Medium" panose="020B0609030003000000" pitchFamily="49" charset="77"/>
+              </a:rPr>
+              <a:t>::-1</a:t>
+            </a:r>
+            <a:r>
+              <a:rPr lang="en-US" sz="1900" b="1" dirty="0">
+                <a:latin typeface="Inconsolata Medium" panose="020B0609030003000000" pitchFamily="49" charset="77"/>
+              </a:rPr>
+              <a:t>] </a:t>
+            </a:r>
+            <a:endParaRPr lang="en-US" sz="1900" b="1" i="1" dirty="0">
+              <a:solidFill>
+                <a:srgbClr val="33566B"/>
+              </a:solidFill>
+              <a:latin typeface="Inconsolata Medium" panose="020B0609030003000000" pitchFamily="49" charset="77"/>
+            </a:endParaRPr>
+          </a:p>
+          <a:p>
+            <a:pPr marL="0" indent="0">
+              <a:buNone/>
+            </a:pPr>
+            <a:r>
+              <a:rPr lang="en-US" sz="1900" b="1" dirty="0">
+                <a:latin typeface="Inconsolata Medium" panose="020B0609030003000000" pitchFamily="49" charset="77"/>
+              </a:rPr>
+              <a:t>Out [25]: ‘</a:t>
+            </a:r>
+            <a:r>
+              <a:rPr lang="en-US" sz="1900" b="1" dirty="0" err="1">
+                <a:latin typeface="Inconsolata Medium" panose="020B0609030003000000" pitchFamily="49" charset="77"/>
+              </a:rPr>
+              <a:t>nohtyp</a:t>
+            </a:r>
+            <a:r>
+              <a:rPr lang="en-US" sz="1900" b="1" dirty="0">
+                <a:latin typeface="Inconsolata Medium" panose="020B0609030003000000" pitchFamily="49" charset="77"/>
+              </a:rPr>
+              <a:t>’ </a:t>
+            </a:r>
+          </a:p>
+          <a:p>
+            <a:pPr marL="0" indent="0">
+              <a:buNone/>
+            </a:pPr>
+            <a:endParaRPr lang="en-US" sz="1900" b="1" dirty="0">
+              <a:latin typeface="Inconsolata Medium" panose="020B0609030003000000" pitchFamily="49" charset="77"/>
+            </a:endParaRPr>
+          </a:p>
+          <a:p>
+            <a:pPr marL="0" indent="0">
+              <a:buNone/>
+            </a:pPr>
+            <a:endParaRPr lang="en-US" sz="1900" b="1" dirty="0">
+              <a:latin typeface="Inconsolata Medium" panose="020B0609030003000000" pitchFamily="49" charset="77"/>
+            </a:endParaRPr>
+          </a:p>
+          <a:p>
+            <a:pPr marL="0" indent="0">
+              <a:buNone/>
+            </a:pPr>
+            <a:endParaRPr lang="en-US" sz="1900" b="1" dirty="0">
+              <a:latin typeface="Inconsolata Medium" panose="020B0609030003000000" pitchFamily="49" charset="77"/>
+            </a:endParaRPr>
+          </a:p>
+          <a:p>
+            <a:pPr marL="0" indent="0">
+              <a:buNone/>
+            </a:pPr>
+            <a:endParaRPr lang="en-US" sz="1900" b="1" dirty="0">
+              <a:latin typeface="Inconsolata Medium" panose="020B0609030003000000" pitchFamily="49" charset="77"/>
+            </a:endParaRPr>
+          </a:p>
+          <a:p>
+            <a:pPr marL="0" indent="0">
+              <a:buNone/>
+            </a:pPr>
+            <a:r>
+              <a:rPr lang="en-US" sz="1900" b="1" dirty="0">
+                <a:latin typeface="Inconsolata Medium" panose="020B0609030003000000" pitchFamily="49" charset="77"/>
+              </a:rPr>
+              <a:t> </a:t>
+            </a:r>
+          </a:p>
+          <a:p>
+            <a:pPr marL="0" indent="0">
+              <a:buNone/>
+            </a:pPr>
+            <a:endParaRPr lang="en-US" sz="1900" b="1" dirty="0">
+              <a:latin typeface="Inconsolata Medium" panose="020B0609030003000000" pitchFamily="49" charset="77"/>
+            </a:endParaRPr>
+          </a:p>
+          <a:p>
+            <a:pPr marL="0" indent="0">
+              <a:buNone/>
+            </a:pPr>
+            <a:endParaRPr lang="en-US" sz="1900" b="1" dirty="0">
+              <a:latin typeface="Inconsolata Medium" panose="020B0609030003000000" pitchFamily="49" charset="77"/>
+            </a:endParaRPr>
+          </a:p>
+          <a:p>
+            <a:pPr marL="0" indent="0">
+              <a:buNone/>
+            </a:pPr>
+            <a:endParaRPr lang="en-US" sz="1900" b="1" dirty="0">
+              <a:latin typeface="Inconsolata Medium" panose="020B0609030003000000" pitchFamily="49" charset="77"/>
+            </a:endParaRPr>
+          </a:p>
+          <a:p>
+            <a:pPr marL="0" indent="0">
+              <a:buNone/>
+            </a:pPr>
+            <a:endParaRPr lang="en-US" sz="1900" b="1" dirty="0">
+              <a:latin typeface="Inconsolata Medium" panose="020B0609030003000000" pitchFamily="49" charset="77"/>
+            </a:endParaRPr>
+          </a:p>
+          <a:p>
+            <a:pPr marL="0" indent="0">
+              <a:buNone/>
+            </a:pPr>
+            <a:endParaRPr lang="en-US" sz="1900" b="1" dirty="0">
+              <a:latin typeface="Inconsolata Medium" panose="020B0609030003000000" pitchFamily="49" charset="77"/>
+            </a:endParaRPr>
+          </a:p>
+          <a:p>
+            <a:pPr marL="0" indent="0">
+              <a:buNone/>
+            </a:pPr>
+            <a:r>
+              <a:rPr lang="en-US" sz="1900" b="1" dirty="0">
+                <a:latin typeface="Inconsolata Medium" panose="020B0609030003000000" pitchFamily="49" charset="77"/>
+              </a:rPr>
+              <a:t> </a:t>
+            </a:r>
+          </a:p>
+          <a:p>
+            <a:pPr marL="0" indent="0">
+              <a:buNone/>
+            </a:pPr>
+            <a:endParaRPr lang="en-US" sz="1900" b="1" dirty="0">
+              <a:latin typeface="Inconsolata Medium" panose="020B0609030003000000" pitchFamily="49" charset="77"/>
+            </a:endParaRPr>
+          </a:p>
+          <a:p>
+            <a:pPr marL="0" indent="0">
+              <a:buNone/>
+            </a:pPr>
+            <a:endParaRPr lang="en-US" sz="1900" b="1" dirty="0">
+              <a:latin typeface="Inconsolata Medium" panose="020B0609030003000000" pitchFamily="49" charset="77"/>
+            </a:endParaRPr>
+          </a:p>
+        </p:txBody>
+      </p:sp>
+    </p:spTree>
+    <p:extLst>
+      <p:ext uri="{BB962C8B-B14F-4D97-AF65-F5344CB8AC3E}">
+        <p14:creationId xmlns:p14="http://schemas.microsoft.com/office/powerpoint/2010/main" val="2479426709"/>
+      </p:ext>
+    </p:extLst>
+  </p:cSld>
+  <p:clrMapOvr>
+    <a:masterClrMapping/>
+  </p:clrMapOvr>
+</p:sld>
+</file>
+
+<file path=ppt/slides/slide9.xml><?xml version="1.0" encoding="utf-8"?>
+<p:sld xmlns:a="http://schemas.openxmlformats.org/drawingml/2006/main" xmlns:r="http://schemas.openxmlformats.org/officeDocument/2006/relationships" xmlns:p="http://schemas.openxmlformats.org/presentationml/2006/main">
+  <p:cSld>
+    <p:spTree>
+      <p:nvGrpSpPr>
+        <p:cNvPr id="1" name=""/>
+        <p:cNvGrpSpPr/>
+        <p:nvPr/>
+      </p:nvGrpSpPr>
+      <p:grpSpPr>
+        <a:xfrm>
+          <a:off x="0" y="0"/>
+          <a:ext cx="0" cy="0"/>
+          <a:chOff x="0" y="0"/>
+          <a:chExt cx="0" cy="0"/>
+        </a:xfrm>
+      </p:grpSpPr>
+      <p:sp>
+        <p:nvSpPr>
+          <p:cNvPr id="2" name="Title 1">
+            <a:extLst>
+              <a:ext uri="{FF2B5EF4-FFF2-40B4-BE49-F238E27FC236}">
+                <a16:creationId xmlns:a16="http://schemas.microsoft.com/office/drawing/2014/main" id="{AA3A228F-61D0-D949-A5E7-F83756230BF8}"/>
+              </a:ext>
+            </a:extLst>
+          </p:cNvPr>
+          <p:cNvSpPr>
+            <a:spLocks noGrp="1"/>
+          </p:cNvSpPr>
+          <p:nvPr>
+            <p:ph type="title"/>
+          </p:nvPr>
+        </p:nvSpPr>
+        <p:spPr>
+          <a:xfrm>
+            <a:off x="483848" y="467027"/>
+            <a:ext cx="7053542" cy="683886"/>
+          </a:xfrm>
+        </p:spPr>
+        <p:txBody>
+          <a:bodyPr/>
+          <a:lstStyle/>
+          <a:p>
+            <a:r>
+              <a:rPr lang="en-US" dirty="0"/>
+              <a:t>f-Strings</a:t>
+            </a:r>
+          </a:p>
+        </p:txBody>
+      </p:sp>
+      <p:sp>
+        <p:nvSpPr>
+          <p:cNvPr id="9" name="Content Placeholder 8">
+            <a:extLst>
+              <a:ext uri="{FF2B5EF4-FFF2-40B4-BE49-F238E27FC236}">
+                <a16:creationId xmlns:a16="http://schemas.microsoft.com/office/drawing/2014/main" id="{E3B2E017-30B2-884B-A113-B419A2ED51AD}"/>
+              </a:ext>
+            </a:extLst>
+          </p:cNvPr>
+          <p:cNvSpPr>
+            <a:spLocks noGrp="1"/>
+          </p:cNvSpPr>
+          <p:nvPr>
+            <p:ph idx="1"/>
+          </p:nvPr>
+        </p:nvSpPr>
+        <p:spPr>
+          <a:xfrm>
+            <a:off x="483848" y="1150913"/>
+            <a:ext cx="8051725" cy="4440590"/>
+          </a:xfrm>
+        </p:spPr>
+        <p:txBody>
+          <a:bodyPr>
+            <a:noAutofit/>
+          </a:bodyPr>
+          <a:lstStyle/>
+          <a:p>
+            <a:pPr marL="0" indent="0">
+              <a:buNone/>
+            </a:pPr>
+            <a:r>
+              <a:rPr lang="en-US" dirty="0">
+                <a:latin typeface="Gill Sans MT" panose="020B0502020104020203" pitchFamily="34" charset="77"/>
+              </a:rPr>
+              <a:t>f-Strings is the new way to format strings in Python. (v 3.6)</a:t>
+            </a:r>
+          </a:p>
+          <a:p>
+            <a:pPr marL="0" indent="0">
+              <a:buNone/>
+            </a:pPr>
+            <a:endParaRPr lang="en-US" sz="1900" b="1" dirty="0">
+              <a:solidFill>
+                <a:srgbClr val="000087"/>
+              </a:solidFill>
+              <a:latin typeface="Inconsolata Medium" panose="020B0609030003000000" pitchFamily="49" charset="77"/>
+            </a:endParaRPr>
+          </a:p>
+          <a:p>
+            <a:pPr marL="0" indent="0">
+              <a:buNone/>
+            </a:pPr>
+            <a:r>
+              <a:rPr lang="en-US" sz="1900" b="1" dirty="0">
+                <a:solidFill>
+                  <a:srgbClr val="000087"/>
+                </a:solidFill>
+                <a:latin typeface="Inconsolata Medium" panose="020B0609030003000000" pitchFamily="49" charset="77"/>
+              </a:rPr>
+              <a:t> </a:t>
+            </a:r>
+          </a:p>
+          <a:p>
+            <a:pPr marL="0" indent="0">
+              <a:buNone/>
+            </a:pPr>
+            <a:r>
+              <a:rPr lang="en-US" b="1" dirty="0">
+                <a:solidFill>
+                  <a:srgbClr val="000087"/>
+                </a:solidFill>
+                <a:latin typeface="Inconsolata Medium" panose="020B0609030003000000" pitchFamily="49" charset="77"/>
+              </a:rPr>
+              <a:t>In </a:t>
+            </a:r>
+            <a:r>
+              <a:rPr lang="en-US" b="1" dirty="0">
+                <a:latin typeface="Inconsolata Medium" panose="020B0609030003000000" pitchFamily="49" charset="77"/>
+              </a:rPr>
+              <a:t>[</a:t>
+            </a:r>
+            <a:r>
+              <a:rPr lang="en-US" b="1" dirty="0">
+                <a:solidFill>
+                  <a:srgbClr val="FF6600"/>
+                </a:solidFill>
+                <a:latin typeface="Inconsolata Medium" panose="020B0609030003000000" pitchFamily="49" charset="77"/>
+              </a:rPr>
+              <a:t>26</a:t>
+            </a:r>
+            <a:r>
+              <a:rPr lang="en-US" b="1" dirty="0">
+                <a:latin typeface="Inconsolata Medium" panose="020B0609030003000000" pitchFamily="49" charset="77"/>
+              </a:rPr>
+              <a:t>]: </a:t>
+            </a:r>
+            <a:r>
+              <a:rPr lang="en-US" b="1" dirty="0">
+                <a:solidFill>
+                  <a:srgbClr val="000087"/>
+                </a:solidFill>
+                <a:latin typeface="Inconsolata Medium" panose="020B0609030003000000" pitchFamily="49" charset="77"/>
+              </a:rPr>
+              <a:t>name = </a:t>
+            </a:r>
+            <a:r>
+              <a:rPr lang="en-US" b="1" dirty="0">
+                <a:solidFill>
+                  <a:srgbClr val="CC3300"/>
+                </a:solidFill>
+                <a:latin typeface="Inconsolata Medium" panose="020B0609030003000000" pitchFamily="49" charset="77"/>
+              </a:rPr>
+              <a:t>“Mike” </a:t>
+            </a:r>
+          </a:p>
+          <a:p>
+            <a:pPr marL="0" indent="0">
+              <a:buNone/>
+            </a:pPr>
+            <a:r>
+              <a:rPr lang="en-US" b="1" dirty="0">
+                <a:solidFill>
+                  <a:srgbClr val="CC3300"/>
+                </a:solidFill>
+                <a:latin typeface="Inconsolata Medium" panose="020B0609030003000000" pitchFamily="49" charset="77"/>
+              </a:rPr>
+              <a:t>	    </a:t>
+            </a:r>
+            <a:r>
+              <a:rPr lang="en-US" b="1" dirty="0" err="1">
+                <a:solidFill>
+                  <a:srgbClr val="000087"/>
+                </a:solidFill>
+                <a:latin typeface="Inconsolata Medium" panose="020B0609030003000000" pitchFamily="49" charset="77"/>
+              </a:rPr>
+              <a:t>gpa</a:t>
+            </a:r>
+            <a:r>
+              <a:rPr lang="en-US" b="1" dirty="0">
+                <a:solidFill>
+                  <a:srgbClr val="000087"/>
+                </a:solidFill>
+                <a:latin typeface="Inconsolata Medium" panose="020B0609030003000000" pitchFamily="49" charset="77"/>
+              </a:rPr>
+              <a:t> = </a:t>
+            </a:r>
+            <a:r>
+              <a:rPr lang="en-US" b="1" dirty="0">
+                <a:solidFill>
+                  <a:srgbClr val="CC3300"/>
+                </a:solidFill>
+                <a:latin typeface="Inconsolata Medium" panose="020B0609030003000000" pitchFamily="49" charset="77"/>
+              </a:rPr>
+              <a:t>3.2 	</a:t>
+            </a:r>
+          </a:p>
+          <a:p>
+            <a:pPr marL="0" indent="0">
+              <a:buNone/>
+            </a:pPr>
+            <a:r>
+              <a:rPr lang="en-US" b="1" dirty="0">
+                <a:solidFill>
+                  <a:srgbClr val="CC3300"/>
+                </a:solidFill>
+                <a:latin typeface="Inconsolata Medium" panose="020B0609030003000000" pitchFamily="49" charset="77"/>
+              </a:rPr>
+              <a:t>         </a:t>
+            </a:r>
+            <a:r>
+              <a:rPr lang="en-US" b="1" dirty="0" err="1">
+                <a:solidFill>
+                  <a:srgbClr val="000087"/>
+                </a:solidFill>
+                <a:latin typeface="Inconsolata Medium" panose="020B0609030003000000" pitchFamily="49" charset="77"/>
+              </a:rPr>
+              <a:t>f_str</a:t>
+            </a:r>
+            <a:r>
+              <a:rPr lang="en-US" b="1" dirty="0">
+                <a:solidFill>
+                  <a:srgbClr val="000087"/>
+                </a:solidFill>
+                <a:latin typeface="Inconsolata Medium" panose="020B0609030003000000" pitchFamily="49" charset="77"/>
+              </a:rPr>
+              <a:t> = </a:t>
+            </a:r>
+            <a:r>
+              <a:rPr lang="en-US" b="1" dirty="0" err="1">
+                <a:solidFill>
+                  <a:srgbClr val="000087"/>
+                </a:solidFill>
+                <a:latin typeface="Inconsolata Medium" panose="020B0609030003000000" pitchFamily="49" charset="77"/>
+              </a:rPr>
+              <a:t>f</a:t>
+            </a:r>
+            <a:r>
+              <a:rPr lang="en-US" b="1" dirty="0" err="1">
+                <a:solidFill>
+                  <a:srgbClr val="CC3300"/>
+                </a:solidFill>
+                <a:latin typeface="Inconsolata Medium" panose="020B0609030003000000" pitchFamily="49" charset="77"/>
+              </a:rPr>
+              <a:t>“I</a:t>
+            </a:r>
+            <a:r>
+              <a:rPr lang="en-US" b="1" dirty="0">
+                <a:solidFill>
+                  <a:srgbClr val="CC3300"/>
+                </a:solidFill>
+                <a:latin typeface="Inconsolata Medium" panose="020B0609030003000000" pitchFamily="49" charset="77"/>
+              </a:rPr>
+              <a:t> am {name} with a {</a:t>
+            </a:r>
+            <a:r>
+              <a:rPr lang="en-US" b="1" dirty="0" err="1">
+                <a:solidFill>
+                  <a:srgbClr val="CC3300"/>
+                </a:solidFill>
+                <a:latin typeface="Inconsolata Medium" panose="020B0609030003000000" pitchFamily="49" charset="77"/>
+              </a:rPr>
+              <a:t>gpa</a:t>
+            </a:r>
+            <a:r>
+              <a:rPr lang="en-US" b="1" dirty="0">
+                <a:solidFill>
+                  <a:srgbClr val="CC3300"/>
+                </a:solidFill>
+                <a:latin typeface="Inconsolata Medium" panose="020B0609030003000000" pitchFamily="49" charset="77"/>
+              </a:rPr>
+              <a:t>} </a:t>
+            </a:r>
+            <a:r>
+              <a:rPr lang="en-US" b="1" dirty="0" err="1">
+                <a:solidFill>
+                  <a:srgbClr val="CC3300"/>
+                </a:solidFill>
+                <a:latin typeface="Inconsolata Medium" panose="020B0609030003000000" pitchFamily="49" charset="77"/>
+              </a:rPr>
+              <a:t>gpa</a:t>
+            </a:r>
+            <a:r>
+              <a:rPr lang="en-US" b="1" dirty="0">
+                <a:solidFill>
+                  <a:srgbClr val="CC3300"/>
+                </a:solidFill>
+                <a:latin typeface="Inconsolata Medium" panose="020B0609030003000000" pitchFamily="49" charset="77"/>
+              </a:rPr>
+              <a:t>.”  </a:t>
+            </a:r>
+            <a:endParaRPr lang="en-US" b="1" dirty="0">
+              <a:solidFill>
+                <a:srgbClr val="000087"/>
+              </a:solidFill>
+              <a:latin typeface="Inconsolata Medium" panose="020B0609030003000000" pitchFamily="49" charset="77"/>
+            </a:endParaRPr>
+          </a:p>
+          <a:p>
+            <a:pPr marL="0" indent="0">
+              <a:buNone/>
+            </a:pPr>
+            <a:r>
+              <a:rPr lang="en-US" b="1" dirty="0">
+                <a:solidFill>
+                  <a:srgbClr val="33566B"/>
+                </a:solidFill>
+                <a:latin typeface="Inconsolata Medium" panose="020B0609030003000000" pitchFamily="49" charset="77"/>
+              </a:rPr>
+              <a:t>	    </a:t>
+            </a:r>
+            <a:r>
+              <a:rPr lang="en-US" b="1" dirty="0">
+                <a:solidFill>
+                  <a:srgbClr val="000087"/>
+                </a:solidFill>
+                <a:latin typeface="Inconsolata Medium" panose="020B0609030003000000" pitchFamily="49" charset="77"/>
+              </a:rPr>
+              <a:t>print(</a:t>
+            </a:r>
+            <a:r>
+              <a:rPr lang="en-US" b="1" dirty="0" err="1">
+                <a:solidFill>
+                  <a:srgbClr val="000087"/>
+                </a:solidFill>
+                <a:latin typeface="Inconsolata Medium" panose="020B0609030003000000" pitchFamily="49" charset="77"/>
+              </a:rPr>
+              <a:t>f_str</a:t>
+            </a:r>
+            <a:r>
+              <a:rPr lang="en-US" b="1" dirty="0">
+                <a:solidFill>
+                  <a:srgbClr val="000087"/>
+                </a:solidFill>
+                <a:latin typeface="Inconsolata Medium" panose="020B0609030003000000" pitchFamily="49" charset="77"/>
+              </a:rPr>
+              <a:t>)</a:t>
+            </a:r>
+            <a:r>
+              <a:rPr lang="en-US" b="1" dirty="0">
+                <a:latin typeface="Inconsolata Medium" panose="020B0609030003000000" pitchFamily="49" charset="77"/>
+              </a:rPr>
+              <a:t> </a:t>
+            </a:r>
+          </a:p>
+          <a:p>
+            <a:pPr marL="0" indent="0">
+              <a:buNone/>
+            </a:pPr>
+            <a:endParaRPr lang="en-US" b="1" dirty="0">
+              <a:latin typeface="Inconsolata Medium" panose="020B0609030003000000" pitchFamily="49" charset="77"/>
+            </a:endParaRPr>
+          </a:p>
+          <a:p>
+            <a:pPr marL="0" indent="0">
+              <a:buNone/>
+            </a:pPr>
+            <a:r>
+              <a:rPr lang="en-US" b="1" dirty="0">
+                <a:latin typeface="Inconsolata Medium" panose="020B0609030003000000" pitchFamily="49" charset="77"/>
+              </a:rPr>
+              <a:t>Out [26]: ‘I am Mike with a 3.2 </a:t>
+            </a:r>
+            <a:r>
+              <a:rPr lang="en-US" b="1" dirty="0" err="1">
+                <a:latin typeface="Inconsolata Medium" panose="020B0609030003000000" pitchFamily="49" charset="77"/>
+              </a:rPr>
+              <a:t>gpa</a:t>
+            </a:r>
+            <a:r>
+              <a:rPr lang="en-US" b="1" dirty="0">
+                <a:latin typeface="Inconsolata Medium" panose="020B0609030003000000" pitchFamily="49" charset="77"/>
+              </a:rPr>
+              <a:t>.' </a:t>
+            </a:r>
+          </a:p>
+          <a:p>
+            <a:pPr marL="0" indent="0">
+              <a:buNone/>
+            </a:pPr>
+            <a:endParaRPr lang="en-US" sz="1900" b="1" dirty="0">
+              <a:latin typeface="Inconsolata Medium" panose="020B0609030003000000" pitchFamily="49" charset="77"/>
+            </a:endParaRPr>
+          </a:p>
+        </p:txBody>
+      </p:sp>
+    </p:spTree>
+    <p:extLst>
+      <p:ext uri="{BB962C8B-B14F-4D97-AF65-F5344CB8AC3E}">
+        <p14:creationId xmlns:p14="http://schemas.microsoft.com/office/powerpoint/2010/main" val="847072393"/>
       </p:ext>
     </p:extLst>
   </p:cSld>

--- a/courses/apcsp/lect3.pptx
+++ b/courses/apcsp/lect3.pptx
@@ -15,9 +15,12 @@
     <p:sldId id="279" r:id="rId9"/>
     <p:sldId id="292" r:id="rId10"/>
     <p:sldId id="294" r:id="rId11"/>
-    <p:sldId id="280" r:id="rId12"/>
-    <p:sldId id="295" r:id="rId13"/>
-    <p:sldId id="284" r:id="rId14"/>
+    <p:sldId id="295" r:id="rId12"/>
+    <p:sldId id="296" r:id="rId13"/>
+    <p:sldId id="297" r:id="rId14"/>
+    <p:sldId id="298" r:id="rId15"/>
+    <p:sldId id="299" r:id="rId16"/>
+    <p:sldId id="284" r:id="rId17"/>
   </p:sldIdLst>
   <p:sldSz cx="9144000" cy="5715000" type="screen16x10"/>
   <p:notesSz cx="6858000" cy="9144000"/>
@@ -127,7 +130,7 @@
 <file path=ppt/revisionInfo.xml><?xml version="1.0" encoding="utf-8"?>
 <p1510:revInfo xmlns:a="http://schemas.openxmlformats.org/drawingml/2006/main" xmlns:r="http://schemas.openxmlformats.org/officeDocument/2006/relationships" xmlns:p1510="http://schemas.microsoft.com/office/powerpoint/2015/10/main">
   <p1510:revLst>
-    <p1510:client id="{2C9BD3C4-A72C-C34E-A2E2-4164CEFFD187}" v="6" dt="2019-09-08T00:57:21.141"/>
+    <p1510:client id="{2C9BD3C4-A72C-C34E-A2E2-4164CEFFD187}" v="53" dt="2019-09-08T13:37:39.834"/>
     <p1510:client id="{5BA4ED75-8AB8-EF4B-B40C-CAAFEBD8F6A0}" v="4" dt="2019-09-07T18:16:12.785"/>
   </p1510:revLst>
 </p1510:revInfo>
@@ -200,19 +203,19 @@
   </pc:docChgLst>
   <pc:docChgLst>
     <pc:chgData name="Long B Nguyen" userId="f59fb8f3-a021-417a-8bc1-65c8d471c621" providerId="ADAL" clId="{2C9BD3C4-A72C-C34E-A2E2-4164CEFFD187}"/>
-    <pc:docChg chg="modSld">
-      <pc:chgData name="Long B Nguyen" userId="f59fb8f3-a021-417a-8bc1-65c8d471c621" providerId="ADAL" clId="{2C9BD3C4-A72C-C34E-A2E2-4164CEFFD187}" dt="2019-09-08T00:57:47.257" v="95" actId="20577"/>
+    <pc:docChg chg="undo custSel addSld delSld modSld">
+      <pc:chgData name="Long B Nguyen" userId="f59fb8f3-a021-417a-8bc1-65c8d471c621" providerId="ADAL" clId="{2C9BD3C4-A72C-C34E-A2E2-4164CEFFD187}" dt="2019-09-08T13:41:06.092" v="1839" actId="20577"/>
       <pc:docMkLst>
         <pc:docMk/>
       </pc:docMkLst>
       <pc:sldChg chg="modSp">
-        <pc:chgData name="Long B Nguyen" userId="f59fb8f3-a021-417a-8bc1-65c8d471c621" providerId="ADAL" clId="{2C9BD3C4-A72C-C34E-A2E2-4164CEFFD187}" dt="2019-09-08T00:55:00.174" v="16" actId="20577"/>
+        <pc:chgData name="Long B Nguyen" userId="f59fb8f3-a021-417a-8bc1-65c8d471c621" providerId="ADAL" clId="{2C9BD3C4-A72C-C34E-A2E2-4164CEFFD187}" dt="2019-09-08T13:32:14.655" v="1414" actId="20577"/>
         <pc:sldMkLst>
           <pc:docMk/>
           <pc:sldMk cId="2207246265" sldId="257"/>
         </pc:sldMkLst>
         <pc:spChg chg="mod">
-          <ac:chgData name="Long B Nguyen" userId="f59fb8f3-a021-417a-8bc1-65c8d471c621" providerId="ADAL" clId="{2C9BD3C4-A72C-C34E-A2E2-4164CEFFD187}" dt="2019-09-08T00:55:00.174" v="16" actId="20577"/>
+          <ac:chgData name="Long B Nguyen" userId="f59fb8f3-a021-417a-8bc1-65c8d471c621" providerId="ADAL" clId="{2C9BD3C4-A72C-C34E-A2E2-4164CEFFD187}" dt="2019-09-08T13:32:14.655" v="1414" actId="20577"/>
           <ac:spMkLst>
             <pc:docMk/>
             <pc:sldMk cId="2207246265" sldId="257"/>
@@ -235,20 +238,186 @@
           </ac:spMkLst>
         </pc:spChg>
       </pc:sldChg>
+      <pc:sldChg chg="modSp del">
+        <pc:chgData name="Long B Nguyen" userId="f59fb8f3-a021-417a-8bc1-65c8d471c621" providerId="ADAL" clId="{2C9BD3C4-A72C-C34E-A2E2-4164CEFFD187}" dt="2019-09-08T13:29:29.130" v="1227" actId="2696"/>
+        <pc:sldMkLst>
+          <pc:docMk/>
+          <pc:sldMk cId="1096082918" sldId="280"/>
+        </pc:sldMkLst>
+        <pc:spChg chg="mod">
+          <ac:chgData name="Long B Nguyen" userId="f59fb8f3-a021-417a-8bc1-65c8d471c621" providerId="ADAL" clId="{2C9BD3C4-A72C-C34E-A2E2-4164CEFFD187}" dt="2019-09-08T12:17:19.099" v="271" actId="20577"/>
+          <ac:spMkLst>
+            <pc:docMk/>
+            <pc:sldMk cId="1096082918" sldId="280"/>
+            <ac:spMk id="9" creationId="{E3B2E017-30B2-884B-A113-B419A2ED51AD}"/>
+          </ac:spMkLst>
+        </pc:spChg>
+      </pc:sldChg>
       <pc:sldChg chg="modSp">
-        <pc:chgData name="Long B Nguyen" userId="f59fb8f3-a021-417a-8bc1-65c8d471c621" providerId="ADAL" clId="{2C9BD3C4-A72C-C34E-A2E2-4164CEFFD187}" dt="2019-09-08T00:54:53.106" v="15" actId="20577"/>
+        <pc:chgData name="Long B Nguyen" userId="f59fb8f3-a021-417a-8bc1-65c8d471c621" providerId="ADAL" clId="{2C9BD3C4-A72C-C34E-A2E2-4164CEFFD187}" dt="2019-09-08T13:39:26.776" v="1698" actId="20577"/>
+        <pc:sldMkLst>
+          <pc:docMk/>
+          <pc:sldMk cId="2783383753" sldId="284"/>
+        </pc:sldMkLst>
+        <pc:spChg chg="mod">
+          <ac:chgData name="Long B Nguyen" userId="f59fb8f3-a021-417a-8bc1-65c8d471c621" providerId="ADAL" clId="{2C9BD3C4-A72C-C34E-A2E2-4164CEFFD187}" dt="2019-09-08T13:39:26.776" v="1698" actId="20577"/>
+          <ac:spMkLst>
+            <pc:docMk/>
+            <pc:sldMk cId="2783383753" sldId="284"/>
+            <ac:spMk id="9" creationId="{E3B2E017-30B2-884B-A113-B419A2ED51AD}"/>
+          </ac:spMkLst>
+        </pc:spChg>
+      </pc:sldChg>
+      <pc:sldChg chg="modSp">
+        <pc:chgData name="Long B Nguyen" userId="f59fb8f3-a021-417a-8bc1-65c8d471c621" providerId="ADAL" clId="{2C9BD3C4-A72C-C34E-A2E2-4164CEFFD187}" dt="2019-09-08T13:30:59.731" v="1299" actId="14100"/>
         <pc:sldMkLst>
           <pc:docMk/>
           <pc:sldMk cId="3974060782" sldId="289"/>
         </pc:sldMkLst>
         <pc:spChg chg="mod">
-          <ac:chgData name="Long B Nguyen" userId="f59fb8f3-a021-417a-8bc1-65c8d471c621" providerId="ADAL" clId="{2C9BD3C4-A72C-C34E-A2E2-4164CEFFD187}" dt="2019-09-08T00:54:53.106" v="15" actId="20577"/>
+          <ac:chgData name="Long B Nguyen" userId="f59fb8f3-a021-417a-8bc1-65c8d471c621" providerId="ADAL" clId="{2C9BD3C4-A72C-C34E-A2E2-4164CEFFD187}" dt="2019-09-08T13:30:59.731" v="1299" actId="14100"/>
           <ac:spMkLst>
             <pc:docMk/>
             <pc:sldMk cId="3974060782" sldId="289"/>
             <ac:spMk id="3" creationId="{1BDC47C8-6776-7B44-9CD4-95FC91452D62}"/>
           </ac:spMkLst>
         </pc:spChg>
+      </pc:sldChg>
+      <pc:sldChg chg="add">
+        <pc:chgData name="Long B Nguyen" userId="f59fb8f3-a021-417a-8bc1-65c8d471c621" providerId="ADAL" clId="{2C9BD3C4-A72C-C34E-A2E2-4164CEFFD187}" dt="2019-09-08T12:25:57.086" v="413"/>
+        <pc:sldMkLst>
+          <pc:docMk/>
+          <pc:sldMk cId="450853280" sldId="295"/>
+        </pc:sldMkLst>
+      </pc:sldChg>
+      <pc:sldChg chg="del">
+        <pc:chgData name="Long B Nguyen" userId="f59fb8f3-a021-417a-8bc1-65c8d471c621" providerId="ADAL" clId="{2C9BD3C4-A72C-C34E-A2E2-4164CEFFD187}" dt="2019-09-08T04:20:55.590" v="96" actId="2696"/>
+        <pc:sldMkLst>
+          <pc:docMk/>
+          <pc:sldMk cId="1714696104" sldId="295"/>
+        </pc:sldMkLst>
+      </pc:sldChg>
+      <pc:sldChg chg="modSp add del">
+        <pc:chgData name="Long B Nguyen" userId="f59fb8f3-a021-417a-8bc1-65c8d471c621" providerId="ADAL" clId="{2C9BD3C4-A72C-C34E-A2E2-4164CEFFD187}" dt="2019-09-08T12:25:55.710" v="412" actId="2696"/>
+        <pc:sldMkLst>
+          <pc:docMk/>
+          <pc:sldMk cId="3408476156" sldId="295"/>
+        </pc:sldMkLst>
+        <pc:spChg chg="mod">
+          <ac:chgData name="Long B Nguyen" userId="f59fb8f3-a021-417a-8bc1-65c8d471c621" providerId="ADAL" clId="{2C9BD3C4-A72C-C34E-A2E2-4164CEFFD187}" dt="2019-09-08T12:21:00.886" v="407" actId="20577"/>
+          <ac:spMkLst>
+            <pc:docMk/>
+            <pc:sldMk cId="3408476156" sldId="295"/>
+            <ac:spMk id="2" creationId="{AA3A228F-61D0-D949-A5E7-F83756230BF8}"/>
+          </ac:spMkLst>
+        </pc:spChg>
+        <pc:spChg chg="mod">
+          <ac:chgData name="Long B Nguyen" userId="f59fb8f3-a021-417a-8bc1-65c8d471c621" providerId="ADAL" clId="{2C9BD3C4-A72C-C34E-A2E2-4164CEFFD187}" dt="2019-09-08T12:25:40.091" v="411"/>
+          <ac:spMkLst>
+            <pc:docMk/>
+            <pc:sldMk cId="3408476156" sldId="295"/>
+            <ac:spMk id="9" creationId="{E3B2E017-30B2-884B-A113-B419A2ED51AD}"/>
+          </ac:spMkLst>
+        </pc:spChg>
+      </pc:sldChg>
+      <pc:sldChg chg="modSp add">
+        <pc:chgData name="Long B Nguyen" userId="f59fb8f3-a021-417a-8bc1-65c8d471c621" providerId="ADAL" clId="{2C9BD3C4-A72C-C34E-A2E2-4164CEFFD187}" dt="2019-09-08T13:08:32.878" v="924" actId="20577"/>
+        <pc:sldMkLst>
+          <pc:docMk/>
+          <pc:sldMk cId="3888808614" sldId="296"/>
+        </pc:sldMkLst>
+        <pc:spChg chg="mod">
+          <ac:chgData name="Long B Nguyen" userId="f59fb8f3-a021-417a-8bc1-65c8d471c621" providerId="ADAL" clId="{2C9BD3C4-A72C-C34E-A2E2-4164CEFFD187}" dt="2019-09-08T13:08:32.878" v="924" actId="20577"/>
+          <ac:spMkLst>
+            <pc:docMk/>
+            <pc:sldMk cId="3888808614" sldId="296"/>
+            <ac:spMk id="2" creationId="{AA3A228F-61D0-D949-A5E7-F83756230BF8}"/>
+          </ac:spMkLst>
+        </pc:spChg>
+        <pc:spChg chg="mod">
+          <ac:chgData name="Long B Nguyen" userId="f59fb8f3-a021-417a-8bc1-65c8d471c621" providerId="ADAL" clId="{2C9BD3C4-A72C-C34E-A2E2-4164CEFFD187}" dt="2019-09-08T13:08:16.391" v="904" actId="20577"/>
+          <ac:spMkLst>
+            <pc:docMk/>
+            <pc:sldMk cId="3888808614" sldId="296"/>
+            <ac:spMk id="9" creationId="{E3B2E017-30B2-884B-A113-B419A2ED51AD}"/>
+          </ac:spMkLst>
+        </pc:spChg>
+      </pc:sldChg>
+      <pc:sldChg chg="modSp add">
+        <pc:chgData name="Long B Nguyen" userId="f59fb8f3-a021-417a-8bc1-65c8d471c621" providerId="ADAL" clId="{2C9BD3C4-A72C-C34E-A2E2-4164CEFFD187}" dt="2019-09-08T13:32:35.797" v="1429" actId="20577"/>
+        <pc:sldMkLst>
+          <pc:docMk/>
+          <pc:sldMk cId="1027235231" sldId="297"/>
+        </pc:sldMkLst>
+        <pc:spChg chg="mod">
+          <ac:chgData name="Long B Nguyen" userId="f59fb8f3-a021-417a-8bc1-65c8d471c621" providerId="ADAL" clId="{2C9BD3C4-A72C-C34E-A2E2-4164CEFFD187}" dt="2019-09-08T13:32:35.797" v="1429" actId="20577"/>
+          <ac:spMkLst>
+            <pc:docMk/>
+            <pc:sldMk cId="1027235231" sldId="297"/>
+            <ac:spMk id="2" creationId="{AA3A228F-61D0-D949-A5E7-F83756230BF8}"/>
+          </ac:spMkLst>
+        </pc:spChg>
+        <pc:spChg chg="mod">
+          <ac:chgData name="Long B Nguyen" userId="f59fb8f3-a021-417a-8bc1-65c8d471c621" providerId="ADAL" clId="{2C9BD3C4-A72C-C34E-A2E2-4164CEFFD187}" dt="2019-09-08T13:24:12.077" v="1061"/>
+          <ac:spMkLst>
+            <pc:docMk/>
+            <pc:sldMk cId="1027235231" sldId="297"/>
+            <ac:spMk id="9" creationId="{E3B2E017-30B2-884B-A113-B419A2ED51AD}"/>
+          </ac:spMkLst>
+        </pc:spChg>
+      </pc:sldChg>
+      <pc:sldChg chg="modSp add">
+        <pc:chgData name="Long B Nguyen" userId="f59fb8f3-a021-417a-8bc1-65c8d471c621" providerId="ADAL" clId="{2C9BD3C4-A72C-C34E-A2E2-4164CEFFD187}" dt="2019-09-08T13:32:41.505" v="1446" actId="20577"/>
+        <pc:sldMkLst>
+          <pc:docMk/>
+          <pc:sldMk cId="4019361075" sldId="298"/>
+        </pc:sldMkLst>
+        <pc:spChg chg="mod">
+          <ac:chgData name="Long B Nguyen" userId="f59fb8f3-a021-417a-8bc1-65c8d471c621" providerId="ADAL" clId="{2C9BD3C4-A72C-C34E-A2E2-4164CEFFD187}" dt="2019-09-08T13:32:41.505" v="1446" actId="20577"/>
+          <ac:spMkLst>
+            <pc:docMk/>
+            <pc:sldMk cId="4019361075" sldId="298"/>
+            <ac:spMk id="2" creationId="{AA3A228F-61D0-D949-A5E7-F83756230BF8}"/>
+          </ac:spMkLst>
+        </pc:spChg>
+        <pc:spChg chg="mod">
+          <ac:chgData name="Long B Nguyen" userId="f59fb8f3-a021-417a-8bc1-65c8d471c621" providerId="ADAL" clId="{2C9BD3C4-A72C-C34E-A2E2-4164CEFFD187}" dt="2019-09-08T13:29:15.452" v="1209"/>
+          <ac:spMkLst>
+            <pc:docMk/>
+            <pc:sldMk cId="4019361075" sldId="298"/>
+            <ac:spMk id="9" creationId="{E3B2E017-30B2-884B-A113-B419A2ED51AD}"/>
+          </ac:spMkLst>
+        </pc:spChg>
+      </pc:sldChg>
+      <pc:sldChg chg="modSp add">
+        <pc:chgData name="Long B Nguyen" userId="f59fb8f3-a021-417a-8bc1-65c8d471c621" providerId="ADAL" clId="{2C9BD3C4-A72C-C34E-A2E2-4164CEFFD187}" dt="2019-09-08T13:41:06.092" v="1839" actId="20577"/>
+        <pc:sldMkLst>
+          <pc:docMk/>
+          <pc:sldMk cId="523000400" sldId="299"/>
+        </pc:sldMkLst>
+        <pc:spChg chg="mod">
+          <ac:chgData name="Long B Nguyen" userId="f59fb8f3-a021-417a-8bc1-65c8d471c621" providerId="ADAL" clId="{2C9BD3C4-A72C-C34E-A2E2-4164CEFFD187}" dt="2019-09-08T13:29:26.471" v="1226" actId="20577"/>
+          <ac:spMkLst>
+            <pc:docMk/>
+            <pc:sldMk cId="523000400" sldId="299"/>
+            <ac:spMk id="2" creationId="{AA3A228F-61D0-D949-A5E7-F83756230BF8}"/>
+          </ac:spMkLst>
+        </pc:spChg>
+        <pc:spChg chg="mod">
+          <ac:chgData name="Long B Nguyen" userId="f59fb8f3-a021-417a-8bc1-65c8d471c621" providerId="ADAL" clId="{2C9BD3C4-A72C-C34E-A2E2-4164CEFFD187}" dt="2019-09-08T13:41:06.092" v="1839" actId="20577"/>
+          <ac:spMkLst>
+            <pc:docMk/>
+            <pc:sldMk cId="523000400" sldId="299"/>
+            <ac:spMk id="9" creationId="{E3B2E017-30B2-884B-A113-B419A2ED51AD}"/>
+          </ac:spMkLst>
+        </pc:spChg>
+      </pc:sldChg>
+      <pc:sldChg chg="add del">
+        <pc:chgData name="Long B Nguyen" userId="f59fb8f3-a021-417a-8bc1-65c8d471c621" providerId="ADAL" clId="{2C9BD3C4-A72C-C34E-A2E2-4164CEFFD187}" dt="2019-09-08T13:24:25.573" v="1064"/>
+        <pc:sldMkLst>
+          <pc:docMk/>
+          <pc:sldMk cId="798625594" sldId="299"/>
+        </pc:sldMkLst>
       </pc:sldChg>
     </pc:docChg>
   </pc:docChgLst>
@@ -348,21 +517,6 @@
           </ac:spMkLst>
         </pc:spChg>
       </pc:sldChg>
-      <pc:sldChg chg="modSp add">
-        <pc:chgData name="Long B Nguyen" userId="f59fb8f3-a021-417a-8bc1-65c8d471c621" providerId="ADAL" clId="{5BA4ED75-8AB8-EF4B-B40C-CAAFEBD8F6A0}" dt="2019-08-18T20:10:24.321" v="127" actId="20577"/>
-        <pc:sldMkLst>
-          <pc:docMk/>
-          <pc:sldMk cId="1714696104" sldId="295"/>
-        </pc:sldMkLst>
-        <pc:spChg chg="mod">
-          <ac:chgData name="Long B Nguyen" userId="f59fb8f3-a021-417a-8bc1-65c8d471c621" providerId="ADAL" clId="{5BA4ED75-8AB8-EF4B-B40C-CAAFEBD8F6A0}" dt="2019-08-18T20:10:24.321" v="127" actId="20577"/>
-          <ac:spMkLst>
-            <pc:docMk/>
-            <pc:sldMk cId="1714696104" sldId="295"/>
-            <ac:spMk id="9" creationId="{E3B2E017-30B2-884B-A113-B419A2ED51AD}"/>
-          </ac:spMkLst>
-        </pc:spChg>
-      </pc:sldChg>
     </pc:docChg>
   </pc:docChgLst>
   <pc:docChgLst>
@@ -505,7 +659,7 @@
           <a:p>
             <a:fld id="{4AAD347D-5ACD-4C99-B74B-A9C85AD731AF}" type="datetimeFigureOut">
               <a:rPr lang="en-US" smtClean="0"/>
-              <a:t>9/7/19</a:t>
+              <a:t>9/8/19</a:t>
             </a:fld>
             <a:endParaRPr lang="en-US" dirty="0"/>
           </a:p>
@@ -675,7 +829,7 @@
           <a:p>
             <a:fld id="{4509A250-FF31-4206-8172-F9D3106AACB1}" type="datetimeFigureOut">
               <a:rPr lang="en-US" smtClean="0"/>
-              <a:t>9/7/19</a:t>
+              <a:t>9/8/19</a:t>
             </a:fld>
             <a:endParaRPr lang="en-US" dirty="0"/>
           </a:p>
@@ -855,7 +1009,7 @@
           <a:p>
             <a:fld id="{4509A250-FF31-4206-8172-F9D3106AACB1}" type="datetimeFigureOut">
               <a:rPr lang="en-US" smtClean="0"/>
-              <a:t>9/7/19</a:t>
+              <a:t>9/8/19</a:t>
             </a:fld>
             <a:endParaRPr lang="en-US" dirty="0"/>
           </a:p>
@@ -1025,7 +1179,7 @@
           <a:p>
             <a:fld id="{4509A250-FF31-4206-8172-F9D3106AACB1}" type="datetimeFigureOut">
               <a:rPr lang="en-US" smtClean="0"/>
-              <a:t>9/7/19</a:t>
+              <a:t>9/8/19</a:t>
             </a:fld>
             <a:endParaRPr lang="en-US" dirty="0"/>
           </a:p>
@@ -1271,7 +1425,7 @@
           <a:p>
             <a:fld id="{9796027F-7875-4030-9381-8BD8C4F21935}" type="datetimeFigureOut">
               <a:rPr lang="en-US" smtClean="0"/>
-              <a:t>9/7/19</a:t>
+              <a:t>9/8/19</a:t>
             </a:fld>
             <a:endParaRPr lang="en-US" dirty="0"/>
           </a:p>
@@ -1503,7 +1657,7 @@
           <a:p>
             <a:fld id="{9796027F-7875-4030-9381-8BD8C4F21935}" type="datetimeFigureOut">
               <a:rPr lang="en-US" smtClean="0"/>
-              <a:t>9/7/19</a:t>
+              <a:t>9/8/19</a:t>
             </a:fld>
             <a:endParaRPr lang="en-US" dirty="0"/>
           </a:p>
@@ -1870,7 +2024,7 @@
           <a:p>
             <a:fld id="{9796027F-7875-4030-9381-8BD8C4F21935}" type="datetimeFigureOut">
               <a:rPr lang="en-US" smtClean="0"/>
-              <a:t>9/7/19</a:t>
+              <a:t>9/8/19</a:t>
             </a:fld>
             <a:endParaRPr lang="en-US" dirty="0"/>
           </a:p>
@@ -1988,7 +2142,7 @@
           <a:p>
             <a:fld id="{4509A250-FF31-4206-8172-F9D3106AACB1}" type="datetimeFigureOut">
               <a:rPr lang="en-US" smtClean="0"/>
-              <a:t>9/7/19</a:t>
+              <a:t>9/8/19</a:t>
             </a:fld>
             <a:endParaRPr lang="en-US" dirty="0"/>
           </a:p>
@@ -2083,7 +2237,7 @@
           <a:p>
             <a:fld id="{4509A250-FF31-4206-8172-F9D3106AACB1}" type="datetimeFigureOut">
               <a:rPr lang="en-US" smtClean="0"/>
-              <a:t>9/7/19</a:t>
+              <a:t>9/8/19</a:t>
             </a:fld>
             <a:endParaRPr lang="en-US" dirty="0"/>
           </a:p>
@@ -2360,7 +2514,7 @@
           <a:p>
             <a:fld id="{4509A250-FF31-4206-8172-F9D3106AACB1}" type="datetimeFigureOut">
               <a:rPr lang="en-US" smtClean="0"/>
-              <a:t>9/7/19</a:t>
+              <a:t>9/8/19</a:t>
             </a:fld>
             <a:endParaRPr lang="en-US" dirty="0"/>
           </a:p>
@@ -2617,7 +2771,7 @@
           <a:p>
             <a:fld id="{4509A250-FF31-4206-8172-F9D3106AACB1}" type="datetimeFigureOut">
               <a:rPr lang="en-US" smtClean="0"/>
-              <a:t>9/7/19</a:t>
+              <a:t>9/8/19</a:t>
             </a:fld>
             <a:endParaRPr lang="en-US" dirty="0"/>
           </a:p>
@@ -2830,7 +2984,7 @@
           <a:p>
             <a:fld id="{4AAD347D-5ACD-4C99-B74B-A9C85AD731AF}" type="datetimeFigureOut">
               <a:rPr lang="en-US" smtClean="0"/>
-              <a:t>9/7/19</a:t>
+              <a:t>9/8/19</a:t>
             </a:fld>
             <a:endParaRPr lang="en-US" dirty="0"/>
           </a:p>
@@ -3288,8 +3442,8 @@
         </p:nvSpPr>
         <p:spPr>
           <a:xfrm>
-            <a:off x="1849821" y="2550187"/>
-            <a:ext cx="6200317" cy="1277135"/>
+            <a:off x="1849821" y="2550188"/>
+            <a:ext cx="6200317" cy="654486"/>
           </a:xfrm>
         </p:spPr>
         <p:txBody>
@@ -3301,20 +3455,8 @@
             <a:pPr algn="l"/>
             <a:r>
               <a:rPr lang="en-US" sz="2400" b="1" dirty="0"/>
-              <a:t>Basic Syntax</a:t>
-            </a:r>
-          </a:p>
-          <a:p>
-            <a:pPr algn="l"/>
-            <a:r>
-              <a:rPr lang="en-US" sz="2400" b="1" dirty="0"/>
-              <a:t>Datatypes II: Strings, </a:t>
-            </a:r>
-            <a:r>
-              <a:rPr lang="en-US" sz="2400" b="1" dirty="0" err="1"/>
-              <a:t>NoneType</a:t>
-            </a:r>
-            <a:endParaRPr lang="en-US" sz="2400" b="1" dirty="0"/>
+              <a:t>Strings</a:t>
+            </a:r>
           </a:p>
         </p:txBody>
       </p:sp>
@@ -3954,10 +4096,9 @@
           <a:lstStyle/>
           <a:p>
             <a:r>
-              <a:rPr lang="en-US" dirty="0" err="1"/>
-              <a:t>NoneType</a:t>
-            </a:r>
-            <a:endParaRPr lang="en-US" dirty="0"/>
+              <a:rPr lang="en-US" dirty="0"/>
+              <a:t>str()</a:t>
+            </a:r>
           </a:p>
         </p:txBody>
       </p:sp>
@@ -3992,338 +4133,228 @@
             <a:pPr marL="0" indent="0">
               <a:buNone/>
             </a:pPr>
-            <a:r>
-              <a:rPr lang="en-US" dirty="0"/>
-              <a:t>Python includes a special type, the </a:t>
-            </a:r>
-            <a:r>
-              <a:rPr lang="en-US" dirty="0" err="1"/>
-              <a:t>NoneType</a:t>
-            </a:r>
-            <a:r>
-              <a:rPr lang="en-US" dirty="0"/>
-              <a:t>, which has only a single possible value: None. </a:t>
-            </a:r>
-          </a:p>
-          <a:p>
-            <a:pPr marL="0" indent="0">
-              <a:buNone/>
-            </a:pPr>
-            <a:r>
-              <a:rPr lang="en-US" b="1" dirty="0">
+            <a:endParaRPr lang="en-US" dirty="0">
+              <a:latin typeface="Gill Sans MT" panose="020B0502020104020203" pitchFamily="34" charset="77"/>
+            </a:endParaRPr>
+          </a:p>
+          <a:p>
+            <a:pPr marL="0" indent="0">
+              <a:buNone/>
+            </a:pPr>
+            <a:endParaRPr lang="en-US" dirty="0">
+              <a:latin typeface="Gill Sans MT" panose="020B0502020104020203" pitchFamily="34" charset="77"/>
+            </a:endParaRPr>
+          </a:p>
+          <a:p>
+            <a:pPr marL="0" indent="0">
+              <a:buNone/>
+            </a:pPr>
+            <a:r>
+              <a:rPr lang="en-US" dirty="0">
+                <a:latin typeface="Gill Sans MT" panose="020B0502020104020203" pitchFamily="34" charset="77"/>
+              </a:rPr>
+              <a:t>The function str() can be construct string objects from integer or float literals.</a:t>
+            </a:r>
+          </a:p>
+          <a:p>
+            <a:pPr marL="0" indent="0">
+              <a:buNone/>
+            </a:pPr>
+            <a:endParaRPr lang="en-US" sz="1900" b="1" dirty="0">
+              <a:solidFill>
+                <a:srgbClr val="000087"/>
+              </a:solidFill>
+              <a:latin typeface="Inconsolata Medium" panose="020B0609030003000000" pitchFamily="49" charset="77"/>
+            </a:endParaRPr>
+          </a:p>
+          <a:p>
+            <a:pPr marL="0" indent="0">
+              <a:buNone/>
+            </a:pPr>
+            <a:r>
+              <a:rPr lang="en-US" sz="1900" b="1" dirty="0">
                 <a:solidFill>
                   <a:srgbClr val="000087"/>
                 </a:solidFill>
                 <a:latin typeface="Inconsolata Medium" panose="020B0609030003000000" pitchFamily="49" charset="77"/>
               </a:rPr>
-              <a:t>In </a:t>
-            </a:r>
-            <a:r>
-              <a:rPr lang="en-US" b="1" dirty="0">
-                <a:latin typeface="Inconsolata Medium" panose="020B0609030003000000" pitchFamily="49" charset="77"/>
-              </a:rPr>
-              <a:t>[</a:t>
-            </a:r>
-            <a:r>
-              <a:rPr lang="en-US" b="1" dirty="0">
-                <a:solidFill>
-                  <a:srgbClr val="FF6600"/>
-                </a:solidFill>
-                <a:latin typeface="Inconsolata Medium" panose="020B0609030003000000" pitchFamily="49" charset="77"/>
-              </a:rPr>
-              <a:t>24</a:t>
-            </a:r>
-            <a:r>
-              <a:rPr lang="en-US" b="1" dirty="0">
+              <a:t> </a:t>
+            </a:r>
+          </a:p>
+          <a:p>
+            <a:pPr marL="0" indent="0">
+              <a:buNone/>
+            </a:pPr>
+            <a:r>
+              <a:rPr lang="en-US" sz="2000" b="1" dirty="0">
+                <a:solidFill>
+                  <a:srgbClr val="34A327"/>
+                </a:solidFill>
+                <a:latin typeface="Inconsolata Medium" panose="020B0609030003000000" pitchFamily="49" charset="77"/>
+              </a:rPr>
+              <a:t>In [</a:t>
+            </a:r>
+            <a:r>
+              <a:rPr lang="en-US" sz="2000" b="1" dirty="0">
+                <a:solidFill>
+                  <a:srgbClr val="2EE721"/>
+                </a:solidFill>
+                <a:latin typeface="Inconsolata Medium" panose="020B0609030003000000" pitchFamily="49" charset="77"/>
+              </a:rPr>
+              <a:t>1</a:t>
+            </a:r>
+            <a:r>
+              <a:rPr lang="en-US" sz="2000" b="1" dirty="0">
+                <a:solidFill>
+                  <a:srgbClr val="34A327"/>
+                </a:solidFill>
                 <a:latin typeface="Inconsolata Medium" panose="020B0609030003000000" pitchFamily="49" charset="77"/>
               </a:rPr>
               <a:t>]: </a:t>
             </a:r>
             <a:r>
-              <a:rPr lang="en-US" b="1" dirty="0">
-                <a:solidFill>
-                  <a:srgbClr val="336666"/>
-                </a:solidFill>
-                <a:latin typeface="Inconsolata Medium" panose="020B0609030003000000" pitchFamily="49" charset="77"/>
-              </a:rPr>
-              <a:t>type</a:t>
-            </a:r>
-            <a:r>
-              <a:rPr lang="en-US" b="1" dirty="0">
+              <a:rPr lang="en-US" sz="2000" b="1" dirty="0">
+                <a:solidFill>
+                  <a:srgbClr val="000000"/>
+                </a:solidFill>
+                <a:latin typeface="Inconsolata Medium" panose="020B0609030003000000" pitchFamily="49" charset="77"/>
+              </a:rPr>
+              <a:t>y = </a:t>
+            </a:r>
+            <a:r>
+              <a:rPr lang="en-US" sz="2000" b="1" dirty="0">
+                <a:solidFill>
+                  <a:srgbClr val="34A327"/>
+                </a:solidFill>
+                <a:latin typeface="Inconsolata Medium" panose="020B0609030003000000" pitchFamily="49" charset="77"/>
+              </a:rPr>
+              <a:t>str</a:t>
+            </a:r>
+            <a:r>
+              <a:rPr lang="en-US" sz="2000" b="1" dirty="0">
+                <a:solidFill>
+                  <a:srgbClr val="000000"/>
+                </a:solidFill>
                 <a:latin typeface="Inconsolata Medium" panose="020B0609030003000000" pitchFamily="49" charset="77"/>
               </a:rPr>
               <a:t>(</a:t>
             </a:r>
             <a:r>
-              <a:rPr lang="en-US" b="1" dirty="0">
-                <a:solidFill>
-                  <a:srgbClr val="336666"/>
-                </a:solidFill>
-                <a:latin typeface="Inconsolata Medium" panose="020B0609030003000000" pitchFamily="49" charset="77"/>
-              </a:rPr>
-              <a:t>None</a:t>
-            </a:r>
-            <a:r>
-              <a:rPr lang="en-US" b="1" dirty="0">
-                <a:latin typeface="Inconsolata Medium" panose="020B0609030003000000" pitchFamily="49" charset="77"/>
-              </a:rPr>
-              <a:t>) </a:t>
-            </a:r>
-          </a:p>
-          <a:p>
-            <a:pPr marL="0" indent="0">
-              <a:buNone/>
-            </a:pPr>
-            <a:r>
-              <a:rPr lang="en-US" b="1" dirty="0">
-                <a:latin typeface="Inconsolata Medium" panose="020B0609030003000000" pitchFamily="49" charset="77"/>
-              </a:rPr>
-              <a:t>Out [24]: </a:t>
-            </a:r>
-            <a:r>
-              <a:rPr lang="en-US" b="1" dirty="0" err="1">
-                <a:latin typeface="Inconsolata Medium" panose="020B0609030003000000" pitchFamily="49" charset="77"/>
-              </a:rPr>
-              <a:t>NoneType</a:t>
-            </a:r>
-            <a:r>
-              <a:rPr lang="en-US" b="1" dirty="0">
-                <a:latin typeface="Inconsolata Medium" panose="020B0609030003000000" pitchFamily="49" charset="77"/>
-              </a:rPr>
-              <a:t> </a:t>
-            </a:r>
-          </a:p>
-          <a:p>
-            <a:pPr marL="0" indent="0">
-              <a:buNone/>
-            </a:pPr>
-            <a:endParaRPr lang="en-US" dirty="0"/>
-          </a:p>
-          <a:p>
-            <a:pPr marL="0" indent="0">
-              <a:buNone/>
-            </a:pPr>
-            <a:r>
-              <a:rPr lang="en-US" dirty="0"/>
-              <a:t>You’ll see None used in many places, but perhaps most commonly it is used as the default return value of a function. </a:t>
-            </a:r>
-          </a:p>
-          <a:p>
-            <a:pPr marL="0" indent="0">
-              <a:buNone/>
-            </a:pPr>
-            <a:r>
-              <a:rPr lang="en-US" b="1" dirty="0">
-                <a:solidFill>
-                  <a:srgbClr val="000087"/>
-                </a:solidFill>
-                <a:latin typeface="Inconsolata Medium" panose="020B0609030003000000" pitchFamily="49" charset="77"/>
-              </a:rPr>
-              <a:t>In </a:t>
-            </a:r>
-            <a:r>
-              <a:rPr lang="en-US" b="1" dirty="0">
-                <a:latin typeface="Inconsolata Medium" panose="020B0609030003000000" pitchFamily="49" charset="77"/>
-              </a:rPr>
-              <a:t>[</a:t>
-            </a:r>
-            <a:r>
-              <a:rPr lang="en-US" b="1" dirty="0">
-                <a:solidFill>
-                  <a:srgbClr val="FF6600"/>
-                </a:solidFill>
-                <a:latin typeface="Inconsolata Medium" panose="020B0609030003000000" pitchFamily="49" charset="77"/>
-              </a:rPr>
-              <a:t>25</a:t>
-            </a:r>
-            <a:r>
-              <a:rPr lang="en-US" b="1" dirty="0">
-                <a:latin typeface="Inconsolata Medium" panose="020B0609030003000000" pitchFamily="49" charset="77"/>
-              </a:rPr>
-              <a:t>]: </a:t>
-            </a:r>
-            <a:r>
-              <a:rPr lang="en-US" b="1" dirty="0" err="1">
-                <a:solidFill>
-                  <a:srgbClr val="000087"/>
-                </a:solidFill>
-                <a:latin typeface="Inconsolata Medium" panose="020B0609030003000000" pitchFamily="49" charset="77"/>
-              </a:rPr>
-              <a:t>return_value</a:t>
-            </a:r>
-            <a:r>
-              <a:rPr lang="en-US" b="1" dirty="0">
-                <a:solidFill>
-                  <a:srgbClr val="000087"/>
-                </a:solidFill>
-                <a:latin typeface="Inconsolata Medium" panose="020B0609030003000000" pitchFamily="49" charset="77"/>
-              </a:rPr>
-              <a:t> </a:t>
-            </a:r>
-            <a:r>
-              <a:rPr lang="en-US" b="1" dirty="0">
-                <a:solidFill>
-                  <a:srgbClr val="545454"/>
-                </a:solidFill>
-                <a:latin typeface="Inconsolata Medium" panose="020B0609030003000000" pitchFamily="49" charset="77"/>
-              </a:rPr>
-              <a:t>= </a:t>
-            </a:r>
-            <a:r>
-              <a:rPr lang="en-US" b="1" dirty="0">
-                <a:solidFill>
-                  <a:srgbClr val="006699"/>
-                </a:solidFill>
-                <a:latin typeface="Inconsolata Medium" panose="020B0609030003000000" pitchFamily="49" charset="77"/>
-              </a:rPr>
-              <a:t>print</a:t>
-            </a:r>
-            <a:r>
-              <a:rPr lang="en-US" b="1" dirty="0">
+              <a:rPr lang="en-US" sz="2000" b="1" dirty="0">
+                <a:solidFill>
+                  <a:srgbClr val="34A327"/>
+                </a:solidFill>
+                <a:latin typeface="Inconsolata Medium" panose="020B0609030003000000" pitchFamily="49" charset="77"/>
+              </a:rPr>
+              <a:t>2</a:t>
+            </a:r>
+            <a:r>
+              <a:rPr lang="en-US" sz="2000" b="1" dirty="0">
+                <a:solidFill>
+                  <a:srgbClr val="000000"/>
+                </a:solidFill>
+                <a:latin typeface="Inconsolata Medium" panose="020B0609030003000000" pitchFamily="49" charset="77"/>
+              </a:rPr>
+              <a:t>)    </a:t>
+            </a:r>
+            <a:r>
+              <a:rPr lang="en-US" sz="2000" b="1" i="1" dirty="0">
+                <a:solidFill>
+                  <a:srgbClr val="779F9F"/>
+                </a:solidFill>
+                <a:latin typeface="Inconsolata Medium" panose="020B0609030003000000" pitchFamily="49" charset="77"/>
+              </a:rPr>
+              <a:t># y will be '2'</a:t>
+            </a:r>
+            <a:r>
+              <a:rPr lang="en-US" sz="2000" b="1" dirty="0">
+                <a:solidFill>
+                  <a:srgbClr val="000000"/>
+                </a:solidFill>
+                <a:latin typeface="Inconsolata Medium" panose="020B0609030003000000" pitchFamily="49" charset="77"/>
+              </a:rPr>
+              <a:t> </a:t>
+            </a:r>
+            <a:endParaRPr lang="en-US" sz="2000" b="1" dirty="0">
+              <a:solidFill>
+                <a:srgbClr val="779F9F"/>
+              </a:solidFill>
+              <a:latin typeface="Inconsolata Medium" panose="020B0609030003000000" pitchFamily="49" charset="77"/>
+            </a:endParaRPr>
+          </a:p>
+          <a:p>
+            <a:pPr marL="0" indent="0">
+              <a:buNone/>
+            </a:pPr>
+            <a:r>
+              <a:rPr lang="en-US" sz="2000" b="1" dirty="0">
+                <a:solidFill>
+                  <a:srgbClr val="34A327"/>
+                </a:solidFill>
+                <a:latin typeface="Inconsolata Medium" panose="020B0609030003000000" pitchFamily="49" charset="77"/>
+              </a:rPr>
+              <a:t>        </a:t>
+            </a:r>
+            <a:r>
+              <a:rPr lang="en-US" sz="2000" b="1" dirty="0">
+                <a:solidFill>
+                  <a:srgbClr val="000000"/>
+                </a:solidFill>
+                <a:latin typeface="Inconsolata Medium" panose="020B0609030003000000" pitchFamily="49" charset="77"/>
+              </a:rPr>
+              <a:t>z = </a:t>
+            </a:r>
+            <a:r>
+              <a:rPr lang="en-US" sz="2000" b="1" dirty="0">
+                <a:solidFill>
+                  <a:srgbClr val="34A327"/>
+                </a:solidFill>
+                <a:latin typeface="Inconsolata Medium" panose="020B0609030003000000" pitchFamily="49" charset="77"/>
+              </a:rPr>
+              <a:t>str</a:t>
+            </a:r>
+            <a:r>
+              <a:rPr lang="en-US" sz="2000" b="1" dirty="0">
+                <a:solidFill>
+                  <a:srgbClr val="000000"/>
+                </a:solidFill>
                 <a:latin typeface="Inconsolata Medium" panose="020B0609030003000000" pitchFamily="49" charset="77"/>
               </a:rPr>
               <a:t>(</a:t>
             </a:r>
             <a:r>
-              <a:rPr lang="en-US" b="1" dirty="0">
-                <a:solidFill>
-                  <a:srgbClr val="CC3300"/>
-                </a:solidFill>
-                <a:latin typeface="Inconsolata Medium" panose="020B0609030003000000" pitchFamily="49" charset="77"/>
-              </a:rPr>
-              <a:t>'</a:t>
-            </a:r>
-            <a:r>
-              <a:rPr lang="en-US" b="1" dirty="0" err="1">
-                <a:solidFill>
-                  <a:srgbClr val="CC3300"/>
-                </a:solidFill>
-                <a:latin typeface="Inconsolata Medium" panose="020B0609030003000000" pitchFamily="49" charset="77"/>
-              </a:rPr>
-              <a:t>abc</a:t>
-            </a:r>
-            <a:r>
-              <a:rPr lang="en-US" b="1" dirty="0">
-                <a:solidFill>
-                  <a:srgbClr val="CC3300"/>
-                </a:solidFill>
-                <a:latin typeface="Inconsolata Medium" panose="020B0609030003000000" pitchFamily="49" charset="77"/>
-              </a:rPr>
-              <a:t>’</a:t>
-            </a:r>
-            <a:r>
-              <a:rPr lang="en-US" b="1" dirty="0">
-                <a:latin typeface="Inconsolata Medium" panose="020B0609030003000000" pitchFamily="49" charset="77"/>
-              </a:rPr>
-              <a:t>) </a:t>
-            </a:r>
-          </a:p>
-          <a:p>
-            <a:pPr marL="0" indent="0">
-              <a:buNone/>
-            </a:pPr>
-            <a:r>
-              <a:rPr lang="en-US" b="1" dirty="0" err="1">
-                <a:latin typeface="Inconsolata Medium" panose="020B0609030003000000" pitchFamily="49" charset="77"/>
-              </a:rPr>
-              <a:t>abc</a:t>
-            </a:r>
-            <a:br>
-              <a:rPr lang="en-US" b="1" dirty="0">
-                <a:latin typeface="Inconsolata Medium" panose="020B0609030003000000" pitchFamily="49" charset="77"/>
-              </a:rPr>
-            </a:br>
-            <a:endParaRPr lang="en-US" b="1" dirty="0">
+              <a:rPr lang="en-US" sz="2000" b="1" dirty="0">
+                <a:solidFill>
+                  <a:srgbClr val="34A327"/>
+                </a:solidFill>
+                <a:latin typeface="Inconsolata Medium" panose="020B0609030003000000" pitchFamily="49" charset="77"/>
+              </a:rPr>
+              <a:t>3.0</a:t>
+            </a:r>
+            <a:r>
+              <a:rPr lang="en-US" sz="2000" b="1" dirty="0">
+                <a:solidFill>
+                  <a:srgbClr val="000000"/>
+                </a:solidFill>
+                <a:latin typeface="Inconsolata Medium" panose="020B0609030003000000" pitchFamily="49" charset="77"/>
+              </a:rPr>
+              <a:t>)  </a:t>
+            </a:r>
+            <a:r>
+              <a:rPr lang="en-US" sz="2000" b="1" i="1" dirty="0">
+                <a:solidFill>
+                  <a:srgbClr val="779F9F"/>
+                </a:solidFill>
+                <a:latin typeface="Inconsolata Medium" panose="020B0609030003000000" pitchFamily="49" charset="77"/>
+              </a:rPr>
+              <a:t># z will be '3.0'</a:t>
+            </a:r>
+            <a:endParaRPr lang="en-US" sz="2000" b="1" dirty="0">
+              <a:solidFill>
+                <a:srgbClr val="779F9F"/>
+              </a:solidFill>
               <a:latin typeface="Inconsolata Medium" panose="020B0609030003000000" pitchFamily="49" charset="77"/>
             </a:endParaRPr>
-          </a:p>
-          <a:p>
-            <a:pPr marL="0" indent="0">
-              <a:buNone/>
-            </a:pPr>
-            <a:r>
-              <a:rPr lang="en-US" b="1" dirty="0">
-                <a:solidFill>
-                  <a:srgbClr val="000087"/>
-                </a:solidFill>
-                <a:latin typeface="Inconsolata Medium" panose="020B0609030003000000" pitchFamily="49" charset="77"/>
-              </a:rPr>
-              <a:t>In </a:t>
-            </a:r>
-            <a:r>
-              <a:rPr lang="en-US" b="1" dirty="0">
-                <a:latin typeface="Inconsolata Medium" panose="020B0609030003000000" pitchFamily="49" charset="77"/>
-              </a:rPr>
-              <a:t>[</a:t>
-            </a:r>
-            <a:r>
-              <a:rPr lang="en-US" b="1" dirty="0">
-                <a:solidFill>
-                  <a:srgbClr val="FF6600"/>
-                </a:solidFill>
-                <a:latin typeface="Inconsolata Medium" panose="020B0609030003000000" pitchFamily="49" charset="77"/>
-              </a:rPr>
-              <a:t>26</a:t>
-            </a:r>
-            <a:r>
-              <a:rPr lang="en-US" b="1" dirty="0">
-                <a:latin typeface="Inconsolata Medium" panose="020B0609030003000000" pitchFamily="49" charset="77"/>
-              </a:rPr>
-              <a:t>]: </a:t>
-            </a:r>
-            <a:r>
-              <a:rPr lang="en-US" b="1" dirty="0">
-                <a:solidFill>
-                  <a:srgbClr val="006699"/>
-                </a:solidFill>
-                <a:latin typeface="Inconsolata Medium" panose="020B0609030003000000" pitchFamily="49" charset="77"/>
-              </a:rPr>
-              <a:t>print</a:t>
-            </a:r>
-            <a:r>
-              <a:rPr lang="en-US" b="1" dirty="0">
-                <a:latin typeface="Inconsolata Medium" panose="020B0609030003000000" pitchFamily="49" charset="77"/>
-              </a:rPr>
-              <a:t>(</a:t>
-            </a:r>
-            <a:r>
-              <a:rPr lang="en-US" b="1" dirty="0" err="1">
-                <a:solidFill>
-                  <a:srgbClr val="000087"/>
-                </a:solidFill>
-                <a:latin typeface="Inconsolata Medium" panose="020B0609030003000000" pitchFamily="49" charset="77"/>
-              </a:rPr>
-              <a:t>return_value</a:t>
-            </a:r>
-            <a:r>
-              <a:rPr lang="en-US" b="1" dirty="0">
-                <a:latin typeface="Inconsolata Medium" panose="020B0609030003000000" pitchFamily="49" charset="77"/>
-              </a:rPr>
-              <a:t>)</a:t>
-            </a:r>
-            <a:br>
-              <a:rPr lang="en-US" b="1" dirty="0">
-                <a:latin typeface="Inconsolata Medium" panose="020B0609030003000000" pitchFamily="49" charset="77"/>
-              </a:rPr>
-            </a:br>
-            <a:r>
-              <a:rPr lang="en-US" b="1" dirty="0">
-                <a:latin typeface="Inconsolata Medium" panose="020B0609030003000000" pitchFamily="49" charset="77"/>
-              </a:rPr>
-              <a:t>None </a:t>
-            </a:r>
-          </a:p>
-          <a:p>
-            <a:pPr marL="0" indent="0">
-              <a:buNone/>
-            </a:pPr>
-            <a:endParaRPr lang="en-US" dirty="0"/>
-          </a:p>
-          <a:p>
-            <a:pPr marL="0" indent="0">
-              <a:buNone/>
-            </a:pPr>
-            <a:endParaRPr lang="en-US" dirty="0"/>
           </a:p>
           <a:p>
             <a:pPr marL="0" indent="0">
@@ -4338,7 +4369,7 @@
     </p:spTree>
     <p:extLst>
       <p:ext uri="{BB962C8B-B14F-4D97-AF65-F5344CB8AC3E}">
-        <p14:creationId xmlns:p14="http://schemas.microsoft.com/office/powerpoint/2010/main" val="1096082918"/>
+        <p14:creationId xmlns:p14="http://schemas.microsoft.com/office/powerpoint/2010/main" val="450853280"/>
       </p:ext>
     </p:extLst>
   </p:cSld>
@@ -4392,10 +4423,9 @@
           <a:lstStyle/>
           <a:p>
             <a:r>
-              <a:rPr lang="en-US" dirty="0" err="1"/>
-              <a:t>NoneType</a:t>
-            </a:r>
-            <a:endParaRPr lang="en-US" dirty="0"/>
+              <a:rPr lang="en-US" dirty="0"/>
+              <a:t>Special Characters</a:t>
+            </a:r>
           </a:p>
         </p:txBody>
       </p:sp>
@@ -4418,7 +4448,7 @@
         <p:spPr>
           <a:xfrm>
             <a:off x="483848" y="1150913"/>
-            <a:ext cx="8051725" cy="4440590"/>
+            <a:ext cx="8497782" cy="4440590"/>
           </a:xfrm>
         </p:spPr>
         <p:txBody>
@@ -4430,147 +4460,264 @@
             <a:pPr marL="0" indent="0">
               <a:buNone/>
             </a:pPr>
-            <a:endParaRPr lang="en-US"/>
-          </a:p>
-          <a:p>
-            <a:pPr marL="0" indent="0">
-              <a:buNone/>
-            </a:pPr>
-            <a:r>
-              <a:rPr lang="en-US"/>
-              <a:t>You’ll </a:t>
-            </a:r>
-            <a:r>
-              <a:rPr lang="en-US" dirty="0"/>
-              <a:t>see None used in many places, but perhaps most commonly it is used as the default return value of a function. </a:t>
-            </a:r>
-          </a:p>
-          <a:p>
-            <a:pPr marL="0" indent="0">
-              <a:buNone/>
-            </a:pPr>
-            <a:r>
-              <a:rPr lang="en-US" b="1" dirty="0">
-                <a:solidFill>
-                  <a:srgbClr val="000087"/>
-                </a:solidFill>
-                <a:latin typeface="Inconsolata Medium" panose="020B0609030003000000" pitchFamily="49" charset="77"/>
-              </a:rPr>
-              <a:t>In </a:t>
-            </a:r>
-            <a:r>
-              <a:rPr lang="en-US" b="1" dirty="0">
-                <a:latin typeface="Inconsolata Medium" panose="020B0609030003000000" pitchFamily="49" charset="77"/>
-              </a:rPr>
-              <a:t>[</a:t>
-            </a:r>
-            <a:r>
-              <a:rPr lang="en-US" b="1" dirty="0">
-                <a:solidFill>
-                  <a:srgbClr val="FF6600"/>
-                </a:solidFill>
-                <a:latin typeface="Inconsolata Medium" panose="020B0609030003000000" pitchFamily="49" charset="77"/>
-              </a:rPr>
-              <a:t>25</a:t>
-            </a:r>
-            <a:r>
-              <a:rPr lang="en-US" b="1" dirty="0">
+            <a:r>
+              <a:rPr lang="en-US" dirty="0">
+                <a:latin typeface="Gill Sans MT" panose="020B0502020104020203" pitchFamily="34" charset="77"/>
+              </a:rPr>
+              <a:t>It is not valid syntax to have a single quote inside of a single quoted string. </a:t>
+            </a:r>
+            <a:endParaRPr lang="en-US" sz="2000" dirty="0">
+              <a:solidFill>
+                <a:srgbClr val="34A327"/>
+              </a:solidFill>
+              <a:latin typeface="Menlo" panose="020B0609030804020204" pitchFamily="49" charset="0"/>
+            </a:endParaRPr>
+          </a:p>
+          <a:p>
+            <a:pPr marL="0" indent="0">
+              <a:buNone/>
+            </a:pPr>
+            <a:r>
+              <a:rPr lang="en-US" sz="2000" b="1" dirty="0">
+                <a:solidFill>
+                  <a:srgbClr val="34A327"/>
+                </a:solidFill>
+                <a:latin typeface="Inconsolata Medium" panose="020B0609030003000000" pitchFamily="49" charset="77"/>
+              </a:rPr>
+              <a:t>In [</a:t>
+            </a:r>
+            <a:r>
+              <a:rPr lang="en-US" sz="2000" b="1" dirty="0">
+                <a:solidFill>
+                  <a:srgbClr val="2EE721"/>
+                </a:solidFill>
+                <a:latin typeface="Inconsolata Medium" panose="020B0609030003000000" pitchFamily="49" charset="77"/>
+              </a:rPr>
+              <a:t>1</a:t>
+            </a:r>
+            <a:r>
+              <a:rPr lang="en-US" sz="2000" b="1" dirty="0">
+                <a:solidFill>
+                  <a:srgbClr val="34A327"/>
+                </a:solidFill>
                 <a:latin typeface="Inconsolata Medium" panose="020B0609030003000000" pitchFamily="49" charset="77"/>
               </a:rPr>
               <a:t>]: </a:t>
             </a:r>
             <a:r>
-              <a:rPr lang="en-US" b="1" dirty="0" err="1">
-                <a:solidFill>
-                  <a:srgbClr val="000087"/>
-                </a:solidFill>
-                <a:latin typeface="Inconsolata Medium" panose="020B0609030003000000" pitchFamily="49" charset="77"/>
-              </a:rPr>
-              <a:t>return_value</a:t>
-            </a:r>
-            <a:r>
-              <a:rPr lang="en-US" b="1" dirty="0">
-                <a:solidFill>
-                  <a:srgbClr val="000087"/>
+              <a:rPr lang="en-US" sz="2000" b="1" dirty="0">
+                <a:solidFill>
+                  <a:srgbClr val="CD7923"/>
+                </a:solidFill>
+                <a:latin typeface="Inconsolata Medium" panose="020B0609030003000000" pitchFamily="49" charset="77"/>
+              </a:rPr>
+              <a:t>‘that’s not legal’</a:t>
+            </a:r>
+            <a:r>
+              <a:rPr lang="en-US" sz="2000" b="1" dirty="0">
+                <a:solidFill>
+                  <a:srgbClr val="000000"/>
+                </a:solidFill>
+                <a:latin typeface="Inconsolata Medium" panose="020B0609030003000000" pitchFamily="49" charset="77"/>
+              </a:rPr>
+              <a:t>                       </a:t>
+            </a:r>
+          </a:p>
+          <a:p>
+            <a:pPr marL="0" indent="0">
+              <a:buNone/>
+            </a:pPr>
+            <a:r>
+              <a:rPr lang="en-US" sz="2000" b="1" dirty="0">
+                <a:solidFill>
+                  <a:srgbClr val="33BBC8"/>
+                </a:solidFill>
+                <a:latin typeface="Inconsolata Medium" panose="020B0609030003000000" pitchFamily="49" charset="77"/>
+              </a:rPr>
+              <a:t>  File </a:t>
+            </a:r>
+            <a:r>
+              <a:rPr lang="en-US" sz="2000" b="1" dirty="0">
+                <a:solidFill>
+                  <a:srgbClr val="34BC26"/>
+                </a:solidFill>
+                <a:latin typeface="Inconsolata Medium" panose="020B0609030003000000" pitchFamily="49" charset="77"/>
+              </a:rPr>
+              <a:t>"&lt;ipython-input-7-2762381d46b7&gt;"</a:t>
+            </a:r>
+            <a:r>
+              <a:rPr lang="en-US" sz="2000" b="1" dirty="0">
+                <a:solidFill>
+                  <a:srgbClr val="33BBC8"/>
+                </a:solidFill>
+                <a:latin typeface="Inconsolata Medium" panose="020B0609030003000000" pitchFamily="49" charset="77"/>
+              </a:rPr>
+              <a:t>, line </a:t>
+            </a:r>
+            <a:r>
+              <a:rPr lang="en-US" sz="2000" b="1" dirty="0">
+                <a:solidFill>
+                  <a:srgbClr val="34BC26"/>
+                </a:solidFill>
+                <a:latin typeface="Inconsolata Medium" panose="020B0609030003000000" pitchFamily="49" charset="77"/>
+              </a:rPr>
+              <a:t>1</a:t>
+            </a:r>
+          </a:p>
+          <a:p>
+            <a:pPr marL="0" indent="0">
+              <a:buNone/>
+            </a:pPr>
+            <a:r>
+              <a:rPr lang="en-US" sz="2000" b="1" dirty="0">
+                <a:solidFill>
+                  <a:srgbClr val="C33720"/>
+                </a:solidFill>
+                <a:latin typeface="Inconsolata Medium" panose="020B0609030003000000" pitchFamily="49" charset="77"/>
+              </a:rPr>
+              <a:t>    'that's not legal'</a:t>
+            </a:r>
+          </a:p>
+          <a:p>
+            <a:pPr marL="0" indent="0">
+              <a:buNone/>
+            </a:pPr>
+            <a:r>
+              <a:rPr lang="en-US" sz="2000" b="1" dirty="0">
+                <a:solidFill>
+                  <a:srgbClr val="000000"/>
+                </a:solidFill>
+                <a:latin typeface="Inconsolata Medium" panose="020B0609030003000000" pitchFamily="49" charset="77"/>
+              </a:rPr>
+              <a:t>          ^</a:t>
+            </a:r>
+          </a:p>
+          <a:p>
+            <a:pPr marL="0" indent="0">
+              <a:buNone/>
+            </a:pPr>
+            <a:r>
+              <a:rPr lang="en-US" sz="2000" b="1" dirty="0" err="1">
+                <a:solidFill>
+                  <a:srgbClr val="C33720"/>
+                </a:solidFill>
+                <a:latin typeface="Inconsolata Medium" panose="020B0609030003000000" pitchFamily="49" charset="77"/>
+              </a:rPr>
+              <a:t>SyntaxError</a:t>
+            </a:r>
+            <a:r>
+              <a:rPr lang="en-US" sz="2000" b="1" dirty="0">
+                <a:solidFill>
+                  <a:srgbClr val="C33720"/>
+                </a:solidFill>
+                <a:latin typeface="Inconsolata Medium" panose="020B0609030003000000" pitchFamily="49" charset="77"/>
+              </a:rPr>
+              <a:t>:</a:t>
+            </a:r>
+            <a:r>
+              <a:rPr lang="en-US" sz="2000" b="1" dirty="0">
+                <a:solidFill>
+                  <a:srgbClr val="000000"/>
+                </a:solidFill>
+                <a:latin typeface="Inconsolata Medium" panose="020B0609030003000000" pitchFamily="49" charset="77"/>
+              </a:rPr>
+              <a:t> invalid syntax</a:t>
+            </a:r>
+          </a:p>
+          <a:p>
+            <a:pPr marL="0" indent="0">
+              <a:buNone/>
+            </a:pPr>
+            <a:endParaRPr lang="en-US" sz="1900" b="1" dirty="0">
+              <a:latin typeface="Inconsolata Medium" panose="020B0609030003000000" pitchFamily="49" charset="77"/>
+            </a:endParaRPr>
+          </a:p>
+          <a:p>
+            <a:pPr marL="0" indent="0">
+              <a:buNone/>
+            </a:pPr>
+            <a:r>
+              <a:rPr lang="en-US" sz="1900" b="1" dirty="0">
+                <a:latin typeface="Inconsolata Medium" panose="020B0609030003000000" pitchFamily="49" charset="77"/>
+              </a:rPr>
+              <a:t>Instead, we can use double quotes outside the string.</a:t>
+            </a:r>
+          </a:p>
+          <a:p>
+            <a:pPr marL="0" indent="0">
+              <a:buNone/>
+            </a:pPr>
+            <a:endParaRPr lang="en-US" sz="1700" b="1" dirty="0">
+              <a:solidFill>
+                <a:srgbClr val="34A327"/>
+              </a:solidFill>
+              <a:latin typeface="Inconsolata Medium" panose="020B0609030003000000" pitchFamily="49" charset="77"/>
+            </a:endParaRPr>
+          </a:p>
+          <a:p>
+            <a:pPr marL="0" indent="0">
+              <a:buNone/>
+            </a:pPr>
+            <a:r>
+              <a:rPr lang="en-US" sz="1700" b="1" dirty="0">
+                <a:solidFill>
+                  <a:srgbClr val="34A327"/>
+                </a:solidFill>
+                <a:latin typeface="Inconsolata Medium" panose="020B0609030003000000" pitchFamily="49" charset="77"/>
+              </a:rPr>
+              <a:t>In [2]: print(</a:t>
+            </a:r>
+            <a:r>
+              <a:rPr lang="en-US" sz="1700" b="1" dirty="0">
+                <a:solidFill>
+                  <a:srgbClr val="CD7923"/>
+                </a:solidFill>
+                <a:latin typeface="Inconsolata Medium" panose="020B0609030003000000" pitchFamily="49" charset="77"/>
+              </a:rPr>
+              <a:t>“It’s legal to do this.”, ‘And he said, “This is ok.”’</a:t>
+            </a:r>
+            <a:r>
+              <a:rPr lang="en-US" sz="1700" b="1" dirty="0">
+                <a:solidFill>
+                  <a:srgbClr val="34A327"/>
+                </a:solidFill>
+                <a:latin typeface="Inconsolata Medium" panose="020B0609030003000000" pitchFamily="49" charset="77"/>
+              </a:rPr>
+              <a:t>)</a:t>
+            </a:r>
+            <a:r>
+              <a:rPr lang="en-US" sz="1700" b="1" dirty="0">
+                <a:solidFill>
+                  <a:srgbClr val="CD7923"/>
                 </a:solidFill>
                 <a:latin typeface="Inconsolata Medium" panose="020B0609030003000000" pitchFamily="49" charset="77"/>
               </a:rPr>
               <a:t> </a:t>
             </a:r>
             <a:r>
-              <a:rPr lang="en-US" b="1" dirty="0">
-                <a:solidFill>
-                  <a:srgbClr val="545454"/>
-                </a:solidFill>
-                <a:latin typeface="Inconsolata Medium" panose="020B0609030003000000" pitchFamily="49" charset="77"/>
-              </a:rPr>
-              <a:t>= </a:t>
-            </a:r>
-            <a:r>
-              <a:rPr lang="en-US" b="1" dirty="0">
-                <a:solidFill>
-                  <a:srgbClr val="006699"/>
-                </a:solidFill>
-                <a:latin typeface="Inconsolata Medium" panose="020B0609030003000000" pitchFamily="49" charset="77"/>
-              </a:rPr>
-              <a:t>print</a:t>
-            </a:r>
-            <a:r>
-              <a:rPr lang="en-US" b="1" dirty="0">
-                <a:latin typeface="Inconsolata Medium" panose="020B0609030003000000" pitchFamily="49" charset="77"/>
-              </a:rPr>
-              <a:t>(</a:t>
-            </a:r>
-            <a:r>
-              <a:rPr lang="en-US" b="1" dirty="0">
-                <a:solidFill>
-                  <a:srgbClr val="CC3300"/>
-                </a:solidFill>
-                <a:latin typeface="Inconsolata Medium" panose="020B0609030003000000" pitchFamily="49" charset="77"/>
-              </a:rPr>
-              <a:t>'</a:t>
-            </a:r>
-            <a:r>
-              <a:rPr lang="en-US" b="1" dirty="0" err="1">
-                <a:solidFill>
-                  <a:srgbClr val="CC3300"/>
-                </a:solidFill>
-                <a:latin typeface="Inconsolata Medium" panose="020B0609030003000000" pitchFamily="49" charset="77"/>
-              </a:rPr>
-              <a:t>abc</a:t>
-            </a:r>
-            <a:r>
-              <a:rPr lang="en-US" b="1" dirty="0">
-                <a:solidFill>
-                  <a:srgbClr val="CC3300"/>
-                </a:solidFill>
-                <a:latin typeface="Inconsolata Medium" panose="020B0609030003000000" pitchFamily="49" charset="77"/>
-              </a:rPr>
-              <a:t>’</a:t>
-            </a:r>
-            <a:r>
-              <a:rPr lang="en-US" b="1" dirty="0">
-                <a:latin typeface="Inconsolata Medium" panose="020B0609030003000000" pitchFamily="49" charset="77"/>
-              </a:rPr>
-              <a:t>) </a:t>
-            </a:r>
-          </a:p>
-          <a:p>
-            <a:pPr marL="0" indent="0">
-              <a:buNone/>
-            </a:pPr>
-            <a:r>
-              <a:rPr lang="en-US" b="1" dirty="0" err="1">
-                <a:latin typeface="Inconsolata Medium" panose="020B0609030003000000" pitchFamily="49" charset="77"/>
-              </a:rPr>
-              <a:t>abc</a:t>
-            </a:r>
-            <a:br>
-              <a:rPr lang="en-US" b="1" dirty="0">
-                <a:latin typeface="Inconsolata Medium" panose="020B0609030003000000" pitchFamily="49" charset="77"/>
-              </a:rPr>
-            </a:br>
-            <a:endParaRPr lang="en-US" b="1" dirty="0">
+              <a:rPr lang="en-US" sz="1700" b="1" dirty="0">
+                <a:solidFill>
+                  <a:srgbClr val="000000"/>
+                </a:solidFill>
+                <a:latin typeface="Inconsolata Medium" panose="020B0609030003000000" pitchFamily="49" charset="77"/>
+              </a:rPr>
+              <a:t>   </a:t>
+            </a:r>
+          </a:p>
+          <a:p>
+            <a:pPr marL="0" indent="0">
+              <a:buNone/>
+            </a:pPr>
+            <a:r>
+              <a:rPr lang="en-US" sz="1800" b="1" dirty="0">
+                <a:latin typeface="Inconsolata Medium" panose="020B0609030003000000" pitchFamily="49" charset="77"/>
+              </a:rPr>
+              <a:t>It’s legal to do this. And he said, “this is ok.” </a:t>
+            </a:r>
+            <a:endParaRPr lang="en-US" sz="1800" b="1" dirty="0">
+              <a:solidFill>
+                <a:srgbClr val="000000"/>
+              </a:solidFill>
               <a:latin typeface="Inconsolata Medium" panose="020B0609030003000000" pitchFamily="49" charset="77"/>
             </a:endParaRPr>
           </a:p>
@@ -4579,88 +4726,14 @@
               <a:buNone/>
             </a:pPr>
             <a:r>
-              <a:rPr lang="en-US" b="1" dirty="0">
-                <a:solidFill>
-                  <a:srgbClr val="000087"/>
-                </a:solidFill>
-                <a:latin typeface="Inconsolata Medium" panose="020B0609030003000000" pitchFamily="49" charset="77"/>
-              </a:rPr>
-              <a:t>In </a:t>
-            </a:r>
-            <a:r>
-              <a:rPr lang="en-US" b="1" dirty="0">
-                <a:latin typeface="Inconsolata Medium" panose="020B0609030003000000" pitchFamily="49" charset="77"/>
-              </a:rPr>
-              <a:t>[</a:t>
-            </a:r>
-            <a:r>
-              <a:rPr lang="en-US" b="1" dirty="0">
-                <a:solidFill>
-                  <a:srgbClr val="FF6600"/>
-                </a:solidFill>
-                <a:latin typeface="Inconsolata Medium" panose="020B0609030003000000" pitchFamily="49" charset="77"/>
-              </a:rPr>
-              <a:t>26</a:t>
-            </a:r>
-            <a:r>
-              <a:rPr lang="en-US" b="1" dirty="0">
-                <a:latin typeface="Inconsolata Medium" panose="020B0609030003000000" pitchFamily="49" charset="77"/>
-              </a:rPr>
-              <a:t>]: </a:t>
-            </a:r>
-            <a:r>
-              <a:rPr lang="en-US" b="1" dirty="0">
-                <a:solidFill>
-                  <a:srgbClr val="006699"/>
-                </a:solidFill>
-                <a:latin typeface="Inconsolata Medium" panose="020B0609030003000000" pitchFamily="49" charset="77"/>
-              </a:rPr>
-              <a:t>print</a:t>
-            </a:r>
-            <a:r>
-              <a:rPr lang="en-US" b="1" dirty="0">
-                <a:latin typeface="Inconsolata Medium" panose="020B0609030003000000" pitchFamily="49" charset="77"/>
-              </a:rPr>
-              <a:t>(</a:t>
-            </a:r>
-            <a:r>
-              <a:rPr lang="en-US" b="1" dirty="0" err="1">
-                <a:solidFill>
-                  <a:srgbClr val="000087"/>
-                </a:solidFill>
-                <a:latin typeface="Inconsolata Medium" panose="020B0609030003000000" pitchFamily="49" charset="77"/>
-              </a:rPr>
-              <a:t>return_value</a:t>
-            </a:r>
-            <a:r>
-              <a:rPr lang="en-US" b="1" dirty="0">
-                <a:latin typeface="Inconsolata Medium" panose="020B0609030003000000" pitchFamily="49" charset="77"/>
-              </a:rPr>
-              <a:t>)</a:t>
-            </a:r>
-            <a:br>
-              <a:rPr lang="en-US" b="1" dirty="0">
-                <a:latin typeface="Inconsolata Medium" panose="020B0609030003000000" pitchFamily="49" charset="77"/>
-              </a:rPr>
-            </a:br>
-            <a:r>
-              <a:rPr lang="en-US" b="1" dirty="0">
-                <a:latin typeface="Inconsolata Medium" panose="020B0609030003000000" pitchFamily="49" charset="77"/>
-              </a:rPr>
-              <a:t>None </a:t>
-            </a:r>
-          </a:p>
-          <a:p>
-            <a:pPr marL="0" indent="0">
-              <a:buNone/>
-            </a:pPr>
-            <a:endParaRPr lang="en-US" dirty="0"/>
-          </a:p>
-          <a:p>
-            <a:pPr marL="0" indent="0">
-              <a:buNone/>
-            </a:pPr>
-            <a:endParaRPr lang="en-US" dirty="0"/>
+              <a:rPr lang="en-US" sz="1800" b="1" dirty="0">
+                <a:solidFill>
+                  <a:srgbClr val="000000"/>
+                </a:solidFill>
+                <a:latin typeface="Inconsolata Medium" panose="020B0609030003000000" pitchFamily="49" charset="77"/>
+              </a:rPr>
+              <a:t>                   </a:t>
+            </a:r>
           </a:p>
           <a:p>
             <a:pPr marL="0" indent="0">
@@ -4675,7 +4748,7 @@
     </p:spTree>
     <p:extLst>
       <p:ext uri="{BB962C8B-B14F-4D97-AF65-F5344CB8AC3E}">
-        <p14:creationId xmlns:p14="http://schemas.microsoft.com/office/powerpoint/2010/main" val="1714696104"/>
+        <p14:creationId xmlns:p14="http://schemas.microsoft.com/office/powerpoint/2010/main" val="3888808614"/>
       </p:ext>
     </p:extLst>
   </p:cSld>
@@ -4730,6 +4803,954 @@
           <a:p>
             <a:r>
               <a:rPr lang="en-US" dirty="0"/>
+              <a:t>Escape Sequence</a:t>
+            </a:r>
+          </a:p>
+        </p:txBody>
+      </p:sp>
+      <p:sp>
+        <p:nvSpPr>
+          <p:cNvPr id="9" name="Content Placeholder 8">
+            <a:extLst>
+              <a:ext uri="{FF2B5EF4-FFF2-40B4-BE49-F238E27FC236}">
+                <a16:creationId xmlns:a16="http://schemas.microsoft.com/office/drawing/2014/main" id="{E3B2E017-30B2-884B-A113-B419A2ED51AD}"/>
+              </a:ext>
+            </a:extLst>
+          </p:cNvPr>
+          <p:cNvSpPr>
+            <a:spLocks noGrp="1"/>
+          </p:cNvSpPr>
+          <p:nvPr>
+            <p:ph idx="1"/>
+          </p:nvPr>
+        </p:nvSpPr>
+        <p:spPr>
+          <a:xfrm>
+            <a:off x="483848" y="1150913"/>
+            <a:ext cx="8497782" cy="4440590"/>
+          </a:xfrm>
+        </p:spPr>
+        <p:txBody>
+          <a:bodyPr>
+            <a:noAutofit/>
+          </a:bodyPr>
+          <a:lstStyle/>
+          <a:p>
+            <a:pPr marL="0" indent="0">
+              <a:spcBef>
+                <a:spcPts val="600"/>
+              </a:spcBef>
+              <a:buFontTx/>
+              <a:buNone/>
+            </a:pPr>
+            <a:endParaRPr lang="en-GB" altLang="en-US" b="1" dirty="0">
+              <a:ea typeface="ＭＳ Ｐゴシック" panose="020B0600070205080204" pitchFamily="34" charset="-128"/>
+            </a:endParaRPr>
+          </a:p>
+          <a:p>
+            <a:pPr marL="0" indent="0">
+              <a:spcBef>
+                <a:spcPts val="600"/>
+              </a:spcBef>
+              <a:buFontTx/>
+              <a:buNone/>
+            </a:pPr>
+            <a:r>
+              <a:rPr lang="en-GB" altLang="en-US" b="1" dirty="0">
+                <a:ea typeface="ＭＳ Ｐゴシック" panose="020B0600070205080204" pitchFamily="34" charset="-128"/>
+              </a:rPr>
+              <a:t>Escape sequence </a:t>
+            </a:r>
+            <a:r>
+              <a:rPr lang="en-GB" altLang="en-US" dirty="0">
+                <a:ea typeface="ＭＳ Ｐゴシック" panose="020B0600070205080204" pitchFamily="34" charset="-128"/>
+              </a:rPr>
+              <a:t>is a special sequence of characters used to represent certain special characters in a string.</a:t>
+            </a:r>
+            <a:br>
+              <a:rPr lang="en-GB" altLang="en-US" dirty="0">
+                <a:ea typeface="ＭＳ Ｐゴシック" panose="020B0600070205080204" pitchFamily="34" charset="-128"/>
+              </a:rPr>
+            </a:br>
+            <a:endParaRPr lang="en-GB" altLang="en-US" sz="700" dirty="0">
+              <a:ea typeface="ＭＳ Ｐゴシック" panose="020B0600070205080204" pitchFamily="34" charset="-128"/>
+            </a:endParaRPr>
+          </a:p>
+          <a:p>
+            <a:pPr lvl="1">
+              <a:spcBef>
+                <a:spcPts val="500"/>
+              </a:spcBef>
+              <a:buFontTx/>
+              <a:buNone/>
+            </a:pPr>
+            <a:r>
+              <a:rPr lang="en-GB" altLang="en-US" dirty="0">
+                <a:latin typeface="Courier New" panose="02070309020205020404" pitchFamily="49" charset="0"/>
+                <a:ea typeface="ＭＳ Ｐゴシック" panose="020B0600070205080204" pitchFamily="34" charset="-128"/>
+              </a:rPr>
+              <a:t> \n	</a:t>
+            </a:r>
+            <a:r>
+              <a:rPr lang="en-GB" altLang="en-US" dirty="0">
+                <a:ea typeface="ＭＳ Ｐゴシック" panose="020B0600070205080204" pitchFamily="34" charset="-128"/>
+              </a:rPr>
+              <a:t>new line character</a:t>
+            </a:r>
+          </a:p>
+          <a:p>
+            <a:pPr lvl="1">
+              <a:spcBef>
+                <a:spcPts val="500"/>
+              </a:spcBef>
+              <a:buFontTx/>
+              <a:buNone/>
+            </a:pPr>
+            <a:r>
+              <a:rPr lang="en-GB" altLang="en-US" dirty="0">
+                <a:latin typeface="Courier New" panose="02070309020205020404" pitchFamily="49" charset="0"/>
+                <a:ea typeface="ＭＳ Ｐゴシック" panose="020B0600070205080204" pitchFamily="34" charset="-128"/>
+              </a:rPr>
+              <a:t>	\”	</a:t>
+            </a:r>
+            <a:r>
+              <a:rPr lang="en-GB" altLang="en-US" dirty="0">
+                <a:ea typeface="ＭＳ Ｐゴシック" panose="020B0600070205080204" pitchFamily="34" charset="-128"/>
+              </a:rPr>
+              <a:t>double quote</a:t>
+            </a:r>
+          </a:p>
+          <a:p>
+            <a:pPr lvl="1">
+              <a:spcBef>
+                <a:spcPts val="500"/>
+              </a:spcBef>
+              <a:buNone/>
+            </a:pPr>
+            <a:r>
+              <a:rPr lang="en-GB" altLang="en-US" dirty="0">
+                <a:latin typeface="Courier New" panose="02070309020205020404" pitchFamily="49" charset="0"/>
+                <a:ea typeface="ＭＳ Ｐゴシック" panose="020B0600070205080204" pitchFamily="34" charset="-128"/>
+              </a:rPr>
+              <a:t>	\’	</a:t>
+            </a:r>
+            <a:r>
+              <a:rPr lang="en-GB" altLang="en-US" dirty="0">
+                <a:ea typeface="ＭＳ Ｐゴシック" panose="020B0600070205080204" pitchFamily="34" charset="-128"/>
+              </a:rPr>
+              <a:t>single quote</a:t>
+            </a:r>
+          </a:p>
+          <a:p>
+            <a:pPr lvl="1">
+              <a:spcBef>
+                <a:spcPts val="500"/>
+              </a:spcBef>
+              <a:buFontTx/>
+              <a:buNone/>
+            </a:pPr>
+            <a:r>
+              <a:rPr lang="en-GB" altLang="en-US" dirty="0">
+                <a:latin typeface="Courier New" panose="02070309020205020404" pitchFamily="49" charset="0"/>
+                <a:ea typeface="ＭＳ Ｐゴシック" panose="020B0600070205080204" pitchFamily="34" charset="-128"/>
+              </a:rPr>
+              <a:t>	\\	</a:t>
+            </a:r>
+            <a:r>
+              <a:rPr lang="en-GB" altLang="en-US" dirty="0">
+                <a:ea typeface="ＭＳ Ｐゴシック" panose="020B0600070205080204" pitchFamily="34" charset="-128"/>
+              </a:rPr>
+              <a:t>backslash character</a:t>
+            </a:r>
+          </a:p>
+          <a:p>
+            <a:pPr lvl="1">
+              <a:spcBef>
+                <a:spcPts val="500"/>
+              </a:spcBef>
+              <a:buNone/>
+            </a:pPr>
+            <a:r>
+              <a:rPr lang="en-GB" altLang="en-US" dirty="0">
+                <a:latin typeface="Courier New" panose="02070309020205020404" pitchFamily="49" charset="0"/>
+                <a:ea typeface="ＭＳ Ｐゴシック" panose="020B0600070205080204" pitchFamily="34" charset="-128"/>
+              </a:rPr>
+              <a:t>	\t	</a:t>
+            </a:r>
+            <a:r>
+              <a:rPr lang="en-GB" altLang="en-US" dirty="0">
+                <a:ea typeface="ＭＳ Ｐゴシック" panose="020B0600070205080204" pitchFamily="34" charset="-128"/>
+              </a:rPr>
+              <a:t>tab</a:t>
+            </a:r>
+          </a:p>
+          <a:p>
+            <a:pPr lvl="1">
+              <a:spcBef>
+                <a:spcPts val="500"/>
+              </a:spcBef>
+              <a:buFontTx/>
+              <a:buNone/>
+            </a:pPr>
+            <a:endParaRPr lang="en-GB" altLang="en-US" dirty="0">
+              <a:ea typeface="ＭＳ Ｐゴシック" panose="020B0600070205080204" pitchFamily="34" charset="-128"/>
+            </a:endParaRPr>
+          </a:p>
+        </p:txBody>
+      </p:sp>
+    </p:spTree>
+    <p:extLst>
+      <p:ext uri="{BB962C8B-B14F-4D97-AF65-F5344CB8AC3E}">
+        <p14:creationId xmlns:p14="http://schemas.microsoft.com/office/powerpoint/2010/main" val="1027235231"/>
+      </p:ext>
+    </p:extLst>
+  </p:cSld>
+  <p:clrMapOvr>
+    <a:masterClrMapping/>
+  </p:clrMapOvr>
+</p:sld>
+</file>
+
+<file path=ppt/slides/slide14.xml><?xml version="1.0" encoding="utf-8"?>
+<p:sld xmlns:a="http://schemas.openxmlformats.org/drawingml/2006/main" xmlns:r="http://schemas.openxmlformats.org/officeDocument/2006/relationships" xmlns:p="http://schemas.openxmlformats.org/presentationml/2006/main">
+  <p:cSld>
+    <p:spTree>
+      <p:nvGrpSpPr>
+        <p:cNvPr id="1" name=""/>
+        <p:cNvGrpSpPr/>
+        <p:nvPr/>
+      </p:nvGrpSpPr>
+      <p:grpSpPr>
+        <a:xfrm>
+          <a:off x="0" y="0"/>
+          <a:ext cx="0" cy="0"/>
+          <a:chOff x="0" y="0"/>
+          <a:chExt cx="0" cy="0"/>
+        </a:xfrm>
+      </p:grpSpPr>
+      <p:sp>
+        <p:nvSpPr>
+          <p:cNvPr id="2" name="Title 1">
+            <a:extLst>
+              <a:ext uri="{FF2B5EF4-FFF2-40B4-BE49-F238E27FC236}">
+                <a16:creationId xmlns:a16="http://schemas.microsoft.com/office/drawing/2014/main" id="{AA3A228F-61D0-D949-A5E7-F83756230BF8}"/>
+              </a:ext>
+            </a:extLst>
+          </p:cNvPr>
+          <p:cNvSpPr>
+            <a:spLocks noGrp="1"/>
+          </p:cNvSpPr>
+          <p:nvPr>
+            <p:ph type="title"/>
+          </p:nvPr>
+        </p:nvSpPr>
+        <p:spPr>
+          <a:xfrm>
+            <a:off x="483848" y="467027"/>
+            <a:ext cx="7053542" cy="683886"/>
+          </a:xfrm>
+        </p:spPr>
+        <p:txBody>
+          <a:bodyPr/>
+          <a:lstStyle/>
+          <a:p>
+            <a:r>
+              <a:rPr lang="en-US" dirty="0"/>
+              <a:t>Escape Sequence</a:t>
+            </a:r>
+          </a:p>
+        </p:txBody>
+      </p:sp>
+      <p:sp>
+        <p:nvSpPr>
+          <p:cNvPr id="9" name="Content Placeholder 8">
+            <a:extLst>
+              <a:ext uri="{FF2B5EF4-FFF2-40B4-BE49-F238E27FC236}">
+                <a16:creationId xmlns:a16="http://schemas.microsoft.com/office/drawing/2014/main" id="{E3B2E017-30B2-884B-A113-B419A2ED51AD}"/>
+              </a:ext>
+            </a:extLst>
+          </p:cNvPr>
+          <p:cNvSpPr>
+            <a:spLocks noGrp="1"/>
+          </p:cNvSpPr>
+          <p:nvPr>
+            <p:ph idx="1"/>
+          </p:nvPr>
+        </p:nvSpPr>
+        <p:spPr>
+          <a:xfrm>
+            <a:off x="483848" y="1150913"/>
+            <a:ext cx="8497782" cy="4440590"/>
+          </a:xfrm>
+        </p:spPr>
+        <p:txBody>
+          <a:bodyPr>
+            <a:noAutofit/>
+          </a:bodyPr>
+          <a:lstStyle/>
+          <a:p>
+            <a:pPr marL="0" indent="0">
+              <a:spcBef>
+                <a:spcPts val="600"/>
+              </a:spcBef>
+              <a:buFontTx/>
+              <a:buNone/>
+            </a:pPr>
+            <a:endParaRPr lang="en-GB" altLang="en-US" dirty="0">
+              <a:ea typeface="ＭＳ Ｐゴシック" panose="020B0600070205080204" pitchFamily="34" charset="-128"/>
+            </a:endParaRPr>
+          </a:p>
+          <a:p>
+            <a:pPr marL="0" indent="0">
+              <a:spcBef>
+                <a:spcPts val="600"/>
+              </a:spcBef>
+              <a:buFontTx/>
+              <a:buNone/>
+            </a:pPr>
+            <a:r>
+              <a:rPr lang="en-GB" altLang="en-US" dirty="0">
+                <a:ea typeface="ＭＳ Ｐゴシック" panose="020B0600070205080204" pitchFamily="34" charset="-128"/>
+              </a:rPr>
+              <a:t>What is the output?</a:t>
+            </a:r>
+          </a:p>
+          <a:p>
+            <a:pPr marL="0" indent="0">
+              <a:buNone/>
+            </a:pPr>
+            <a:endParaRPr lang="en-US" sz="2000" b="1" dirty="0">
+              <a:solidFill>
+                <a:srgbClr val="34A327"/>
+              </a:solidFill>
+              <a:latin typeface="Inconsolata Medium" panose="020B0609030003000000" pitchFamily="49" charset="77"/>
+            </a:endParaRPr>
+          </a:p>
+          <a:p>
+            <a:pPr marL="0" indent="0">
+              <a:buNone/>
+            </a:pPr>
+            <a:r>
+              <a:rPr lang="en-US" sz="1900" b="1" dirty="0">
+                <a:solidFill>
+                  <a:srgbClr val="34A327"/>
+                </a:solidFill>
+                <a:latin typeface="Inconsolata Medium" panose="020B0609030003000000" pitchFamily="49" charset="77"/>
+              </a:rPr>
+              <a:t>In [</a:t>
+            </a:r>
+            <a:r>
+              <a:rPr lang="en-US" sz="1900" b="1" dirty="0">
+                <a:solidFill>
+                  <a:srgbClr val="2EE721"/>
+                </a:solidFill>
+                <a:latin typeface="Inconsolata Medium" panose="020B0609030003000000" pitchFamily="49" charset="77"/>
+              </a:rPr>
+              <a:t>11</a:t>
+            </a:r>
+            <a:r>
+              <a:rPr lang="en-US" sz="1900" b="1" dirty="0">
+                <a:solidFill>
+                  <a:srgbClr val="34A327"/>
+                </a:solidFill>
+                <a:latin typeface="Inconsolata Medium" panose="020B0609030003000000" pitchFamily="49" charset="77"/>
+              </a:rPr>
+              <a:t>]: print</a:t>
+            </a:r>
+            <a:r>
+              <a:rPr lang="en-US" sz="1900" b="1" dirty="0">
+                <a:solidFill>
+                  <a:srgbClr val="000000"/>
+                </a:solidFill>
+                <a:latin typeface="Inconsolata Medium" panose="020B0609030003000000" pitchFamily="49" charset="77"/>
+              </a:rPr>
+              <a:t>(</a:t>
+            </a:r>
+            <a:r>
+              <a:rPr lang="en-US" sz="1900" b="1" dirty="0">
+                <a:solidFill>
+                  <a:srgbClr val="CD7923"/>
+                </a:solidFill>
+                <a:latin typeface="Inconsolata Medium" panose="020B0609030003000000" pitchFamily="49" charset="77"/>
+              </a:rPr>
+              <a:t>“How \</a:t>
+            </a:r>
+            <a:r>
+              <a:rPr lang="en-US" sz="1900" b="1" dirty="0" err="1">
+                <a:solidFill>
+                  <a:srgbClr val="CD7923"/>
+                </a:solidFill>
+                <a:latin typeface="Inconsolata Medium" panose="020B0609030003000000" pitchFamily="49" charset="77"/>
+              </a:rPr>
+              <a:t>tmany</a:t>
+            </a:r>
+            <a:r>
+              <a:rPr lang="en-US" sz="1900" b="1" dirty="0">
+                <a:solidFill>
+                  <a:srgbClr val="CD7923"/>
+                </a:solidFill>
+                <a:latin typeface="Inconsolata Medium" panose="020B0609030003000000" pitchFamily="49" charset="77"/>
+              </a:rPr>
+              <a:t> \‘lines\’\n are\n shown\n \“here\”?”</a:t>
+            </a:r>
+            <a:r>
+              <a:rPr lang="en-US" sz="1900" b="1" dirty="0">
+                <a:solidFill>
+                  <a:srgbClr val="000000"/>
+                </a:solidFill>
+                <a:latin typeface="Inconsolata Medium" panose="020B0609030003000000" pitchFamily="49" charset="77"/>
+              </a:rPr>
+              <a:t>)</a:t>
+            </a:r>
+            <a:r>
+              <a:rPr lang="en-US" sz="1900" b="1" dirty="0">
+                <a:solidFill>
+                  <a:srgbClr val="CD7923"/>
+                </a:solidFill>
+                <a:latin typeface="Inconsolata Medium" panose="020B0609030003000000" pitchFamily="49" charset="77"/>
+              </a:rPr>
+              <a:t>  </a:t>
+            </a:r>
+          </a:p>
+          <a:p>
+            <a:pPr marL="0" indent="0">
+              <a:buNone/>
+            </a:pPr>
+            <a:r>
+              <a:rPr lang="en-US" sz="2000" b="1" dirty="0">
+                <a:solidFill>
+                  <a:srgbClr val="000000"/>
+                </a:solidFill>
+                <a:latin typeface="Inconsolata Medium" panose="020B0609030003000000" pitchFamily="49" charset="77"/>
+              </a:rPr>
+              <a:t>                                            </a:t>
+            </a:r>
+          </a:p>
+          <a:p>
+            <a:pPr marL="0" indent="0">
+              <a:buNone/>
+            </a:pPr>
+            <a:r>
+              <a:rPr lang="en-US" sz="2000" b="1" dirty="0">
+                <a:solidFill>
+                  <a:srgbClr val="000000"/>
+                </a:solidFill>
+                <a:latin typeface="Inconsolata Medium" panose="020B0609030003000000" pitchFamily="49" charset="77"/>
+              </a:rPr>
+              <a:t>How     many ‘lines’</a:t>
+            </a:r>
+          </a:p>
+          <a:p>
+            <a:pPr marL="0" indent="0">
+              <a:buNone/>
+            </a:pPr>
+            <a:r>
+              <a:rPr lang="en-US" sz="2000" b="1" dirty="0">
+                <a:solidFill>
+                  <a:srgbClr val="000000"/>
+                </a:solidFill>
+                <a:latin typeface="Inconsolata Medium" panose="020B0609030003000000" pitchFamily="49" charset="77"/>
+              </a:rPr>
+              <a:t>are</a:t>
+            </a:r>
+          </a:p>
+          <a:p>
+            <a:pPr marL="0" indent="0">
+              <a:buNone/>
+            </a:pPr>
+            <a:r>
+              <a:rPr lang="en-US" sz="2000" b="1" dirty="0">
+                <a:solidFill>
+                  <a:srgbClr val="000000"/>
+                </a:solidFill>
+                <a:latin typeface="Inconsolata Medium" panose="020B0609030003000000" pitchFamily="49" charset="77"/>
+              </a:rPr>
+              <a:t>shown</a:t>
+            </a:r>
+          </a:p>
+          <a:p>
+            <a:pPr marL="0" indent="0">
+              <a:buNone/>
+            </a:pPr>
+            <a:r>
+              <a:rPr lang="en-US" sz="2000" b="1" dirty="0">
+                <a:solidFill>
+                  <a:srgbClr val="000000"/>
+                </a:solidFill>
+                <a:latin typeface="Inconsolata Medium" panose="020B0609030003000000" pitchFamily="49" charset="77"/>
+              </a:rPr>
+              <a:t>“here”?</a:t>
+            </a:r>
+          </a:p>
+          <a:p>
+            <a:pPr lvl="1">
+              <a:spcBef>
+                <a:spcPts val="500"/>
+              </a:spcBef>
+              <a:buFontTx/>
+              <a:buNone/>
+            </a:pPr>
+            <a:endParaRPr lang="en-GB" altLang="en-US" dirty="0">
+              <a:ea typeface="ＭＳ Ｐゴシック" panose="020B0600070205080204" pitchFamily="34" charset="-128"/>
+            </a:endParaRPr>
+          </a:p>
+        </p:txBody>
+      </p:sp>
+    </p:spTree>
+    <p:extLst>
+      <p:ext uri="{BB962C8B-B14F-4D97-AF65-F5344CB8AC3E}">
+        <p14:creationId xmlns:p14="http://schemas.microsoft.com/office/powerpoint/2010/main" val="4019361075"/>
+      </p:ext>
+    </p:extLst>
+  </p:cSld>
+  <p:clrMapOvr>
+    <a:masterClrMapping/>
+  </p:clrMapOvr>
+</p:sld>
+</file>
+
+<file path=ppt/slides/slide15.xml><?xml version="1.0" encoding="utf-8"?>
+<p:sld xmlns:a="http://schemas.openxmlformats.org/drawingml/2006/main" xmlns:r="http://schemas.openxmlformats.org/officeDocument/2006/relationships" xmlns:p="http://schemas.openxmlformats.org/presentationml/2006/main">
+  <p:cSld>
+    <p:spTree>
+      <p:nvGrpSpPr>
+        <p:cNvPr id="1" name=""/>
+        <p:cNvGrpSpPr/>
+        <p:nvPr/>
+      </p:nvGrpSpPr>
+      <p:grpSpPr>
+        <a:xfrm>
+          <a:off x="0" y="0"/>
+          <a:ext cx="0" cy="0"/>
+          <a:chOff x="0" y="0"/>
+          <a:chExt cx="0" cy="0"/>
+        </a:xfrm>
+      </p:grpSpPr>
+      <p:sp>
+        <p:nvSpPr>
+          <p:cNvPr id="2" name="Title 1">
+            <a:extLst>
+              <a:ext uri="{FF2B5EF4-FFF2-40B4-BE49-F238E27FC236}">
+                <a16:creationId xmlns:a16="http://schemas.microsoft.com/office/drawing/2014/main" id="{AA3A228F-61D0-D949-A5E7-F83756230BF8}"/>
+              </a:ext>
+            </a:extLst>
+          </p:cNvPr>
+          <p:cNvSpPr>
+            <a:spLocks noGrp="1"/>
+          </p:cNvSpPr>
+          <p:nvPr>
+            <p:ph type="title"/>
+          </p:nvPr>
+        </p:nvSpPr>
+        <p:spPr>
+          <a:xfrm>
+            <a:off x="483848" y="467027"/>
+            <a:ext cx="7053542" cy="683886"/>
+          </a:xfrm>
+        </p:spPr>
+        <p:txBody>
+          <a:bodyPr/>
+          <a:lstStyle/>
+          <a:p>
+            <a:r>
+              <a:rPr lang="en-US" dirty="0"/>
+              <a:t>Multiline String</a:t>
+            </a:r>
+          </a:p>
+        </p:txBody>
+      </p:sp>
+      <p:sp>
+        <p:nvSpPr>
+          <p:cNvPr id="9" name="Content Placeholder 8">
+            <a:extLst>
+              <a:ext uri="{FF2B5EF4-FFF2-40B4-BE49-F238E27FC236}">
+                <a16:creationId xmlns:a16="http://schemas.microsoft.com/office/drawing/2014/main" id="{E3B2E017-30B2-884B-A113-B419A2ED51AD}"/>
+              </a:ext>
+            </a:extLst>
+          </p:cNvPr>
+          <p:cNvSpPr>
+            <a:spLocks noGrp="1"/>
+          </p:cNvSpPr>
+          <p:nvPr>
+            <p:ph idx="1"/>
+          </p:nvPr>
+        </p:nvSpPr>
+        <p:spPr>
+          <a:xfrm>
+            <a:off x="483848" y="1150913"/>
+            <a:ext cx="8497782" cy="4440590"/>
+          </a:xfrm>
+        </p:spPr>
+        <p:txBody>
+          <a:bodyPr>
+            <a:noAutofit/>
+          </a:bodyPr>
+          <a:lstStyle/>
+          <a:p>
+            <a:pPr marL="0" indent="0">
+              <a:spcBef>
+                <a:spcPts val="600"/>
+              </a:spcBef>
+              <a:buFontTx/>
+              <a:buNone/>
+            </a:pPr>
+            <a:r>
+              <a:rPr lang="en-US" dirty="0"/>
+              <a:t>To span multiple lines, put three single quotes or three double quotes around the string instead of one. The string can then span as many lines as you want:</a:t>
+            </a:r>
+            <a:endParaRPr lang="en-GB" sz="2000" b="1" dirty="0">
+              <a:solidFill>
+                <a:srgbClr val="34A327"/>
+              </a:solidFill>
+              <a:latin typeface="Inconsolata Medium" panose="020B0609030003000000" pitchFamily="49" charset="77"/>
+              <a:ea typeface="ＭＳ Ｐゴシック" panose="020B0600070205080204" pitchFamily="34" charset="-128"/>
+            </a:endParaRPr>
+          </a:p>
+          <a:p>
+            <a:pPr marL="0" indent="0">
+              <a:buNone/>
+            </a:pPr>
+            <a:r>
+              <a:rPr lang="en-US" sz="2000" dirty="0">
+                <a:solidFill>
+                  <a:srgbClr val="34A327"/>
+                </a:solidFill>
+                <a:latin typeface="Menlo" panose="020B0609030804020204" pitchFamily="49" charset="0"/>
+              </a:rPr>
+              <a:t>In [</a:t>
+            </a:r>
+            <a:r>
+              <a:rPr lang="en-US" sz="2000" b="1" dirty="0">
+                <a:solidFill>
+                  <a:srgbClr val="2EE721"/>
+                </a:solidFill>
+                <a:latin typeface="Menlo" panose="020B0609030804020204" pitchFamily="49" charset="0"/>
+              </a:rPr>
+              <a:t>1</a:t>
+            </a:r>
+            <a:r>
+              <a:rPr lang="en-US" sz="2000" dirty="0">
+                <a:solidFill>
+                  <a:srgbClr val="34A327"/>
+                </a:solidFill>
+                <a:latin typeface="Menlo" panose="020B0609030804020204" pitchFamily="49" charset="0"/>
+              </a:rPr>
+              <a:t>]: </a:t>
+            </a:r>
+            <a:r>
+              <a:rPr lang="en-US" sz="2000" i="1" dirty="0">
+                <a:solidFill>
+                  <a:srgbClr val="CD7923"/>
+                </a:solidFill>
+                <a:latin typeface="Menlo" panose="020B0609030804020204" pitchFamily="49" charset="0"/>
+              </a:rPr>
+              <a:t>'''three</a:t>
+            </a:r>
+            <a:r>
+              <a:rPr lang="en-US" sz="2000" dirty="0">
+                <a:solidFill>
+                  <a:srgbClr val="000000"/>
+                </a:solidFill>
+                <a:latin typeface="Menlo" panose="020B0609030804020204" pitchFamily="49" charset="0"/>
+              </a:rPr>
+              <a:t> </a:t>
+            </a:r>
+            <a:endParaRPr lang="en-US" sz="2000" dirty="0">
+              <a:solidFill>
+                <a:srgbClr val="CD7923"/>
+              </a:solidFill>
+              <a:latin typeface="Menlo" panose="020B0609030804020204" pitchFamily="49" charset="0"/>
+            </a:endParaRPr>
+          </a:p>
+          <a:p>
+            <a:pPr marL="0" indent="0">
+              <a:buNone/>
+            </a:pPr>
+            <a:r>
+              <a:rPr lang="en-US" sz="2000" dirty="0">
+                <a:solidFill>
+                  <a:srgbClr val="34A327"/>
+                </a:solidFill>
+                <a:latin typeface="Menlo" panose="020B0609030804020204" pitchFamily="49" charset="0"/>
+              </a:rPr>
+              <a:t>         </a:t>
+            </a:r>
+            <a:r>
+              <a:rPr lang="en-US" sz="2000" i="1" dirty="0">
+                <a:solidFill>
+                  <a:srgbClr val="CD7923"/>
+                </a:solidFill>
+                <a:latin typeface="Menlo" panose="020B0609030804020204" pitchFamily="49" charset="0"/>
+              </a:rPr>
+              <a:t>lines </a:t>
+            </a:r>
+            <a:r>
+              <a:rPr lang="en-US" sz="2000" dirty="0">
+                <a:solidFill>
+                  <a:srgbClr val="000000"/>
+                </a:solidFill>
+                <a:latin typeface="Menlo" panose="020B0609030804020204" pitchFamily="49" charset="0"/>
+              </a:rPr>
+              <a:t> </a:t>
+            </a:r>
+            <a:endParaRPr lang="en-US" sz="2000" dirty="0">
+              <a:solidFill>
+                <a:srgbClr val="34A327"/>
+              </a:solidFill>
+              <a:latin typeface="Menlo" panose="020B0609030804020204" pitchFamily="49" charset="0"/>
+            </a:endParaRPr>
+          </a:p>
+          <a:p>
+            <a:pPr marL="0" indent="0">
+              <a:buNone/>
+            </a:pPr>
+            <a:r>
+              <a:rPr lang="en-US" sz="2000" dirty="0">
+                <a:solidFill>
+                  <a:srgbClr val="34A327"/>
+                </a:solidFill>
+                <a:latin typeface="Menlo" panose="020B0609030804020204" pitchFamily="49" charset="0"/>
+              </a:rPr>
+              <a:t>         </a:t>
+            </a:r>
+            <a:r>
+              <a:rPr lang="en-US" sz="2000" i="1" dirty="0">
+                <a:solidFill>
+                  <a:srgbClr val="CD7923"/>
+                </a:solidFill>
+                <a:latin typeface="Menlo" panose="020B0609030804020204" pitchFamily="49" charset="0"/>
+              </a:rPr>
+              <a:t>of     </a:t>
+            </a:r>
+          </a:p>
+          <a:p>
+            <a:pPr marL="0" indent="0">
+              <a:buNone/>
+            </a:pPr>
+            <a:r>
+              <a:rPr lang="en-US" sz="2000" i="1" dirty="0">
+                <a:solidFill>
+                  <a:srgbClr val="CD7923"/>
+                </a:solidFill>
+                <a:latin typeface="Menlo" panose="020B0609030804020204" pitchFamily="49" charset="0"/>
+              </a:rPr>
+              <a:t>         output’’’   </a:t>
+            </a:r>
+          </a:p>
+          <a:p>
+            <a:pPr marL="0" indent="0">
+              <a:buNone/>
+            </a:pPr>
+            <a:r>
+              <a:rPr lang="en-US" sz="2000" i="1" dirty="0">
+                <a:solidFill>
+                  <a:srgbClr val="CD7923"/>
+                </a:solidFill>
+                <a:latin typeface="Menlo" panose="020B0609030804020204" pitchFamily="49" charset="0"/>
+              </a:rPr>
+              <a:t> </a:t>
+            </a:r>
+            <a:r>
+              <a:rPr lang="en-US" sz="2000" dirty="0">
+                <a:solidFill>
+                  <a:srgbClr val="000000"/>
+                </a:solidFill>
+                <a:latin typeface="Menlo" panose="020B0609030804020204" pitchFamily="49" charset="0"/>
+              </a:rPr>
+              <a:t>                                                 </a:t>
+            </a:r>
+          </a:p>
+          <a:p>
+            <a:pPr marL="0" indent="0">
+              <a:buNone/>
+            </a:pPr>
+            <a:r>
+              <a:rPr lang="en-US" sz="2000" dirty="0">
+                <a:solidFill>
+                  <a:srgbClr val="B23622"/>
+                </a:solidFill>
+                <a:latin typeface="Menlo" panose="020B0609030804020204" pitchFamily="49" charset="0"/>
+              </a:rPr>
+              <a:t>Out[</a:t>
+            </a:r>
+            <a:r>
+              <a:rPr lang="en-US" sz="2000" b="1" dirty="0">
+                <a:solidFill>
+                  <a:srgbClr val="FF3B1E"/>
+                </a:solidFill>
+                <a:latin typeface="Menlo" panose="020B0609030804020204" pitchFamily="49" charset="0"/>
+              </a:rPr>
+              <a:t>1</a:t>
+            </a:r>
+            <a:r>
+              <a:rPr lang="en-US" sz="2000" dirty="0">
+                <a:solidFill>
+                  <a:srgbClr val="B23622"/>
+                </a:solidFill>
+                <a:latin typeface="Menlo" panose="020B0609030804020204" pitchFamily="49" charset="0"/>
+              </a:rPr>
+              <a:t>]: </a:t>
+            </a:r>
+            <a:r>
+              <a:rPr lang="en-US" sz="2000" dirty="0">
+                <a:solidFill>
+                  <a:srgbClr val="000000"/>
+                </a:solidFill>
+                <a:latin typeface="Menlo" panose="020B0609030804020204" pitchFamily="49" charset="0"/>
+              </a:rPr>
+              <a:t>'three\</a:t>
+            </a:r>
+            <a:r>
+              <a:rPr lang="en-US" sz="2000" dirty="0" err="1">
+                <a:solidFill>
+                  <a:srgbClr val="000000"/>
+                </a:solidFill>
+                <a:latin typeface="Menlo" panose="020B0609030804020204" pitchFamily="49" charset="0"/>
+              </a:rPr>
+              <a:t>nlines</a:t>
+            </a:r>
+            <a:r>
+              <a:rPr lang="en-US" sz="2000" dirty="0">
+                <a:solidFill>
+                  <a:srgbClr val="000000"/>
+                </a:solidFill>
+                <a:latin typeface="Menlo" panose="020B0609030804020204" pitchFamily="49" charset="0"/>
+              </a:rPr>
+              <a:t> \</a:t>
+            </a:r>
+            <a:r>
+              <a:rPr lang="en-US" sz="2000" dirty="0" err="1">
+                <a:solidFill>
+                  <a:srgbClr val="000000"/>
+                </a:solidFill>
+                <a:latin typeface="Menlo" panose="020B0609030804020204" pitchFamily="49" charset="0"/>
+              </a:rPr>
+              <a:t>nof</a:t>
+            </a:r>
+            <a:r>
+              <a:rPr lang="en-US" sz="2000" dirty="0">
+                <a:solidFill>
+                  <a:srgbClr val="000000"/>
+                </a:solidFill>
+                <a:latin typeface="Menlo" panose="020B0609030804020204" pitchFamily="49" charset="0"/>
+              </a:rPr>
+              <a:t> output’</a:t>
+            </a:r>
+          </a:p>
+          <a:p>
+            <a:pPr marL="0" indent="0">
+              <a:spcBef>
+                <a:spcPts val="600"/>
+              </a:spcBef>
+              <a:buFontTx/>
+              <a:buNone/>
+            </a:pPr>
+            <a:r>
+              <a:rPr lang="en-US" sz="2000" dirty="0"/>
+              <a:t>Notice that the string Python creates contains a \n sequence everywhere our input started a new line. Each newline is a character in the string. </a:t>
+            </a:r>
+          </a:p>
+          <a:p>
+            <a:pPr marL="0" indent="0">
+              <a:spcBef>
+                <a:spcPts val="600"/>
+              </a:spcBef>
+              <a:buFontTx/>
+              <a:buNone/>
+            </a:pPr>
+            <a:r>
+              <a:rPr lang="en-US" sz="2000" dirty="0"/>
+              <a:t>Multiline strings are often used </a:t>
+            </a:r>
+            <a:r>
+              <a:rPr lang="en-US" sz="2000"/>
+              <a:t>in documentation </a:t>
+            </a:r>
+            <a:r>
+              <a:rPr lang="en-US" sz="2000" dirty="0"/>
+              <a:t>strings as </a:t>
+            </a:r>
+            <a:r>
+              <a:rPr lang="en-US" sz="2000"/>
+              <a:t>we will see later. </a:t>
+            </a:r>
+            <a:endParaRPr lang="en-US" sz="2000" dirty="0"/>
+          </a:p>
+          <a:p>
+            <a:pPr marL="0" indent="0">
+              <a:spcBef>
+                <a:spcPts val="600"/>
+              </a:spcBef>
+              <a:buFontTx/>
+              <a:buNone/>
+            </a:pPr>
+            <a:endParaRPr lang="en-US" sz="2000" b="1" dirty="0">
+              <a:solidFill>
+                <a:srgbClr val="34A327"/>
+              </a:solidFill>
+              <a:latin typeface="Inconsolata Medium" panose="020B0609030003000000" pitchFamily="49" charset="77"/>
+            </a:endParaRPr>
+          </a:p>
+        </p:txBody>
+      </p:sp>
+    </p:spTree>
+    <p:extLst>
+      <p:ext uri="{BB962C8B-B14F-4D97-AF65-F5344CB8AC3E}">
+        <p14:creationId xmlns:p14="http://schemas.microsoft.com/office/powerpoint/2010/main" val="523000400"/>
+      </p:ext>
+    </p:extLst>
+  </p:cSld>
+  <p:clrMapOvr>
+    <a:masterClrMapping/>
+  </p:clrMapOvr>
+</p:sld>
+</file>
+
+<file path=ppt/slides/slide16.xml><?xml version="1.0" encoding="utf-8"?>
+<p:sld xmlns:a="http://schemas.openxmlformats.org/drawingml/2006/main" xmlns:r="http://schemas.openxmlformats.org/officeDocument/2006/relationships" xmlns:p="http://schemas.openxmlformats.org/presentationml/2006/main">
+  <p:cSld>
+    <p:spTree>
+      <p:nvGrpSpPr>
+        <p:cNvPr id="1" name=""/>
+        <p:cNvGrpSpPr/>
+        <p:nvPr/>
+      </p:nvGrpSpPr>
+      <p:grpSpPr>
+        <a:xfrm>
+          <a:off x="0" y="0"/>
+          <a:ext cx="0" cy="0"/>
+          <a:chOff x="0" y="0"/>
+          <a:chExt cx="0" cy="0"/>
+        </a:xfrm>
+      </p:grpSpPr>
+      <p:sp>
+        <p:nvSpPr>
+          <p:cNvPr id="2" name="Title 1">
+            <a:extLst>
+              <a:ext uri="{FF2B5EF4-FFF2-40B4-BE49-F238E27FC236}">
+                <a16:creationId xmlns:a16="http://schemas.microsoft.com/office/drawing/2014/main" id="{AA3A228F-61D0-D949-A5E7-F83756230BF8}"/>
+              </a:ext>
+            </a:extLst>
+          </p:cNvPr>
+          <p:cNvSpPr>
+            <a:spLocks noGrp="1"/>
+          </p:cNvSpPr>
+          <p:nvPr>
+            <p:ph type="title"/>
+          </p:nvPr>
+        </p:nvSpPr>
+        <p:spPr>
+          <a:xfrm>
+            <a:off x="483848" y="467027"/>
+            <a:ext cx="7053542" cy="683886"/>
+          </a:xfrm>
+        </p:spPr>
+        <p:txBody>
+          <a:bodyPr/>
+          <a:lstStyle/>
+          <a:p>
+            <a:r>
+              <a:rPr lang="en-US" dirty="0"/>
               <a:t>References</a:t>
             </a:r>
           </a:p>
@@ -4772,7 +5793,7 @@
             <a:pPr marL="0" indent="0">
               <a:buNone/>
             </a:pPr>
-            <a:endParaRPr lang="en-US"/>
+            <a:endParaRPr lang="en-US" dirty="0"/>
           </a:p>
           <a:p>
             <a:pPr marL="0" indent="0">
@@ -4798,14 +5819,8 @@
             </a:r>
             <a:r>
               <a:rPr lang="en-US" dirty="0"/>
-              <a:t> Media. </a:t>
-            </a:r>
-          </a:p>
-          <a:p>
-            <a:pPr marL="0" indent="0">
-              <a:buNone/>
-            </a:pPr>
-            <a:endParaRPr lang="en-US" dirty="0"/>
+              <a:t> Media.</a:t>
+            </a:r>
           </a:p>
           <a:p>
             <a:pPr marL="0" indent="0">
@@ -4823,6 +5838,57 @@
               <a:rPr lang="en-US" dirty="0"/>
               <a:t> site. </a:t>
             </a:r>
+          </a:p>
+          <a:p>
+            <a:pPr marL="457200" indent="-457200">
+              <a:buAutoNum type="arabicParenR"/>
+            </a:pPr>
+            <a:endParaRPr lang="en-US" dirty="0"/>
+          </a:p>
+          <a:p>
+            <a:pPr marL="0" indent="0">
+              <a:buNone/>
+            </a:pPr>
+            <a:r>
+              <a:rPr lang="en-US" dirty="0"/>
+              <a:t>2)   Paul </a:t>
+            </a:r>
+            <a:r>
+              <a:rPr lang="en-US" dirty="0" err="1"/>
+              <a:t>Gries</a:t>
+            </a:r>
+            <a:r>
+              <a:rPr lang="en-US" dirty="0"/>
+              <a:t>, Jennifer Campbell, Jason </a:t>
+            </a:r>
+            <a:r>
+              <a:rPr lang="en-US" dirty="0" err="1"/>
+              <a:t>Montojo</a:t>
+            </a:r>
+            <a:r>
+              <a:rPr lang="en-US" dirty="0"/>
+              <a:t>, Practical Programming, The Pragmatic </a:t>
+            </a:r>
+            <a:r>
+              <a:rPr lang="en-US" dirty="0" err="1"/>
+              <a:t>Bookself</a:t>
+            </a:r>
+            <a:r>
+              <a:rPr lang="en-US" dirty="0"/>
+              <a:t>. 2017.</a:t>
+            </a:r>
+          </a:p>
+          <a:p>
+            <a:pPr marL="0" indent="0">
+              <a:buNone/>
+            </a:pPr>
+            <a:endParaRPr lang="en-US" dirty="0"/>
+          </a:p>
+          <a:p>
+            <a:pPr marL="0" indent="0">
+              <a:buNone/>
+            </a:pPr>
+            <a:endParaRPr lang="en-US" dirty="0"/>
           </a:p>
         </p:txBody>
       </p:sp>
@@ -4946,7 +6012,7 @@
               <a:rPr lang="en-US" dirty="0">
                 <a:latin typeface="Gill Sans MT" panose="020B0502020104020203" pitchFamily="34" charset="77"/>
               </a:rPr>
-              <a:t>Strings (indexing, slicing)</a:t>
+              <a:t>Strings Concatenation</a:t>
             </a:r>
           </a:p>
           <a:p>
@@ -4954,14 +6020,44 @@
               <a:buAutoNum type="arabicParenR"/>
             </a:pPr>
             <a:r>
-              <a:rPr lang="en-US" dirty="0" err="1">
+              <a:rPr lang="en-US" dirty="0">
                 <a:latin typeface="Gill Sans MT" panose="020B0502020104020203" pitchFamily="34" charset="77"/>
               </a:rPr>
-              <a:t>NoneType</a:t>
-            </a:r>
-            <a:endParaRPr lang="en-US" dirty="0">
-              <a:latin typeface="Gill Sans MT" panose="020B0502020104020203" pitchFamily="34" charset="77"/>
-            </a:endParaRPr>
+              <a:t>Indexing and Slicing</a:t>
+            </a:r>
+          </a:p>
+          <a:p>
+            <a:pPr marL="457200" indent="-457200">
+              <a:buAutoNum type="arabicParenR"/>
+            </a:pPr>
+            <a:r>
+              <a:rPr lang="en-US" dirty="0">
+                <a:latin typeface="Gill Sans MT" panose="020B0502020104020203" pitchFamily="34" charset="77"/>
+              </a:rPr>
+              <a:t>f-Strings</a:t>
+            </a:r>
+          </a:p>
+          <a:p>
+            <a:pPr marL="457200" indent="-457200">
+              <a:buAutoNum type="arabicParenR"/>
+            </a:pPr>
+            <a:r>
+              <a:rPr lang="en-US" dirty="0">
+                <a:latin typeface="Gill Sans MT" panose="020B0502020104020203" pitchFamily="34" charset="77"/>
+              </a:rPr>
+              <a:t>Escape Sequences</a:t>
+            </a:r>
+          </a:p>
+          <a:p>
+            <a:pPr marL="457200" indent="-457200">
+              <a:buAutoNum type="arabicParenR"/>
+            </a:pPr>
+            <a:r>
+              <a:rPr lang="en-US" dirty="0">
+                <a:latin typeface="Gill Sans MT" panose="020B0502020104020203" pitchFamily="34" charset="77"/>
+              </a:rPr>
+              <a:t>Multiline Strings</a:t>
+            </a:r>
           </a:p>
           <a:p>
             <a:pPr marL="342900" lvl="1" indent="0">

--- a/courses/apcsp/lect3.pptx
+++ b/courses/apcsp/lect3.pptx
@@ -132,7 +132,7 @@
 <file path=ppt/revisionInfo.xml><?xml version="1.0" encoding="utf-8"?>
 <p1510:revInfo xmlns:a="http://schemas.openxmlformats.org/drawingml/2006/main" xmlns:r="http://schemas.openxmlformats.org/officeDocument/2006/relationships" xmlns:p1510="http://schemas.microsoft.com/office/powerpoint/2015/10/main">
   <p1510:revLst>
-    <p1510:client id="{2296133F-0C64-EC42-922B-94F16C0DE057}" v="62" dt="2019-09-16T13:45:15.908"/>
+    <p1510:client id="{2296133F-0C64-EC42-922B-94F16C0DE057}" v="108" dt="2019-09-17T02:31:37.317"/>
   </p1510:revLst>
 </p1510:revInfo>
 </file>
@@ -151,7 +151,7 @@
   <pc:docChgLst>
     <pc:chgData name="Long B Nguyen" userId="f59fb8f3-a021-417a-8bc1-65c8d471c621" providerId="ADAL" clId="{2296133F-0C64-EC42-922B-94F16C0DE057}"/>
     <pc:docChg chg="undo custSel addSld delSld modSld">
-      <pc:chgData name="Long B Nguyen" userId="f59fb8f3-a021-417a-8bc1-65c8d471c621" providerId="ADAL" clId="{2296133F-0C64-EC42-922B-94F16C0DE057}" dt="2019-09-16T13:45:45.444" v="1639" actId="20577"/>
+      <pc:chgData name="Long B Nguyen" userId="f59fb8f3-a021-417a-8bc1-65c8d471c621" providerId="ADAL" clId="{2296133F-0C64-EC42-922B-94F16C0DE057}" dt="2019-09-17T02:31:37.317" v="1707"/>
       <pc:docMkLst>
         <pc:docMk/>
       </pc:docMkLst>
@@ -170,8 +170,8 @@
           </ac:spMkLst>
         </pc:spChg>
       </pc:sldChg>
-      <pc:sldChg chg="modSp">
-        <pc:chgData name="Long B Nguyen" userId="f59fb8f3-a021-417a-8bc1-65c8d471c621" providerId="ADAL" clId="{2296133F-0C64-EC42-922B-94F16C0DE057}" dt="2019-09-08T02:45:08.930" v="30" actId="113"/>
+      <pc:sldChg chg="modSp modAnim">
+        <pc:chgData name="Long B Nguyen" userId="f59fb8f3-a021-417a-8bc1-65c8d471c621" providerId="ADAL" clId="{2296133F-0C64-EC42-922B-94F16C0DE057}" dt="2019-09-17T02:27:44.387" v="1642"/>
         <pc:sldMkLst>
           <pc:docMk/>
           <pc:sldMk cId="278045358" sldId="257"/>
@@ -215,8 +215,38 @@
           </ac:spMkLst>
         </pc:spChg>
       </pc:sldChg>
-      <pc:sldChg chg="modSp">
-        <pc:chgData name="Long B Nguyen" userId="f59fb8f3-a021-417a-8bc1-65c8d471c621" providerId="ADAL" clId="{2296133F-0C64-EC42-922B-94F16C0DE057}" dt="2019-09-16T13:31:22.313" v="1054" actId="20577"/>
+      <pc:sldChg chg="modSp modAnim">
+        <pc:chgData name="Long B Nguyen" userId="f59fb8f3-a021-417a-8bc1-65c8d471c621" providerId="ADAL" clId="{2296133F-0C64-EC42-922B-94F16C0DE057}" dt="2019-09-17T02:28:20.439" v="1666" actId="207"/>
+        <pc:sldMkLst>
+          <pc:docMk/>
+          <pc:sldMk cId="1313115290" sldId="287"/>
+        </pc:sldMkLst>
+        <pc:spChg chg="mod">
+          <ac:chgData name="Long B Nguyen" userId="f59fb8f3-a021-417a-8bc1-65c8d471c621" providerId="ADAL" clId="{2296133F-0C64-EC42-922B-94F16C0DE057}" dt="2019-09-17T02:28:20.439" v="1666" actId="207"/>
+          <ac:spMkLst>
+            <pc:docMk/>
+            <pc:sldMk cId="1313115290" sldId="287"/>
+            <ac:spMk id="9" creationId="{E3B2E017-30B2-884B-A113-B419A2ED51AD}"/>
+          </ac:spMkLst>
+        </pc:spChg>
+      </pc:sldChg>
+      <pc:sldChg chg="modSp modAnim">
+        <pc:chgData name="Long B Nguyen" userId="f59fb8f3-a021-417a-8bc1-65c8d471c621" providerId="ADAL" clId="{2296133F-0C64-EC42-922B-94F16C0DE057}" dt="2019-09-17T02:29:14.728" v="1688"/>
+        <pc:sldMkLst>
+          <pc:docMk/>
+          <pc:sldMk cId="2339437966" sldId="288"/>
+        </pc:sldMkLst>
+        <pc:spChg chg="mod">
+          <ac:chgData name="Long B Nguyen" userId="f59fb8f3-a021-417a-8bc1-65c8d471c621" providerId="ADAL" clId="{2296133F-0C64-EC42-922B-94F16C0DE057}" dt="2019-09-17T02:28:34.948" v="1687" actId="207"/>
+          <ac:spMkLst>
+            <pc:docMk/>
+            <pc:sldMk cId="2339437966" sldId="288"/>
+            <ac:spMk id="9" creationId="{E3B2E017-30B2-884B-A113-B419A2ED51AD}"/>
+          </ac:spMkLst>
+        </pc:spChg>
+      </pc:sldChg>
+      <pc:sldChg chg="modSp modAnim">
+        <pc:chgData name="Long B Nguyen" userId="f59fb8f3-a021-417a-8bc1-65c8d471c621" providerId="ADAL" clId="{2296133F-0C64-EC42-922B-94F16C0DE057}" dt="2019-09-17T02:29:32.819" v="1689"/>
         <pc:sldMkLst>
           <pc:docMk/>
           <pc:sldMk cId="1454012366" sldId="289"/>
@@ -230,8 +260,8 @@
           </ac:spMkLst>
         </pc:spChg>
       </pc:sldChg>
-      <pc:sldChg chg="modSp">
-        <pc:chgData name="Long B Nguyen" userId="f59fb8f3-a021-417a-8bc1-65c8d471c621" providerId="ADAL" clId="{2296133F-0C64-EC42-922B-94F16C0DE057}" dt="2019-09-16T13:35:20.395" v="1195" actId="113"/>
+      <pc:sldChg chg="modSp modAnim">
+        <pc:chgData name="Long B Nguyen" userId="f59fb8f3-a021-417a-8bc1-65c8d471c621" providerId="ADAL" clId="{2296133F-0C64-EC42-922B-94F16C0DE057}" dt="2019-09-17T02:30:09.696" v="1692"/>
         <pc:sldMkLst>
           <pc:docMk/>
           <pc:sldMk cId="3872931043" sldId="290"/>
@@ -245,8 +275,8 @@
           </ac:spMkLst>
         </pc:spChg>
       </pc:sldChg>
-      <pc:sldChg chg="modSp">
-        <pc:chgData name="Long B Nguyen" userId="f59fb8f3-a021-417a-8bc1-65c8d471c621" providerId="ADAL" clId="{2296133F-0C64-EC42-922B-94F16C0DE057}" dt="2019-09-16T13:34:30.453" v="1144" actId="207"/>
+      <pc:sldChg chg="modSp modAnim">
+        <pc:chgData name="Long B Nguyen" userId="f59fb8f3-a021-417a-8bc1-65c8d471c621" providerId="ADAL" clId="{2296133F-0C64-EC42-922B-94F16C0DE057}" dt="2019-09-17T02:30:21.127" v="1694"/>
         <pc:sldMkLst>
           <pc:docMk/>
           <pc:sldMk cId="3525539036" sldId="291"/>
@@ -260,8 +290,8 @@
           </ac:spMkLst>
         </pc:spChg>
       </pc:sldChg>
-      <pc:sldChg chg="modSp">
-        <pc:chgData name="Long B Nguyen" userId="f59fb8f3-a021-417a-8bc1-65c8d471c621" providerId="ADAL" clId="{2296133F-0C64-EC42-922B-94F16C0DE057}" dt="2019-09-16T13:36:27.508" v="1217" actId="20577"/>
+      <pc:sldChg chg="modSp modAnim">
+        <pc:chgData name="Long B Nguyen" userId="f59fb8f3-a021-417a-8bc1-65c8d471c621" providerId="ADAL" clId="{2296133F-0C64-EC42-922B-94F16C0DE057}" dt="2019-09-17T02:30:44.122" v="1698"/>
         <pc:sldMkLst>
           <pc:docMk/>
           <pc:sldMk cId="4245538547" sldId="292"/>
@@ -275,14 +305,21 @@
           </ac:spMkLst>
         </pc:spChg>
       </pc:sldChg>
-      <pc:sldChg chg="modSp">
-        <pc:chgData name="Long B Nguyen" userId="f59fb8f3-a021-417a-8bc1-65c8d471c621" providerId="ADAL" clId="{2296133F-0C64-EC42-922B-94F16C0DE057}" dt="2019-09-08T03:42:24.903" v="579" actId="20577"/>
+      <pc:sldChg chg="modAnim">
+        <pc:chgData name="Long B Nguyen" userId="f59fb8f3-a021-417a-8bc1-65c8d471c621" providerId="ADAL" clId="{2296133F-0C64-EC42-922B-94F16C0DE057}" dt="2019-09-17T02:30:58.989" v="1701"/>
+        <pc:sldMkLst>
+          <pc:docMk/>
+          <pc:sldMk cId="439805773" sldId="293"/>
+        </pc:sldMkLst>
+      </pc:sldChg>
+      <pc:sldChg chg="modSp modAnim">
+        <pc:chgData name="Long B Nguyen" userId="f59fb8f3-a021-417a-8bc1-65c8d471c621" providerId="ADAL" clId="{2296133F-0C64-EC42-922B-94F16C0DE057}" dt="2019-09-17T02:31:33.358" v="1706"/>
         <pc:sldMkLst>
           <pc:docMk/>
           <pc:sldMk cId="3539054576" sldId="294"/>
         </pc:sldMkLst>
         <pc:spChg chg="mod">
-          <ac:chgData name="Long B Nguyen" userId="f59fb8f3-a021-417a-8bc1-65c8d471c621" providerId="ADAL" clId="{2296133F-0C64-EC42-922B-94F16C0DE057}" dt="2019-09-08T03:42:24.903" v="579" actId="20577"/>
+          <ac:chgData name="Long B Nguyen" userId="f59fb8f3-a021-417a-8bc1-65c8d471c621" providerId="ADAL" clId="{2296133F-0C64-EC42-922B-94F16C0DE057}" dt="2019-09-17T02:31:29.360" v="1705" actId="20577"/>
           <ac:spMkLst>
             <pc:docMk/>
             <pc:sldMk cId="3539054576" sldId="294"/>
@@ -290,8 +327,8 @@
           </ac:spMkLst>
         </pc:spChg>
       </pc:sldChg>
-      <pc:sldChg chg="modSp add">
-        <pc:chgData name="Long B Nguyen" userId="f59fb8f3-a021-417a-8bc1-65c8d471c621" providerId="ADAL" clId="{2296133F-0C64-EC42-922B-94F16C0DE057}" dt="2019-09-16T13:31:28.982" v="1056" actId="20577"/>
+      <pc:sldChg chg="modSp add modAnim">
+        <pc:chgData name="Long B Nguyen" userId="f59fb8f3-a021-417a-8bc1-65c8d471c621" providerId="ADAL" clId="{2296133F-0C64-EC42-922B-94F16C0DE057}" dt="2019-09-17T02:29:56.440" v="1690"/>
         <pc:sldMkLst>
           <pc:docMk/>
           <pc:sldMk cId="4293870304" sldId="295"/>
@@ -305,8 +342,8 @@
           </ac:spMkLst>
         </pc:spChg>
       </pc:sldChg>
-      <pc:sldChg chg="modSp add">
-        <pc:chgData name="Long B Nguyen" userId="f59fb8f3-a021-417a-8bc1-65c8d471c621" providerId="ADAL" clId="{2296133F-0C64-EC42-922B-94F16C0DE057}" dt="2019-09-16T13:35:08.623" v="1194" actId="20577"/>
+      <pc:sldChg chg="modSp add modAnim">
+        <pc:chgData name="Long B Nguyen" userId="f59fb8f3-a021-417a-8bc1-65c8d471c621" providerId="ADAL" clId="{2296133F-0C64-EC42-922B-94F16C0DE057}" dt="2019-09-17T02:30:31.974" v="1696"/>
         <pc:sldMkLst>
           <pc:docMk/>
           <pc:sldMk cId="2255397433" sldId="296"/>
@@ -320,8 +357,8 @@
           </ac:spMkLst>
         </pc:spChg>
       </pc:sldChg>
-      <pc:sldChg chg="modSp add">
-        <pc:chgData name="Long B Nguyen" userId="f59fb8f3-a021-417a-8bc1-65c8d471c621" providerId="ADAL" clId="{2296133F-0C64-EC42-922B-94F16C0DE057}" dt="2019-09-16T13:36:30.258" v="1219" actId="20577"/>
+      <pc:sldChg chg="modSp add modAnim">
+        <pc:chgData name="Long B Nguyen" userId="f59fb8f3-a021-417a-8bc1-65c8d471c621" providerId="ADAL" clId="{2296133F-0C64-EC42-922B-94F16C0DE057}" dt="2019-09-17T02:30:48.341" v="1699"/>
         <pc:sldMkLst>
           <pc:docMk/>
           <pc:sldMk cId="3118285161" sldId="297"/>
@@ -335,8 +372,8 @@
           </ac:spMkLst>
         </pc:spChg>
       </pc:sldChg>
-      <pc:sldChg chg="addSp modSp add">
-        <pc:chgData name="Long B Nguyen" userId="f59fb8f3-a021-417a-8bc1-65c8d471c621" providerId="ADAL" clId="{2296133F-0C64-EC42-922B-94F16C0DE057}" dt="2019-09-16T13:44:37.960" v="1604" actId="20577"/>
+      <pc:sldChg chg="addSp modSp add modAnim">
+        <pc:chgData name="Long B Nguyen" userId="f59fb8f3-a021-417a-8bc1-65c8d471c621" providerId="ADAL" clId="{2296133F-0C64-EC42-922B-94F16C0DE057}" dt="2019-09-17T02:31:15.588" v="1702"/>
         <pc:sldMkLst>
           <pc:docMk/>
           <pc:sldMk cId="925425861" sldId="298"/>
@@ -358,8 +395,8 @@
           </ac:spMkLst>
         </pc:spChg>
       </pc:sldChg>
-      <pc:sldChg chg="modSp add">
-        <pc:chgData name="Long B Nguyen" userId="f59fb8f3-a021-417a-8bc1-65c8d471c621" providerId="ADAL" clId="{2296133F-0C64-EC42-922B-94F16C0DE057}" dt="2019-09-16T13:45:06.881" v="1623" actId="20577"/>
+      <pc:sldChg chg="modSp add modAnim">
+        <pc:chgData name="Long B Nguyen" userId="f59fb8f3-a021-417a-8bc1-65c8d471c621" providerId="ADAL" clId="{2296133F-0C64-EC42-922B-94F16C0DE057}" dt="2019-09-17T02:31:20.183" v="1703"/>
         <pc:sldMkLst>
           <pc:docMk/>
           <pc:sldMk cId="705650197" sldId="299"/>
@@ -381,8 +418,8 @@
           </ac:spMkLst>
         </pc:spChg>
       </pc:sldChg>
-      <pc:sldChg chg="modSp add">
-        <pc:chgData name="Long B Nguyen" userId="f59fb8f3-a021-417a-8bc1-65c8d471c621" providerId="ADAL" clId="{2296133F-0C64-EC42-922B-94F16C0DE057}" dt="2019-09-16T13:45:45.444" v="1639" actId="20577"/>
+      <pc:sldChg chg="modSp add modAnim">
+        <pc:chgData name="Long B Nguyen" userId="f59fb8f3-a021-417a-8bc1-65c8d471c621" providerId="ADAL" clId="{2296133F-0C64-EC42-922B-94F16C0DE057}" dt="2019-09-17T02:31:37.317" v="1707"/>
         <pc:sldMkLst>
           <pc:docMk/>
           <pc:sldMk cId="3463737959" sldId="300"/>
@@ -4025,6 +4062,134 @@
   <p:clrMapOvr>
     <a:masterClrMapping/>
   </p:clrMapOvr>
+  <p:timing>
+    <p:tnLst>
+      <p:par>
+        <p:cTn id="1" dur="indefinite" restart="never" nodeType="tmRoot">
+          <p:childTnLst>
+            <p:seq concurrent="1" nextAc="seek">
+              <p:cTn id="2" dur="indefinite" nodeType="mainSeq">
+                <p:childTnLst>
+                  <p:par>
+                    <p:cTn id="3" fill="hold">
+                      <p:stCondLst>
+                        <p:cond delay="indefinite"/>
+                      </p:stCondLst>
+                      <p:childTnLst>
+                        <p:par>
+                          <p:cTn id="4" fill="hold">
+                            <p:stCondLst>
+                              <p:cond delay="0"/>
+                            </p:stCondLst>
+                            <p:childTnLst>
+                              <p:par>
+                                <p:cTn id="5" presetID="1" presetClass="entr" presetSubtype="0" fill="hold" nodeType="clickEffect">
+                                  <p:stCondLst>
+                                    <p:cond delay="0"/>
+                                  </p:stCondLst>
+                                  <p:childTnLst>
+                                    <p:set>
+                                      <p:cBhvr>
+                                        <p:cTn id="6" dur="1" fill="hold">
+                                          <p:stCondLst>
+                                            <p:cond delay="0"/>
+                                          </p:stCondLst>
+                                        </p:cTn>
+                                        <p:tgtEl>
+                                          <p:spTgt spid="9">
+                                            <p:txEl>
+                                              <p:pRg st="8" end="8"/>
+                                            </p:txEl>
+                                          </p:spTgt>
+                                        </p:tgtEl>
+                                        <p:attrNameLst>
+                                          <p:attrName>style.visibility</p:attrName>
+                                        </p:attrNameLst>
+                                      </p:cBhvr>
+                                      <p:to>
+                                        <p:strVal val="visible"/>
+                                      </p:to>
+                                    </p:set>
+                                  </p:childTnLst>
+                                </p:cTn>
+                              </p:par>
+                            </p:childTnLst>
+                          </p:cTn>
+                        </p:par>
+                      </p:childTnLst>
+                    </p:cTn>
+                  </p:par>
+                  <p:par>
+                    <p:cTn id="7" fill="hold">
+                      <p:stCondLst>
+                        <p:cond delay="indefinite"/>
+                      </p:stCondLst>
+                      <p:childTnLst>
+                        <p:par>
+                          <p:cTn id="8" fill="hold">
+                            <p:stCondLst>
+                              <p:cond delay="0"/>
+                            </p:stCondLst>
+                            <p:childTnLst>
+                              <p:par>
+                                <p:cTn id="9" presetID="1" presetClass="entr" presetSubtype="0" fill="hold" nodeType="clickEffect">
+                                  <p:stCondLst>
+                                    <p:cond delay="0"/>
+                                  </p:stCondLst>
+                                  <p:childTnLst>
+                                    <p:set>
+                                      <p:cBhvr>
+                                        <p:cTn id="10" dur="1" fill="hold">
+                                          <p:stCondLst>
+                                            <p:cond delay="0"/>
+                                          </p:stCondLst>
+                                        </p:cTn>
+                                        <p:tgtEl>
+                                          <p:spTgt spid="9">
+                                            <p:txEl>
+                                              <p:pRg st="10" end="10"/>
+                                            </p:txEl>
+                                          </p:spTgt>
+                                        </p:tgtEl>
+                                        <p:attrNameLst>
+                                          <p:attrName>style.visibility</p:attrName>
+                                        </p:attrNameLst>
+                                      </p:cBhvr>
+                                      <p:to>
+                                        <p:strVal val="visible"/>
+                                      </p:to>
+                                    </p:set>
+                                  </p:childTnLst>
+                                </p:cTn>
+                              </p:par>
+                            </p:childTnLst>
+                          </p:cTn>
+                        </p:par>
+                      </p:childTnLst>
+                    </p:cTn>
+                  </p:par>
+                </p:childTnLst>
+              </p:cTn>
+              <p:prevCondLst>
+                <p:cond evt="onPrev" delay="0">
+                  <p:tgtEl>
+                    <p:sldTgt/>
+                  </p:tgtEl>
+                </p:cond>
+              </p:prevCondLst>
+              <p:nextCondLst>
+                <p:cond evt="onNext" delay="0">
+                  <p:tgtEl>
+                    <p:sldTgt/>
+                  </p:tgtEl>
+                </p:cond>
+              </p:nextCondLst>
+            </p:seq>
+          </p:childTnLst>
+        </p:cTn>
+      </p:par>
+    </p:tnLst>
+  </p:timing>
 </p:sld>
 </file>
 
@@ -4489,6 +4654,320 @@
   <p:clrMapOvr>
     <a:masterClrMapping/>
   </p:clrMapOvr>
+  <p:timing>
+    <p:tnLst>
+      <p:par>
+        <p:cTn id="1" dur="indefinite" restart="never" nodeType="tmRoot">
+          <p:childTnLst>
+            <p:seq concurrent="1" nextAc="seek">
+              <p:cTn id="2" dur="indefinite" nodeType="mainSeq">
+                <p:childTnLst>
+                  <p:par>
+                    <p:cTn id="3" fill="hold">
+                      <p:stCondLst>
+                        <p:cond delay="indefinite"/>
+                      </p:stCondLst>
+                      <p:childTnLst>
+                        <p:par>
+                          <p:cTn id="4" fill="hold">
+                            <p:stCondLst>
+                              <p:cond delay="0"/>
+                            </p:stCondLst>
+                            <p:childTnLst>
+                              <p:par>
+                                <p:cTn id="5" presetID="1" presetClass="entr" presetSubtype="0" fill="hold" nodeType="clickEffect">
+                                  <p:stCondLst>
+                                    <p:cond delay="0"/>
+                                  </p:stCondLst>
+                                  <p:childTnLst>
+                                    <p:set>
+                                      <p:cBhvr>
+                                        <p:cTn id="6" dur="1" fill="hold">
+                                          <p:stCondLst>
+                                            <p:cond delay="0"/>
+                                          </p:stCondLst>
+                                        </p:cTn>
+                                        <p:tgtEl>
+                                          <p:spTgt spid="9">
+                                            <p:txEl>
+                                              <p:pRg st="2" end="2"/>
+                                            </p:txEl>
+                                          </p:spTgt>
+                                        </p:tgtEl>
+                                        <p:attrNameLst>
+                                          <p:attrName>style.visibility</p:attrName>
+                                        </p:attrNameLst>
+                                      </p:cBhvr>
+                                      <p:to>
+                                        <p:strVal val="visible"/>
+                                      </p:to>
+                                    </p:set>
+                                  </p:childTnLst>
+                                </p:cTn>
+                              </p:par>
+                              <p:par>
+                                <p:cTn id="7" presetID="1" presetClass="entr" presetSubtype="0" fill="hold" nodeType="withEffect">
+                                  <p:stCondLst>
+                                    <p:cond delay="0"/>
+                                  </p:stCondLst>
+                                  <p:childTnLst>
+                                    <p:set>
+                                      <p:cBhvr>
+                                        <p:cTn id="8" dur="1" fill="hold">
+                                          <p:stCondLst>
+                                            <p:cond delay="0"/>
+                                          </p:stCondLst>
+                                        </p:cTn>
+                                        <p:tgtEl>
+                                          <p:spTgt spid="9">
+                                            <p:txEl>
+                                              <p:pRg st="3" end="3"/>
+                                            </p:txEl>
+                                          </p:spTgt>
+                                        </p:tgtEl>
+                                        <p:attrNameLst>
+                                          <p:attrName>style.visibility</p:attrName>
+                                        </p:attrNameLst>
+                                      </p:cBhvr>
+                                      <p:to>
+                                        <p:strVal val="visible"/>
+                                      </p:to>
+                                    </p:set>
+                                  </p:childTnLst>
+                                </p:cTn>
+                              </p:par>
+                              <p:par>
+                                <p:cTn id="9" presetID="1" presetClass="entr" presetSubtype="0" fill="hold" nodeType="withEffect">
+                                  <p:stCondLst>
+                                    <p:cond delay="0"/>
+                                  </p:stCondLst>
+                                  <p:childTnLst>
+                                    <p:set>
+                                      <p:cBhvr>
+                                        <p:cTn id="10" dur="1" fill="hold">
+                                          <p:stCondLst>
+                                            <p:cond delay="0"/>
+                                          </p:stCondLst>
+                                        </p:cTn>
+                                        <p:tgtEl>
+                                          <p:spTgt spid="9">
+                                            <p:txEl>
+                                              <p:pRg st="4" end="4"/>
+                                            </p:txEl>
+                                          </p:spTgt>
+                                        </p:tgtEl>
+                                        <p:attrNameLst>
+                                          <p:attrName>style.visibility</p:attrName>
+                                        </p:attrNameLst>
+                                      </p:cBhvr>
+                                      <p:to>
+                                        <p:strVal val="visible"/>
+                                      </p:to>
+                                    </p:set>
+                                  </p:childTnLst>
+                                </p:cTn>
+                              </p:par>
+                              <p:par>
+                                <p:cTn id="11" presetID="1" presetClass="entr" presetSubtype="0" fill="hold" nodeType="withEffect">
+                                  <p:stCondLst>
+                                    <p:cond delay="0"/>
+                                  </p:stCondLst>
+                                  <p:childTnLst>
+                                    <p:set>
+                                      <p:cBhvr>
+                                        <p:cTn id="12" dur="1" fill="hold">
+                                          <p:stCondLst>
+                                            <p:cond delay="0"/>
+                                          </p:stCondLst>
+                                        </p:cTn>
+                                        <p:tgtEl>
+                                          <p:spTgt spid="9">
+                                            <p:txEl>
+                                              <p:pRg st="5" end="5"/>
+                                            </p:txEl>
+                                          </p:spTgt>
+                                        </p:tgtEl>
+                                        <p:attrNameLst>
+                                          <p:attrName>style.visibility</p:attrName>
+                                        </p:attrNameLst>
+                                      </p:cBhvr>
+                                      <p:to>
+                                        <p:strVal val="visible"/>
+                                      </p:to>
+                                    </p:set>
+                                  </p:childTnLst>
+                                </p:cTn>
+                              </p:par>
+                              <p:par>
+                                <p:cTn id="13" presetID="1" presetClass="entr" presetSubtype="0" fill="hold" nodeType="withEffect">
+                                  <p:stCondLst>
+                                    <p:cond delay="0"/>
+                                  </p:stCondLst>
+                                  <p:childTnLst>
+                                    <p:set>
+                                      <p:cBhvr>
+                                        <p:cTn id="14" dur="1" fill="hold">
+                                          <p:stCondLst>
+                                            <p:cond delay="0"/>
+                                          </p:stCondLst>
+                                        </p:cTn>
+                                        <p:tgtEl>
+                                          <p:spTgt spid="9">
+                                            <p:txEl>
+                                              <p:pRg st="6" end="6"/>
+                                            </p:txEl>
+                                          </p:spTgt>
+                                        </p:tgtEl>
+                                        <p:attrNameLst>
+                                          <p:attrName>style.visibility</p:attrName>
+                                        </p:attrNameLst>
+                                      </p:cBhvr>
+                                      <p:to>
+                                        <p:strVal val="visible"/>
+                                      </p:to>
+                                    </p:set>
+                                  </p:childTnLst>
+                                </p:cTn>
+                              </p:par>
+                              <p:par>
+                                <p:cTn id="15" presetID="1" presetClass="entr" presetSubtype="0" fill="hold" nodeType="withEffect">
+                                  <p:stCondLst>
+                                    <p:cond delay="0"/>
+                                  </p:stCondLst>
+                                  <p:childTnLst>
+                                    <p:set>
+                                      <p:cBhvr>
+                                        <p:cTn id="16" dur="1" fill="hold">
+                                          <p:stCondLst>
+                                            <p:cond delay="0"/>
+                                          </p:stCondLst>
+                                        </p:cTn>
+                                        <p:tgtEl>
+                                          <p:spTgt spid="9">
+                                            <p:txEl>
+                                              <p:pRg st="7" end="7"/>
+                                            </p:txEl>
+                                          </p:spTgt>
+                                        </p:tgtEl>
+                                        <p:attrNameLst>
+                                          <p:attrName>style.visibility</p:attrName>
+                                        </p:attrNameLst>
+                                      </p:cBhvr>
+                                      <p:to>
+                                        <p:strVal val="visible"/>
+                                      </p:to>
+                                    </p:set>
+                                  </p:childTnLst>
+                                </p:cTn>
+                              </p:par>
+                              <p:par>
+                                <p:cTn id="17" presetID="1" presetClass="entr" presetSubtype="0" fill="hold" nodeType="withEffect">
+                                  <p:stCondLst>
+                                    <p:cond delay="0"/>
+                                  </p:stCondLst>
+                                  <p:childTnLst>
+                                    <p:set>
+                                      <p:cBhvr>
+                                        <p:cTn id="18" dur="1" fill="hold">
+                                          <p:stCondLst>
+                                            <p:cond delay="0"/>
+                                          </p:stCondLst>
+                                        </p:cTn>
+                                        <p:tgtEl>
+                                          <p:spTgt spid="9">
+                                            <p:txEl>
+                                              <p:pRg st="8" end="8"/>
+                                            </p:txEl>
+                                          </p:spTgt>
+                                        </p:tgtEl>
+                                        <p:attrNameLst>
+                                          <p:attrName>style.visibility</p:attrName>
+                                        </p:attrNameLst>
+                                      </p:cBhvr>
+                                      <p:to>
+                                        <p:strVal val="visible"/>
+                                      </p:to>
+                                    </p:set>
+                                  </p:childTnLst>
+                                </p:cTn>
+                              </p:par>
+                            </p:childTnLst>
+                          </p:cTn>
+                        </p:par>
+                      </p:childTnLst>
+                    </p:cTn>
+                  </p:par>
+                  <p:par>
+                    <p:cTn id="19" fill="hold">
+                      <p:stCondLst>
+                        <p:cond delay="indefinite"/>
+                      </p:stCondLst>
+                      <p:childTnLst>
+                        <p:par>
+                          <p:cTn id="20" fill="hold">
+                            <p:stCondLst>
+                              <p:cond delay="0"/>
+                            </p:stCondLst>
+                            <p:childTnLst>
+                              <p:par>
+                                <p:cTn id="21" presetID="1" presetClass="entr" presetSubtype="0" fill="hold" nodeType="clickEffect">
+                                  <p:stCondLst>
+                                    <p:cond delay="0"/>
+                                  </p:stCondLst>
+                                  <p:childTnLst>
+                                    <p:set>
+                                      <p:cBhvr>
+                                        <p:cTn id="22" dur="1" fill="hold">
+                                          <p:stCondLst>
+                                            <p:cond delay="0"/>
+                                          </p:stCondLst>
+                                        </p:cTn>
+                                        <p:tgtEl>
+                                          <p:spTgt spid="9">
+                                            <p:txEl>
+                                              <p:pRg st="9" end="9"/>
+                                            </p:txEl>
+                                          </p:spTgt>
+                                        </p:tgtEl>
+                                        <p:attrNameLst>
+                                          <p:attrName>style.visibility</p:attrName>
+                                        </p:attrNameLst>
+                                      </p:cBhvr>
+                                      <p:to>
+                                        <p:strVal val="visible"/>
+                                      </p:to>
+                                    </p:set>
+                                  </p:childTnLst>
+                                </p:cTn>
+                              </p:par>
+                            </p:childTnLst>
+                          </p:cTn>
+                        </p:par>
+                      </p:childTnLst>
+                    </p:cTn>
+                  </p:par>
+                </p:childTnLst>
+              </p:cTn>
+              <p:prevCondLst>
+                <p:cond evt="onPrev" delay="0">
+                  <p:tgtEl>
+                    <p:sldTgt/>
+                  </p:tgtEl>
+                </p:cond>
+              </p:prevCondLst>
+              <p:nextCondLst>
+                <p:cond evt="onNext" delay="0">
+                  <p:tgtEl>
+                    <p:sldTgt/>
+                  </p:tgtEl>
+                </p:cond>
+              </p:nextCondLst>
+            </p:seq>
+          </p:childTnLst>
+        </p:cTn>
+      </p:par>
+    </p:tnLst>
+  </p:timing>
 </p:sld>
 </file>
 
@@ -4938,6 +5417,85 @@
   <p:clrMapOvr>
     <a:masterClrMapping/>
   </p:clrMapOvr>
+  <p:timing>
+    <p:tnLst>
+      <p:par>
+        <p:cTn id="1" dur="indefinite" restart="never" nodeType="tmRoot">
+          <p:childTnLst>
+            <p:seq concurrent="1" nextAc="seek">
+              <p:cTn id="2" dur="indefinite" nodeType="mainSeq">
+                <p:childTnLst>
+                  <p:par>
+                    <p:cTn id="3" fill="hold">
+                      <p:stCondLst>
+                        <p:cond delay="indefinite"/>
+                      </p:stCondLst>
+                      <p:childTnLst>
+                        <p:par>
+                          <p:cTn id="4" fill="hold">
+                            <p:stCondLst>
+                              <p:cond delay="0"/>
+                            </p:stCondLst>
+                            <p:childTnLst>
+                              <p:par>
+                                <p:cTn id="5" presetID="1" presetClass="entr" presetSubtype="0" fill="hold" nodeType="clickEffect">
+                                  <p:stCondLst>
+                                    <p:cond delay="0"/>
+                                  </p:stCondLst>
+                                  <p:childTnLst>
+                                    <p:set>
+                                      <p:cBhvr>
+                                        <p:cTn id="6" dur="1" fill="hold">
+                                          <p:stCondLst>
+                                            <p:cond delay="0"/>
+                                          </p:stCondLst>
+                                        </p:cTn>
+                                        <p:tgtEl>
+                                          <p:spTgt spid="9">
+                                            <p:txEl>
+                                              <p:pRg st="9" end="9"/>
+                                            </p:txEl>
+                                          </p:spTgt>
+                                        </p:tgtEl>
+                                        <p:attrNameLst>
+                                          <p:attrName>style.visibility</p:attrName>
+                                        </p:attrNameLst>
+                                      </p:cBhvr>
+                                      <p:to>
+                                        <p:strVal val="visible"/>
+                                      </p:to>
+                                    </p:set>
+                                  </p:childTnLst>
+                                </p:cTn>
+                              </p:par>
+                            </p:childTnLst>
+                          </p:cTn>
+                        </p:par>
+                      </p:childTnLst>
+                    </p:cTn>
+                  </p:par>
+                </p:childTnLst>
+              </p:cTn>
+              <p:prevCondLst>
+                <p:cond evt="onPrev" delay="0">
+                  <p:tgtEl>
+                    <p:sldTgt/>
+                  </p:tgtEl>
+                </p:cond>
+              </p:prevCondLst>
+              <p:nextCondLst>
+                <p:cond evt="onNext" delay="0">
+                  <p:tgtEl>
+                    <p:sldTgt/>
+                  </p:tgtEl>
+                </p:cond>
+              </p:nextCondLst>
+            </p:seq>
+          </p:childTnLst>
+        </p:cTn>
+      </p:par>
+    </p:tnLst>
+  </p:timing>
 </p:sld>
 </file>
 
@@ -5380,6 +5938,289 @@
   <p:clrMapOvr>
     <a:masterClrMapping/>
   </p:clrMapOvr>
+  <p:timing>
+    <p:tnLst>
+      <p:par>
+        <p:cTn id="1" dur="indefinite" restart="never" nodeType="tmRoot">
+          <p:childTnLst>
+            <p:seq concurrent="1" nextAc="seek">
+              <p:cTn id="2" dur="indefinite" nodeType="mainSeq">
+                <p:childTnLst>
+                  <p:par>
+                    <p:cTn id="3" fill="hold">
+                      <p:stCondLst>
+                        <p:cond delay="indefinite"/>
+                      </p:stCondLst>
+                      <p:childTnLst>
+                        <p:par>
+                          <p:cTn id="4" fill="hold">
+                            <p:stCondLst>
+                              <p:cond delay="0"/>
+                            </p:stCondLst>
+                            <p:childTnLst>
+                              <p:par>
+                                <p:cTn id="5" presetID="1" presetClass="entr" presetSubtype="0" fill="hold" nodeType="clickEffect">
+                                  <p:stCondLst>
+                                    <p:cond delay="0"/>
+                                  </p:stCondLst>
+                                  <p:childTnLst>
+                                    <p:set>
+                                      <p:cBhvr>
+                                        <p:cTn id="6" dur="1" fill="hold">
+                                          <p:stCondLst>
+                                            <p:cond delay="0"/>
+                                          </p:stCondLst>
+                                        </p:cTn>
+                                        <p:tgtEl>
+                                          <p:spTgt spid="9">
+                                            <p:txEl>
+                                              <p:pRg st="2" end="2"/>
+                                            </p:txEl>
+                                          </p:spTgt>
+                                        </p:tgtEl>
+                                        <p:attrNameLst>
+                                          <p:attrName>style.visibility</p:attrName>
+                                        </p:attrNameLst>
+                                      </p:cBhvr>
+                                      <p:to>
+                                        <p:strVal val="visible"/>
+                                      </p:to>
+                                    </p:set>
+                                  </p:childTnLst>
+                                </p:cTn>
+                              </p:par>
+                              <p:par>
+                                <p:cTn id="7" presetID="1" presetClass="entr" presetSubtype="0" fill="hold" nodeType="withEffect">
+                                  <p:stCondLst>
+                                    <p:cond delay="0"/>
+                                  </p:stCondLst>
+                                  <p:childTnLst>
+                                    <p:set>
+                                      <p:cBhvr>
+                                        <p:cTn id="8" dur="1" fill="hold">
+                                          <p:stCondLst>
+                                            <p:cond delay="0"/>
+                                          </p:stCondLst>
+                                        </p:cTn>
+                                        <p:tgtEl>
+                                          <p:spTgt spid="9">
+                                            <p:txEl>
+                                              <p:pRg st="4" end="4"/>
+                                            </p:txEl>
+                                          </p:spTgt>
+                                        </p:tgtEl>
+                                        <p:attrNameLst>
+                                          <p:attrName>style.visibility</p:attrName>
+                                        </p:attrNameLst>
+                                      </p:cBhvr>
+                                      <p:to>
+                                        <p:strVal val="visible"/>
+                                      </p:to>
+                                    </p:set>
+                                  </p:childTnLst>
+                                </p:cTn>
+                              </p:par>
+                              <p:par>
+                                <p:cTn id="9" presetID="1" presetClass="entr" presetSubtype="0" fill="hold" nodeType="withEffect">
+                                  <p:stCondLst>
+                                    <p:cond delay="0"/>
+                                  </p:stCondLst>
+                                  <p:childTnLst>
+                                    <p:set>
+                                      <p:cBhvr>
+                                        <p:cTn id="10" dur="1" fill="hold">
+                                          <p:stCondLst>
+                                            <p:cond delay="0"/>
+                                          </p:stCondLst>
+                                        </p:cTn>
+                                        <p:tgtEl>
+                                          <p:spTgt spid="9">
+                                            <p:txEl>
+                                              <p:pRg st="5" end="5"/>
+                                            </p:txEl>
+                                          </p:spTgt>
+                                        </p:tgtEl>
+                                        <p:attrNameLst>
+                                          <p:attrName>style.visibility</p:attrName>
+                                        </p:attrNameLst>
+                                      </p:cBhvr>
+                                      <p:to>
+                                        <p:strVal val="visible"/>
+                                      </p:to>
+                                    </p:set>
+                                  </p:childTnLst>
+                                </p:cTn>
+                              </p:par>
+                              <p:par>
+                                <p:cTn id="11" presetID="1" presetClass="entr" presetSubtype="0" fill="hold" nodeType="withEffect">
+                                  <p:stCondLst>
+                                    <p:cond delay="0"/>
+                                  </p:stCondLst>
+                                  <p:childTnLst>
+                                    <p:set>
+                                      <p:cBhvr>
+                                        <p:cTn id="12" dur="1" fill="hold">
+                                          <p:stCondLst>
+                                            <p:cond delay="0"/>
+                                          </p:stCondLst>
+                                        </p:cTn>
+                                        <p:tgtEl>
+                                          <p:spTgt spid="9">
+                                            <p:txEl>
+                                              <p:pRg st="6" end="6"/>
+                                            </p:txEl>
+                                          </p:spTgt>
+                                        </p:tgtEl>
+                                        <p:attrNameLst>
+                                          <p:attrName>style.visibility</p:attrName>
+                                        </p:attrNameLst>
+                                      </p:cBhvr>
+                                      <p:to>
+                                        <p:strVal val="visible"/>
+                                      </p:to>
+                                    </p:set>
+                                  </p:childTnLst>
+                                </p:cTn>
+                              </p:par>
+                            </p:childTnLst>
+                          </p:cTn>
+                        </p:par>
+                      </p:childTnLst>
+                    </p:cTn>
+                  </p:par>
+                  <p:par>
+                    <p:cTn id="13" fill="hold">
+                      <p:stCondLst>
+                        <p:cond delay="indefinite"/>
+                      </p:stCondLst>
+                      <p:childTnLst>
+                        <p:par>
+                          <p:cTn id="14" fill="hold">
+                            <p:stCondLst>
+                              <p:cond delay="0"/>
+                            </p:stCondLst>
+                            <p:childTnLst>
+                              <p:par>
+                                <p:cTn id="15" presetID="1" presetClass="entr" presetSubtype="0" fill="hold" nodeType="clickEffect">
+                                  <p:stCondLst>
+                                    <p:cond delay="0"/>
+                                  </p:stCondLst>
+                                  <p:childTnLst>
+                                    <p:set>
+                                      <p:cBhvr>
+                                        <p:cTn id="16" dur="1" fill="hold">
+                                          <p:stCondLst>
+                                            <p:cond delay="0"/>
+                                          </p:stCondLst>
+                                        </p:cTn>
+                                        <p:tgtEl>
+                                          <p:spTgt spid="9">
+                                            <p:txEl>
+                                              <p:pRg st="8" end="8"/>
+                                            </p:txEl>
+                                          </p:spTgt>
+                                        </p:tgtEl>
+                                        <p:attrNameLst>
+                                          <p:attrName>style.visibility</p:attrName>
+                                        </p:attrNameLst>
+                                      </p:cBhvr>
+                                      <p:to>
+                                        <p:strVal val="visible"/>
+                                      </p:to>
+                                    </p:set>
+                                  </p:childTnLst>
+                                </p:cTn>
+                              </p:par>
+                              <p:par>
+                                <p:cTn id="17" presetID="1" presetClass="entr" presetSubtype="0" fill="hold" nodeType="withEffect">
+                                  <p:stCondLst>
+                                    <p:cond delay="0"/>
+                                  </p:stCondLst>
+                                  <p:childTnLst>
+                                    <p:set>
+                                      <p:cBhvr>
+                                        <p:cTn id="18" dur="1" fill="hold">
+                                          <p:stCondLst>
+                                            <p:cond delay="0"/>
+                                          </p:stCondLst>
+                                        </p:cTn>
+                                        <p:tgtEl>
+                                          <p:spTgt spid="9">
+                                            <p:txEl>
+                                              <p:pRg st="10" end="10"/>
+                                            </p:txEl>
+                                          </p:spTgt>
+                                        </p:tgtEl>
+                                        <p:attrNameLst>
+                                          <p:attrName>style.visibility</p:attrName>
+                                        </p:attrNameLst>
+                                      </p:cBhvr>
+                                      <p:to>
+                                        <p:strVal val="visible"/>
+                                      </p:to>
+                                    </p:set>
+                                  </p:childTnLst>
+                                </p:cTn>
+                              </p:par>
+                              <p:par>
+                                <p:cTn id="19" presetID="1" presetClass="entr" presetSubtype="0" fill="hold" nodeType="withEffect">
+                                  <p:stCondLst>
+                                    <p:cond delay="0"/>
+                                  </p:stCondLst>
+                                  <p:childTnLst>
+                                    <p:set>
+                                      <p:cBhvr>
+                                        <p:cTn id="20" dur="1" fill="hold">
+                                          <p:stCondLst>
+                                            <p:cond delay="0"/>
+                                          </p:stCondLst>
+                                        </p:cTn>
+                                        <p:tgtEl>
+                                          <p:spTgt spid="9">
+                                            <p:txEl>
+                                              <p:pRg st="11" end="11"/>
+                                            </p:txEl>
+                                          </p:spTgt>
+                                        </p:tgtEl>
+                                        <p:attrNameLst>
+                                          <p:attrName>style.visibility</p:attrName>
+                                        </p:attrNameLst>
+                                      </p:cBhvr>
+                                      <p:to>
+                                        <p:strVal val="visible"/>
+                                      </p:to>
+                                    </p:set>
+                                  </p:childTnLst>
+                                </p:cTn>
+                              </p:par>
+                            </p:childTnLst>
+                          </p:cTn>
+                        </p:par>
+                      </p:childTnLst>
+                    </p:cTn>
+                  </p:par>
+                </p:childTnLst>
+              </p:cTn>
+              <p:prevCondLst>
+                <p:cond evt="onPrev" delay="0">
+                  <p:tgtEl>
+                    <p:sldTgt/>
+                  </p:tgtEl>
+                </p:cond>
+              </p:prevCondLst>
+              <p:nextCondLst>
+                <p:cond evt="onNext" delay="0">
+                  <p:tgtEl>
+                    <p:sldTgt/>
+                  </p:tgtEl>
+                </p:cond>
+              </p:nextCondLst>
+            </p:seq>
+          </p:childTnLst>
+        </p:cTn>
+      </p:par>
+    </p:tnLst>
+  </p:timing>
 </p:sld>
 </file>
 
@@ -6249,6 +7090,84 @@
   <p:clrMapOvr>
     <a:masterClrMapping/>
   </p:clrMapOvr>
+  <p:timing>
+    <p:tnLst>
+      <p:par>
+        <p:cTn id="1" dur="indefinite" restart="never" nodeType="tmRoot">
+          <p:childTnLst>
+            <p:seq concurrent="1" nextAc="seek">
+              <p:cTn id="2" dur="indefinite" nodeType="mainSeq">
+                <p:childTnLst>
+                  <p:par>
+                    <p:cTn id="3" fill="hold">
+                      <p:stCondLst>
+                        <p:cond delay="indefinite"/>
+                      </p:stCondLst>
+                      <p:childTnLst>
+                        <p:par>
+                          <p:cTn id="4" fill="hold">
+                            <p:stCondLst>
+                              <p:cond delay="0"/>
+                            </p:stCondLst>
+                            <p:childTnLst>
+                              <p:par>
+                                <p:cTn id="5" presetID="1" presetClass="entr" presetSubtype="0" fill="hold" grpId="0" nodeType="clickEffect">
+                                  <p:stCondLst>
+                                    <p:cond delay="0"/>
+                                  </p:stCondLst>
+                                  <p:childTnLst>
+                                    <p:set>
+                                      <p:cBhvr>
+                                        <p:cTn id="6" dur="1" fill="hold">
+                                          <p:stCondLst>
+                                            <p:cond delay="0"/>
+                                          </p:stCondLst>
+                                        </p:cTn>
+                                        <p:tgtEl>
+                                          <p:spTgt spid="3"/>
+                                        </p:tgtEl>
+                                        <p:attrNameLst>
+                                          <p:attrName>style.visibility</p:attrName>
+                                        </p:attrNameLst>
+                                      </p:cBhvr>
+                                      <p:to>
+                                        <p:strVal val="visible"/>
+                                      </p:to>
+                                    </p:set>
+                                  </p:childTnLst>
+                                </p:cTn>
+                              </p:par>
+                            </p:childTnLst>
+                          </p:cTn>
+                        </p:par>
+                      </p:childTnLst>
+                    </p:cTn>
+                  </p:par>
+                </p:childTnLst>
+              </p:cTn>
+              <p:prevCondLst>
+                <p:cond evt="onPrev" delay="0">
+                  <p:tgtEl>
+                    <p:sldTgt/>
+                  </p:tgtEl>
+                </p:cond>
+              </p:prevCondLst>
+              <p:nextCondLst>
+                <p:cond evt="onNext" delay="0">
+                  <p:tgtEl>
+                    <p:sldTgt/>
+                  </p:tgtEl>
+                </p:cond>
+              </p:nextCondLst>
+            </p:seq>
+          </p:childTnLst>
+        </p:cTn>
+      </p:par>
+    </p:tnLst>
+    <p:bldLst>
+      <p:bldP spid="3" grpId="0"/>
+    </p:bldLst>
+  </p:timing>
 </p:sld>
 </file>
 
@@ -7118,6 +8037,84 @@
   <p:clrMapOvr>
     <a:masterClrMapping/>
   </p:clrMapOvr>
+  <p:timing>
+    <p:tnLst>
+      <p:par>
+        <p:cTn id="1" dur="indefinite" restart="never" nodeType="tmRoot">
+          <p:childTnLst>
+            <p:seq concurrent="1" nextAc="seek">
+              <p:cTn id="2" dur="indefinite" nodeType="mainSeq">
+                <p:childTnLst>
+                  <p:par>
+                    <p:cTn id="3" fill="hold">
+                      <p:stCondLst>
+                        <p:cond delay="indefinite"/>
+                      </p:stCondLst>
+                      <p:childTnLst>
+                        <p:par>
+                          <p:cTn id="4" fill="hold">
+                            <p:stCondLst>
+                              <p:cond delay="0"/>
+                            </p:stCondLst>
+                            <p:childTnLst>
+                              <p:par>
+                                <p:cTn id="5" presetID="1" presetClass="entr" presetSubtype="0" fill="hold" grpId="0" nodeType="clickEffect">
+                                  <p:stCondLst>
+                                    <p:cond delay="0"/>
+                                  </p:stCondLst>
+                                  <p:childTnLst>
+                                    <p:set>
+                                      <p:cBhvr>
+                                        <p:cTn id="6" dur="1" fill="hold">
+                                          <p:stCondLst>
+                                            <p:cond delay="0"/>
+                                          </p:stCondLst>
+                                        </p:cTn>
+                                        <p:tgtEl>
+                                          <p:spTgt spid="3"/>
+                                        </p:tgtEl>
+                                        <p:attrNameLst>
+                                          <p:attrName>style.visibility</p:attrName>
+                                        </p:attrNameLst>
+                                      </p:cBhvr>
+                                      <p:to>
+                                        <p:strVal val="visible"/>
+                                      </p:to>
+                                    </p:set>
+                                  </p:childTnLst>
+                                </p:cTn>
+                              </p:par>
+                            </p:childTnLst>
+                          </p:cTn>
+                        </p:par>
+                      </p:childTnLst>
+                    </p:cTn>
+                  </p:par>
+                </p:childTnLst>
+              </p:cTn>
+              <p:prevCondLst>
+                <p:cond evt="onPrev" delay="0">
+                  <p:tgtEl>
+                    <p:sldTgt/>
+                  </p:tgtEl>
+                </p:cond>
+              </p:prevCondLst>
+              <p:nextCondLst>
+                <p:cond evt="onNext" delay="0">
+                  <p:tgtEl>
+                    <p:sldTgt/>
+                  </p:tgtEl>
+                </p:cond>
+              </p:nextCondLst>
+            </p:seq>
+          </p:childTnLst>
+        </p:cTn>
+      </p:par>
+    </p:tnLst>
+    <p:bldLst>
+      <p:bldP spid="3" grpId="0"/>
+    </p:bldLst>
+  </p:timing>
 </p:sld>
 </file>
 
@@ -7261,12 +8258,9 @@
             <a:pPr marL="0" indent="0">
               <a:buNone/>
             </a:pPr>
-            <a:r>
-              <a:rPr lang="en-US" dirty="0">
-                <a:latin typeface="Gill Sans MT" panose="020B0502020104020203" pitchFamily="34" charset="77"/>
-              </a:rPr>
-              <a:t>The following</a:t>
-            </a:r>
+            <a:endParaRPr lang="en-US" dirty="0">
+              <a:latin typeface="Gill Sans MT" panose="020B0502020104020203" pitchFamily="34" charset="77"/>
+            </a:endParaRPr>
           </a:p>
           <a:p>
             <a:pPr marL="0" indent="0">
@@ -7452,6 +8446,85 @@
   <p:clrMapOvr>
     <a:masterClrMapping/>
   </p:clrMapOvr>
+  <p:timing>
+    <p:tnLst>
+      <p:par>
+        <p:cTn id="1" dur="indefinite" restart="never" nodeType="tmRoot">
+          <p:childTnLst>
+            <p:seq concurrent="1" nextAc="seek">
+              <p:cTn id="2" dur="indefinite" nodeType="mainSeq">
+                <p:childTnLst>
+                  <p:par>
+                    <p:cTn id="3" fill="hold">
+                      <p:stCondLst>
+                        <p:cond delay="indefinite"/>
+                      </p:stCondLst>
+                      <p:childTnLst>
+                        <p:par>
+                          <p:cTn id="4" fill="hold">
+                            <p:stCondLst>
+                              <p:cond delay="0"/>
+                            </p:stCondLst>
+                            <p:childTnLst>
+                              <p:par>
+                                <p:cTn id="5" presetID="1" presetClass="entr" presetSubtype="0" fill="hold" nodeType="clickEffect">
+                                  <p:stCondLst>
+                                    <p:cond delay="0"/>
+                                  </p:stCondLst>
+                                  <p:childTnLst>
+                                    <p:set>
+                                      <p:cBhvr>
+                                        <p:cTn id="6" dur="1" fill="hold">
+                                          <p:stCondLst>
+                                            <p:cond delay="0"/>
+                                          </p:stCondLst>
+                                        </p:cTn>
+                                        <p:tgtEl>
+                                          <p:spTgt spid="9">
+                                            <p:txEl>
+                                              <p:pRg st="7" end="7"/>
+                                            </p:txEl>
+                                          </p:spTgt>
+                                        </p:tgtEl>
+                                        <p:attrNameLst>
+                                          <p:attrName>style.visibility</p:attrName>
+                                        </p:attrNameLst>
+                                      </p:cBhvr>
+                                      <p:to>
+                                        <p:strVal val="visible"/>
+                                      </p:to>
+                                    </p:set>
+                                  </p:childTnLst>
+                                </p:cTn>
+                              </p:par>
+                            </p:childTnLst>
+                          </p:cTn>
+                        </p:par>
+                      </p:childTnLst>
+                    </p:cTn>
+                  </p:par>
+                </p:childTnLst>
+              </p:cTn>
+              <p:prevCondLst>
+                <p:cond evt="onPrev" delay="0">
+                  <p:tgtEl>
+                    <p:sldTgt/>
+                  </p:tgtEl>
+                </p:cond>
+              </p:prevCondLst>
+              <p:nextCondLst>
+                <p:cond evt="onNext" delay="0">
+                  <p:tgtEl>
+                    <p:sldTgt/>
+                  </p:tgtEl>
+                </p:cond>
+              </p:nextCondLst>
+            </p:seq>
+          </p:childTnLst>
+        </p:cTn>
+      </p:par>
+    </p:tnLst>
+  </p:timing>
 </p:sld>
 </file>
 
@@ -7716,6 +8789,85 @@
   <p:clrMapOvr>
     <a:masterClrMapping/>
   </p:clrMapOvr>
+  <p:timing>
+    <p:tnLst>
+      <p:par>
+        <p:cTn id="1" dur="indefinite" restart="never" nodeType="tmRoot">
+          <p:childTnLst>
+            <p:seq concurrent="1" nextAc="seek">
+              <p:cTn id="2" dur="indefinite" nodeType="mainSeq">
+                <p:childTnLst>
+                  <p:par>
+                    <p:cTn id="3" fill="hold">
+                      <p:stCondLst>
+                        <p:cond delay="indefinite"/>
+                      </p:stCondLst>
+                      <p:childTnLst>
+                        <p:par>
+                          <p:cTn id="4" fill="hold">
+                            <p:stCondLst>
+                              <p:cond delay="0"/>
+                            </p:stCondLst>
+                            <p:childTnLst>
+                              <p:par>
+                                <p:cTn id="5" presetID="1" presetClass="entr" presetSubtype="0" fill="hold" nodeType="clickEffect">
+                                  <p:stCondLst>
+                                    <p:cond delay="0"/>
+                                  </p:stCondLst>
+                                  <p:childTnLst>
+                                    <p:set>
+                                      <p:cBhvr>
+                                        <p:cTn id="6" dur="1" fill="hold">
+                                          <p:stCondLst>
+                                            <p:cond delay="0"/>
+                                          </p:stCondLst>
+                                        </p:cTn>
+                                        <p:tgtEl>
+                                          <p:spTgt spid="9">
+                                            <p:txEl>
+                                              <p:pRg st="5" end="5"/>
+                                            </p:txEl>
+                                          </p:spTgt>
+                                        </p:tgtEl>
+                                        <p:attrNameLst>
+                                          <p:attrName>style.visibility</p:attrName>
+                                        </p:attrNameLst>
+                                      </p:cBhvr>
+                                      <p:to>
+                                        <p:strVal val="visible"/>
+                                      </p:to>
+                                    </p:set>
+                                  </p:childTnLst>
+                                </p:cTn>
+                              </p:par>
+                            </p:childTnLst>
+                          </p:cTn>
+                        </p:par>
+                      </p:childTnLst>
+                    </p:cTn>
+                  </p:par>
+                </p:childTnLst>
+              </p:cTn>
+              <p:prevCondLst>
+                <p:cond evt="onPrev" delay="0">
+                  <p:tgtEl>
+                    <p:sldTgt/>
+                  </p:tgtEl>
+                </p:cond>
+              </p:prevCondLst>
+              <p:nextCondLst>
+                <p:cond evt="onNext" delay="0">
+                  <p:tgtEl>
+                    <p:sldTgt/>
+                  </p:tgtEl>
+                </p:cond>
+              </p:nextCondLst>
+            </p:seq>
+          </p:childTnLst>
+        </p:cTn>
+      </p:par>
+    </p:tnLst>
+  </p:timing>
 </p:sld>
 </file>
 
@@ -8297,6 +9449,183 @@
   <p:clrMapOvr>
     <a:masterClrMapping/>
   </p:clrMapOvr>
+  <p:timing>
+    <p:tnLst>
+      <p:par>
+        <p:cTn id="1" dur="indefinite" restart="never" nodeType="tmRoot">
+          <p:childTnLst>
+            <p:seq concurrent="1" nextAc="seek">
+              <p:cTn id="2" dur="indefinite" nodeType="mainSeq">
+                <p:childTnLst>
+                  <p:par>
+                    <p:cTn id="3" fill="hold">
+                      <p:stCondLst>
+                        <p:cond delay="indefinite"/>
+                      </p:stCondLst>
+                      <p:childTnLst>
+                        <p:par>
+                          <p:cTn id="4" fill="hold">
+                            <p:stCondLst>
+                              <p:cond delay="0"/>
+                            </p:stCondLst>
+                            <p:childTnLst>
+                              <p:par>
+                                <p:cTn id="5" presetID="1" presetClass="entr" presetSubtype="0" fill="hold" nodeType="clickEffect">
+                                  <p:stCondLst>
+                                    <p:cond delay="0"/>
+                                  </p:stCondLst>
+                                  <p:childTnLst>
+                                    <p:set>
+                                      <p:cBhvr>
+                                        <p:cTn id="6" dur="1" fill="hold">
+                                          <p:stCondLst>
+                                            <p:cond delay="0"/>
+                                          </p:stCondLst>
+                                        </p:cTn>
+                                        <p:tgtEl>
+                                          <p:spTgt spid="9">
+                                            <p:txEl>
+                                              <p:pRg st="4" end="4"/>
+                                            </p:txEl>
+                                          </p:spTgt>
+                                        </p:tgtEl>
+                                        <p:attrNameLst>
+                                          <p:attrName>style.visibility</p:attrName>
+                                        </p:attrNameLst>
+                                      </p:cBhvr>
+                                      <p:to>
+                                        <p:strVal val="visible"/>
+                                      </p:to>
+                                    </p:set>
+                                  </p:childTnLst>
+                                </p:cTn>
+                              </p:par>
+                            </p:childTnLst>
+                          </p:cTn>
+                        </p:par>
+                      </p:childTnLst>
+                    </p:cTn>
+                  </p:par>
+                  <p:par>
+                    <p:cTn id="7" fill="hold">
+                      <p:stCondLst>
+                        <p:cond delay="indefinite"/>
+                      </p:stCondLst>
+                      <p:childTnLst>
+                        <p:par>
+                          <p:cTn id="8" fill="hold">
+                            <p:stCondLst>
+                              <p:cond delay="0"/>
+                            </p:stCondLst>
+                            <p:childTnLst>
+                              <p:par>
+                                <p:cTn id="9" presetID="1" presetClass="entr" presetSubtype="0" fill="hold" nodeType="clickEffect">
+                                  <p:stCondLst>
+                                    <p:cond delay="0"/>
+                                  </p:stCondLst>
+                                  <p:childTnLst>
+                                    <p:set>
+                                      <p:cBhvr>
+                                        <p:cTn id="10" dur="1" fill="hold">
+                                          <p:stCondLst>
+                                            <p:cond delay="0"/>
+                                          </p:stCondLst>
+                                        </p:cTn>
+                                        <p:tgtEl>
+                                          <p:spTgt spid="9">
+                                            <p:txEl>
+                                              <p:pRg st="6" end="6"/>
+                                            </p:txEl>
+                                          </p:spTgt>
+                                        </p:tgtEl>
+                                        <p:attrNameLst>
+                                          <p:attrName>style.visibility</p:attrName>
+                                        </p:attrNameLst>
+                                      </p:cBhvr>
+                                      <p:to>
+                                        <p:strVal val="visible"/>
+                                      </p:to>
+                                    </p:set>
+                                  </p:childTnLst>
+                                </p:cTn>
+                              </p:par>
+                            </p:childTnLst>
+                          </p:cTn>
+                        </p:par>
+                      </p:childTnLst>
+                    </p:cTn>
+                  </p:par>
+                  <p:par>
+                    <p:cTn id="11" fill="hold">
+                      <p:stCondLst>
+                        <p:cond delay="indefinite"/>
+                      </p:stCondLst>
+                      <p:childTnLst>
+                        <p:par>
+                          <p:cTn id="12" fill="hold">
+                            <p:stCondLst>
+                              <p:cond delay="0"/>
+                            </p:stCondLst>
+                            <p:childTnLst>
+                              <p:par>
+                                <p:cTn id="13" presetID="1" presetClass="entr" presetSubtype="0" fill="hold" nodeType="clickEffect">
+                                  <p:stCondLst>
+                                    <p:cond delay="0"/>
+                                  </p:stCondLst>
+                                  <p:childTnLst>
+                                    <p:set>
+                                      <p:cBhvr>
+                                        <p:cTn id="14" dur="1" fill="hold">
+                                          <p:stCondLst>
+                                            <p:cond delay="0"/>
+                                          </p:stCondLst>
+                                        </p:cTn>
+                                        <p:tgtEl>
+                                          <p:spTgt spid="9">
+                                            <p:txEl>
+                                              <p:pRg st="8" end="8"/>
+                                            </p:txEl>
+                                          </p:spTgt>
+                                        </p:tgtEl>
+                                        <p:attrNameLst>
+                                          <p:attrName>style.visibility</p:attrName>
+                                        </p:attrNameLst>
+                                      </p:cBhvr>
+                                      <p:to>
+                                        <p:strVal val="visible"/>
+                                      </p:to>
+                                    </p:set>
+                                  </p:childTnLst>
+                                </p:cTn>
+                              </p:par>
+                            </p:childTnLst>
+                          </p:cTn>
+                        </p:par>
+                      </p:childTnLst>
+                    </p:cTn>
+                  </p:par>
+                </p:childTnLst>
+              </p:cTn>
+              <p:prevCondLst>
+                <p:cond evt="onPrev" delay="0">
+                  <p:tgtEl>
+                    <p:sldTgt/>
+                  </p:tgtEl>
+                </p:cond>
+              </p:prevCondLst>
+              <p:nextCondLst>
+                <p:cond evt="onNext" delay="0">
+                  <p:tgtEl>
+                    <p:sldTgt/>
+                  </p:tgtEl>
+                </p:cond>
+              </p:nextCondLst>
+            </p:seq>
+          </p:childTnLst>
+        </p:cTn>
+      </p:par>
+    </p:tnLst>
+  </p:timing>
 </p:sld>
 </file>
 
@@ -8381,6 +9710,39 @@
             <a:pPr marL="0" indent="0">
               <a:buNone/>
             </a:pPr>
+            <a:endParaRPr lang="en-US" b="1" dirty="0">
+              <a:solidFill>
+                <a:srgbClr val="000087"/>
+              </a:solidFill>
+              <a:latin typeface="Inconsolata Medium" panose="020B0609030003000000" pitchFamily="49" charset="77"/>
+            </a:endParaRPr>
+          </a:p>
+          <a:p>
+            <a:pPr marL="0" indent="0">
+              <a:buNone/>
+            </a:pPr>
+            <a:r>
+              <a:rPr lang="en-US" b="1" dirty="0">
+                <a:latin typeface="Inconsolata Medium" panose="020B0609030003000000" pitchFamily="49" charset="77"/>
+              </a:rPr>
+              <a:t>What's the output?</a:t>
+            </a:r>
+          </a:p>
+          <a:p>
+            <a:pPr marL="0" indent="0">
+              <a:buNone/>
+            </a:pPr>
+            <a:endParaRPr lang="en-US" b="1" dirty="0">
+              <a:solidFill>
+                <a:srgbClr val="000087"/>
+              </a:solidFill>
+              <a:latin typeface="Inconsolata Medium" panose="020B0609030003000000" pitchFamily="49" charset="77"/>
+            </a:endParaRPr>
+          </a:p>
+          <a:p>
+            <a:pPr marL="0" indent="0">
+              <a:buNone/>
+            </a:pPr>
             <a:r>
               <a:rPr lang="en-US" b="1" dirty="0">
                 <a:solidFill>
@@ -8646,6 +10008,85 @@
   <p:clrMapOvr>
     <a:masterClrMapping/>
   </p:clrMapOvr>
+  <p:timing>
+    <p:tnLst>
+      <p:par>
+        <p:cTn id="1" dur="indefinite" restart="never" nodeType="tmRoot">
+          <p:childTnLst>
+            <p:seq concurrent="1" nextAc="seek">
+              <p:cTn id="2" dur="indefinite" nodeType="mainSeq">
+                <p:childTnLst>
+                  <p:par>
+                    <p:cTn id="3" fill="hold">
+                      <p:stCondLst>
+                        <p:cond delay="indefinite"/>
+                      </p:stCondLst>
+                      <p:childTnLst>
+                        <p:par>
+                          <p:cTn id="4" fill="hold">
+                            <p:stCondLst>
+                              <p:cond delay="0"/>
+                            </p:stCondLst>
+                            <p:childTnLst>
+                              <p:par>
+                                <p:cTn id="5" presetID="1" presetClass="entr" presetSubtype="0" fill="hold" nodeType="clickEffect">
+                                  <p:stCondLst>
+                                    <p:cond delay="0"/>
+                                  </p:stCondLst>
+                                  <p:childTnLst>
+                                    <p:set>
+                                      <p:cBhvr>
+                                        <p:cTn id="6" dur="1" fill="hold">
+                                          <p:stCondLst>
+                                            <p:cond delay="0"/>
+                                          </p:stCondLst>
+                                        </p:cTn>
+                                        <p:tgtEl>
+                                          <p:spTgt spid="9">
+                                            <p:txEl>
+                                              <p:pRg st="8" end="8"/>
+                                            </p:txEl>
+                                          </p:spTgt>
+                                        </p:tgtEl>
+                                        <p:attrNameLst>
+                                          <p:attrName>style.visibility</p:attrName>
+                                        </p:attrNameLst>
+                                      </p:cBhvr>
+                                      <p:to>
+                                        <p:strVal val="visible"/>
+                                      </p:to>
+                                    </p:set>
+                                  </p:childTnLst>
+                                </p:cTn>
+                              </p:par>
+                            </p:childTnLst>
+                          </p:cTn>
+                        </p:par>
+                      </p:childTnLst>
+                    </p:cTn>
+                  </p:par>
+                </p:childTnLst>
+              </p:cTn>
+              <p:prevCondLst>
+                <p:cond evt="onPrev" delay="0">
+                  <p:tgtEl>
+                    <p:sldTgt/>
+                  </p:tgtEl>
+                </p:cond>
+              </p:prevCondLst>
+              <p:nextCondLst>
+                <p:cond evt="onNext" delay="0">
+                  <p:tgtEl>
+                    <p:sldTgt/>
+                  </p:tgtEl>
+                </p:cond>
+              </p:nextCondLst>
+            </p:seq>
+          </p:childTnLst>
+        </p:cTn>
+      </p:par>
+    </p:tnLst>
+  </p:timing>
 </p:sld>
 </file>
 
@@ -8732,6 +10173,28 @@
             </a:pPr>
             <a:r>
               <a:rPr lang="en-US" b="1" dirty="0">
+                <a:latin typeface="Inconsolata Medium" panose="020B0609030003000000" pitchFamily="49" charset="77"/>
+              </a:rPr>
+              <a:t>What's the output?</a:t>
+            </a:r>
+          </a:p>
+          <a:p>
+            <a:pPr marL="0" indent="0">
+              <a:buNone/>
+            </a:pPr>
+            <a:endParaRPr lang="en-US" b="1" dirty="0">
+              <a:solidFill>
+                <a:srgbClr val="000087"/>
+              </a:solidFill>
+              <a:latin typeface="Inconsolata Medium" panose="020B0609030003000000" pitchFamily="49" charset="77"/>
+            </a:endParaRPr>
+          </a:p>
+          <a:p>
+            <a:pPr marL="0" indent="0">
+              <a:buNone/>
+            </a:pPr>
+            <a:r>
+              <a:rPr lang="en-US" b="1" dirty="0">
                 <a:solidFill>
                   <a:srgbClr val="000087"/>
                 </a:solidFill>
@@ -9017,6 +10480,147 @@
   <p:clrMapOvr>
     <a:masterClrMapping/>
   </p:clrMapOvr>
+  <p:timing>
+    <p:tnLst>
+      <p:par>
+        <p:cTn id="1" dur="indefinite" restart="never" nodeType="tmRoot">
+          <p:childTnLst>
+            <p:seq concurrent="1" nextAc="seek">
+              <p:cTn id="2" dur="indefinite" nodeType="mainSeq">
+                <p:childTnLst>
+                  <p:par>
+                    <p:cTn id="3" fill="hold">
+                      <p:stCondLst>
+                        <p:cond delay="indefinite"/>
+                      </p:stCondLst>
+                      <p:childTnLst>
+                        <p:par>
+                          <p:cTn id="4" fill="hold">
+                            <p:stCondLst>
+                              <p:cond delay="0"/>
+                            </p:stCondLst>
+                            <p:childTnLst>
+                              <p:par>
+                                <p:cTn id="5" presetID="1" presetClass="entr" presetSubtype="0" fill="hold" nodeType="clickEffect">
+                                  <p:stCondLst>
+                                    <p:cond delay="0"/>
+                                  </p:stCondLst>
+                                  <p:childTnLst>
+                                    <p:set>
+                                      <p:cBhvr>
+                                        <p:cTn id="6" dur="1" fill="hold">
+                                          <p:stCondLst>
+                                            <p:cond delay="0"/>
+                                          </p:stCondLst>
+                                        </p:cTn>
+                                        <p:tgtEl>
+                                          <p:spTgt spid="9">
+                                            <p:txEl>
+                                              <p:pRg st="7" end="7"/>
+                                            </p:txEl>
+                                          </p:spTgt>
+                                        </p:tgtEl>
+                                        <p:attrNameLst>
+                                          <p:attrName>style.visibility</p:attrName>
+                                        </p:attrNameLst>
+                                      </p:cBhvr>
+                                      <p:to>
+                                        <p:strVal val="visible"/>
+                                      </p:to>
+                                    </p:set>
+                                  </p:childTnLst>
+                                </p:cTn>
+                              </p:par>
+                              <p:par>
+                                <p:cTn id="7" presetID="1" presetClass="entr" presetSubtype="0" fill="hold" nodeType="withEffect">
+                                  <p:stCondLst>
+                                    <p:cond delay="0"/>
+                                  </p:stCondLst>
+                                  <p:childTnLst>
+                                    <p:set>
+                                      <p:cBhvr>
+                                        <p:cTn id="8" dur="1" fill="hold">
+                                          <p:stCondLst>
+                                            <p:cond delay="0"/>
+                                          </p:stCondLst>
+                                        </p:cTn>
+                                        <p:tgtEl>
+                                          <p:spTgt spid="9">
+                                            <p:txEl>
+                                              <p:pRg st="8" end="8"/>
+                                            </p:txEl>
+                                          </p:spTgt>
+                                        </p:tgtEl>
+                                        <p:attrNameLst>
+                                          <p:attrName>style.visibility</p:attrName>
+                                        </p:attrNameLst>
+                                      </p:cBhvr>
+                                      <p:to>
+                                        <p:strVal val="visible"/>
+                                      </p:to>
+                                    </p:set>
+                                  </p:childTnLst>
+                                </p:cTn>
+                              </p:par>
+                              <p:par>
+                                <p:cTn id="9" presetID="1" presetClass="entr" presetSubtype="0" fill="hold" nodeType="withEffect">
+                                  <p:stCondLst>
+                                    <p:cond delay="0"/>
+                                  </p:stCondLst>
+                                  <p:childTnLst>
+                                    <p:set>
+                                      <p:cBhvr>
+                                        <p:cTn id="10" dur="1" fill="hold">
+                                          <p:stCondLst>
+                                            <p:cond delay="0"/>
+                                          </p:stCondLst>
+                                        </p:cTn>
+                                        <p:tgtEl>
+                                          <p:spTgt spid="9">
+                                            <p:txEl>
+                                              <p:pRg st="9" end="9"/>
+                                            </p:txEl>
+                                          </p:spTgt>
+                                        </p:tgtEl>
+                                        <p:attrNameLst>
+                                          <p:attrName>style.visibility</p:attrName>
+                                        </p:attrNameLst>
+                                      </p:cBhvr>
+                                      <p:to>
+                                        <p:strVal val="visible"/>
+                                      </p:to>
+                                    </p:set>
+                                  </p:childTnLst>
+                                </p:cTn>
+                              </p:par>
+                            </p:childTnLst>
+                          </p:cTn>
+                        </p:par>
+                      </p:childTnLst>
+                    </p:cTn>
+                  </p:par>
+                </p:childTnLst>
+              </p:cTn>
+              <p:prevCondLst>
+                <p:cond evt="onPrev" delay="0">
+                  <p:tgtEl>
+                    <p:sldTgt/>
+                  </p:tgtEl>
+                </p:cond>
+              </p:prevCondLst>
+              <p:nextCondLst>
+                <p:cond evt="onNext" delay="0">
+                  <p:tgtEl>
+                    <p:sldTgt/>
+                  </p:tgtEl>
+                </p:cond>
+              </p:nextCondLst>
+            </p:seq>
+          </p:childTnLst>
+        </p:cTn>
+      </p:par>
+    </p:tnLst>
+  </p:timing>
 </p:sld>
 </file>
 
@@ -9414,6 +11018,116 @@
   <p:clrMapOvr>
     <a:masterClrMapping/>
   </p:clrMapOvr>
+  <p:timing>
+    <p:tnLst>
+      <p:par>
+        <p:cTn id="1" dur="indefinite" restart="never" nodeType="tmRoot">
+          <p:childTnLst>
+            <p:seq concurrent="1" nextAc="seek">
+              <p:cTn id="2" dur="indefinite" nodeType="mainSeq">
+                <p:childTnLst>
+                  <p:par>
+                    <p:cTn id="3" fill="hold">
+                      <p:stCondLst>
+                        <p:cond delay="indefinite"/>
+                      </p:stCondLst>
+                      <p:childTnLst>
+                        <p:par>
+                          <p:cTn id="4" fill="hold">
+                            <p:stCondLst>
+                              <p:cond delay="0"/>
+                            </p:stCondLst>
+                            <p:childTnLst>
+                              <p:par>
+                                <p:cTn id="5" presetID="1" presetClass="entr" presetSubtype="0" fill="hold" nodeType="clickEffect">
+                                  <p:stCondLst>
+                                    <p:cond delay="0"/>
+                                  </p:stCondLst>
+                                  <p:childTnLst>
+                                    <p:set>
+                                      <p:cBhvr>
+                                        <p:cTn id="6" dur="1" fill="hold">
+                                          <p:stCondLst>
+                                            <p:cond delay="0"/>
+                                          </p:stCondLst>
+                                        </p:cTn>
+                                        <p:tgtEl>
+                                          <p:spTgt spid="9">
+                                            <p:txEl>
+                                              <p:pRg st="8" end="8"/>
+                                            </p:txEl>
+                                          </p:spTgt>
+                                        </p:tgtEl>
+                                        <p:attrNameLst>
+                                          <p:attrName>style.visibility</p:attrName>
+                                        </p:attrNameLst>
+                                      </p:cBhvr>
+                                      <p:to>
+                                        <p:strVal val="visible"/>
+                                      </p:to>
+                                    </p:set>
+                                  </p:childTnLst>
+                                </p:cTn>
+                              </p:par>
+                              <p:par>
+                                <p:cTn id="7" presetID="1" presetClass="entr" presetSubtype="0" fill="hold" nodeType="withEffect">
+                                  <p:stCondLst>
+                                    <p:cond delay="0"/>
+                                  </p:stCondLst>
+                                  <p:childTnLst>
+                                    <p:set>
+                                      <p:cBhvr>
+                                        <p:cTn id="8" dur="1" fill="hold">
+                                          <p:stCondLst>
+                                            <p:cond delay="0"/>
+                                          </p:stCondLst>
+                                        </p:cTn>
+                                        <p:tgtEl>
+                                          <p:spTgt spid="9">
+                                            <p:txEl>
+                                              <p:pRg st="9" end="9"/>
+                                            </p:txEl>
+                                          </p:spTgt>
+                                        </p:tgtEl>
+                                        <p:attrNameLst>
+                                          <p:attrName>style.visibility</p:attrName>
+                                        </p:attrNameLst>
+                                      </p:cBhvr>
+                                      <p:to>
+                                        <p:strVal val="visible"/>
+                                      </p:to>
+                                    </p:set>
+                                  </p:childTnLst>
+                                </p:cTn>
+                              </p:par>
+                            </p:childTnLst>
+                          </p:cTn>
+                        </p:par>
+                      </p:childTnLst>
+                    </p:cTn>
+                  </p:par>
+                </p:childTnLst>
+              </p:cTn>
+              <p:prevCondLst>
+                <p:cond evt="onPrev" delay="0">
+                  <p:tgtEl>
+                    <p:sldTgt/>
+                  </p:tgtEl>
+                </p:cond>
+              </p:prevCondLst>
+              <p:nextCondLst>
+                <p:cond evt="onNext" delay="0">
+                  <p:tgtEl>
+                    <p:sldTgt/>
+                  </p:tgtEl>
+                </p:cond>
+              </p:nextCondLst>
+            </p:seq>
+          </p:childTnLst>
+        </p:cTn>
+      </p:par>
+    </p:tnLst>
+  </p:timing>
 </p:sld>
 </file>
 
@@ -9783,6 +11497,85 @@
   <p:clrMapOvr>
     <a:masterClrMapping/>
   </p:clrMapOvr>
+  <p:timing>
+    <p:tnLst>
+      <p:par>
+        <p:cTn id="1" dur="indefinite" restart="never" nodeType="tmRoot">
+          <p:childTnLst>
+            <p:seq concurrent="1" nextAc="seek">
+              <p:cTn id="2" dur="indefinite" nodeType="mainSeq">
+                <p:childTnLst>
+                  <p:par>
+                    <p:cTn id="3" fill="hold">
+                      <p:stCondLst>
+                        <p:cond delay="indefinite"/>
+                      </p:stCondLst>
+                      <p:childTnLst>
+                        <p:par>
+                          <p:cTn id="4" fill="hold">
+                            <p:stCondLst>
+                              <p:cond delay="0"/>
+                            </p:stCondLst>
+                            <p:childTnLst>
+                              <p:par>
+                                <p:cTn id="5" presetID="1" presetClass="entr" presetSubtype="0" fill="hold" nodeType="clickEffect">
+                                  <p:stCondLst>
+                                    <p:cond delay="0"/>
+                                  </p:stCondLst>
+                                  <p:childTnLst>
+                                    <p:set>
+                                      <p:cBhvr>
+                                        <p:cTn id="6" dur="1" fill="hold">
+                                          <p:stCondLst>
+                                            <p:cond delay="0"/>
+                                          </p:stCondLst>
+                                        </p:cTn>
+                                        <p:tgtEl>
+                                          <p:spTgt spid="9">
+                                            <p:txEl>
+                                              <p:pRg st="7" end="7"/>
+                                            </p:txEl>
+                                          </p:spTgt>
+                                        </p:tgtEl>
+                                        <p:attrNameLst>
+                                          <p:attrName>style.visibility</p:attrName>
+                                        </p:attrNameLst>
+                                      </p:cBhvr>
+                                      <p:to>
+                                        <p:strVal val="visible"/>
+                                      </p:to>
+                                    </p:set>
+                                  </p:childTnLst>
+                                </p:cTn>
+                              </p:par>
+                            </p:childTnLst>
+                          </p:cTn>
+                        </p:par>
+                      </p:childTnLst>
+                    </p:cTn>
+                  </p:par>
+                </p:childTnLst>
+              </p:cTn>
+              <p:prevCondLst>
+                <p:cond evt="onPrev" delay="0">
+                  <p:tgtEl>
+                    <p:sldTgt/>
+                  </p:tgtEl>
+                </p:cond>
+              </p:prevCondLst>
+              <p:nextCondLst>
+                <p:cond evt="onNext" delay="0">
+                  <p:tgtEl>
+                    <p:sldTgt/>
+                  </p:tgtEl>
+                </p:cond>
+              </p:nextCondLst>
+            </p:seq>
+          </p:childTnLst>
+        </p:cTn>
+      </p:par>
+    </p:tnLst>
+  </p:timing>
 </p:sld>
 </file>
 
@@ -10294,6 +12087,320 @@
   <p:clrMapOvr>
     <a:masterClrMapping/>
   </p:clrMapOvr>
+  <p:timing>
+    <p:tnLst>
+      <p:par>
+        <p:cTn id="1" dur="indefinite" restart="never" nodeType="tmRoot">
+          <p:childTnLst>
+            <p:seq concurrent="1" nextAc="seek">
+              <p:cTn id="2" dur="indefinite" nodeType="mainSeq">
+                <p:childTnLst>
+                  <p:par>
+                    <p:cTn id="3" fill="hold">
+                      <p:stCondLst>
+                        <p:cond delay="indefinite"/>
+                      </p:stCondLst>
+                      <p:childTnLst>
+                        <p:par>
+                          <p:cTn id="4" fill="hold">
+                            <p:stCondLst>
+                              <p:cond delay="0"/>
+                            </p:stCondLst>
+                            <p:childTnLst>
+                              <p:par>
+                                <p:cTn id="5" presetID="1" presetClass="entr" presetSubtype="0" fill="hold" nodeType="clickEffect">
+                                  <p:stCondLst>
+                                    <p:cond delay="0"/>
+                                  </p:stCondLst>
+                                  <p:childTnLst>
+                                    <p:set>
+                                      <p:cBhvr>
+                                        <p:cTn id="6" dur="1" fill="hold">
+                                          <p:stCondLst>
+                                            <p:cond delay="0"/>
+                                          </p:stCondLst>
+                                        </p:cTn>
+                                        <p:tgtEl>
+                                          <p:spTgt spid="9">
+                                            <p:txEl>
+                                              <p:pRg st="1" end="1"/>
+                                            </p:txEl>
+                                          </p:spTgt>
+                                        </p:tgtEl>
+                                        <p:attrNameLst>
+                                          <p:attrName>style.visibility</p:attrName>
+                                        </p:attrNameLst>
+                                      </p:cBhvr>
+                                      <p:to>
+                                        <p:strVal val="visible"/>
+                                      </p:to>
+                                    </p:set>
+                                  </p:childTnLst>
+                                </p:cTn>
+                              </p:par>
+                              <p:par>
+                                <p:cTn id="7" presetID="1" presetClass="entr" presetSubtype="0" fill="hold" nodeType="withEffect">
+                                  <p:stCondLst>
+                                    <p:cond delay="0"/>
+                                  </p:stCondLst>
+                                  <p:childTnLst>
+                                    <p:set>
+                                      <p:cBhvr>
+                                        <p:cTn id="8" dur="1" fill="hold">
+                                          <p:stCondLst>
+                                            <p:cond delay="0"/>
+                                          </p:stCondLst>
+                                        </p:cTn>
+                                        <p:tgtEl>
+                                          <p:spTgt spid="9">
+                                            <p:txEl>
+                                              <p:pRg st="2" end="2"/>
+                                            </p:txEl>
+                                          </p:spTgt>
+                                        </p:tgtEl>
+                                        <p:attrNameLst>
+                                          <p:attrName>style.visibility</p:attrName>
+                                        </p:attrNameLst>
+                                      </p:cBhvr>
+                                      <p:to>
+                                        <p:strVal val="visible"/>
+                                      </p:to>
+                                    </p:set>
+                                  </p:childTnLst>
+                                </p:cTn>
+                              </p:par>
+                              <p:par>
+                                <p:cTn id="9" presetID="1" presetClass="entr" presetSubtype="0" fill="hold" nodeType="withEffect">
+                                  <p:stCondLst>
+                                    <p:cond delay="0"/>
+                                  </p:stCondLst>
+                                  <p:childTnLst>
+                                    <p:set>
+                                      <p:cBhvr>
+                                        <p:cTn id="10" dur="1" fill="hold">
+                                          <p:stCondLst>
+                                            <p:cond delay="0"/>
+                                          </p:stCondLst>
+                                        </p:cTn>
+                                        <p:tgtEl>
+                                          <p:spTgt spid="9">
+                                            <p:txEl>
+                                              <p:pRg st="3" end="3"/>
+                                            </p:txEl>
+                                          </p:spTgt>
+                                        </p:tgtEl>
+                                        <p:attrNameLst>
+                                          <p:attrName>style.visibility</p:attrName>
+                                        </p:attrNameLst>
+                                      </p:cBhvr>
+                                      <p:to>
+                                        <p:strVal val="visible"/>
+                                      </p:to>
+                                    </p:set>
+                                  </p:childTnLst>
+                                </p:cTn>
+                              </p:par>
+                              <p:par>
+                                <p:cTn id="11" presetID="1" presetClass="entr" presetSubtype="0" fill="hold" nodeType="withEffect">
+                                  <p:stCondLst>
+                                    <p:cond delay="0"/>
+                                  </p:stCondLst>
+                                  <p:childTnLst>
+                                    <p:set>
+                                      <p:cBhvr>
+                                        <p:cTn id="12" dur="1" fill="hold">
+                                          <p:stCondLst>
+                                            <p:cond delay="0"/>
+                                          </p:stCondLst>
+                                        </p:cTn>
+                                        <p:tgtEl>
+                                          <p:spTgt spid="9">
+                                            <p:txEl>
+                                              <p:pRg st="4" end="4"/>
+                                            </p:txEl>
+                                          </p:spTgt>
+                                        </p:tgtEl>
+                                        <p:attrNameLst>
+                                          <p:attrName>style.visibility</p:attrName>
+                                        </p:attrNameLst>
+                                      </p:cBhvr>
+                                      <p:to>
+                                        <p:strVal val="visible"/>
+                                      </p:to>
+                                    </p:set>
+                                  </p:childTnLst>
+                                </p:cTn>
+                              </p:par>
+                              <p:par>
+                                <p:cTn id="13" presetID="1" presetClass="entr" presetSubtype="0" fill="hold" nodeType="withEffect">
+                                  <p:stCondLst>
+                                    <p:cond delay="0"/>
+                                  </p:stCondLst>
+                                  <p:childTnLst>
+                                    <p:set>
+                                      <p:cBhvr>
+                                        <p:cTn id="14" dur="1" fill="hold">
+                                          <p:stCondLst>
+                                            <p:cond delay="0"/>
+                                          </p:stCondLst>
+                                        </p:cTn>
+                                        <p:tgtEl>
+                                          <p:spTgt spid="9">
+                                            <p:txEl>
+                                              <p:pRg st="5" end="5"/>
+                                            </p:txEl>
+                                          </p:spTgt>
+                                        </p:tgtEl>
+                                        <p:attrNameLst>
+                                          <p:attrName>style.visibility</p:attrName>
+                                        </p:attrNameLst>
+                                      </p:cBhvr>
+                                      <p:to>
+                                        <p:strVal val="visible"/>
+                                      </p:to>
+                                    </p:set>
+                                  </p:childTnLst>
+                                </p:cTn>
+                              </p:par>
+                              <p:par>
+                                <p:cTn id="15" presetID="1" presetClass="entr" presetSubtype="0" fill="hold" nodeType="withEffect">
+                                  <p:stCondLst>
+                                    <p:cond delay="0"/>
+                                  </p:stCondLst>
+                                  <p:childTnLst>
+                                    <p:set>
+                                      <p:cBhvr>
+                                        <p:cTn id="16" dur="1" fill="hold">
+                                          <p:stCondLst>
+                                            <p:cond delay="0"/>
+                                          </p:stCondLst>
+                                        </p:cTn>
+                                        <p:tgtEl>
+                                          <p:spTgt spid="9">
+                                            <p:txEl>
+                                              <p:pRg st="6" end="6"/>
+                                            </p:txEl>
+                                          </p:spTgt>
+                                        </p:tgtEl>
+                                        <p:attrNameLst>
+                                          <p:attrName>style.visibility</p:attrName>
+                                        </p:attrNameLst>
+                                      </p:cBhvr>
+                                      <p:to>
+                                        <p:strVal val="visible"/>
+                                      </p:to>
+                                    </p:set>
+                                  </p:childTnLst>
+                                </p:cTn>
+                              </p:par>
+                              <p:par>
+                                <p:cTn id="17" presetID="1" presetClass="entr" presetSubtype="0" fill="hold" nodeType="withEffect">
+                                  <p:stCondLst>
+                                    <p:cond delay="0"/>
+                                  </p:stCondLst>
+                                  <p:childTnLst>
+                                    <p:set>
+                                      <p:cBhvr>
+                                        <p:cTn id="18" dur="1" fill="hold">
+                                          <p:stCondLst>
+                                            <p:cond delay="0"/>
+                                          </p:stCondLst>
+                                        </p:cTn>
+                                        <p:tgtEl>
+                                          <p:spTgt spid="9">
+                                            <p:txEl>
+                                              <p:pRg st="7" end="7"/>
+                                            </p:txEl>
+                                          </p:spTgt>
+                                        </p:tgtEl>
+                                        <p:attrNameLst>
+                                          <p:attrName>style.visibility</p:attrName>
+                                        </p:attrNameLst>
+                                      </p:cBhvr>
+                                      <p:to>
+                                        <p:strVal val="visible"/>
+                                      </p:to>
+                                    </p:set>
+                                  </p:childTnLst>
+                                </p:cTn>
+                              </p:par>
+                            </p:childTnLst>
+                          </p:cTn>
+                        </p:par>
+                      </p:childTnLst>
+                    </p:cTn>
+                  </p:par>
+                  <p:par>
+                    <p:cTn id="19" fill="hold">
+                      <p:stCondLst>
+                        <p:cond delay="indefinite"/>
+                      </p:stCondLst>
+                      <p:childTnLst>
+                        <p:par>
+                          <p:cTn id="20" fill="hold">
+                            <p:stCondLst>
+                              <p:cond delay="0"/>
+                            </p:stCondLst>
+                            <p:childTnLst>
+                              <p:par>
+                                <p:cTn id="21" presetID="1" presetClass="entr" presetSubtype="0" fill="hold" nodeType="clickEffect">
+                                  <p:stCondLst>
+                                    <p:cond delay="0"/>
+                                  </p:stCondLst>
+                                  <p:childTnLst>
+                                    <p:set>
+                                      <p:cBhvr>
+                                        <p:cTn id="22" dur="1" fill="hold">
+                                          <p:stCondLst>
+                                            <p:cond delay="0"/>
+                                          </p:stCondLst>
+                                        </p:cTn>
+                                        <p:tgtEl>
+                                          <p:spTgt spid="9">
+                                            <p:txEl>
+                                              <p:pRg st="9" end="9"/>
+                                            </p:txEl>
+                                          </p:spTgt>
+                                        </p:tgtEl>
+                                        <p:attrNameLst>
+                                          <p:attrName>style.visibility</p:attrName>
+                                        </p:attrNameLst>
+                                      </p:cBhvr>
+                                      <p:to>
+                                        <p:strVal val="visible"/>
+                                      </p:to>
+                                    </p:set>
+                                  </p:childTnLst>
+                                </p:cTn>
+                              </p:par>
+                            </p:childTnLst>
+                          </p:cTn>
+                        </p:par>
+                      </p:childTnLst>
+                    </p:cTn>
+                  </p:par>
+                </p:childTnLst>
+              </p:cTn>
+              <p:prevCondLst>
+                <p:cond evt="onPrev" delay="0">
+                  <p:tgtEl>
+                    <p:sldTgt/>
+                  </p:tgtEl>
+                </p:cond>
+              </p:prevCondLst>
+              <p:nextCondLst>
+                <p:cond evt="onNext" delay="0">
+                  <p:tgtEl>
+                    <p:sldTgt/>
+                  </p:tgtEl>
+                </p:cond>
+              </p:nextCondLst>
+            </p:seq>
+          </p:childTnLst>
+        </p:cTn>
+      </p:par>
+    </p:tnLst>
+  </p:timing>
 </p:sld>
 </file>
 
@@ -10798,6 +12905,134 @@
   <p:clrMapOvr>
     <a:masterClrMapping/>
   </p:clrMapOvr>
+  <p:timing>
+    <p:tnLst>
+      <p:par>
+        <p:cTn id="1" dur="indefinite" restart="never" nodeType="tmRoot">
+          <p:childTnLst>
+            <p:seq concurrent="1" nextAc="seek">
+              <p:cTn id="2" dur="indefinite" nodeType="mainSeq">
+                <p:childTnLst>
+                  <p:par>
+                    <p:cTn id="3" fill="hold">
+                      <p:stCondLst>
+                        <p:cond delay="indefinite"/>
+                      </p:stCondLst>
+                      <p:childTnLst>
+                        <p:par>
+                          <p:cTn id="4" fill="hold">
+                            <p:stCondLst>
+                              <p:cond delay="0"/>
+                            </p:stCondLst>
+                            <p:childTnLst>
+                              <p:par>
+                                <p:cTn id="5" presetID="1" presetClass="entr" presetSubtype="0" fill="hold" nodeType="clickEffect">
+                                  <p:stCondLst>
+                                    <p:cond delay="0"/>
+                                  </p:stCondLst>
+                                  <p:childTnLst>
+                                    <p:set>
+                                      <p:cBhvr>
+                                        <p:cTn id="6" dur="1" fill="hold">
+                                          <p:stCondLst>
+                                            <p:cond delay="0"/>
+                                          </p:stCondLst>
+                                        </p:cTn>
+                                        <p:tgtEl>
+                                          <p:spTgt spid="9">
+                                            <p:txEl>
+                                              <p:pRg st="9" end="9"/>
+                                            </p:txEl>
+                                          </p:spTgt>
+                                        </p:tgtEl>
+                                        <p:attrNameLst>
+                                          <p:attrName>style.visibility</p:attrName>
+                                        </p:attrNameLst>
+                                      </p:cBhvr>
+                                      <p:to>
+                                        <p:strVal val="visible"/>
+                                      </p:to>
+                                    </p:set>
+                                  </p:childTnLst>
+                                </p:cTn>
+                              </p:par>
+                            </p:childTnLst>
+                          </p:cTn>
+                        </p:par>
+                      </p:childTnLst>
+                    </p:cTn>
+                  </p:par>
+                  <p:par>
+                    <p:cTn id="7" fill="hold">
+                      <p:stCondLst>
+                        <p:cond delay="indefinite"/>
+                      </p:stCondLst>
+                      <p:childTnLst>
+                        <p:par>
+                          <p:cTn id="8" fill="hold">
+                            <p:stCondLst>
+                              <p:cond delay="0"/>
+                            </p:stCondLst>
+                            <p:childTnLst>
+                              <p:par>
+                                <p:cTn id="9" presetID="1" presetClass="entr" presetSubtype="0" fill="hold" nodeType="clickEffect">
+                                  <p:stCondLst>
+                                    <p:cond delay="0"/>
+                                  </p:stCondLst>
+                                  <p:childTnLst>
+                                    <p:set>
+                                      <p:cBhvr>
+                                        <p:cTn id="10" dur="1" fill="hold">
+                                          <p:stCondLst>
+                                            <p:cond delay="0"/>
+                                          </p:stCondLst>
+                                        </p:cTn>
+                                        <p:tgtEl>
+                                          <p:spTgt spid="9">
+                                            <p:txEl>
+                                              <p:pRg st="11" end="11"/>
+                                            </p:txEl>
+                                          </p:spTgt>
+                                        </p:tgtEl>
+                                        <p:attrNameLst>
+                                          <p:attrName>style.visibility</p:attrName>
+                                        </p:attrNameLst>
+                                      </p:cBhvr>
+                                      <p:to>
+                                        <p:strVal val="visible"/>
+                                      </p:to>
+                                    </p:set>
+                                  </p:childTnLst>
+                                </p:cTn>
+                              </p:par>
+                            </p:childTnLst>
+                          </p:cTn>
+                        </p:par>
+                      </p:childTnLst>
+                    </p:cTn>
+                  </p:par>
+                </p:childTnLst>
+              </p:cTn>
+              <p:prevCondLst>
+                <p:cond evt="onPrev" delay="0">
+                  <p:tgtEl>
+                    <p:sldTgt/>
+                  </p:tgtEl>
+                </p:cond>
+              </p:prevCondLst>
+              <p:nextCondLst>
+                <p:cond evt="onNext" delay="0">
+                  <p:tgtEl>
+                    <p:sldTgt/>
+                  </p:tgtEl>
+                </p:cond>
+              </p:nextCondLst>
+            </p:seq>
+          </p:childTnLst>
+        </p:cTn>
+      </p:par>
+    </p:tnLst>
+  </p:timing>
 </p:sld>
 </file>
 

--- a/courses/apcsp/lect3.pptx
+++ b/courses/apcsp/lect3.pptx
@@ -132,7 +132,7 @@
 <file path=ppt/revisionInfo.xml><?xml version="1.0" encoding="utf-8"?>
 <p1510:revInfo xmlns:a="http://schemas.openxmlformats.org/drawingml/2006/main" xmlns:r="http://schemas.openxmlformats.org/officeDocument/2006/relationships" xmlns:p1510="http://schemas.microsoft.com/office/powerpoint/2015/10/main">
   <p1510:revLst>
-    <p1510:client id="{2296133F-0C64-EC42-922B-94F16C0DE057}" v="108" dt="2019-09-17T02:31:37.317"/>
+    <p1510:client id="{2296133F-0C64-EC42-922B-94F16C0DE057}" v="117" dt="2019-09-17T13:57:41.470"/>
   </p1510:revLst>
 </p1510:revInfo>
 </file>
@@ -151,7 +151,7 @@
   <pc:docChgLst>
     <pc:chgData name="Long B Nguyen" userId="f59fb8f3-a021-417a-8bc1-65c8d471c621" providerId="ADAL" clId="{2296133F-0C64-EC42-922B-94F16C0DE057}"/>
     <pc:docChg chg="undo custSel addSld delSld modSld">
-      <pc:chgData name="Long B Nguyen" userId="f59fb8f3-a021-417a-8bc1-65c8d471c621" providerId="ADAL" clId="{2296133F-0C64-EC42-922B-94F16C0DE057}" dt="2019-09-17T02:31:37.317" v="1707"/>
+      <pc:chgData name="Long B Nguyen" userId="f59fb8f3-a021-417a-8bc1-65c8d471c621" providerId="ADAL" clId="{2296133F-0C64-EC42-922B-94F16C0DE057}" dt="2019-09-17T13:57:41.470" v="1716"/>
       <pc:docMkLst>
         <pc:docMk/>
       </pc:docMkLst>
@@ -313,7 +313,7 @@
         </pc:sldMkLst>
       </pc:sldChg>
       <pc:sldChg chg="modSp modAnim">
-        <pc:chgData name="Long B Nguyen" userId="f59fb8f3-a021-417a-8bc1-65c8d471c621" providerId="ADAL" clId="{2296133F-0C64-EC42-922B-94F16C0DE057}" dt="2019-09-17T02:31:33.358" v="1706"/>
+        <pc:chgData name="Long B Nguyen" userId="f59fb8f3-a021-417a-8bc1-65c8d471c621" providerId="ADAL" clId="{2296133F-0C64-EC42-922B-94F16C0DE057}" dt="2019-09-17T13:57:41.470" v="1716"/>
         <pc:sldMkLst>
           <pc:docMk/>
           <pc:sldMk cId="3539054576" sldId="294"/>
@@ -343,13 +343,13 @@
         </pc:spChg>
       </pc:sldChg>
       <pc:sldChg chg="modSp add modAnim">
-        <pc:chgData name="Long B Nguyen" userId="f59fb8f3-a021-417a-8bc1-65c8d471c621" providerId="ADAL" clId="{2296133F-0C64-EC42-922B-94F16C0DE057}" dt="2019-09-17T02:30:31.974" v="1696"/>
+        <pc:chgData name="Long B Nguyen" userId="f59fb8f3-a021-417a-8bc1-65c8d471c621" providerId="ADAL" clId="{2296133F-0C64-EC42-922B-94F16C0DE057}" dt="2019-09-17T13:56:31.165" v="1713" actId="20577"/>
         <pc:sldMkLst>
           <pc:docMk/>
           <pc:sldMk cId="2255397433" sldId="296"/>
         </pc:sldMkLst>
         <pc:spChg chg="mod">
-          <ac:chgData name="Long B Nguyen" userId="f59fb8f3-a021-417a-8bc1-65c8d471c621" providerId="ADAL" clId="{2296133F-0C64-EC42-922B-94F16C0DE057}" dt="2019-09-16T13:35:08.623" v="1194" actId="20577"/>
+          <ac:chgData name="Long B Nguyen" userId="f59fb8f3-a021-417a-8bc1-65c8d471c621" providerId="ADAL" clId="{2296133F-0C64-EC42-922B-94F16C0DE057}" dt="2019-09-17T13:56:31.165" v="1713" actId="20577"/>
           <ac:spMkLst>
             <pc:docMk/>
             <pc:sldMk cId="2255397433" sldId="296"/>
@@ -569,7 +569,7 @@
           <a:p>
             <a:fld id="{4AAD347D-5ACD-4C99-B74B-A9C85AD731AF}" type="datetimeFigureOut">
               <a:rPr lang="en-US" smtClean="0"/>
-              <a:t>9/16/19</a:t>
+              <a:t>9/17/19</a:t>
             </a:fld>
             <a:endParaRPr lang="en-US" dirty="0"/>
           </a:p>
@@ -739,7 +739,7 @@
           <a:p>
             <a:fld id="{4509A250-FF31-4206-8172-F9D3106AACB1}" type="datetimeFigureOut">
               <a:rPr lang="en-US" smtClean="0"/>
-              <a:t>9/16/19</a:t>
+              <a:t>9/17/19</a:t>
             </a:fld>
             <a:endParaRPr lang="en-US" dirty="0"/>
           </a:p>
@@ -919,7 +919,7 @@
           <a:p>
             <a:fld id="{4509A250-FF31-4206-8172-F9D3106AACB1}" type="datetimeFigureOut">
               <a:rPr lang="en-US" smtClean="0"/>
-              <a:t>9/16/19</a:t>
+              <a:t>9/17/19</a:t>
             </a:fld>
             <a:endParaRPr lang="en-US" dirty="0"/>
           </a:p>
@@ -1089,7 +1089,7 @@
           <a:p>
             <a:fld id="{4509A250-FF31-4206-8172-F9D3106AACB1}" type="datetimeFigureOut">
               <a:rPr lang="en-US" smtClean="0"/>
-              <a:t>9/16/19</a:t>
+              <a:t>9/17/19</a:t>
             </a:fld>
             <a:endParaRPr lang="en-US" dirty="0"/>
           </a:p>
@@ -1335,7 +1335,7 @@
           <a:p>
             <a:fld id="{9796027F-7875-4030-9381-8BD8C4F21935}" type="datetimeFigureOut">
               <a:rPr lang="en-US" smtClean="0"/>
-              <a:t>9/16/19</a:t>
+              <a:t>9/17/19</a:t>
             </a:fld>
             <a:endParaRPr lang="en-US" dirty="0"/>
           </a:p>
@@ -1567,7 +1567,7 @@
           <a:p>
             <a:fld id="{9796027F-7875-4030-9381-8BD8C4F21935}" type="datetimeFigureOut">
               <a:rPr lang="en-US" smtClean="0"/>
-              <a:t>9/16/19</a:t>
+              <a:t>9/17/19</a:t>
             </a:fld>
             <a:endParaRPr lang="en-US" dirty="0"/>
           </a:p>
@@ -1934,7 +1934,7 @@
           <a:p>
             <a:fld id="{9796027F-7875-4030-9381-8BD8C4F21935}" type="datetimeFigureOut">
               <a:rPr lang="en-US" smtClean="0"/>
-              <a:t>9/16/19</a:t>
+              <a:t>9/17/19</a:t>
             </a:fld>
             <a:endParaRPr lang="en-US" dirty="0"/>
           </a:p>
@@ -2052,7 +2052,7 @@
           <a:p>
             <a:fld id="{4509A250-FF31-4206-8172-F9D3106AACB1}" type="datetimeFigureOut">
               <a:rPr lang="en-US" smtClean="0"/>
-              <a:t>9/16/19</a:t>
+              <a:t>9/17/19</a:t>
             </a:fld>
             <a:endParaRPr lang="en-US" dirty="0"/>
           </a:p>
@@ -2147,7 +2147,7 @@
           <a:p>
             <a:fld id="{4509A250-FF31-4206-8172-F9D3106AACB1}" type="datetimeFigureOut">
               <a:rPr lang="en-US" smtClean="0"/>
-              <a:t>9/16/19</a:t>
+              <a:t>9/17/19</a:t>
             </a:fld>
             <a:endParaRPr lang="en-US" dirty="0"/>
           </a:p>
@@ -2424,7 +2424,7 @@
           <a:p>
             <a:fld id="{4509A250-FF31-4206-8172-F9D3106AACB1}" type="datetimeFigureOut">
               <a:rPr lang="en-US" smtClean="0"/>
-              <a:t>9/16/19</a:t>
+              <a:t>9/17/19</a:t>
             </a:fld>
             <a:endParaRPr lang="en-US" dirty="0"/>
           </a:p>
@@ -2681,7 +2681,7 @@
           <a:p>
             <a:fld id="{4509A250-FF31-4206-8172-F9D3106AACB1}" type="datetimeFigureOut">
               <a:rPr lang="en-US" smtClean="0"/>
-              <a:t>9/16/19</a:t>
+              <a:t>9/17/19</a:t>
             </a:fld>
             <a:endParaRPr lang="en-US" dirty="0"/>
           </a:p>
@@ -2894,7 +2894,7 @@
           <a:p>
             <a:fld id="{4AAD347D-5ACD-4C99-B74B-A9C85AD731AF}" type="datetimeFigureOut">
               <a:rPr lang="en-US" smtClean="0"/>
-              <a:t>9/16/19</a:t>
+              <a:t>9/17/19</a:t>
             </a:fld>
             <a:endParaRPr lang="en-US" dirty="0"/>
           </a:p>
@@ -4036,7 +4036,7 @@
               <a:rPr lang="en-US" sz="2000" b="1" dirty="0">
                 <a:latin typeface="Inconsolata Medium" panose="020B0609030003000000" pitchFamily="49" charset="77"/>
               </a:rPr>
-              <a:t>Note that only the first if block is executed! Even though all three conditions are true.</a:t>
+              <a:t>Note that only the first if block is executed, even though all three conditions are true.</a:t>
             </a:r>
           </a:p>
           <a:p>
@@ -8475,6 +8475,117 @@
                                     <p:set>
                                       <p:cBhvr>
                                         <p:cTn id="6" dur="1" fill="hold">
+                                          <p:stCondLst>
+                                            <p:cond delay="0"/>
+                                          </p:stCondLst>
+                                        </p:cTn>
+                                        <p:tgtEl>
+                                          <p:spTgt spid="9">
+                                            <p:txEl>
+                                              <p:pRg st="3" end="3"/>
+                                            </p:txEl>
+                                          </p:spTgt>
+                                        </p:tgtEl>
+                                        <p:attrNameLst>
+                                          <p:attrName>style.visibility</p:attrName>
+                                        </p:attrNameLst>
+                                      </p:cBhvr>
+                                      <p:to>
+                                        <p:strVal val="visible"/>
+                                      </p:to>
+                                    </p:set>
+                                  </p:childTnLst>
+                                </p:cTn>
+                              </p:par>
+                              <p:par>
+                                <p:cTn id="7" presetID="1" presetClass="entr" presetSubtype="0" fill="hold" nodeType="withEffect">
+                                  <p:stCondLst>
+                                    <p:cond delay="0"/>
+                                  </p:stCondLst>
+                                  <p:childTnLst>
+                                    <p:set>
+                                      <p:cBhvr>
+                                        <p:cTn id="8" dur="1" fill="hold">
+                                          <p:stCondLst>
+                                            <p:cond delay="0"/>
+                                          </p:stCondLst>
+                                        </p:cTn>
+                                        <p:tgtEl>
+                                          <p:spTgt spid="9">
+                                            <p:txEl>
+                                              <p:pRg st="4" end="4"/>
+                                            </p:txEl>
+                                          </p:spTgt>
+                                        </p:tgtEl>
+                                        <p:attrNameLst>
+                                          <p:attrName>style.visibility</p:attrName>
+                                        </p:attrNameLst>
+                                      </p:cBhvr>
+                                      <p:to>
+                                        <p:strVal val="visible"/>
+                                      </p:to>
+                                    </p:set>
+                                  </p:childTnLst>
+                                </p:cTn>
+                              </p:par>
+                              <p:par>
+                                <p:cTn id="9" presetID="1" presetClass="entr" presetSubtype="0" fill="hold" nodeType="withEffect">
+                                  <p:stCondLst>
+                                    <p:cond delay="0"/>
+                                  </p:stCondLst>
+                                  <p:childTnLst>
+                                    <p:set>
+                                      <p:cBhvr>
+                                        <p:cTn id="10" dur="1" fill="hold">
+                                          <p:stCondLst>
+                                            <p:cond delay="0"/>
+                                          </p:stCondLst>
+                                        </p:cTn>
+                                        <p:tgtEl>
+                                          <p:spTgt spid="9">
+                                            <p:txEl>
+                                              <p:pRg st="5" end="5"/>
+                                            </p:txEl>
+                                          </p:spTgt>
+                                        </p:tgtEl>
+                                        <p:attrNameLst>
+                                          <p:attrName>style.visibility</p:attrName>
+                                        </p:attrNameLst>
+                                      </p:cBhvr>
+                                      <p:to>
+                                        <p:strVal val="visible"/>
+                                      </p:to>
+                                    </p:set>
+                                  </p:childTnLst>
+                                </p:cTn>
+                              </p:par>
+                            </p:childTnLst>
+                          </p:cTn>
+                        </p:par>
+                      </p:childTnLst>
+                    </p:cTn>
+                  </p:par>
+                  <p:par>
+                    <p:cTn id="11" fill="hold">
+                      <p:stCondLst>
+                        <p:cond delay="indefinite"/>
+                      </p:stCondLst>
+                      <p:childTnLst>
+                        <p:par>
+                          <p:cTn id="12" fill="hold">
+                            <p:stCondLst>
+                              <p:cond delay="0"/>
+                            </p:stCondLst>
+                            <p:childTnLst>
+                              <p:par>
+                                <p:cTn id="13" presetID="1" presetClass="entr" presetSubtype="0" fill="hold" nodeType="clickEffect">
+                                  <p:stCondLst>
+                                    <p:cond delay="0"/>
+                                  </p:stCondLst>
+                                  <p:childTnLst>
+                                    <p:set>
+                                      <p:cBhvr>
+                                        <p:cTn id="14" dur="1" fill="hold">
                                           <p:stCondLst>
                                             <p:cond delay="0"/>
                                           </p:stCondLst>

--- a/courses/apcsp/lect3.pptx
+++ b/courses/apcsp/lect3.pptx
@@ -132,7 +132,7 @@
 <file path=ppt/revisionInfo.xml><?xml version="1.0" encoding="utf-8"?>
 <p1510:revInfo xmlns:a="http://schemas.openxmlformats.org/drawingml/2006/main" xmlns:r="http://schemas.openxmlformats.org/officeDocument/2006/relationships" xmlns:p1510="http://schemas.microsoft.com/office/powerpoint/2015/10/main">
   <p1510:revLst>
-    <p1510:client id="{2296133F-0C64-EC42-922B-94F16C0DE057}" v="117" dt="2019-09-17T13:57:41.470"/>
+    <p1510:client id="{2296133F-0C64-EC42-922B-94F16C0DE057}" v="121" dt="2019-09-17T14:56:41.628"/>
   </p1510:revLst>
 </p1510:revInfo>
 </file>
@@ -151,7 +151,7 @@
   <pc:docChgLst>
     <pc:chgData name="Long B Nguyen" userId="f59fb8f3-a021-417a-8bc1-65c8d471c621" providerId="ADAL" clId="{2296133F-0C64-EC42-922B-94F16C0DE057}"/>
     <pc:docChg chg="undo custSel addSld delSld modSld">
-      <pc:chgData name="Long B Nguyen" userId="f59fb8f3-a021-417a-8bc1-65c8d471c621" providerId="ADAL" clId="{2296133F-0C64-EC42-922B-94F16C0DE057}" dt="2019-09-17T13:57:41.470" v="1716"/>
+      <pc:chgData name="Long B Nguyen" userId="f59fb8f3-a021-417a-8bc1-65c8d471c621" providerId="ADAL" clId="{2296133F-0C64-EC42-922B-94F16C0DE057}" dt="2019-09-17T14:56:41.628" v="1720" actId="20577"/>
       <pc:docMkLst>
         <pc:docMk/>
       </pc:docMkLst>
@@ -305,12 +305,20 @@
           </ac:spMkLst>
         </pc:spChg>
       </pc:sldChg>
-      <pc:sldChg chg="modAnim">
-        <pc:chgData name="Long B Nguyen" userId="f59fb8f3-a021-417a-8bc1-65c8d471c621" providerId="ADAL" clId="{2296133F-0C64-EC42-922B-94F16C0DE057}" dt="2019-09-17T02:30:58.989" v="1701"/>
+      <pc:sldChg chg="modSp modAnim">
+        <pc:chgData name="Long B Nguyen" userId="f59fb8f3-a021-417a-8bc1-65c8d471c621" providerId="ADAL" clId="{2296133F-0C64-EC42-922B-94F16C0DE057}" dt="2019-09-17T14:56:41.628" v="1720" actId="20577"/>
         <pc:sldMkLst>
           <pc:docMk/>
           <pc:sldMk cId="439805773" sldId="293"/>
         </pc:sldMkLst>
+        <pc:spChg chg="mod">
+          <ac:chgData name="Long B Nguyen" userId="f59fb8f3-a021-417a-8bc1-65c8d471c621" providerId="ADAL" clId="{2296133F-0C64-EC42-922B-94F16C0DE057}" dt="2019-09-17T14:56:41.628" v="1720" actId="20577"/>
+          <ac:spMkLst>
+            <pc:docMk/>
+            <pc:sldMk cId="439805773" sldId="293"/>
+            <ac:spMk id="9" creationId="{E3B2E017-30B2-884B-A113-B419A2ED51AD}"/>
+          </ac:spMkLst>
+        </pc:spChg>
       </pc:sldChg>
       <pc:sldChg chg="modSp modAnim">
         <pc:chgData name="Long B Nguyen" userId="f59fb8f3-a021-417a-8bc1-65c8d471c621" providerId="ADAL" clId="{2296133F-0C64-EC42-922B-94F16C0DE057}" dt="2019-09-17T13:57:41.470" v="1716"/>
@@ -5784,7 +5792,7 @@
               <a:buNone/>
             </a:pPr>
             <a:r>
-              <a:rPr lang="en-US" b="1" dirty="0">
+              <a:rPr lang="en-US" b="1">
                 <a:solidFill>
                   <a:srgbClr val="006699"/>
                 </a:solidFill>
@@ -5793,13 +5801,7 @@
               <a:t>if </a:t>
             </a:r>
             <a:r>
-              <a:rPr lang="en-US" b="1" dirty="0">
-                <a:latin typeface="Inconsolata Medium" panose="020B0609030003000000" pitchFamily="49" charset="77"/>
-              </a:rPr>
-              <a:t>(</a:t>
-            </a:r>
-            <a:r>
-              <a:rPr lang="en-US" b="1" dirty="0">
+              <a:rPr lang="en-US" b="1">
                 <a:solidFill>
                   <a:srgbClr val="000087"/>
                 </a:solidFill>
@@ -5808,22 +5810,25 @@
               <a:t>x &gt; </a:t>
             </a:r>
             <a:r>
-              <a:rPr lang="en-US" b="1" dirty="0">
+              <a:rPr lang="en-US" b="1">
                 <a:solidFill>
                   <a:srgbClr val="FF6600"/>
                 </a:solidFill>
                 <a:latin typeface="Inconsolata Medium" panose="020B0609030003000000" pitchFamily="49" charset="77"/>
               </a:rPr>
-              <a:t>0</a:t>
-            </a:r>
-            <a:r>
-              <a:rPr lang="en-US" b="1" dirty="0">
-                <a:latin typeface="Inconsolata Medium" panose="020B0609030003000000" pitchFamily="49" charset="77"/>
-              </a:rPr>
-              <a:t>)</a:t>
-            </a:r>
-            <a:r>
-              <a:rPr lang="en-US" b="1" dirty="0">
+              <a:t>0 </a:t>
+            </a:r>
+            <a:r>
+              <a:rPr lang="en-US" b="1">
+                <a:solidFill>
+                  <a:srgbClr val="006699"/>
+                </a:solidFill>
+                <a:latin typeface="Inconsolata Medium" panose="020B0609030003000000" pitchFamily="49" charset="77"/>
+              </a:rPr>
+              <a:t>and</a:t>
+            </a:r>
+            <a:r>
+              <a:rPr lang="en-US" b="1">
                 <a:solidFill>
                   <a:srgbClr val="FF6600"/>
                 </a:solidFill>
@@ -5832,53 +5837,32 @@
               <a:t> </a:t>
             </a:r>
             <a:r>
-              <a:rPr lang="en-US" b="1" dirty="0">
-                <a:solidFill>
-                  <a:srgbClr val="006699"/>
-                </a:solidFill>
-                <a:latin typeface="Inconsolata Medium" panose="020B0609030003000000" pitchFamily="49" charset="77"/>
-              </a:rPr>
-              <a:t>and</a:t>
-            </a:r>
-            <a:r>
-              <a:rPr lang="en-US" b="1" dirty="0">
+              <a:rPr lang="en-US" b="1">
+                <a:solidFill>
+                  <a:srgbClr val="000087"/>
+                </a:solidFill>
+                <a:latin typeface="Inconsolata Medium" panose="020B0609030003000000" pitchFamily="49" charset="77"/>
+              </a:rPr>
+              <a:t>x &lt; </a:t>
+            </a:r>
+            <a:r>
+              <a:rPr lang="en-US" b="1">
                 <a:solidFill>
                   <a:srgbClr val="FF6600"/>
                 </a:solidFill>
                 <a:latin typeface="Inconsolata Medium" panose="020B0609030003000000" pitchFamily="49" charset="77"/>
               </a:rPr>
-              <a:t> </a:t>
-            </a:r>
-            <a:r>
-              <a:rPr lang="en-US" b="1" dirty="0">
-                <a:latin typeface="Inconsolata Medium" panose="020B0609030003000000" pitchFamily="49" charset="77"/>
-              </a:rPr>
-              <a:t>(</a:t>
-            </a:r>
-            <a:r>
-              <a:rPr lang="en-US" b="1" dirty="0">
-                <a:solidFill>
-                  <a:srgbClr val="000087"/>
-                </a:solidFill>
-                <a:latin typeface="Inconsolata Medium" panose="020B0609030003000000" pitchFamily="49" charset="77"/>
-              </a:rPr>
-              <a:t>x &lt; </a:t>
-            </a:r>
-            <a:r>
-              <a:rPr lang="en-US" b="1" dirty="0">
-                <a:solidFill>
-                  <a:srgbClr val="FF6600"/>
-                </a:solidFill>
-                <a:latin typeface="Inconsolata Medium" panose="020B0609030003000000" pitchFamily="49" charset="77"/>
-              </a:rPr>
               <a:t>10</a:t>
             </a:r>
             <a:r>
-              <a:rPr lang="en-US" b="1" dirty="0">
-                <a:latin typeface="Inconsolata Medium" panose="020B0609030003000000" pitchFamily="49" charset="77"/>
-              </a:rPr>
-              <a:t>):</a:t>
-            </a:r>
+              <a:rPr lang="en-US" b="1">
+                <a:latin typeface="Inconsolata Medium" panose="020B0609030003000000" pitchFamily="49" charset="77"/>
+              </a:rPr>
+              <a:t>:</a:t>
+            </a:r>
+            <a:endParaRPr lang="en-US" b="1" dirty="0">
+              <a:latin typeface="Inconsolata Medium" panose="020B0609030003000000" pitchFamily="49" charset="77"/>
+            </a:endParaRPr>
           </a:p>
           <a:p>
             <a:pPr marL="342900" lvl="1" indent="0">

--- a/courses/apcsp/lect3.pptx
+++ b/courses/apcsp/lect3.pptx
@@ -132,7 +132,7 @@
 <file path=ppt/revisionInfo.xml><?xml version="1.0" encoding="utf-8"?>
 <p1510:revInfo xmlns:a="http://schemas.openxmlformats.org/drawingml/2006/main" xmlns:r="http://schemas.openxmlformats.org/officeDocument/2006/relationships" xmlns:p1510="http://schemas.microsoft.com/office/powerpoint/2015/10/main">
   <p1510:revLst>
-    <p1510:client id="{2296133F-0C64-EC42-922B-94F16C0DE057}" v="121" dt="2019-09-17T14:56:41.628"/>
+    <p1510:client id="{2296133F-0C64-EC42-922B-94F16C0DE057}" v="168" dt="2020-10-09T13:16:24.160"/>
   </p1510:revLst>
 </p1510:revInfo>
 </file>
@@ -140,18 +140,9 @@
 <file path=ppt/changesInfos/changesInfo1.xml><?xml version="1.0" encoding="utf-8"?>
 <pc:chgInfo xmlns:a="http://schemas.openxmlformats.org/drawingml/2006/main" xmlns:r="http://schemas.openxmlformats.org/officeDocument/2006/relationships" xmlns:ac="http://schemas.microsoft.com/office/drawing/2013/main/command" xmlns:pc="http://schemas.microsoft.com/office/powerpoint/2013/main/command">
   <pc:docChgLst>
-    <pc:chgData name="Long B Nguyen" userId="f59fb8f3-a021-417a-8bc1-65c8d471c621" providerId="ADAL" clId="{359527BD-9D28-FA41-9B76-D4C412CACD55}"/>
-  </pc:docChgLst>
-  <pc:docChgLst>
-    <pc:chgData name="Long B Nguyen" userId="f59fb8f3-a021-417a-8bc1-65c8d471c621" providerId="ADAL" clId="{E5BF62A1-4F8A-BC49-8FD7-ABEA3D28ED25}"/>
-  </pc:docChgLst>
-  <pc:docChgLst>
-    <pc:chgData name="Long B Nguyen" userId="f59fb8f3-a021-417a-8bc1-65c8d471c621" providerId="ADAL" clId="{6CD83B71-C243-244B-B302-DE2E82069201}"/>
-  </pc:docChgLst>
-  <pc:docChgLst>
     <pc:chgData name="Long B Nguyen" userId="f59fb8f3-a021-417a-8bc1-65c8d471c621" providerId="ADAL" clId="{2296133F-0C64-EC42-922B-94F16C0DE057}"/>
     <pc:docChg chg="undo custSel addSld delSld modSld">
-      <pc:chgData name="Long B Nguyen" userId="f59fb8f3-a021-417a-8bc1-65c8d471c621" providerId="ADAL" clId="{2296133F-0C64-EC42-922B-94F16C0DE057}" dt="2019-09-17T14:56:41.628" v="1720" actId="20577"/>
+      <pc:chgData name="Long B Nguyen" userId="f59fb8f3-a021-417a-8bc1-65c8d471c621" providerId="ADAL" clId="{2296133F-0C64-EC42-922B-94F16C0DE057}" dt="2020-10-09T13:16:51.540" v="1784" actId="1076"/>
       <pc:docMkLst>
         <pc:docMk/>
       </pc:docMkLst>
@@ -230,14 +221,14 @@
           </ac:spMkLst>
         </pc:spChg>
       </pc:sldChg>
-      <pc:sldChg chg="modSp modAnim">
-        <pc:chgData name="Long B Nguyen" userId="f59fb8f3-a021-417a-8bc1-65c8d471c621" providerId="ADAL" clId="{2296133F-0C64-EC42-922B-94F16C0DE057}" dt="2019-09-17T02:29:14.728" v="1688"/>
+      <pc:sldChg chg="modSp mod modAnim">
+        <pc:chgData name="Long B Nguyen" userId="f59fb8f3-a021-417a-8bc1-65c8d471c621" providerId="ADAL" clId="{2296133F-0C64-EC42-922B-94F16C0DE057}" dt="2020-10-08T14:11:00.616" v="1766" actId="20577"/>
         <pc:sldMkLst>
           <pc:docMk/>
           <pc:sldMk cId="2339437966" sldId="288"/>
         </pc:sldMkLst>
         <pc:spChg chg="mod">
-          <ac:chgData name="Long B Nguyen" userId="f59fb8f3-a021-417a-8bc1-65c8d471c621" providerId="ADAL" clId="{2296133F-0C64-EC42-922B-94F16C0DE057}" dt="2019-09-17T02:28:34.948" v="1687" actId="207"/>
+          <ac:chgData name="Long B Nguyen" userId="f59fb8f3-a021-417a-8bc1-65c8d471c621" providerId="ADAL" clId="{2296133F-0C64-EC42-922B-94F16C0DE057}" dt="2020-10-08T14:11:00.616" v="1766" actId="20577"/>
           <ac:spMkLst>
             <pc:docMk/>
             <pc:sldMk cId="2339437966" sldId="288"/>
@@ -305,12 +296,20 @@
           </ac:spMkLst>
         </pc:spChg>
       </pc:sldChg>
-      <pc:sldChg chg="modSp modAnim">
-        <pc:chgData name="Long B Nguyen" userId="f59fb8f3-a021-417a-8bc1-65c8d471c621" providerId="ADAL" clId="{2296133F-0C64-EC42-922B-94F16C0DE057}" dt="2019-09-17T14:56:41.628" v="1720" actId="20577"/>
+      <pc:sldChg chg="addSp modSp mod modAnim">
+        <pc:chgData name="Long B Nguyen" userId="f59fb8f3-a021-417a-8bc1-65c8d471c621" providerId="ADAL" clId="{2296133F-0C64-EC42-922B-94F16C0DE057}" dt="2020-10-09T13:16:51.540" v="1784" actId="1076"/>
         <pc:sldMkLst>
           <pc:docMk/>
           <pc:sldMk cId="439805773" sldId="293"/>
         </pc:sldMkLst>
+        <pc:spChg chg="add mod">
+          <ac:chgData name="Long B Nguyen" userId="f59fb8f3-a021-417a-8bc1-65c8d471c621" providerId="ADAL" clId="{2296133F-0C64-EC42-922B-94F16C0DE057}" dt="2020-10-09T13:16:51.540" v="1784" actId="1076"/>
+          <ac:spMkLst>
+            <pc:docMk/>
+            <pc:sldMk cId="439805773" sldId="293"/>
+            <ac:spMk id="3" creationId="{A93116F5-6A7B-4F40-8B65-BE37046FE4DA}"/>
+          </ac:spMkLst>
+        </pc:spChg>
         <pc:spChg chg="mod">
           <ac:chgData name="Long B Nguyen" userId="f59fb8f3-a021-417a-8bc1-65c8d471c621" providerId="ADAL" clId="{2296133F-0C64-EC42-922B-94F16C0DE057}" dt="2019-09-17T14:56:41.628" v="1720" actId="20577"/>
           <ac:spMkLst>
@@ -577,7 +576,7 @@
           <a:p>
             <a:fld id="{4AAD347D-5ACD-4C99-B74B-A9C85AD731AF}" type="datetimeFigureOut">
               <a:rPr lang="en-US" smtClean="0"/>
-              <a:t>9/17/19</a:t>
+              <a:t>10/9/20</a:t>
             </a:fld>
             <a:endParaRPr lang="en-US" dirty="0"/>
           </a:p>
@@ -747,7 +746,7 @@
           <a:p>
             <a:fld id="{4509A250-FF31-4206-8172-F9D3106AACB1}" type="datetimeFigureOut">
               <a:rPr lang="en-US" smtClean="0"/>
-              <a:t>9/17/19</a:t>
+              <a:t>10/9/20</a:t>
             </a:fld>
             <a:endParaRPr lang="en-US" dirty="0"/>
           </a:p>
@@ -927,7 +926,7 @@
           <a:p>
             <a:fld id="{4509A250-FF31-4206-8172-F9D3106AACB1}" type="datetimeFigureOut">
               <a:rPr lang="en-US" smtClean="0"/>
-              <a:t>9/17/19</a:t>
+              <a:t>10/9/20</a:t>
             </a:fld>
             <a:endParaRPr lang="en-US" dirty="0"/>
           </a:p>
@@ -1097,7 +1096,7 @@
           <a:p>
             <a:fld id="{4509A250-FF31-4206-8172-F9D3106AACB1}" type="datetimeFigureOut">
               <a:rPr lang="en-US" smtClean="0"/>
-              <a:t>9/17/19</a:t>
+              <a:t>10/9/20</a:t>
             </a:fld>
             <a:endParaRPr lang="en-US" dirty="0"/>
           </a:p>
@@ -1343,7 +1342,7 @@
           <a:p>
             <a:fld id="{9796027F-7875-4030-9381-8BD8C4F21935}" type="datetimeFigureOut">
               <a:rPr lang="en-US" smtClean="0"/>
-              <a:t>9/17/19</a:t>
+              <a:t>10/9/20</a:t>
             </a:fld>
             <a:endParaRPr lang="en-US" dirty="0"/>
           </a:p>
@@ -1575,7 +1574,7 @@
           <a:p>
             <a:fld id="{9796027F-7875-4030-9381-8BD8C4F21935}" type="datetimeFigureOut">
               <a:rPr lang="en-US" smtClean="0"/>
-              <a:t>9/17/19</a:t>
+              <a:t>10/9/20</a:t>
             </a:fld>
             <a:endParaRPr lang="en-US" dirty="0"/>
           </a:p>
@@ -1942,7 +1941,7 @@
           <a:p>
             <a:fld id="{9796027F-7875-4030-9381-8BD8C4F21935}" type="datetimeFigureOut">
               <a:rPr lang="en-US" smtClean="0"/>
-              <a:t>9/17/19</a:t>
+              <a:t>10/9/20</a:t>
             </a:fld>
             <a:endParaRPr lang="en-US" dirty="0"/>
           </a:p>
@@ -2060,7 +2059,7 @@
           <a:p>
             <a:fld id="{4509A250-FF31-4206-8172-F9D3106AACB1}" type="datetimeFigureOut">
               <a:rPr lang="en-US" smtClean="0"/>
-              <a:t>9/17/19</a:t>
+              <a:t>10/9/20</a:t>
             </a:fld>
             <a:endParaRPr lang="en-US" dirty="0"/>
           </a:p>
@@ -2155,7 +2154,7 @@
           <a:p>
             <a:fld id="{4509A250-FF31-4206-8172-F9D3106AACB1}" type="datetimeFigureOut">
               <a:rPr lang="en-US" smtClean="0"/>
-              <a:t>9/17/19</a:t>
+              <a:t>10/9/20</a:t>
             </a:fld>
             <a:endParaRPr lang="en-US" dirty="0"/>
           </a:p>
@@ -2432,7 +2431,7 @@
           <a:p>
             <a:fld id="{4509A250-FF31-4206-8172-F9D3106AACB1}" type="datetimeFigureOut">
               <a:rPr lang="en-US" smtClean="0"/>
-              <a:t>9/17/19</a:t>
+              <a:t>10/9/20</a:t>
             </a:fld>
             <a:endParaRPr lang="en-US" dirty="0"/>
           </a:p>
@@ -2689,7 +2688,7 @@
           <a:p>
             <a:fld id="{4509A250-FF31-4206-8172-F9D3106AACB1}" type="datetimeFigureOut">
               <a:rPr lang="en-US" smtClean="0"/>
-              <a:t>9/17/19</a:t>
+              <a:t>10/9/20</a:t>
             </a:fld>
             <a:endParaRPr lang="en-US" dirty="0"/>
           </a:p>
@@ -2902,7 +2901,7 @@
           <a:p>
             <a:fld id="{4AAD347D-5ACD-4C99-B74B-A9C85AD731AF}" type="datetimeFigureOut">
               <a:rPr lang="en-US" smtClean="0"/>
-              <a:t>9/17/19</a:t>
+              <a:t>10/9/20</a:t>
             </a:fld>
             <a:endParaRPr lang="en-US" dirty="0"/>
           </a:p>
@@ -5792,7 +5791,7 @@
               <a:buNone/>
             </a:pPr>
             <a:r>
-              <a:rPr lang="en-US" b="1">
+              <a:rPr lang="en-US" b="1" dirty="0">
                 <a:solidFill>
                   <a:srgbClr val="006699"/>
                 </a:solidFill>
@@ -5801,7 +5800,7 @@
               <a:t>if </a:t>
             </a:r>
             <a:r>
-              <a:rPr lang="en-US" b="1">
+              <a:rPr lang="en-US" b="1" dirty="0">
                 <a:solidFill>
                   <a:srgbClr val="000087"/>
                 </a:solidFill>
@@ -5810,7 +5809,7 @@
               <a:t>x &gt; </a:t>
             </a:r>
             <a:r>
-              <a:rPr lang="en-US" b="1">
+              <a:rPr lang="en-US" b="1" dirty="0">
                 <a:solidFill>
                   <a:srgbClr val="FF6600"/>
                 </a:solidFill>
@@ -5819,7 +5818,7 @@
               <a:t>0 </a:t>
             </a:r>
             <a:r>
-              <a:rPr lang="en-US" b="1">
+              <a:rPr lang="en-US" b="1" dirty="0">
                 <a:solidFill>
                   <a:srgbClr val="006699"/>
                 </a:solidFill>
@@ -5828,7 +5827,7 @@
               <a:t>and</a:t>
             </a:r>
             <a:r>
-              <a:rPr lang="en-US" b="1">
+              <a:rPr lang="en-US" b="1" dirty="0">
                 <a:solidFill>
                   <a:srgbClr val="FF6600"/>
                 </a:solidFill>
@@ -5837,7 +5836,7 @@
               <a:t> </a:t>
             </a:r>
             <a:r>
-              <a:rPr lang="en-US" b="1">
+              <a:rPr lang="en-US" b="1" dirty="0">
                 <a:solidFill>
                   <a:srgbClr val="000087"/>
                 </a:solidFill>
@@ -5846,7 +5845,7 @@
               <a:t>x &lt; </a:t>
             </a:r>
             <a:r>
-              <a:rPr lang="en-US" b="1">
+              <a:rPr lang="en-US" b="1" dirty="0">
                 <a:solidFill>
                   <a:srgbClr val="FF6600"/>
                 </a:solidFill>
@@ -5855,14 +5854,11 @@
               <a:t>10</a:t>
             </a:r>
             <a:r>
-              <a:rPr lang="en-US" b="1">
+              <a:rPr lang="en-US" b="1" dirty="0">
                 <a:latin typeface="Inconsolata Medium" panose="020B0609030003000000" pitchFamily="49" charset="77"/>
               </a:rPr>
               <a:t>:</a:t>
             </a:r>
-            <a:endParaRPr lang="en-US" b="1" dirty="0">
-              <a:latin typeface="Inconsolata Medium" panose="020B0609030003000000" pitchFamily="49" charset="77"/>
-            </a:endParaRPr>
           </a:p>
           <a:p>
             <a:pPr marL="342900" lvl="1" indent="0">
@@ -5909,6 +5905,129 @@
               </a:solidFill>
               <a:latin typeface="Gill Sans MT" panose="020B0502020104020203" pitchFamily="34" charset="77"/>
             </a:endParaRPr>
+          </a:p>
+        </p:txBody>
+      </p:sp>
+      <p:sp>
+        <p:nvSpPr>
+          <p:cNvPr id="3" name="TextBox 2">
+            <a:extLst>
+              <a:ext uri="{FF2B5EF4-FFF2-40B4-BE49-F238E27FC236}">
+                <a16:creationId xmlns:a16="http://schemas.microsoft.com/office/drawing/2014/main" id="{A93116F5-6A7B-4F40-8B65-BE37046FE4DA}"/>
+              </a:ext>
+            </a:extLst>
+          </p:cNvPr>
+          <p:cNvSpPr txBox="1"/>
+          <p:nvPr/>
+        </p:nvSpPr>
+        <p:spPr>
+          <a:xfrm>
+            <a:off x="4374176" y="4740141"/>
+            <a:ext cx="2393604" cy="1015663"/>
+          </a:xfrm>
+          <a:prstGeom prst="rect">
+            <a:avLst/>
+          </a:prstGeom>
+          <a:noFill/>
+        </p:spPr>
+        <p:txBody>
+          <a:bodyPr wrap="none" rtlCol="0">
+            <a:spAutoFit/>
+          </a:bodyPr>
+          <a:lstStyle/>
+          <a:p>
+            <a:pPr marL="342900" lvl="1" indent="0">
+              <a:buNone/>
+            </a:pPr>
+            <a:r>
+              <a:rPr lang="en-US" sz="2000" b="1" dirty="0">
+                <a:solidFill>
+                  <a:srgbClr val="006699"/>
+                </a:solidFill>
+                <a:latin typeface="Inconsolata Medium" panose="020B0609030003000000" pitchFamily="49" charset="77"/>
+              </a:rPr>
+              <a:t>if </a:t>
+            </a:r>
+            <a:r>
+              <a:rPr lang="en-US" sz="2000" b="1" dirty="0">
+                <a:solidFill>
+                  <a:srgbClr val="000087"/>
+                </a:solidFill>
+                <a:latin typeface="Inconsolata Medium" panose="020B0609030003000000" pitchFamily="49" charset="77"/>
+              </a:rPr>
+              <a:t>0 &lt;</a:t>
+            </a:r>
+            <a:r>
+              <a:rPr lang="en-US" sz="2000" b="1" dirty="0">
+                <a:solidFill>
+                  <a:srgbClr val="FF6600"/>
+                </a:solidFill>
+                <a:latin typeface="Inconsolata Medium" panose="020B0609030003000000" pitchFamily="49" charset="77"/>
+              </a:rPr>
+              <a:t> </a:t>
+            </a:r>
+            <a:r>
+              <a:rPr lang="en-US" sz="2000" b="1" dirty="0">
+                <a:solidFill>
+                  <a:srgbClr val="000087"/>
+                </a:solidFill>
+                <a:latin typeface="Inconsolata Medium" panose="020B0609030003000000" pitchFamily="49" charset="77"/>
+              </a:rPr>
+              <a:t>x &lt; </a:t>
+            </a:r>
+            <a:r>
+              <a:rPr lang="en-US" sz="2000" b="1" dirty="0">
+                <a:solidFill>
+                  <a:srgbClr val="FF6600"/>
+                </a:solidFill>
+                <a:latin typeface="Inconsolata Medium" panose="020B0609030003000000" pitchFamily="49" charset="77"/>
+              </a:rPr>
+              <a:t>10</a:t>
+            </a:r>
+            <a:r>
+              <a:rPr lang="en-US" sz="2000" b="1" dirty="0">
+                <a:latin typeface="Inconsolata Medium" panose="020B0609030003000000" pitchFamily="49" charset="77"/>
+              </a:rPr>
+              <a:t>:</a:t>
+            </a:r>
+          </a:p>
+          <a:p>
+            <a:pPr marL="342900" lvl="1" indent="0">
+              <a:buNone/>
+            </a:pPr>
+            <a:r>
+              <a:rPr lang="en-US" sz="2000" b="1" dirty="0">
+                <a:solidFill>
+                  <a:srgbClr val="006699"/>
+                </a:solidFill>
+                <a:latin typeface="Inconsolata Medium" panose="020B0609030003000000" pitchFamily="49" charset="77"/>
+              </a:rPr>
+              <a:t>		print</a:t>
+            </a:r>
+            <a:r>
+              <a:rPr lang="en-US" sz="2000" b="1" dirty="0">
+                <a:latin typeface="Inconsolata Medium" panose="020B0609030003000000" pitchFamily="49" charset="77"/>
+              </a:rPr>
+              <a:t>(</a:t>
+            </a:r>
+            <a:r>
+              <a:rPr lang="en-US" sz="2000" b="1" dirty="0">
+                <a:solidFill>
+                  <a:srgbClr val="000087"/>
+                </a:solidFill>
+                <a:latin typeface="Inconsolata Medium" panose="020B0609030003000000" pitchFamily="49" charset="77"/>
+              </a:rPr>
+              <a:t>x</a:t>
+            </a:r>
+            <a:r>
+              <a:rPr lang="en-US" sz="2000" b="1" dirty="0">
+                <a:latin typeface="Inconsolata Medium" panose="020B0609030003000000" pitchFamily="49" charset="77"/>
+              </a:rPr>
+              <a:t>)</a:t>
+            </a:r>
+          </a:p>
+          <a:p>
+            <a:endParaRPr lang="en-US" sz="2000" dirty="0"/>
           </a:p>
         </p:txBody>
       </p:sp>
@@ -10395,6 +10514,47 @@
               </a:rPr>
               <a:t>:</a:t>
             </a:r>
+          </a:p>
+          <a:p>
+            <a:pPr marL="342900" lvl="1" indent="0">
+              <a:buNone/>
+            </a:pPr>
+            <a:r>
+              <a:rPr lang="en-US" sz="2100" b="1" dirty="0">
+                <a:latin typeface="Inconsolata Medium" panose="020B0609030003000000" pitchFamily="49" charset="77"/>
+              </a:rPr>
+              <a:t>		</a:t>
+            </a:r>
+            <a:r>
+              <a:rPr lang="en-US" sz="2100" b="1" dirty="0">
+                <a:solidFill>
+                  <a:srgbClr val="006699"/>
+                </a:solidFill>
+                <a:latin typeface="Inconsolata Medium" panose="020B0609030003000000" pitchFamily="49" charset="77"/>
+              </a:rPr>
+              <a:t>print</a:t>
+            </a:r>
+            <a:r>
+              <a:rPr lang="en-US" sz="2100" b="1" dirty="0">
+                <a:latin typeface="Inconsolata Medium" panose="020B0609030003000000" pitchFamily="49" charset="77"/>
+              </a:rPr>
+              <a:t>(</a:t>
+            </a:r>
+            <a:r>
+              <a:rPr lang="en-US" sz="2100" b="1" dirty="0">
+                <a:solidFill>
+                  <a:srgbClr val="000087"/>
+                </a:solidFill>
+                <a:latin typeface="Inconsolata Medium" panose="020B0609030003000000" pitchFamily="49" charset="77"/>
+              </a:rPr>
+              <a:t>x</a:t>
+            </a:r>
+            <a:r>
+              <a:rPr lang="en-US" sz="2100" b="1" dirty="0">
+                <a:latin typeface="Inconsolata Medium" panose="020B0609030003000000" pitchFamily="49" charset="77"/>
+              </a:rPr>
+              <a:t>)</a:t>
+            </a:r>
             <a:br>
               <a:rPr lang="en-US" sz="2100" b="1" dirty="0">
                 <a:latin typeface="Inconsolata Medium" panose="020B0609030003000000" pitchFamily="49" charset="77"/>
@@ -10416,60 +10576,28 @@
               <a:t>print</a:t>
             </a:r>
             <a:r>
+              <a:rPr lang="en-US" sz="2100" b="1">
+                <a:latin typeface="Inconsolata Medium" panose="020B0609030003000000" pitchFamily="49" charset="77"/>
+              </a:rPr>
+              <a:t>(</a:t>
+            </a:r>
+            <a:r>
+              <a:rPr lang="en-US" sz="2100" b="1">
+                <a:solidFill>
+                  <a:srgbClr val="000087"/>
+                </a:solidFill>
+                <a:latin typeface="Inconsolata Medium" panose="020B0609030003000000" pitchFamily="49" charset="77"/>
+              </a:rPr>
+              <a:t>“x is </a:t>
+            </a:r>
+            <a:r>
               <a:rPr lang="en-US" sz="2100" b="1" dirty="0">
-                <a:latin typeface="Inconsolata Medium" panose="020B0609030003000000" pitchFamily="49" charset="77"/>
-              </a:rPr>
-              <a:t>(</a:t>
-            </a:r>
-            <a:r>
-              <a:rPr lang="en-US" sz="2100" b="1" dirty="0">
                 <a:solidFill>
                   <a:srgbClr val="000087"/>
                 </a:solidFill>
                 <a:latin typeface="Inconsolata Medium" panose="020B0609030003000000" pitchFamily="49" charset="77"/>
               </a:rPr>
-              <a:t>x</a:t>
-            </a:r>
-            <a:r>
-              <a:rPr lang="en-US" sz="2100" b="1" dirty="0">
-                <a:latin typeface="Inconsolata Medium" panose="020B0609030003000000" pitchFamily="49" charset="77"/>
-              </a:rPr>
-              <a:t>)</a:t>
-            </a:r>
-          </a:p>
-          <a:p>
-            <a:pPr marL="342900" lvl="1" indent="0">
-              <a:buNone/>
-            </a:pPr>
-            <a:r>
-              <a:rPr lang="en-US" sz="2100" b="1" dirty="0">
-                <a:latin typeface="Inconsolata Medium" panose="020B0609030003000000" pitchFamily="49" charset="77"/>
-              </a:rPr>
-              <a:t>		</a:t>
-            </a:r>
-            <a:r>
-              <a:rPr lang="en-US" sz="2100" b="1" dirty="0">
-                <a:solidFill>
-                  <a:srgbClr val="006699"/>
-                </a:solidFill>
-                <a:latin typeface="Inconsolata Medium" panose="020B0609030003000000" pitchFamily="49" charset="77"/>
-              </a:rPr>
-              <a:t>print</a:t>
-            </a:r>
-            <a:r>
-              <a:rPr lang="en-US" sz="2100" b="1" dirty="0">
-                <a:latin typeface="Inconsolata Medium" panose="020B0609030003000000" pitchFamily="49" charset="77"/>
-              </a:rPr>
-              <a:t>(</a:t>
-            </a:r>
-            <a:r>
-              <a:rPr lang="en-US" sz="2100" b="1" dirty="0">
-                <a:solidFill>
-                  <a:srgbClr val="000087"/>
-                </a:solidFill>
-                <a:latin typeface="Inconsolata Medium" panose="020B0609030003000000" pitchFamily="49" charset="77"/>
-              </a:rPr>
-              <a:t>“x is positive”</a:t>
+              <a:t>positive”</a:t>
             </a:r>
             <a:r>
               <a:rPr lang="en-US" sz="2100" b="1" dirty="0">

--- a/courses/apcsp/lect3.pptx
+++ b/courses/apcsp/lect3.pptx
@@ -144,7 +144,7 @@
 <file path=ppt/revisionInfo.xml><?xml version="1.0" encoding="utf-8"?>
 <p1510:revInfo xmlns:a="http://schemas.openxmlformats.org/drawingml/2006/main" xmlns:r="http://schemas.openxmlformats.org/officeDocument/2006/relationships" xmlns:p1510="http://schemas.microsoft.com/office/powerpoint/2015/10/main">
   <p1510:revLst>
-    <p1510:client id="{C6451DEB-47FC-9B48-B2AC-0C987BB51814}" v="956" dt="2021-06-03T12:55:22.084"/>
+    <p1510:client id="{20F795C0-FEDA-E84F-993A-5AC8F4EC703F}" v="49" dt="2021-06-05T03:55:13.106"/>
   </p1510:revLst>
 </p1510:revInfo>
 </file>
@@ -1232,6 +1232,30 @@
       </pc:sldChg>
     </pc:docChg>
   </pc:docChgLst>
+  <pc:docChgLst>
+    <pc:chgData name="Long B Nguyen" userId="f59fb8f3-a021-417a-8bc1-65c8d471c621" providerId="ADAL" clId="{20F795C0-FEDA-E84F-993A-5AC8F4EC703F}"/>
+    <pc:docChg chg="modSld">
+      <pc:chgData name="Long B Nguyen" userId="f59fb8f3-a021-417a-8bc1-65c8d471c621" providerId="ADAL" clId="{20F795C0-FEDA-E84F-993A-5AC8F4EC703F}" dt="2021-06-05T03:55:13.106" v="48" actId="207"/>
+      <pc:docMkLst>
+        <pc:docMk/>
+      </pc:docMkLst>
+      <pc:sldChg chg="modSp modAnim">
+        <pc:chgData name="Long B Nguyen" userId="f59fb8f3-a021-417a-8bc1-65c8d471c621" providerId="ADAL" clId="{20F795C0-FEDA-E84F-993A-5AC8F4EC703F}" dt="2021-06-05T03:55:13.106" v="48" actId="207"/>
+        <pc:sldMkLst>
+          <pc:docMk/>
+          <pc:sldMk cId="1342898592" sldId="310"/>
+        </pc:sldMkLst>
+        <pc:spChg chg="mod">
+          <ac:chgData name="Long B Nguyen" userId="f59fb8f3-a021-417a-8bc1-65c8d471c621" providerId="ADAL" clId="{20F795C0-FEDA-E84F-993A-5AC8F4EC703F}" dt="2021-06-05T03:55:13.106" v="48" actId="207"/>
+          <ac:spMkLst>
+            <pc:docMk/>
+            <pc:sldMk cId="1342898592" sldId="310"/>
+            <ac:spMk id="9" creationId="{E3B2E017-30B2-884B-A113-B419A2ED51AD}"/>
+          </ac:spMkLst>
+        </pc:spChg>
+      </pc:sldChg>
+    </pc:docChg>
+  </pc:docChgLst>
 </pc:chgInfo>
 </file>
 
@@ -1366,7 +1390,7 @@
           <a:p>
             <a:fld id="{4AAD347D-5ACD-4C99-B74B-A9C85AD731AF}" type="datetimeFigureOut">
               <a:rPr lang="en-US" smtClean="0"/>
-              <a:t>6/3/21</a:t>
+              <a:t>6/4/21</a:t>
             </a:fld>
             <a:endParaRPr lang="en-US" dirty="0"/>
           </a:p>
@@ -1536,7 +1560,7 @@
           <a:p>
             <a:fld id="{4509A250-FF31-4206-8172-F9D3106AACB1}" type="datetimeFigureOut">
               <a:rPr lang="en-US" smtClean="0"/>
-              <a:t>6/3/21</a:t>
+              <a:t>6/4/21</a:t>
             </a:fld>
             <a:endParaRPr lang="en-US" dirty="0"/>
           </a:p>
@@ -1716,7 +1740,7 @@
           <a:p>
             <a:fld id="{4509A250-FF31-4206-8172-F9D3106AACB1}" type="datetimeFigureOut">
               <a:rPr lang="en-US" smtClean="0"/>
-              <a:t>6/3/21</a:t>
+              <a:t>6/4/21</a:t>
             </a:fld>
             <a:endParaRPr lang="en-US" dirty="0"/>
           </a:p>
@@ -1886,7 +1910,7 @@
           <a:p>
             <a:fld id="{4509A250-FF31-4206-8172-F9D3106AACB1}" type="datetimeFigureOut">
               <a:rPr lang="en-US" smtClean="0"/>
-              <a:t>6/3/21</a:t>
+              <a:t>6/4/21</a:t>
             </a:fld>
             <a:endParaRPr lang="en-US" dirty="0"/>
           </a:p>
@@ -2132,7 +2156,7 @@
           <a:p>
             <a:fld id="{9796027F-7875-4030-9381-8BD8C4F21935}" type="datetimeFigureOut">
               <a:rPr lang="en-US" smtClean="0"/>
-              <a:t>6/3/21</a:t>
+              <a:t>6/4/21</a:t>
             </a:fld>
             <a:endParaRPr lang="en-US" dirty="0"/>
           </a:p>
@@ -2364,7 +2388,7 @@
           <a:p>
             <a:fld id="{9796027F-7875-4030-9381-8BD8C4F21935}" type="datetimeFigureOut">
               <a:rPr lang="en-US" smtClean="0"/>
-              <a:t>6/3/21</a:t>
+              <a:t>6/4/21</a:t>
             </a:fld>
             <a:endParaRPr lang="en-US" dirty="0"/>
           </a:p>
@@ -2731,7 +2755,7 @@
           <a:p>
             <a:fld id="{9796027F-7875-4030-9381-8BD8C4F21935}" type="datetimeFigureOut">
               <a:rPr lang="en-US" smtClean="0"/>
-              <a:t>6/3/21</a:t>
+              <a:t>6/4/21</a:t>
             </a:fld>
             <a:endParaRPr lang="en-US" dirty="0"/>
           </a:p>
@@ -2849,7 +2873,7 @@
           <a:p>
             <a:fld id="{4509A250-FF31-4206-8172-F9D3106AACB1}" type="datetimeFigureOut">
               <a:rPr lang="en-US" smtClean="0"/>
-              <a:t>6/3/21</a:t>
+              <a:t>6/4/21</a:t>
             </a:fld>
             <a:endParaRPr lang="en-US" dirty="0"/>
           </a:p>
@@ -2944,7 +2968,7 @@
           <a:p>
             <a:fld id="{4509A250-FF31-4206-8172-F9D3106AACB1}" type="datetimeFigureOut">
               <a:rPr lang="en-US" smtClean="0"/>
-              <a:t>6/3/21</a:t>
+              <a:t>6/4/21</a:t>
             </a:fld>
             <a:endParaRPr lang="en-US" dirty="0"/>
           </a:p>
@@ -3221,7 +3245,7 @@
           <a:p>
             <a:fld id="{4509A250-FF31-4206-8172-F9D3106AACB1}" type="datetimeFigureOut">
               <a:rPr lang="en-US" smtClean="0"/>
-              <a:t>6/3/21</a:t>
+              <a:t>6/4/21</a:t>
             </a:fld>
             <a:endParaRPr lang="en-US" dirty="0"/>
           </a:p>
@@ -3478,7 +3502,7 @@
           <a:p>
             <a:fld id="{4509A250-FF31-4206-8172-F9D3106AACB1}" type="datetimeFigureOut">
               <a:rPr lang="en-US" smtClean="0"/>
-              <a:t>6/3/21</a:t>
+              <a:t>6/4/21</a:t>
             </a:fld>
             <a:endParaRPr lang="en-US" dirty="0"/>
           </a:p>
@@ -3691,7 +3715,7 @@
           <a:p>
             <a:fld id="{4AAD347D-5ACD-4C99-B74B-A9C85AD731AF}" type="datetimeFigureOut">
               <a:rPr lang="en-US" smtClean="0"/>
-              <a:t>6/3/21</a:t>
+              <a:t>6/4/21</a:t>
             </a:fld>
             <a:endParaRPr lang="en-US" dirty="0"/>
           </a:p>
@@ -19568,13 +19592,16 @@
                 </a:solidFill>
                 <a:latin typeface="Inconsolata" panose="020B0609030003000000" pitchFamily="49" charset="77"/>
               </a:rPr>
-              <a:t>In</a:t>
-            </a:r>
-            <a:r>
-              <a:rPr lang="en-US" b="1" dirty="0">
-                <a:latin typeface="Inconsolata" panose="020B0609030003000000" pitchFamily="49" charset="77"/>
-              </a:rPr>
-              <a:t>[</a:t>
+              <a:t>result </a:t>
+            </a:r>
+            <a:r>
+              <a:rPr lang="en-US" b="1" dirty="0">
+                <a:solidFill>
+                  <a:srgbClr val="545454"/>
+                </a:solidFill>
+                <a:latin typeface="Inconsolata" panose="020B0609030003000000" pitchFamily="49" charset="77"/>
+              </a:rPr>
+              <a:t>= </a:t>
             </a:r>
             <a:r>
               <a:rPr lang="en-US" b="1" dirty="0">
@@ -19583,13 +19610,18 @@
                 </a:solidFill>
                 <a:latin typeface="Inconsolata" panose="020B0609030003000000" pitchFamily="49" charset="77"/>
               </a:rPr>
-              <a:t>1</a:t>
-            </a:r>
-            <a:r>
-              <a:rPr lang="en-US" b="1" dirty="0">
-                <a:latin typeface="Inconsolata" panose="020B0609030003000000" pitchFamily="49" charset="77"/>
-              </a:rPr>
-              <a:t>]: </a:t>
+              <a:t>3 + 2 * 4 &lt; 14 or 3 == 5</a:t>
+            </a:r>
+          </a:p>
+          <a:p>
+            <a:pPr marL="0" indent="0">
+              <a:buNone/>
+            </a:pPr>
+            <a:r>
+              <a:rPr lang="en-US" b="1" dirty="0">
+                <a:latin typeface="Inconsolata" panose="020B0609030003000000" pitchFamily="49" charset="77"/>
+              </a:rPr>
+              <a:t>print(</a:t>
             </a:r>
             <a:r>
               <a:rPr lang="en-US" b="1" dirty="0">
@@ -19598,65 +19630,22 @@
                 </a:solidFill>
                 <a:latin typeface="Inconsolata" panose="020B0609030003000000" pitchFamily="49" charset="77"/>
               </a:rPr>
-              <a:t>result </a:t>
-            </a:r>
-            <a:r>
-              <a:rPr lang="en-US" b="1" dirty="0">
-                <a:solidFill>
-                  <a:srgbClr val="545454"/>
-                </a:solidFill>
-                <a:latin typeface="Inconsolata" panose="020B0609030003000000" pitchFamily="49" charset="77"/>
-              </a:rPr>
-              <a:t>= </a:t>
-            </a:r>
-            <a:r>
-              <a:rPr lang="en-US" b="1" dirty="0">
-                <a:solidFill>
-                  <a:srgbClr val="FF6600"/>
-                </a:solidFill>
-                <a:latin typeface="Inconsolata" panose="020B0609030003000000" pitchFamily="49" charset="77"/>
-              </a:rPr>
-              <a:t>3 + 2 * 4 &lt; 14 or 3 == 5</a:t>
-            </a:r>
-          </a:p>
-          <a:p>
-            <a:pPr marL="0" indent="0">
-              <a:buNone/>
-            </a:pPr>
-            <a:r>
-              <a:rPr lang="en-US" b="1" dirty="0">
-                <a:solidFill>
-                  <a:srgbClr val="FF6600"/>
-                </a:solidFill>
-                <a:latin typeface="Inconsolata" panose="020B0609030003000000" pitchFamily="49" charset="77"/>
-              </a:rPr>
-              <a:t>	  </a:t>
-            </a:r>
-            <a:r>
-              <a:rPr lang="en-US" b="1" dirty="0">
-                <a:solidFill>
-                  <a:srgbClr val="000087"/>
-                </a:solidFill>
-                <a:latin typeface="Inconsolata" panose="020B0609030003000000" pitchFamily="49" charset="77"/>
-              </a:rPr>
               <a:t>result</a:t>
             </a:r>
             <a:r>
               <a:rPr lang="en-US" b="1" dirty="0">
                 <a:latin typeface="Inconsolata" panose="020B0609030003000000" pitchFamily="49" charset="77"/>
               </a:rPr>
-              <a:t> </a:t>
-            </a:r>
-          </a:p>
-          <a:p>
-            <a:pPr marL="0" indent="0">
-              <a:buNone/>
-            </a:pPr>
-            <a:r>
-              <a:rPr lang="en-US" b="1" dirty="0">
-                <a:latin typeface="Inconsolata" panose="020B0609030003000000" pitchFamily="49" charset="77"/>
-              </a:rPr>
-              <a:t>Out[1]: True </a:t>
+              <a:t>) 		</a:t>
+            </a:r>
+            <a:r>
+              <a:rPr lang="en-US" b="1" dirty="0">
+                <a:solidFill>
+                  <a:schemeClr val="accent1"/>
+                </a:solidFill>
+                <a:latin typeface="Inconsolata" panose="020B0609030003000000" pitchFamily="49" charset="77"/>
+              </a:rPr>
+              <a:t># True </a:t>
             </a:r>
           </a:p>
           <a:p>
@@ -19748,39 +19737,26 @@
                                   </p:childTnLst>
                                 </p:cTn>
                               </p:par>
+                            </p:childTnLst>
+                          </p:cTn>
+                        </p:par>
+                      </p:childTnLst>
+                    </p:cTn>
+                  </p:par>
+                  <p:par>
+                    <p:cTn id="7" fill="hold">
+                      <p:stCondLst>
+                        <p:cond delay="indefinite"/>
+                      </p:stCondLst>
+                      <p:childTnLst>
+                        <p:par>
+                          <p:cTn id="8" fill="hold">
+                            <p:stCondLst>
+                              <p:cond delay="0"/>
+                            </p:stCondLst>
+                            <p:childTnLst>
                               <p:par>
-                                <p:cTn id="7" presetID="1" presetClass="entr" presetSubtype="0" fill="hold" nodeType="withEffect">
-                                  <p:stCondLst>
-                                    <p:cond delay="0"/>
-                                  </p:stCondLst>
-                                  <p:childTnLst>
-                                    <p:set>
-                                      <p:cBhvr>
-                                        <p:cTn id="8" dur="1" fill="hold">
-                                          <p:stCondLst>
-                                            <p:cond delay="0"/>
-                                          </p:stCondLst>
-                                        </p:cTn>
-                                        <p:tgtEl>
-                                          <p:spTgt spid="9">
-                                            <p:txEl>
-                                              <p:pRg st="4" end="4"/>
-                                            </p:txEl>
-                                          </p:spTgt>
-                                        </p:tgtEl>
-                                        <p:attrNameLst>
-                                          <p:attrName>style.visibility</p:attrName>
-                                        </p:attrNameLst>
-                                      </p:cBhvr>
-                                      <p:to>
-                                        <p:strVal val="visible"/>
-                                      </p:to>
-                                    </p:set>
-                                  </p:childTnLst>
-                                </p:cTn>
-                              </p:par>
-                              <p:par>
-                                <p:cTn id="9" presetID="1" presetClass="entr" presetSubtype="0" fill="hold" nodeType="withEffect">
+                                <p:cTn id="9" presetID="1" presetClass="entr" presetSubtype="0" fill="hold" nodeType="clickEffect">
                                   <p:stCondLst>
                                     <p:cond delay="0"/>
                                   </p:stCondLst>
@@ -19795,7 +19771,7 @@
                                         <p:tgtEl>
                                           <p:spTgt spid="9">
                                             <p:txEl>
-                                              <p:pRg st="5" end="5"/>
+                                              <p:pRg st="4" end="4"/>
                                             </p:txEl>
                                           </p:spTgt>
                                         </p:tgtEl>

--- a/courses/apcsp/lect3.pptx
+++ b/courses/apcsp/lect3.pptx
@@ -1234,11 +1234,26 @@
   </pc:docChgLst>
   <pc:docChgLst>
     <pc:chgData name="Long B Nguyen" userId="f59fb8f3-a021-417a-8bc1-65c8d471c621" providerId="ADAL" clId="{20F795C0-FEDA-E84F-993A-5AC8F4EC703F}"/>
-    <pc:docChg chg="modSld">
-      <pc:chgData name="Long B Nguyen" userId="f59fb8f3-a021-417a-8bc1-65c8d471c621" providerId="ADAL" clId="{20F795C0-FEDA-E84F-993A-5AC8F4EC703F}" dt="2021-06-05T03:55:13.106" v="48" actId="207"/>
+    <pc:docChg chg="undo custSel modSld">
+      <pc:chgData name="Long B Nguyen" userId="f59fb8f3-a021-417a-8bc1-65c8d471c621" providerId="ADAL" clId="{20F795C0-FEDA-E84F-993A-5AC8F4EC703F}" dt="2021-06-09T15:08:05.467" v="57" actId="20577"/>
       <pc:docMkLst>
         <pc:docMk/>
       </pc:docMkLst>
+      <pc:sldChg chg="modSp mod">
+        <pc:chgData name="Long B Nguyen" userId="f59fb8f3-a021-417a-8bc1-65c8d471c621" providerId="ADAL" clId="{20F795C0-FEDA-E84F-993A-5AC8F4EC703F}" dt="2021-06-09T15:08:05.467" v="57" actId="20577"/>
+        <pc:sldMkLst>
+          <pc:docMk/>
+          <pc:sldMk cId="1313115290" sldId="287"/>
+        </pc:sldMkLst>
+        <pc:spChg chg="mod">
+          <ac:chgData name="Long B Nguyen" userId="f59fb8f3-a021-417a-8bc1-65c8d471c621" providerId="ADAL" clId="{20F795C0-FEDA-E84F-993A-5AC8F4EC703F}" dt="2021-06-09T15:08:05.467" v="57" actId="20577"/>
+          <ac:spMkLst>
+            <pc:docMk/>
+            <pc:sldMk cId="1313115290" sldId="287"/>
+            <ac:spMk id="9" creationId="{E3B2E017-30B2-884B-A113-B419A2ED51AD}"/>
+          </ac:spMkLst>
+        </pc:spChg>
+      </pc:sldChg>
       <pc:sldChg chg="modSp modAnim">
         <pc:chgData name="Long B Nguyen" userId="f59fb8f3-a021-417a-8bc1-65c8d471c621" providerId="ADAL" clId="{20F795C0-FEDA-E84F-993A-5AC8F4EC703F}" dt="2021-06-05T03:55:13.106" v="48" actId="207"/>
         <pc:sldMkLst>
@@ -1390,7 +1405,7 @@
           <a:p>
             <a:fld id="{4AAD347D-5ACD-4C99-B74B-A9C85AD731AF}" type="datetimeFigureOut">
               <a:rPr lang="en-US" smtClean="0"/>
-              <a:t>6/4/21</a:t>
+              <a:t>6/9/21</a:t>
             </a:fld>
             <a:endParaRPr lang="en-US" dirty="0"/>
           </a:p>
@@ -1560,7 +1575,7 @@
           <a:p>
             <a:fld id="{4509A250-FF31-4206-8172-F9D3106AACB1}" type="datetimeFigureOut">
               <a:rPr lang="en-US" smtClean="0"/>
-              <a:t>6/4/21</a:t>
+              <a:t>6/9/21</a:t>
             </a:fld>
             <a:endParaRPr lang="en-US" dirty="0"/>
           </a:p>
@@ -1740,7 +1755,7 @@
           <a:p>
             <a:fld id="{4509A250-FF31-4206-8172-F9D3106AACB1}" type="datetimeFigureOut">
               <a:rPr lang="en-US" smtClean="0"/>
-              <a:t>6/4/21</a:t>
+              <a:t>6/9/21</a:t>
             </a:fld>
             <a:endParaRPr lang="en-US" dirty="0"/>
           </a:p>
@@ -1910,7 +1925,7 @@
           <a:p>
             <a:fld id="{4509A250-FF31-4206-8172-F9D3106AACB1}" type="datetimeFigureOut">
               <a:rPr lang="en-US" smtClean="0"/>
-              <a:t>6/4/21</a:t>
+              <a:t>6/9/21</a:t>
             </a:fld>
             <a:endParaRPr lang="en-US" dirty="0"/>
           </a:p>
@@ -2156,7 +2171,7 @@
           <a:p>
             <a:fld id="{9796027F-7875-4030-9381-8BD8C4F21935}" type="datetimeFigureOut">
               <a:rPr lang="en-US" smtClean="0"/>
-              <a:t>6/4/21</a:t>
+              <a:t>6/9/21</a:t>
             </a:fld>
             <a:endParaRPr lang="en-US" dirty="0"/>
           </a:p>
@@ -2388,7 +2403,7 @@
           <a:p>
             <a:fld id="{9796027F-7875-4030-9381-8BD8C4F21935}" type="datetimeFigureOut">
               <a:rPr lang="en-US" smtClean="0"/>
-              <a:t>6/4/21</a:t>
+              <a:t>6/9/21</a:t>
             </a:fld>
             <a:endParaRPr lang="en-US" dirty="0"/>
           </a:p>
@@ -2755,7 +2770,7 @@
           <a:p>
             <a:fld id="{9796027F-7875-4030-9381-8BD8C4F21935}" type="datetimeFigureOut">
               <a:rPr lang="en-US" smtClean="0"/>
-              <a:t>6/4/21</a:t>
+              <a:t>6/9/21</a:t>
             </a:fld>
             <a:endParaRPr lang="en-US" dirty="0"/>
           </a:p>
@@ -2873,7 +2888,7 @@
           <a:p>
             <a:fld id="{4509A250-FF31-4206-8172-F9D3106AACB1}" type="datetimeFigureOut">
               <a:rPr lang="en-US" smtClean="0"/>
-              <a:t>6/4/21</a:t>
+              <a:t>6/9/21</a:t>
             </a:fld>
             <a:endParaRPr lang="en-US" dirty="0"/>
           </a:p>
@@ -2968,7 +2983,7 @@
           <a:p>
             <a:fld id="{4509A250-FF31-4206-8172-F9D3106AACB1}" type="datetimeFigureOut">
               <a:rPr lang="en-US" smtClean="0"/>
-              <a:t>6/4/21</a:t>
+              <a:t>6/9/21</a:t>
             </a:fld>
             <a:endParaRPr lang="en-US" dirty="0"/>
           </a:p>
@@ -3245,7 +3260,7 @@
           <a:p>
             <a:fld id="{4509A250-FF31-4206-8172-F9D3106AACB1}" type="datetimeFigureOut">
               <a:rPr lang="en-US" smtClean="0"/>
-              <a:t>6/4/21</a:t>
+              <a:t>6/9/21</a:t>
             </a:fld>
             <a:endParaRPr lang="en-US" dirty="0"/>
           </a:p>
@@ -3502,7 +3517,7 @@
           <a:p>
             <a:fld id="{4509A250-FF31-4206-8172-F9D3106AACB1}" type="datetimeFigureOut">
               <a:rPr lang="en-US" smtClean="0"/>
-              <a:t>6/4/21</a:t>
+              <a:t>6/9/21</a:t>
             </a:fld>
             <a:endParaRPr lang="en-US" dirty="0"/>
           </a:p>
@@ -3715,7 +3730,7 @@
           <a:p>
             <a:fld id="{4AAD347D-5ACD-4C99-B74B-A9C85AD731AF}" type="datetimeFigureOut">
               <a:rPr lang="en-US" smtClean="0"/>
-              <a:t>6/4/21</a:t>
+              <a:t>6/9/21</a:t>
             </a:fld>
             <a:endParaRPr lang="en-US" dirty="0"/>
           </a:p>
@@ -4674,16 +4689,7 @@
               <a:buNone/>
             </a:pPr>
             <a:r>
-              <a:rPr lang="en-US" b="1" dirty="0">
-                <a:solidFill>
-                  <a:srgbClr val="006699"/>
-                </a:solidFill>
-                <a:latin typeface="Inconsolata" panose="020B0609030003000000" pitchFamily="49" charset="77"/>
-              </a:rPr>
-              <a:t>    </a:t>
-            </a:r>
-            <a:r>
-              <a:rPr lang="en-US" sz="2100" b="1" dirty="0">
+              <a:rPr lang="en-US" sz="2100" b="1">
                 <a:solidFill>
                   <a:srgbClr val="006699"/>
                 </a:solidFill>

--- a/courses/apcsp/lect3.pptx
+++ b/courses/apcsp/lect3.pptx
@@ -1235,7 +1235,7 @@
   <pc:docChgLst>
     <pc:chgData name="Long B Nguyen" userId="f59fb8f3-a021-417a-8bc1-65c8d471c621" providerId="ADAL" clId="{20F795C0-FEDA-E84F-993A-5AC8F4EC703F}"/>
     <pc:docChg chg="undo custSel modSld">
-      <pc:chgData name="Long B Nguyen" userId="f59fb8f3-a021-417a-8bc1-65c8d471c621" providerId="ADAL" clId="{20F795C0-FEDA-E84F-993A-5AC8F4EC703F}" dt="2021-06-09T15:08:05.467" v="57" actId="20577"/>
+      <pc:chgData name="Long B Nguyen" userId="f59fb8f3-a021-417a-8bc1-65c8d471c621" providerId="ADAL" clId="{20F795C0-FEDA-E84F-993A-5AC8F4EC703F}" dt="2021-06-09T15:10:37.758" v="58" actId="20577"/>
       <pc:docMkLst>
         <pc:docMk/>
       </pc:docMkLst>
@@ -1250,6 +1250,21 @@
           <ac:spMkLst>
             <pc:docMk/>
             <pc:sldMk cId="1313115290" sldId="287"/>
+            <ac:spMk id="9" creationId="{E3B2E017-30B2-884B-A113-B419A2ED51AD}"/>
+          </ac:spMkLst>
+        </pc:spChg>
+      </pc:sldChg>
+      <pc:sldChg chg="modSp mod">
+        <pc:chgData name="Long B Nguyen" userId="f59fb8f3-a021-417a-8bc1-65c8d471c621" providerId="ADAL" clId="{20F795C0-FEDA-E84F-993A-5AC8F4EC703F}" dt="2021-06-09T15:10:37.758" v="58" actId="20577"/>
+        <pc:sldMkLst>
+          <pc:docMk/>
+          <pc:sldMk cId="3843624186" sldId="306"/>
+        </pc:sldMkLst>
+        <pc:spChg chg="mod">
+          <ac:chgData name="Long B Nguyen" userId="f59fb8f3-a021-417a-8bc1-65c8d471c621" providerId="ADAL" clId="{20F795C0-FEDA-E84F-993A-5AC8F4EC703F}" dt="2021-06-09T15:10:37.758" v="58" actId="20577"/>
+          <ac:spMkLst>
+            <pc:docMk/>
+            <pc:sldMk cId="3843624186" sldId="306"/>
             <ac:spMk id="9" creationId="{E3B2E017-30B2-884B-A113-B419A2ED51AD}"/>
           </ac:spMkLst>
         </pc:spChg>
@@ -15431,12 +15446,8 @@
               <a:buNone/>
             </a:pPr>
             <a:r>
-              <a:rPr lang="en-US"/>
-              <a:t>Create </a:t>
-            </a:r>
-            <a:r>
               <a:rPr lang="en-US" dirty="0"/>
-              <a:t>a new </a:t>
+              <a:t>Create a new </a:t>
             </a:r>
             <a:r>
               <a:rPr lang="en-US" dirty="0" err="1"/>
@@ -15475,15 +15486,15 @@
             </a:pPr>
             <a:r>
               <a:rPr lang="en-US" dirty="0"/>
-              <a:t>Write a program which asks for an integer and prints out the </a:t>
-            </a:r>
-            <a:r>
-              <a:rPr lang="en-US" dirty="0" err="1"/>
-              <a:t>absolut</a:t>
+              <a:t>Write a program which asks for an integer and prints out </a:t>
+            </a:r>
+            <a:r>
+              <a:rPr lang="en-US"/>
+              <a:t>the absolute </a:t>
             </a:r>
             <a:r>
               <a:rPr lang="en-US" dirty="0"/>
-              <a:t> value of the number. </a:t>
+              <a:t>value of the number. </a:t>
             </a:r>
           </a:p>
           <a:p>

--- a/courses/apcsp/lect3.pptx
+++ b/courses/apcsp/lect3.pptx
@@ -144,7 +144,7 @@
 <file path=ppt/revisionInfo.xml><?xml version="1.0" encoding="utf-8"?>
 <p1510:revInfo xmlns:a="http://schemas.openxmlformats.org/drawingml/2006/main" xmlns:r="http://schemas.openxmlformats.org/officeDocument/2006/relationships" xmlns:p1510="http://schemas.microsoft.com/office/powerpoint/2015/10/main">
   <p1510:revLst>
-    <p1510:client id="{20F795C0-FEDA-E84F-993A-5AC8F4EC703F}" v="49" dt="2021-06-05T03:55:13.106"/>
+    <p1510:client id="{B4A380D1-5640-AD4E-93EB-3BB8950898A7}" v="383" dt="2021-09-27T12:02:08.903"/>
   </p1510:revLst>
 </p1510:revInfo>
 </file>
@@ -1233,6 +1233,232 @@
     </pc:docChg>
   </pc:docChgLst>
   <pc:docChgLst>
+    <pc:chgData name="Long B Nguyen" userId="f59fb8f3-a021-417a-8bc1-65c8d471c621" providerId="ADAL" clId="{B4A380D1-5640-AD4E-93EB-3BB8950898A7}"/>
+    <pc:docChg chg="undo custSel modSld">
+      <pc:chgData name="Long B Nguyen" userId="f59fb8f3-a021-417a-8bc1-65c8d471c621" providerId="ADAL" clId="{B4A380D1-5640-AD4E-93EB-3BB8950898A7}" dt="2021-09-27T12:02:08.903" v="1057" actId="5793"/>
+      <pc:docMkLst>
+        <pc:docMk/>
+      </pc:docMkLst>
+      <pc:sldChg chg="modSp mod modAnim">
+        <pc:chgData name="Long B Nguyen" userId="f59fb8f3-a021-417a-8bc1-65c8d471c621" providerId="ADAL" clId="{B4A380D1-5640-AD4E-93EB-3BB8950898A7}" dt="2021-09-27T12:00:24.355" v="959"/>
+        <pc:sldMkLst>
+          <pc:docMk/>
+          <pc:sldMk cId="1901109340" sldId="283"/>
+        </pc:sldMkLst>
+        <pc:spChg chg="mod">
+          <ac:chgData name="Long B Nguyen" userId="f59fb8f3-a021-417a-8bc1-65c8d471c621" providerId="ADAL" clId="{B4A380D1-5640-AD4E-93EB-3BB8950898A7}" dt="2021-09-27T12:00:15.856" v="958" actId="20577"/>
+          <ac:spMkLst>
+            <pc:docMk/>
+            <pc:sldMk cId="1901109340" sldId="283"/>
+            <ac:spMk id="9" creationId="{E3B2E017-30B2-884B-A113-B419A2ED51AD}"/>
+          </ac:spMkLst>
+        </pc:spChg>
+      </pc:sldChg>
+      <pc:sldChg chg="modSp mod modAnim">
+        <pc:chgData name="Long B Nguyen" userId="f59fb8f3-a021-417a-8bc1-65c8d471c621" providerId="ADAL" clId="{B4A380D1-5640-AD4E-93EB-3BB8950898A7}" dt="2021-09-27T11:49:57.333" v="450" actId="14100"/>
+        <pc:sldMkLst>
+          <pc:docMk/>
+          <pc:sldMk cId="1313115290" sldId="287"/>
+        </pc:sldMkLst>
+        <pc:spChg chg="mod">
+          <ac:chgData name="Long B Nguyen" userId="f59fb8f3-a021-417a-8bc1-65c8d471c621" providerId="ADAL" clId="{B4A380D1-5640-AD4E-93EB-3BB8950898A7}" dt="2021-09-27T11:49:57.333" v="450" actId="14100"/>
+          <ac:spMkLst>
+            <pc:docMk/>
+            <pc:sldMk cId="1313115290" sldId="287"/>
+            <ac:spMk id="9" creationId="{E3B2E017-30B2-884B-A113-B419A2ED51AD}"/>
+          </ac:spMkLst>
+        </pc:spChg>
+      </pc:sldChg>
+      <pc:sldChg chg="modSp modAnim">
+        <pc:chgData name="Long B Nguyen" userId="f59fb8f3-a021-417a-8bc1-65c8d471c621" providerId="ADAL" clId="{B4A380D1-5640-AD4E-93EB-3BB8950898A7}" dt="2021-09-27T12:01:40.307" v="1012" actId="20577"/>
+        <pc:sldMkLst>
+          <pc:docMk/>
+          <pc:sldMk cId="2339437966" sldId="288"/>
+        </pc:sldMkLst>
+        <pc:spChg chg="mod">
+          <ac:chgData name="Long B Nguyen" userId="f59fb8f3-a021-417a-8bc1-65c8d471c621" providerId="ADAL" clId="{B4A380D1-5640-AD4E-93EB-3BB8950898A7}" dt="2021-09-27T12:01:40.307" v="1012" actId="20577"/>
+          <ac:spMkLst>
+            <pc:docMk/>
+            <pc:sldMk cId="2339437966" sldId="288"/>
+            <ac:spMk id="9" creationId="{E3B2E017-30B2-884B-A113-B419A2ED51AD}"/>
+          </ac:spMkLst>
+        </pc:spChg>
+      </pc:sldChg>
+      <pc:sldChg chg="modSp modAnim">
+        <pc:chgData name="Long B Nguyen" userId="f59fb8f3-a021-417a-8bc1-65c8d471c621" providerId="ADAL" clId="{B4A380D1-5640-AD4E-93EB-3BB8950898A7}" dt="2021-09-27T12:02:08.903" v="1057" actId="5793"/>
+        <pc:sldMkLst>
+          <pc:docMk/>
+          <pc:sldMk cId="1454012366" sldId="289"/>
+        </pc:sldMkLst>
+        <pc:spChg chg="mod">
+          <ac:chgData name="Long B Nguyen" userId="f59fb8f3-a021-417a-8bc1-65c8d471c621" providerId="ADAL" clId="{B4A380D1-5640-AD4E-93EB-3BB8950898A7}" dt="2021-09-27T12:02:08.903" v="1057" actId="5793"/>
+          <ac:spMkLst>
+            <pc:docMk/>
+            <pc:sldMk cId="1454012366" sldId="289"/>
+            <ac:spMk id="9" creationId="{E3B2E017-30B2-884B-A113-B419A2ED51AD}"/>
+          </ac:spMkLst>
+        </pc:spChg>
+      </pc:sldChg>
+      <pc:sldChg chg="modSp modAnim">
+        <pc:chgData name="Long B Nguyen" userId="f59fb8f3-a021-417a-8bc1-65c8d471c621" providerId="ADAL" clId="{B4A380D1-5640-AD4E-93EB-3BB8950898A7}" dt="2021-09-27T11:49:46.030" v="448" actId="113"/>
+        <pc:sldMkLst>
+          <pc:docMk/>
+          <pc:sldMk cId="3872931043" sldId="290"/>
+        </pc:sldMkLst>
+        <pc:spChg chg="mod">
+          <ac:chgData name="Long B Nguyen" userId="f59fb8f3-a021-417a-8bc1-65c8d471c621" providerId="ADAL" clId="{B4A380D1-5640-AD4E-93EB-3BB8950898A7}" dt="2021-09-27T11:49:46.030" v="448" actId="113"/>
+          <ac:spMkLst>
+            <pc:docMk/>
+            <pc:sldMk cId="3872931043" sldId="290"/>
+            <ac:spMk id="9" creationId="{E3B2E017-30B2-884B-A113-B419A2ED51AD}"/>
+          </ac:spMkLst>
+        </pc:spChg>
+      </pc:sldChg>
+      <pc:sldChg chg="modSp">
+        <pc:chgData name="Long B Nguyen" userId="f59fb8f3-a021-417a-8bc1-65c8d471c621" providerId="ADAL" clId="{B4A380D1-5640-AD4E-93EB-3BB8950898A7}" dt="2021-09-27T11:49:40.696" v="447" actId="113"/>
+        <pc:sldMkLst>
+          <pc:docMk/>
+          <pc:sldMk cId="3525539036" sldId="291"/>
+        </pc:sldMkLst>
+        <pc:spChg chg="mod">
+          <ac:chgData name="Long B Nguyen" userId="f59fb8f3-a021-417a-8bc1-65c8d471c621" providerId="ADAL" clId="{B4A380D1-5640-AD4E-93EB-3BB8950898A7}" dt="2021-09-27T11:49:40.696" v="447" actId="113"/>
+          <ac:spMkLst>
+            <pc:docMk/>
+            <pc:sldMk cId="3525539036" sldId="291"/>
+            <ac:spMk id="9" creationId="{E3B2E017-30B2-884B-A113-B419A2ED51AD}"/>
+          </ac:spMkLst>
+        </pc:spChg>
+      </pc:sldChg>
+      <pc:sldChg chg="modAnim">
+        <pc:chgData name="Long B Nguyen" userId="f59fb8f3-a021-417a-8bc1-65c8d471c621" providerId="ADAL" clId="{B4A380D1-5640-AD4E-93EB-3BB8950898A7}" dt="2021-09-27T11:50:15.104" v="452"/>
+        <pc:sldMkLst>
+          <pc:docMk/>
+          <pc:sldMk cId="4245538547" sldId="292"/>
+        </pc:sldMkLst>
+      </pc:sldChg>
+      <pc:sldChg chg="modAnim">
+        <pc:chgData name="Long B Nguyen" userId="f59fb8f3-a021-417a-8bc1-65c8d471c621" providerId="ADAL" clId="{B4A380D1-5640-AD4E-93EB-3BB8950898A7}" dt="2021-09-27T11:50:38.569" v="453"/>
+        <pc:sldMkLst>
+          <pc:docMk/>
+          <pc:sldMk cId="439805773" sldId="293"/>
+        </pc:sldMkLst>
+      </pc:sldChg>
+      <pc:sldChg chg="modSp modAnim">
+        <pc:chgData name="Long B Nguyen" userId="f59fb8f3-a021-417a-8bc1-65c8d471c621" providerId="ADAL" clId="{B4A380D1-5640-AD4E-93EB-3BB8950898A7}" dt="2021-09-27T11:48:46.038" v="442"/>
+        <pc:sldMkLst>
+          <pc:docMk/>
+          <pc:sldMk cId="4293870304" sldId="295"/>
+        </pc:sldMkLst>
+        <pc:spChg chg="mod">
+          <ac:chgData name="Long B Nguyen" userId="f59fb8f3-a021-417a-8bc1-65c8d471c621" providerId="ADAL" clId="{B4A380D1-5640-AD4E-93EB-3BB8950898A7}" dt="2021-09-27T11:48:34.628" v="439" actId="20577"/>
+          <ac:spMkLst>
+            <pc:docMk/>
+            <pc:sldMk cId="4293870304" sldId="295"/>
+            <ac:spMk id="9" creationId="{E3B2E017-30B2-884B-A113-B419A2ED51AD}"/>
+          </ac:spMkLst>
+        </pc:spChg>
+      </pc:sldChg>
+      <pc:sldChg chg="modAnim">
+        <pc:chgData name="Long B Nguyen" userId="f59fb8f3-a021-417a-8bc1-65c8d471c621" providerId="ADAL" clId="{B4A380D1-5640-AD4E-93EB-3BB8950898A7}" dt="2021-09-27T11:51:26.961" v="456"/>
+        <pc:sldMkLst>
+          <pc:docMk/>
+          <pc:sldMk cId="1859033805" sldId="303"/>
+        </pc:sldMkLst>
+      </pc:sldChg>
+      <pc:sldChg chg="delSp modSp mod">
+        <pc:chgData name="Long B Nguyen" userId="f59fb8f3-a021-417a-8bc1-65c8d471c621" providerId="ADAL" clId="{B4A380D1-5640-AD4E-93EB-3BB8950898A7}" dt="2021-09-27T11:52:06.286" v="518" actId="478"/>
+        <pc:sldMkLst>
+          <pc:docMk/>
+          <pc:sldMk cId="3746122933" sldId="304"/>
+        </pc:sldMkLst>
+        <pc:spChg chg="del">
+          <ac:chgData name="Long B Nguyen" userId="f59fb8f3-a021-417a-8bc1-65c8d471c621" providerId="ADAL" clId="{B4A380D1-5640-AD4E-93EB-3BB8950898A7}" dt="2021-09-27T11:52:06.286" v="518" actId="478"/>
+          <ac:spMkLst>
+            <pc:docMk/>
+            <pc:sldMk cId="3746122933" sldId="304"/>
+            <ac:spMk id="4" creationId="{40453567-7673-614C-8F1B-E8DF32DDBBEA}"/>
+          </ac:spMkLst>
+        </pc:spChg>
+        <pc:spChg chg="mod">
+          <ac:chgData name="Long B Nguyen" userId="f59fb8f3-a021-417a-8bc1-65c8d471c621" providerId="ADAL" clId="{B4A380D1-5640-AD4E-93EB-3BB8950898A7}" dt="2021-09-27T11:52:00.201" v="517" actId="20577"/>
+          <ac:spMkLst>
+            <pc:docMk/>
+            <pc:sldMk cId="3746122933" sldId="304"/>
+            <ac:spMk id="9" creationId="{E3B2E017-30B2-884B-A113-B419A2ED51AD}"/>
+          </ac:spMkLst>
+        </pc:spChg>
+      </pc:sldChg>
+      <pc:sldChg chg="modAnim">
+        <pc:chgData name="Long B Nguyen" userId="f59fb8f3-a021-417a-8bc1-65c8d471c621" providerId="ADAL" clId="{B4A380D1-5640-AD4E-93EB-3BB8950898A7}" dt="2021-09-27T11:52:15.141" v="519"/>
+        <pc:sldMkLst>
+          <pc:docMk/>
+          <pc:sldMk cId="3711384961" sldId="305"/>
+        </pc:sldMkLst>
+      </pc:sldChg>
+      <pc:sldChg chg="modSp">
+        <pc:chgData name="Long B Nguyen" userId="f59fb8f3-a021-417a-8bc1-65c8d471c621" providerId="ADAL" clId="{B4A380D1-5640-AD4E-93EB-3BB8950898A7}" dt="2021-09-27T11:43:46.539" v="67" actId="207"/>
+        <pc:sldMkLst>
+          <pc:docMk/>
+          <pc:sldMk cId="667652132" sldId="307"/>
+        </pc:sldMkLst>
+        <pc:spChg chg="mod">
+          <ac:chgData name="Long B Nguyen" userId="f59fb8f3-a021-417a-8bc1-65c8d471c621" providerId="ADAL" clId="{B4A380D1-5640-AD4E-93EB-3BB8950898A7}" dt="2021-09-27T11:43:46.539" v="67" actId="207"/>
+          <ac:spMkLst>
+            <pc:docMk/>
+            <pc:sldMk cId="667652132" sldId="307"/>
+            <ac:spMk id="9" creationId="{E3B2E017-30B2-884B-A113-B419A2ED51AD}"/>
+          </ac:spMkLst>
+        </pc:spChg>
+      </pc:sldChg>
+      <pc:sldChg chg="modSp modAnim">
+        <pc:chgData name="Long B Nguyen" userId="f59fb8f3-a021-417a-8bc1-65c8d471c621" providerId="ADAL" clId="{B4A380D1-5640-AD4E-93EB-3BB8950898A7}" dt="2021-09-27T11:46:07.551" v="258"/>
+        <pc:sldMkLst>
+          <pc:docMk/>
+          <pc:sldMk cId="1342898592" sldId="310"/>
+        </pc:sldMkLst>
+        <pc:spChg chg="mod">
+          <ac:chgData name="Long B Nguyen" userId="f59fb8f3-a021-417a-8bc1-65c8d471c621" providerId="ADAL" clId="{B4A380D1-5640-AD4E-93EB-3BB8950898A7}" dt="2021-09-27T11:45:33.194" v="252" actId="20577"/>
+          <ac:spMkLst>
+            <pc:docMk/>
+            <pc:sldMk cId="1342898592" sldId="310"/>
+            <ac:spMk id="9" creationId="{E3B2E017-30B2-884B-A113-B419A2ED51AD}"/>
+          </ac:spMkLst>
+        </pc:spChg>
+      </pc:sldChg>
+      <pc:sldChg chg="modSp mod">
+        <pc:chgData name="Long B Nguyen" userId="f59fb8f3-a021-417a-8bc1-65c8d471c621" providerId="ADAL" clId="{B4A380D1-5640-AD4E-93EB-3BB8950898A7}" dt="2021-09-27T11:55:56.823" v="740" actId="20577"/>
+        <pc:sldMkLst>
+          <pc:docMk/>
+          <pc:sldMk cId="1575070404" sldId="311"/>
+        </pc:sldMkLst>
+        <pc:spChg chg="mod">
+          <ac:chgData name="Long B Nguyen" userId="f59fb8f3-a021-417a-8bc1-65c8d471c621" providerId="ADAL" clId="{B4A380D1-5640-AD4E-93EB-3BB8950898A7}" dt="2021-09-27T11:55:45.619" v="736" actId="1035"/>
+          <ac:spMkLst>
+            <pc:docMk/>
+            <pc:sldMk cId="1575070404" sldId="311"/>
+            <ac:spMk id="3" creationId="{E3FA655A-5AB5-F240-962A-94B89E2A3F46}"/>
+          </ac:spMkLst>
+        </pc:spChg>
+        <pc:spChg chg="mod">
+          <ac:chgData name="Long B Nguyen" userId="f59fb8f3-a021-417a-8bc1-65c8d471c621" providerId="ADAL" clId="{B4A380D1-5640-AD4E-93EB-3BB8950898A7}" dt="2021-09-27T11:55:45.619" v="736" actId="1035"/>
+          <ac:spMkLst>
+            <pc:docMk/>
+            <pc:sldMk cId="1575070404" sldId="311"/>
+            <ac:spMk id="5" creationId="{E3902497-A323-8444-BA6A-683A07A0DC35}"/>
+          </ac:spMkLst>
+        </pc:spChg>
+        <pc:spChg chg="mod">
+          <ac:chgData name="Long B Nguyen" userId="f59fb8f3-a021-417a-8bc1-65c8d471c621" providerId="ADAL" clId="{B4A380D1-5640-AD4E-93EB-3BB8950898A7}" dt="2021-09-27T11:55:56.823" v="740" actId="20577"/>
+          <ac:spMkLst>
+            <pc:docMk/>
+            <pc:sldMk cId="1575070404" sldId="311"/>
+            <ac:spMk id="9" creationId="{E3B2E017-30B2-884B-A113-B419A2ED51AD}"/>
+          </ac:spMkLst>
+        </pc:spChg>
+      </pc:sldChg>
+    </pc:docChg>
+  </pc:docChgLst>
+  <pc:docChgLst>
     <pc:chgData name="Long B Nguyen" userId="f59fb8f3-a021-417a-8bc1-65c8d471c621" providerId="ADAL" clId="{20F795C0-FEDA-E84F-993A-5AC8F4EC703F}"/>
     <pc:docChg chg="undo custSel modSld">
       <pc:chgData name="Long B Nguyen" userId="f59fb8f3-a021-417a-8bc1-65c8d471c621" providerId="ADAL" clId="{20F795C0-FEDA-E84F-993A-5AC8F4EC703F}" dt="2021-06-09T15:10:37.758" v="58" actId="20577"/>
@@ -1420,7 +1646,7 @@
           <a:p>
             <a:fld id="{4AAD347D-5ACD-4C99-B74B-A9C85AD731AF}" type="datetimeFigureOut">
               <a:rPr lang="en-US" smtClean="0"/>
-              <a:t>6/9/21</a:t>
+              <a:t>9/27/21</a:t>
             </a:fld>
             <a:endParaRPr lang="en-US" dirty="0"/>
           </a:p>
@@ -1590,7 +1816,7 @@
           <a:p>
             <a:fld id="{4509A250-FF31-4206-8172-F9D3106AACB1}" type="datetimeFigureOut">
               <a:rPr lang="en-US" smtClean="0"/>
-              <a:t>6/9/21</a:t>
+              <a:t>9/27/21</a:t>
             </a:fld>
             <a:endParaRPr lang="en-US" dirty="0"/>
           </a:p>
@@ -1770,7 +1996,7 @@
           <a:p>
             <a:fld id="{4509A250-FF31-4206-8172-F9D3106AACB1}" type="datetimeFigureOut">
               <a:rPr lang="en-US" smtClean="0"/>
-              <a:t>6/9/21</a:t>
+              <a:t>9/27/21</a:t>
             </a:fld>
             <a:endParaRPr lang="en-US" dirty="0"/>
           </a:p>
@@ -1940,7 +2166,7 @@
           <a:p>
             <a:fld id="{4509A250-FF31-4206-8172-F9D3106AACB1}" type="datetimeFigureOut">
               <a:rPr lang="en-US" smtClean="0"/>
-              <a:t>6/9/21</a:t>
+              <a:t>9/27/21</a:t>
             </a:fld>
             <a:endParaRPr lang="en-US" dirty="0"/>
           </a:p>
@@ -2186,7 +2412,7 @@
           <a:p>
             <a:fld id="{9796027F-7875-4030-9381-8BD8C4F21935}" type="datetimeFigureOut">
               <a:rPr lang="en-US" smtClean="0"/>
-              <a:t>6/9/21</a:t>
+              <a:t>9/27/21</a:t>
             </a:fld>
             <a:endParaRPr lang="en-US" dirty="0"/>
           </a:p>
@@ -2418,7 +2644,7 @@
           <a:p>
             <a:fld id="{9796027F-7875-4030-9381-8BD8C4F21935}" type="datetimeFigureOut">
               <a:rPr lang="en-US" smtClean="0"/>
-              <a:t>6/9/21</a:t>
+              <a:t>9/27/21</a:t>
             </a:fld>
             <a:endParaRPr lang="en-US" dirty="0"/>
           </a:p>
@@ -2785,7 +3011,7 @@
           <a:p>
             <a:fld id="{9796027F-7875-4030-9381-8BD8C4F21935}" type="datetimeFigureOut">
               <a:rPr lang="en-US" smtClean="0"/>
-              <a:t>6/9/21</a:t>
+              <a:t>9/27/21</a:t>
             </a:fld>
             <a:endParaRPr lang="en-US" dirty="0"/>
           </a:p>
@@ -2903,7 +3129,7 @@
           <a:p>
             <a:fld id="{4509A250-FF31-4206-8172-F9D3106AACB1}" type="datetimeFigureOut">
               <a:rPr lang="en-US" smtClean="0"/>
-              <a:t>6/9/21</a:t>
+              <a:t>9/27/21</a:t>
             </a:fld>
             <a:endParaRPr lang="en-US" dirty="0"/>
           </a:p>
@@ -2998,7 +3224,7 @@
           <a:p>
             <a:fld id="{4509A250-FF31-4206-8172-F9D3106AACB1}" type="datetimeFigureOut">
               <a:rPr lang="en-US" smtClean="0"/>
-              <a:t>6/9/21</a:t>
+              <a:t>9/27/21</a:t>
             </a:fld>
             <a:endParaRPr lang="en-US" dirty="0"/>
           </a:p>
@@ -3275,7 +3501,7 @@
           <a:p>
             <a:fld id="{4509A250-FF31-4206-8172-F9D3106AACB1}" type="datetimeFigureOut">
               <a:rPr lang="en-US" smtClean="0"/>
-              <a:t>6/9/21</a:t>
+              <a:t>9/27/21</a:t>
             </a:fld>
             <a:endParaRPr lang="en-US" dirty="0"/>
           </a:p>
@@ -3532,7 +3758,7 @@
           <a:p>
             <a:fld id="{4509A250-FF31-4206-8172-F9D3106AACB1}" type="datetimeFigureOut">
               <a:rPr lang="en-US" smtClean="0"/>
-              <a:t>6/9/21</a:t>
+              <a:t>9/27/21</a:t>
             </a:fld>
             <a:endParaRPr lang="en-US" dirty="0"/>
           </a:p>
@@ -3745,7 +3971,7 @@
           <a:p>
             <a:fld id="{4AAD347D-5ACD-4C99-B74B-A9C85AD731AF}" type="datetimeFigureOut">
               <a:rPr lang="en-US" smtClean="0"/>
-              <a:t>6/9/21</a:t>
+              <a:t>9/27/21</a:t>
             </a:fld>
             <a:endParaRPr lang="en-US" dirty="0"/>
           </a:p>
@@ -4499,8 +4725,8 @@
         </p:nvSpPr>
         <p:spPr>
           <a:xfrm>
-            <a:off x="167654" y="826173"/>
-            <a:ext cx="8694335" cy="4746540"/>
+            <a:off x="167654" y="826172"/>
+            <a:ext cx="8976346" cy="4888827"/>
           </a:xfrm>
         </p:spPr>
         <p:txBody>
@@ -4512,6 +4738,17 @@
             <a:pPr marL="0" indent="0">
               <a:buNone/>
             </a:pPr>
+            <a:r>
+              <a:rPr lang="en-US" b="1" dirty="0">
+                <a:latin typeface="Inconsolata" panose="020B0609030003000000" pitchFamily="49" charset="77"/>
+              </a:rPr>
+              <a:t>What's the output?</a:t>
+            </a:r>
+          </a:p>
+          <a:p>
+            <a:pPr marL="0" indent="0">
+              <a:buNone/>
+            </a:pPr>
             <a:endParaRPr lang="en-US" b="1" dirty="0">
               <a:solidFill>
                 <a:srgbClr val="000087"/>
@@ -4525,9 +4762,185 @@
             </a:pPr>
             <a:r>
               <a:rPr lang="en-US" b="1" dirty="0">
-                <a:latin typeface="Inconsolata" panose="020B0609030003000000" pitchFamily="49" charset="77"/>
-              </a:rPr>
-              <a:t>What's the output?</a:t>
+                <a:solidFill>
+                  <a:srgbClr val="000087"/>
+                </a:solidFill>
+                <a:latin typeface="Inconsolata" panose="020B0609030003000000" pitchFamily="49" charset="77"/>
+              </a:rPr>
+              <a:t>x </a:t>
+            </a:r>
+            <a:r>
+              <a:rPr lang="en-US" b="1" dirty="0">
+                <a:solidFill>
+                  <a:srgbClr val="545454"/>
+                </a:solidFill>
+                <a:latin typeface="Inconsolata" panose="020B0609030003000000" pitchFamily="49" charset="77"/>
+              </a:rPr>
+              <a:t>= -</a:t>
+            </a:r>
+            <a:r>
+              <a:rPr lang="en-US" b="1" dirty="0">
+                <a:solidFill>
+                  <a:srgbClr val="FF6600"/>
+                </a:solidFill>
+                <a:latin typeface="Inconsolata" panose="020B0609030003000000" pitchFamily="49" charset="77"/>
+              </a:rPr>
+              <a:t>5 </a:t>
+            </a:r>
+            <a:endParaRPr lang="en-US" b="1" dirty="0">
+              <a:latin typeface="Inconsolata" panose="020B0609030003000000" pitchFamily="49" charset="77"/>
+            </a:endParaRPr>
+          </a:p>
+          <a:p>
+            <a:pPr marL="0" indent="0">
+              <a:buNone/>
+            </a:pPr>
+            <a:r>
+              <a:rPr lang="en-US" sz="2100" b="1" dirty="0">
+                <a:solidFill>
+                  <a:srgbClr val="006699"/>
+                </a:solidFill>
+                <a:latin typeface="Inconsolata" panose="020B0609030003000000" pitchFamily="49" charset="77"/>
+              </a:rPr>
+              <a:t>if </a:t>
+            </a:r>
+            <a:r>
+              <a:rPr lang="en-US" sz="2100" b="1" dirty="0">
+                <a:solidFill>
+                  <a:srgbClr val="000087"/>
+                </a:solidFill>
+                <a:latin typeface="Inconsolata" panose="020B0609030003000000" pitchFamily="49" charset="77"/>
+              </a:rPr>
+              <a:t>x </a:t>
+            </a:r>
+            <a:r>
+              <a:rPr lang="en-US" sz="2100" b="1" dirty="0">
+                <a:solidFill>
+                  <a:srgbClr val="545454"/>
+                </a:solidFill>
+                <a:latin typeface="Inconsolata" panose="020B0609030003000000" pitchFamily="49" charset="77"/>
+              </a:rPr>
+              <a:t>&gt; </a:t>
+            </a:r>
+            <a:r>
+              <a:rPr lang="en-US" sz="2100" b="1" dirty="0">
+                <a:solidFill>
+                  <a:srgbClr val="FF6600"/>
+                </a:solidFill>
+                <a:latin typeface="Inconsolata" panose="020B0609030003000000" pitchFamily="49" charset="77"/>
+              </a:rPr>
+              <a:t>0</a:t>
+            </a:r>
+            <a:r>
+              <a:rPr lang="en-US" sz="2100" b="1" dirty="0">
+                <a:latin typeface="Inconsolata" panose="020B0609030003000000" pitchFamily="49" charset="77"/>
+              </a:rPr>
+              <a:t>:</a:t>
+            </a:r>
+            <a:br>
+              <a:rPr lang="en-US" sz="2100" b="1" dirty="0">
+                <a:latin typeface="Inconsolata" panose="020B0609030003000000" pitchFamily="49" charset="77"/>
+              </a:rPr>
+            </a:br>
+            <a:r>
+              <a:rPr lang="en-US" b="1" dirty="0">
+                <a:latin typeface="Inconsolata" panose="020B0609030003000000" pitchFamily="49" charset="77"/>
+              </a:rPr>
+              <a:t>    </a:t>
+            </a:r>
+            <a:r>
+              <a:rPr lang="en-US" sz="2100" b="1" dirty="0">
+                <a:solidFill>
+                  <a:srgbClr val="006699"/>
+                </a:solidFill>
+                <a:latin typeface="Inconsolata" panose="020B0609030003000000" pitchFamily="49" charset="77"/>
+              </a:rPr>
+              <a:t>print</a:t>
+            </a:r>
+            <a:r>
+              <a:rPr lang="en-US" sz="2100" b="1" dirty="0">
+                <a:latin typeface="Inconsolata" panose="020B0609030003000000" pitchFamily="49" charset="77"/>
+              </a:rPr>
+              <a:t>(</a:t>
+            </a:r>
+            <a:r>
+              <a:rPr lang="en-US" sz="2100" b="1" dirty="0">
+                <a:solidFill>
+                  <a:srgbClr val="000087"/>
+                </a:solidFill>
+                <a:latin typeface="Inconsolata" panose="020B0609030003000000" pitchFamily="49" charset="77"/>
+              </a:rPr>
+              <a:t>x</a:t>
+            </a:r>
+            <a:r>
+              <a:rPr lang="en-US" b="1" dirty="0">
+                <a:latin typeface="Inconsolata" panose="020B0609030003000000" pitchFamily="49" charset="77"/>
+              </a:rPr>
+              <a:t>)</a:t>
+            </a:r>
+          </a:p>
+          <a:p>
+            <a:pPr marL="0" indent="0">
+              <a:buNone/>
+            </a:pPr>
+            <a:r>
+              <a:rPr lang="en-US" sz="2100" b="1" dirty="0">
+                <a:solidFill>
+                  <a:srgbClr val="006699"/>
+                </a:solidFill>
+                <a:latin typeface="Inconsolata" panose="020B0609030003000000" pitchFamily="49" charset="77"/>
+              </a:rPr>
+              <a:t>    print</a:t>
+            </a:r>
+            <a:r>
+              <a:rPr lang="en-US" sz="2100" b="1" dirty="0">
+                <a:latin typeface="Inconsolata" panose="020B0609030003000000" pitchFamily="49" charset="77"/>
+              </a:rPr>
+              <a:t>(</a:t>
+            </a:r>
+            <a:r>
+              <a:rPr lang="en-US" sz="2100" b="1" dirty="0">
+                <a:solidFill>
+                  <a:srgbClr val="000087"/>
+                </a:solidFill>
+                <a:latin typeface="Inconsolata" panose="020B0609030003000000" pitchFamily="49" charset="77"/>
+              </a:rPr>
+              <a:t>“x is positive”</a:t>
+            </a:r>
+            <a:r>
+              <a:rPr lang="en-US" sz="2100" b="1" dirty="0">
+                <a:latin typeface="Inconsolata" panose="020B0609030003000000" pitchFamily="49" charset="77"/>
+              </a:rPr>
+              <a:t>)</a:t>
+            </a:r>
+          </a:p>
+          <a:p>
+            <a:pPr marL="0" indent="0">
+              <a:buNone/>
+            </a:pPr>
+            <a:r>
+              <a:rPr lang="en-US" sz="2100" b="1" dirty="0">
+                <a:solidFill>
+                  <a:srgbClr val="006699"/>
+                </a:solidFill>
+                <a:latin typeface="Inconsolata" panose="020B0609030003000000" pitchFamily="49" charset="77"/>
+              </a:rPr>
+              <a:t>print</a:t>
+            </a:r>
+            <a:r>
+              <a:rPr lang="en-US" sz="2100" b="1" dirty="0">
+                <a:latin typeface="Inconsolata" panose="020B0609030003000000" pitchFamily="49" charset="77"/>
+              </a:rPr>
+              <a:t>(</a:t>
+            </a:r>
+            <a:r>
+              <a:rPr lang="en-US" sz="2100" b="1" dirty="0">
+                <a:solidFill>
+                  <a:srgbClr val="000087"/>
+                </a:solidFill>
+                <a:latin typeface="Inconsolata" panose="020B0609030003000000" pitchFamily="49" charset="77"/>
+              </a:rPr>
+              <a:t>“outside of block”) </a:t>
             </a:r>
           </a:p>
           <a:p>
@@ -4546,197 +4959,21 @@
               <a:buNone/>
             </a:pPr>
             <a:r>
-              <a:rPr lang="en-US" b="1" dirty="0">
-                <a:solidFill>
-                  <a:srgbClr val="000087"/>
-                </a:solidFill>
-                <a:latin typeface="Inconsolata" panose="020B0609030003000000" pitchFamily="49" charset="77"/>
-              </a:rPr>
-              <a:t>x </a:t>
-            </a:r>
-            <a:r>
-              <a:rPr lang="en-US" b="1" dirty="0">
-                <a:solidFill>
-                  <a:srgbClr val="545454"/>
-                </a:solidFill>
-                <a:latin typeface="Inconsolata" panose="020B0609030003000000" pitchFamily="49" charset="77"/>
-              </a:rPr>
-              <a:t>= -</a:t>
-            </a:r>
-            <a:r>
-              <a:rPr lang="en-US" b="1" dirty="0">
-                <a:solidFill>
-                  <a:srgbClr val="FF6600"/>
-                </a:solidFill>
-                <a:latin typeface="Inconsolata" panose="020B0609030003000000" pitchFamily="49" charset="77"/>
-              </a:rPr>
-              <a:t>5 </a:t>
-            </a:r>
-            <a:endParaRPr lang="en-US" b="1" dirty="0">
-              <a:latin typeface="Inconsolata" panose="020B0609030003000000" pitchFamily="49" charset="77"/>
-            </a:endParaRPr>
-          </a:p>
-          <a:p>
-            <a:pPr marL="0" indent="0">
-              <a:buNone/>
-            </a:pPr>
-            <a:r>
-              <a:rPr lang="en-US" sz="2100" b="1" dirty="0">
-                <a:solidFill>
-                  <a:srgbClr val="006699"/>
-                </a:solidFill>
-                <a:latin typeface="Inconsolata" panose="020B0609030003000000" pitchFamily="49" charset="77"/>
-              </a:rPr>
-              <a:t>if </a:t>
-            </a:r>
-            <a:r>
-              <a:rPr lang="en-US" sz="2100" b="1" dirty="0">
-                <a:solidFill>
-                  <a:srgbClr val="000087"/>
-                </a:solidFill>
-                <a:latin typeface="Inconsolata" panose="020B0609030003000000" pitchFamily="49" charset="77"/>
-              </a:rPr>
-              <a:t>x </a:t>
-            </a:r>
-            <a:r>
-              <a:rPr lang="en-US" sz="2100" b="1" dirty="0">
-                <a:solidFill>
-                  <a:srgbClr val="545454"/>
-                </a:solidFill>
-                <a:latin typeface="Inconsolata" panose="020B0609030003000000" pitchFamily="49" charset="77"/>
-              </a:rPr>
-              <a:t>&gt; </a:t>
-            </a:r>
-            <a:r>
-              <a:rPr lang="en-US" sz="2100" b="1" dirty="0">
-                <a:solidFill>
-                  <a:srgbClr val="FF6600"/>
-                </a:solidFill>
-                <a:latin typeface="Inconsolata" panose="020B0609030003000000" pitchFamily="49" charset="77"/>
-              </a:rPr>
-              <a:t>0</a:t>
-            </a:r>
-            <a:r>
-              <a:rPr lang="en-US" sz="2100" b="1" dirty="0">
-                <a:latin typeface="Inconsolata" panose="020B0609030003000000" pitchFamily="49" charset="77"/>
-              </a:rPr>
-              <a:t>:</a:t>
-            </a:r>
-            <a:br>
-              <a:rPr lang="en-US" sz="2100" b="1" dirty="0">
-                <a:latin typeface="Inconsolata" panose="020B0609030003000000" pitchFamily="49" charset="77"/>
-              </a:rPr>
-            </a:br>
-            <a:r>
-              <a:rPr lang="en-US" b="1" dirty="0">
-                <a:latin typeface="Inconsolata" panose="020B0609030003000000" pitchFamily="49" charset="77"/>
-              </a:rPr>
-              <a:t>    </a:t>
-            </a:r>
-            <a:r>
-              <a:rPr lang="en-US" sz="2100" b="1" dirty="0">
-                <a:solidFill>
-                  <a:srgbClr val="006699"/>
-                </a:solidFill>
-                <a:latin typeface="Inconsolata" panose="020B0609030003000000" pitchFamily="49" charset="77"/>
-              </a:rPr>
-              <a:t>print</a:t>
-            </a:r>
-            <a:r>
-              <a:rPr lang="en-US" sz="2100" b="1" dirty="0">
-                <a:latin typeface="Inconsolata" panose="020B0609030003000000" pitchFamily="49" charset="77"/>
-              </a:rPr>
-              <a:t>(</a:t>
-            </a:r>
-            <a:r>
-              <a:rPr lang="en-US" sz="2100" b="1" dirty="0">
-                <a:solidFill>
-                  <a:srgbClr val="000087"/>
-                </a:solidFill>
-                <a:latin typeface="Inconsolata" panose="020B0609030003000000" pitchFamily="49" charset="77"/>
-              </a:rPr>
-              <a:t>x</a:t>
-            </a:r>
-            <a:r>
-              <a:rPr lang="en-US" b="1" dirty="0">
-                <a:latin typeface="Inconsolata" panose="020B0609030003000000" pitchFamily="49" charset="77"/>
-              </a:rPr>
-              <a:t>)</a:t>
-            </a:r>
-          </a:p>
-          <a:p>
-            <a:pPr marL="0" indent="0">
-              <a:buNone/>
-            </a:pPr>
-            <a:r>
-              <a:rPr lang="en-US" sz="2100" b="1" dirty="0">
-                <a:solidFill>
-                  <a:srgbClr val="006699"/>
-                </a:solidFill>
-                <a:latin typeface="Inconsolata" panose="020B0609030003000000" pitchFamily="49" charset="77"/>
-              </a:rPr>
-              <a:t>    print</a:t>
-            </a:r>
-            <a:r>
-              <a:rPr lang="en-US" sz="2100" b="1" dirty="0">
-                <a:latin typeface="Inconsolata" panose="020B0609030003000000" pitchFamily="49" charset="77"/>
-              </a:rPr>
-              <a:t>(</a:t>
-            </a:r>
-            <a:r>
-              <a:rPr lang="en-US" sz="2100" b="1" dirty="0">
-                <a:solidFill>
-                  <a:srgbClr val="000087"/>
-                </a:solidFill>
-                <a:latin typeface="Inconsolata" panose="020B0609030003000000" pitchFamily="49" charset="77"/>
-              </a:rPr>
-              <a:t>“x is positive”</a:t>
-            </a:r>
-            <a:r>
-              <a:rPr lang="en-US" sz="2100" b="1" dirty="0">
-                <a:latin typeface="Inconsolata" panose="020B0609030003000000" pitchFamily="49" charset="77"/>
-              </a:rPr>
-              <a:t>)</a:t>
-            </a:r>
-          </a:p>
-          <a:p>
-            <a:pPr marL="0" indent="0">
-              <a:buNone/>
-            </a:pPr>
-            <a:r>
-              <a:rPr lang="en-US" sz="2100" b="1">
-                <a:solidFill>
-                  <a:srgbClr val="006699"/>
-                </a:solidFill>
-                <a:latin typeface="Inconsolata" panose="020B0609030003000000" pitchFamily="49" charset="77"/>
-              </a:rPr>
-              <a:t>print</a:t>
-            </a:r>
-            <a:r>
-              <a:rPr lang="en-US" sz="2100" b="1" dirty="0">
-                <a:latin typeface="Inconsolata" panose="020B0609030003000000" pitchFamily="49" charset="77"/>
-              </a:rPr>
-              <a:t>(</a:t>
-            </a:r>
-            <a:r>
-              <a:rPr lang="en-US" sz="2100" b="1" dirty="0">
-                <a:solidFill>
-                  <a:srgbClr val="000087"/>
-                </a:solidFill>
-                <a:latin typeface="Inconsolata" panose="020B0609030003000000" pitchFamily="49" charset="77"/>
-              </a:rPr>
-              <a:t>“outside of block”) </a:t>
-            </a:r>
-          </a:p>
-          <a:p>
-            <a:pPr marL="0" indent="0">
-              <a:buNone/>
-            </a:pPr>
-            <a:endParaRPr lang="en-US" b="1" dirty="0">
+              <a:rPr lang="en-US" sz="2400" dirty="0">
+                <a:latin typeface="UbuntuMono"/>
+              </a:rPr>
+              <a:t>outside of block</a:t>
+            </a:r>
+          </a:p>
+          <a:p>
+            <a:pPr marL="0" indent="0">
+              <a:buNone/>
+            </a:pPr>
+            <a:endParaRPr lang="en-US" sz="2400" b="1" dirty="0">
               <a:solidFill>
                 <a:srgbClr val="000087"/>
               </a:solidFill>
-              <a:latin typeface="Inconsolata" panose="020B0609030003000000" pitchFamily="49" charset="77"/>
+              <a:latin typeface="UbuntuMono"/>
             </a:endParaRPr>
           </a:p>
           <a:p>
@@ -4744,16 +4981,13 @@
               <a:buNone/>
             </a:pPr>
             <a:r>
-              <a:rPr lang="en-US" sz="2400" dirty="0">
-                <a:latin typeface="UbuntuMono"/>
-              </a:rPr>
-              <a:t>outside of block</a:t>
+              <a:rPr lang="en-US" sz="2400" b="1" dirty="0">
+                <a:latin typeface="Gill Sans MT" panose="020B0502020104020203" pitchFamily="34" charset="77"/>
+              </a:rPr>
+              <a:t>Note: Since the conditional is false, the entire block is skipped. The print statement outside the block, however, is executed.</a:t>
             </a:r>
             <a:endParaRPr lang="en-US" sz="2100" b="1" dirty="0">
-              <a:solidFill>
-                <a:srgbClr val="000087"/>
-              </a:solidFill>
-              <a:latin typeface="Inconsolata" panose="020B0609030003000000" pitchFamily="49" charset="77"/>
+              <a:latin typeface="Gill Sans MT" panose="020B0502020104020203" pitchFamily="34" charset="77"/>
             </a:endParaRPr>
           </a:p>
         </p:txBody>
@@ -4768,6 +5002,134 @@
   <p:clrMapOvr>
     <a:masterClrMapping/>
   </p:clrMapOvr>
+  <p:timing>
+    <p:tnLst>
+      <p:par>
+        <p:cTn id="1" dur="indefinite" restart="never" nodeType="tmRoot">
+          <p:childTnLst>
+            <p:seq concurrent="1" nextAc="seek">
+              <p:cTn id="2" dur="indefinite" nodeType="mainSeq">
+                <p:childTnLst>
+                  <p:par>
+                    <p:cTn id="3" fill="hold">
+                      <p:stCondLst>
+                        <p:cond delay="indefinite"/>
+                      </p:stCondLst>
+                      <p:childTnLst>
+                        <p:par>
+                          <p:cTn id="4" fill="hold">
+                            <p:stCondLst>
+                              <p:cond delay="0"/>
+                            </p:stCondLst>
+                            <p:childTnLst>
+                              <p:par>
+                                <p:cTn id="5" presetID="1" presetClass="entr" presetSubtype="0" fill="hold" nodeType="clickEffect">
+                                  <p:stCondLst>
+                                    <p:cond delay="0"/>
+                                  </p:stCondLst>
+                                  <p:childTnLst>
+                                    <p:set>
+                                      <p:cBhvr>
+                                        <p:cTn id="6" dur="1" fill="hold">
+                                          <p:stCondLst>
+                                            <p:cond delay="0"/>
+                                          </p:stCondLst>
+                                        </p:cTn>
+                                        <p:tgtEl>
+                                          <p:spTgt spid="9">
+                                            <p:txEl>
+                                              <p:pRg st="7" end="7"/>
+                                            </p:txEl>
+                                          </p:spTgt>
+                                        </p:tgtEl>
+                                        <p:attrNameLst>
+                                          <p:attrName>style.visibility</p:attrName>
+                                        </p:attrNameLst>
+                                      </p:cBhvr>
+                                      <p:to>
+                                        <p:strVal val="visible"/>
+                                      </p:to>
+                                    </p:set>
+                                  </p:childTnLst>
+                                </p:cTn>
+                              </p:par>
+                            </p:childTnLst>
+                          </p:cTn>
+                        </p:par>
+                      </p:childTnLst>
+                    </p:cTn>
+                  </p:par>
+                  <p:par>
+                    <p:cTn id="7" fill="hold">
+                      <p:stCondLst>
+                        <p:cond delay="indefinite"/>
+                      </p:stCondLst>
+                      <p:childTnLst>
+                        <p:par>
+                          <p:cTn id="8" fill="hold">
+                            <p:stCondLst>
+                              <p:cond delay="0"/>
+                            </p:stCondLst>
+                            <p:childTnLst>
+                              <p:par>
+                                <p:cTn id="9" presetID="1" presetClass="entr" presetSubtype="0" fill="hold" nodeType="clickEffect">
+                                  <p:stCondLst>
+                                    <p:cond delay="0"/>
+                                  </p:stCondLst>
+                                  <p:childTnLst>
+                                    <p:set>
+                                      <p:cBhvr>
+                                        <p:cTn id="10" dur="1" fill="hold">
+                                          <p:stCondLst>
+                                            <p:cond delay="0"/>
+                                          </p:stCondLst>
+                                        </p:cTn>
+                                        <p:tgtEl>
+                                          <p:spTgt spid="9">
+                                            <p:txEl>
+                                              <p:pRg st="9" end="9"/>
+                                            </p:txEl>
+                                          </p:spTgt>
+                                        </p:tgtEl>
+                                        <p:attrNameLst>
+                                          <p:attrName>style.visibility</p:attrName>
+                                        </p:attrNameLst>
+                                      </p:cBhvr>
+                                      <p:to>
+                                        <p:strVal val="visible"/>
+                                      </p:to>
+                                    </p:set>
+                                  </p:childTnLst>
+                                </p:cTn>
+                              </p:par>
+                            </p:childTnLst>
+                          </p:cTn>
+                        </p:par>
+                      </p:childTnLst>
+                    </p:cTn>
+                  </p:par>
+                </p:childTnLst>
+              </p:cTn>
+              <p:prevCondLst>
+                <p:cond evt="onPrev" delay="0">
+                  <p:tgtEl>
+                    <p:sldTgt/>
+                  </p:tgtEl>
+                </p:cond>
+              </p:prevCondLst>
+              <p:nextCondLst>
+                <p:cond evt="onNext" delay="0">
+                  <p:tgtEl>
+                    <p:sldTgt/>
+                  </p:tgtEl>
+                </p:cond>
+              </p:nextCondLst>
+            </p:seq>
+          </p:childTnLst>
+        </p:cTn>
+      </p:par>
+    </p:tnLst>
+  </p:timing>
 </p:sld>
 </file>
 
@@ -5113,12 +5475,567 @@
               <a:latin typeface="Gill Sans MT" panose="020B0502020104020203" pitchFamily="34" charset="77"/>
             </a:endParaRPr>
           </a:p>
+          <a:p>
+            <a:pPr marL="0" indent="0">
+              <a:buNone/>
+            </a:pPr>
+            <a:r>
+              <a:rPr lang="en-US" sz="2400" b="1" dirty="0">
+                <a:latin typeface="Gill Sans MT" panose="020B0502020104020203" pitchFamily="34" charset="77"/>
+              </a:rPr>
+              <a:t>Note: The above conditional block is executed. </a:t>
+            </a:r>
+            <a:endParaRPr lang="en-US" sz="2400" dirty="0">
+              <a:latin typeface="Gill Sans MT" panose="020B0502020104020203" pitchFamily="34" charset="77"/>
+            </a:endParaRPr>
+          </a:p>
         </p:txBody>
       </p:sp>
     </p:spTree>
     <p:extLst>
       <p:ext uri="{BB962C8B-B14F-4D97-AF65-F5344CB8AC3E}">
         <p14:creationId xmlns:p14="http://schemas.microsoft.com/office/powerpoint/2010/main" val="2339437966"/>
+      </p:ext>
+    </p:extLst>
+  </p:cSld>
+  <p:clrMapOvr>
+    <a:masterClrMapping/>
+  </p:clrMapOvr>
+  <p:timing>
+    <p:tnLst>
+      <p:par>
+        <p:cTn id="1" dur="indefinite" restart="never" nodeType="tmRoot">
+          <p:childTnLst>
+            <p:seq concurrent="1" nextAc="seek">
+              <p:cTn id="2" dur="indefinite" nodeType="mainSeq">
+                <p:childTnLst>
+                  <p:par>
+                    <p:cTn id="3" fill="hold">
+                      <p:stCondLst>
+                        <p:cond delay="indefinite"/>
+                      </p:stCondLst>
+                      <p:childTnLst>
+                        <p:par>
+                          <p:cTn id="4" fill="hold">
+                            <p:stCondLst>
+                              <p:cond delay="0"/>
+                            </p:stCondLst>
+                            <p:childTnLst>
+                              <p:par>
+                                <p:cTn id="5" presetID="1" presetClass="entr" presetSubtype="0" fill="hold" nodeType="clickEffect">
+                                  <p:stCondLst>
+                                    <p:cond delay="0"/>
+                                  </p:stCondLst>
+                                  <p:childTnLst>
+                                    <p:set>
+                                      <p:cBhvr>
+                                        <p:cTn id="6" dur="1" fill="hold">
+                                          <p:stCondLst>
+                                            <p:cond delay="0"/>
+                                          </p:stCondLst>
+                                        </p:cTn>
+                                        <p:tgtEl>
+                                          <p:spTgt spid="9">
+                                            <p:txEl>
+                                              <p:pRg st="8" end="8"/>
+                                            </p:txEl>
+                                          </p:spTgt>
+                                        </p:tgtEl>
+                                        <p:attrNameLst>
+                                          <p:attrName>style.visibility</p:attrName>
+                                        </p:attrNameLst>
+                                      </p:cBhvr>
+                                      <p:to>
+                                        <p:strVal val="visible"/>
+                                      </p:to>
+                                    </p:set>
+                                  </p:childTnLst>
+                                </p:cTn>
+                              </p:par>
+                              <p:par>
+                                <p:cTn id="7" presetID="1" presetClass="entr" presetSubtype="0" fill="hold" nodeType="withEffect">
+                                  <p:stCondLst>
+                                    <p:cond delay="0"/>
+                                  </p:stCondLst>
+                                  <p:childTnLst>
+                                    <p:set>
+                                      <p:cBhvr>
+                                        <p:cTn id="8" dur="1" fill="hold">
+                                          <p:stCondLst>
+                                            <p:cond delay="0"/>
+                                          </p:stCondLst>
+                                        </p:cTn>
+                                        <p:tgtEl>
+                                          <p:spTgt spid="9">
+                                            <p:txEl>
+                                              <p:pRg st="9" end="9"/>
+                                            </p:txEl>
+                                          </p:spTgt>
+                                        </p:tgtEl>
+                                        <p:attrNameLst>
+                                          <p:attrName>style.visibility</p:attrName>
+                                        </p:attrNameLst>
+                                      </p:cBhvr>
+                                      <p:to>
+                                        <p:strVal val="visible"/>
+                                      </p:to>
+                                    </p:set>
+                                  </p:childTnLst>
+                                </p:cTn>
+                              </p:par>
+                              <p:par>
+                                <p:cTn id="9" presetID="1" presetClass="entr" presetSubtype="0" fill="hold" nodeType="withEffect">
+                                  <p:stCondLst>
+                                    <p:cond delay="0"/>
+                                  </p:stCondLst>
+                                  <p:childTnLst>
+                                    <p:set>
+                                      <p:cBhvr>
+                                        <p:cTn id="10" dur="1" fill="hold">
+                                          <p:stCondLst>
+                                            <p:cond delay="0"/>
+                                          </p:stCondLst>
+                                        </p:cTn>
+                                        <p:tgtEl>
+                                          <p:spTgt spid="9">
+                                            <p:txEl>
+                                              <p:pRg st="10" end="10"/>
+                                            </p:txEl>
+                                          </p:spTgt>
+                                        </p:tgtEl>
+                                        <p:attrNameLst>
+                                          <p:attrName>style.visibility</p:attrName>
+                                        </p:attrNameLst>
+                                      </p:cBhvr>
+                                      <p:to>
+                                        <p:strVal val="visible"/>
+                                      </p:to>
+                                    </p:set>
+                                  </p:childTnLst>
+                                </p:cTn>
+                              </p:par>
+                              <p:par>
+                                <p:cTn id="11" presetID="1" presetClass="entr" presetSubtype="0" fill="hold" nodeType="withEffect">
+                                  <p:stCondLst>
+                                    <p:cond delay="0"/>
+                                  </p:stCondLst>
+                                  <p:childTnLst>
+                                    <p:set>
+                                      <p:cBhvr>
+                                        <p:cTn id="12" dur="1" fill="hold">
+                                          <p:stCondLst>
+                                            <p:cond delay="0"/>
+                                          </p:stCondLst>
+                                        </p:cTn>
+                                        <p:tgtEl>
+                                          <p:spTgt spid="9">
+                                            <p:txEl>
+                                              <p:pRg st="11" end="11"/>
+                                            </p:txEl>
+                                          </p:spTgt>
+                                        </p:tgtEl>
+                                        <p:attrNameLst>
+                                          <p:attrName>style.visibility</p:attrName>
+                                        </p:attrNameLst>
+                                      </p:cBhvr>
+                                      <p:to>
+                                        <p:strVal val="visible"/>
+                                      </p:to>
+                                    </p:set>
+                                  </p:childTnLst>
+                                </p:cTn>
+                              </p:par>
+                            </p:childTnLst>
+                          </p:cTn>
+                        </p:par>
+                      </p:childTnLst>
+                    </p:cTn>
+                  </p:par>
+                </p:childTnLst>
+              </p:cTn>
+              <p:prevCondLst>
+                <p:cond evt="onPrev" delay="0">
+                  <p:tgtEl>
+                    <p:sldTgt/>
+                  </p:tgtEl>
+                </p:cond>
+              </p:prevCondLst>
+              <p:nextCondLst>
+                <p:cond evt="onNext" delay="0">
+                  <p:tgtEl>
+                    <p:sldTgt/>
+                  </p:tgtEl>
+                </p:cond>
+              </p:nextCondLst>
+            </p:seq>
+          </p:childTnLst>
+        </p:cTn>
+      </p:par>
+    </p:tnLst>
+  </p:timing>
+</p:sld>
+</file>
+
+<file path=ppt/slides/slide12.xml><?xml version="1.0" encoding="utf-8"?>
+<p:sld xmlns:a="http://schemas.openxmlformats.org/drawingml/2006/main" xmlns:r="http://schemas.openxmlformats.org/officeDocument/2006/relationships" xmlns:p="http://schemas.openxmlformats.org/presentationml/2006/main">
+  <p:cSld>
+    <p:spTree>
+      <p:nvGrpSpPr>
+        <p:cNvPr id="1" name=""/>
+        <p:cNvGrpSpPr/>
+        <p:nvPr/>
+      </p:nvGrpSpPr>
+      <p:grpSpPr>
+        <a:xfrm>
+          <a:off x="0" y="0"/>
+          <a:ext cx="0" cy="0"/>
+          <a:chOff x="0" y="0"/>
+          <a:chExt cx="0" cy="0"/>
+        </a:xfrm>
+      </p:grpSpPr>
+      <p:sp>
+        <p:nvSpPr>
+          <p:cNvPr id="2" name="Title 1">
+            <a:extLst>
+              <a:ext uri="{FF2B5EF4-FFF2-40B4-BE49-F238E27FC236}">
+                <a16:creationId xmlns:a16="http://schemas.microsoft.com/office/drawing/2014/main" id="{AA3A228F-61D0-D949-A5E7-F83756230BF8}"/>
+              </a:ext>
+            </a:extLst>
+          </p:cNvPr>
+          <p:cNvSpPr>
+            <a:spLocks noGrp="1"/>
+          </p:cNvSpPr>
+          <p:nvPr>
+            <p:ph type="title"/>
+          </p:nvPr>
+        </p:nvSpPr>
+        <p:spPr>
+          <a:xfrm>
+            <a:off x="133470" y="125195"/>
+            <a:ext cx="7053542" cy="683886"/>
+          </a:xfrm>
+        </p:spPr>
+        <p:txBody>
+          <a:bodyPr/>
+          <a:lstStyle/>
+          <a:p>
+            <a:r>
+              <a:rPr lang="en-US" dirty="0"/>
+              <a:t>Sequence of Ifs</a:t>
+            </a:r>
+          </a:p>
+        </p:txBody>
+      </p:sp>
+      <p:sp>
+        <p:nvSpPr>
+          <p:cNvPr id="9" name="Content Placeholder 8">
+            <a:extLst>
+              <a:ext uri="{FF2B5EF4-FFF2-40B4-BE49-F238E27FC236}">
+                <a16:creationId xmlns:a16="http://schemas.microsoft.com/office/drawing/2014/main" id="{E3B2E017-30B2-884B-A113-B419A2ED51AD}"/>
+              </a:ext>
+            </a:extLst>
+          </p:cNvPr>
+          <p:cNvSpPr>
+            <a:spLocks noGrp="1"/>
+          </p:cNvSpPr>
+          <p:nvPr>
+            <p:ph idx="1"/>
+          </p:nvPr>
+        </p:nvSpPr>
+        <p:spPr>
+          <a:xfrm>
+            <a:off x="133470" y="809081"/>
+            <a:ext cx="8754156" cy="4702956"/>
+          </a:xfrm>
+        </p:spPr>
+        <p:txBody>
+          <a:bodyPr>
+            <a:normAutofit/>
+          </a:bodyPr>
+          <a:lstStyle/>
+          <a:p>
+            <a:pPr marL="0" indent="0">
+              <a:buNone/>
+            </a:pPr>
+            <a:r>
+              <a:rPr lang="en-US" dirty="0">
+                <a:latin typeface="Gill Sans MT" panose="020B0502020104020203" pitchFamily="34" charset="77"/>
+              </a:rPr>
+              <a:t>A sequence of consecutive if statements are independent. None, some or all of them can be executed. </a:t>
+            </a:r>
+          </a:p>
+          <a:p>
+            <a:pPr marL="0" indent="0">
+              <a:buNone/>
+            </a:pPr>
+            <a:endParaRPr lang="en-US" dirty="0">
+              <a:latin typeface="Gill Sans MT" panose="020B0502020104020203" pitchFamily="34" charset="77"/>
+            </a:endParaRPr>
+          </a:p>
+          <a:p>
+            <a:pPr marL="0" indent="0">
+              <a:buNone/>
+            </a:pPr>
+            <a:r>
+              <a:rPr lang="en-US" b="1" dirty="0">
+                <a:solidFill>
+                  <a:srgbClr val="000087"/>
+                </a:solidFill>
+                <a:latin typeface="Inconsolata" panose="020B0609030003000000" pitchFamily="49" charset="77"/>
+              </a:rPr>
+              <a:t>x </a:t>
+            </a:r>
+            <a:r>
+              <a:rPr lang="en-US" b="1" dirty="0">
+                <a:solidFill>
+                  <a:srgbClr val="545454"/>
+                </a:solidFill>
+                <a:latin typeface="Inconsolata" panose="020B0609030003000000" pitchFamily="49" charset="77"/>
+              </a:rPr>
+              <a:t>= 4</a:t>
+            </a:r>
+            <a:r>
+              <a:rPr lang="en-US" b="1" dirty="0">
+                <a:solidFill>
+                  <a:srgbClr val="FF6600"/>
+                </a:solidFill>
+                <a:latin typeface="Inconsolata" panose="020B0609030003000000" pitchFamily="49" charset="77"/>
+              </a:rPr>
+              <a:t> </a:t>
+            </a:r>
+            <a:endParaRPr lang="en-US" b="1" dirty="0">
+              <a:latin typeface="Inconsolata" panose="020B0609030003000000" pitchFamily="49" charset="77"/>
+            </a:endParaRPr>
+          </a:p>
+          <a:p>
+            <a:pPr marL="0" indent="0">
+              <a:buNone/>
+            </a:pPr>
+            <a:r>
+              <a:rPr lang="en-US" sz="2100" b="1" dirty="0">
+                <a:solidFill>
+                  <a:srgbClr val="006699"/>
+                </a:solidFill>
+                <a:latin typeface="Inconsolata" panose="020B0609030003000000" pitchFamily="49" charset="77"/>
+              </a:rPr>
+              <a:t>if </a:t>
+            </a:r>
+            <a:r>
+              <a:rPr lang="en-US" sz="2100" b="1" dirty="0">
+                <a:solidFill>
+                  <a:srgbClr val="000087"/>
+                </a:solidFill>
+                <a:latin typeface="Inconsolata" panose="020B0609030003000000" pitchFamily="49" charset="77"/>
+              </a:rPr>
+              <a:t>x </a:t>
+            </a:r>
+            <a:r>
+              <a:rPr lang="en-US" sz="2100" b="1" dirty="0">
+                <a:solidFill>
+                  <a:srgbClr val="545454"/>
+                </a:solidFill>
+                <a:latin typeface="Inconsolata" panose="020B0609030003000000" pitchFamily="49" charset="77"/>
+              </a:rPr>
+              <a:t>% 2 == </a:t>
+            </a:r>
+            <a:r>
+              <a:rPr lang="en-US" sz="2100" b="1" dirty="0">
+                <a:solidFill>
+                  <a:srgbClr val="FF6600"/>
+                </a:solidFill>
+                <a:latin typeface="Inconsolata" panose="020B0609030003000000" pitchFamily="49" charset="77"/>
+              </a:rPr>
+              <a:t>0</a:t>
+            </a:r>
+            <a:r>
+              <a:rPr lang="en-US" sz="2100" b="1" dirty="0">
+                <a:latin typeface="Inconsolata" panose="020B0609030003000000" pitchFamily="49" charset="77"/>
+              </a:rPr>
+              <a:t>:</a:t>
+            </a:r>
+          </a:p>
+          <a:p>
+            <a:pPr marL="0" indent="0">
+              <a:buNone/>
+            </a:pPr>
+            <a:r>
+              <a:rPr lang="en-US" sz="2100" b="1" dirty="0">
+                <a:solidFill>
+                  <a:srgbClr val="006699"/>
+                </a:solidFill>
+                <a:latin typeface="Inconsolata" panose="020B0609030003000000" pitchFamily="49" charset="77"/>
+              </a:rPr>
+              <a:t>    print</a:t>
+            </a:r>
+            <a:r>
+              <a:rPr lang="en-US" sz="2100" b="1" dirty="0">
+                <a:latin typeface="Inconsolata" panose="020B0609030003000000" pitchFamily="49" charset="77"/>
+              </a:rPr>
+              <a:t>(</a:t>
+            </a:r>
+            <a:r>
+              <a:rPr lang="en-US" sz="2100" b="1" dirty="0">
+                <a:solidFill>
+                  <a:srgbClr val="000087"/>
+                </a:solidFill>
+                <a:latin typeface="Inconsolata" panose="020B0609030003000000" pitchFamily="49" charset="77"/>
+              </a:rPr>
+              <a:t>“x is even”</a:t>
+            </a:r>
+            <a:r>
+              <a:rPr lang="en-US" b="1" dirty="0">
+                <a:latin typeface="Inconsolata" panose="020B0609030003000000" pitchFamily="49" charset="77"/>
+              </a:rPr>
+              <a:t>)</a:t>
+            </a:r>
+          </a:p>
+          <a:p>
+            <a:pPr marL="0" indent="0">
+              <a:buNone/>
+            </a:pPr>
+            <a:r>
+              <a:rPr lang="en-US" sz="2100" b="1" dirty="0">
+                <a:solidFill>
+                  <a:srgbClr val="006699"/>
+                </a:solidFill>
+                <a:latin typeface="Inconsolata" panose="020B0609030003000000" pitchFamily="49" charset="77"/>
+              </a:rPr>
+              <a:t>if </a:t>
+            </a:r>
+            <a:r>
+              <a:rPr lang="en-US" sz="2100" b="1" dirty="0">
+                <a:solidFill>
+                  <a:srgbClr val="000087"/>
+                </a:solidFill>
+                <a:latin typeface="Inconsolata" panose="020B0609030003000000" pitchFamily="49" charset="77"/>
+              </a:rPr>
+              <a:t>x </a:t>
+            </a:r>
+            <a:r>
+              <a:rPr lang="en-US" sz="2100" b="1" dirty="0">
+                <a:solidFill>
+                  <a:srgbClr val="545454"/>
+                </a:solidFill>
+                <a:latin typeface="Inconsolata" panose="020B0609030003000000" pitchFamily="49" charset="77"/>
+              </a:rPr>
+              <a:t>&gt; </a:t>
+            </a:r>
+            <a:r>
+              <a:rPr lang="en-US" sz="2100" b="1" dirty="0">
+                <a:solidFill>
+                  <a:srgbClr val="FF6600"/>
+                </a:solidFill>
+                <a:latin typeface="Inconsolata" panose="020B0609030003000000" pitchFamily="49" charset="77"/>
+              </a:rPr>
+              <a:t>0</a:t>
+            </a:r>
+            <a:r>
+              <a:rPr lang="en-US" sz="2100" b="1" dirty="0">
+                <a:latin typeface="Inconsolata" panose="020B0609030003000000" pitchFamily="49" charset="77"/>
+              </a:rPr>
+              <a:t>:</a:t>
+            </a:r>
+          </a:p>
+          <a:p>
+            <a:pPr marL="0" indent="0">
+              <a:buNone/>
+            </a:pPr>
+            <a:r>
+              <a:rPr lang="en-US" b="1" dirty="0">
+                <a:solidFill>
+                  <a:srgbClr val="006699"/>
+                </a:solidFill>
+                <a:latin typeface="Inconsolata" panose="020B0609030003000000" pitchFamily="49" charset="77"/>
+              </a:rPr>
+              <a:t>    </a:t>
+            </a:r>
+            <a:r>
+              <a:rPr lang="en-US" sz="2100" b="1" dirty="0">
+                <a:solidFill>
+                  <a:srgbClr val="006699"/>
+                </a:solidFill>
+                <a:latin typeface="Inconsolata" panose="020B0609030003000000" pitchFamily="49" charset="77"/>
+              </a:rPr>
+              <a:t>print</a:t>
+            </a:r>
+            <a:r>
+              <a:rPr lang="en-US" sz="2100" b="1" dirty="0">
+                <a:latin typeface="Inconsolata" panose="020B0609030003000000" pitchFamily="49" charset="77"/>
+              </a:rPr>
+              <a:t>(</a:t>
+            </a:r>
+            <a:r>
+              <a:rPr lang="en-US" sz="2100" b="1" dirty="0">
+                <a:solidFill>
+                  <a:srgbClr val="000087"/>
+                </a:solidFill>
+                <a:latin typeface="Inconsolata" panose="020B0609030003000000" pitchFamily="49" charset="77"/>
+              </a:rPr>
+              <a:t>“x is positive”</a:t>
+            </a:r>
+            <a:r>
+              <a:rPr lang="en-US" sz="2100" b="1" dirty="0">
+                <a:latin typeface="Inconsolata" panose="020B0609030003000000" pitchFamily="49" charset="77"/>
+              </a:rPr>
+              <a:t>)</a:t>
+            </a:r>
+          </a:p>
+          <a:p>
+            <a:pPr marL="342900" lvl="1" indent="0">
+              <a:buNone/>
+            </a:pPr>
+            <a:endParaRPr lang="en-US" sz="2100" b="1" dirty="0">
+              <a:solidFill>
+                <a:srgbClr val="000087"/>
+              </a:solidFill>
+              <a:latin typeface="Inconsolata" panose="020B0609030003000000" pitchFamily="49" charset="77"/>
+            </a:endParaRPr>
+          </a:p>
+          <a:p>
+            <a:pPr marL="342900" lvl="1" indent="0">
+              <a:buNone/>
+            </a:pPr>
+            <a:r>
+              <a:rPr lang="en-US" sz="2400" dirty="0">
+                <a:latin typeface="UbuntuMono"/>
+              </a:rPr>
+              <a:t>x is even</a:t>
+            </a:r>
+          </a:p>
+          <a:p>
+            <a:pPr marL="342900" lvl="1" indent="0">
+              <a:buNone/>
+            </a:pPr>
+            <a:r>
+              <a:rPr lang="en-US" sz="2400" dirty="0">
+                <a:latin typeface="UbuntuMono"/>
+              </a:rPr>
+              <a:t>x is positive</a:t>
+            </a:r>
+          </a:p>
+          <a:p>
+            <a:pPr marL="0" indent="0">
+              <a:buNone/>
+            </a:pPr>
+            <a:r>
+              <a:rPr lang="en-US" sz="2400" b="1" dirty="0">
+                <a:latin typeface="Gill Sans MT" panose="020B0502020104020203" pitchFamily="34" charset="77"/>
+              </a:rPr>
+              <a:t>Note: Both of the above blocks are executed. </a:t>
+            </a:r>
+            <a:endParaRPr lang="en-US" sz="2400" b="1" dirty="0">
+              <a:solidFill>
+                <a:srgbClr val="000087"/>
+              </a:solidFill>
+              <a:latin typeface="Inconsolata" panose="020B0609030003000000" pitchFamily="49" charset="77"/>
+            </a:endParaRPr>
+          </a:p>
+        </p:txBody>
+      </p:sp>
+    </p:spTree>
+    <p:extLst>
+      <p:ext uri="{BB962C8B-B14F-4D97-AF65-F5344CB8AC3E}">
+        <p14:creationId xmlns:p14="http://schemas.microsoft.com/office/powerpoint/2010/main" val="1454012366"/>
       </p:ext>
     </p:extLst>
   </p:cSld>
@@ -5269,474 +6186,6 @@
 </p:sld>
 </file>
 
-<file path=ppt/slides/slide12.xml><?xml version="1.0" encoding="utf-8"?>
-<p:sld xmlns:a="http://schemas.openxmlformats.org/drawingml/2006/main" xmlns:r="http://schemas.openxmlformats.org/officeDocument/2006/relationships" xmlns:p="http://schemas.openxmlformats.org/presentationml/2006/main">
-  <p:cSld>
-    <p:spTree>
-      <p:nvGrpSpPr>
-        <p:cNvPr id="1" name=""/>
-        <p:cNvGrpSpPr/>
-        <p:nvPr/>
-      </p:nvGrpSpPr>
-      <p:grpSpPr>
-        <a:xfrm>
-          <a:off x="0" y="0"/>
-          <a:ext cx="0" cy="0"/>
-          <a:chOff x="0" y="0"/>
-          <a:chExt cx="0" cy="0"/>
-        </a:xfrm>
-      </p:grpSpPr>
-      <p:sp>
-        <p:nvSpPr>
-          <p:cNvPr id="2" name="Title 1">
-            <a:extLst>
-              <a:ext uri="{FF2B5EF4-FFF2-40B4-BE49-F238E27FC236}">
-                <a16:creationId xmlns:a16="http://schemas.microsoft.com/office/drawing/2014/main" id="{AA3A228F-61D0-D949-A5E7-F83756230BF8}"/>
-              </a:ext>
-            </a:extLst>
-          </p:cNvPr>
-          <p:cNvSpPr>
-            <a:spLocks noGrp="1"/>
-          </p:cNvSpPr>
-          <p:nvPr>
-            <p:ph type="title"/>
-          </p:nvPr>
-        </p:nvSpPr>
-        <p:spPr>
-          <a:xfrm>
-            <a:off x="133470" y="125195"/>
-            <a:ext cx="7053542" cy="683886"/>
-          </a:xfrm>
-        </p:spPr>
-        <p:txBody>
-          <a:bodyPr/>
-          <a:lstStyle/>
-          <a:p>
-            <a:r>
-              <a:rPr lang="en-US" dirty="0"/>
-              <a:t>Sequence of Ifs</a:t>
-            </a:r>
-          </a:p>
-        </p:txBody>
-      </p:sp>
-      <p:sp>
-        <p:nvSpPr>
-          <p:cNvPr id="9" name="Content Placeholder 8">
-            <a:extLst>
-              <a:ext uri="{FF2B5EF4-FFF2-40B4-BE49-F238E27FC236}">
-                <a16:creationId xmlns:a16="http://schemas.microsoft.com/office/drawing/2014/main" id="{E3B2E017-30B2-884B-A113-B419A2ED51AD}"/>
-              </a:ext>
-            </a:extLst>
-          </p:cNvPr>
-          <p:cNvSpPr>
-            <a:spLocks noGrp="1"/>
-          </p:cNvSpPr>
-          <p:nvPr>
-            <p:ph idx="1"/>
-          </p:nvPr>
-        </p:nvSpPr>
-        <p:spPr>
-          <a:xfrm>
-            <a:off x="133470" y="809081"/>
-            <a:ext cx="8754156" cy="4702956"/>
-          </a:xfrm>
-        </p:spPr>
-        <p:txBody>
-          <a:bodyPr>
-            <a:normAutofit/>
-          </a:bodyPr>
-          <a:lstStyle/>
-          <a:p>
-            <a:pPr marL="0" indent="0">
-              <a:buNone/>
-            </a:pPr>
-            <a:r>
-              <a:rPr lang="en-US" dirty="0">
-                <a:latin typeface="Gill Sans MT" panose="020B0502020104020203" pitchFamily="34" charset="77"/>
-              </a:rPr>
-              <a:t>A sequence of consecutive if statements are independent. None, some or all of them can be executed. </a:t>
-            </a:r>
-          </a:p>
-          <a:p>
-            <a:pPr marL="0" indent="0">
-              <a:buNone/>
-            </a:pPr>
-            <a:endParaRPr lang="en-US" dirty="0">
-              <a:latin typeface="Gill Sans MT" panose="020B0502020104020203" pitchFamily="34" charset="77"/>
-            </a:endParaRPr>
-          </a:p>
-          <a:p>
-            <a:pPr marL="0" indent="0">
-              <a:buNone/>
-            </a:pPr>
-            <a:r>
-              <a:rPr lang="en-US" b="1" dirty="0">
-                <a:solidFill>
-                  <a:srgbClr val="000087"/>
-                </a:solidFill>
-                <a:latin typeface="Inconsolata" panose="020B0609030003000000" pitchFamily="49" charset="77"/>
-              </a:rPr>
-              <a:t>x </a:t>
-            </a:r>
-            <a:r>
-              <a:rPr lang="en-US" b="1" dirty="0">
-                <a:solidFill>
-                  <a:srgbClr val="545454"/>
-                </a:solidFill>
-                <a:latin typeface="Inconsolata" panose="020B0609030003000000" pitchFamily="49" charset="77"/>
-              </a:rPr>
-              <a:t>= 4</a:t>
-            </a:r>
-            <a:r>
-              <a:rPr lang="en-US" b="1" dirty="0">
-                <a:solidFill>
-                  <a:srgbClr val="FF6600"/>
-                </a:solidFill>
-                <a:latin typeface="Inconsolata" panose="020B0609030003000000" pitchFamily="49" charset="77"/>
-              </a:rPr>
-              <a:t> </a:t>
-            </a:r>
-            <a:endParaRPr lang="en-US" b="1" dirty="0">
-              <a:latin typeface="Inconsolata" panose="020B0609030003000000" pitchFamily="49" charset="77"/>
-            </a:endParaRPr>
-          </a:p>
-          <a:p>
-            <a:pPr marL="0" indent="0">
-              <a:buNone/>
-            </a:pPr>
-            <a:r>
-              <a:rPr lang="en-US" sz="2100" b="1" dirty="0">
-                <a:solidFill>
-                  <a:srgbClr val="006699"/>
-                </a:solidFill>
-                <a:latin typeface="Inconsolata" panose="020B0609030003000000" pitchFamily="49" charset="77"/>
-              </a:rPr>
-              <a:t>if </a:t>
-            </a:r>
-            <a:r>
-              <a:rPr lang="en-US" sz="2100" b="1" dirty="0">
-                <a:solidFill>
-                  <a:srgbClr val="000087"/>
-                </a:solidFill>
-                <a:latin typeface="Inconsolata" panose="020B0609030003000000" pitchFamily="49" charset="77"/>
-              </a:rPr>
-              <a:t>x </a:t>
-            </a:r>
-            <a:r>
-              <a:rPr lang="en-US" sz="2100" b="1" dirty="0">
-                <a:solidFill>
-                  <a:srgbClr val="545454"/>
-                </a:solidFill>
-                <a:latin typeface="Inconsolata" panose="020B0609030003000000" pitchFamily="49" charset="77"/>
-              </a:rPr>
-              <a:t>% 2 == </a:t>
-            </a:r>
-            <a:r>
-              <a:rPr lang="en-US" sz="2100" b="1" dirty="0">
-                <a:solidFill>
-                  <a:srgbClr val="FF6600"/>
-                </a:solidFill>
-                <a:latin typeface="Inconsolata" panose="020B0609030003000000" pitchFamily="49" charset="77"/>
-              </a:rPr>
-              <a:t>0</a:t>
-            </a:r>
-            <a:r>
-              <a:rPr lang="en-US" sz="2100" b="1" dirty="0">
-                <a:latin typeface="Inconsolata" panose="020B0609030003000000" pitchFamily="49" charset="77"/>
-              </a:rPr>
-              <a:t>:</a:t>
-            </a:r>
-          </a:p>
-          <a:p>
-            <a:pPr marL="0" indent="0">
-              <a:buNone/>
-            </a:pPr>
-            <a:r>
-              <a:rPr lang="en-US" sz="2100" b="1" dirty="0">
-                <a:solidFill>
-                  <a:srgbClr val="006699"/>
-                </a:solidFill>
-                <a:latin typeface="Inconsolata" panose="020B0609030003000000" pitchFamily="49" charset="77"/>
-              </a:rPr>
-              <a:t>    print</a:t>
-            </a:r>
-            <a:r>
-              <a:rPr lang="en-US" sz="2100" b="1" dirty="0">
-                <a:latin typeface="Inconsolata" panose="020B0609030003000000" pitchFamily="49" charset="77"/>
-              </a:rPr>
-              <a:t>(</a:t>
-            </a:r>
-            <a:r>
-              <a:rPr lang="en-US" sz="2100" b="1" dirty="0">
-                <a:solidFill>
-                  <a:srgbClr val="000087"/>
-                </a:solidFill>
-                <a:latin typeface="Inconsolata" panose="020B0609030003000000" pitchFamily="49" charset="77"/>
-              </a:rPr>
-              <a:t>“x is even”</a:t>
-            </a:r>
-            <a:r>
-              <a:rPr lang="en-US" b="1" dirty="0">
-                <a:latin typeface="Inconsolata" panose="020B0609030003000000" pitchFamily="49" charset="77"/>
-              </a:rPr>
-              <a:t>)</a:t>
-            </a:r>
-          </a:p>
-          <a:p>
-            <a:pPr marL="0" indent="0">
-              <a:buNone/>
-            </a:pPr>
-            <a:r>
-              <a:rPr lang="en-US" sz="2100" b="1" dirty="0">
-                <a:solidFill>
-                  <a:srgbClr val="006699"/>
-                </a:solidFill>
-                <a:latin typeface="Inconsolata" panose="020B0609030003000000" pitchFamily="49" charset="77"/>
-              </a:rPr>
-              <a:t>if </a:t>
-            </a:r>
-            <a:r>
-              <a:rPr lang="en-US" sz="2100" b="1" dirty="0">
-                <a:solidFill>
-                  <a:srgbClr val="000087"/>
-                </a:solidFill>
-                <a:latin typeface="Inconsolata" panose="020B0609030003000000" pitchFamily="49" charset="77"/>
-              </a:rPr>
-              <a:t>x </a:t>
-            </a:r>
-            <a:r>
-              <a:rPr lang="en-US" sz="2100" b="1" dirty="0">
-                <a:solidFill>
-                  <a:srgbClr val="545454"/>
-                </a:solidFill>
-                <a:latin typeface="Inconsolata" panose="020B0609030003000000" pitchFamily="49" charset="77"/>
-              </a:rPr>
-              <a:t>&gt; </a:t>
-            </a:r>
-            <a:r>
-              <a:rPr lang="en-US" sz="2100" b="1" dirty="0">
-                <a:solidFill>
-                  <a:srgbClr val="FF6600"/>
-                </a:solidFill>
-                <a:latin typeface="Inconsolata" panose="020B0609030003000000" pitchFamily="49" charset="77"/>
-              </a:rPr>
-              <a:t>0</a:t>
-            </a:r>
-            <a:r>
-              <a:rPr lang="en-US" sz="2100" b="1" dirty="0">
-                <a:latin typeface="Inconsolata" panose="020B0609030003000000" pitchFamily="49" charset="77"/>
-              </a:rPr>
-              <a:t>:</a:t>
-            </a:r>
-          </a:p>
-          <a:p>
-            <a:pPr marL="0" indent="0">
-              <a:buNone/>
-            </a:pPr>
-            <a:r>
-              <a:rPr lang="en-US" b="1" dirty="0">
-                <a:solidFill>
-                  <a:srgbClr val="006699"/>
-                </a:solidFill>
-                <a:latin typeface="Inconsolata" panose="020B0609030003000000" pitchFamily="49" charset="77"/>
-              </a:rPr>
-              <a:t>    </a:t>
-            </a:r>
-            <a:r>
-              <a:rPr lang="en-US" sz="2100" b="1" dirty="0">
-                <a:solidFill>
-                  <a:srgbClr val="006699"/>
-                </a:solidFill>
-                <a:latin typeface="Inconsolata" panose="020B0609030003000000" pitchFamily="49" charset="77"/>
-              </a:rPr>
-              <a:t>print</a:t>
-            </a:r>
-            <a:r>
-              <a:rPr lang="en-US" sz="2100" b="1" dirty="0">
-                <a:latin typeface="Inconsolata" panose="020B0609030003000000" pitchFamily="49" charset="77"/>
-              </a:rPr>
-              <a:t>(</a:t>
-            </a:r>
-            <a:r>
-              <a:rPr lang="en-US" sz="2100" b="1" dirty="0">
-                <a:solidFill>
-                  <a:srgbClr val="000087"/>
-                </a:solidFill>
-                <a:latin typeface="Inconsolata" panose="020B0609030003000000" pitchFamily="49" charset="77"/>
-              </a:rPr>
-              <a:t>“x is positive”</a:t>
-            </a:r>
-            <a:r>
-              <a:rPr lang="en-US" sz="2100" b="1" dirty="0">
-                <a:latin typeface="Inconsolata" panose="020B0609030003000000" pitchFamily="49" charset="77"/>
-              </a:rPr>
-              <a:t>)</a:t>
-            </a:r>
-          </a:p>
-          <a:p>
-            <a:pPr marL="342900" lvl="1" indent="0">
-              <a:buNone/>
-            </a:pPr>
-            <a:endParaRPr lang="en-US" sz="2100" b="1" dirty="0">
-              <a:solidFill>
-                <a:srgbClr val="000087"/>
-              </a:solidFill>
-              <a:latin typeface="Inconsolata" panose="020B0609030003000000" pitchFamily="49" charset="77"/>
-            </a:endParaRPr>
-          </a:p>
-          <a:p>
-            <a:pPr marL="342900" lvl="1" indent="0">
-              <a:buNone/>
-            </a:pPr>
-            <a:r>
-              <a:rPr lang="en-US" sz="2400" dirty="0">
-                <a:latin typeface="UbuntuMono"/>
-              </a:rPr>
-              <a:t>x is even</a:t>
-            </a:r>
-          </a:p>
-          <a:p>
-            <a:pPr marL="342900" lvl="1" indent="0">
-              <a:buNone/>
-            </a:pPr>
-            <a:r>
-              <a:rPr lang="en-US" sz="2400" dirty="0">
-                <a:latin typeface="UbuntuMono"/>
-              </a:rPr>
-              <a:t>x is positive</a:t>
-            </a:r>
-            <a:endParaRPr lang="en-US" sz="2100" b="1" dirty="0">
-              <a:solidFill>
-                <a:srgbClr val="000087"/>
-              </a:solidFill>
-              <a:latin typeface="Inconsolata" panose="020B0609030003000000" pitchFamily="49" charset="77"/>
-            </a:endParaRPr>
-          </a:p>
-        </p:txBody>
-      </p:sp>
-    </p:spTree>
-    <p:extLst>
-      <p:ext uri="{BB962C8B-B14F-4D97-AF65-F5344CB8AC3E}">
-        <p14:creationId xmlns:p14="http://schemas.microsoft.com/office/powerpoint/2010/main" val="1454012366"/>
-      </p:ext>
-    </p:extLst>
-  </p:cSld>
-  <p:clrMapOvr>
-    <a:masterClrMapping/>
-  </p:clrMapOvr>
-  <p:timing>
-    <p:tnLst>
-      <p:par>
-        <p:cTn id="1" dur="indefinite" restart="never" nodeType="tmRoot">
-          <p:childTnLst>
-            <p:seq concurrent="1" nextAc="seek">
-              <p:cTn id="2" dur="indefinite" nodeType="mainSeq">
-                <p:childTnLst>
-                  <p:par>
-                    <p:cTn id="3" fill="hold">
-                      <p:stCondLst>
-                        <p:cond delay="indefinite"/>
-                      </p:stCondLst>
-                      <p:childTnLst>
-                        <p:par>
-                          <p:cTn id="4" fill="hold">
-                            <p:stCondLst>
-                              <p:cond delay="0"/>
-                            </p:stCondLst>
-                            <p:childTnLst>
-                              <p:par>
-                                <p:cTn id="5" presetID="1" presetClass="entr" presetSubtype="0" fill="hold" nodeType="clickEffect">
-                                  <p:stCondLst>
-                                    <p:cond delay="0"/>
-                                  </p:stCondLst>
-                                  <p:childTnLst>
-                                    <p:set>
-                                      <p:cBhvr>
-                                        <p:cTn id="6" dur="1" fill="hold">
-                                          <p:stCondLst>
-                                            <p:cond delay="0"/>
-                                          </p:stCondLst>
-                                        </p:cTn>
-                                        <p:tgtEl>
-                                          <p:spTgt spid="9">
-                                            <p:txEl>
-                                              <p:pRg st="8" end="8"/>
-                                            </p:txEl>
-                                          </p:spTgt>
-                                        </p:tgtEl>
-                                        <p:attrNameLst>
-                                          <p:attrName>style.visibility</p:attrName>
-                                        </p:attrNameLst>
-                                      </p:cBhvr>
-                                      <p:to>
-                                        <p:strVal val="visible"/>
-                                      </p:to>
-                                    </p:set>
-                                  </p:childTnLst>
-                                </p:cTn>
-                              </p:par>
-                              <p:par>
-                                <p:cTn id="7" presetID="1" presetClass="entr" presetSubtype="0" fill="hold" nodeType="withEffect">
-                                  <p:stCondLst>
-                                    <p:cond delay="0"/>
-                                  </p:stCondLst>
-                                  <p:childTnLst>
-                                    <p:set>
-                                      <p:cBhvr>
-                                        <p:cTn id="8" dur="1" fill="hold">
-                                          <p:stCondLst>
-                                            <p:cond delay="0"/>
-                                          </p:stCondLst>
-                                        </p:cTn>
-                                        <p:tgtEl>
-                                          <p:spTgt spid="9">
-                                            <p:txEl>
-                                              <p:pRg st="9" end="9"/>
-                                            </p:txEl>
-                                          </p:spTgt>
-                                        </p:tgtEl>
-                                        <p:attrNameLst>
-                                          <p:attrName>style.visibility</p:attrName>
-                                        </p:attrNameLst>
-                                      </p:cBhvr>
-                                      <p:to>
-                                        <p:strVal val="visible"/>
-                                      </p:to>
-                                    </p:set>
-                                  </p:childTnLst>
-                                </p:cTn>
-                              </p:par>
-                            </p:childTnLst>
-                          </p:cTn>
-                        </p:par>
-                      </p:childTnLst>
-                    </p:cTn>
-                  </p:par>
-                </p:childTnLst>
-              </p:cTn>
-              <p:prevCondLst>
-                <p:cond evt="onPrev" delay="0">
-                  <p:tgtEl>
-                    <p:sldTgt/>
-                  </p:tgtEl>
-                </p:cond>
-              </p:prevCondLst>
-              <p:nextCondLst>
-                <p:cond evt="onNext" delay="0">
-                  <p:tgtEl>
-                    <p:sldTgt/>
-                  </p:tgtEl>
-                </p:cond>
-              </p:nextCondLst>
-            </p:seq>
-          </p:childTnLst>
-        </p:cTn>
-      </p:par>
-    </p:tnLst>
-  </p:timing>
-</p:sld>
-</file>
-
 <file path=ppt/slides/slide13.xml><?xml version="1.0" encoding="utf-8"?>
 <p:sld xmlns:a="http://schemas.openxmlformats.org/drawingml/2006/main" xmlns:r="http://schemas.openxmlformats.org/officeDocument/2006/relationships" xmlns:p="http://schemas.openxmlformats.org/presentationml/2006/main">
   <p:cSld>
@@ -6040,26 +6489,23 @@
             </a:r>
           </a:p>
           <a:p>
-            <a:pPr marL="342900" lvl="1" indent="0">
-              <a:buNone/>
-            </a:pPr>
-            <a:endParaRPr lang="en-US" sz="2100" b="1" dirty="0">
-              <a:solidFill>
-                <a:srgbClr val="000087"/>
-              </a:solidFill>
+            <a:pPr marL="0" indent="0">
+              <a:buNone/>
+            </a:pPr>
+            <a:endParaRPr lang="en-US" b="1" dirty="0">
               <a:latin typeface="Inconsolata" panose="020B0609030003000000" pitchFamily="49" charset="77"/>
             </a:endParaRPr>
           </a:p>
           <a:p>
-            <a:pPr marL="342900" lvl="1" indent="0">
-              <a:buNone/>
-            </a:pPr>
-            <a:endParaRPr lang="en-US" sz="2400" dirty="0">
-              <a:latin typeface="UbuntuMono"/>
+            <a:pPr marL="0" indent="0">
+              <a:buNone/>
+            </a:pPr>
+            <a:endParaRPr lang="en-US" sz="2400" b="1" dirty="0">
+              <a:latin typeface="Inconsolata" panose="020B0609030003000000" pitchFamily="49" charset="77"/>
             </a:endParaRPr>
           </a:p>
           <a:p>
-            <a:pPr marL="342900" lvl="1" indent="0">
+            <a:pPr marL="0" indent="0">
               <a:buNone/>
             </a:pPr>
             <a:r>
@@ -6571,7 +7017,7 @@
               <a:buNone/>
             </a:pPr>
             <a:r>
-              <a:rPr lang="en-US" dirty="0">
+              <a:rPr lang="en-US" b="1" dirty="0">
                 <a:latin typeface="Gill Sans MT" panose="020B0502020104020203" pitchFamily="34" charset="77"/>
               </a:rPr>
               <a:t>Note that all of the above conditions are false and thus no block is executed.</a:t>
@@ -6637,349 +7083,6 @@
                                     <p:set>
                                       <p:cBhvr>
                                         <p:cTn id="6" dur="1" fill="hold">
-                                          <p:stCondLst>
-                                            <p:cond delay="0"/>
-                                          </p:stCondLst>
-                                        </p:cTn>
-                                        <p:tgtEl>
-                                          <p:spTgt spid="9">
-                                            <p:txEl>
-                                              <p:pRg st="2" end="2"/>
-                                            </p:txEl>
-                                          </p:spTgt>
-                                        </p:tgtEl>
-                                        <p:attrNameLst>
-                                          <p:attrName>style.visibility</p:attrName>
-                                        </p:attrNameLst>
-                                      </p:cBhvr>
-                                      <p:to>
-                                        <p:strVal val="visible"/>
-                                      </p:to>
-                                    </p:set>
-                                  </p:childTnLst>
-                                </p:cTn>
-                              </p:par>
-                            </p:childTnLst>
-                          </p:cTn>
-                        </p:par>
-                      </p:childTnLst>
-                    </p:cTn>
-                  </p:par>
-                  <p:par>
-                    <p:cTn id="7" fill="hold">
-                      <p:stCondLst>
-                        <p:cond delay="indefinite"/>
-                      </p:stCondLst>
-                      <p:childTnLst>
-                        <p:par>
-                          <p:cTn id="8" fill="hold">
-                            <p:stCondLst>
-                              <p:cond delay="0"/>
-                            </p:stCondLst>
-                            <p:childTnLst>
-                              <p:par>
-                                <p:cTn id="9" presetID="1" presetClass="entr" presetSubtype="0" fill="hold" nodeType="clickEffect">
-                                  <p:stCondLst>
-                                    <p:cond delay="0"/>
-                                  </p:stCondLst>
-                                  <p:childTnLst>
-                                    <p:set>
-                                      <p:cBhvr>
-                                        <p:cTn id="10" dur="1" fill="hold">
-                                          <p:stCondLst>
-                                            <p:cond delay="0"/>
-                                          </p:stCondLst>
-                                        </p:cTn>
-                                        <p:tgtEl>
-                                          <p:spTgt spid="9">
-                                            <p:txEl>
-                                              <p:pRg st="3" end="3"/>
-                                            </p:txEl>
-                                          </p:spTgt>
-                                        </p:tgtEl>
-                                        <p:attrNameLst>
-                                          <p:attrName>style.visibility</p:attrName>
-                                        </p:attrNameLst>
-                                      </p:cBhvr>
-                                      <p:to>
-                                        <p:strVal val="visible"/>
-                                      </p:to>
-                                    </p:set>
-                                  </p:childTnLst>
-                                </p:cTn>
-                              </p:par>
-                            </p:childTnLst>
-                          </p:cTn>
-                        </p:par>
-                      </p:childTnLst>
-                    </p:cTn>
-                  </p:par>
-                  <p:par>
-                    <p:cTn id="11" fill="hold">
-                      <p:stCondLst>
-                        <p:cond delay="indefinite"/>
-                      </p:stCondLst>
-                      <p:childTnLst>
-                        <p:par>
-                          <p:cTn id="12" fill="hold">
-                            <p:stCondLst>
-                              <p:cond delay="0"/>
-                            </p:stCondLst>
-                            <p:childTnLst>
-                              <p:par>
-                                <p:cTn id="13" presetID="1" presetClass="entr" presetSubtype="0" fill="hold" nodeType="clickEffect">
-                                  <p:stCondLst>
-                                    <p:cond delay="0"/>
-                                  </p:stCondLst>
-                                  <p:childTnLst>
-                                    <p:set>
-                                      <p:cBhvr>
-                                        <p:cTn id="14" dur="1" fill="hold">
-                                          <p:stCondLst>
-                                            <p:cond delay="0"/>
-                                          </p:stCondLst>
-                                        </p:cTn>
-                                        <p:tgtEl>
-                                          <p:spTgt spid="9">
-                                            <p:txEl>
-                                              <p:pRg st="4" end="4"/>
-                                            </p:txEl>
-                                          </p:spTgt>
-                                        </p:tgtEl>
-                                        <p:attrNameLst>
-                                          <p:attrName>style.visibility</p:attrName>
-                                        </p:attrNameLst>
-                                      </p:cBhvr>
-                                      <p:to>
-                                        <p:strVal val="visible"/>
-                                      </p:to>
-                                    </p:set>
-                                  </p:childTnLst>
-                                </p:cTn>
-                              </p:par>
-                            </p:childTnLst>
-                          </p:cTn>
-                        </p:par>
-                      </p:childTnLst>
-                    </p:cTn>
-                  </p:par>
-                  <p:par>
-                    <p:cTn id="15" fill="hold">
-                      <p:stCondLst>
-                        <p:cond delay="indefinite"/>
-                      </p:stCondLst>
-                      <p:childTnLst>
-                        <p:par>
-                          <p:cTn id="16" fill="hold">
-                            <p:stCondLst>
-                              <p:cond delay="0"/>
-                            </p:stCondLst>
-                            <p:childTnLst>
-                              <p:par>
-                                <p:cTn id="17" presetID="1" presetClass="entr" presetSubtype="0" fill="hold" nodeType="clickEffect">
-                                  <p:stCondLst>
-                                    <p:cond delay="0"/>
-                                  </p:stCondLst>
-                                  <p:childTnLst>
-                                    <p:set>
-                                      <p:cBhvr>
-                                        <p:cTn id="18" dur="1" fill="hold">
-                                          <p:stCondLst>
-                                            <p:cond delay="0"/>
-                                          </p:stCondLst>
-                                        </p:cTn>
-                                        <p:tgtEl>
-                                          <p:spTgt spid="9">
-                                            <p:txEl>
-                                              <p:pRg st="5" end="5"/>
-                                            </p:txEl>
-                                          </p:spTgt>
-                                        </p:tgtEl>
-                                        <p:attrNameLst>
-                                          <p:attrName>style.visibility</p:attrName>
-                                        </p:attrNameLst>
-                                      </p:cBhvr>
-                                      <p:to>
-                                        <p:strVal val="visible"/>
-                                      </p:to>
-                                    </p:set>
-                                  </p:childTnLst>
-                                </p:cTn>
-                              </p:par>
-                            </p:childTnLst>
-                          </p:cTn>
-                        </p:par>
-                      </p:childTnLst>
-                    </p:cTn>
-                  </p:par>
-                  <p:par>
-                    <p:cTn id="19" fill="hold">
-                      <p:stCondLst>
-                        <p:cond delay="indefinite"/>
-                      </p:stCondLst>
-                      <p:childTnLst>
-                        <p:par>
-                          <p:cTn id="20" fill="hold">
-                            <p:stCondLst>
-                              <p:cond delay="0"/>
-                            </p:stCondLst>
-                            <p:childTnLst>
-                              <p:par>
-                                <p:cTn id="21" presetID="1" presetClass="entr" presetSubtype="0" fill="hold" nodeType="clickEffect">
-                                  <p:stCondLst>
-                                    <p:cond delay="0"/>
-                                  </p:stCondLst>
-                                  <p:childTnLst>
-                                    <p:set>
-                                      <p:cBhvr>
-                                        <p:cTn id="22" dur="1" fill="hold">
-                                          <p:stCondLst>
-                                            <p:cond delay="0"/>
-                                          </p:stCondLst>
-                                        </p:cTn>
-                                        <p:tgtEl>
-                                          <p:spTgt spid="9">
-                                            <p:txEl>
-                                              <p:pRg st="6" end="6"/>
-                                            </p:txEl>
-                                          </p:spTgt>
-                                        </p:tgtEl>
-                                        <p:attrNameLst>
-                                          <p:attrName>style.visibility</p:attrName>
-                                        </p:attrNameLst>
-                                      </p:cBhvr>
-                                      <p:to>
-                                        <p:strVal val="visible"/>
-                                      </p:to>
-                                    </p:set>
-                                  </p:childTnLst>
-                                </p:cTn>
-                              </p:par>
-                            </p:childTnLst>
-                          </p:cTn>
-                        </p:par>
-                      </p:childTnLst>
-                    </p:cTn>
-                  </p:par>
-                  <p:par>
-                    <p:cTn id="23" fill="hold">
-                      <p:stCondLst>
-                        <p:cond delay="indefinite"/>
-                      </p:stCondLst>
-                      <p:childTnLst>
-                        <p:par>
-                          <p:cTn id="24" fill="hold">
-                            <p:stCondLst>
-                              <p:cond delay="0"/>
-                            </p:stCondLst>
-                            <p:childTnLst>
-                              <p:par>
-                                <p:cTn id="25" presetID="1" presetClass="entr" presetSubtype="0" fill="hold" nodeType="clickEffect">
-                                  <p:stCondLst>
-                                    <p:cond delay="0"/>
-                                  </p:stCondLst>
-                                  <p:childTnLst>
-                                    <p:set>
-                                      <p:cBhvr>
-                                        <p:cTn id="26" dur="1" fill="hold">
-                                          <p:stCondLst>
-                                            <p:cond delay="0"/>
-                                          </p:stCondLst>
-                                        </p:cTn>
-                                        <p:tgtEl>
-                                          <p:spTgt spid="9">
-                                            <p:txEl>
-                                              <p:pRg st="7" end="7"/>
-                                            </p:txEl>
-                                          </p:spTgt>
-                                        </p:tgtEl>
-                                        <p:attrNameLst>
-                                          <p:attrName>style.visibility</p:attrName>
-                                        </p:attrNameLst>
-                                      </p:cBhvr>
-                                      <p:to>
-                                        <p:strVal val="visible"/>
-                                      </p:to>
-                                    </p:set>
-                                  </p:childTnLst>
-                                </p:cTn>
-                              </p:par>
-                            </p:childTnLst>
-                          </p:cTn>
-                        </p:par>
-                      </p:childTnLst>
-                    </p:cTn>
-                  </p:par>
-                  <p:par>
-                    <p:cTn id="27" fill="hold">
-                      <p:stCondLst>
-                        <p:cond delay="indefinite"/>
-                      </p:stCondLst>
-                      <p:childTnLst>
-                        <p:par>
-                          <p:cTn id="28" fill="hold">
-                            <p:stCondLst>
-                              <p:cond delay="0"/>
-                            </p:stCondLst>
-                            <p:childTnLst>
-                              <p:par>
-                                <p:cTn id="29" presetID="1" presetClass="entr" presetSubtype="0" fill="hold" nodeType="clickEffect">
-                                  <p:stCondLst>
-                                    <p:cond delay="0"/>
-                                  </p:stCondLst>
-                                  <p:childTnLst>
-                                    <p:set>
-                                      <p:cBhvr>
-                                        <p:cTn id="30" dur="1" fill="hold">
-                                          <p:stCondLst>
-                                            <p:cond delay="0"/>
-                                          </p:stCondLst>
-                                        </p:cTn>
-                                        <p:tgtEl>
-                                          <p:spTgt spid="9">
-                                            <p:txEl>
-                                              <p:pRg st="8" end="8"/>
-                                            </p:txEl>
-                                          </p:spTgt>
-                                        </p:tgtEl>
-                                        <p:attrNameLst>
-                                          <p:attrName>style.visibility</p:attrName>
-                                        </p:attrNameLst>
-                                      </p:cBhvr>
-                                      <p:to>
-                                        <p:strVal val="visible"/>
-                                      </p:to>
-                                    </p:set>
-                                  </p:childTnLst>
-                                </p:cTn>
-                              </p:par>
-                            </p:childTnLst>
-                          </p:cTn>
-                        </p:par>
-                      </p:childTnLst>
-                    </p:cTn>
-                  </p:par>
-                  <p:par>
-                    <p:cTn id="31" fill="hold">
-                      <p:stCondLst>
-                        <p:cond delay="indefinite"/>
-                      </p:stCondLst>
-                      <p:childTnLst>
-                        <p:par>
-                          <p:cTn id="32" fill="hold">
-                            <p:stCondLst>
-                              <p:cond delay="0"/>
-                            </p:stCondLst>
-                            <p:childTnLst>
-                              <p:par>
-                                <p:cTn id="33" presetID="1" presetClass="entr" presetSubtype="0" fill="hold" nodeType="clickEffect">
-                                  <p:stCondLst>
-                                    <p:cond delay="0"/>
-                                  </p:stCondLst>
-                                  <p:childTnLst>
-                                    <p:set>
-                                      <p:cBhvr>
-                                        <p:cTn id="34" dur="1" fill="hold">
                                           <p:stCondLst>
                                             <p:cond delay="0"/>
                                           </p:stCondLst>
@@ -7434,19 +7537,19 @@
             </a:pPr>
             <a:r>
               <a:rPr lang="en-US" sz="2000" b="1" dirty="0">
-                <a:latin typeface="Inconsolata" panose="020B0609030003000000" pitchFamily="49" charset="77"/>
+                <a:latin typeface="Gill Sans MT" panose="020B0502020104020203" pitchFamily="34" charset="77"/>
               </a:rPr>
               <a:t>Note that only the middle </a:t>
             </a:r>
             <a:r>
               <a:rPr lang="en-US" sz="2000" b="1" dirty="0" err="1">
-                <a:latin typeface="Inconsolata" panose="020B0609030003000000" pitchFamily="49" charset="77"/>
+                <a:latin typeface="Gill Sans MT" panose="020B0502020104020203" pitchFamily="34" charset="77"/>
               </a:rPr>
               <a:t>elif</a:t>
             </a:r>
             <a:r>
               <a:rPr lang="en-US" sz="2000" b="1" dirty="0">
-                <a:latin typeface="Inconsolata" panose="020B0609030003000000" pitchFamily="49" charset="77"/>
+                <a:latin typeface="Gill Sans MT" panose="020B0502020104020203" pitchFamily="34" charset="77"/>
               </a:rPr>
               <a:t> block is executed!</a:t>
             </a:r>
@@ -8584,349 +8687,6 @@
                                     <p:set>
                                       <p:cBhvr>
                                         <p:cTn id="6" dur="1" fill="hold">
-                                          <p:stCondLst>
-                                            <p:cond delay="0"/>
-                                          </p:stCondLst>
-                                        </p:cTn>
-                                        <p:tgtEl>
-                                          <p:spTgt spid="9">
-                                            <p:txEl>
-                                              <p:pRg st="2" end="2"/>
-                                            </p:txEl>
-                                          </p:spTgt>
-                                        </p:tgtEl>
-                                        <p:attrNameLst>
-                                          <p:attrName>style.visibility</p:attrName>
-                                        </p:attrNameLst>
-                                      </p:cBhvr>
-                                      <p:to>
-                                        <p:strVal val="visible"/>
-                                      </p:to>
-                                    </p:set>
-                                  </p:childTnLst>
-                                </p:cTn>
-                              </p:par>
-                            </p:childTnLst>
-                          </p:cTn>
-                        </p:par>
-                      </p:childTnLst>
-                    </p:cTn>
-                  </p:par>
-                  <p:par>
-                    <p:cTn id="7" fill="hold">
-                      <p:stCondLst>
-                        <p:cond delay="indefinite"/>
-                      </p:stCondLst>
-                      <p:childTnLst>
-                        <p:par>
-                          <p:cTn id="8" fill="hold">
-                            <p:stCondLst>
-                              <p:cond delay="0"/>
-                            </p:stCondLst>
-                            <p:childTnLst>
-                              <p:par>
-                                <p:cTn id="9" presetID="1" presetClass="entr" presetSubtype="0" fill="hold" nodeType="clickEffect">
-                                  <p:stCondLst>
-                                    <p:cond delay="0"/>
-                                  </p:stCondLst>
-                                  <p:childTnLst>
-                                    <p:set>
-                                      <p:cBhvr>
-                                        <p:cTn id="10" dur="1" fill="hold">
-                                          <p:stCondLst>
-                                            <p:cond delay="0"/>
-                                          </p:stCondLst>
-                                        </p:cTn>
-                                        <p:tgtEl>
-                                          <p:spTgt spid="9">
-                                            <p:txEl>
-                                              <p:pRg st="3" end="3"/>
-                                            </p:txEl>
-                                          </p:spTgt>
-                                        </p:tgtEl>
-                                        <p:attrNameLst>
-                                          <p:attrName>style.visibility</p:attrName>
-                                        </p:attrNameLst>
-                                      </p:cBhvr>
-                                      <p:to>
-                                        <p:strVal val="visible"/>
-                                      </p:to>
-                                    </p:set>
-                                  </p:childTnLst>
-                                </p:cTn>
-                              </p:par>
-                            </p:childTnLst>
-                          </p:cTn>
-                        </p:par>
-                      </p:childTnLst>
-                    </p:cTn>
-                  </p:par>
-                  <p:par>
-                    <p:cTn id="11" fill="hold">
-                      <p:stCondLst>
-                        <p:cond delay="indefinite"/>
-                      </p:stCondLst>
-                      <p:childTnLst>
-                        <p:par>
-                          <p:cTn id="12" fill="hold">
-                            <p:stCondLst>
-                              <p:cond delay="0"/>
-                            </p:stCondLst>
-                            <p:childTnLst>
-                              <p:par>
-                                <p:cTn id="13" presetID="1" presetClass="entr" presetSubtype="0" fill="hold" nodeType="clickEffect">
-                                  <p:stCondLst>
-                                    <p:cond delay="0"/>
-                                  </p:stCondLst>
-                                  <p:childTnLst>
-                                    <p:set>
-                                      <p:cBhvr>
-                                        <p:cTn id="14" dur="1" fill="hold">
-                                          <p:stCondLst>
-                                            <p:cond delay="0"/>
-                                          </p:stCondLst>
-                                        </p:cTn>
-                                        <p:tgtEl>
-                                          <p:spTgt spid="9">
-                                            <p:txEl>
-                                              <p:pRg st="4" end="4"/>
-                                            </p:txEl>
-                                          </p:spTgt>
-                                        </p:tgtEl>
-                                        <p:attrNameLst>
-                                          <p:attrName>style.visibility</p:attrName>
-                                        </p:attrNameLst>
-                                      </p:cBhvr>
-                                      <p:to>
-                                        <p:strVal val="visible"/>
-                                      </p:to>
-                                    </p:set>
-                                  </p:childTnLst>
-                                </p:cTn>
-                              </p:par>
-                            </p:childTnLst>
-                          </p:cTn>
-                        </p:par>
-                      </p:childTnLst>
-                    </p:cTn>
-                  </p:par>
-                  <p:par>
-                    <p:cTn id="15" fill="hold">
-                      <p:stCondLst>
-                        <p:cond delay="indefinite"/>
-                      </p:stCondLst>
-                      <p:childTnLst>
-                        <p:par>
-                          <p:cTn id="16" fill="hold">
-                            <p:stCondLst>
-                              <p:cond delay="0"/>
-                            </p:stCondLst>
-                            <p:childTnLst>
-                              <p:par>
-                                <p:cTn id="17" presetID="1" presetClass="entr" presetSubtype="0" fill="hold" nodeType="clickEffect">
-                                  <p:stCondLst>
-                                    <p:cond delay="0"/>
-                                  </p:stCondLst>
-                                  <p:childTnLst>
-                                    <p:set>
-                                      <p:cBhvr>
-                                        <p:cTn id="18" dur="1" fill="hold">
-                                          <p:stCondLst>
-                                            <p:cond delay="0"/>
-                                          </p:stCondLst>
-                                        </p:cTn>
-                                        <p:tgtEl>
-                                          <p:spTgt spid="9">
-                                            <p:txEl>
-                                              <p:pRg st="5" end="5"/>
-                                            </p:txEl>
-                                          </p:spTgt>
-                                        </p:tgtEl>
-                                        <p:attrNameLst>
-                                          <p:attrName>style.visibility</p:attrName>
-                                        </p:attrNameLst>
-                                      </p:cBhvr>
-                                      <p:to>
-                                        <p:strVal val="visible"/>
-                                      </p:to>
-                                    </p:set>
-                                  </p:childTnLst>
-                                </p:cTn>
-                              </p:par>
-                            </p:childTnLst>
-                          </p:cTn>
-                        </p:par>
-                      </p:childTnLst>
-                    </p:cTn>
-                  </p:par>
-                  <p:par>
-                    <p:cTn id="19" fill="hold">
-                      <p:stCondLst>
-                        <p:cond delay="indefinite"/>
-                      </p:stCondLst>
-                      <p:childTnLst>
-                        <p:par>
-                          <p:cTn id="20" fill="hold">
-                            <p:stCondLst>
-                              <p:cond delay="0"/>
-                            </p:stCondLst>
-                            <p:childTnLst>
-                              <p:par>
-                                <p:cTn id="21" presetID="1" presetClass="entr" presetSubtype="0" fill="hold" nodeType="clickEffect">
-                                  <p:stCondLst>
-                                    <p:cond delay="0"/>
-                                  </p:stCondLst>
-                                  <p:childTnLst>
-                                    <p:set>
-                                      <p:cBhvr>
-                                        <p:cTn id="22" dur="1" fill="hold">
-                                          <p:stCondLst>
-                                            <p:cond delay="0"/>
-                                          </p:stCondLst>
-                                        </p:cTn>
-                                        <p:tgtEl>
-                                          <p:spTgt spid="9">
-                                            <p:txEl>
-                                              <p:pRg st="6" end="6"/>
-                                            </p:txEl>
-                                          </p:spTgt>
-                                        </p:tgtEl>
-                                        <p:attrNameLst>
-                                          <p:attrName>style.visibility</p:attrName>
-                                        </p:attrNameLst>
-                                      </p:cBhvr>
-                                      <p:to>
-                                        <p:strVal val="visible"/>
-                                      </p:to>
-                                    </p:set>
-                                  </p:childTnLst>
-                                </p:cTn>
-                              </p:par>
-                            </p:childTnLst>
-                          </p:cTn>
-                        </p:par>
-                      </p:childTnLst>
-                    </p:cTn>
-                  </p:par>
-                  <p:par>
-                    <p:cTn id="23" fill="hold">
-                      <p:stCondLst>
-                        <p:cond delay="indefinite"/>
-                      </p:stCondLst>
-                      <p:childTnLst>
-                        <p:par>
-                          <p:cTn id="24" fill="hold">
-                            <p:stCondLst>
-                              <p:cond delay="0"/>
-                            </p:stCondLst>
-                            <p:childTnLst>
-                              <p:par>
-                                <p:cTn id="25" presetID="1" presetClass="entr" presetSubtype="0" fill="hold" nodeType="clickEffect">
-                                  <p:stCondLst>
-                                    <p:cond delay="0"/>
-                                  </p:stCondLst>
-                                  <p:childTnLst>
-                                    <p:set>
-                                      <p:cBhvr>
-                                        <p:cTn id="26" dur="1" fill="hold">
-                                          <p:stCondLst>
-                                            <p:cond delay="0"/>
-                                          </p:stCondLst>
-                                        </p:cTn>
-                                        <p:tgtEl>
-                                          <p:spTgt spid="9">
-                                            <p:txEl>
-                                              <p:pRg st="7" end="7"/>
-                                            </p:txEl>
-                                          </p:spTgt>
-                                        </p:tgtEl>
-                                        <p:attrNameLst>
-                                          <p:attrName>style.visibility</p:attrName>
-                                        </p:attrNameLst>
-                                      </p:cBhvr>
-                                      <p:to>
-                                        <p:strVal val="visible"/>
-                                      </p:to>
-                                    </p:set>
-                                  </p:childTnLst>
-                                </p:cTn>
-                              </p:par>
-                            </p:childTnLst>
-                          </p:cTn>
-                        </p:par>
-                      </p:childTnLst>
-                    </p:cTn>
-                  </p:par>
-                  <p:par>
-                    <p:cTn id="27" fill="hold">
-                      <p:stCondLst>
-                        <p:cond delay="indefinite"/>
-                      </p:stCondLst>
-                      <p:childTnLst>
-                        <p:par>
-                          <p:cTn id="28" fill="hold">
-                            <p:stCondLst>
-                              <p:cond delay="0"/>
-                            </p:stCondLst>
-                            <p:childTnLst>
-                              <p:par>
-                                <p:cTn id="29" presetID="1" presetClass="entr" presetSubtype="0" fill="hold" nodeType="clickEffect">
-                                  <p:stCondLst>
-                                    <p:cond delay="0"/>
-                                  </p:stCondLst>
-                                  <p:childTnLst>
-                                    <p:set>
-                                      <p:cBhvr>
-                                        <p:cTn id="30" dur="1" fill="hold">
-                                          <p:stCondLst>
-                                            <p:cond delay="0"/>
-                                          </p:stCondLst>
-                                        </p:cTn>
-                                        <p:tgtEl>
-                                          <p:spTgt spid="9">
-                                            <p:txEl>
-                                              <p:pRg st="8" end="8"/>
-                                            </p:txEl>
-                                          </p:spTgt>
-                                        </p:tgtEl>
-                                        <p:attrNameLst>
-                                          <p:attrName>style.visibility</p:attrName>
-                                        </p:attrNameLst>
-                                      </p:cBhvr>
-                                      <p:to>
-                                        <p:strVal val="visible"/>
-                                      </p:to>
-                                    </p:set>
-                                  </p:childTnLst>
-                                </p:cTn>
-                              </p:par>
-                            </p:childTnLst>
-                          </p:cTn>
-                        </p:par>
-                      </p:childTnLst>
-                    </p:cTn>
-                  </p:par>
-                  <p:par>
-                    <p:cTn id="31" fill="hold">
-                      <p:stCondLst>
-                        <p:cond delay="indefinite"/>
-                      </p:stCondLst>
-                      <p:childTnLst>
-                        <p:par>
-                          <p:cTn id="32" fill="hold">
-                            <p:stCondLst>
-                              <p:cond delay="0"/>
-                            </p:stCondLst>
-                            <p:childTnLst>
-                              <p:par>
-                                <p:cTn id="33" presetID="1" presetClass="entr" presetSubtype="0" fill="hold" nodeType="clickEffect">
-                                  <p:stCondLst>
-                                    <p:cond delay="0"/>
-                                  </p:stCondLst>
-                                  <p:childTnLst>
-                                    <p:set>
-                                      <p:cBhvr>
-                                        <p:cTn id="34" dur="1" fill="hold">
                                           <p:stCondLst>
                                             <p:cond delay="0"/>
                                           </p:stCondLst>
@@ -10241,6 +10001,51 @@
                       </p:childTnLst>
                     </p:cTn>
                   </p:par>
+                  <p:par>
+                    <p:cTn id="21" fill="hold">
+                      <p:stCondLst>
+                        <p:cond delay="indefinite"/>
+                      </p:stCondLst>
+                      <p:childTnLst>
+                        <p:par>
+                          <p:cTn id="22" fill="hold">
+                            <p:stCondLst>
+                              <p:cond delay="0"/>
+                            </p:stCondLst>
+                            <p:childTnLst>
+                              <p:par>
+                                <p:cTn id="23" presetID="1" presetClass="entr" presetSubtype="0" fill="hold" grpId="0" nodeType="clickEffect">
+                                  <p:stCondLst>
+                                    <p:cond delay="0"/>
+                                  </p:stCondLst>
+                                  <p:childTnLst>
+                                    <p:set>
+                                      <p:cBhvr>
+                                        <p:cTn id="24" dur="1" fill="hold">
+                                          <p:stCondLst>
+                                            <p:cond delay="0"/>
+                                          </p:stCondLst>
+                                        </p:cTn>
+                                        <p:tgtEl>
+                                          <p:spTgt spid="3"/>
+                                        </p:tgtEl>
+                                        <p:attrNameLst>
+                                          <p:attrName>style.visibility</p:attrName>
+                                        </p:attrNameLst>
+                                      </p:cBhvr>
+                                      <p:to>
+                                        <p:strVal val="visible"/>
+                                      </p:to>
+                                    </p:set>
+                                  </p:childTnLst>
+                                </p:cTn>
+                              </p:par>
+                            </p:childTnLst>
+                          </p:cTn>
+                        </p:par>
+                      </p:childTnLst>
+                    </p:cTn>
+                  </p:par>
                 </p:childTnLst>
               </p:cTn>
               <p:prevCondLst>
@@ -10262,6 +10067,9 @@
         </p:cTn>
       </p:par>
     </p:tnLst>
+    <p:bldLst>
+      <p:bldP spid="3" grpId="0"/>
+    </p:bldLst>
   </p:timing>
 </p:sld>
 </file>
@@ -14267,6 +14075,427 @@
   <p:clrMapOvr>
     <a:masterClrMapping/>
   </p:clrMapOvr>
+  <p:timing>
+    <p:tnLst>
+      <p:par>
+        <p:cTn id="1" dur="indefinite" restart="never" nodeType="tmRoot">
+          <p:childTnLst>
+            <p:seq concurrent="1" nextAc="seek">
+              <p:cTn id="2" dur="indefinite" nodeType="mainSeq">
+                <p:childTnLst>
+                  <p:par>
+                    <p:cTn id="3" fill="hold">
+                      <p:stCondLst>
+                        <p:cond delay="indefinite"/>
+                      </p:stCondLst>
+                      <p:childTnLst>
+                        <p:par>
+                          <p:cTn id="4" fill="hold">
+                            <p:stCondLst>
+                              <p:cond delay="0"/>
+                            </p:stCondLst>
+                            <p:childTnLst>
+                              <p:par>
+                                <p:cTn id="5" presetID="1" presetClass="entr" presetSubtype="0" fill="hold" nodeType="clickEffect">
+                                  <p:stCondLst>
+                                    <p:cond delay="0"/>
+                                  </p:stCondLst>
+                                  <p:childTnLst>
+                                    <p:set>
+                                      <p:cBhvr>
+                                        <p:cTn id="6" dur="1" fill="hold">
+                                          <p:stCondLst>
+                                            <p:cond delay="0"/>
+                                          </p:stCondLst>
+                                        </p:cTn>
+                                        <p:tgtEl>
+                                          <p:spTgt spid="9">
+                                            <p:txEl>
+                                              <p:pRg st="1" end="1"/>
+                                            </p:txEl>
+                                          </p:spTgt>
+                                        </p:tgtEl>
+                                        <p:attrNameLst>
+                                          <p:attrName>style.visibility</p:attrName>
+                                        </p:attrNameLst>
+                                      </p:cBhvr>
+                                      <p:to>
+                                        <p:strVal val="visible"/>
+                                      </p:to>
+                                    </p:set>
+                                  </p:childTnLst>
+                                </p:cTn>
+                              </p:par>
+                              <p:par>
+                                <p:cTn id="7" presetID="1" presetClass="entr" presetSubtype="0" fill="hold" nodeType="withEffect">
+                                  <p:stCondLst>
+                                    <p:cond delay="0"/>
+                                  </p:stCondLst>
+                                  <p:childTnLst>
+                                    <p:set>
+                                      <p:cBhvr>
+                                        <p:cTn id="8" dur="1" fill="hold">
+                                          <p:stCondLst>
+                                            <p:cond delay="0"/>
+                                          </p:stCondLst>
+                                        </p:cTn>
+                                        <p:tgtEl>
+                                          <p:spTgt spid="9">
+                                            <p:txEl>
+                                              <p:pRg st="2" end="2"/>
+                                            </p:txEl>
+                                          </p:spTgt>
+                                        </p:tgtEl>
+                                        <p:attrNameLst>
+                                          <p:attrName>style.visibility</p:attrName>
+                                        </p:attrNameLst>
+                                      </p:cBhvr>
+                                      <p:to>
+                                        <p:strVal val="visible"/>
+                                      </p:to>
+                                    </p:set>
+                                  </p:childTnLst>
+                                </p:cTn>
+                              </p:par>
+                              <p:par>
+                                <p:cTn id="9" presetID="1" presetClass="entr" presetSubtype="0" fill="hold" nodeType="withEffect">
+                                  <p:stCondLst>
+                                    <p:cond delay="0"/>
+                                  </p:stCondLst>
+                                  <p:childTnLst>
+                                    <p:set>
+                                      <p:cBhvr>
+                                        <p:cTn id="10" dur="1" fill="hold">
+                                          <p:stCondLst>
+                                            <p:cond delay="0"/>
+                                          </p:stCondLst>
+                                        </p:cTn>
+                                        <p:tgtEl>
+                                          <p:spTgt spid="9">
+                                            <p:txEl>
+                                              <p:pRg st="3" end="3"/>
+                                            </p:txEl>
+                                          </p:spTgt>
+                                        </p:tgtEl>
+                                        <p:attrNameLst>
+                                          <p:attrName>style.visibility</p:attrName>
+                                        </p:attrNameLst>
+                                      </p:cBhvr>
+                                      <p:to>
+                                        <p:strVal val="visible"/>
+                                      </p:to>
+                                    </p:set>
+                                  </p:childTnLst>
+                                </p:cTn>
+                              </p:par>
+                              <p:par>
+                                <p:cTn id="11" presetID="1" presetClass="entr" presetSubtype="0" fill="hold" nodeType="withEffect">
+                                  <p:stCondLst>
+                                    <p:cond delay="0"/>
+                                  </p:stCondLst>
+                                  <p:childTnLst>
+                                    <p:set>
+                                      <p:cBhvr>
+                                        <p:cTn id="12" dur="1" fill="hold">
+                                          <p:stCondLst>
+                                            <p:cond delay="0"/>
+                                          </p:stCondLst>
+                                        </p:cTn>
+                                        <p:tgtEl>
+                                          <p:spTgt spid="9">
+                                            <p:txEl>
+                                              <p:pRg st="4" end="4"/>
+                                            </p:txEl>
+                                          </p:spTgt>
+                                        </p:tgtEl>
+                                        <p:attrNameLst>
+                                          <p:attrName>style.visibility</p:attrName>
+                                        </p:attrNameLst>
+                                      </p:cBhvr>
+                                      <p:to>
+                                        <p:strVal val="visible"/>
+                                      </p:to>
+                                    </p:set>
+                                  </p:childTnLst>
+                                </p:cTn>
+                              </p:par>
+                              <p:par>
+                                <p:cTn id="13" presetID="1" presetClass="entr" presetSubtype="0" fill="hold" nodeType="withEffect">
+                                  <p:stCondLst>
+                                    <p:cond delay="0"/>
+                                  </p:stCondLst>
+                                  <p:childTnLst>
+                                    <p:set>
+                                      <p:cBhvr>
+                                        <p:cTn id="14" dur="1" fill="hold">
+                                          <p:stCondLst>
+                                            <p:cond delay="0"/>
+                                          </p:stCondLst>
+                                        </p:cTn>
+                                        <p:tgtEl>
+                                          <p:spTgt spid="9">
+                                            <p:txEl>
+                                              <p:pRg st="5" end="5"/>
+                                            </p:txEl>
+                                          </p:spTgt>
+                                        </p:tgtEl>
+                                        <p:attrNameLst>
+                                          <p:attrName>style.visibility</p:attrName>
+                                        </p:attrNameLst>
+                                      </p:cBhvr>
+                                      <p:to>
+                                        <p:strVal val="visible"/>
+                                      </p:to>
+                                    </p:set>
+                                  </p:childTnLst>
+                                </p:cTn>
+                              </p:par>
+                              <p:par>
+                                <p:cTn id="15" presetID="1" presetClass="entr" presetSubtype="0" fill="hold" nodeType="withEffect">
+                                  <p:stCondLst>
+                                    <p:cond delay="0"/>
+                                  </p:stCondLst>
+                                  <p:childTnLst>
+                                    <p:set>
+                                      <p:cBhvr>
+                                        <p:cTn id="16" dur="1" fill="hold">
+                                          <p:stCondLst>
+                                            <p:cond delay="0"/>
+                                          </p:stCondLst>
+                                        </p:cTn>
+                                        <p:tgtEl>
+                                          <p:spTgt spid="9">
+                                            <p:txEl>
+                                              <p:pRg st="6" end="6"/>
+                                            </p:txEl>
+                                          </p:spTgt>
+                                        </p:tgtEl>
+                                        <p:attrNameLst>
+                                          <p:attrName>style.visibility</p:attrName>
+                                        </p:attrNameLst>
+                                      </p:cBhvr>
+                                      <p:to>
+                                        <p:strVal val="visible"/>
+                                      </p:to>
+                                    </p:set>
+                                  </p:childTnLst>
+                                </p:cTn>
+                              </p:par>
+                              <p:par>
+                                <p:cTn id="17" presetID="1" presetClass="entr" presetSubtype="0" fill="hold" nodeType="withEffect">
+                                  <p:stCondLst>
+                                    <p:cond delay="0"/>
+                                  </p:stCondLst>
+                                  <p:childTnLst>
+                                    <p:set>
+                                      <p:cBhvr>
+                                        <p:cTn id="18" dur="1" fill="hold">
+                                          <p:stCondLst>
+                                            <p:cond delay="0"/>
+                                          </p:stCondLst>
+                                        </p:cTn>
+                                        <p:tgtEl>
+                                          <p:spTgt spid="9">
+                                            <p:txEl>
+                                              <p:pRg st="7" end="7"/>
+                                            </p:txEl>
+                                          </p:spTgt>
+                                        </p:tgtEl>
+                                        <p:attrNameLst>
+                                          <p:attrName>style.visibility</p:attrName>
+                                        </p:attrNameLst>
+                                      </p:cBhvr>
+                                      <p:to>
+                                        <p:strVal val="visible"/>
+                                      </p:to>
+                                    </p:set>
+                                  </p:childTnLst>
+                                </p:cTn>
+                              </p:par>
+                              <p:par>
+                                <p:cTn id="19" presetID="1" presetClass="entr" presetSubtype="0" fill="hold" nodeType="withEffect">
+                                  <p:stCondLst>
+                                    <p:cond delay="0"/>
+                                  </p:stCondLst>
+                                  <p:childTnLst>
+                                    <p:set>
+                                      <p:cBhvr>
+                                        <p:cTn id="20" dur="1" fill="hold">
+                                          <p:stCondLst>
+                                            <p:cond delay="0"/>
+                                          </p:stCondLst>
+                                        </p:cTn>
+                                        <p:tgtEl>
+                                          <p:spTgt spid="9">
+                                            <p:txEl>
+                                              <p:pRg st="8" end="8"/>
+                                            </p:txEl>
+                                          </p:spTgt>
+                                        </p:tgtEl>
+                                        <p:attrNameLst>
+                                          <p:attrName>style.visibility</p:attrName>
+                                        </p:attrNameLst>
+                                      </p:cBhvr>
+                                      <p:to>
+                                        <p:strVal val="visible"/>
+                                      </p:to>
+                                    </p:set>
+                                  </p:childTnLst>
+                                </p:cTn>
+                              </p:par>
+                              <p:par>
+                                <p:cTn id="21" presetID="1" presetClass="entr" presetSubtype="0" fill="hold" nodeType="withEffect">
+                                  <p:stCondLst>
+                                    <p:cond delay="0"/>
+                                  </p:stCondLst>
+                                  <p:childTnLst>
+                                    <p:set>
+                                      <p:cBhvr>
+                                        <p:cTn id="22" dur="1" fill="hold">
+                                          <p:stCondLst>
+                                            <p:cond delay="0"/>
+                                          </p:stCondLst>
+                                        </p:cTn>
+                                        <p:tgtEl>
+                                          <p:spTgt spid="9">
+                                            <p:txEl>
+                                              <p:pRg st="9" end="9"/>
+                                            </p:txEl>
+                                          </p:spTgt>
+                                        </p:tgtEl>
+                                        <p:attrNameLst>
+                                          <p:attrName>style.visibility</p:attrName>
+                                        </p:attrNameLst>
+                                      </p:cBhvr>
+                                      <p:to>
+                                        <p:strVal val="visible"/>
+                                      </p:to>
+                                    </p:set>
+                                  </p:childTnLst>
+                                </p:cTn>
+                              </p:par>
+                            </p:childTnLst>
+                          </p:cTn>
+                        </p:par>
+                      </p:childTnLst>
+                    </p:cTn>
+                  </p:par>
+                  <p:par>
+                    <p:cTn id="23" fill="hold">
+                      <p:stCondLst>
+                        <p:cond delay="indefinite"/>
+                      </p:stCondLst>
+                      <p:childTnLst>
+                        <p:par>
+                          <p:cTn id="24" fill="hold">
+                            <p:stCondLst>
+                              <p:cond delay="0"/>
+                            </p:stCondLst>
+                            <p:childTnLst>
+                              <p:par>
+                                <p:cTn id="25" presetID="1" presetClass="entr" presetSubtype="0" fill="hold" grpId="0" nodeType="clickEffect">
+                                  <p:stCondLst>
+                                    <p:cond delay="0"/>
+                                  </p:stCondLst>
+                                  <p:childTnLst>
+                                    <p:set>
+                                      <p:cBhvr>
+                                        <p:cTn id="26" dur="1" fill="hold">
+                                          <p:stCondLst>
+                                            <p:cond delay="0"/>
+                                          </p:stCondLst>
+                                        </p:cTn>
+                                        <p:tgtEl>
+                                          <p:spTgt spid="3"/>
+                                        </p:tgtEl>
+                                        <p:attrNameLst>
+                                          <p:attrName>style.visibility</p:attrName>
+                                        </p:attrNameLst>
+                                      </p:cBhvr>
+                                      <p:to>
+                                        <p:strVal val="visible"/>
+                                      </p:to>
+                                    </p:set>
+                                  </p:childTnLst>
+                                </p:cTn>
+                              </p:par>
+                            </p:childTnLst>
+                          </p:cTn>
+                        </p:par>
+                      </p:childTnLst>
+                    </p:cTn>
+                  </p:par>
+                  <p:par>
+                    <p:cTn id="27" fill="hold">
+                      <p:stCondLst>
+                        <p:cond delay="indefinite"/>
+                      </p:stCondLst>
+                      <p:childTnLst>
+                        <p:par>
+                          <p:cTn id="28" fill="hold">
+                            <p:stCondLst>
+                              <p:cond delay="0"/>
+                            </p:stCondLst>
+                            <p:childTnLst>
+                              <p:par>
+                                <p:cTn id="29" presetID="1" presetClass="entr" presetSubtype="0" fill="hold" grpId="0" nodeType="clickEffect">
+                                  <p:stCondLst>
+                                    <p:cond delay="0"/>
+                                  </p:stCondLst>
+                                  <p:childTnLst>
+                                    <p:set>
+                                      <p:cBhvr>
+                                        <p:cTn id="30" dur="1" fill="hold">
+                                          <p:stCondLst>
+                                            <p:cond delay="0"/>
+                                          </p:stCondLst>
+                                        </p:cTn>
+                                        <p:tgtEl>
+                                          <p:spTgt spid="6"/>
+                                        </p:tgtEl>
+                                        <p:attrNameLst>
+                                          <p:attrName>style.visibility</p:attrName>
+                                        </p:attrNameLst>
+                                      </p:cBhvr>
+                                      <p:to>
+                                        <p:strVal val="visible"/>
+                                      </p:to>
+                                    </p:set>
+                                  </p:childTnLst>
+                                </p:cTn>
+                              </p:par>
+                            </p:childTnLst>
+                          </p:cTn>
+                        </p:par>
+                      </p:childTnLst>
+                    </p:cTn>
+                  </p:par>
+                </p:childTnLst>
+              </p:cTn>
+              <p:prevCondLst>
+                <p:cond evt="onPrev" delay="0">
+                  <p:tgtEl>
+                    <p:sldTgt/>
+                  </p:tgtEl>
+                </p:cond>
+              </p:prevCondLst>
+              <p:nextCondLst>
+                <p:cond evt="onNext" delay="0">
+                  <p:tgtEl>
+                    <p:sldTgt/>
+                  </p:tgtEl>
+                </p:cond>
+              </p:nextCondLst>
+            </p:seq>
+          </p:childTnLst>
+        </p:cTn>
+      </p:par>
+    </p:tnLst>
+    <p:bldLst>
+      <p:bldP spid="3" grpId="0"/>
+      <p:bldP spid="6" grpId="0"/>
+    </p:bldLst>
+  </p:timing>
 </p:sld>
 </file>
 
@@ -14360,20 +14589,28 @@
               <a:rPr lang="en-US" sz="2000" dirty="0">
                 <a:latin typeface="Gill Sans MT" panose="020B0502020104020203" pitchFamily="34" charset="77"/>
               </a:rPr>
-              <a:t>Write a segment of code which asks the user to enter a number. Print "fizz" if the number is a multiple of 3, "buzz" if it is a multiple of 5 and "</a:t>
+              <a:t>Here's the correct way to implement </a:t>
             </a:r>
             <a:r>
               <a:rPr lang="en-US" sz="2000" dirty="0" err="1">
                 <a:latin typeface="Gill Sans MT" panose="020B0502020104020203" pitchFamily="34" charset="77"/>
               </a:rPr>
-              <a:t>fizzbuzz</a:t>
+              <a:t>FizzBuzz</a:t>
             </a:r>
             <a:r>
               <a:rPr lang="en-US" sz="2000" dirty="0">
                 <a:latin typeface="Gill Sans MT" panose="020B0502020104020203" pitchFamily="34" charset="77"/>
               </a:rPr>
-              <a:t>" if it is a multiple of both 3 and 5. In all other cases, print the number.</a:t>
-            </a:r>
+              <a:t>. </a:t>
+            </a:r>
+          </a:p>
+          <a:p>
+            <a:pPr marL="0" indent="0">
+              <a:buNone/>
+            </a:pPr>
+            <a:endParaRPr lang="en-US" sz="2000" dirty="0">
+              <a:latin typeface="Gill Sans MT" panose="020B0502020104020203" pitchFamily="34" charset="77"/>
+            </a:endParaRPr>
           </a:p>
           <a:p>
             <a:pPr marL="0" indent="0">
@@ -14829,45 +15066,6 @@
               </a:solidFill>
               <a:latin typeface="Gill Sans MT" panose="020B0502020104020203" pitchFamily="34" charset="77"/>
             </a:endParaRPr>
-          </a:p>
-        </p:txBody>
-      </p:sp>
-      <p:sp>
-        <p:nvSpPr>
-          <p:cNvPr id="4" name="TextBox 3">
-            <a:extLst>
-              <a:ext uri="{FF2B5EF4-FFF2-40B4-BE49-F238E27FC236}">
-                <a16:creationId xmlns:a16="http://schemas.microsoft.com/office/drawing/2014/main" id="{40453567-7673-614C-8F1B-E8DF32DDBBEA}"/>
-              </a:ext>
-            </a:extLst>
-          </p:cNvPr>
-          <p:cNvSpPr txBox="1"/>
-          <p:nvPr/>
-        </p:nvSpPr>
-        <p:spPr>
-          <a:xfrm>
-            <a:off x="4751462" y="3031401"/>
-            <a:ext cx="1141659" cy="415498"/>
-          </a:xfrm>
-          <a:prstGeom prst="rect">
-            <a:avLst/>
-          </a:prstGeom>
-          <a:noFill/>
-        </p:spPr>
-        <p:txBody>
-          <a:bodyPr wrap="none" rtlCol="0">
-            <a:spAutoFit/>
-          </a:bodyPr>
-          <a:lstStyle/>
-          <a:p>
-            <a:r>
-              <a:rPr lang="en-US" sz="2100" dirty="0">
-                <a:solidFill>
-                  <a:srgbClr val="FF0000"/>
-                </a:solidFill>
-              </a:rPr>
-              <a:t>Correct!</a:t>
-            </a:r>
           </a:p>
         </p:txBody>
       </p:sp>
@@ -15361,6 +15559,85 @@
   <p:clrMapOvr>
     <a:masterClrMapping/>
   </p:clrMapOvr>
+  <p:timing>
+    <p:tnLst>
+      <p:par>
+        <p:cTn id="1" dur="indefinite" restart="never" nodeType="tmRoot">
+          <p:childTnLst>
+            <p:seq concurrent="1" nextAc="seek">
+              <p:cTn id="2" dur="indefinite" nodeType="mainSeq">
+                <p:childTnLst>
+                  <p:par>
+                    <p:cTn id="3" fill="hold">
+                      <p:stCondLst>
+                        <p:cond delay="indefinite"/>
+                      </p:stCondLst>
+                      <p:childTnLst>
+                        <p:par>
+                          <p:cTn id="4" fill="hold">
+                            <p:stCondLst>
+                              <p:cond delay="0"/>
+                            </p:stCondLst>
+                            <p:childTnLst>
+                              <p:par>
+                                <p:cTn id="5" presetID="1" presetClass="entr" presetSubtype="0" fill="hold" nodeType="clickEffect">
+                                  <p:stCondLst>
+                                    <p:cond delay="0"/>
+                                  </p:stCondLst>
+                                  <p:childTnLst>
+                                    <p:set>
+                                      <p:cBhvr>
+                                        <p:cTn id="6" dur="1" fill="hold">
+                                          <p:stCondLst>
+                                            <p:cond delay="0"/>
+                                          </p:stCondLst>
+                                        </p:cTn>
+                                        <p:tgtEl>
+                                          <p:spTgt spid="4">
+                                            <p:txEl>
+                                              <p:pRg st="0" end="0"/>
+                                            </p:txEl>
+                                          </p:spTgt>
+                                        </p:tgtEl>
+                                        <p:attrNameLst>
+                                          <p:attrName>style.visibility</p:attrName>
+                                        </p:attrNameLst>
+                                      </p:cBhvr>
+                                      <p:to>
+                                        <p:strVal val="visible"/>
+                                      </p:to>
+                                    </p:set>
+                                  </p:childTnLst>
+                                </p:cTn>
+                              </p:par>
+                            </p:childTnLst>
+                          </p:cTn>
+                        </p:par>
+                      </p:childTnLst>
+                    </p:cTn>
+                  </p:par>
+                </p:childTnLst>
+              </p:cTn>
+              <p:prevCondLst>
+                <p:cond evt="onPrev" delay="0">
+                  <p:tgtEl>
+                    <p:sldTgt/>
+                  </p:tgtEl>
+                </p:cond>
+              </p:prevCondLst>
+              <p:nextCondLst>
+                <p:cond evt="onNext" delay="0">
+                  <p:tgtEl>
+                    <p:sldTgt/>
+                  </p:tgtEl>
+                </p:cond>
+              </p:nextCondLst>
+            </p:seq>
+          </p:childTnLst>
+        </p:cTn>
+      </p:par>
+    </p:tnLst>
+  </p:timing>
 </p:sld>
 </file>
 
@@ -15659,12 +15936,6 @@
             <a:pPr marL="0" indent="0">
               <a:buNone/>
             </a:pPr>
-            <a:endParaRPr lang="en-US" dirty="0"/>
-          </a:p>
-          <a:p>
-            <a:pPr marL="0" indent="0">
-              <a:buNone/>
-            </a:pPr>
             <a:r>
               <a:rPr lang="en-US" dirty="0"/>
               <a:t>Create a new </a:t>
@@ -15683,7 +15954,16 @@
             </a:r>
             <a:r>
               <a:rPr lang="en-US" dirty="0"/>
-              <a:t>. Write a program which asks for the coefficients of the quadratic f(x) = ax^2 + bx + c and prints out the number of real roots of f(x).</a:t>
+              <a:t>. Write a program which asks for the coefficients of the quadratic f(x) = ax^2 + bx + c and prints out the number of real roots of f(x). </a:t>
+            </a:r>
+          </a:p>
+          <a:p>
+            <a:pPr marL="0" indent="0">
+              <a:buNone/>
+            </a:pPr>
+            <a:r>
+              <a:rPr lang="en-US" dirty="0"/>
+              <a:t>Hint: Compute the discriminant b^2 – 4ac. If the discriminant is &gt; 0, it has two real roots. If it is &lt; 0 , it has no real roots and if it is = 0, it has one repeated root.</a:t>
             </a:r>
           </a:p>
           <a:p>
@@ -15762,7 +16042,7 @@
         </p:nvSpPr>
         <p:spPr>
           <a:xfrm>
-            <a:off x="3045360" y="2606469"/>
+            <a:off x="3045360" y="3202818"/>
             <a:ext cx="2355582" cy="1708160"/>
           </a:xfrm>
           <a:prstGeom prst="rect">
@@ -15830,7 +16110,7 @@
         </p:nvSpPr>
         <p:spPr>
           <a:xfrm>
-            <a:off x="5888742" y="2606468"/>
+            <a:off x="5888742" y="3202817"/>
             <a:ext cx="3131005" cy="1708160"/>
           </a:xfrm>
           <a:prstGeom prst="rect">
@@ -16450,13 +16730,54 @@
                 </a:solidFill>
                 <a:latin typeface="INCONSOLATA" panose="020B0609030003000000" pitchFamily="49" charset="77"/>
               </a:rPr>
-              <a:t> 	# </a:t>
+              <a:t> 	</a:t>
+            </a:r>
+            <a:r>
+              <a:rPr lang="en-US" sz="1900" b="1" dirty="0">
+                <a:solidFill>
+                  <a:schemeClr val="accent2"/>
+                </a:solidFill>
+                <a:latin typeface="INCONSOLATA" panose="020B0609030003000000" pitchFamily="49" charset="77"/>
+              </a:rPr>
+              <a:t># value of a is False</a:t>
+            </a:r>
+          </a:p>
+          <a:p>
+            <a:pPr marL="0" indent="0">
+              <a:buNone/>
+            </a:pPr>
+            <a:r>
+              <a:rPr lang="en-US" sz="1900" b="1" dirty="0">
+                <a:solidFill>
+                  <a:srgbClr val="0070C0"/>
+                </a:solidFill>
+                <a:latin typeface="INCONSOLATA" panose="020B0609030003000000" pitchFamily="49" charset="77"/>
+              </a:rPr>
+              <a:t>print</a:t>
             </a:r>
             <a:r>
               <a:rPr lang="en-US" sz="1900" b="1" dirty="0">
                 <a:latin typeface="INCONSOLATA" panose="020B0609030003000000" pitchFamily="49" charset="77"/>
               </a:rPr>
-              <a:t>False</a:t>
+              <a:t>(a)</a:t>
+            </a:r>
+            <a:r>
+              <a:rPr lang="en-US" sz="1900" b="1" dirty="0">
+                <a:solidFill>
+                  <a:srgbClr val="FF6600"/>
+                </a:solidFill>
+                <a:latin typeface="INCONSOLATA" panose="020B0609030003000000" pitchFamily="49" charset="77"/>
+              </a:rPr>
+              <a:t> 		</a:t>
+            </a:r>
+            <a:r>
+              <a:rPr lang="en-US" sz="1900" b="1" dirty="0">
+                <a:solidFill>
+                  <a:schemeClr val="accent2"/>
+                </a:solidFill>
+                <a:latin typeface="INCONSOLATA" panose="020B0609030003000000" pitchFamily="49" charset="77"/>
+              </a:rPr>
+              <a:t># False is printed</a:t>
             </a:r>
           </a:p>
           <a:p>
@@ -16476,7 +16797,7 @@
               <a:rPr lang="en-US" sz="1900" b="1" dirty="0">
                 <a:latin typeface="INCONSOLATA" panose="020B0609030003000000" pitchFamily="49" charset="77"/>
               </a:rPr>
-              <a:t>(a)</a:t>
+              <a:t>(3 &lt;= 7)</a:t>
             </a:r>
             <a:r>
               <a:rPr lang="en-US" sz="1900" b="1" dirty="0">
@@ -16485,13 +16806,130 @@
                 </a:solidFill>
                 <a:latin typeface="INCONSOLATA" panose="020B0609030003000000" pitchFamily="49" charset="77"/>
               </a:rPr>
-              <a:t> 		# </a:t>
+              <a:t> 	</a:t>
+            </a:r>
+            <a:r>
+              <a:rPr lang="en-US" sz="1900" b="1" dirty="0">
+                <a:solidFill>
+                  <a:schemeClr val="accent2"/>
+                </a:solidFill>
+                <a:latin typeface="INCONSOLATA" panose="020B0609030003000000" pitchFamily="49" charset="77"/>
+              </a:rPr>
+              <a:t># True</a:t>
+            </a:r>
+          </a:p>
+          <a:p>
+            <a:pPr marL="0" indent="0">
+              <a:buNone/>
+            </a:pPr>
+            <a:r>
+              <a:rPr lang="en-US" sz="1900" b="1" dirty="0">
+                <a:solidFill>
+                  <a:srgbClr val="0070C0"/>
+                </a:solidFill>
+                <a:latin typeface="INCONSOLATA" panose="020B0609030003000000" pitchFamily="49" charset="77"/>
+              </a:rPr>
+              <a:t>print</a:t>
             </a:r>
             <a:r>
               <a:rPr lang="en-US" sz="1900" b="1" dirty="0">
                 <a:latin typeface="INCONSOLATA" panose="020B0609030003000000" pitchFamily="49" charset="77"/>
               </a:rPr>
-              <a:t>False</a:t>
+              <a:t>(3 != 7)</a:t>
+            </a:r>
+            <a:r>
+              <a:rPr lang="en-US" sz="1900" b="1" dirty="0">
+                <a:solidFill>
+                  <a:srgbClr val="FF6600"/>
+                </a:solidFill>
+                <a:latin typeface="INCONSOLATA" panose="020B0609030003000000" pitchFamily="49" charset="77"/>
+              </a:rPr>
+              <a:t> 	</a:t>
+            </a:r>
+            <a:r>
+              <a:rPr lang="en-US" sz="1900" b="1" dirty="0">
+                <a:solidFill>
+                  <a:schemeClr val="accent2"/>
+                </a:solidFill>
+                <a:latin typeface="INCONSOLATA" panose="020B0609030003000000" pitchFamily="49" charset="77"/>
+              </a:rPr>
+              <a:t># True</a:t>
+            </a:r>
+          </a:p>
+          <a:p>
+            <a:pPr marL="0" indent="0">
+              <a:buNone/>
+            </a:pPr>
+            <a:r>
+              <a:rPr lang="en-US" sz="2000" b="1" dirty="0">
+                <a:solidFill>
+                  <a:srgbClr val="000087"/>
+                </a:solidFill>
+                <a:latin typeface="Inconsolata" panose="020B0609030003000000" pitchFamily="49" charset="77"/>
+              </a:rPr>
+              <a:t>x = 1</a:t>
+            </a:r>
+          </a:p>
+          <a:p>
+            <a:pPr marL="0" indent="0">
+              <a:buNone/>
+            </a:pPr>
+            <a:r>
+              <a:rPr lang="en-US" sz="2000" b="1" dirty="0">
+                <a:solidFill>
+                  <a:srgbClr val="000087"/>
+                </a:solidFill>
+                <a:latin typeface="Inconsolata" panose="020B0609030003000000" pitchFamily="49" charset="77"/>
+              </a:rPr>
+              <a:t>b = </a:t>
+            </a:r>
+            <a:r>
+              <a:rPr lang="en-US" sz="2000" b="1" dirty="0">
+                <a:latin typeface="Inconsolata" panose="020B0609030003000000" pitchFamily="49" charset="77"/>
+              </a:rPr>
+              <a:t>(</a:t>
+            </a:r>
+            <a:r>
+              <a:rPr lang="en-US" sz="2000" b="1" dirty="0">
+                <a:solidFill>
+                  <a:srgbClr val="000087"/>
+                </a:solidFill>
+                <a:latin typeface="Inconsolata" panose="020B0609030003000000" pitchFamily="49" charset="77"/>
+              </a:rPr>
+              <a:t>x </a:t>
+            </a:r>
+            <a:r>
+              <a:rPr lang="en-US" sz="2000" b="1" dirty="0">
+                <a:solidFill>
+                  <a:srgbClr val="545454"/>
+                </a:solidFill>
+                <a:latin typeface="Inconsolata" panose="020B0609030003000000" pitchFamily="49" charset="77"/>
+              </a:rPr>
+              <a:t>&gt; </a:t>
+            </a:r>
+            <a:r>
+              <a:rPr lang="en-US" sz="2000" b="1" dirty="0">
+                <a:solidFill>
+                  <a:srgbClr val="FF6600"/>
+                </a:solidFill>
+                <a:latin typeface="Inconsolata" panose="020B0609030003000000" pitchFamily="49" charset="77"/>
+              </a:rPr>
+              <a:t>10</a:t>
+            </a:r>
+            <a:r>
+              <a:rPr lang="en-US" sz="2000" b="1" dirty="0">
+                <a:latin typeface="Inconsolata" panose="020B0609030003000000" pitchFamily="49" charset="77"/>
+              </a:rPr>
+              <a:t>) 	</a:t>
+            </a:r>
+            <a:r>
+              <a:rPr lang="en-US" sz="2000" b="1" dirty="0">
+                <a:solidFill>
+                  <a:schemeClr val="accent2"/>
+                </a:solidFill>
+                <a:latin typeface="Inconsolata" panose="020B0609030003000000" pitchFamily="49" charset="77"/>
+              </a:rPr>
+              <a:t># value of b is False</a:t>
             </a:r>
           </a:p>
           <a:p>
@@ -16511,7 +16949,7 @@
               <a:rPr lang="en-US" sz="1900" b="1" dirty="0">
                 <a:latin typeface="INCONSOLATA" panose="020B0609030003000000" pitchFamily="49" charset="77"/>
               </a:rPr>
-              <a:t>(3 &lt;= 7)</a:t>
+              <a:t>(b)</a:t>
             </a:r>
             <a:r>
               <a:rPr lang="en-US" sz="1900" b="1" dirty="0">
@@ -16520,150 +16958,16 @@
                 </a:solidFill>
                 <a:latin typeface="INCONSOLATA" panose="020B0609030003000000" pitchFamily="49" charset="77"/>
               </a:rPr>
-              <a:t> 	# </a:t>
+              <a:t> 		</a:t>
             </a:r>
             <a:r>
               <a:rPr lang="en-US" sz="1900" b="1" dirty="0">
+                <a:solidFill>
+                  <a:schemeClr val="accent2"/>
+                </a:solidFill>
                 <a:latin typeface="INCONSOLATA" panose="020B0609030003000000" pitchFamily="49" charset="77"/>
               </a:rPr>
-              <a:t>True</a:t>
-            </a:r>
-          </a:p>
-          <a:p>
-            <a:pPr marL="0" indent="0">
-              <a:buNone/>
-            </a:pPr>
-            <a:r>
-              <a:rPr lang="en-US" sz="1900" b="1" dirty="0">
-                <a:solidFill>
-                  <a:srgbClr val="0070C0"/>
-                </a:solidFill>
-                <a:latin typeface="INCONSOLATA" panose="020B0609030003000000" pitchFamily="49" charset="77"/>
-              </a:rPr>
-              <a:t>print</a:t>
-            </a:r>
-            <a:r>
-              <a:rPr lang="en-US" sz="1900" b="1" dirty="0">
-                <a:latin typeface="INCONSOLATA" panose="020B0609030003000000" pitchFamily="49" charset="77"/>
-              </a:rPr>
-              <a:t>(3 != 7)</a:t>
-            </a:r>
-            <a:r>
-              <a:rPr lang="en-US" sz="1900" b="1" dirty="0">
-                <a:solidFill>
-                  <a:srgbClr val="FF6600"/>
-                </a:solidFill>
-                <a:latin typeface="INCONSOLATA" panose="020B0609030003000000" pitchFamily="49" charset="77"/>
-              </a:rPr>
-              <a:t> 	# </a:t>
-            </a:r>
-            <a:r>
-              <a:rPr lang="en-US" sz="1900" b="1" dirty="0">
-                <a:latin typeface="INCONSOLATA" panose="020B0609030003000000" pitchFamily="49" charset="77"/>
-              </a:rPr>
-              <a:t>True</a:t>
-            </a:r>
-          </a:p>
-          <a:p>
-            <a:pPr marL="0" indent="0">
-              <a:buNone/>
-            </a:pPr>
-            <a:r>
-              <a:rPr lang="en-US" sz="2000" b="1" dirty="0">
-                <a:solidFill>
-                  <a:srgbClr val="000087"/>
-                </a:solidFill>
-                <a:latin typeface="Inconsolata" panose="020B0609030003000000" pitchFamily="49" charset="77"/>
-              </a:rPr>
-              <a:t>x = 1</a:t>
-            </a:r>
-          </a:p>
-          <a:p>
-            <a:pPr marL="0" indent="0">
-              <a:buNone/>
-            </a:pPr>
-            <a:r>
-              <a:rPr lang="en-US" sz="2000" b="1" dirty="0">
-                <a:solidFill>
-                  <a:srgbClr val="000087"/>
-                </a:solidFill>
-                <a:latin typeface="Inconsolata" panose="020B0609030003000000" pitchFamily="49" charset="77"/>
-              </a:rPr>
-              <a:t>b = </a:t>
-            </a:r>
-            <a:r>
-              <a:rPr lang="en-US" sz="2000" b="1" dirty="0">
-                <a:latin typeface="Inconsolata" panose="020B0609030003000000" pitchFamily="49" charset="77"/>
-              </a:rPr>
-              <a:t>(</a:t>
-            </a:r>
-            <a:r>
-              <a:rPr lang="en-US" sz="2000" b="1" dirty="0">
-                <a:solidFill>
-                  <a:srgbClr val="000087"/>
-                </a:solidFill>
-                <a:latin typeface="Inconsolata" panose="020B0609030003000000" pitchFamily="49" charset="77"/>
-              </a:rPr>
-              <a:t>x </a:t>
-            </a:r>
-            <a:r>
-              <a:rPr lang="en-US" sz="2000" b="1" dirty="0">
-                <a:solidFill>
-                  <a:srgbClr val="545454"/>
-                </a:solidFill>
-                <a:latin typeface="Inconsolata" panose="020B0609030003000000" pitchFamily="49" charset="77"/>
-              </a:rPr>
-              <a:t>&gt; </a:t>
-            </a:r>
-            <a:r>
-              <a:rPr lang="en-US" sz="2000" b="1" dirty="0">
-                <a:solidFill>
-                  <a:srgbClr val="FF6600"/>
-                </a:solidFill>
-                <a:latin typeface="Inconsolata" panose="020B0609030003000000" pitchFamily="49" charset="77"/>
-              </a:rPr>
-              <a:t>10</a:t>
-            </a:r>
-            <a:r>
-              <a:rPr lang="en-US" sz="2000" b="1" dirty="0">
-                <a:latin typeface="Inconsolata" panose="020B0609030003000000" pitchFamily="49" charset="77"/>
-              </a:rPr>
-              <a:t>) 	# False</a:t>
-            </a:r>
-          </a:p>
-          <a:p>
-            <a:pPr marL="0" indent="0">
-              <a:buNone/>
-            </a:pPr>
-            <a:r>
-              <a:rPr lang="en-US" sz="1900" b="1" dirty="0">
-                <a:solidFill>
-                  <a:srgbClr val="0070C0"/>
-                </a:solidFill>
-                <a:latin typeface="INCONSOLATA" panose="020B0609030003000000" pitchFamily="49" charset="77"/>
-              </a:rPr>
-              <a:t>print</a:t>
-            </a:r>
-            <a:r>
-              <a:rPr lang="en-US" sz="1900" b="1" dirty="0">
-                <a:latin typeface="INCONSOLATA" panose="020B0609030003000000" pitchFamily="49" charset="77"/>
-              </a:rPr>
-              <a:t>(b)</a:t>
-            </a:r>
-            <a:r>
-              <a:rPr lang="en-US" sz="1900" b="1" dirty="0">
-                <a:solidFill>
-                  <a:srgbClr val="FF6600"/>
-                </a:solidFill>
-                <a:latin typeface="INCONSOLATA" panose="020B0609030003000000" pitchFamily="49" charset="77"/>
-              </a:rPr>
-              <a:t> 		# </a:t>
-            </a:r>
-            <a:r>
-              <a:rPr lang="en-US" sz="1900" b="1" dirty="0">
-                <a:latin typeface="INCONSOLATA" panose="020B0609030003000000" pitchFamily="49" charset="77"/>
-              </a:rPr>
-              <a:t>False</a:t>
+              <a:t># False</a:t>
             </a:r>
           </a:p>
           <a:p>
@@ -17177,7 +17481,7 @@
             </a:pPr>
             <a:r>
               <a:rPr lang="en-US" dirty="0"/>
-              <a:t>Or above is "inclusive or".</a:t>
+              <a:t>Note: The above Or is also know as the "inclusive or". The conversational "or" may sometime be used as the "exclusive or"(one or the other but not both). </a:t>
             </a:r>
           </a:p>
           <a:p>
@@ -18102,6 +18406,55 @@
                       </p:childTnLst>
                     </p:cTn>
                   </p:par>
+                  <p:par>
+                    <p:cTn id="15" fill="hold">
+                      <p:stCondLst>
+                        <p:cond delay="indefinite"/>
+                      </p:stCondLst>
+                      <p:childTnLst>
+                        <p:par>
+                          <p:cTn id="16" fill="hold">
+                            <p:stCondLst>
+                              <p:cond delay="0"/>
+                            </p:stCondLst>
+                            <p:childTnLst>
+                              <p:par>
+                                <p:cTn id="17" presetID="1" presetClass="entr" presetSubtype="0" fill="hold" nodeType="clickEffect">
+                                  <p:stCondLst>
+                                    <p:cond delay="0"/>
+                                  </p:stCondLst>
+                                  <p:childTnLst>
+                                    <p:set>
+                                      <p:cBhvr>
+                                        <p:cTn id="18" dur="1" fill="hold">
+                                          <p:stCondLst>
+                                            <p:cond delay="0"/>
+                                          </p:stCondLst>
+                                        </p:cTn>
+                                        <p:tgtEl>
+                                          <p:spTgt spid="9">
+                                            <p:txEl>
+                                              <p:pRg st="9" end="9"/>
+                                            </p:txEl>
+                                          </p:spTgt>
+                                        </p:tgtEl>
+                                        <p:attrNameLst>
+                                          <p:attrName>style.visibility</p:attrName>
+                                        </p:attrNameLst>
+                                      </p:cBhvr>
+                                      <p:to>
+                                        <p:strVal val="visible"/>
+                                      </p:to>
+                                    </p:set>
+                                  </p:childTnLst>
+                                </p:cTn>
+                              </p:par>
+                            </p:childTnLst>
+                          </p:cTn>
+                        </p:par>
+                      </p:childTnLst>
+                    </p:cTn>
+                  </p:par>
                 </p:childTnLst>
               </p:cTn>
               <p:prevCondLst>
@@ -19669,7 +20022,94 @@
             <a:pPr marL="0" indent="0">
               <a:buNone/>
             </a:pPr>
+            <a:endParaRPr lang="en-US" b="1" dirty="0">
+              <a:solidFill>
+                <a:schemeClr val="accent1"/>
+              </a:solidFill>
+              <a:latin typeface="Inconsolata" panose="020B0609030003000000" pitchFamily="49" charset="77"/>
+            </a:endParaRPr>
+          </a:p>
+          <a:p>
+            <a:pPr marL="0" indent="0">
+              <a:buNone/>
+            </a:pPr>
+            <a:r>
+              <a:rPr lang="en-US" dirty="0"/>
+              <a:t>Although the above expression is correct, often for the sake of readability, and clarity it is often good practice to include parenthesis. </a:t>
+            </a:r>
+          </a:p>
+          <a:p>
+            <a:pPr marL="0" indent="0">
+              <a:buNone/>
+            </a:pPr>
             <a:endParaRPr lang="en-US" dirty="0"/>
+          </a:p>
+          <a:p>
+            <a:pPr marL="0" indent="0">
+              <a:buNone/>
+            </a:pPr>
+            <a:r>
+              <a:rPr lang="en-US" b="1" dirty="0">
+                <a:solidFill>
+                  <a:srgbClr val="000087"/>
+                </a:solidFill>
+                <a:latin typeface="Inconsolata" panose="020B0609030003000000" pitchFamily="49" charset="77"/>
+              </a:rPr>
+              <a:t>result </a:t>
+            </a:r>
+            <a:r>
+              <a:rPr lang="en-US" b="1" dirty="0">
+                <a:solidFill>
+                  <a:srgbClr val="545454"/>
+                </a:solidFill>
+                <a:latin typeface="Inconsolata" panose="020B0609030003000000" pitchFamily="49" charset="77"/>
+              </a:rPr>
+              <a:t>= </a:t>
+            </a:r>
+            <a:r>
+              <a:rPr lang="en-US" b="1" dirty="0">
+                <a:solidFill>
+                  <a:srgbClr val="FF6600"/>
+                </a:solidFill>
+                <a:latin typeface="Inconsolata" panose="020B0609030003000000" pitchFamily="49" charset="77"/>
+              </a:rPr>
+              <a:t>(3 + 2 * 4 &lt; 14) or (3 == 5)</a:t>
+            </a:r>
+          </a:p>
+          <a:p>
+            <a:pPr marL="0" indent="0">
+              <a:buNone/>
+            </a:pPr>
+            <a:r>
+              <a:rPr lang="en-US" b="1" dirty="0">
+                <a:latin typeface="Inconsolata" panose="020B0609030003000000" pitchFamily="49" charset="77"/>
+              </a:rPr>
+              <a:t>print(</a:t>
+            </a:r>
+            <a:r>
+              <a:rPr lang="en-US" b="1" dirty="0">
+                <a:solidFill>
+                  <a:srgbClr val="000087"/>
+                </a:solidFill>
+                <a:latin typeface="Inconsolata" panose="020B0609030003000000" pitchFamily="49" charset="77"/>
+              </a:rPr>
+              <a:t>result</a:t>
+            </a:r>
+            <a:r>
+              <a:rPr lang="en-US" b="1" dirty="0">
+                <a:latin typeface="Inconsolata" panose="020B0609030003000000" pitchFamily="49" charset="77"/>
+              </a:rPr>
+              <a:t>) 		</a:t>
+            </a:r>
+            <a:r>
+              <a:rPr lang="en-US" b="1" dirty="0">
+                <a:solidFill>
+                  <a:schemeClr val="accent1"/>
+                </a:solidFill>
+                <a:latin typeface="Inconsolata" panose="020B0609030003000000" pitchFamily="49" charset="77"/>
+              </a:rPr>
+              <a:t># True </a:t>
+            </a:r>
           </a:p>
           <a:p>
             <a:pPr marL="0" indent="0">
@@ -19789,6 +20229,135 @@
                                           <p:spTgt spid="9">
                                             <p:txEl>
                                               <p:pRg st="4" end="4"/>
+                                            </p:txEl>
+                                          </p:spTgt>
+                                        </p:tgtEl>
+                                        <p:attrNameLst>
+                                          <p:attrName>style.visibility</p:attrName>
+                                        </p:attrNameLst>
+                                      </p:cBhvr>
+                                      <p:to>
+                                        <p:strVal val="visible"/>
+                                      </p:to>
+                                    </p:set>
+                                  </p:childTnLst>
+                                </p:cTn>
+                              </p:par>
+                            </p:childTnLst>
+                          </p:cTn>
+                        </p:par>
+                      </p:childTnLst>
+                    </p:cTn>
+                  </p:par>
+                  <p:par>
+                    <p:cTn id="11" fill="hold">
+                      <p:stCondLst>
+                        <p:cond delay="indefinite"/>
+                      </p:stCondLst>
+                      <p:childTnLst>
+                        <p:par>
+                          <p:cTn id="12" fill="hold">
+                            <p:stCondLst>
+                              <p:cond delay="0"/>
+                            </p:stCondLst>
+                            <p:childTnLst>
+                              <p:par>
+                                <p:cTn id="13" presetID="1" presetClass="entr" presetSubtype="0" fill="hold" nodeType="clickEffect">
+                                  <p:stCondLst>
+                                    <p:cond delay="0"/>
+                                  </p:stCondLst>
+                                  <p:childTnLst>
+                                    <p:set>
+                                      <p:cBhvr>
+                                        <p:cTn id="14" dur="1" fill="hold">
+                                          <p:stCondLst>
+                                            <p:cond delay="0"/>
+                                          </p:stCondLst>
+                                        </p:cTn>
+                                        <p:tgtEl>
+                                          <p:spTgt spid="9">
+                                            <p:txEl>
+                                              <p:pRg st="6" end="6"/>
+                                            </p:txEl>
+                                          </p:spTgt>
+                                        </p:tgtEl>
+                                        <p:attrNameLst>
+                                          <p:attrName>style.visibility</p:attrName>
+                                        </p:attrNameLst>
+                                      </p:cBhvr>
+                                      <p:to>
+                                        <p:strVal val="visible"/>
+                                      </p:to>
+                                    </p:set>
+                                  </p:childTnLst>
+                                </p:cTn>
+                              </p:par>
+                            </p:childTnLst>
+                          </p:cTn>
+                        </p:par>
+                      </p:childTnLst>
+                    </p:cTn>
+                  </p:par>
+                  <p:par>
+                    <p:cTn id="15" fill="hold">
+                      <p:stCondLst>
+                        <p:cond delay="indefinite"/>
+                      </p:stCondLst>
+                      <p:childTnLst>
+                        <p:par>
+                          <p:cTn id="16" fill="hold">
+                            <p:stCondLst>
+                              <p:cond delay="0"/>
+                            </p:stCondLst>
+                            <p:childTnLst>
+                              <p:par>
+                                <p:cTn id="17" presetID="1" presetClass="entr" presetSubtype="0" fill="hold" nodeType="clickEffect">
+                                  <p:stCondLst>
+                                    <p:cond delay="0"/>
+                                  </p:stCondLst>
+                                  <p:childTnLst>
+                                    <p:set>
+                                      <p:cBhvr>
+                                        <p:cTn id="18" dur="1" fill="hold">
+                                          <p:stCondLst>
+                                            <p:cond delay="0"/>
+                                          </p:stCondLst>
+                                        </p:cTn>
+                                        <p:tgtEl>
+                                          <p:spTgt spid="9">
+                                            <p:txEl>
+                                              <p:pRg st="8" end="8"/>
+                                            </p:txEl>
+                                          </p:spTgt>
+                                        </p:tgtEl>
+                                        <p:attrNameLst>
+                                          <p:attrName>style.visibility</p:attrName>
+                                        </p:attrNameLst>
+                                      </p:cBhvr>
+                                      <p:to>
+                                        <p:strVal val="visible"/>
+                                      </p:to>
+                                    </p:set>
+                                  </p:childTnLst>
+                                </p:cTn>
+                              </p:par>
+                              <p:par>
+                                <p:cTn id="19" presetID="1" presetClass="entr" presetSubtype="0" fill="hold" nodeType="withEffect">
+                                  <p:stCondLst>
+                                    <p:cond delay="0"/>
+                                  </p:stCondLst>
+                                  <p:childTnLst>
+                                    <p:set>
+                                      <p:cBhvr>
+                                        <p:cTn id="20" dur="1" fill="hold">
+                                          <p:stCondLst>
+                                            <p:cond delay="0"/>
+                                          </p:stCondLst>
+                                        </p:cTn>
+                                        <p:tgtEl>
+                                          <p:spTgt spid="9">
+                                            <p:txEl>
+                                              <p:pRg st="9" end="9"/>
                                             </p:txEl>
                                           </p:spTgt>
                                         </p:tgtEl>

--- a/courses/apcsp/lect3.pptx
+++ b/courses/apcsp/lect3.pptx
@@ -4,6 +4,9 @@
   <p:sldMasterIdLst>
     <p:sldMasterId id="2147483791" r:id="rId1"/>
   </p:sldMasterIdLst>
+  <p:notesMasterIdLst>
+    <p:notesMasterId r:id="rId32"/>
+  </p:notesMasterIdLst>
   <p:sldIdLst>
     <p:sldId id="256" r:id="rId2"/>
     <p:sldId id="286" r:id="rId3"/>
@@ -144,7 +147,7 @@
 <file path=ppt/revisionInfo.xml><?xml version="1.0" encoding="utf-8"?>
 <p1510:revInfo xmlns:a="http://schemas.openxmlformats.org/drawingml/2006/main" xmlns:r="http://schemas.openxmlformats.org/officeDocument/2006/relationships" xmlns:p1510="http://schemas.microsoft.com/office/powerpoint/2015/10/main">
   <p1510:revLst>
-    <p1510:client id="{B4A380D1-5640-AD4E-93EB-3BB8950898A7}" v="383" dt="2021-09-27T12:02:08.903"/>
+    <p1510:client id="{B4A380D1-5640-AD4E-93EB-3BB8950898A7}" v="547" dt="2021-09-27T17:36:35.067"/>
   </p1510:revLst>
 </p1510:revInfo>
 </file>
@@ -1235,16 +1238,69 @@
   <pc:docChgLst>
     <pc:chgData name="Long B Nguyen" userId="f59fb8f3-a021-417a-8bc1-65c8d471c621" providerId="ADAL" clId="{B4A380D1-5640-AD4E-93EB-3BB8950898A7}"/>
     <pc:docChg chg="undo custSel modSld">
-      <pc:chgData name="Long B Nguyen" userId="f59fb8f3-a021-417a-8bc1-65c8d471c621" providerId="ADAL" clId="{B4A380D1-5640-AD4E-93EB-3BB8950898A7}" dt="2021-09-27T12:02:08.903" v="1057" actId="5793"/>
+      <pc:chgData name="Long B Nguyen" userId="f59fb8f3-a021-417a-8bc1-65c8d471c621" providerId="ADAL" clId="{B4A380D1-5640-AD4E-93EB-3BB8950898A7}" dt="2021-09-27T17:36:35.067" v="1221"/>
       <pc:docMkLst>
         <pc:docMk/>
       </pc:docMkLst>
-      <pc:sldChg chg="modSp mod modAnim">
-        <pc:chgData name="Long B Nguyen" userId="f59fb8f3-a021-417a-8bc1-65c8d471c621" providerId="ADAL" clId="{B4A380D1-5640-AD4E-93EB-3BB8950898A7}" dt="2021-09-27T12:00:24.355" v="959"/>
+      <pc:sldChg chg="addSp modSp">
+        <pc:chgData name="Long B Nguyen" userId="f59fb8f3-a021-417a-8bc1-65c8d471c621" providerId="ADAL" clId="{B4A380D1-5640-AD4E-93EB-3BB8950898A7}" dt="2021-09-27T12:52:41.845" v="1058"/>
+        <pc:sldMkLst>
+          <pc:docMk/>
+          <pc:sldMk cId="4247104139" sldId="256"/>
+        </pc:sldMkLst>
+        <pc:spChg chg="add mod">
+          <ac:chgData name="Long B Nguyen" userId="f59fb8f3-a021-417a-8bc1-65c8d471c621" providerId="ADAL" clId="{B4A380D1-5640-AD4E-93EB-3BB8950898A7}" dt="2021-09-27T12:52:41.845" v="1058"/>
+          <ac:spMkLst>
+            <pc:docMk/>
+            <pc:sldMk cId="4247104139" sldId="256"/>
+            <ac:spMk id="5" creationId="{E9E11A0B-725A-3D4A-8D5C-FC33B2625B28}"/>
+          </ac:spMkLst>
+        </pc:spChg>
+      </pc:sldChg>
+      <pc:sldChg chg="addSp modSp">
+        <pc:chgData name="Long B Nguyen" userId="f59fb8f3-a021-417a-8bc1-65c8d471c621" providerId="ADAL" clId="{B4A380D1-5640-AD4E-93EB-3BB8950898A7}" dt="2021-09-27T12:52:41.845" v="1058"/>
+        <pc:sldMkLst>
+          <pc:docMk/>
+          <pc:sldMk cId="278045358" sldId="257"/>
+        </pc:sldMkLst>
+        <pc:spChg chg="add mod">
+          <ac:chgData name="Long B Nguyen" userId="f59fb8f3-a021-417a-8bc1-65c8d471c621" providerId="ADAL" clId="{B4A380D1-5640-AD4E-93EB-3BB8950898A7}" dt="2021-09-27T12:52:41.845" v="1058"/>
+          <ac:spMkLst>
+            <pc:docMk/>
+            <pc:sldMk cId="278045358" sldId="257"/>
+            <ac:spMk id="3" creationId="{9B9DF281-528E-6542-939F-6BD37BE42D69}"/>
+          </ac:spMkLst>
+        </pc:spChg>
+      </pc:sldChg>
+      <pc:sldChg chg="addSp modSp">
+        <pc:chgData name="Long B Nguyen" userId="f59fb8f3-a021-417a-8bc1-65c8d471c621" providerId="ADAL" clId="{B4A380D1-5640-AD4E-93EB-3BB8950898A7}" dt="2021-09-27T12:52:41.845" v="1058"/>
+        <pc:sldMkLst>
+          <pc:docMk/>
+          <pc:sldMk cId="2224797641" sldId="282"/>
+        </pc:sldMkLst>
+        <pc:spChg chg="add mod">
+          <ac:chgData name="Long B Nguyen" userId="f59fb8f3-a021-417a-8bc1-65c8d471c621" providerId="ADAL" clId="{B4A380D1-5640-AD4E-93EB-3BB8950898A7}" dt="2021-09-27T12:52:41.845" v="1058"/>
+          <ac:spMkLst>
+            <pc:docMk/>
+            <pc:sldMk cId="2224797641" sldId="282"/>
+            <ac:spMk id="4" creationId="{04BF489F-BF26-BA47-B3E1-E28189A08103}"/>
+          </ac:spMkLst>
+        </pc:spChg>
+      </pc:sldChg>
+      <pc:sldChg chg="addSp modSp mod modAnim">
+        <pc:chgData name="Long B Nguyen" userId="f59fb8f3-a021-417a-8bc1-65c8d471c621" providerId="ADAL" clId="{B4A380D1-5640-AD4E-93EB-3BB8950898A7}" dt="2021-09-27T12:52:41.845" v="1058"/>
         <pc:sldMkLst>
           <pc:docMk/>
           <pc:sldMk cId="1901109340" sldId="283"/>
         </pc:sldMkLst>
+        <pc:spChg chg="add mod">
+          <ac:chgData name="Long B Nguyen" userId="f59fb8f3-a021-417a-8bc1-65c8d471c621" providerId="ADAL" clId="{B4A380D1-5640-AD4E-93EB-3BB8950898A7}" dt="2021-09-27T12:52:41.845" v="1058"/>
+          <ac:spMkLst>
+            <pc:docMk/>
+            <pc:sldMk cId="1901109340" sldId="283"/>
+            <ac:spMk id="4" creationId="{737DECF1-2EE2-3E4C-9289-9E1D3274A2D6}"/>
+          </ac:spMkLst>
+        </pc:spChg>
         <pc:spChg chg="mod">
           <ac:chgData name="Long B Nguyen" userId="f59fb8f3-a021-417a-8bc1-65c8d471c621" providerId="ADAL" clId="{B4A380D1-5640-AD4E-93EB-3BB8950898A7}" dt="2021-09-27T12:00:15.856" v="958" actId="20577"/>
           <ac:spMkLst>
@@ -1254,12 +1310,50 @@
           </ac:spMkLst>
         </pc:spChg>
       </pc:sldChg>
-      <pc:sldChg chg="modSp mod modAnim">
-        <pc:chgData name="Long B Nguyen" userId="f59fb8f3-a021-417a-8bc1-65c8d471c621" providerId="ADAL" clId="{B4A380D1-5640-AD4E-93EB-3BB8950898A7}" dt="2021-09-27T11:49:57.333" v="450" actId="14100"/>
+      <pc:sldChg chg="addSp modSp">
+        <pc:chgData name="Long B Nguyen" userId="f59fb8f3-a021-417a-8bc1-65c8d471c621" providerId="ADAL" clId="{B4A380D1-5640-AD4E-93EB-3BB8950898A7}" dt="2021-09-27T12:52:41.845" v="1058"/>
+        <pc:sldMkLst>
+          <pc:docMk/>
+          <pc:sldMk cId="1438711869" sldId="284"/>
+        </pc:sldMkLst>
+        <pc:spChg chg="add mod">
+          <ac:chgData name="Long B Nguyen" userId="f59fb8f3-a021-417a-8bc1-65c8d471c621" providerId="ADAL" clId="{B4A380D1-5640-AD4E-93EB-3BB8950898A7}" dt="2021-09-27T12:52:41.845" v="1058"/>
+          <ac:spMkLst>
+            <pc:docMk/>
+            <pc:sldMk cId="1438711869" sldId="284"/>
+            <ac:spMk id="3" creationId="{D2645337-8E21-574C-B0AB-5A587EA6ABFA}"/>
+          </ac:spMkLst>
+        </pc:spChg>
+      </pc:sldChg>
+      <pc:sldChg chg="addSp modSp">
+        <pc:chgData name="Long B Nguyen" userId="f59fb8f3-a021-417a-8bc1-65c8d471c621" providerId="ADAL" clId="{B4A380D1-5640-AD4E-93EB-3BB8950898A7}" dt="2021-09-27T12:52:41.845" v="1058"/>
+        <pc:sldMkLst>
+          <pc:docMk/>
+          <pc:sldMk cId="131840209" sldId="286"/>
+        </pc:sldMkLst>
+        <pc:spChg chg="add mod">
+          <ac:chgData name="Long B Nguyen" userId="f59fb8f3-a021-417a-8bc1-65c8d471c621" providerId="ADAL" clId="{B4A380D1-5640-AD4E-93EB-3BB8950898A7}" dt="2021-09-27T12:52:41.845" v="1058"/>
+          <ac:spMkLst>
+            <pc:docMk/>
+            <pc:sldMk cId="131840209" sldId="286"/>
+            <ac:spMk id="3" creationId="{66B7CEC0-332D-6342-8BB2-D58E3185E2A1}"/>
+          </ac:spMkLst>
+        </pc:spChg>
+      </pc:sldChg>
+      <pc:sldChg chg="addSp modSp mod modAnim">
+        <pc:chgData name="Long B Nguyen" userId="f59fb8f3-a021-417a-8bc1-65c8d471c621" providerId="ADAL" clId="{B4A380D1-5640-AD4E-93EB-3BB8950898A7}" dt="2021-09-27T12:52:41.845" v="1058"/>
         <pc:sldMkLst>
           <pc:docMk/>
           <pc:sldMk cId="1313115290" sldId="287"/>
         </pc:sldMkLst>
+        <pc:spChg chg="add mod">
+          <ac:chgData name="Long B Nguyen" userId="f59fb8f3-a021-417a-8bc1-65c8d471c621" providerId="ADAL" clId="{B4A380D1-5640-AD4E-93EB-3BB8950898A7}" dt="2021-09-27T12:52:41.845" v="1058"/>
+          <ac:spMkLst>
+            <pc:docMk/>
+            <pc:sldMk cId="1313115290" sldId="287"/>
+            <ac:spMk id="3" creationId="{785CFD71-CC8F-F54F-A3FA-EB1794365B6B}"/>
+          </ac:spMkLst>
+        </pc:spChg>
         <pc:spChg chg="mod">
           <ac:chgData name="Long B Nguyen" userId="f59fb8f3-a021-417a-8bc1-65c8d471c621" providerId="ADAL" clId="{B4A380D1-5640-AD4E-93EB-3BB8950898A7}" dt="2021-09-27T11:49:57.333" v="450" actId="14100"/>
           <ac:spMkLst>
@@ -1269,12 +1363,20 @@
           </ac:spMkLst>
         </pc:spChg>
       </pc:sldChg>
-      <pc:sldChg chg="modSp modAnim">
-        <pc:chgData name="Long B Nguyen" userId="f59fb8f3-a021-417a-8bc1-65c8d471c621" providerId="ADAL" clId="{B4A380D1-5640-AD4E-93EB-3BB8950898A7}" dt="2021-09-27T12:01:40.307" v="1012" actId="20577"/>
+      <pc:sldChg chg="addSp modSp modAnim">
+        <pc:chgData name="Long B Nguyen" userId="f59fb8f3-a021-417a-8bc1-65c8d471c621" providerId="ADAL" clId="{B4A380D1-5640-AD4E-93EB-3BB8950898A7}" dt="2021-09-27T12:52:41.845" v="1058"/>
         <pc:sldMkLst>
           <pc:docMk/>
           <pc:sldMk cId="2339437966" sldId="288"/>
         </pc:sldMkLst>
+        <pc:spChg chg="add mod">
+          <ac:chgData name="Long B Nguyen" userId="f59fb8f3-a021-417a-8bc1-65c8d471c621" providerId="ADAL" clId="{B4A380D1-5640-AD4E-93EB-3BB8950898A7}" dt="2021-09-27T12:52:41.845" v="1058"/>
+          <ac:spMkLst>
+            <pc:docMk/>
+            <pc:sldMk cId="2339437966" sldId="288"/>
+            <ac:spMk id="3" creationId="{F4D3DA5E-6A80-1141-95FA-A351359A7AE3}"/>
+          </ac:spMkLst>
+        </pc:spChg>
         <pc:spChg chg="mod">
           <ac:chgData name="Long B Nguyen" userId="f59fb8f3-a021-417a-8bc1-65c8d471c621" providerId="ADAL" clId="{B4A380D1-5640-AD4E-93EB-3BB8950898A7}" dt="2021-09-27T12:01:40.307" v="1012" actId="20577"/>
           <ac:spMkLst>
@@ -1284,12 +1386,20 @@
           </ac:spMkLst>
         </pc:spChg>
       </pc:sldChg>
-      <pc:sldChg chg="modSp modAnim">
-        <pc:chgData name="Long B Nguyen" userId="f59fb8f3-a021-417a-8bc1-65c8d471c621" providerId="ADAL" clId="{B4A380D1-5640-AD4E-93EB-3BB8950898A7}" dt="2021-09-27T12:02:08.903" v="1057" actId="5793"/>
+      <pc:sldChg chg="addSp modSp modAnim">
+        <pc:chgData name="Long B Nguyen" userId="f59fb8f3-a021-417a-8bc1-65c8d471c621" providerId="ADAL" clId="{B4A380D1-5640-AD4E-93EB-3BB8950898A7}" dt="2021-09-27T12:52:41.845" v="1058"/>
         <pc:sldMkLst>
           <pc:docMk/>
           <pc:sldMk cId="1454012366" sldId="289"/>
         </pc:sldMkLst>
+        <pc:spChg chg="add mod">
+          <ac:chgData name="Long B Nguyen" userId="f59fb8f3-a021-417a-8bc1-65c8d471c621" providerId="ADAL" clId="{B4A380D1-5640-AD4E-93EB-3BB8950898A7}" dt="2021-09-27T12:52:41.845" v="1058"/>
+          <ac:spMkLst>
+            <pc:docMk/>
+            <pc:sldMk cId="1454012366" sldId="289"/>
+            <ac:spMk id="3" creationId="{B99441E0-1AAA-234C-BFD9-302695DA42A9}"/>
+          </ac:spMkLst>
+        </pc:spChg>
         <pc:spChg chg="mod">
           <ac:chgData name="Long B Nguyen" userId="f59fb8f3-a021-417a-8bc1-65c8d471c621" providerId="ADAL" clId="{B4A380D1-5640-AD4E-93EB-3BB8950898A7}" dt="2021-09-27T12:02:08.903" v="1057" actId="5793"/>
           <ac:spMkLst>
@@ -1299,12 +1409,20 @@
           </ac:spMkLst>
         </pc:spChg>
       </pc:sldChg>
-      <pc:sldChg chg="modSp modAnim">
-        <pc:chgData name="Long B Nguyen" userId="f59fb8f3-a021-417a-8bc1-65c8d471c621" providerId="ADAL" clId="{B4A380D1-5640-AD4E-93EB-3BB8950898A7}" dt="2021-09-27T11:49:46.030" v="448" actId="113"/>
+      <pc:sldChg chg="addSp modSp modAnim">
+        <pc:chgData name="Long B Nguyen" userId="f59fb8f3-a021-417a-8bc1-65c8d471c621" providerId="ADAL" clId="{B4A380D1-5640-AD4E-93EB-3BB8950898A7}" dt="2021-09-27T12:52:41.845" v="1058"/>
         <pc:sldMkLst>
           <pc:docMk/>
           <pc:sldMk cId="3872931043" sldId="290"/>
         </pc:sldMkLst>
+        <pc:spChg chg="add mod">
+          <ac:chgData name="Long B Nguyen" userId="f59fb8f3-a021-417a-8bc1-65c8d471c621" providerId="ADAL" clId="{B4A380D1-5640-AD4E-93EB-3BB8950898A7}" dt="2021-09-27T12:52:41.845" v="1058"/>
+          <ac:spMkLst>
+            <pc:docMk/>
+            <pc:sldMk cId="3872931043" sldId="290"/>
+            <ac:spMk id="3" creationId="{DBC8A478-105A-3049-BD4A-00E06629A3B3}"/>
+          </ac:spMkLst>
+        </pc:spChg>
         <pc:spChg chg="mod">
           <ac:chgData name="Long B Nguyen" userId="f59fb8f3-a021-417a-8bc1-65c8d471c621" providerId="ADAL" clId="{B4A380D1-5640-AD4E-93EB-3BB8950898A7}" dt="2021-09-27T11:49:46.030" v="448" actId="113"/>
           <ac:spMkLst>
@@ -1314,12 +1432,20 @@
           </ac:spMkLst>
         </pc:spChg>
       </pc:sldChg>
-      <pc:sldChg chg="modSp">
-        <pc:chgData name="Long B Nguyen" userId="f59fb8f3-a021-417a-8bc1-65c8d471c621" providerId="ADAL" clId="{B4A380D1-5640-AD4E-93EB-3BB8950898A7}" dt="2021-09-27T11:49:40.696" v="447" actId="113"/>
+      <pc:sldChg chg="addSp modSp">
+        <pc:chgData name="Long B Nguyen" userId="f59fb8f3-a021-417a-8bc1-65c8d471c621" providerId="ADAL" clId="{B4A380D1-5640-AD4E-93EB-3BB8950898A7}" dt="2021-09-27T12:52:41.845" v="1058"/>
         <pc:sldMkLst>
           <pc:docMk/>
           <pc:sldMk cId="3525539036" sldId="291"/>
         </pc:sldMkLst>
+        <pc:spChg chg="add mod">
+          <ac:chgData name="Long B Nguyen" userId="f59fb8f3-a021-417a-8bc1-65c8d471c621" providerId="ADAL" clId="{B4A380D1-5640-AD4E-93EB-3BB8950898A7}" dt="2021-09-27T12:52:41.845" v="1058"/>
+          <ac:spMkLst>
+            <pc:docMk/>
+            <pc:sldMk cId="3525539036" sldId="291"/>
+            <ac:spMk id="3" creationId="{779769BD-8FBD-0749-806A-59A437BCE54B}"/>
+          </ac:spMkLst>
+        </pc:spChg>
         <pc:spChg chg="mod">
           <ac:chgData name="Long B Nguyen" userId="f59fb8f3-a021-417a-8bc1-65c8d471c621" providerId="ADAL" clId="{B4A380D1-5640-AD4E-93EB-3BB8950898A7}" dt="2021-09-27T11:49:40.696" v="447" actId="113"/>
           <ac:spMkLst>
@@ -1329,26 +1455,73 @@
           </ac:spMkLst>
         </pc:spChg>
       </pc:sldChg>
-      <pc:sldChg chg="modAnim">
-        <pc:chgData name="Long B Nguyen" userId="f59fb8f3-a021-417a-8bc1-65c8d471c621" providerId="ADAL" clId="{B4A380D1-5640-AD4E-93EB-3BB8950898A7}" dt="2021-09-27T11:50:15.104" v="452"/>
+      <pc:sldChg chg="addSp modSp modAnim">
+        <pc:chgData name="Long B Nguyen" userId="f59fb8f3-a021-417a-8bc1-65c8d471c621" providerId="ADAL" clId="{B4A380D1-5640-AD4E-93EB-3BB8950898A7}" dt="2021-09-27T12:52:41.845" v="1058"/>
         <pc:sldMkLst>
           <pc:docMk/>
           <pc:sldMk cId="4245538547" sldId="292"/>
         </pc:sldMkLst>
+        <pc:spChg chg="add mod">
+          <ac:chgData name="Long B Nguyen" userId="f59fb8f3-a021-417a-8bc1-65c8d471c621" providerId="ADAL" clId="{B4A380D1-5640-AD4E-93EB-3BB8950898A7}" dt="2021-09-27T12:52:41.845" v="1058"/>
+          <ac:spMkLst>
+            <pc:docMk/>
+            <pc:sldMk cId="4245538547" sldId="292"/>
+            <ac:spMk id="3" creationId="{A66613DF-42EF-1249-993D-0839DE11BF34}"/>
+          </ac:spMkLst>
+        </pc:spChg>
       </pc:sldChg>
-      <pc:sldChg chg="modAnim">
-        <pc:chgData name="Long B Nguyen" userId="f59fb8f3-a021-417a-8bc1-65c8d471c621" providerId="ADAL" clId="{B4A380D1-5640-AD4E-93EB-3BB8950898A7}" dt="2021-09-27T11:50:38.569" v="453"/>
+      <pc:sldChg chg="addSp modSp modAnim">
+        <pc:chgData name="Long B Nguyen" userId="f59fb8f3-a021-417a-8bc1-65c8d471c621" providerId="ADAL" clId="{B4A380D1-5640-AD4E-93EB-3BB8950898A7}" dt="2021-09-27T12:52:41.845" v="1058"/>
         <pc:sldMkLst>
           <pc:docMk/>
           <pc:sldMk cId="439805773" sldId="293"/>
         </pc:sldMkLst>
+        <pc:spChg chg="add mod">
+          <ac:chgData name="Long B Nguyen" userId="f59fb8f3-a021-417a-8bc1-65c8d471c621" providerId="ADAL" clId="{B4A380D1-5640-AD4E-93EB-3BB8950898A7}" dt="2021-09-27T12:52:41.845" v="1058"/>
+          <ac:spMkLst>
+            <pc:docMk/>
+            <pc:sldMk cId="439805773" sldId="293"/>
+            <ac:spMk id="4" creationId="{64DE1C23-582D-E14E-9484-947F23C0751B}"/>
+          </ac:spMkLst>
+        </pc:spChg>
       </pc:sldChg>
-      <pc:sldChg chg="modSp modAnim">
-        <pc:chgData name="Long B Nguyen" userId="f59fb8f3-a021-417a-8bc1-65c8d471c621" providerId="ADAL" clId="{B4A380D1-5640-AD4E-93EB-3BB8950898A7}" dt="2021-09-27T11:48:46.038" v="442"/>
+      <pc:sldChg chg="addSp modSp modAnim">
+        <pc:chgData name="Long B Nguyen" userId="f59fb8f3-a021-417a-8bc1-65c8d471c621" providerId="ADAL" clId="{B4A380D1-5640-AD4E-93EB-3BB8950898A7}" dt="2021-09-27T17:36:35.067" v="1221"/>
+        <pc:sldMkLst>
+          <pc:docMk/>
+          <pc:sldMk cId="3539054576" sldId="294"/>
+        </pc:sldMkLst>
+        <pc:spChg chg="add mod">
+          <ac:chgData name="Long B Nguyen" userId="f59fb8f3-a021-417a-8bc1-65c8d471c621" providerId="ADAL" clId="{B4A380D1-5640-AD4E-93EB-3BB8950898A7}" dt="2021-09-27T12:52:41.845" v="1058"/>
+          <ac:spMkLst>
+            <pc:docMk/>
+            <pc:sldMk cId="3539054576" sldId="294"/>
+            <ac:spMk id="3" creationId="{BF726462-D76D-2A48-9D9C-D9A4C3F8AA81}"/>
+          </ac:spMkLst>
+        </pc:spChg>
+        <pc:spChg chg="mod">
+          <ac:chgData name="Long B Nguyen" userId="f59fb8f3-a021-417a-8bc1-65c8d471c621" providerId="ADAL" clId="{B4A380D1-5640-AD4E-93EB-3BB8950898A7}" dt="2021-09-27T17:36:10.473" v="1218" actId="113"/>
+          <ac:spMkLst>
+            <pc:docMk/>
+            <pc:sldMk cId="3539054576" sldId="294"/>
+            <ac:spMk id="9" creationId="{E3B2E017-30B2-884B-A113-B419A2ED51AD}"/>
+          </ac:spMkLst>
+        </pc:spChg>
+      </pc:sldChg>
+      <pc:sldChg chg="addSp modSp modAnim">
+        <pc:chgData name="Long B Nguyen" userId="f59fb8f3-a021-417a-8bc1-65c8d471c621" providerId="ADAL" clId="{B4A380D1-5640-AD4E-93EB-3BB8950898A7}" dt="2021-09-27T12:52:41.845" v="1058"/>
         <pc:sldMkLst>
           <pc:docMk/>
           <pc:sldMk cId="4293870304" sldId="295"/>
         </pc:sldMkLst>
+        <pc:spChg chg="add mod">
+          <ac:chgData name="Long B Nguyen" userId="f59fb8f3-a021-417a-8bc1-65c8d471c621" providerId="ADAL" clId="{B4A380D1-5640-AD4E-93EB-3BB8950898A7}" dt="2021-09-27T12:52:41.845" v="1058"/>
+          <ac:spMkLst>
+            <pc:docMk/>
+            <pc:sldMk cId="4293870304" sldId="295"/>
+            <ac:spMk id="3" creationId="{6CD366E0-F0EC-254A-B67C-FE5B4DC1DC22}"/>
+          </ac:spMkLst>
+        </pc:spChg>
         <pc:spChg chg="mod">
           <ac:chgData name="Long B Nguyen" userId="f59fb8f3-a021-417a-8bc1-65c8d471c621" providerId="ADAL" clId="{B4A380D1-5640-AD4E-93EB-3BB8950898A7}" dt="2021-09-27T11:48:34.628" v="439" actId="20577"/>
           <ac:spMkLst>
@@ -1358,19 +1531,125 @@
           </ac:spMkLst>
         </pc:spChg>
       </pc:sldChg>
-      <pc:sldChg chg="modAnim">
-        <pc:chgData name="Long B Nguyen" userId="f59fb8f3-a021-417a-8bc1-65c8d471c621" providerId="ADAL" clId="{B4A380D1-5640-AD4E-93EB-3BB8950898A7}" dt="2021-09-27T11:51:26.961" v="456"/>
+      <pc:sldChg chg="addSp modSp">
+        <pc:chgData name="Long B Nguyen" userId="f59fb8f3-a021-417a-8bc1-65c8d471c621" providerId="ADAL" clId="{B4A380D1-5640-AD4E-93EB-3BB8950898A7}" dt="2021-09-27T12:52:41.845" v="1058"/>
+        <pc:sldMkLst>
+          <pc:docMk/>
+          <pc:sldMk cId="2255397433" sldId="296"/>
+        </pc:sldMkLst>
+        <pc:spChg chg="add mod">
+          <ac:chgData name="Long B Nguyen" userId="f59fb8f3-a021-417a-8bc1-65c8d471c621" providerId="ADAL" clId="{B4A380D1-5640-AD4E-93EB-3BB8950898A7}" dt="2021-09-27T12:52:41.845" v="1058"/>
+          <ac:spMkLst>
+            <pc:docMk/>
+            <pc:sldMk cId="2255397433" sldId="296"/>
+            <ac:spMk id="3" creationId="{795852F5-2645-0E4A-9B1E-D357733D2AAB}"/>
+          </ac:spMkLst>
+        </pc:spChg>
+      </pc:sldChg>
+      <pc:sldChg chg="addSp modSp">
+        <pc:chgData name="Long B Nguyen" userId="f59fb8f3-a021-417a-8bc1-65c8d471c621" providerId="ADAL" clId="{B4A380D1-5640-AD4E-93EB-3BB8950898A7}" dt="2021-09-27T12:52:41.845" v="1058"/>
+        <pc:sldMkLst>
+          <pc:docMk/>
+          <pc:sldMk cId="3118285161" sldId="297"/>
+        </pc:sldMkLst>
+        <pc:spChg chg="add mod">
+          <ac:chgData name="Long B Nguyen" userId="f59fb8f3-a021-417a-8bc1-65c8d471c621" providerId="ADAL" clId="{B4A380D1-5640-AD4E-93EB-3BB8950898A7}" dt="2021-09-27T12:52:41.845" v="1058"/>
+          <ac:spMkLst>
+            <pc:docMk/>
+            <pc:sldMk cId="3118285161" sldId="297"/>
+            <ac:spMk id="3" creationId="{42D4C963-4EC5-1944-9F8A-218FBC57EA20}"/>
+          </ac:spMkLst>
+        </pc:spChg>
+      </pc:sldChg>
+      <pc:sldChg chg="addSp modSp">
+        <pc:chgData name="Long B Nguyen" userId="f59fb8f3-a021-417a-8bc1-65c8d471c621" providerId="ADAL" clId="{B4A380D1-5640-AD4E-93EB-3BB8950898A7}" dt="2021-09-27T12:52:41.845" v="1058"/>
+        <pc:sldMkLst>
+          <pc:docMk/>
+          <pc:sldMk cId="925425861" sldId="298"/>
+        </pc:sldMkLst>
+        <pc:spChg chg="add mod">
+          <ac:chgData name="Long B Nguyen" userId="f59fb8f3-a021-417a-8bc1-65c8d471c621" providerId="ADAL" clId="{B4A380D1-5640-AD4E-93EB-3BB8950898A7}" dt="2021-09-27T12:52:41.845" v="1058"/>
+          <ac:spMkLst>
+            <pc:docMk/>
+            <pc:sldMk cId="925425861" sldId="298"/>
+            <ac:spMk id="4" creationId="{0DE61905-BF01-284F-884E-194535D7F725}"/>
+          </ac:spMkLst>
+        </pc:spChg>
+      </pc:sldChg>
+      <pc:sldChg chg="addSp modSp">
+        <pc:chgData name="Long B Nguyen" userId="f59fb8f3-a021-417a-8bc1-65c8d471c621" providerId="ADAL" clId="{B4A380D1-5640-AD4E-93EB-3BB8950898A7}" dt="2021-09-27T12:52:41.845" v="1058"/>
+        <pc:sldMkLst>
+          <pc:docMk/>
+          <pc:sldMk cId="705650197" sldId="299"/>
+        </pc:sldMkLst>
+        <pc:spChg chg="add mod">
+          <ac:chgData name="Long B Nguyen" userId="f59fb8f3-a021-417a-8bc1-65c8d471c621" providerId="ADAL" clId="{B4A380D1-5640-AD4E-93EB-3BB8950898A7}" dt="2021-09-27T12:52:41.845" v="1058"/>
+          <ac:spMkLst>
+            <pc:docMk/>
+            <pc:sldMk cId="705650197" sldId="299"/>
+            <ac:spMk id="4" creationId="{72A7A04A-28DE-5E47-B9EB-19D98D38C8E6}"/>
+          </ac:spMkLst>
+        </pc:spChg>
+      </pc:sldChg>
+      <pc:sldChg chg="addSp modSp">
+        <pc:chgData name="Long B Nguyen" userId="f59fb8f3-a021-417a-8bc1-65c8d471c621" providerId="ADAL" clId="{B4A380D1-5640-AD4E-93EB-3BB8950898A7}" dt="2021-09-27T12:52:41.845" v="1058"/>
+        <pc:sldMkLst>
+          <pc:docMk/>
+          <pc:sldMk cId="3463737959" sldId="300"/>
+        </pc:sldMkLst>
+        <pc:spChg chg="add mod">
+          <ac:chgData name="Long B Nguyen" userId="f59fb8f3-a021-417a-8bc1-65c8d471c621" providerId="ADAL" clId="{B4A380D1-5640-AD4E-93EB-3BB8950898A7}" dt="2021-09-27T12:52:41.845" v="1058"/>
+          <ac:spMkLst>
+            <pc:docMk/>
+            <pc:sldMk cId="3463737959" sldId="300"/>
+            <ac:spMk id="3" creationId="{03D2D02E-B31E-A649-8FF4-D956449D41EE}"/>
+          </ac:spMkLst>
+        </pc:spChg>
+      </pc:sldChg>
+      <pc:sldChg chg="addSp modSp">
+        <pc:chgData name="Long B Nguyen" userId="f59fb8f3-a021-417a-8bc1-65c8d471c621" providerId="ADAL" clId="{B4A380D1-5640-AD4E-93EB-3BB8950898A7}" dt="2021-09-27T12:52:41.845" v="1058"/>
+        <pc:sldMkLst>
+          <pc:docMk/>
+          <pc:sldMk cId="2651057456" sldId="301"/>
+        </pc:sldMkLst>
+        <pc:spChg chg="add mod">
+          <ac:chgData name="Long B Nguyen" userId="f59fb8f3-a021-417a-8bc1-65c8d471c621" providerId="ADAL" clId="{B4A380D1-5640-AD4E-93EB-3BB8950898A7}" dt="2021-09-27T12:52:41.845" v="1058"/>
+          <ac:spMkLst>
+            <pc:docMk/>
+            <pc:sldMk cId="2651057456" sldId="301"/>
+            <ac:spMk id="3" creationId="{05019E21-C7E3-AF4D-A5CE-F7FB20D3B7AD}"/>
+          </ac:spMkLst>
+        </pc:spChg>
+      </pc:sldChg>
+      <pc:sldChg chg="addSp modSp modAnim">
+        <pc:chgData name="Long B Nguyen" userId="f59fb8f3-a021-417a-8bc1-65c8d471c621" providerId="ADAL" clId="{B4A380D1-5640-AD4E-93EB-3BB8950898A7}" dt="2021-09-27T12:52:41.845" v="1058"/>
         <pc:sldMkLst>
           <pc:docMk/>
           <pc:sldMk cId="1859033805" sldId="303"/>
         </pc:sldMkLst>
+        <pc:spChg chg="add mod">
+          <ac:chgData name="Long B Nguyen" userId="f59fb8f3-a021-417a-8bc1-65c8d471c621" providerId="ADAL" clId="{B4A380D1-5640-AD4E-93EB-3BB8950898A7}" dt="2021-09-27T12:52:41.845" v="1058"/>
+          <ac:spMkLst>
+            <pc:docMk/>
+            <pc:sldMk cId="1859033805" sldId="303"/>
+            <ac:spMk id="4" creationId="{99B1C2AE-4FC6-B749-932A-17655B8688A0}"/>
+          </ac:spMkLst>
+        </pc:spChg>
       </pc:sldChg>
-      <pc:sldChg chg="delSp modSp mod">
-        <pc:chgData name="Long B Nguyen" userId="f59fb8f3-a021-417a-8bc1-65c8d471c621" providerId="ADAL" clId="{B4A380D1-5640-AD4E-93EB-3BB8950898A7}" dt="2021-09-27T11:52:06.286" v="518" actId="478"/>
+      <pc:sldChg chg="addSp delSp modSp mod">
+        <pc:chgData name="Long B Nguyen" userId="f59fb8f3-a021-417a-8bc1-65c8d471c621" providerId="ADAL" clId="{B4A380D1-5640-AD4E-93EB-3BB8950898A7}" dt="2021-09-27T12:52:41.845" v="1058"/>
         <pc:sldMkLst>
           <pc:docMk/>
           <pc:sldMk cId="3746122933" sldId="304"/>
         </pc:sldMkLst>
+        <pc:spChg chg="add mod">
+          <ac:chgData name="Long B Nguyen" userId="f59fb8f3-a021-417a-8bc1-65c8d471c621" providerId="ADAL" clId="{B4A380D1-5640-AD4E-93EB-3BB8950898A7}" dt="2021-09-27T12:52:41.845" v="1058"/>
+          <ac:spMkLst>
+            <pc:docMk/>
+            <pc:sldMk cId="3746122933" sldId="304"/>
+            <ac:spMk id="3" creationId="{00D505F2-6C6B-7D4A-BAD4-E9E56AAF5CF8}"/>
+          </ac:spMkLst>
+        </pc:spChg>
         <pc:spChg chg="del">
           <ac:chgData name="Long B Nguyen" userId="f59fb8f3-a021-417a-8bc1-65c8d471c621" providerId="ADAL" clId="{B4A380D1-5640-AD4E-93EB-3BB8950898A7}" dt="2021-09-27T11:52:06.286" v="518" actId="478"/>
           <ac:spMkLst>
@@ -1388,19 +1667,50 @@
           </ac:spMkLst>
         </pc:spChg>
       </pc:sldChg>
-      <pc:sldChg chg="modAnim">
-        <pc:chgData name="Long B Nguyen" userId="f59fb8f3-a021-417a-8bc1-65c8d471c621" providerId="ADAL" clId="{B4A380D1-5640-AD4E-93EB-3BB8950898A7}" dt="2021-09-27T11:52:15.141" v="519"/>
+      <pc:sldChg chg="addSp modSp modAnim">
+        <pc:chgData name="Long B Nguyen" userId="f59fb8f3-a021-417a-8bc1-65c8d471c621" providerId="ADAL" clId="{B4A380D1-5640-AD4E-93EB-3BB8950898A7}" dt="2021-09-27T12:52:41.845" v="1058"/>
         <pc:sldMkLst>
           <pc:docMk/>
           <pc:sldMk cId="3711384961" sldId="305"/>
         </pc:sldMkLst>
+        <pc:spChg chg="add mod">
+          <ac:chgData name="Long B Nguyen" userId="f59fb8f3-a021-417a-8bc1-65c8d471c621" providerId="ADAL" clId="{B4A380D1-5640-AD4E-93EB-3BB8950898A7}" dt="2021-09-27T12:52:41.845" v="1058"/>
+          <ac:spMkLst>
+            <pc:docMk/>
+            <pc:sldMk cId="3711384961" sldId="305"/>
+            <ac:spMk id="3" creationId="{D3F01BE3-9D5A-4747-815B-0FDB25681094}"/>
+          </ac:spMkLst>
+        </pc:spChg>
       </pc:sldChg>
-      <pc:sldChg chg="modSp">
-        <pc:chgData name="Long B Nguyen" userId="f59fb8f3-a021-417a-8bc1-65c8d471c621" providerId="ADAL" clId="{B4A380D1-5640-AD4E-93EB-3BB8950898A7}" dt="2021-09-27T11:43:46.539" v="67" actId="207"/>
+      <pc:sldChg chg="addSp modSp">
+        <pc:chgData name="Long B Nguyen" userId="f59fb8f3-a021-417a-8bc1-65c8d471c621" providerId="ADAL" clId="{B4A380D1-5640-AD4E-93EB-3BB8950898A7}" dt="2021-09-27T12:52:41.845" v="1058"/>
+        <pc:sldMkLst>
+          <pc:docMk/>
+          <pc:sldMk cId="3843624186" sldId="306"/>
+        </pc:sldMkLst>
+        <pc:spChg chg="add mod">
+          <ac:chgData name="Long B Nguyen" userId="f59fb8f3-a021-417a-8bc1-65c8d471c621" providerId="ADAL" clId="{B4A380D1-5640-AD4E-93EB-3BB8950898A7}" dt="2021-09-27T12:52:41.845" v="1058"/>
+          <ac:spMkLst>
+            <pc:docMk/>
+            <pc:sldMk cId="3843624186" sldId="306"/>
+            <ac:spMk id="3" creationId="{4B164F2C-92CE-214B-A2AA-ACC59878605C}"/>
+          </ac:spMkLst>
+        </pc:spChg>
+      </pc:sldChg>
+      <pc:sldChg chg="addSp modSp">
+        <pc:chgData name="Long B Nguyen" userId="f59fb8f3-a021-417a-8bc1-65c8d471c621" providerId="ADAL" clId="{B4A380D1-5640-AD4E-93EB-3BB8950898A7}" dt="2021-09-27T12:52:41.845" v="1058"/>
         <pc:sldMkLst>
           <pc:docMk/>
           <pc:sldMk cId="667652132" sldId="307"/>
         </pc:sldMkLst>
+        <pc:spChg chg="add mod">
+          <ac:chgData name="Long B Nguyen" userId="f59fb8f3-a021-417a-8bc1-65c8d471c621" providerId="ADAL" clId="{B4A380D1-5640-AD4E-93EB-3BB8950898A7}" dt="2021-09-27T12:52:41.845" v="1058"/>
+          <ac:spMkLst>
+            <pc:docMk/>
+            <pc:sldMk cId="667652132" sldId="307"/>
+            <ac:spMk id="3" creationId="{698C56FC-B6C6-044B-A58A-338B0B680D7F}"/>
+          </ac:spMkLst>
+        </pc:spChg>
         <pc:spChg chg="mod">
           <ac:chgData name="Long B Nguyen" userId="f59fb8f3-a021-417a-8bc1-65c8d471c621" providerId="ADAL" clId="{B4A380D1-5640-AD4E-93EB-3BB8950898A7}" dt="2021-09-27T11:43:46.539" v="67" actId="207"/>
           <ac:spMkLst>
@@ -1410,12 +1720,50 @@
           </ac:spMkLst>
         </pc:spChg>
       </pc:sldChg>
-      <pc:sldChg chg="modSp modAnim">
-        <pc:chgData name="Long B Nguyen" userId="f59fb8f3-a021-417a-8bc1-65c8d471c621" providerId="ADAL" clId="{B4A380D1-5640-AD4E-93EB-3BB8950898A7}" dt="2021-09-27T11:46:07.551" v="258"/>
+      <pc:sldChg chg="addSp modSp">
+        <pc:chgData name="Long B Nguyen" userId="f59fb8f3-a021-417a-8bc1-65c8d471c621" providerId="ADAL" clId="{B4A380D1-5640-AD4E-93EB-3BB8950898A7}" dt="2021-09-27T12:52:41.845" v="1058"/>
+        <pc:sldMkLst>
+          <pc:docMk/>
+          <pc:sldMk cId="3984506606" sldId="308"/>
+        </pc:sldMkLst>
+        <pc:spChg chg="add mod">
+          <ac:chgData name="Long B Nguyen" userId="f59fb8f3-a021-417a-8bc1-65c8d471c621" providerId="ADAL" clId="{B4A380D1-5640-AD4E-93EB-3BB8950898A7}" dt="2021-09-27T12:52:41.845" v="1058"/>
+          <ac:spMkLst>
+            <pc:docMk/>
+            <pc:sldMk cId="3984506606" sldId="308"/>
+            <ac:spMk id="3" creationId="{552B6C79-A436-0549-AC3C-640042D8655F}"/>
+          </ac:spMkLst>
+        </pc:spChg>
+      </pc:sldChg>
+      <pc:sldChg chg="addSp modSp">
+        <pc:chgData name="Long B Nguyen" userId="f59fb8f3-a021-417a-8bc1-65c8d471c621" providerId="ADAL" clId="{B4A380D1-5640-AD4E-93EB-3BB8950898A7}" dt="2021-09-27T12:52:41.845" v="1058"/>
+        <pc:sldMkLst>
+          <pc:docMk/>
+          <pc:sldMk cId="331775541" sldId="309"/>
+        </pc:sldMkLst>
+        <pc:spChg chg="add mod">
+          <ac:chgData name="Long B Nguyen" userId="f59fb8f3-a021-417a-8bc1-65c8d471c621" providerId="ADAL" clId="{B4A380D1-5640-AD4E-93EB-3BB8950898A7}" dt="2021-09-27T12:52:41.845" v="1058"/>
+          <ac:spMkLst>
+            <pc:docMk/>
+            <pc:sldMk cId="331775541" sldId="309"/>
+            <ac:spMk id="3" creationId="{E8D2A5BF-9051-1949-B69C-34717493B9E8}"/>
+          </ac:spMkLst>
+        </pc:spChg>
+      </pc:sldChg>
+      <pc:sldChg chg="addSp modSp modAnim">
+        <pc:chgData name="Long B Nguyen" userId="f59fb8f3-a021-417a-8bc1-65c8d471c621" providerId="ADAL" clId="{B4A380D1-5640-AD4E-93EB-3BB8950898A7}" dt="2021-09-27T12:52:41.845" v="1058"/>
         <pc:sldMkLst>
           <pc:docMk/>
           <pc:sldMk cId="1342898592" sldId="310"/>
         </pc:sldMkLst>
+        <pc:spChg chg="add mod">
+          <ac:chgData name="Long B Nguyen" userId="f59fb8f3-a021-417a-8bc1-65c8d471c621" providerId="ADAL" clId="{B4A380D1-5640-AD4E-93EB-3BB8950898A7}" dt="2021-09-27T12:52:41.845" v="1058"/>
+          <ac:spMkLst>
+            <pc:docMk/>
+            <pc:sldMk cId="1342898592" sldId="310"/>
+            <ac:spMk id="3" creationId="{17536517-B4B0-3549-95DB-06D6C7045436}"/>
+          </ac:spMkLst>
+        </pc:spChg>
         <pc:spChg chg="mod">
           <ac:chgData name="Long B Nguyen" userId="f59fb8f3-a021-417a-8bc1-65c8d471c621" providerId="ADAL" clId="{B4A380D1-5640-AD4E-93EB-3BB8950898A7}" dt="2021-09-27T11:45:33.194" v="252" actId="20577"/>
           <ac:spMkLst>
@@ -1425,8 +1773,8 @@
           </ac:spMkLst>
         </pc:spChg>
       </pc:sldChg>
-      <pc:sldChg chg="modSp mod">
-        <pc:chgData name="Long B Nguyen" userId="f59fb8f3-a021-417a-8bc1-65c8d471c621" providerId="ADAL" clId="{B4A380D1-5640-AD4E-93EB-3BB8950898A7}" dt="2021-09-27T11:55:56.823" v="740" actId="20577"/>
+      <pc:sldChg chg="addSp modSp mod">
+        <pc:chgData name="Long B Nguyen" userId="f59fb8f3-a021-417a-8bc1-65c8d471c621" providerId="ADAL" clId="{B4A380D1-5640-AD4E-93EB-3BB8950898A7}" dt="2021-09-27T12:52:41.845" v="1058"/>
         <pc:sldMkLst>
           <pc:docMk/>
           <pc:sldMk cId="1575070404" sldId="311"/>
@@ -1437,6 +1785,14 @@
             <pc:docMk/>
             <pc:sldMk cId="1575070404" sldId="311"/>
             <ac:spMk id="3" creationId="{E3FA655A-5AB5-F240-962A-94B89E2A3F46}"/>
+          </ac:spMkLst>
+        </pc:spChg>
+        <pc:spChg chg="add mod">
+          <ac:chgData name="Long B Nguyen" userId="f59fb8f3-a021-417a-8bc1-65c8d471c621" providerId="ADAL" clId="{B4A380D1-5640-AD4E-93EB-3BB8950898A7}" dt="2021-09-27T12:52:41.845" v="1058"/>
+          <ac:spMkLst>
+            <pc:docMk/>
+            <pc:sldMk cId="1575070404" sldId="311"/>
+            <ac:spMk id="4" creationId="{BA24DAAD-1E10-1B47-9666-DD82DF0DF64F}"/>
           </ac:spMkLst>
         </pc:spChg>
         <pc:spChg chg="mod">
@@ -1515,6 +1871,355 @@
 </pc:chgInfo>
 </file>
 
+<file path=ppt/notesMasters/notesMaster1.xml><?xml version="1.0" encoding="utf-8"?>
+<p:notesMaster xmlns:a="http://schemas.openxmlformats.org/drawingml/2006/main" xmlns:r="http://schemas.openxmlformats.org/officeDocument/2006/relationships" xmlns:p="http://schemas.openxmlformats.org/presentationml/2006/main">
+  <p:cSld>
+    <p:bg>
+      <p:bgRef idx="1001">
+        <a:schemeClr val="bg1"/>
+      </p:bgRef>
+    </p:bg>
+    <p:spTree>
+      <p:nvGrpSpPr>
+        <p:cNvPr id="1" name=""/>
+        <p:cNvGrpSpPr/>
+        <p:nvPr/>
+      </p:nvGrpSpPr>
+      <p:grpSpPr>
+        <a:xfrm>
+          <a:off x="0" y="0"/>
+          <a:ext cx="0" cy="0"/>
+          <a:chOff x="0" y="0"/>
+          <a:chExt cx="0" cy="0"/>
+        </a:xfrm>
+      </p:grpSpPr>
+      <p:sp>
+        <p:nvSpPr>
+          <p:cNvPr id="2" name="Header Placeholder 1"/>
+          <p:cNvSpPr>
+            <a:spLocks noGrp="1"/>
+          </p:cNvSpPr>
+          <p:nvPr>
+            <p:ph type="hdr" sz="quarter"/>
+          </p:nvPr>
+        </p:nvSpPr>
+        <p:spPr>
+          <a:xfrm>
+            <a:off x="0" y="0"/>
+            <a:ext cx="2971800" cy="458788"/>
+          </a:xfrm>
+          <a:prstGeom prst="rect">
+            <a:avLst/>
+          </a:prstGeom>
+        </p:spPr>
+        <p:txBody>
+          <a:bodyPr vert="horz" lIns="91440" tIns="45720" rIns="91440" bIns="45720" rtlCol="0"/>
+          <a:lstStyle>
+            <a:lvl1pPr algn="l">
+              <a:defRPr sz="1200"/>
+            </a:lvl1pPr>
+          </a:lstStyle>
+          <a:p>
+            <a:endParaRPr lang="en-US"/>
+          </a:p>
+        </p:txBody>
+      </p:sp>
+      <p:sp>
+        <p:nvSpPr>
+          <p:cNvPr id="3" name="Date Placeholder 2"/>
+          <p:cNvSpPr>
+            <a:spLocks noGrp="1"/>
+          </p:cNvSpPr>
+          <p:nvPr>
+            <p:ph type="dt" idx="1"/>
+          </p:nvPr>
+        </p:nvSpPr>
+        <p:spPr>
+          <a:xfrm>
+            <a:off x="3884613" y="0"/>
+            <a:ext cx="2971800" cy="458788"/>
+          </a:xfrm>
+          <a:prstGeom prst="rect">
+            <a:avLst/>
+          </a:prstGeom>
+        </p:spPr>
+        <p:txBody>
+          <a:bodyPr vert="horz" lIns="91440" tIns="45720" rIns="91440" bIns="45720" rtlCol="0"/>
+          <a:lstStyle>
+            <a:lvl1pPr algn="r">
+              <a:defRPr sz="1200"/>
+            </a:lvl1pPr>
+          </a:lstStyle>
+          <a:p>
+            <a:fld id="{9D301EED-E2D1-F049-803F-2B2D7B9862B9}" type="datetimeFigureOut">
+              <a:rPr lang="en-US" smtClean="0"/>
+              <a:t>9/27/21</a:t>
+            </a:fld>
+            <a:endParaRPr lang="en-US"/>
+          </a:p>
+        </p:txBody>
+      </p:sp>
+      <p:sp>
+        <p:nvSpPr>
+          <p:cNvPr id="4" name="Slide Image Placeholder 3"/>
+          <p:cNvSpPr>
+            <a:spLocks noGrp="1" noRot="1" noChangeAspect="1"/>
+          </p:cNvSpPr>
+          <p:nvPr>
+            <p:ph type="sldImg" idx="2"/>
+          </p:nvPr>
+        </p:nvSpPr>
+        <p:spPr>
+          <a:xfrm>
+            <a:off x="960438" y="1143000"/>
+            <a:ext cx="4937125" cy="3086100"/>
+          </a:xfrm>
+          <a:prstGeom prst="rect">
+            <a:avLst/>
+          </a:prstGeom>
+          <a:noFill/>
+          <a:ln w="12700">
+            <a:solidFill>
+              <a:prstClr val="black"/>
+            </a:solidFill>
+          </a:ln>
+        </p:spPr>
+        <p:txBody>
+          <a:bodyPr vert="horz" lIns="91440" tIns="45720" rIns="91440" bIns="45720" rtlCol="0" anchor="ctr"/>
+          <a:lstStyle/>
+          <a:p>
+            <a:endParaRPr lang="en-US"/>
+          </a:p>
+        </p:txBody>
+      </p:sp>
+      <p:sp>
+        <p:nvSpPr>
+          <p:cNvPr id="5" name="Notes Placeholder 4"/>
+          <p:cNvSpPr>
+            <a:spLocks noGrp="1"/>
+          </p:cNvSpPr>
+          <p:nvPr>
+            <p:ph type="body" sz="quarter" idx="3"/>
+          </p:nvPr>
+        </p:nvSpPr>
+        <p:spPr>
+          <a:xfrm>
+            <a:off x="685800" y="4400550"/>
+            <a:ext cx="5486400" cy="3600450"/>
+          </a:xfrm>
+          <a:prstGeom prst="rect">
+            <a:avLst/>
+          </a:prstGeom>
+        </p:spPr>
+        <p:txBody>
+          <a:bodyPr vert="horz" lIns="91440" tIns="45720" rIns="91440" bIns="45720" rtlCol="0"/>
+          <a:lstStyle/>
+          <a:p>
+            <a:pPr lvl="0"/>
+            <a:r>
+              <a:rPr lang="en-US"/>
+              <a:t>Click to edit Master text styles</a:t>
+            </a:r>
+          </a:p>
+          <a:p>
+            <a:pPr lvl="1"/>
+            <a:r>
+              <a:rPr lang="en-US"/>
+              <a:t>Second level</a:t>
+            </a:r>
+          </a:p>
+          <a:p>
+            <a:pPr lvl="2"/>
+            <a:r>
+              <a:rPr lang="en-US"/>
+              <a:t>Third level</a:t>
+            </a:r>
+          </a:p>
+          <a:p>
+            <a:pPr lvl="3"/>
+            <a:r>
+              <a:rPr lang="en-US"/>
+              <a:t>Fourth level</a:t>
+            </a:r>
+          </a:p>
+          <a:p>
+            <a:pPr lvl="4"/>
+            <a:r>
+              <a:rPr lang="en-US"/>
+              <a:t>Fifth level</a:t>
+            </a:r>
+          </a:p>
+        </p:txBody>
+      </p:sp>
+      <p:sp>
+        <p:nvSpPr>
+          <p:cNvPr id="6" name="Footer Placeholder 5"/>
+          <p:cNvSpPr>
+            <a:spLocks noGrp="1"/>
+          </p:cNvSpPr>
+          <p:nvPr>
+            <p:ph type="ftr" sz="quarter" idx="4"/>
+          </p:nvPr>
+        </p:nvSpPr>
+        <p:spPr>
+          <a:xfrm>
+            <a:off x="0" y="8685213"/>
+            <a:ext cx="2971800" cy="458787"/>
+          </a:xfrm>
+          <a:prstGeom prst="rect">
+            <a:avLst/>
+          </a:prstGeom>
+        </p:spPr>
+        <p:txBody>
+          <a:bodyPr vert="horz" lIns="91440" tIns="45720" rIns="91440" bIns="45720" rtlCol="0" anchor="b"/>
+          <a:lstStyle>
+            <a:lvl1pPr algn="l">
+              <a:defRPr sz="1200"/>
+            </a:lvl1pPr>
+          </a:lstStyle>
+          <a:p>
+            <a:endParaRPr lang="en-US"/>
+          </a:p>
+        </p:txBody>
+      </p:sp>
+      <p:sp>
+        <p:nvSpPr>
+          <p:cNvPr id="7" name="Slide Number Placeholder 6"/>
+          <p:cNvSpPr>
+            <a:spLocks noGrp="1"/>
+          </p:cNvSpPr>
+          <p:nvPr>
+            <p:ph type="sldNum" sz="quarter" idx="5"/>
+          </p:nvPr>
+        </p:nvSpPr>
+        <p:spPr>
+          <a:xfrm>
+            <a:off x="3884613" y="8685213"/>
+            <a:ext cx="2971800" cy="458787"/>
+          </a:xfrm>
+          <a:prstGeom prst="rect">
+            <a:avLst/>
+          </a:prstGeom>
+        </p:spPr>
+        <p:txBody>
+          <a:bodyPr vert="horz" lIns="91440" tIns="45720" rIns="91440" bIns="45720" rtlCol="0" anchor="b"/>
+          <a:lstStyle>
+            <a:lvl1pPr algn="r">
+              <a:defRPr sz="1200"/>
+            </a:lvl1pPr>
+          </a:lstStyle>
+          <a:p>
+            <a:fld id="{4BFBBC00-A159-C245-A7B9-BFC55274334C}" type="slidenum">
+              <a:rPr lang="en-US" smtClean="0"/>
+              <a:t>‹#›</a:t>
+            </a:fld>
+            <a:endParaRPr lang="en-US"/>
+          </a:p>
+        </p:txBody>
+      </p:sp>
+    </p:spTree>
+    <p:extLst>
+      <p:ext uri="{BB962C8B-B14F-4D97-AF65-F5344CB8AC3E}">
+        <p14:creationId xmlns:p14="http://schemas.microsoft.com/office/powerpoint/2010/main" val="1204000089"/>
+      </p:ext>
+    </p:extLst>
+  </p:cSld>
+  <p:clrMap bg1="lt1" tx1="dk1" bg2="lt2" tx2="dk2" accent1="accent1" accent2="accent2" accent3="accent3" accent4="accent4" accent5="accent5" accent6="accent6" hlink="hlink" folHlink="folHlink"/>
+  <p:notesStyle>
+    <a:lvl1pPr marL="0" algn="l" defTabSz="914400" rtl="0" eaLnBrk="1" latinLnBrk="0" hangingPunct="1">
+      <a:defRPr sz="1200" kern="1200">
+        <a:solidFill>
+          <a:schemeClr val="tx1"/>
+        </a:solidFill>
+        <a:latin typeface="+mn-lt"/>
+        <a:ea typeface="+mn-ea"/>
+        <a:cs typeface="+mn-cs"/>
+      </a:defRPr>
+    </a:lvl1pPr>
+    <a:lvl2pPr marL="457200" algn="l" defTabSz="914400" rtl="0" eaLnBrk="1" latinLnBrk="0" hangingPunct="1">
+      <a:defRPr sz="1200" kern="1200">
+        <a:solidFill>
+          <a:schemeClr val="tx1"/>
+        </a:solidFill>
+        <a:latin typeface="+mn-lt"/>
+        <a:ea typeface="+mn-ea"/>
+        <a:cs typeface="+mn-cs"/>
+      </a:defRPr>
+    </a:lvl2pPr>
+    <a:lvl3pPr marL="914400" algn="l" defTabSz="914400" rtl="0" eaLnBrk="1" latinLnBrk="0" hangingPunct="1">
+      <a:defRPr sz="1200" kern="1200">
+        <a:solidFill>
+          <a:schemeClr val="tx1"/>
+        </a:solidFill>
+        <a:latin typeface="+mn-lt"/>
+        <a:ea typeface="+mn-ea"/>
+        <a:cs typeface="+mn-cs"/>
+      </a:defRPr>
+    </a:lvl3pPr>
+    <a:lvl4pPr marL="1371600" algn="l" defTabSz="914400" rtl="0" eaLnBrk="1" latinLnBrk="0" hangingPunct="1">
+      <a:defRPr sz="1200" kern="1200">
+        <a:solidFill>
+          <a:schemeClr val="tx1"/>
+        </a:solidFill>
+        <a:latin typeface="+mn-lt"/>
+        <a:ea typeface="+mn-ea"/>
+        <a:cs typeface="+mn-cs"/>
+      </a:defRPr>
+    </a:lvl4pPr>
+    <a:lvl5pPr marL="1828800" algn="l" defTabSz="914400" rtl="0" eaLnBrk="1" latinLnBrk="0" hangingPunct="1">
+      <a:defRPr sz="1200" kern="1200">
+        <a:solidFill>
+          <a:schemeClr val="tx1"/>
+        </a:solidFill>
+        <a:latin typeface="+mn-lt"/>
+        <a:ea typeface="+mn-ea"/>
+        <a:cs typeface="+mn-cs"/>
+      </a:defRPr>
+    </a:lvl5pPr>
+    <a:lvl6pPr marL="2286000" algn="l" defTabSz="914400" rtl="0" eaLnBrk="1" latinLnBrk="0" hangingPunct="1">
+      <a:defRPr sz="1200" kern="1200">
+        <a:solidFill>
+          <a:schemeClr val="tx1"/>
+        </a:solidFill>
+        <a:latin typeface="+mn-lt"/>
+        <a:ea typeface="+mn-ea"/>
+        <a:cs typeface="+mn-cs"/>
+      </a:defRPr>
+    </a:lvl6pPr>
+    <a:lvl7pPr marL="2743200" algn="l" defTabSz="914400" rtl="0" eaLnBrk="1" latinLnBrk="0" hangingPunct="1">
+      <a:defRPr sz="1200" kern="1200">
+        <a:solidFill>
+          <a:schemeClr val="tx1"/>
+        </a:solidFill>
+        <a:latin typeface="+mn-lt"/>
+        <a:ea typeface="+mn-ea"/>
+        <a:cs typeface="+mn-cs"/>
+      </a:defRPr>
+    </a:lvl7pPr>
+    <a:lvl8pPr marL="3200400" algn="l" defTabSz="914400" rtl="0" eaLnBrk="1" latinLnBrk="0" hangingPunct="1">
+      <a:defRPr sz="1200" kern="1200">
+        <a:solidFill>
+          <a:schemeClr val="tx1"/>
+        </a:solidFill>
+        <a:latin typeface="+mn-lt"/>
+        <a:ea typeface="+mn-ea"/>
+        <a:cs typeface="+mn-cs"/>
+      </a:defRPr>
+    </a:lvl8pPr>
+    <a:lvl9pPr marL="3657600" algn="l" defTabSz="914400" rtl="0" eaLnBrk="1" latinLnBrk="0" hangingPunct="1">
+      <a:defRPr sz="1200" kern="1200">
+        <a:solidFill>
+          <a:schemeClr val="tx1"/>
+        </a:solidFill>
+        <a:latin typeface="+mn-lt"/>
+        <a:ea typeface="+mn-ea"/>
+        <a:cs typeface="+mn-cs"/>
+      </a:defRPr>
+    </a:lvl9pPr>
+  </p:notesStyle>
+</p:notesMaster>
+</file>
+
 <file path=ppt/slideLayouts/slideLayout1.xml><?xml version="1.0" encoding="utf-8"?>
 <p:sldLayout xmlns:a="http://schemas.openxmlformats.org/drawingml/2006/main" xmlns:r="http://schemas.openxmlformats.org/officeDocument/2006/relationships" xmlns:p="http://schemas.openxmlformats.org/presentationml/2006/main" type="title" preserve="1">
   <p:cSld name="Title Slide">
@@ -1644,7 +2349,7 @@
           <a:bodyPr/>
           <a:lstStyle/>
           <a:p>
-            <a:fld id="{4AAD347D-5ACD-4C99-B74B-A9C85AD731AF}" type="datetimeFigureOut">
+            <a:fld id="{C8DC95A9-5905-034D-8F0F-88F4992BD886}" type="datetime1">
               <a:rPr lang="en-US" smtClean="0"/>
               <a:t>9/27/21</a:t>
             </a:fld>
@@ -1814,7 +2519,7 @@
           <a:bodyPr/>
           <a:lstStyle/>
           <a:p>
-            <a:fld id="{4509A250-FF31-4206-8172-F9D3106AACB1}" type="datetimeFigureOut">
+            <a:fld id="{B62993F3-2B1C-D044-B3D8-D24CD08900F5}" type="datetime1">
               <a:rPr lang="en-US" smtClean="0"/>
               <a:t>9/27/21</a:t>
             </a:fld>
@@ -1994,7 +2699,7 @@
           <a:bodyPr/>
           <a:lstStyle/>
           <a:p>
-            <a:fld id="{4509A250-FF31-4206-8172-F9D3106AACB1}" type="datetimeFigureOut">
+            <a:fld id="{05BA4B57-4B83-BD4E-912E-A55CDC84D3E7}" type="datetime1">
               <a:rPr lang="en-US" smtClean="0"/>
               <a:t>9/27/21</a:t>
             </a:fld>
@@ -2164,7 +2869,7 @@
           <a:bodyPr/>
           <a:lstStyle/>
           <a:p>
-            <a:fld id="{4509A250-FF31-4206-8172-F9D3106AACB1}" type="datetimeFigureOut">
+            <a:fld id="{2057D30F-FFAF-1446-BF1E-187E637503EF}" type="datetime1">
               <a:rPr lang="en-US" smtClean="0"/>
               <a:t>9/27/21</a:t>
             </a:fld>
@@ -2410,7 +3115,7 @@
           <a:bodyPr/>
           <a:lstStyle/>
           <a:p>
-            <a:fld id="{9796027F-7875-4030-9381-8BD8C4F21935}" type="datetimeFigureOut">
+            <a:fld id="{27E3C224-2814-964E-B1E1-5A64F6E84EEA}" type="datetime1">
               <a:rPr lang="en-US" smtClean="0"/>
               <a:t>9/27/21</a:t>
             </a:fld>
@@ -2642,7 +3347,7 @@
           <a:bodyPr/>
           <a:lstStyle/>
           <a:p>
-            <a:fld id="{9796027F-7875-4030-9381-8BD8C4F21935}" type="datetimeFigureOut">
+            <a:fld id="{E968726F-0D4A-9D4A-AE0E-9B268929CC0D}" type="datetime1">
               <a:rPr lang="en-US" smtClean="0"/>
               <a:t>9/27/21</a:t>
             </a:fld>
@@ -3009,7 +3714,7 @@
           <a:bodyPr/>
           <a:lstStyle/>
           <a:p>
-            <a:fld id="{9796027F-7875-4030-9381-8BD8C4F21935}" type="datetimeFigureOut">
+            <a:fld id="{91898463-251B-2249-8D70-52DCF6298AEB}" type="datetime1">
               <a:rPr lang="en-US" smtClean="0"/>
               <a:t>9/27/21</a:t>
             </a:fld>
@@ -3127,7 +3832,7 @@
           <a:bodyPr/>
           <a:lstStyle/>
           <a:p>
-            <a:fld id="{4509A250-FF31-4206-8172-F9D3106AACB1}" type="datetimeFigureOut">
+            <a:fld id="{85A9B4BE-CF33-3F42-A262-ADCA67C13E36}" type="datetime1">
               <a:rPr lang="en-US" smtClean="0"/>
               <a:t>9/27/21</a:t>
             </a:fld>
@@ -3222,7 +3927,7 @@
           <a:bodyPr/>
           <a:lstStyle/>
           <a:p>
-            <a:fld id="{4509A250-FF31-4206-8172-F9D3106AACB1}" type="datetimeFigureOut">
+            <a:fld id="{B3D8E36F-A10F-E644-AF35-4A8FBDD57076}" type="datetime1">
               <a:rPr lang="en-US" smtClean="0"/>
               <a:t>9/27/21</a:t>
             </a:fld>
@@ -3499,7 +4204,7 @@
           <a:bodyPr/>
           <a:lstStyle/>
           <a:p>
-            <a:fld id="{4509A250-FF31-4206-8172-F9D3106AACB1}" type="datetimeFigureOut">
+            <a:fld id="{34CE13BB-B7FE-914B-86E7-0F53569511F2}" type="datetime1">
               <a:rPr lang="en-US" smtClean="0"/>
               <a:t>9/27/21</a:t>
             </a:fld>
@@ -3756,7 +4461,7 @@
           <a:bodyPr/>
           <a:lstStyle/>
           <a:p>
-            <a:fld id="{4509A250-FF31-4206-8172-F9D3106AACB1}" type="datetimeFigureOut">
+            <a:fld id="{401FA0EA-9D66-FA4B-B558-6A820F60D25A}" type="datetime1">
               <a:rPr lang="en-US" smtClean="0"/>
               <a:t>9/27/21</a:t>
             </a:fld>
@@ -3969,7 +4674,7 @@
             </a:lvl1pPr>
           </a:lstStyle>
           <a:p>
-            <a:fld id="{4AAD347D-5ACD-4C99-B74B-A9C85AD731AF}" type="datetimeFigureOut">
+            <a:fld id="{B205C5C4-72F5-B341-9DCA-7B993C36540D}" type="datetime1">
               <a:rPr lang="en-US" smtClean="0"/>
               <a:t>9/27/21</a:t>
             </a:fld>
@@ -4076,7 +4781,7 @@
     <p:sldLayoutId id="2147483801" r:id="rId10"/>
     <p:sldLayoutId id="2147483802" r:id="rId11"/>
   </p:sldLayoutIdLst>
-  <p:hf sldNum="0" hdr="0" ftr="0" dt="0"/>
+  <p:hf hdr="0" ftr="0" dt="0"/>
   <p:txStyles>
     <p:titleStyle>
       <a:lvl1pPr algn="l" defTabSz="685800" rtl="0" eaLnBrk="1" latinLnBrk="0" hangingPunct="1">
@@ -4644,6 +5349,35 @@
           </a:p>
         </p:txBody>
       </p:sp>
+      <p:sp>
+        <p:nvSpPr>
+          <p:cNvPr id="5" name="Slide Number Placeholder 4">
+            <a:extLst>
+              <a:ext uri="{FF2B5EF4-FFF2-40B4-BE49-F238E27FC236}">
+                <a16:creationId xmlns:a16="http://schemas.microsoft.com/office/drawing/2014/main" id="{E9E11A0B-725A-3D4A-8D5C-FC33B2625B28}"/>
+              </a:ext>
+            </a:extLst>
+          </p:cNvPr>
+          <p:cNvSpPr>
+            <a:spLocks noGrp="1"/>
+          </p:cNvSpPr>
+          <p:nvPr>
+            <p:ph type="sldNum" sz="quarter" idx="12"/>
+          </p:nvPr>
+        </p:nvSpPr>
+        <p:spPr/>
+        <p:txBody>
+          <a:bodyPr/>
+          <a:lstStyle/>
+          <a:p>
+            <a:fld id="{D57F1E4F-1CFF-5643-939E-02111984F565}" type="slidenum">
+              <a:rPr lang="en-US" smtClean="0"/>
+              <a:t>1</a:t>
+            </a:fld>
+            <a:endParaRPr lang="en-US" dirty="0"/>
+          </a:p>
+        </p:txBody>
+      </p:sp>
     </p:spTree>
     <p:extLst>
       <p:ext uri="{BB962C8B-B14F-4D97-AF65-F5344CB8AC3E}">
@@ -4989,6 +5723,35 @@
             <a:endParaRPr lang="en-US" sz="2100" b="1" dirty="0">
               <a:latin typeface="Gill Sans MT" panose="020B0502020104020203" pitchFamily="34" charset="77"/>
             </a:endParaRPr>
+          </a:p>
+        </p:txBody>
+      </p:sp>
+      <p:sp>
+        <p:nvSpPr>
+          <p:cNvPr id="3" name="Slide Number Placeholder 2">
+            <a:extLst>
+              <a:ext uri="{FF2B5EF4-FFF2-40B4-BE49-F238E27FC236}">
+                <a16:creationId xmlns:a16="http://schemas.microsoft.com/office/drawing/2014/main" id="{785CFD71-CC8F-F54F-A3FA-EB1794365B6B}"/>
+              </a:ext>
+            </a:extLst>
+          </p:cNvPr>
+          <p:cNvSpPr>
+            <a:spLocks noGrp="1"/>
+          </p:cNvSpPr>
+          <p:nvPr>
+            <p:ph type="sldNum" sz="quarter" idx="12"/>
+          </p:nvPr>
+        </p:nvSpPr>
+        <p:spPr/>
+        <p:txBody>
+          <a:bodyPr/>
+          <a:lstStyle/>
+          <a:p>
+            <a:fld id="{D57F1E4F-1CFF-5643-939E-02111984F565}" type="slidenum">
+              <a:rPr lang="en-US" smtClean="0"/>
+              <a:t>10</a:t>
+            </a:fld>
+            <a:endParaRPr lang="en-US" dirty="0"/>
           </a:p>
         </p:txBody>
       </p:sp>
@@ -5488,6 +6251,35 @@
             <a:endParaRPr lang="en-US" sz="2400" dirty="0">
               <a:latin typeface="Gill Sans MT" panose="020B0502020104020203" pitchFamily="34" charset="77"/>
             </a:endParaRPr>
+          </a:p>
+        </p:txBody>
+      </p:sp>
+      <p:sp>
+        <p:nvSpPr>
+          <p:cNvPr id="3" name="Slide Number Placeholder 2">
+            <a:extLst>
+              <a:ext uri="{FF2B5EF4-FFF2-40B4-BE49-F238E27FC236}">
+                <a16:creationId xmlns:a16="http://schemas.microsoft.com/office/drawing/2014/main" id="{F4D3DA5E-6A80-1141-95FA-A351359A7AE3}"/>
+              </a:ext>
+            </a:extLst>
+          </p:cNvPr>
+          <p:cNvSpPr>
+            <a:spLocks noGrp="1"/>
+          </p:cNvSpPr>
+          <p:nvPr>
+            <p:ph type="sldNum" sz="quarter" idx="12"/>
+          </p:nvPr>
+        </p:nvSpPr>
+        <p:spPr/>
+        <p:txBody>
+          <a:bodyPr/>
+          <a:lstStyle/>
+          <a:p>
+            <a:fld id="{D57F1E4F-1CFF-5643-939E-02111984F565}" type="slidenum">
+              <a:rPr lang="en-US" smtClean="0"/>
+              <a:t>11</a:t>
+            </a:fld>
+            <a:endParaRPr lang="en-US" dirty="0"/>
           </a:p>
         </p:txBody>
       </p:sp>
@@ -6032,6 +6824,35 @@
           </a:p>
         </p:txBody>
       </p:sp>
+      <p:sp>
+        <p:nvSpPr>
+          <p:cNvPr id="3" name="Slide Number Placeholder 2">
+            <a:extLst>
+              <a:ext uri="{FF2B5EF4-FFF2-40B4-BE49-F238E27FC236}">
+                <a16:creationId xmlns:a16="http://schemas.microsoft.com/office/drawing/2014/main" id="{B99441E0-1AAA-234C-BFD9-302695DA42A9}"/>
+              </a:ext>
+            </a:extLst>
+          </p:cNvPr>
+          <p:cNvSpPr>
+            <a:spLocks noGrp="1"/>
+          </p:cNvSpPr>
+          <p:nvPr>
+            <p:ph type="sldNum" sz="quarter" idx="12"/>
+          </p:nvPr>
+        </p:nvSpPr>
+        <p:spPr/>
+        <p:txBody>
+          <a:bodyPr/>
+          <a:lstStyle/>
+          <a:p>
+            <a:fld id="{D57F1E4F-1CFF-5643-939E-02111984F565}" type="slidenum">
+              <a:rPr lang="en-US" smtClean="0"/>
+              <a:t>12</a:t>
+            </a:fld>
+            <a:endParaRPr lang="en-US" dirty="0"/>
+          </a:p>
+        </p:txBody>
+      </p:sp>
     </p:spTree>
     <p:extLst>
       <p:ext uri="{BB962C8B-B14F-4D97-AF65-F5344CB8AC3E}">
@@ -6517,6 +7338,35 @@
           </a:p>
         </p:txBody>
       </p:sp>
+      <p:sp>
+        <p:nvSpPr>
+          <p:cNvPr id="3" name="Slide Number Placeholder 2">
+            <a:extLst>
+              <a:ext uri="{FF2B5EF4-FFF2-40B4-BE49-F238E27FC236}">
+                <a16:creationId xmlns:a16="http://schemas.microsoft.com/office/drawing/2014/main" id="{6CD366E0-F0EC-254A-B67C-FE5B4DC1DC22}"/>
+              </a:ext>
+            </a:extLst>
+          </p:cNvPr>
+          <p:cNvSpPr>
+            <a:spLocks noGrp="1"/>
+          </p:cNvSpPr>
+          <p:nvPr>
+            <p:ph type="sldNum" sz="quarter" idx="12"/>
+          </p:nvPr>
+        </p:nvSpPr>
+        <p:spPr/>
+        <p:txBody>
+          <a:bodyPr/>
+          <a:lstStyle/>
+          <a:p>
+            <a:fld id="{D57F1E4F-1CFF-5643-939E-02111984F565}" type="slidenum">
+              <a:rPr lang="en-US" smtClean="0"/>
+              <a:t>13</a:t>
+            </a:fld>
+            <a:endParaRPr lang="en-US" dirty="0"/>
+          </a:p>
+        </p:txBody>
+      </p:sp>
     </p:spTree>
     <p:extLst>
       <p:ext uri="{BB962C8B-B14F-4D97-AF65-F5344CB8AC3E}">
@@ -7041,6 +7891,35 @@
             <a:endParaRPr lang="en-US" sz="2000" b="1" dirty="0">
               <a:latin typeface="Inconsolata" panose="020B0609030003000000" pitchFamily="49" charset="77"/>
             </a:endParaRPr>
+          </a:p>
+        </p:txBody>
+      </p:sp>
+      <p:sp>
+        <p:nvSpPr>
+          <p:cNvPr id="3" name="Slide Number Placeholder 2">
+            <a:extLst>
+              <a:ext uri="{FF2B5EF4-FFF2-40B4-BE49-F238E27FC236}">
+                <a16:creationId xmlns:a16="http://schemas.microsoft.com/office/drawing/2014/main" id="{DBC8A478-105A-3049-BD4A-00E06629A3B3}"/>
+              </a:ext>
+            </a:extLst>
+          </p:cNvPr>
+          <p:cNvSpPr>
+            <a:spLocks noGrp="1"/>
+          </p:cNvSpPr>
+          <p:nvPr>
+            <p:ph type="sldNum" sz="quarter" idx="12"/>
+          </p:nvPr>
+        </p:nvSpPr>
+        <p:spPr/>
+        <p:txBody>
+          <a:bodyPr/>
+          <a:lstStyle/>
+          <a:p>
+            <a:fld id="{D57F1E4F-1CFF-5643-939E-02111984F565}" type="slidenum">
+              <a:rPr lang="en-US" smtClean="0"/>
+              <a:t>14</a:t>
+            </a:fld>
+            <a:endParaRPr lang="en-US" dirty="0"/>
           </a:p>
         </p:txBody>
       </p:sp>
@@ -7564,6 +8443,35 @@
               </a:solidFill>
               <a:latin typeface="Inconsolata" panose="020B0609030003000000" pitchFamily="49" charset="77"/>
             </a:endParaRPr>
+          </a:p>
+        </p:txBody>
+      </p:sp>
+      <p:sp>
+        <p:nvSpPr>
+          <p:cNvPr id="3" name="Slide Number Placeholder 2">
+            <a:extLst>
+              <a:ext uri="{FF2B5EF4-FFF2-40B4-BE49-F238E27FC236}">
+                <a16:creationId xmlns:a16="http://schemas.microsoft.com/office/drawing/2014/main" id="{779769BD-8FBD-0749-806A-59A437BCE54B}"/>
+              </a:ext>
+            </a:extLst>
+          </p:cNvPr>
+          <p:cNvSpPr>
+            <a:spLocks noGrp="1"/>
+          </p:cNvSpPr>
+          <p:nvPr>
+            <p:ph type="sldNum" sz="quarter" idx="12"/>
+          </p:nvPr>
+        </p:nvSpPr>
+        <p:spPr/>
+        <p:txBody>
+          <a:bodyPr/>
+          <a:lstStyle/>
+          <a:p>
+            <a:fld id="{D57F1E4F-1CFF-5643-939E-02111984F565}" type="slidenum">
+              <a:rPr lang="en-US" smtClean="0"/>
+              <a:t>15</a:t>
+            </a:fld>
+            <a:endParaRPr lang="en-US" dirty="0"/>
           </a:p>
         </p:txBody>
       </p:sp>
@@ -8119,6 +9027,35 @@
           </a:p>
         </p:txBody>
       </p:sp>
+      <p:sp>
+        <p:nvSpPr>
+          <p:cNvPr id="3" name="Slide Number Placeholder 2">
+            <a:extLst>
+              <a:ext uri="{FF2B5EF4-FFF2-40B4-BE49-F238E27FC236}">
+                <a16:creationId xmlns:a16="http://schemas.microsoft.com/office/drawing/2014/main" id="{795852F5-2645-0E4A-9B1E-D357733D2AAB}"/>
+              </a:ext>
+            </a:extLst>
+          </p:cNvPr>
+          <p:cNvSpPr>
+            <a:spLocks noGrp="1"/>
+          </p:cNvSpPr>
+          <p:nvPr>
+            <p:ph type="sldNum" sz="quarter" idx="12"/>
+          </p:nvPr>
+        </p:nvSpPr>
+        <p:spPr/>
+        <p:txBody>
+          <a:bodyPr/>
+          <a:lstStyle/>
+          <a:p>
+            <a:fld id="{D57F1E4F-1CFF-5643-939E-02111984F565}" type="slidenum">
+              <a:rPr lang="en-US" smtClean="0"/>
+              <a:t>16</a:t>
+            </a:fld>
+            <a:endParaRPr lang="en-US" dirty="0"/>
+          </a:p>
+        </p:txBody>
+      </p:sp>
     </p:spTree>
     <p:extLst>
       <p:ext uri="{BB962C8B-B14F-4D97-AF65-F5344CB8AC3E}">
@@ -8648,6 +9585,35 @@
           </a:p>
         </p:txBody>
       </p:sp>
+      <p:sp>
+        <p:nvSpPr>
+          <p:cNvPr id="3" name="Slide Number Placeholder 2">
+            <a:extLst>
+              <a:ext uri="{FF2B5EF4-FFF2-40B4-BE49-F238E27FC236}">
+                <a16:creationId xmlns:a16="http://schemas.microsoft.com/office/drawing/2014/main" id="{A66613DF-42EF-1249-993D-0839DE11BF34}"/>
+              </a:ext>
+            </a:extLst>
+          </p:cNvPr>
+          <p:cNvSpPr>
+            <a:spLocks noGrp="1"/>
+          </p:cNvSpPr>
+          <p:nvPr>
+            <p:ph type="sldNum" sz="quarter" idx="12"/>
+          </p:nvPr>
+        </p:nvSpPr>
+        <p:spPr/>
+        <p:txBody>
+          <a:bodyPr/>
+          <a:lstStyle/>
+          <a:p>
+            <a:fld id="{D57F1E4F-1CFF-5643-939E-02111984F565}" type="slidenum">
+              <a:rPr lang="en-US" smtClean="0"/>
+              <a:t>17</a:t>
+            </a:fld>
+            <a:endParaRPr lang="en-US" dirty="0"/>
+          </a:p>
+        </p:txBody>
+      </p:sp>
     </p:spTree>
     <p:extLst>
       <p:ext uri="{BB962C8B-B14F-4D97-AF65-F5344CB8AC3E}">
@@ -9110,6 +10076,35 @@
               </a:solidFill>
               <a:latin typeface="Gill Sans MT" panose="020B0502020104020203" pitchFamily="34" charset="77"/>
             </a:endParaRPr>
+          </a:p>
+        </p:txBody>
+      </p:sp>
+      <p:sp>
+        <p:nvSpPr>
+          <p:cNvPr id="3" name="Slide Number Placeholder 2">
+            <a:extLst>
+              <a:ext uri="{FF2B5EF4-FFF2-40B4-BE49-F238E27FC236}">
+                <a16:creationId xmlns:a16="http://schemas.microsoft.com/office/drawing/2014/main" id="{42D4C963-4EC5-1944-9F8A-218FBC57EA20}"/>
+              </a:ext>
+            </a:extLst>
+          </p:cNvPr>
+          <p:cNvSpPr>
+            <a:spLocks noGrp="1"/>
+          </p:cNvSpPr>
+          <p:nvPr>
+            <p:ph type="sldNum" sz="quarter" idx="12"/>
+          </p:nvPr>
+        </p:nvSpPr>
+        <p:spPr/>
+        <p:txBody>
+          <a:bodyPr/>
+          <a:lstStyle/>
+          <a:p>
+            <a:fld id="{D57F1E4F-1CFF-5643-939E-02111984F565}" type="slidenum">
+              <a:rPr lang="en-US" smtClean="0"/>
+              <a:t>18</a:t>
+            </a:fld>
+            <a:endParaRPr lang="en-US" dirty="0"/>
           </a:p>
         </p:txBody>
       </p:sp>
@@ -9727,6 +10722,35 @@
           </a:p>
           <a:p>
             <a:endParaRPr lang="en-US" sz="2000" dirty="0"/>
+          </a:p>
+        </p:txBody>
+      </p:sp>
+      <p:sp>
+        <p:nvSpPr>
+          <p:cNvPr id="4" name="Slide Number Placeholder 3">
+            <a:extLst>
+              <a:ext uri="{FF2B5EF4-FFF2-40B4-BE49-F238E27FC236}">
+                <a16:creationId xmlns:a16="http://schemas.microsoft.com/office/drawing/2014/main" id="{64DE1C23-582D-E14E-9484-947F23C0751B}"/>
+              </a:ext>
+            </a:extLst>
+          </p:cNvPr>
+          <p:cNvSpPr>
+            <a:spLocks noGrp="1"/>
+          </p:cNvSpPr>
+          <p:nvPr>
+            <p:ph type="sldNum" sz="quarter" idx="12"/>
+          </p:nvPr>
+        </p:nvSpPr>
+        <p:spPr/>
+        <p:txBody>
+          <a:bodyPr/>
+          <a:lstStyle/>
+          <a:p>
+            <a:fld id="{D57F1E4F-1CFF-5643-939E-02111984F565}" type="slidenum">
+              <a:rPr lang="en-US" smtClean="0"/>
+              <a:t>19</a:t>
+            </a:fld>
+            <a:endParaRPr lang="en-US" dirty="0"/>
           </a:p>
         </p:txBody>
       </p:sp>
@@ -10299,6 +11323,35 @@
           </a:p>
         </p:txBody>
       </p:sp>
+      <p:sp>
+        <p:nvSpPr>
+          <p:cNvPr id="3" name="Slide Number Placeholder 2">
+            <a:extLst>
+              <a:ext uri="{FF2B5EF4-FFF2-40B4-BE49-F238E27FC236}">
+                <a16:creationId xmlns:a16="http://schemas.microsoft.com/office/drawing/2014/main" id="{66B7CEC0-332D-6342-8BB2-D58E3185E2A1}"/>
+              </a:ext>
+            </a:extLst>
+          </p:cNvPr>
+          <p:cNvSpPr>
+            <a:spLocks noGrp="1"/>
+          </p:cNvSpPr>
+          <p:nvPr>
+            <p:ph type="sldNum" sz="quarter" idx="12"/>
+          </p:nvPr>
+        </p:nvSpPr>
+        <p:spPr/>
+        <p:txBody>
+          <a:bodyPr/>
+          <a:lstStyle/>
+          <a:p>
+            <a:fld id="{D57F1E4F-1CFF-5643-939E-02111984F565}" type="slidenum">
+              <a:rPr lang="en-US" smtClean="0"/>
+              <a:t>2</a:t>
+            </a:fld>
+            <a:endParaRPr lang="en-US" dirty="0"/>
+          </a:p>
+        </p:txBody>
+      </p:sp>
     </p:spTree>
     <p:extLst>
       <p:ext uri="{BB962C8B-B14F-4D97-AF65-F5344CB8AC3E}">
@@ -11165,6 +12218,35 @@
               <a:rPr lang="en-US" sz="2000" b="1" dirty="0"/>
               <a:t>first quadrant</a:t>
             </a:r>
+          </a:p>
+        </p:txBody>
+      </p:sp>
+      <p:sp>
+        <p:nvSpPr>
+          <p:cNvPr id="4" name="Slide Number Placeholder 3">
+            <a:extLst>
+              <a:ext uri="{FF2B5EF4-FFF2-40B4-BE49-F238E27FC236}">
+                <a16:creationId xmlns:a16="http://schemas.microsoft.com/office/drawing/2014/main" id="{0DE61905-BF01-284F-884E-194535D7F725}"/>
+              </a:ext>
+            </a:extLst>
+          </p:cNvPr>
+          <p:cNvSpPr>
+            <a:spLocks noGrp="1"/>
+          </p:cNvSpPr>
+          <p:nvPr>
+            <p:ph type="sldNum" sz="quarter" idx="12"/>
+          </p:nvPr>
+        </p:nvSpPr>
+        <p:spPr/>
+        <p:txBody>
+          <a:bodyPr/>
+          <a:lstStyle/>
+          <a:p>
+            <a:fld id="{D57F1E4F-1CFF-5643-939E-02111984F565}" type="slidenum">
+              <a:rPr lang="en-US" smtClean="0"/>
+              <a:t>20</a:t>
+            </a:fld>
+            <a:endParaRPr lang="en-US" dirty="0"/>
           </a:p>
         </p:txBody>
       </p:sp>
@@ -12115,6 +13197,35 @@
           </a:p>
         </p:txBody>
       </p:sp>
+      <p:sp>
+        <p:nvSpPr>
+          <p:cNvPr id="4" name="Slide Number Placeholder 3">
+            <a:extLst>
+              <a:ext uri="{FF2B5EF4-FFF2-40B4-BE49-F238E27FC236}">
+                <a16:creationId xmlns:a16="http://schemas.microsoft.com/office/drawing/2014/main" id="{72A7A04A-28DE-5E47-B9EB-19D98D38C8E6}"/>
+              </a:ext>
+            </a:extLst>
+          </p:cNvPr>
+          <p:cNvSpPr>
+            <a:spLocks noGrp="1"/>
+          </p:cNvSpPr>
+          <p:nvPr>
+            <p:ph type="sldNum" sz="quarter" idx="12"/>
+          </p:nvPr>
+        </p:nvSpPr>
+        <p:spPr/>
+        <p:txBody>
+          <a:bodyPr/>
+          <a:lstStyle/>
+          <a:p>
+            <a:fld id="{D57F1E4F-1CFF-5643-939E-02111984F565}" type="slidenum">
+              <a:rPr lang="en-US" smtClean="0"/>
+              <a:t>21</a:t>
+            </a:fld>
+            <a:endParaRPr lang="en-US" dirty="0"/>
+          </a:p>
+        </p:txBody>
+      </p:sp>
     </p:spTree>
     <p:extLst>
       <p:ext uri="{BB962C8B-B14F-4D97-AF65-F5344CB8AC3E}">
@@ -12351,6 +13462,147 @@
             </a:endParaRPr>
           </a:p>
           <a:p>
+            <a:pPr marL="342900" lvl="1" indent="0">
+              <a:buNone/>
+            </a:pPr>
+            <a:r>
+              <a:rPr lang="en-US" sz="2000" b="1" dirty="0">
+                <a:solidFill>
+                  <a:srgbClr val="000087"/>
+                </a:solidFill>
+                <a:latin typeface="Inconsolata" panose="020B0609030003000000" pitchFamily="49" charset="77"/>
+              </a:rPr>
+              <a:t>x</a:t>
+            </a:r>
+            <a:r>
+              <a:rPr lang="en-US" sz="2000" b="1" dirty="0">
+                <a:solidFill>
+                  <a:srgbClr val="006699"/>
+                </a:solidFill>
+                <a:latin typeface="Inconsolata" panose="020B0609030003000000" pitchFamily="49" charset="77"/>
+              </a:rPr>
+              <a:t> = 50</a:t>
+            </a:r>
+          </a:p>
+          <a:p>
+            <a:pPr marL="342900" lvl="1" indent="0">
+              <a:buNone/>
+            </a:pPr>
+            <a:r>
+              <a:rPr lang="en-US" sz="2000" b="1" dirty="0">
+                <a:solidFill>
+                  <a:srgbClr val="000087"/>
+                </a:solidFill>
+                <a:latin typeface="Inconsolata" panose="020B0609030003000000" pitchFamily="49" charset="77"/>
+              </a:rPr>
+              <a:t>grade</a:t>
+            </a:r>
+            <a:r>
+              <a:rPr lang="en-US" sz="2000" b="1" dirty="0">
+                <a:solidFill>
+                  <a:srgbClr val="006699"/>
+                </a:solidFill>
+                <a:latin typeface="Inconsolata" panose="020B0609030003000000" pitchFamily="49" charset="77"/>
+              </a:rPr>
+              <a:t> = </a:t>
+            </a:r>
+            <a:r>
+              <a:rPr lang="en-US" sz="2000" b="1" dirty="0">
+                <a:solidFill>
+                  <a:srgbClr val="FF6600"/>
+                </a:solidFill>
+                <a:latin typeface="Inconsolata" panose="020B0609030003000000" pitchFamily="49" charset="77"/>
+              </a:rPr>
+              <a:t>“pass” </a:t>
+            </a:r>
+            <a:r>
+              <a:rPr lang="en-US" sz="2000" b="1" dirty="0">
+                <a:solidFill>
+                  <a:srgbClr val="006699"/>
+                </a:solidFill>
+                <a:latin typeface="Inconsolata" panose="020B0609030003000000" pitchFamily="49" charset="77"/>
+              </a:rPr>
+              <a:t>if </a:t>
+            </a:r>
+            <a:r>
+              <a:rPr lang="en-US" sz="2000" b="1" dirty="0">
+                <a:solidFill>
+                  <a:srgbClr val="000087"/>
+                </a:solidFill>
+                <a:latin typeface="Inconsolata" panose="020B0609030003000000" pitchFamily="49" charset="77"/>
+              </a:rPr>
+              <a:t>x</a:t>
+            </a:r>
+            <a:r>
+              <a:rPr lang="en-US" sz="2000" b="1" dirty="0">
+                <a:solidFill>
+                  <a:srgbClr val="006699"/>
+                </a:solidFill>
+                <a:latin typeface="Inconsolata" panose="020B0609030003000000" pitchFamily="49" charset="77"/>
+              </a:rPr>
+              <a:t> &gt;= 60 else </a:t>
+            </a:r>
+            <a:r>
+              <a:rPr lang="en-US" sz="2000" b="1" dirty="0">
+                <a:solidFill>
+                  <a:srgbClr val="FF6600"/>
+                </a:solidFill>
+                <a:latin typeface="Inconsolata" panose="020B0609030003000000" pitchFamily="49" charset="77"/>
+              </a:rPr>
+              <a:t>“fail” </a:t>
+            </a:r>
+          </a:p>
+          <a:p>
+            <a:pPr marL="342900" lvl="1" indent="0">
+              <a:buNone/>
+            </a:pPr>
+            <a:r>
+              <a:rPr lang="en-US" sz="2000" b="1" dirty="0">
+                <a:solidFill>
+                  <a:srgbClr val="006699"/>
+                </a:solidFill>
+                <a:latin typeface="Inconsolata" panose="020B0609030003000000" pitchFamily="49" charset="77"/>
+              </a:rPr>
+              <a:t>print(</a:t>
+            </a:r>
+            <a:r>
+              <a:rPr lang="en-US" sz="2000" b="1" dirty="0">
+                <a:solidFill>
+                  <a:srgbClr val="000087"/>
+                </a:solidFill>
+                <a:latin typeface="Inconsolata" panose="020B0609030003000000" pitchFamily="49" charset="77"/>
+              </a:rPr>
+              <a:t>grade</a:t>
+            </a:r>
+            <a:r>
+              <a:rPr lang="en-US" sz="2000" b="1" dirty="0">
+                <a:solidFill>
+                  <a:srgbClr val="006699"/>
+                </a:solidFill>
+                <a:latin typeface="Inconsolata" panose="020B0609030003000000" pitchFamily="49" charset="77"/>
+              </a:rPr>
+              <a:t>)		</a:t>
+            </a:r>
+            <a:r>
+              <a:rPr lang="en-US" sz="2000" b="1" dirty="0">
+                <a:solidFill>
+                  <a:schemeClr val="accent6"/>
+                </a:solidFill>
+                <a:latin typeface="Inconsolata" panose="020B0609030003000000" pitchFamily="49" charset="77"/>
+              </a:rPr>
+              <a:t># </a:t>
+            </a:r>
+            <a:r>
+              <a:rPr lang="en-US" sz="2100" dirty="0">
+                <a:solidFill>
+                  <a:schemeClr val="accent6"/>
+                </a:solidFill>
+                <a:latin typeface="Gill Sans MT" panose="020B0502020104020203" pitchFamily="34" charset="77"/>
+              </a:rPr>
+              <a:t>fail</a:t>
+            </a:r>
+          </a:p>
+          <a:p>
             <a:pPr marL="0" indent="0">
               <a:buNone/>
             </a:pPr>
@@ -12359,157 +13611,76 @@
             </a:endParaRPr>
           </a:p>
           <a:p>
-            <a:pPr marL="342900" lvl="1" indent="0">
-              <a:buNone/>
-            </a:pPr>
-            <a:r>
-              <a:rPr lang="en-US" sz="2000" b="1" dirty="0">
-                <a:solidFill>
-                  <a:srgbClr val="000087"/>
-                </a:solidFill>
-                <a:latin typeface="Inconsolata" panose="020B0609030003000000" pitchFamily="49" charset="77"/>
-              </a:rPr>
-              <a:t>x</a:t>
-            </a:r>
-            <a:r>
-              <a:rPr lang="en-US" sz="2000" b="1" dirty="0">
-                <a:solidFill>
-                  <a:srgbClr val="006699"/>
-                </a:solidFill>
-                <a:latin typeface="Inconsolata" panose="020B0609030003000000" pitchFamily="49" charset="77"/>
-              </a:rPr>
-              <a:t> = 50</a:t>
-            </a:r>
-          </a:p>
-          <a:p>
-            <a:pPr marL="342900" lvl="1" indent="0">
-              <a:buNone/>
-            </a:pPr>
-            <a:r>
-              <a:rPr lang="en-US" sz="2000" b="1" dirty="0">
-                <a:solidFill>
-                  <a:srgbClr val="000087"/>
-                </a:solidFill>
-                <a:latin typeface="Inconsolata" panose="020B0609030003000000" pitchFamily="49" charset="77"/>
-              </a:rPr>
-              <a:t>grade</a:t>
-            </a:r>
-            <a:r>
-              <a:rPr lang="en-US" sz="2000" b="1" dirty="0">
-                <a:solidFill>
-                  <a:srgbClr val="006699"/>
-                </a:solidFill>
-                <a:latin typeface="Inconsolata" panose="020B0609030003000000" pitchFamily="49" charset="77"/>
-              </a:rPr>
-              <a:t> = </a:t>
-            </a:r>
-            <a:r>
-              <a:rPr lang="en-US" sz="2000" b="1" dirty="0">
-                <a:solidFill>
-                  <a:srgbClr val="FF6600"/>
-                </a:solidFill>
-                <a:latin typeface="Inconsolata" panose="020B0609030003000000" pitchFamily="49" charset="77"/>
-              </a:rPr>
-              <a:t>“pass” </a:t>
-            </a:r>
-            <a:r>
-              <a:rPr lang="en-US" sz="2000" b="1" dirty="0">
-                <a:solidFill>
-                  <a:srgbClr val="006699"/>
-                </a:solidFill>
-                <a:latin typeface="Inconsolata" panose="020B0609030003000000" pitchFamily="49" charset="77"/>
-              </a:rPr>
-              <a:t>if </a:t>
-            </a:r>
-            <a:r>
-              <a:rPr lang="en-US" sz="2000" b="1" dirty="0">
-                <a:solidFill>
-                  <a:srgbClr val="000087"/>
-                </a:solidFill>
-                <a:latin typeface="Inconsolata" panose="020B0609030003000000" pitchFamily="49" charset="77"/>
-              </a:rPr>
-              <a:t>x</a:t>
-            </a:r>
-            <a:r>
-              <a:rPr lang="en-US" sz="2000" b="1" dirty="0">
-                <a:solidFill>
-                  <a:srgbClr val="006699"/>
-                </a:solidFill>
-                <a:latin typeface="Inconsolata" panose="020B0609030003000000" pitchFamily="49" charset="77"/>
-              </a:rPr>
-              <a:t> &gt;= 60 else </a:t>
-            </a:r>
-            <a:r>
-              <a:rPr lang="en-US" sz="2000" b="1" dirty="0">
-                <a:solidFill>
-                  <a:srgbClr val="FF6600"/>
-                </a:solidFill>
-                <a:latin typeface="Inconsolata" panose="020B0609030003000000" pitchFamily="49" charset="77"/>
-              </a:rPr>
-              <a:t>“fail” </a:t>
-            </a:r>
-          </a:p>
-          <a:p>
-            <a:pPr marL="342900" lvl="1" indent="0">
-              <a:buNone/>
-            </a:pPr>
-            <a:r>
-              <a:rPr lang="en-US" sz="2000" b="1" dirty="0">
-                <a:solidFill>
-                  <a:srgbClr val="006699"/>
-                </a:solidFill>
-                <a:latin typeface="Inconsolata" panose="020B0609030003000000" pitchFamily="49" charset="77"/>
-              </a:rPr>
-              <a:t>print(</a:t>
-            </a:r>
-            <a:r>
-              <a:rPr lang="en-US" sz="2000" b="1" dirty="0">
-                <a:solidFill>
-                  <a:srgbClr val="000087"/>
-                </a:solidFill>
-                <a:latin typeface="Inconsolata" panose="020B0609030003000000" pitchFamily="49" charset="77"/>
-              </a:rPr>
-              <a:t>grade</a:t>
-            </a:r>
-            <a:r>
-              <a:rPr lang="en-US" sz="2000" b="1" dirty="0">
-                <a:solidFill>
-                  <a:srgbClr val="006699"/>
-                </a:solidFill>
-                <a:latin typeface="Inconsolata" panose="020B0609030003000000" pitchFamily="49" charset="77"/>
-              </a:rPr>
-              <a:t>)</a:t>
-            </a:r>
-          </a:p>
-          <a:p>
-            <a:pPr marL="342900" lvl="1" indent="0">
-              <a:buNone/>
-            </a:pPr>
-            <a:endParaRPr lang="en-US" sz="2000" b="1" dirty="0">
+            <a:pPr marL="0" indent="0">
+              <a:buNone/>
+            </a:pPr>
+            <a:r>
+              <a:rPr lang="en-US" dirty="0">
+                <a:latin typeface="Gill Sans MT" panose="020B0502020104020203" pitchFamily="34" charset="77"/>
+              </a:rPr>
+              <a:t>The above code is equivalent to the following:</a:t>
+            </a:r>
+            <a:endParaRPr lang="en-US" sz="2100" dirty="0">
               <a:solidFill>
-                <a:srgbClr val="006699"/>
+                <a:schemeClr val="accent6"/>
               </a:solidFill>
-              <a:latin typeface="Inconsolata" panose="020B0609030003000000" pitchFamily="49" charset="77"/>
-            </a:endParaRPr>
-          </a:p>
-          <a:p>
-            <a:pPr marL="342900" lvl="1" indent="0">
-              <a:buNone/>
-            </a:pPr>
-            <a:r>
-              <a:rPr lang="en-US" sz="2100" dirty="0">
-                <a:latin typeface="Gill Sans MT" panose="020B0502020104020203" pitchFamily="34" charset="77"/>
-              </a:rPr>
-              <a:t>fail</a:t>
-            </a:r>
-          </a:p>
-          <a:p>
-            <a:pPr marL="342900" lvl="1" indent="0">
-              <a:buNone/>
-            </a:pPr>
-            <a:endParaRPr lang="en-US" sz="2100" dirty="0">
               <a:latin typeface="Gill Sans MT" panose="020B0502020104020203" pitchFamily="34" charset="77"/>
             </a:endParaRPr>
+          </a:p>
+          <a:p>
+            <a:pPr marL="342900" lvl="1" indent="0">
+              <a:buNone/>
+            </a:pPr>
+            <a:r>
+              <a:rPr lang="en-US" sz="2100" b="1" dirty="0">
+                <a:latin typeface="INCONSOLATA" panose="020B0609030003000000" pitchFamily="49" charset="77"/>
+              </a:rPr>
+              <a:t>if x &gt;= 60:</a:t>
+            </a:r>
+          </a:p>
+          <a:p>
+            <a:pPr marL="342900" lvl="1" indent="0">
+              <a:buNone/>
+            </a:pPr>
+            <a:r>
+              <a:rPr lang="en-US" sz="2100" b="1" dirty="0">
+                <a:latin typeface="INCONSOLATA" panose="020B0609030003000000" pitchFamily="49" charset="77"/>
+              </a:rPr>
+              <a:t>	grade = "pass"</a:t>
+            </a:r>
+          </a:p>
+          <a:p>
+            <a:pPr marL="342900" lvl="1" indent="0">
+              <a:buNone/>
+            </a:pPr>
+            <a:r>
+              <a:rPr lang="en-US" sz="2100" b="1" dirty="0">
+                <a:latin typeface="INCONSOLATA" panose="020B0609030003000000" pitchFamily="49" charset="77"/>
+              </a:rPr>
+              <a:t>else:</a:t>
+            </a:r>
+          </a:p>
+          <a:p>
+            <a:pPr marL="342900" lvl="1" indent="0">
+              <a:buNone/>
+            </a:pPr>
+            <a:r>
+              <a:rPr lang="en-US" sz="2100" b="1" dirty="0">
+                <a:latin typeface="INCONSOLATA" panose="020B0609030003000000" pitchFamily="49" charset="77"/>
+              </a:rPr>
+              <a:t>	grade = "fail"</a:t>
+            </a:r>
+          </a:p>
+          <a:p>
+            <a:pPr marL="342900" lvl="1" indent="0">
+              <a:buNone/>
+            </a:pPr>
+            <a:r>
+              <a:rPr lang="en-US" sz="2100" b="1" dirty="0">
+                <a:latin typeface="INCONSOLATA" panose="020B0609030003000000" pitchFamily="49" charset="77"/>
+              </a:rPr>
+              <a:t>print(grade)</a:t>
+            </a:r>
           </a:p>
           <a:p>
             <a:pPr marL="342900" lvl="1" indent="0">
@@ -12521,6 +13692,35 @@
               </a:solidFill>
               <a:latin typeface="Gill Sans MT" panose="020B0502020104020203" pitchFamily="34" charset="77"/>
             </a:endParaRPr>
+          </a:p>
+        </p:txBody>
+      </p:sp>
+      <p:sp>
+        <p:nvSpPr>
+          <p:cNvPr id="3" name="Slide Number Placeholder 2">
+            <a:extLst>
+              <a:ext uri="{FF2B5EF4-FFF2-40B4-BE49-F238E27FC236}">
+                <a16:creationId xmlns:a16="http://schemas.microsoft.com/office/drawing/2014/main" id="{BF726462-D76D-2A48-9D9C-D9A4C3F8AA81}"/>
+              </a:ext>
+            </a:extLst>
+          </p:cNvPr>
+          <p:cNvSpPr>
+            <a:spLocks noGrp="1"/>
+          </p:cNvSpPr>
+          <p:nvPr>
+            <p:ph type="sldNum" sz="quarter" idx="12"/>
+          </p:nvPr>
+        </p:nvSpPr>
+        <p:spPr/>
+        <p:txBody>
+          <a:bodyPr/>
+          <a:lstStyle/>
+          <a:p>
+            <a:fld id="{D57F1E4F-1CFF-5643-939E-02111984F565}" type="slidenum">
+              <a:rPr lang="en-US" smtClean="0"/>
+              <a:t>22</a:t>
+            </a:fld>
+            <a:endParaRPr lang="en-US" dirty="0"/>
           </a:p>
         </p:txBody>
       </p:sp>
@@ -12570,7 +13770,7 @@
                                         <p:tgtEl>
                                           <p:spTgt spid="9">
                                             <p:txEl>
-                                              <p:pRg st="3" end="3"/>
+                                              <p:pRg st="6" end="6"/>
                                             </p:txEl>
                                           </p:spTgt>
                                         </p:tgtEl>
@@ -12601,7 +13801,7 @@
                                         <p:tgtEl>
                                           <p:spTgt spid="9">
                                             <p:txEl>
-                                              <p:pRg st="4" end="4"/>
+                                              <p:pRg st="7" end="7"/>
                                             </p:txEl>
                                           </p:spTgt>
                                         </p:tgtEl>
@@ -12632,7 +13832,7 @@
                                         <p:tgtEl>
                                           <p:spTgt spid="9">
                                             <p:txEl>
-                                              <p:pRg st="5" end="5"/>
+                                              <p:pRg st="8" end="8"/>
                                             </p:txEl>
                                           </p:spTgt>
                                         </p:tgtEl>
@@ -12647,26 +13847,39 @@
                                   </p:childTnLst>
                                 </p:cTn>
                               </p:par>
-                            </p:childTnLst>
-                          </p:cTn>
-                        </p:par>
-                      </p:childTnLst>
-                    </p:cTn>
-                  </p:par>
-                  <p:par>
-                    <p:cTn id="11" fill="hold">
-                      <p:stCondLst>
-                        <p:cond delay="indefinite"/>
-                      </p:stCondLst>
-                      <p:childTnLst>
-                        <p:par>
-                          <p:cTn id="12" fill="hold">
-                            <p:stCondLst>
-                              <p:cond delay="0"/>
-                            </p:stCondLst>
-                            <p:childTnLst>
                               <p:par>
-                                <p:cTn id="13" presetID="1" presetClass="entr" presetSubtype="0" fill="hold" nodeType="clickEffect">
+                                <p:cTn id="11" presetID="1" presetClass="entr" presetSubtype="0" fill="hold" nodeType="withEffect">
+                                  <p:stCondLst>
+                                    <p:cond delay="0"/>
+                                  </p:stCondLst>
+                                  <p:childTnLst>
+                                    <p:set>
+                                      <p:cBhvr>
+                                        <p:cTn id="12" dur="1" fill="hold">
+                                          <p:stCondLst>
+                                            <p:cond delay="0"/>
+                                          </p:stCondLst>
+                                        </p:cTn>
+                                        <p:tgtEl>
+                                          <p:spTgt spid="9">
+                                            <p:txEl>
+                                              <p:pRg st="9" end="9"/>
+                                            </p:txEl>
+                                          </p:spTgt>
+                                        </p:tgtEl>
+                                        <p:attrNameLst>
+                                          <p:attrName>style.visibility</p:attrName>
+                                        </p:attrNameLst>
+                                      </p:cBhvr>
+                                      <p:to>
+                                        <p:strVal val="visible"/>
+                                      </p:to>
+                                    </p:set>
+                                  </p:childTnLst>
+                                </p:cTn>
+                              </p:par>
+                              <p:par>
+                                <p:cTn id="13" presetID="1" presetClass="entr" presetSubtype="0" fill="hold" nodeType="withEffect">
                                   <p:stCondLst>
                                     <p:cond delay="0"/>
                                   </p:stCondLst>
@@ -12681,7 +13894,38 @@
                                         <p:tgtEl>
                                           <p:spTgt spid="9">
                                             <p:txEl>
-                                              <p:pRg st="7" end="7"/>
+                                              <p:pRg st="10" end="10"/>
+                                            </p:txEl>
+                                          </p:spTgt>
+                                        </p:tgtEl>
+                                        <p:attrNameLst>
+                                          <p:attrName>style.visibility</p:attrName>
+                                        </p:attrNameLst>
+                                      </p:cBhvr>
+                                      <p:to>
+                                        <p:strVal val="visible"/>
+                                      </p:to>
+                                    </p:set>
+                                  </p:childTnLst>
+                                </p:cTn>
+                              </p:par>
+                              <p:par>
+                                <p:cTn id="15" presetID="1" presetClass="entr" presetSubtype="0" fill="hold" nodeType="withEffect">
+                                  <p:stCondLst>
+                                    <p:cond delay="0"/>
+                                  </p:stCondLst>
+                                  <p:childTnLst>
+                                    <p:set>
+                                      <p:cBhvr>
+                                        <p:cTn id="16" dur="1" fill="hold">
+                                          <p:stCondLst>
+                                            <p:cond delay="0"/>
+                                          </p:stCondLst>
+                                        </p:cTn>
+                                        <p:tgtEl>
+                                          <p:spTgt spid="9">
+                                            <p:txEl>
+                                              <p:pRg st="11" end="11"/>
                                             </p:txEl>
                                           </p:spTgt>
                                         </p:tgtEl>
@@ -12975,6 +14219,35 @@
               </a:solidFill>
               <a:latin typeface="Gill Sans MT" panose="020B0502020104020203" pitchFamily="34" charset="77"/>
             </a:endParaRPr>
+          </a:p>
+        </p:txBody>
+      </p:sp>
+      <p:sp>
+        <p:nvSpPr>
+          <p:cNvPr id="3" name="Slide Number Placeholder 2">
+            <a:extLst>
+              <a:ext uri="{FF2B5EF4-FFF2-40B4-BE49-F238E27FC236}">
+                <a16:creationId xmlns:a16="http://schemas.microsoft.com/office/drawing/2014/main" id="{03D2D02E-B31E-A649-8FF4-D956449D41EE}"/>
+              </a:ext>
+            </a:extLst>
+          </p:cNvPr>
+          <p:cNvSpPr>
+            <a:spLocks noGrp="1"/>
+          </p:cNvSpPr>
+          <p:nvPr>
+            <p:ph type="sldNum" sz="quarter" idx="12"/>
+          </p:nvPr>
+        </p:nvSpPr>
+        <p:spPr/>
+        <p:txBody>
+          <a:bodyPr/>
+          <a:lstStyle/>
+          <a:p>
+            <a:fld id="{D57F1E4F-1CFF-5643-939E-02111984F565}" type="slidenum">
+              <a:rPr lang="en-US" smtClean="0"/>
+              <a:t>23</a:t>
+            </a:fld>
+            <a:endParaRPr lang="en-US" dirty="0"/>
           </a:p>
         </p:txBody>
       </p:sp>
@@ -13402,6 +14675,35 @@
           </a:p>
         </p:txBody>
       </p:sp>
+      <p:sp>
+        <p:nvSpPr>
+          <p:cNvPr id="3" name="Slide Number Placeholder 2">
+            <a:extLst>
+              <a:ext uri="{FF2B5EF4-FFF2-40B4-BE49-F238E27FC236}">
+                <a16:creationId xmlns:a16="http://schemas.microsoft.com/office/drawing/2014/main" id="{05019E21-C7E3-AF4D-A5CE-F7FB20D3B7AD}"/>
+              </a:ext>
+            </a:extLst>
+          </p:cNvPr>
+          <p:cNvSpPr>
+            <a:spLocks noGrp="1"/>
+          </p:cNvSpPr>
+          <p:nvPr>
+            <p:ph type="sldNum" sz="quarter" idx="12"/>
+          </p:nvPr>
+        </p:nvSpPr>
+        <p:spPr/>
+        <p:txBody>
+          <a:bodyPr/>
+          <a:lstStyle/>
+          <a:p>
+            <a:fld id="{D57F1E4F-1CFF-5643-939E-02111984F565}" type="slidenum">
+              <a:rPr lang="en-US" smtClean="0"/>
+              <a:t>24</a:t>
+            </a:fld>
+            <a:endParaRPr lang="en-US" dirty="0"/>
+          </a:p>
+        </p:txBody>
+      </p:sp>
     </p:spTree>
     <p:extLst>
       <p:ext uri="{BB962C8B-B14F-4D97-AF65-F5344CB8AC3E}">
@@ -14062,6 +15364,35 @@
               </a:rPr>
               <a:t>prints "fizz".</a:t>
             </a:r>
+          </a:p>
+        </p:txBody>
+      </p:sp>
+      <p:sp>
+        <p:nvSpPr>
+          <p:cNvPr id="4" name="Slide Number Placeholder 3">
+            <a:extLst>
+              <a:ext uri="{FF2B5EF4-FFF2-40B4-BE49-F238E27FC236}">
+                <a16:creationId xmlns:a16="http://schemas.microsoft.com/office/drawing/2014/main" id="{99B1C2AE-4FC6-B749-932A-17655B8688A0}"/>
+              </a:ext>
+            </a:extLst>
+          </p:cNvPr>
+          <p:cNvSpPr>
+            <a:spLocks noGrp="1"/>
+          </p:cNvSpPr>
+          <p:nvPr>
+            <p:ph type="sldNum" sz="quarter" idx="12"/>
+          </p:nvPr>
+        </p:nvSpPr>
+        <p:spPr/>
+        <p:txBody>
+          <a:bodyPr/>
+          <a:lstStyle/>
+          <a:p>
+            <a:fld id="{D57F1E4F-1CFF-5643-939E-02111984F565}" type="slidenum">
+              <a:rPr lang="en-US" smtClean="0"/>
+              <a:t>25</a:t>
+            </a:fld>
+            <a:endParaRPr lang="en-US" dirty="0"/>
           </a:p>
         </p:txBody>
       </p:sp>
@@ -15069,6 +16400,35 @@
           </a:p>
         </p:txBody>
       </p:sp>
+      <p:sp>
+        <p:nvSpPr>
+          <p:cNvPr id="3" name="Slide Number Placeholder 2">
+            <a:extLst>
+              <a:ext uri="{FF2B5EF4-FFF2-40B4-BE49-F238E27FC236}">
+                <a16:creationId xmlns:a16="http://schemas.microsoft.com/office/drawing/2014/main" id="{00D505F2-6C6B-7D4A-BAD4-E9E56AAF5CF8}"/>
+              </a:ext>
+            </a:extLst>
+          </p:cNvPr>
+          <p:cNvSpPr>
+            <a:spLocks noGrp="1"/>
+          </p:cNvSpPr>
+          <p:nvPr>
+            <p:ph type="sldNum" sz="quarter" idx="12"/>
+          </p:nvPr>
+        </p:nvSpPr>
+        <p:spPr/>
+        <p:txBody>
+          <a:bodyPr/>
+          <a:lstStyle/>
+          <a:p>
+            <a:fld id="{D57F1E4F-1CFF-5643-939E-02111984F565}" type="slidenum">
+              <a:rPr lang="en-US" smtClean="0"/>
+              <a:t>26</a:t>
+            </a:fld>
+            <a:endParaRPr lang="en-US" dirty="0"/>
+          </a:p>
+        </p:txBody>
+      </p:sp>
     </p:spTree>
     <p:extLst>
       <p:ext uri="{BB962C8B-B14F-4D97-AF65-F5344CB8AC3E}">
@@ -15546,6 +16906,35 @@
               </a:rPr>
               <a:t>slide.</a:t>
             </a:r>
+          </a:p>
+        </p:txBody>
+      </p:sp>
+      <p:sp>
+        <p:nvSpPr>
+          <p:cNvPr id="3" name="Slide Number Placeholder 2">
+            <a:extLst>
+              <a:ext uri="{FF2B5EF4-FFF2-40B4-BE49-F238E27FC236}">
+                <a16:creationId xmlns:a16="http://schemas.microsoft.com/office/drawing/2014/main" id="{D3F01BE3-9D5A-4747-815B-0FDB25681094}"/>
+              </a:ext>
+            </a:extLst>
+          </p:cNvPr>
+          <p:cNvSpPr>
+            <a:spLocks noGrp="1"/>
+          </p:cNvSpPr>
+          <p:nvPr>
+            <p:ph type="sldNum" sz="quarter" idx="12"/>
+          </p:nvPr>
+        </p:nvSpPr>
+        <p:spPr/>
+        <p:txBody>
+          <a:bodyPr/>
+          <a:lstStyle/>
+          <a:p>
+            <a:fld id="{D57F1E4F-1CFF-5643-939E-02111984F565}" type="slidenum">
+              <a:rPr lang="en-US" smtClean="0"/>
+              <a:t>27</a:t>
+            </a:fld>
+            <a:endParaRPr lang="en-US" dirty="0"/>
           </a:p>
         </p:txBody>
       </p:sp>
@@ -15842,6 +17231,35 @@
           </a:p>
         </p:txBody>
       </p:sp>
+      <p:sp>
+        <p:nvSpPr>
+          <p:cNvPr id="3" name="Slide Number Placeholder 2">
+            <a:extLst>
+              <a:ext uri="{FF2B5EF4-FFF2-40B4-BE49-F238E27FC236}">
+                <a16:creationId xmlns:a16="http://schemas.microsoft.com/office/drawing/2014/main" id="{4B164F2C-92CE-214B-A2AA-ACC59878605C}"/>
+              </a:ext>
+            </a:extLst>
+          </p:cNvPr>
+          <p:cNvSpPr>
+            <a:spLocks noGrp="1"/>
+          </p:cNvSpPr>
+          <p:nvPr>
+            <p:ph type="sldNum" sz="quarter" idx="12"/>
+          </p:nvPr>
+        </p:nvSpPr>
+        <p:spPr/>
+        <p:txBody>
+          <a:bodyPr/>
+          <a:lstStyle/>
+          <a:p>
+            <a:fld id="{D57F1E4F-1CFF-5643-939E-02111984F565}" type="slidenum">
+              <a:rPr lang="en-US" smtClean="0"/>
+              <a:t>28</a:t>
+            </a:fld>
+            <a:endParaRPr lang="en-US" dirty="0"/>
+          </a:p>
+        </p:txBody>
+      </p:sp>
     </p:spTree>
     <p:extLst>
       <p:ext uri="{BB962C8B-B14F-4D97-AF65-F5344CB8AC3E}">
@@ -16161,6 +17579,35 @@
           </a:p>
           <a:p>
             <a:endParaRPr lang="en-US" sz="2100" dirty="0"/>
+          </a:p>
+        </p:txBody>
+      </p:sp>
+      <p:sp>
+        <p:nvSpPr>
+          <p:cNvPr id="4" name="Slide Number Placeholder 3">
+            <a:extLst>
+              <a:ext uri="{FF2B5EF4-FFF2-40B4-BE49-F238E27FC236}">
+                <a16:creationId xmlns:a16="http://schemas.microsoft.com/office/drawing/2014/main" id="{BA24DAAD-1E10-1B47-9666-DD82DF0DF64F}"/>
+              </a:ext>
+            </a:extLst>
+          </p:cNvPr>
+          <p:cNvSpPr>
+            <a:spLocks noGrp="1"/>
+          </p:cNvSpPr>
+          <p:nvPr>
+            <p:ph type="sldNum" sz="quarter" idx="12"/>
+          </p:nvPr>
+        </p:nvSpPr>
+        <p:spPr/>
+        <p:txBody>
+          <a:bodyPr/>
+          <a:lstStyle/>
+          <a:p>
+            <a:fld id="{D57F1E4F-1CFF-5643-939E-02111984F565}" type="slidenum">
+              <a:rPr lang="en-US" smtClean="0"/>
+              <a:t>29</a:t>
+            </a:fld>
+            <a:endParaRPr lang="en-US" dirty="0"/>
           </a:p>
         </p:txBody>
       </p:sp>
@@ -16374,6 +17821,35 @@
                 <a:srgbClr val="FF0000"/>
               </a:solidFill>
             </a:endParaRPr>
+          </a:p>
+        </p:txBody>
+      </p:sp>
+      <p:sp>
+        <p:nvSpPr>
+          <p:cNvPr id="4" name="Slide Number Placeholder 3">
+            <a:extLst>
+              <a:ext uri="{FF2B5EF4-FFF2-40B4-BE49-F238E27FC236}">
+                <a16:creationId xmlns:a16="http://schemas.microsoft.com/office/drawing/2014/main" id="{04BF489F-BF26-BA47-B3E1-E28189A08103}"/>
+              </a:ext>
+            </a:extLst>
+          </p:cNvPr>
+          <p:cNvSpPr>
+            <a:spLocks noGrp="1"/>
+          </p:cNvSpPr>
+          <p:nvPr>
+            <p:ph type="sldNum" sz="quarter" idx="12"/>
+          </p:nvPr>
+        </p:nvSpPr>
+        <p:spPr/>
+        <p:txBody>
+          <a:bodyPr/>
+          <a:lstStyle/>
+          <a:p>
+            <a:fld id="{D57F1E4F-1CFF-5643-939E-02111984F565}" type="slidenum">
+              <a:rPr lang="en-US" smtClean="0"/>
+              <a:t>3</a:t>
+            </a:fld>
+            <a:endParaRPr lang="en-US" dirty="0"/>
           </a:p>
         </p:txBody>
       </p:sp>
@@ -16603,6 +18079,35 @@
           </a:p>
         </p:txBody>
       </p:sp>
+      <p:sp>
+        <p:nvSpPr>
+          <p:cNvPr id="3" name="Slide Number Placeholder 2">
+            <a:extLst>
+              <a:ext uri="{FF2B5EF4-FFF2-40B4-BE49-F238E27FC236}">
+                <a16:creationId xmlns:a16="http://schemas.microsoft.com/office/drawing/2014/main" id="{D2645337-8E21-574C-B0AB-5A587EA6ABFA}"/>
+              </a:ext>
+            </a:extLst>
+          </p:cNvPr>
+          <p:cNvSpPr>
+            <a:spLocks noGrp="1"/>
+          </p:cNvSpPr>
+          <p:nvPr>
+            <p:ph type="sldNum" sz="quarter" idx="12"/>
+          </p:nvPr>
+        </p:nvSpPr>
+        <p:spPr/>
+        <p:txBody>
+          <a:bodyPr/>
+          <a:lstStyle/>
+          <a:p>
+            <a:fld id="{D57F1E4F-1CFF-5643-939E-02111984F565}" type="slidenum">
+              <a:rPr lang="en-US" smtClean="0"/>
+              <a:t>30</a:t>
+            </a:fld>
+            <a:endParaRPr lang="en-US" dirty="0"/>
+          </a:p>
+        </p:txBody>
+      </p:sp>
     </p:spTree>
     <p:extLst>
       <p:ext uri="{BB962C8B-B14F-4D97-AF65-F5344CB8AC3E}">
@@ -17023,6 +18528,35 @@
             <a:endParaRPr lang="en-US" sz="1900" b="1" dirty="0">
               <a:latin typeface="INCONSOLATA" panose="020B0609030003000000" pitchFamily="49" charset="77"/>
             </a:endParaRPr>
+          </a:p>
+        </p:txBody>
+      </p:sp>
+      <p:sp>
+        <p:nvSpPr>
+          <p:cNvPr id="3" name="Slide Number Placeholder 2">
+            <a:extLst>
+              <a:ext uri="{FF2B5EF4-FFF2-40B4-BE49-F238E27FC236}">
+                <a16:creationId xmlns:a16="http://schemas.microsoft.com/office/drawing/2014/main" id="{698C56FC-B6C6-044B-A58A-338B0B680D7F}"/>
+              </a:ext>
+            </a:extLst>
+          </p:cNvPr>
+          <p:cNvSpPr>
+            <a:spLocks noGrp="1"/>
+          </p:cNvSpPr>
+          <p:nvPr>
+            <p:ph type="sldNum" sz="quarter" idx="12"/>
+          </p:nvPr>
+        </p:nvSpPr>
+        <p:spPr/>
+        <p:txBody>
+          <a:bodyPr/>
+          <a:lstStyle/>
+          <a:p>
+            <a:fld id="{D57F1E4F-1CFF-5643-939E-02111984F565}" type="slidenum">
+              <a:rPr lang="en-US" smtClean="0"/>
+              <a:t>4</a:t>
+            </a:fld>
+            <a:endParaRPr lang="en-US" dirty="0"/>
           </a:p>
         </p:txBody>
       </p:sp>
@@ -18253,6 +19787,35 @@
           </a:graphicData>
         </a:graphic>
       </p:graphicFrame>
+      <p:sp>
+        <p:nvSpPr>
+          <p:cNvPr id="4" name="Slide Number Placeholder 3">
+            <a:extLst>
+              <a:ext uri="{FF2B5EF4-FFF2-40B4-BE49-F238E27FC236}">
+                <a16:creationId xmlns:a16="http://schemas.microsoft.com/office/drawing/2014/main" id="{737DECF1-2EE2-3E4C-9289-9E1D3274A2D6}"/>
+              </a:ext>
+            </a:extLst>
+          </p:cNvPr>
+          <p:cNvSpPr>
+            <a:spLocks noGrp="1"/>
+          </p:cNvSpPr>
+          <p:nvPr>
+            <p:ph type="sldNum" sz="quarter" idx="12"/>
+          </p:nvPr>
+        </p:nvSpPr>
+        <p:spPr/>
+        <p:txBody>
+          <a:bodyPr/>
+          <a:lstStyle/>
+          <a:p>
+            <a:fld id="{D57F1E4F-1CFF-5643-939E-02111984F565}" type="slidenum">
+              <a:rPr lang="en-US" smtClean="0"/>
+              <a:t>5</a:t>
+            </a:fld>
+            <a:endParaRPr lang="en-US" dirty="0"/>
+          </a:p>
+        </p:txBody>
+      </p:sp>
     </p:spTree>
     <p:extLst>
       <p:ext uri="{BB962C8B-B14F-4D97-AF65-F5344CB8AC3E}">
@@ -19004,6 +20567,35 @@
             <a:endParaRPr lang="en-US" sz="1900" b="1" dirty="0">
               <a:latin typeface="Inconsolata" panose="020B0609030003000000" pitchFamily="49" charset="77"/>
             </a:endParaRPr>
+          </a:p>
+        </p:txBody>
+      </p:sp>
+      <p:sp>
+        <p:nvSpPr>
+          <p:cNvPr id="3" name="Slide Number Placeholder 2">
+            <a:extLst>
+              <a:ext uri="{FF2B5EF4-FFF2-40B4-BE49-F238E27FC236}">
+                <a16:creationId xmlns:a16="http://schemas.microsoft.com/office/drawing/2014/main" id="{552B6C79-A436-0549-AC3C-640042D8655F}"/>
+              </a:ext>
+            </a:extLst>
+          </p:cNvPr>
+          <p:cNvSpPr>
+            <a:spLocks noGrp="1"/>
+          </p:cNvSpPr>
+          <p:nvPr>
+            <p:ph type="sldNum" sz="quarter" idx="12"/>
+          </p:nvPr>
+        </p:nvSpPr>
+        <p:spPr/>
+        <p:txBody>
+          <a:bodyPr/>
+          <a:lstStyle/>
+          <a:p>
+            <a:fld id="{D57F1E4F-1CFF-5643-939E-02111984F565}" type="slidenum">
+              <a:rPr lang="en-US" smtClean="0"/>
+              <a:t>6</a:t>
+            </a:fld>
+            <a:endParaRPr lang="en-US" dirty="0"/>
           </a:p>
         </p:txBody>
       </p:sp>
@@ -19835,6 +21427,35 @@
           </a:graphicData>
         </a:graphic>
       </p:graphicFrame>
+      <p:sp>
+        <p:nvSpPr>
+          <p:cNvPr id="3" name="Slide Number Placeholder 2">
+            <a:extLst>
+              <a:ext uri="{FF2B5EF4-FFF2-40B4-BE49-F238E27FC236}">
+                <a16:creationId xmlns:a16="http://schemas.microsoft.com/office/drawing/2014/main" id="{E8D2A5BF-9051-1949-B69C-34717493B9E8}"/>
+              </a:ext>
+            </a:extLst>
+          </p:cNvPr>
+          <p:cNvSpPr>
+            <a:spLocks noGrp="1"/>
+          </p:cNvSpPr>
+          <p:nvPr>
+            <p:ph type="sldNum" sz="quarter" idx="12"/>
+          </p:nvPr>
+        </p:nvSpPr>
+        <p:spPr/>
+        <p:txBody>
+          <a:bodyPr/>
+          <a:lstStyle/>
+          <a:p>
+            <a:fld id="{D57F1E4F-1CFF-5643-939E-02111984F565}" type="slidenum">
+              <a:rPr lang="en-US" smtClean="0"/>
+              <a:t>7</a:t>
+            </a:fld>
+            <a:endParaRPr lang="en-US" dirty="0"/>
+          </a:p>
+        </p:txBody>
+      </p:sp>
     </p:spTree>
     <p:extLst>
       <p:ext uri="{BB962C8B-B14F-4D97-AF65-F5344CB8AC3E}">
@@ -20130,6 +21751,35 @@
             <a:endParaRPr lang="en-US" sz="1900" b="1" dirty="0">
               <a:latin typeface="Inconsolata" panose="020B0609030003000000" pitchFamily="49" charset="77"/>
             </a:endParaRPr>
+          </a:p>
+        </p:txBody>
+      </p:sp>
+      <p:sp>
+        <p:nvSpPr>
+          <p:cNvPr id="3" name="Slide Number Placeholder 2">
+            <a:extLst>
+              <a:ext uri="{FF2B5EF4-FFF2-40B4-BE49-F238E27FC236}">
+                <a16:creationId xmlns:a16="http://schemas.microsoft.com/office/drawing/2014/main" id="{17536517-B4B0-3549-95DB-06D6C7045436}"/>
+              </a:ext>
+            </a:extLst>
+          </p:cNvPr>
+          <p:cNvSpPr>
+            <a:spLocks noGrp="1"/>
+          </p:cNvSpPr>
+          <p:nvPr>
+            <p:ph type="sldNum" sz="quarter" idx="12"/>
+          </p:nvPr>
+        </p:nvSpPr>
+        <p:spPr/>
+        <p:txBody>
+          <a:bodyPr/>
+          <a:lstStyle/>
+          <a:p>
+            <a:fld id="{D57F1E4F-1CFF-5643-939E-02111984F565}" type="slidenum">
+              <a:rPr lang="en-US" smtClean="0"/>
+              <a:t>8</a:t>
+            </a:fld>
+            <a:endParaRPr lang="en-US" dirty="0"/>
           </a:p>
         </p:txBody>
       </p:sp>
@@ -20615,6 +22265,35 @@
             <a:endParaRPr lang="en-US" b="1" dirty="0">
               <a:latin typeface="Inconsolata" panose="020B0609030003000000" pitchFamily="49" charset="77"/>
             </a:endParaRPr>
+          </a:p>
+        </p:txBody>
+      </p:sp>
+      <p:sp>
+        <p:nvSpPr>
+          <p:cNvPr id="3" name="Slide Number Placeholder 2">
+            <a:extLst>
+              <a:ext uri="{FF2B5EF4-FFF2-40B4-BE49-F238E27FC236}">
+                <a16:creationId xmlns:a16="http://schemas.microsoft.com/office/drawing/2014/main" id="{9B9DF281-528E-6542-939F-6BD37BE42D69}"/>
+              </a:ext>
+            </a:extLst>
+          </p:cNvPr>
+          <p:cNvSpPr>
+            <a:spLocks noGrp="1"/>
+          </p:cNvSpPr>
+          <p:nvPr>
+            <p:ph type="sldNum" sz="quarter" idx="12"/>
+          </p:nvPr>
+        </p:nvSpPr>
+        <p:spPr/>
+        <p:txBody>
+          <a:bodyPr/>
+          <a:lstStyle/>
+          <a:p>
+            <a:fld id="{D57F1E4F-1CFF-5643-939E-02111984F565}" type="slidenum">
+              <a:rPr lang="en-US" smtClean="0"/>
+              <a:t>9</a:t>
+            </a:fld>
+            <a:endParaRPr lang="en-US" dirty="0"/>
           </a:p>
         </p:txBody>
       </p:sp>
@@ -21071,4 +22750,299 @@
     </a:ext>
   </a:extLst>
 </a:theme>
+</file>
+
+<file path=ppt/theme/theme2.xml><?xml version="1.0" encoding="utf-8"?>
+<a:theme xmlns:a="http://schemas.openxmlformats.org/drawingml/2006/main" name="Office Theme">
+  <a:themeElements>
+    <a:clrScheme name="Office">
+      <a:dk1>
+        <a:sysClr val="windowText" lastClr="000000"/>
+      </a:dk1>
+      <a:lt1>
+        <a:sysClr val="window" lastClr="FFFFFF"/>
+      </a:lt1>
+      <a:dk2>
+        <a:srgbClr val="44546A"/>
+      </a:dk2>
+      <a:lt2>
+        <a:srgbClr val="E7E6E6"/>
+      </a:lt2>
+      <a:accent1>
+        <a:srgbClr val="4472C4"/>
+      </a:accent1>
+      <a:accent2>
+        <a:srgbClr val="ED7D31"/>
+      </a:accent2>
+      <a:accent3>
+        <a:srgbClr val="A5A5A5"/>
+      </a:accent3>
+      <a:accent4>
+        <a:srgbClr val="FFC000"/>
+      </a:accent4>
+      <a:accent5>
+        <a:srgbClr val="5B9BD5"/>
+      </a:accent5>
+      <a:accent6>
+        <a:srgbClr val="70AD47"/>
+      </a:accent6>
+      <a:hlink>
+        <a:srgbClr val="0563C1"/>
+      </a:hlink>
+      <a:folHlink>
+        <a:srgbClr val="954F72"/>
+      </a:folHlink>
+    </a:clrScheme>
+    <a:fontScheme name="Office">
+      <a:majorFont>
+        <a:latin typeface="Calibri Light" panose="020F0302020204030204"/>
+        <a:ea typeface=""/>
+        <a:cs typeface=""/>
+        <a:font script="Jpan" typeface="游ゴシック Light"/>
+        <a:font script="Hang" typeface="맑은 고딕"/>
+        <a:font script="Hans" typeface="等线 Light"/>
+        <a:font script="Hant" typeface="新細明體"/>
+        <a:font script="Arab" typeface="Times New Roman"/>
+        <a:font script="Hebr" typeface="Times New Roman"/>
+        <a:font script="Thai" typeface="Angsana New"/>
+        <a:font script="Ethi" typeface="Nyala"/>
+        <a:font script="Beng" typeface="Vrinda"/>
+        <a:font script="Gujr" typeface="Shruti"/>
+        <a:font script="Khmr" typeface="MoolBoran"/>
+        <a:font script="Knda" typeface="Tunga"/>
+        <a:font script="Guru" typeface="Raavi"/>
+        <a:font script="Cans" typeface="Euphemia"/>
+        <a:font script="Cher" typeface="Plantagenet Cherokee"/>
+        <a:font script="Yiii" typeface="Microsoft Yi Baiti"/>
+        <a:font script="Tibt" typeface="Microsoft Himalaya"/>
+        <a:font script="Thaa" typeface="MV Boli"/>
+        <a:font script="Deva" typeface="Mangal"/>
+        <a:font script="Telu" typeface="Gautami"/>
+        <a:font script="Taml" typeface="Latha"/>
+        <a:font script="Syrc" typeface="Estrangelo Edessa"/>
+        <a:font script="Orya" typeface="Kalinga"/>
+        <a:font script="Mlym" typeface="Kartika"/>
+        <a:font script="Laoo" typeface="DokChampa"/>
+        <a:font script="Sinh" typeface="Iskoola Pota"/>
+        <a:font script="Mong" typeface="Mongolian Baiti"/>
+        <a:font script="Viet" typeface="Times New Roman"/>
+        <a:font script="Uigh" typeface="Microsoft Uighur"/>
+        <a:font script="Geor" typeface="Sylfaen"/>
+        <a:font script="Armn" typeface="Arial"/>
+        <a:font script="Bugi" typeface="Leelawadee UI"/>
+        <a:font script="Bopo" typeface="Microsoft JhengHei"/>
+        <a:font script="Java" typeface="Javanese Text"/>
+        <a:font script="Lisu" typeface="Segoe UI"/>
+        <a:font script="Mymr" typeface="Myanmar Text"/>
+        <a:font script="Nkoo" typeface="Ebrima"/>
+        <a:font script="Olck" typeface="Nirmala UI"/>
+        <a:font script="Osma" typeface="Ebrima"/>
+        <a:font script="Phag" typeface="Phagspa"/>
+        <a:font script="Syrn" typeface="Estrangelo Edessa"/>
+        <a:font script="Syrj" typeface="Estrangelo Edessa"/>
+        <a:font script="Syre" typeface="Estrangelo Edessa"/>
+        <a:font script="Sora" typeface="Nirmala UI"/>
+        <a:font script="Tale" typeface="Microsoft Tai Le"/>
+        <a:font script="Talu" typeface="Microsoft New Tai Lue"/>
+        <a:font script="Tfng" typeface="Ebrima"/>
+      </a:majorFont>
+      <a:minorFont>
+        <a:latin typeface="Calibri" panose="020F0502020204030204"/>
+        <a:ea typeface=""/>
+        <a:cs typeface=""/>
+        <a:font script="Jpan" typeface="游ゴシック"/>
+        <a:font script="Hang" typeface="맑은 고딕"/>
+        <a:font script="Hans" typeface="等线"/>
+        <a:font script="Hant" typeface="新細明體"/>
+        <a:font script="Arab" typeface="Arial"/>
+        <a:font script="Hebr" typeface="Arial"/>
+        <a:font script="Thai" typeface="Cordia New"/>
+        <a:font script="Ethi" typeface="Nyala"/>
+        <a:font script="Beng" typeface="Vrinda"/>
+        <a:font script="Gujr" typeface="Shruti"/>
+        <a:font script="Khmr" typeface="DaunPenh"/>
+        <a:font script="Knda" typeface="Tunga"/>
+        <a:font script="Guru" typeface="Raavi"/>
+        <a:font script="Cans" typeface="Euphemia"/>
+        <a:font script="Cher" typeface="Plantagenet Cherokee"/>
+        <a:font script="Yiii" typeface="Microsoft Yi Baiti"/>
+        <a:font script="Tibt" typeface="Microsoft Himalaya"/>
+        <a:font script="Thaa" typeface="MV Boli"/>
+        <a:font script="Deva" typeface="Mangal"/>
+        <a:font script="Telu" typeface="Gautami"/>
+        <a:font script="Taml" typeface="Latha"/>
+        <a:font script="Syrc" typeface="Estrangelo Edessa"/>
+        <a:font script="Orya" typeface="Kalinga"/>
+        <a:font script="Mlym" typeface="Kartika"/>
+        <a:font script="Laoo" typeface="DokChampa"/>
+        <a:font script="Sinh" typeface="Iskoola Pota"/>
+        <a:font script="Mong" typeface="Mongolian Baiti"/>
+        <a:font script="Viet" typeface="Arial"/>
+        <a:font script="Uigh" typeface="Microsoft Uighur"/>
+        <a:font script="Geor" typeface="Sylfaen"/>
+        <a:font script="Armn" typeface="Arial"/>
+        <a:font script="Bugi" typeface="Leelawadee UI"/>
+        <a:font script="Bopo" typeface="Microsoft JhengHei"/>
+        <a:font script="Java" typeface="Javanese Text"/>
+        <a:font script="Lisu" typeface="Segoe UI"/>
+        <a:font script="Mymr" typeface="Myanmar Text"/>
+        <a:font script="Nkoo" typeface="Ebrima"/>
+        <a:font script="Olck" typeface="Nirmala UI"/>
+        <a:font script="Osma" typeface="Ebrima"/>
+        <a:font script="Phag" typeface="Phagspa"/>
+        <a:font script="Syrn" typeface="Estrangelo Edessa"/>
+        <a:font script="Syrj" typeface="Estrangelo Edessa"/>
+        <a:font script="Syre" typeface="Estrangelo Edessa"/>
+        <a:font script="Sora" typeface="Nirmala UI"/>
+        <a:font script="Tale" typeface="Microsoft Tai Le"/>
+        <a:font script="Talu" typeface="Microsoft New Tai Lue"/>
+        <a:font script="Tfng" typeface="Ebrima"/>
+      </a:minorFont>
+    </a:fontScheme>
+    <a:fmtScheme name="Office">
+      <a:fillStyleLst>
+        <a:solidFill>
+          <a:schemeClr val="phClr"/>
+        </a:solidFill>
+        <a:gradFill rotWithShape="1">
+          <a:gsLst>
+            <a:gs pos="0">
+              <a:schemeClr val="phClr">
+                <a:lumMod val="110000"/>
+                <a:satMod val="105000"/>
+                <a:tint val="67000"/>
+              </a:schemeClr>
+            </a:gs>
+            <a:gs pos="50000">
+              <a:schemeClr val="phClr">
+                <a:lumMod val="105000"/>
+                <a:satMod val="103000"/>
+                <a:tint val="73000"/>
+              </a:schemeClr>
+            </a:gs>
+            <a:gs pos="100000">
+              <a:schemeClr val="phClr">
+                <a:lumMod val="105000"/>
+                <a:satMod val="109000"/>
+                <a:tint val="81000"/>
+              </a:schemeClr>
+            </a:gs>
+          </a:gsLst>
+          <a:lin ang="5400000" scaled="0"/>
+        </a:gradFill>
+        <a:gradFill rotWithShape="1">
+          <a:gsLst>
+            <a:gs pos="0">
+              <a:schemeClr val="phClr">
+                <a:satMod val="103000"/>
+                <a:lumMod val="102000"/>
+                <a:tint val="94000"/>
+              </a:schemeClr>
+            </a:gs>
+            <a:gs pos="50000">
+              <a:schemeClr val="phClr">
+                <a:satMod val="110000"/>
+                <a:lumMod val="100000"/>
+                <a:shade val="100000"/>
+              </a:schemeClr>
+            </a:gs>
+            <a:gs pos="100000">
+              <a:schemeClr val="phClr">
+                <a:lumMod val="99000"/>
+                <a:satMod val="120000"/>
+                <a:shade val="78000"/>
+              </a:schemeClr>
+            </a:gs>
+          </a:gsLst>
+          <a:lin ang="5400000" scaled="0"/>
+        </a:gradFill>
+      </a:fillStyleLst>
+      <a:lnStyleLst>
+        <a:ln w="6350" cap="flat" cmpd="sng" algn="ctr">
+          <a:solidFill>
+            <a:schemeClr val="phClr"/>
+          </a:solidFill>
+          <a:prstDash val="solid"/>
+          <a:miter lim="800000"/>
+        </a:ln>
+        <a:ln w="12700" cap="flat" cmpd="sng" algn="ctr">
+          <a:solidFill>
+            <a:schemeClr val="phClr"/>
+          </a:solidFill>
+          <a:prstDash val="solid"/>
+          <a:miter lim="800000"/>
+        </a:ln>
+        <a:ln w="19050" cap="flat" cmpd="sng" algn="ctr">
+          <a:solidFill>
+            <a:schemeClr val="phClr"/>
+          </a:solidFill>
+          <a:prstDash val="solid"/>
+          <a:miter lim="800000"/>
+        </a:ln>
+      </a:lnStyleLst>
+      <a:effectStyleLst>
+        <a:effectStyle>
+          <a:effectLst/>
+        </a:effectStyle>
+        <a:effectStyle>
+          <a:effectLst/>
+        </a:effectStyle>
+        <a:effectStyle>
+          <a:effectLst>
+            <a:outerShdw blurRad="57150" dist="19050" dir="5400000" algn="ctr" rotWithShape="0">
+              <a:srgbClr val="000000">
+                <a:alpha val="63000"/>
+              </a:srgbClr>
+            </a:outerShdw>
+          </a:effectLst>
+        </a:effectStyle>
+      </a:effectStyleLst>
+      <a:bgFillStyleLst>
+        <a:solidFill>
+          <a:schemeClr val="phClr"/>
+        </a:solidFill>
+        <a:solidFill>
+          <a:schemeClr val="phClr">
+            <a:tint val="95000"/>
+            <a:satMod val="170000"/>
+          </a:schemeClr>
+        </a:solidFill>
+        <a:gradFill rotWithShape="1">
+          <a:gsLst>
+            <a:gs pos="0">
+              <a:schemeClr val="phClr">
+                <a:tint val="93000"/>
+                <a:satMod val="150000"/>
+                <a:shade val="98000"/>
+                <a:lumMod val="102000"/>
+              </a:schemeClr>
+            </a:gs>
+            <a:gs pos="50000">
+              <a:schemeClr val="phClr">
+                <a:tint val="98000"/>
+                <a:satMod val="130000"/>
+                <a:shade val="90000"/>
+                <a:lumMod val="103000"/>
+              </a:schemeClr>
+            </a:gs>
+            <a:gs pos="100000">
+              <a:schemeClr val="phClr">
+                <a:shade val="63000"/>
+                <a:satMod val="120000"/>
+              </a:schemeClr>
+            </a:gs>
+          </a:gsLst>
+          <a:lin ang="5400000" scaled="0"/>
+        </a:gradFill>
+      </a:bgFillStyleLst>
+    </a:fmtScheme>
+  </a:themeElements>
+  <a:objectDefaults/>
+  <a:extraClrSchemeLst/>
+  <a:extLst>
+    <a:ext uri="{05A4C25C-085E-4340-85A3-A5531E510DB2}">
+      <thm15:themeFamily xmlns:thm15="http://schemas.microsoft.com/office/thememl/2012/main" name="Office Theme" id="{62F939B6-93AF-4DB8-9C6B-D6C7DFDC589F}" vid="{4A3C46E8-61CC-4603-A589-7422A47A8E4A}"/>
+    </a:ext>
+  </a:extLst>
+</a:theme>
 </file>
--- a/courses/apcsp/lect3.pptx
+++ b/courses/apcsp/lect3.pptx
@@ -147,7 +147,7 @@
 <file path=ppt/revisionInfo.xml><?xml version="1.0" encoding="utf-8"?>
 <p1510:revInfo xmlns:a="http://schemas.openxmlformats.org/drawingml/2006/main" xmlns:r="http://schemas.openxmlformats.org/officeDocument/2006/relationships" xmlns:p1510="http://schemas.microsoft.com/office/powerpoint/2015/10/main">
   <p1510:revLst>
-    <p1510:client id="{B4A380D1-5640-AD4E-93EB-3BB8950898A7}" v="547" dt="2021-09-27T17:36:35.067"/>
+    <p1510:client id="{B4A380D1-5640-AD4E-93EB-3BB8950898A7}" v="558" dt="2021-10-13T15:15:26.217"/>
   </p1510:revLst>
 </p1510:revInfo>
 </file>
@@ -1238,7 +1238,7 @@
   <pc:docChgLst>
     <pc:chgData name="Long B Nguyen" userId="f59fb8f3-a021-417a-8bc1-65c8d471c621" providerId="ADAL" clId="{B4A380D1-5640-AD4E-93EB-3BB8950898A7}"/>
     <pc:docChg chg="undo custSel modSld">
-      <pc:chgData name="Long B Nguyen" userId="f59fb8f3-a021-417a-8bc1-65c8d471c621" providerId="ADAL" clId="{B4A380D1-5640-AD4E-93EB-3BB8950898A7}" dt="2021-09-27T17:36:35.067" v="1221"/>
+      <pc:chgData name="Long B Nguyen" userId="f59fb8f3-a021-417a-8bc1-65c8d471c621" providerId="ADAL" clId="{B4A380D1-5640-AD4E-93EB-3BB8950898A7}" dt="2021-10-13T15:15:26.217" v="1232" actId="20577"/>
       <pc:docMkLst>
         <pc:docMk/>
       </pc:docMkLst>
@@ -1258,7 +1258,7 @@
         </pc:spChg>
       </pc:sldChg>
       <pc:sldChg chg="addSp modSp">
-        <pc:chgData name="Long B Nguyen" userId="f59fb8f3-a021-417a-8bc1-65c8d471c621" providerId="ADAL" clId="{B4A380D1-5640-AD4E-93EB-3BB8950898A7}" dt="2021-09-27T12:52:41.845" v="1058"/>
+        <pc:chgData name="Long B Nguyen" userId="f59fb8f3-a021-417a-8bc1-65c8d471c621" providerId="ADAL" clId="{B4A380D1-5640-AD4E-93EB-3BB8950898A7}" dt="2021-10-13T15:15:26.217" v="1232" actId="20577"/>
         <pc:sldMkLst>
           <pc:docMk/>
           <pc:sldMk cId="278045358" sldId="257"/>
@@ -1269,6 +1269,14 @@
             <pc:docMk/>
             <pc:sldMk cId="278045358" sldId="257"/>
             <ac:spMk id="3" creationId="{9B9DF281-528E-6542-939F-6BD37BE42D69}"/>
+          </ac:spMkLst>
+        </pc:spChg>
+        <pc:spChg chg="mod">
+          <ac:chgData name="Long B Nguyen" userId="f59fb8f3-a021-417a-8bc1-65c8d471c621" providerId="ADAL" clId="{B4A380D1-5640-AD4E-93EB-3BB8950898A7}" dt="2021-10-13T15:15:26.217" v="1232" actId="20577"/>
+          <ac:spMkLst>
+            <pc:docMk/>
+            <pc:sldMk cId="278045358" sldId="257"/>
+            <ac:spMk id="9" creationId="{E3B2E017-30B2-884B-A113-B419A2ED51AD}"/>
           </ac:spMkLst>
         </pc:spChg>
       </pc:sldChg>
@@ -1953,7 +1961,7 @@
           <a:p>
             <a:fld id="{9D301EED-E2D1-F049-803F-2B2D7B9862B9}" type="datetimeFigureOut">
               <a:rPr lang="en-US" smtClean="0"/>
-              <a:t>9/27/21</a:t>
+              <a:t>10/13/21</a:t>
             </a:fld>
             <a:endParaRPr lang="en-US"/>
           </a:p>
@@ -2351,7 +2359,7 @@
           <a:p>
             <a:fld id="{C8DC95A9-5905-034D-8F0F-88F4992BD886}" type="datetime1">
               <a:rPr lang="en-US" smtClean="0"/>
-              <a:t>9/27/21</a:t>
+              <a:t>10/13/21</a:t>
             </a:fld>
             <a:endParaRPr lang="en-US" dirty="0"/>
           </a:p>
@@ -2521,7 +2529,7 @@
           <a:p>
             <a:fld id="{B62993F3-2B1C-D044-B3D8-D24CD08900F5}" type="datetime1">
               <a:rPr lang="en-US" smtClean="0"/>
-              <a:t>9/27/21</a:t>
+              <a:t>10/13/21</a:t>
             </a:fld>
             <a:endParaRPr lang="en-US" dirty="0"/>
           </a:p>
@@ -2701,7 +2709,7 @@
           <a:p>
             <a:fld id="{05BA4B57-4B83-BD4E-912E-A55CDC84D3E7}" type="datetime1">
               <a:rPr lang="en-US" smtClean="0"/>
-              <a:t>9/27/21</a:t>
+              <a:t>10/13/21</a:t>
             </a:fld>
             <a:endParaRPr lang="en-US" dirty="0"/>
           </a:p>
@@ -2871,7 +2879,7 @@
           <a:p>
             <a:fld id="{2057D30F-FFAF-1446-BF1E-187E637503EF}" type="datetime1">
               <a:rPr lang="en-US" smtClean="0"/>
-              <a:t>9/27/21</a:t>
+              <a:t>10/13/21</a:t>
             </a:fld>
             <a:endParaRPr lang="en-US" dirty="0"/>
           </a:p>
@@ -3117,7 +3125,7 @@
           <a:p>
             <a:fld id="{27E3C224-2814-964E-B1E1-5A64F6E84EEA}" type="datetime1">
               <a:rPr lang="en-US" smtClean="0"/>
-              <a:t>9/27/21</a:t>
+              <a:t>10/13/21</a:t>
             </a:fld>
             <a:endParaRPr lang="en-US" dirty="0"/>
           </a:p>
@@ -3349,7 +3357,7 @@
           <a:p>
             <a:fld id="{E968726F-0D4A-9D4A-AE0E-9B268929CC0D}" type="datetime1">
               <a:rPr lang="en-US" smtClean="0"/>
-              <a:t>9/27/21</a:t>
+              <a:t>10/13/21</a:t>
             </a:fld>
             <a:endParaRPr lang="en-US" dirty="0"/>
           </a:p>
@@ -3716,7 +3724,7 @@
           <a:p>
             <a:fld id="{91898463-251B-2249-8D70-52DCF6298AEB}" type="datetime1">
               <a:rPr lang="en-US" smtClean="0"/>
-              <a:t>9/27/21</a:t>
+              <a:t>10/13/21</a:t>
             </a:fld>
             <a:endParaRPr lang="en-US" dirty="0"/>
           </a:p>
@@ -3834,7 +3842,7 @@
           <a:p>
             <a:fld id="{85A9B4BE-CF33-3F42-A262-ADCA67C13E36}" type="datetime1">
               <a:rPr lang="en-US" smtClean="0"/>
-              <a:t>9/27/21</a:t>
+              <a:t>10/13/21</a:t>
             </a:fld>
             <a:endParaRPr lang="en-US" dirty="0"/>
           </a:p>
@@ -3929,7 +3937,7 @@
           <a:p>
             <a:fld id="{B3D8E36F-A10F-E644-AF35-4A8FBDD57076}" type="datetime1">
               <a:rPr lang="en-US" smtClean="0"/>
-              <a:t>9/27/21</a:t>
+              <a:t>10/13/21</a:t>
             </a:fld>
             <a:endParaRPr lang="en-US" dirty="0"/>
           </a:p>
@@ -4206,7 +4214,7 @@
           <a:p>
             <a:fld id="{34CE13BB-B7FE-914B-86E7-0F53569511F2}" type="datetime1">
               <a:rPr lang="en-US" smtClean="0"/>
-              <a:t>9/27/21</a:t>
+              <a:t>10/13/21</a:t>
             </a:fld>
             <a:endParaRPr lang="en-US" dirty="0"/>
           </a:p>
@@ -4463,7 +4471,7 @@
           <a:p>
             <a:fld id="{401FA0EA-9D66-FA4B-B558-6A820F60D25A}" type="datetime1">
               <a:rPr lang="en-US" smtClean="0"/>
-              <a:t>9/27/21</a:t>
+              <a:t>10/13/21</a:t>
             </a:fld>
             <a:endParaRPr lang="en-US" dirty="0"/>
           </a:p>
@@ -4676,7 +4684,7 @@
           <a:p>
             <a:fld id="{B205C5C4-72F5-B341-9DCA-7B993C36540D}" type="datetime1">
               <a:rPr lang="en-US" smtClean="0"/>
-              <a:t>9/27/21</a:t>
+              <a:t>10/13/21</a:t>
             </a:fld>
             <a:endParaRPr lang="en-US" dirty="0"/>
           </a:p>
@@ -22135,6 +22143,29 @@
               <a:buNone/>
             </a:pPr>
             <a:r>
+              <a:rPr lang="en-US" b="1" dirty="0"/>
+              <a:t>Selection</a:t>
+            </a:r>
+            <a:r>
+              <a:rPr lang="en-US" i="1" dirty="0"/>
+              <a:t> </a:t>
+            </a:r>
+            <a:r>
+              <a:rPr lang="en-US" dirty="0"/>
+              <a:t>determines which parts of an algorithm are executed based on a condition being true or false. </a:t>
+            </a:r>
+          </a:p>
+          <a:p>
+            <a:pPr marL="0" indent="0">
+              <a:buNone/>
+            </a:pPr>
+            <a:endParaRPr lang="en-US" dirty="0"/>
+          </a:p>
+          <a:p>
+            <a:pPr marL="0" indent="0">
+              <a:buNone/>
+            </a:pPr>
+            <a:r>
               <a:rPr lang="en-US" dirty="0"/>
               <a:t>The reserved word </a:t>
             </a:r>
@@ -22146,11 +22177,6 @@
               <a:rPr lang="en-US" dirty="0"/>
               <a:t> begins an conditional block.</a:t>
             </a:r>
-          </a:p>
-          <a:p>
-            <a:pPr marL="342900" lvl="1" indent="0">
-              <a:buNone/>
-            </a:pPr>
             <a:endParaRPr lang="en-US" sz="2100" b="1" dirty="0">
               <a:solidFill>
                 <a:srgbClr val="006699"/>
@@ -22232,21 +22258,14 @@
             <a:pPr marL="0" indent="0">
               <a:buNone/>
             </a:pPr>
-            <a:endParaRPr lang="en-US" dirty="0"/>
-          </a:p>
-          <a:p>
-            <a:pPr marL="0" indent="0">
-              <a:buNone/>
-            </a:pPr>
             <a:r>
               <a:rPr lang="en-US" dirty="0"/>
-              <a:t>A block contains one or more statements.</a:t>
-            </a:r>
-          </a:p>
-          <a:p>
-            <a:pPr marL="0" indent="0">
-              <a:buNone/>
-            </a:pPr>
+              <a:t>A block contains one or more </a:t>
+            </a:r>
+            <a:r>
+              <a:rPr lang="en-US"/>
+              <a:t>statements.</a:t>
+            </a:r>
             <a:endParaRPr lang="en-US" dirty="0"/>
           </a:p>
           <a:p>
@@ -22343,7 +22362,7 @@
                                         <p:tgtEl>
                                           <p:spTgt spid="9">
                                             <p:txEl>
-                                              <p:pRg st="4" end="4"/>
+                                              <p:pRg st="5" end="5"/>
                                             </p:txEl>
                                           </p:spTgt>
                                         </p:tgtEl>
@@ -22441,7 +22460,7 @@
                                         <p:tgtEl>
                                           <p:spTgt spid="9">
                                             <p:txEl>
-                                              <p:pRg st="8" end="8"/>
+                                              <p:pRg st="7" end="7"/>
                                             </p:txEl>
                                           </p:spTgt>
                                         </p:tgtEl>

--- a/courses/apcsp/lect3.pptx
+++ b/courses/apcsp/lect3.pptx
@@ -5,7 +5,7 @@
     <p:sldMasterId id="2147483791" r:id="rId1"/>
   </p:sldMasterIdLst>
   <p:notesMasterIdLst>
-    <p:notesMasterId r:id="rId32"/>
+    <p:notesMasterId r:id="rId30"/>
   </p:notesMasterIdLst>
   <p:sldIdLst>
     <p:sldId id="256" r:id="rId2"/>
@@ -29,15 +29,13 @@
     <p:sldId id="293" r:id="rId20"/>
     <p:sldId id="298" r:id="rId21"/>
     <p:sldId id="299" r:id="rId22"/>
-    <p:sldId id="294" r:id="rId23"/>
-    <p:sldId id="300" r:id="rId24"/>
-    <p:sldId id="301" r:id="rId25"/>
-    <p:sldId id="303" r:id="rId26"/>
-    <p:sldId id="304" r:id="rId27"/>
-    <p:sldId id="305" r:id="rId28"/>
-    <p:sldId id="306" r:id="rId29"/>
-    <p:sldId id="311" r:id="rId30"/>
-    <p:sldId id="284" r:id="rId31"/>
+    <p:sldId id="301" r:id="rId23"/>
+    <p:sldId id="303" r:id="rId24"/>
+    <p:sldId id="304" r:id="rId25"/>
+    <p:sldId id="305" r:id="rId26"/>
+    <p:sldId id="306" r:id="rId27"/>
+    <p:sldId id="311" r:id="rId28"/>
+    <p:sldId id="284" r:id="rId29"/>
   </p:sldIdLst>
   <p:sldSz cx="9144000" cy="5715000" type="screen16x10"/>
   <p:notesSz cx="6858000" cy="9144000"/>
@@ -142,14 +140,6 @@
     </p:ext>
   </p:extLst>
 </p:presentation>
-</file>
-
-<file path=ppt/revisionInfo.xml><?xml version="1.0" encoding="utf-8"?>
-<p1510:revInfo xmlns:a="http://schemas.openxmlformats.org/drawingml/2006/main" xmlns:r="http://schemas.openxmlformats.org/officeDocument/2006/relationships" xmlns:p1510="http://schemas.microsoft.com/office/powerpoint/2015/10/main">
-  <p1510:revLst>
-    <p1510:client id="{B4A380D1-5640-AD4E-93EB-3BB8950898A7}" v="558" dt="2021-10-13T15:15:26.217"/>
-  </p1510:revLst>
-</p1510:revInfo>
 </file>
 
 <file path=ppt/changesInfos/changesInfo1.xml><?xml version="1.0" encoding="utf-8"?>
@@ -1876,6 +1866,44 @@
       </pc:sldChg>
     </pc:docChg>
   </pc:docChgLst>
+  <pc:docChgLst>
+    <pc:chgData name="Long Nguyen" userId="f59fb8f3-a021-417a-8bc1-65c8d471c621" providerId="ADAL" clId="{7B0EC6D4-0FC1-F04C-9149-0AB89A44FEB3}"/>
+    <pc:docChg chg="delSld modSld">
+      <pc:chgData name="Long Nguyen" userId="f59fb8f3-a021-417a-8bc1-65c8d471c621" providerId="ADAL" clId="{7B0EC6D4-0FC1-F04C-9149-0AB89A44FEB3}" dt="2022-09-21T14:01:00.998" v="8" actId="2696"/>
+      <pc:docMkLst>
+        <pc:docMk/>
+      </pc:docMkLst>
+      <pc:sldChg chg="modSp mod">
+        <pc:chgData name="Long Nguyen" userId="f59fb8f3-a021-417a-8bc1-65c8d471c621" providerId="ADAL" clId="{7B0EC6D4-0FC1-F04C-9149-0AB89A44FEB3}" dt="2022-09-21T14:00:51.912" v="7" actId="20577"/>
+        <pc:sldMkLst>
+          <pc:docMk/>
+          <pc:sldMk cId="131840209" sldId="286"/>
+        </pc:sldMkLst>
+        <pc:spChg chg="mod">
+          <ac:chgData name="Long Nguyen" userId="f59fb8f3-a021-417a-8bc1-65c8d471c621" providerId="ADAL" clId="{7B0EC6D4-0FC1-F04C-9149-0AB89A44FEB3}" dt="2022-09-21T14:00:51.912" v="7" actId="20577"/>
+          <ac:spMkLst>
+            <pc:docMk/>
+            <pc:sldMk cId="131840209" sldId="286"/>
+            <ac:spMk id="9" creationId="{E3B2E017-30B2-884B-A113-B419A2ED51AD}"/>
+          </ac:spMkLst>
+        </pc:spChg>
+      </pc:sldChg>
+      <pc:sldChg chg="del">
+        <pc:chgData name="Long Nguyen" userId="f59fb8f3-a021-417a-8bc1-65c8d471c621" providerId="ADAL" clId="{7B0EC6D4-0FC1-F04C-9149-0AB89A44FEB3}" dt="2022-09-21T14:01:00.998" v="8" actId="2696"/>
+        <pc:sldMkLst>
+          <pc:docMk/>
+          <pc:sldMk cId="3539054576" sldId="294"/>
+        </pc:sldMkLst>
+      </pc:sldChg>
+      <pc:sldChg chg="del">
+        <pc:chgData name="Long Nguyen" userId="f59fb8f3-a021-417a-8bc1-65c8d471c621" providerId="ADAL" clId="{7B0EC6D4-0FC1-F04C-9149-0AB89A44FEB3}" dt="2022-09-21T14:01:00.998" v="8" actId="2696"/>
+        <pc:sldMkLst>
+          <pc:docMk/>
+          <pc:sldMk cId="3463737959" sldId="300"/>
+        </pc:sldMkLst>
+      </pc:sldChg>
+    </pc:docChg>
+  </pc:docChgLst>
 </pc:chgInfo>
 </file>
 
@@ -1961,7 +1989,7 @@
           <a:p>
             <a:fld id="{9D301EED-E2D1-F049-803F-2B2D7B9862B9}" type="datetimeFigureOut">
               <a:rPr lang="en-US" smtClean="0"/>
-              <a:t>10/13/21</a:t>
+              <a:t>9/21/22</a:t>
             </a:fld>
             <a:endParaRPr lang="en-US"/>
           </a:p>
@@ -2359,7 +2387,7 @@
           <a:p>
             <a:fld id="{C8DC95A9-5905-034D-8F0F-88F4992BD886}" type="datetime1">
               <a:rPr lang="en-US" smtClean="0"/>
-              <a:t>10/13/21</a:t>
+              <a:t>9/21/22</a:t>
             </a:fld>
             <a:endParaRPr lang="en-US" dirty="0"/>
           </a:p>
@@ -2529,7 +2557,7 @@
           <a:p>
             <a:fld id="{B62993F3-2B1C-D044-B3D8-D24CD08900F5}" type="datetime1">
               <a:rPr lang="en-US" smtClean="0"/>
-              <a:t>10/13/21</a:t>
+              <a:t>9/21/22</a:t>
             </a:fld>
             <a:endParaRPr lang="en-US" dirty="0"/>
           </a:p>
@@ -2709,7 +2737,7 @@
           <a:p>
             <a:fld id="{05BA4B57-4B83-BD4E-912E-A55CDC84D3E7}" type="datetime1">
               <a:rPr lang="en-US" smtClean="0"/>
-              <a:t>10/13/21</a:t>
+              <a:t>9/21/22</a:t>
             </a:fld>
             <a:endParaRPr lang="en-US" dirty="0"/>
           </a:p>
@@ -2879,7 +2907,7 @@
           <a:p>
             <a:fld id="{2057D30F-FFAF-1446-BF1E-187E637503EF}" type="datetime1">
               <a:rPr lang="en-US" smtClean="0"/>
-              <a:t>10/13/21</a:t>
+              <a:t>9/21/22</a:t>
             </a:fld>
             <a:endParaRPr lang="en-US" dirty="0"/>
           </a:p>
@@ -3125,7 +3153,7 @@
           <a:p>
             <a:fld id="{27E3C224-2814-964E-B1E1-5A64F6E84EEA}" type="datetime1">
               <a:rPr lang="en-US" smtClean="0"/>
-              <a:t>10/13/21</a:t>
+              <a:t>9/21/22</a:t>
             </a:fld>
             <a:endParaRPr lang="en-US" dirty="0"/>
           </a:p>
@@ -3357,7 +3385,7 @@
           <a:p>
             <a:fld id="{E968726F-0D4A-9D4A-AE0E-9B268929CC0D}" type="datetime1">
               <a:rPr lang="en-US" smtClean="0"/>
-              <a:t>10/13/21</a:t>
+              <a:t>9/21/22</a:t>
             </a:fld>
             <a:endParaRPr lang="en-US" dirty="0"/>
           </a:p>
@@ -3724,7 +3752,7 @@
           <a:p>
             <a:fld id="{91898463-251B-2249-8D70-52DCF6298AEB}" type="datetime1">
               <a:rPr lang="en-US" smtClean="0"/>
-              <a:t>10/13/21</a:t>
+              <a:t>9/21/22</a:t>
             </a:fld>
             <a:endParaRPr lang="en-US" dirty="0"/>
           </a:p>
@@ -3842,7 +3870,7 @@
           <a:p>
             <a:fld id="{85A9B4BE-CF33-3F42-A262-ADCA67C13E36}" type="datetime1">
               <a:rPr lang="en-US" smtClean="0"/>
-              <a:t>10/13/21</a:t>
+              <a:t>9/21/22</a:t>
             </a:fld>
             <a:endParaRPr lang="en-US" dirty="0"/>
           </a:p>
@@ -3937,7 +3965,7 @@
           <a:p>
             <a:fld id="{B3D8E36F-A10F-E644-AF35-4A8FBDD57076}" type="datetime1">
               <a:rPr lang="en-US" smtClean="0"/>
-              <a:t>10/13/21</a:t>
+              <a:t>9/21/22</a:t>
             </a:fld>
             <a:endParaRPr lang="en-US" dirty="0"/>
           </a:p>
@@ -4214,7 +4242,7 @@
           <a:p>
             <a:fld id="{34CE13BB-B7FE-914B-86E7-0F53569511F2}" type="datetime1">
               <a:rPr lang="en-US" smtClean="0"/>
-              <a:t>10/13/21</a:t>
+              <a:t>9/21/22</a:t>
             </a:fld>
             <a:endParaRPr lang="en-US" dirty="0"/>
           </a:p>
@@ -4471,7 +4499,7 @@
           <a:p>
             <a:fld id="{401FA0EA-9D66-FA4B-B558-6A820F60D25A}" type="datetime1">
               <a:rPr lang="en-US" smtClean="0"/>
-              <a:t>10/13/21</a:t>
+              <a:t>9/21/22</a:t>
             </a:fld>
             <a:endParaRPr lang="en-US" dirty="0"/>
           </a:p>
@@ -4684,7 +4712,7 @@
           <a:p>
             <a:fld id="{B205C5C4-72F5-B341-9DCA-7B993C36540D}" type="datetime1">
               <a:rPr lang="en-US" smtClean="0"/>
-              <a:t>10/13/21</a:t>
+              <a:t>9/21/22</a:t>
             </a:fld>
             <a:endParaRPr lang="en-US" dirty="0"/>
           </a:p>
@@ -11238,14 +11266,8 @@
               <a:rPr lang="en-US" dirty="0">
                 <a:latin typeface="Gill Sans MT" panose="020B0502020104020203" pitchFamily="34" charset="77"/>
               </a:rPr>
-              <a:t>Conditionals</a:t>
-            </a:r>
-          </a:p>
-          <a:p>
-            <a:pPr marL="685800" lvl="1" indent="-342900">
-              <a:buFont typeface="+mj-lt"/>
-              <a:buAutoNum type="alphaLcParenR"/>
-            </a:pPr>
+              <a:t>Conditionals (</a:t>
+            </a:r>
             <a:r>
               <a:rPr lang="en-US" sz="2000" dirty="0">
                 <a:latin typeface="Gill Sans MT" panose="020B0502020104020203" pitchFamily="34" charset="77"/>
@@ -11274,19 +11296,7 @@
               <a:rPr lang="en-US" sz="2000" dirty="0">
                 <a:latin typeface="Gill Sans MT" panose="020B0502020104020203" pitchFamily="34" charset="77"/>
               </a:rPr>
-              <a:t>-else</a:t>
-            </a:r>
-          </a:p>
-          <a:p>
-            <a:pPr marL="685800" lvl="1" indent="-342900">
-              <a:buFont typeface="+mj-lt"/>
-              <a:buAutoNum type="alphaLcParenR"/>
-            </a:pPr>
-            <a:r>
-              <a:rPr lang="en-US" sz="2000" dirty="0">
-                <a:latin typeface="Gill Sans MT" panose="020B0502020104020203" pitchFamily="34" charset="77"/>
-              </a:rPr>
-              <a:t>Ternary operator</a:t>
+              <a:t>-else)</a:t>
             </a:r>
           </a:p>
           <a:p>
@@ -13360,7 +13370,7 @@
         </p:nvSpPr>
         <p:spPr>
           <a:xfrm>
-            <a:off x="167654" y="134008"/>
+            <a:off x="159107" y="134008"/>
             <a:ext cx="7053542" cy="683886"/>
           </a:xfrm>
         </p:spPr>
@@ -13370,7 +13380,7 @@
           <a:p>
             <a:r>
               <a:rPr lang="en-US" dirty="0"/>
-              <a:t>Ternary Operators</a:t>
+              <a:t>Example 1</a:t>
             </a:r>
           </a:p>
         </p:txBody>
@@ -13393,8 +13403,8 @@
         </p:nvSpPr>
         <p:spPr>
           <a:xfrm>
-            <a:off x="167654" y="817895"/>
-            <a:ext cx="8367919" cy="4763098"/>
+            <a:off x="159108" y="897309"/>
+            <a:ext cx="8376466" cy="4683684"/>
           </a:xfrm>
         </p:spPr>
         <p:txBody>
@@ -13410,69 +13420,86 @@
               <a:rPr lang="en-US" dirty="0">
                 <a:latin typeface="Gill Sans MT" panose="020B0502020104020203" pitchFamily="34" charset="77"/>
               </a:rPr>
-              <a:t>A </a:t>
-            </a:r>
-            <a:r>
-              <a:rPr lang="en-US" i="1" dirty="0">
-                <a:latin typeface="Gill Sans MT" panose="020B0502020104020203" pitchFamily="34" charset="77"/>
-              </a:rPr>
-              <a:t>ternary operator</a:t>
-            </a:r>
-            <a:r>
-              <a:rPr lang="en-US" dirty="0">
-                <a:latin typeface="Gill Sans MT" panose="020B0502020104020203" pitchFamily="34" charset="77"/>
-              </a:rPr>
-              <a:t> evaluates an expression based on the value of a </a:t>
-            </a:r>
-            <a:r>
-              <a:rPr lang="en-US" dirty="0" err="1">
-                <a:latin typeface="Gill Sans MT" panose="020B0502020104020203" pitchFamily="34" charset="77"/>
-              </a:rPr>
-              <a:t>boolean</a:t>
-            </a:r>
-            <a:r>
-              <a:rPr lang="en-US" dirty="0">
-                <a:latin typeface="Gill Sans MT" panose="020B0502020104020203" pitchFamily="34" charset="77"/>
-              </a:rPr>
-              <a:t> condition. This is sometimes called </a:t>
-            </a:r>
-            <a:r>
-              <a:rPr lang="en-US" i="1" dirty="0">
-                <a:latin typeface="Gill Sans MT" panose="020B0502020104020203" pitchFamily="34" charset="77"/>
-              </a:rPr>
-              <a:t>conditional expression</a:t>
-            </a:r>
-            <a:r>
-              <a:rPr lang="en-US" dirty="0">
-                <a:latin typeface="Gill Sans MT" panose="020B0502020104020203" pitchFamily="34" charset="77"/>
-              </a:rPr>
-              <a:t> or an </a:t>
-            </a:r>
-            <a:r>
-              <a:rPr lang="en-US" i="1" dirty="0">
-                <a:latin typeface="Gill Sans MT" panose="020B0502020104020203" pitchFamily="34" charset="77"/>
-              </a:rPr>
-              <a:t>inline if-else</a:t>
-            </a:r>
-            <a:r>
-              <a:rPr lang="en-US" dirty="0">
-                <a:latin typeface="Gill Sans MT" panose="020B0502020104020203" pitchFamily="34" charset="77"/>
-              </a:rPr>
-              <a:t> statement.</a:t>
-            </a:r>
-          </a:p>
-          <a:p>
-            <a:pPr marL="0" indent="0">
-              <a:buNone/>
-            </a:pPr>
-            <a:endParaRPr lang="en-US" dirty="0">
+              <a:t>Write a segment of code which asks the user to enter a number and prints out whether the number is even.</a:t>
+            </a:r>
+          </a:p>
+          <a:p>
+            <a:pPr marL="0" indent="0">
+              <a:buNone/>
+            </a:pPr>
+            <a:endParaRPr lang="en-US" sz="2100" dirty="0">
               <a:latin typeface="Gill Sans MT" panose="020B0502020104020203" pitchFamily="34" charset="77"/>
             </a:endParaRPr>
           </a:p>
           <a:p>
-            <a:pPr marL="342900" lvl="1" indent="0">
-              <a:buNone/>
-            </a:pPr>
+            <a:pPr marL="0" indent="0">
+              <a:buNone/>
+            </a:pPr>
+            <a:r>
+              <a:rPr lang="en-US" sz="2000" b="1" dirty="0">
+                <a:solidFill>
+                  <a:srgbClr val="000000"/>
+                </a:solidFill>
+                <a:latin typeface="Inconsolata" panose="020B0609030003000000" pitchFamily="49" charset="77"/>
+              </a:rPr>
+              <a:t>x = </a:t>
+            </a:r>
+            <a:r>
+              <a:rPr lang="en-US" sz="2000" b="1" dirty="0">
+                <a:solidFill>
+                  <a:srgbClr val="34A327"/>
+                </a:solidFill>
+                <a:latin typeface="Inconsolata" panose="020B0609030003000000" pitchFamily="49" charset="77"/>
+              </a:rPr>
+              <a:t>int(input(</a:t>
+            </a:r>
+            <a:r>
+              <a:rPr lang="en-US" sz="2000" b="1" dirty="0">
+                <a:solidFill>
+                  <a:srgbClr val="CD7923"/>
+                </a:solidFill>
+                <a:latin typeface="Inconsolata" panose="020B0609030003000000" pitchFamily="49" charset="77"/>
+              </a:rPr>
+              <a:t>‘Enter an integer: ’</a:t>
+            </a:r>
+            <a:r>
+              <a:rPr lang="en-US" sz="2000" b="1" dirty="0">
+                <a:solidFill>
+                  <a:srgbClr val="34A327"/>
+                </a:solidFill>
+                <a:latin typeface="Inconsolata" panose="020B0609030003000000" pitchFamily="49" charset="77"/>
+              </a:rPr>
+              <a:t>))</a:t>
+            </a:r>
+            <a:r>
+              <a:rPr lang="en-US" sz="2000" b="1" dirty="0">
+                <a:solidFill>
+                  <a:srgbClr val="000000"/>
+                </a:solidFill>
+                <a:latin typeface="Inconsolata" panose="020B0609030003000000" pitchFamily="49" charset="77"/>
+              </a:rPr>
+              <a:t> </a:t>
+            </a:r>
+            <a:endParaRPr lang="en-US" sz="2000" b="1" dirty="0">
+              <a:solidFill>
+                <a:srgbClr val="CD7923"/>
+              </a:solidFill>
+              <a:latin typeface="Inconsolata" panose="020B0609030003000000" pitchFamily="49" charset="77"/>
+            </a:endParaRPr>
+          </a:p>
+          <a:p>
+            <a:pPr marL="0" indent="0">
+              <a:buNone/>
+            </a:pPr>
+            <a:r>
+              <a:rPr lang="en-US" sz="2000" b="1" dirty="0">
+                <a:solidFill>
+                  <a:srgbClr val="006699"/>
+                </a:solidFill>
+                <a:latin typeface="Inconsolata" panose="020B0609030003000000" pitchFamily="49" charset="77"/>
+              </a:rPr>
+              <a:t>if </a:t>
+            </a:r>
             <a:r>
               <a:rPr lang="en-US" sz="2000" b="1" dirty="0">
                 <a:solidFill>
@@ -13480,8 +13507,37 @@
                 </a:solidFill>
                 <a:latin typeface="Inconsolata" panose="020B0609030003000000" pitchFamily="49" charset="77"/>
               </a:rPr>
-              <a:t>x</a:t>
-            </a:r>
+              <a:t>x </a:t>
+            </a:r>
+            <a:r>
+              <a:rPr lang="en-US" sz="2000" b="1" dirty="0">
+                <a:solidFill>
+                  <a:srgbClr val="545454"/>
+                </a:solidFill>
+                <a:latin typeface="Inconsolata" panose="020B0609030003000000" pitchFamily="49" charset="77"/>
+              </a:rPr>
+              <a:t>% 2 == </a:t>
+            </a:r>
+            <a:r>
+              <a:rPr lang="en-US" sz="2000" b="1" dirty="0">
+                <a:solidFill>
+                  <a:srgbClr val="FF6600"/>
+                </a:solidFill>
+                <a:latin typeface="Inconsolata" panose="020B0609030003000000" pitchFamily="49" charset="77"/>
+              </a:rPr>
+              <a:t>0</a:t>
+            </a:r>
+            <a:r>
+              <a:rPr lang="en-US" sz="2000" b="1" dirty="0">
+                <a:latin typeface="Inconsolata" panose="020B0609030003000000" pitchFamily="49" charset="77"/>
+              </a:rPr>
+              <a:t>:</a:t>
+            </a:r>
+          </a:p>
+          <a:p>
+            <a:pPr marL="0" indent="0">
+              <a:buNone/>
+            </a:pPr>
             <a:r>
               <a:rPr lang="en-US" sz="2000" b="1" dirty="0">
                 <a:solidFill>
@@ -13489,13 +13545,14 @@
                 </a:solidFill>
                 <a:latin typeface="Inconsolata" panose="020B0609030003000000" pitchFamily="49" charset="77"/>
               </a:rPr>
-              <a:t> = 50</a:t>
-            </a:r>
-          </a:p>
-          <a:p>
-            <a:pPr marL="342900" lvl="1" indent="0">
-              <a:buNone/>
-            </a:pPr>
+              <a:t>    print</a:t>
+            </a:r>
+            <a:r>
+              <a:rPr lang="en-US" sz="2000" b="1" dirty="0">
+                <a:latin typeface="Inconsolata" panose="020B0609030003000000" pitchFamily="49" charset="77"/>
+              </a:rPr>
+              <a:t>(</a:t>
+            </a:r>
             <a:r>
               <a:rPr lang="en-US" sz="2000" b="1" dirty="0">
                 <a:solidFill>
@@ -13503,8 +13560,19 @@
                 </a:solidFill>
                 <a:latin typeface="Inconsolata" panose="020B0609030003000000" pitchFamily="49" charset="77"/>
               </a:rPr>
-              <a:t>grade</a:t>
-            </a:r>
+              <a:t>“x is even”</a:t>
+            </a:r>
+            <a:r>
+              <a:rPr lang="en-US" sz="2000" b="1" dirty="0">
+                <a:latin typeface="Inconsolata" panose="020B0609030003000000" pitchFamily="49" charset="77"/>
+              </a:rPr>
+              <a:t>)</a:t>
+            </a:r>
+          </a:p>
+          <a:p>
+            <a:pPr marL="0" indent="0">
+              <a:buNone/>
+            </a:pPr>
             <a:r>
               <a:rPr lang="en-US" sz="2000" b="1" dirty="0">
                 <a:solidFill>
@@ -13512,17 +13580,19 @@
                 </a:solidFill>
                 <a:latin typeface="Inconsolata" panose="020B0609030003000000" pitchFamily="49" charset="77"/>
               </a:rPr>
-              <a:t> = </a:t>
-            </a:r>
-            <a:r>
-              <a:rPr lang="en-US" sz="2000" b="1" dirty="0">
-                <a:solidFill>
-                  <a:srgbClr val="FF6600"/>
-                </a:solidFill>
-                <a:latin typeface="Inconsolata" panose="020B0609030003000000" pitchFamily="49" charset="77"/>
-              </a:rPr>
-              <a:t>“pass” </a:t>
-            </a:r>
+              <a:t>else</a:t>
+            </a:r>
+            <a:r>
+              <a:rPr lang="en-US" sz="2000" b="1" dirty="0">
+                <a:latin typeface="Inconsolata" panose="020B0609030003000000" pitchFamily="49" charset="77"/>
+              </a:rPr>
+              <a:t>:</a:t>
+            </a:r>
+          </a:p>
+          <a:p>
+            <a:pPr marL="0" indent="0">
+              <a:buNone/>
+            </a:pPr>
             <a:r>
               <a:rPr lang="en-US" sz="2000" b="1" dirty="0">
                 <a:solidFill>
@@ -13530,7 +13600,13 @@
                 </a:solidFill>
                 <a:latin typeface="Inconsolata" panose="020B0609030003000000" pitchFamily="49" charset="77"/>
               </a:rPr>
-              <a:t>if </a:t>
+              <a:t>    print</a:t>
+            </a:r>
+            <a:r>
+              <a:rPr lang="en-US" sz="2000" b="1" dirty="0">
+                <a:latin typeface="Inconsolata" panose="020B0609030003000000" pitchFamily="49" charset="77"/>
+              </a:rPr>
+              <a:t>(</a:t>
             </a:r>
             <a:r>
               <a:rPr lang="en-US" sz="2000" b="1" dirty="0">
@@ -13539,156 +13615,44 @@
                 </a:solidFill>
                 <a:latin typeface="Inconsolata" panose="020B0609030003000000" pitchFamily="49" charset="77"/>
               </a:rPr>
-              <a:t>x</a:t>
-            </a:r>
-            <a:r>
-              <a:rPr lang="en-US" sz="2000" b="1" dirty="0">
-                <a:solidFill>
-                  <a:srgbClr val="006699"/>
-                </a:solidFill>
-                <a:latin typeface="Inconsolata" panose="020B0609030003000000" pitchFamily="49" charset="77"/>
-              </a:rPr>
-              <a:t> &gt;= 60 else </a:t>
-            </a:r>
-            <a:r>
-              <a:rPr lang="en-US" sz="2000" b="1" dirty="0">
-                <a:solidFill>
-                  <a:srgbClr val="FF6600"/>
-                </a:solidFill>
-                <a:latin typeface="Inconsolata" panose="020B0609030003000000" pitchFamily="49" charset="77"/>
-              </a:rPr>
-              <a:t>“fail” </a:t>
-            </a:r>
-          </a:p>
-          <a:p>
-            <a:pPr marL="342900" lvl="1" indent="0">
-              <a:buNone/>
-            </a:pPr>
-            <a:r>
-              <a:rPr lang="en-US" sz="2000" b="1" dirty="0">
-                <a:solidFill>
-                  <a:srgbClr val="006699"/>
-                </a:solidFill>
-                <a:latin typeface="Inconsolata" panose="020B0609030003000000" pitchFamily="49" charset="77"/>
-              </a:rPr>
-              <a:t>print(</a:t>
-            </a:r>
-            <a:r>
-              <a:rPr lang="en-US" sz="2000" b="1" dirty="0">
-                <a:solidFill>
-                  <a:srgbClr val="000087"/>
-                </a:solidFill>
-                <a:latin typeface="Inconsolata" panose="020B0609030003000000" pitchFamily="49" charset="77"/>
-              </a:rPr>
-              <a:t>grade</a:t>
-            </a:r>
-            <a:r>
-              <a:rPr lang="en-US" sz="2000" b="1" dirty="0">
-                <a:solidFill>
-                  <a:srgbClr val="006699"/>
-                </a:solidFill>
-                <a:latin typeface="Inconsolata" panose="020B0609030003000000" pitchFamily="49" charset="77"/>
-              </a:rPr>
-              <a:t>)		</a:t>
-            </a:r>
-            <a:r>
-              <a:rPr lang="en-US" sz="2000" b="1" dirty="0">
-                <a:solidFill>
-                  <a:schemeClr val="accent6"/>
-                </a:solidFill>
-                <a:latin typeface="Inconsolata" panose="020B0609030003000000" pitchFamily="49" charset="77"/>
-              </a:rPr>
-              <a:t># </a:t>
-            </a:r>
-            <a:r>
-              <a:rPr lang="en-US" sz="2100" dirty="0">
-                <a:solidFill>
-                  <a:schemeClr val="accent6"/>
-                </a:solidFill>
-                <a:latin typeface="Gill Sans MT" panose="020B0502020104020203" pitchFamily="34" charset="77"/>
-              </a:rPr>
-              <a:t>fail</a:t>
-            </a:r>
-          </a:p>
-          <a:p>
-            <a:pPr marL="0" indent="0">
-              <a:buNone/>
-            </a:pPr>
-            <a:endParaRPr lang="en-US" dirty="0">
+              <a:t>“x is odd”</a:t>
+            </a:r>
+            <a:r>
+              <a:rPr lang="en-US" sz="2000" b="1" dirty="0">
+                <a:latin typeface="Inconsolata" panose="020B0609030003000000" pitchFamily="49" charset="77"/>
+              </a:rPr>
+              <a:t>)</a:t>
+            </a:r>
+          </a:p>
+          <a:p>
+            <a:pPr marL="0" indent="0">
+              <a:buNone/>
+            </a:pPr>
+            <a:endParaRPr lang="en-US" sz="2000" b="1" dirty="0">
+              <a:solidFill>
+                <a:srgbClr val="34A327"/>
+              </a:solidFill>
+              <a:latin typeface="Inconsolata" panose="020B0609030003000000" pitchFamily="49" charset="77"/>
+            </a:endParaRPr>
+          </a:p>
+          <a:p>
+            <a:pPr marL="0" indent="0">
+              <a:buNone/>
+            </a:pPr>
+            <a:endParaRPr lang="en-US" sz="2000" b="1" dirty="0">
+              <a:solidFill>
+                <a:srgbClr val="34A327"/>
+              </a:solidFill>
+              <a:latin typeface="Inconsolata" panose="020B0609030003000000" pitchFamily="49" charset="77"/>
+            </a:endParaRPr>
+          </a:p>
+          <a:p>
+            <a:pPr marL="0" indent="0">
+              <a:buNone/>
+            </a:pPr>
+            <a:endParaRPr lang="en-US" sz="2100" dirty="0">
               <a:latin typeface="Gill Sans MT" panose="020B0502020104020203" pitchFamily="34" charset="77"/>
             </a:endParaRPr>
-          </a:p>
-          <a:p>
-            <a:pPr marL="0" indent="0">
-              <a:buNone/>
-            </a:pPr>
-            <a:r>
-              <a:rPr lang="en-US" dirty="0">
-                <a:latin typeface="Gill Sans MT" panose="020B0502020104020203" pitchFamily="34" charset="77"/>
-              </a:rPr>
-              <a:t>The above code is equivalent to the following:</a:t>
-            </a:r>
-            <a:endParaRPr lang="en-US" sz="2100" dirty="0">
-              <a:solidFill>
-                <a:schemeClr val="accent6"/>
-              </a:solidFill>
-              <a:latin typeface="Gill Sans MT" panose="020B0502020104020203" pitchFamily="34" charset="77"/>
-            </a:endParaRPr>
-          </a:p>
-          <a:p>
-            <a:pPr marL="342900" lvl="1" indent="0">
-              <a:buNone/>
-            </a:pPr>
-            <a:r>
-              <a:rPr lang="en-US" sz="2100" b="1" dirty="0">
-                <a:latin typeface="INCONSOLATA" panose="020B0609030003000000" pitchFamily="49" charset="77"/>
-              </a:rPr>
-              <a:t>if x &gt;= 60:</a:t>
-            </a:r>
-          </a:p>
-          <a:p>
-            <a:pPr marL="342900" lvl="1" indent="0">
-              <a:buNone/>
-            </a:pPr>
-            <a:r>
-              <a:rPr lang="en-US" sz="2100" b="1" dirty="0">
-                <a:latin typeface="INCONSOLATA" panose="020B0609030003000000" pitchFamily="49" charset="77"/>
-              </a:rPr>
-              <a:t>	grade = "pass"</a:t>
-            </a:r>
-          </a:p>
-          <a:p>
-            <a:pPr marL="342900" lvl="1" indent="0">
-              <a:buNone/>
-            </a:pPr>
-            <a:r>
-              <a:rPr lang="en-US" sz="2100" b="1" dirty="0">
-                <a:latin typeface="INCONSOLATA" panose="020B0609030003000000" pitchFamily="49" charset="77"/>
-              </a:rPr>
-              <a:t>else:</a:t>
-            </a:r>
-          </a:p>
-          <a:p>
-            <a:pPr marL="342900" lvl="1" indent="0">
-              <a:buNone/>
-            </a:pPr>
-            <a:r>
-              <a:rPr lang="en-US" sz="2100" b="1" dirty="0">
-                <a:latin typeface="INCONSOLATA" panose="020B0609030003000000" pitchFamily="49" charset="77"/>
-              </a:rPr>
-              <a:t>	grade = "fail"</a:t>
-            </a:r>
-          </a:p>
-          <a:p>
-            <a:pPr marL="342900" lvl="1" indent="0">
-              <a:buNone/>
-            </a:pPr>
-            <a:r>
-              <a:rPr lang="en-US" sz="2100" b="1" dirty="0">
-                <a:latin typeface="INCONSOLATA" panose="020B0609030003000000" pitchFamily="49" charset="77"/>
-              </a:rPr>
-              <a:t>print(grade)</a:t>
-            </a:r>
           </a:p>
           <a:p>
             <a:pPr marL="342900" lvl="1" indent="0">
@@ -13708,7 +13672,7 @@
           <p:cNvPr id="3" name="Slide Number Placeholder 2">
             <a:extLst>
               <a:ext uri="{FF2B5EF4-FFF2-40B4-BE49-F238E27FC236}">
-                <a16:creationId xmlns:a16="http://schemas.microsoft.com/office/drawing/2014/main" id="{BF726462-D76D-2A48-9D9C-D9A4C3F8AA81}"/>
+                <a16:creationId xmlns:a16="http://schemas.microsoft.com/office/drawing/2014/main" id="{05019E21-C7E3-AF4D-A5CE-F7FB20D3B7AD}"/>
               </a:ext>
             </a:extLst>
           </p:cNvPr>
@@ -13735,247 +13699,13 @@
     </p:spTree>
     <p:extLst>
       <p:ext uri="{BB962C8B-B14F-4D97-AF65-F5344CB8AC3E}">
-        <p14:creationId xmlns:p14="http://schemas.microsoft.com/office/powerpoint/2010/main" val="3539054576"/>
+        <p14:creationId xmlns:p14="http://schemas.microsoft.com/office/powerpoint/2010/main" val="2651057456"/>
       </p:ext>
     </p:extLst>
   </p:cSld>
   <p:clrMapOvr>
     <a:masterClrMapping/>
   </p:clrMapOvr>
-  <p:timing>
-    <p:tnLst>
-      <p:par>
-        <p:cTn id="1" dur="indefinite" restart="never" nodeType="tmRoot">
-          <p:childTnLst>
-            <p:seq concurrent="1" nextAc="seek">
-              <p:cTn id="2" dur="indefinite" nodeType="mainSeq">
-                <p:childTnLst>
-                  <p:par>
-                    <p:cTn id="3" fill="hold">
-                      <p:stCondLst>
-                        <p:cond delay="indefinite"/>
-                      </p:stCondLst>
-                      <p:childTnLst>
-                        <p:par>
-                          <p:cTn id="4" fill="hold">
-                            <p:stCondLst>
-                              <p:cond delay="0"/>
-                            </p:stCondLst>
-                            <p:childTnLst>
-                              <p:par>
-                                <p:cTn id="5" presetID="1" presetClass="entr" presetSubtype="0" fill="hold" nodeType="clickEffect">
-                                  <p:stCondLst>
-                                    <p:cond delay="0"/>
-                                  </p:stCondLst>
-                                  <p:childTnLst>
-                                    <p:set>
-                                      <p:cBhvr>
-                                        <p:cTn id="6" dur="1" fill="hold">
-                                          <p:stCondLst>
-                                            <p:cond delay="0"/>
-                                          </p:stCondLst>
-                                        </p:cTn>
-                                        <p:tgtEl>
-                                          <p:spTgt spid="9">
-                                            <p:txEl>
-                                              <p:pRg st="6" end="6"/>
-                                            </p:txEl>
-                                          </p:spTgt>
-                                        </p:tgtEl>
-                                        <p:attrNameLst>
-                                          <p:attrName>style.visibility</p:attrName>
-                                        </p:attrNameLst>
-                                      </p:cBhvr>
-                                      <p:to>
-                                        <p:strVal val="visible"/>
-                                      </p:to>
-                                    </p:set>
-                                  </p:childTnLst>
-                                </p:cTn>
-                              </p:par>
-                              <p:par>
-                                <p:cTn id="7" presetID="1" presetClass="entr" presetSubtype="0" fill="hold" nodeType="withEffect">
-                                  <p:stCondLst>
-                                    <p:cond delay="0"/>
-                                  </p:stCondLst>
-                                  <p:childTnLst>
-                                    <p:set>
-                                      <p:cBhvr>
-                                        <p:cTn id="8" dur="1" fill="hold">
-                                          <p:stCondLst>
-                                            <p:cond delay="0"/>
-                                          </p:stCondLst>
-                                        </p:cTn>
-                                        <p:tgtEl>
-                                          <p:spTgt spid="9">
-                                            <p:txEl>
-                                              <p:pRg st="7" end="7"/>
-                                            </p:txEl>
-                                          </p:spTgt>
-                                        </p:tgtEl>
-                                        <p:attrNameLst>
-                                          <p:attrName>style.visibility</p:attrName>
-                                        </p:attrNameLst>
-                                      </p:cBhvr>
-                                      <p:to>
-                                        <p:strVal val="visible"/>
-                                      </p:to>
-                                    </p:set>
-                                  </p:childTnLst>
-                                </p:cTn>
-                              </p:par>
-                              <p:par>
-                                <p:cTn id="9" presetID="1" presetClass="entr" presetSubtype="0" fill="hold" nodeType="withEffect">
-                                  <p:stCondLst>
-                                    <p:cond delay="0"/>
-                                  </p:stCondLst>
-                                  <p:childTnLst>
-                                    <p:set>
-                                      <p:cBhvr>
-                                        <p:cTn id="10" dur="1" fill="hold">
-                                          <p:stCondLst>
-                                            <p:cond delay="0"/>
-                                          </p:stCondLst>
-                                        </p:cTn>
-                                        <p:tgtEl>
-                                          <p:spTgt spid="9">
-                                            <p:txEl>
-                                              <p:pRg st="8" end="8"/>
-                                            </p:txEl>
-                                          </p:spTgt>
-                                        </p:tgtEl>
-                                        <p:attrNameLst>
-                                          <p:attrName>style.visibility</p:attrName>
-                                        </p:attrNameLst>
-                                      </p:cBhvr>
-                                      <p:to>
-                                        <p:strVal val="visible"/>
-                                      </p:to>
-                                    </p:set>
-                                  </p:childTnLst>
-                                </p:cTn>
-                              </p:par>
-                              <p:par>
-                                <p:cTn id="11" presetID="1" presetClass="entr" presetSubtype="0" fill="hold" nodeType="withEffect">
-                                  <p:stCondLst>
-                                    <p:cond delay="0"/>
-                                  </p:stCondLst>
-                                  <p:childTnLst>
-                                    <p:set>
-                                      <p:cBhvr>
-                                        <p:cTn id="12" dur="1" fill="hold">
-                                          <p:stCondLst>
-                                            <p:cond delay="0"/>
-                                          </p:stCondLst>
-                                        </p:cTn>
-                                        <p:tgtEl>
-                                          <p:spTgt spid="9">
-                                            <p:txEl>
-                                              <p:pRg st="9" end="9"/>
-                                            </p:txEl>
-                                          </p:spTgt>
-                                        </p:tgtEl>
-                                        <p:attrNameLst>
-                                          <p:attrName>style.visibility</p:attrName>
-                                        </p:attrNameLst>
-                                      </p:cBhvr>
-                                      <p:to>
-                                        <p:strVal val="visible"/>
-                                      </p:to>
-                                    </p:set>
-                                  </p:childTnLst>
-                                </p:cTn>
-                              </p:par>
-                              <p:par>
-                                <p:cTn id="13" presetID="1" presetClass="entr" presetSubtype="0" fill="hold" nodeType="withEffect">
-                                  <p:stCondLst>
-                                    <p:cond delay="0"/>
-                                  </p:stCondLst>
-                                  <p:childTnLst>
-                                    <p:set>
-                                      <p:cBhvr>
-                                        <p:cTn id="14" dur="1" fill="hold">
-                                          <p:stCondLst>
-                                            <p:cond delay="0"/>
-                                          </p:stCondLst>
-                                        </p:cTn>
-                                        <p:tgtEl>
-                                          <p:spTgt spid="9">
-                                            <p:txEl>
-                                              <p:pRg st="10" end="10"/>
-                                            </p:txEl>
-                                          </p:spTgt>
-                                        </p:tgtEl>
-                                        <p:attrNameLst>
-                                          <p:attrName>style.visibility</p:attrName>
-                                        </p:attrNameLst>
-                                      </p:cBhvr>
-                                      <p:to>
-                                        <p:strVal val="visible"/>
-                                      </p:to>
-                                    </p:set>
-                                  </p:childTnLst>
-                                </p:cTn>
-                              </p:par>
-                              <p:par>
-                                <p:cTn id="15" presetID="1" presetClass="entr" presetSubtype="0" fill="hold" nodeType="withEffect">
-                                  <p:stCondLst>
-                                    <p:cond delay="0"/>
-                                  </p:stCondLst>
-                                  <p:childTnLst>
-                                    <p:set>
-                                      <p:cBhvr>
-                                        <p:cTn id="16" dur="1" fill="hold">
-                                          <p:stCondLst>
-                                            <p:cond delay="0"/>
-                                          </p:stCondLst>
-                                        </p:cTn>
-                                        <p:tgtEl>
-                                          <p:spTgt spid="9">
-                                            <p:txEl>
-                                              <p:pRg st="11" end="11"/>
-                                            </p:txEl>
-                                          </p:spTgt>
-                                        </p:tgtEl>
-                                        <p:attrNameLst>
-                                          <p:attrName>style.visibility</p:attrName>
-                                        </p:attrNameLst>
-                                      </p:cBhvr>
-                                      <p:to>
-                                        <p:strVal val="visible"/>
-                                      </p:to>
-                                    </p:set>
-                                  </p:childTnLst>
-                                </p:cTn>
-                              </p:par>
-                            </p:childTnLst>
-                          </p:cTn>
-                        </p:par>
-                      </p:childTnLst>
-                    </p:cTn>
-                  </p:par>
-                </p:childTnLst>
-              </p:cTn>
-              <p:prevCondLst>
-                <p:cond evt="onPrev" delay="0">
-                  <p:tgtEl>
-                    <p:sldTgt/>
-                  </p:tgtEl>
-                </p:cond>
-              </p:prevCondLst>
-              <p:nextCondLst>
-                <p:cond evt="onNext" delay="0">
-                  <p:tgtEl>
-                    <p:sldTgt/>
-                  </p:tgtEl>
-                </p:cond>
-              </p:nextCondLst>
-            </p:seq>
-          </p:childTnLst>
-        </p:cTn>
-      </p:par>
-    </p:tnLst>
-  </p:timing>
 </p:sld>
 </file>
 
@@ -14024,752 +13754,6 @@
           <a:p>
             <a:r>
               <a:rPr lang="en-US" dirty="0"/>
-              <a:t>Ternary Operators</a:t>
-            </a:r>
-          </a:p>
-        </p:txBody>
-      </p:sp>
-      <p:sp>
-        <p:nvSpPr>
-          <p:cNvPr id="9" name="Content Placeholder 8">
-            <a:extLst>
-              <a:ext uri="{FF2B5EF4-FFF2-40B4-BE49-F238E27FC236}">
-                <a16:creationId xmlns:a16="http://schemas.microsoft.com/office/drawing/2014/main" id="{E3B2E017-30B2-884B-A113-B419A2ED51AD}"/>
-              </a:ext>
-            </a:extLst>
-          </p:cNvPr>
-          <p:cNvSpPr>
-            <a:spLocks noGrp="1"/>
-          </p:cNvSpPr>
-          <p:nvPr>
-            <p:ph idx="1"/>
-          </p:nvPr>
-        </p:nvSpPr>
-        <p:spPr>
-          <a:xfrm>
-            <a:off x="159108" y="897309"/>
-            <a:ext cx="8376466" cy="4683684"/>
-          </a:xfrm>
-        </p:spPr>
-        <p:txBody>
-          <a:bodyPr>
-            <a:normAutofit/>
-          </a:bodyPr>
-          <a:lstStyle/>
-          <a:p>
-            <a:pPr marL="0" indent="0">
-              <a:buNone/>
-            </a:pPr>
-            <a:endParaRPr lang="en-US" dirty="0">
-              <a:latin typeface="Gill Sans MT" panose="020B0502020104020203" pitchFamily="34" charset="77"/>
-            </a:endParaRPr>
-          </a:p>
-          <a:p>
-            <a:pPr marL="342900" lvl="1" indent="0">
-              <a:buNone/>
-            </a:pPr>
-            <a:r>
-              <a:rPr lang="en-US" sz="2000" b="1" dirty="0">
-                <a:solidFill>
-                  <a:srgbClr val="000087"/>
-                </a:solidFill>
-                <a:latin typeface="Inconsolata" panose="020B0609030003000000" pitchFamily="49" charset="77"/>
-              </a:rPr>
-              <a:t>x</a:t>
-            </a:r>
-            <a:r>
-              <a:rPr lang="en-US" sz="2000" b="1" dirty="0">
-                <a:solidFill>
-                  <a:srgbClr val="006699"/>
-                </a:solidFill>
-                <a:latin typeface="Inconsolata" panose="020B0609030003000000" pitchFamily="49" charset="77"/>
-              </a:rPr>
-              <a:t> = 60</a:t>
-            </a:r>
-          </a:p>
-          <a:p>
-            <a:pPr marL="342900" lvl="1" indent="0">
-              <a:buNone/>
-            </a:pPr>
-            <a:r>
-              <a:rPr lang="en-US" sz="2000" b="1" dirty="0">
-                <a:solidFill>
-                  <a:srgbClr val="000087"/>
-                </a:solidFill>
-                <a:latin typeface="Inconsolata" panose="020B0609030003000000" pitchFamily="49" charset="77"/>
-              </a:rPr>
-              <a:t>grade</a:t>
-            </a:r>
-            <a:r>
-              <a:rPr lang="en-US" sz="2000" b="1" dirty="0">
-                <a:solidFill>
-                  <a:srgbClr val="006699"/>
-                </a:solidFill>
-                <a:latin typeface="Inconsolata" panose="020B0609030003000000" pitchFamily="49" charset="77"/>
-              </a:rPr>
-              <a:t> = </a:t>
-            </a:r>
-            <a:r>
-              <a:rPr lang="en-US" sz="2000" b="1" dirty="0">
-                <a:solidFill>
-                  <a:srgbClr val="FF6600"/>
-                </a:solidFill>
-                <a:latin typeface="Inconsolata" panose="020B0609030003000000" pitchFamily="49" charset="77"/>
-              </a:rPr>
-              <a:t>“pass” </a:t>
-            </a:r>
-            <a:r>
-              <a:rPr lang="en-US" sz="2000" b="1" dirty="0">
-                <a:solidFill>
-                  <a:srgbClr val="006699"/>
-                </a:solidFill>
-                <a:latin typeface="Inconsolata" panose="020B0609030003000000" pitchFamily="49" charset="77"/>
-              </a:rPr>
-              <a:t>if </a:t>
-            </a:r>
-            <a:r>
-              <a:rPr lang="en-US" sz="2000" b="1" dirty="0">
-                <a:solidFill>
-                  <a:srgbClr val="000087"/>
-                </a:solidFill>
-                <a:latin typeface="Inconsolata" panose="020B0609030003000000" pitchFamily="49" charset="77"/>
-              </a:rPr>
-              <a:t>x</a:t>
-            </a:r>
-            <a:r>
-              <a:rPr lang="en-US" sz="2000" b="1" dirty="0">
-                <a:solidFill>
-                  <a:srgbClr val="006699"/>
-                </a:solidFill>
-                <a:latin typeface="Inconsolata" panose="020B0609030003000000" pitchFamily="49" charset="77"/>
-              </a:rPr>
-              <a:t> &gt;= 60 else </a:t>
-            </a:r>
-            <a:r>
-              <a:rPr lang="en-US" sz="2000" b="1" dirty="0">
-                <a:solidFill>
-                  <a:srgbClr val="FF6600"/>
-                </a:solidFill>
-                <a:latin typeface="Inconsolata" panose="020B0609030003000000" pitchFamily="49" charset="77"/>
-              </a:rPr>
-              <a:t>“fail” </a:t>
-            </a:r>
-          </a:p>
-          <a:p>
-            <a:pPr marL="342900" lvl="1" indent="0">
-              <a:buNone/>
-            </a:pPr>
-            <a:r>
-              <a:rPr lang="en-US" sz="2000" b="1" dirty="0">
-                <a:solidFill>
-                  <a:srgbClr val="006699"/>
-                </a:solidFill>
-                <a:latin typeface="Inconsolata" panose="020B0609030003000000" pitchFamily="49" charset="77"/>
-              </a:rPr>
-              <a:t>print(</a:t>
-            </a:r>
-            <a:r>
-              <a:rPr lang="en-US" sz="2000" b="1" dirty="0">
-                <a:solidFill>
-                  <a:srgbClr val="000087"/>
-                </a:solidFill>
-                <a:latin typeface="Inconsolata" panose="020B0609030003000000" pitchFamily="49" charset="77"/>
-              </a:rPr>
-              <a:t>grade</a:t>
-            </a:r>
-            <a:r>
-              <a:rPr lang="en-US" sz="2000" b="1" dirty="0">
-                <a:solidFill>
-                  <a:srgbClr val="006699"/>
-                </a:solidFill>
-                <a:latin typeface="Inconsolata" panose="020B0609030003000000" pitchFamily="49" charset="77"/>
-              </a:rPr>
-              <a:t>)</a:t>
-            </a:r>
-          </a:p>
-          <a:p>
-            <a:pPr marL="342900" lvl="1" indent="0">
-              <a:buNone/>
-            </a:pPr>
-            <a:endParaRPr lang="en-US" sz="2000" b="1" dirty="0">
-              <a:solidFill>
-                <a:srgbClr val="006699"/>
-              </a:solidFill>
-              <a:latin typeface="Inconsolata" panose="020B0609030003000000" pitchFamily="49" charset="77"/>
-            </a:endParaRPr>
-          </a:p>
-          <a:p>
-            <a:pPr marL="342900" lvl="1" indent="0">
-              <a:buNone/>
-            </a:pPr>
-            <a:r>
-              <a:rPr lang="en-US" sz="2100" dirty="0">
-                <a:latin typeface="Gill Sans MT" panose="020B0502020104020203" pitchFamily="34" charset="77"/>
-              </a:rPr>
-              <a:t>pass</a:t>
-            </a:r>
-          </a:p>
-          <a:p>
-            <a:pPr marL="342900" lvl="1" indent="0">
-              <a:buNone/>
-            </a:pPr>
-            <a:endParaRPr lang="en-US" sz="2100" dirty="0">
-              <a:latin typeface="Gill Sans MT" panose="020B0502020104020203" pitchFamily="34" charset="77"/>
-            </a:endParaRPr>
-          </a:p>
-          <a:p>
-            <a:pPr marL="342900" lvl="1" indent="0">
-              <a:buNone/>
-            </a:pPr>
-            <a:endParaRPr lang="en-US" sz="2100" dirty="0">
-              <a:solidFill>
-                <a:srgbClr val="000087"/>
-              </a:solidFill>
-              <a:latin typeface="Gill Sans MT" panose="020B0502020104020203" pitchFamily="34" charset="77"/>
-            </a:endParaRPr>
-          </a:p>
-        </p:txBody>
-      </p:sp>
-      <p:sp>
-        <p:nvSpPr>
-          <p:cNvPr id="3" name="Slide Number Placeholder 2">
-            <a:extLst>
-              <a:ext uri="{FF2B5EF4-FFF2-40B4-BE49-F238E27FC236}">
-                <a16:creationId xmlns:a16="http://schemas.microsoft.com/office/drawing/2014/main" id="{03D2D02E-B31E-A649-8FF4-D956449D41EE}"/>
-              </a:ext>
-            </a:extLst>
-          </p:cNvPr>
-          <p:cNvSpPr>
-            <a:spLocks noGrp="1"/>
-          </p:cNvSpPr>
-          <p:nvPr>
-            <p:ph type="sldNum" sz="quarter" idx="12"/>
-          </p:nvPr>
-        </p:nvSpPr>
-        <p:spPr/>
-        <p:txBody>
-          <a:bodyPr/>
-          <a:lstStyle/>
-          <a:p>
-            <a:fld id="{D57F1E4F-1CFF-5643-939E-02111984F565}" type="slidenum">
-              <a:rPr lang="en-US" smtClean="0"/>
-              <a:t>23</a:t>
-            </a:fld>
-            <a:endParaRPr lang="en-US" dirty="0"/>
-          </a:p>
-        </p:txBody>
-      </p:sp>
-    </p:spTree>
-    <p:extLst>
-      <p:ext uri="{BB962C8B-B14F-4D97-AF65-F5344CB8AC3E}">
-        <p14:creationId xmlns:p14="http://schemas.microsoft.com/office/powerpoint/2010/main" val="3463737959"/>
-      </p:ext>
-    </p:extLst>
-  </p:cSld>
-  <p:clrMapOvr>
-    <a:masterClrMapping/>
-  </p:clrMapOvr>
-  <p:timing>
-    <p:tnLst>
-      <p:par>
-        <p:cTn id="1" dur="indefinite" restart="never" nodeType="tmRoot">
-          <p:childTnLst>
-            <p:seq concurrent="1" nextAc="seek">
-              <p:cTn id="2" dur="indefinite" nodeType="mainSeq">
-                <p:childTnLst>
-                  <p:par>
-                    <p:cTn id="3" fill="hold">
-                      <p:stCondLst>
-                        <p:cond delay="indefinite"/>
-                      </p:stCondLst>
-                      <p:childTnLst>
-                        <p:par>
-                          <p:cTn id="4" fill="hold">
-                            <p:stCondLst>
-                              <p:cond delay="0"/>
-                            </p:stCondLst>
-                            <p:childTnLst>
-                              <p:par>
-                                <p:cTn id="5" presetID="1" presetClass="entr" presetSubtype="0" fill="hold" nodeType="clickEffect">
-                                  <p:stCondLst>
-                                    <p:cond delay="0"/>
-                                  </p:stCondLst>
-                                  <p:childTnLst>
-                                    <p:set>
-                                      <p:cBhvr>
-                                        <p:cTn id="6" dur="1" fill="hold">
-                                          <p:stCondLst>
-                                            <p:cond delay="0"/>
-                                          </p:stCondLst>
-                                        </p:cTn>
-                                        <p:tgtEl>
-                                          <p:spTgt spid="9">
-                                            <p:txEl>
-                                              <p:pRg st="5" end="5"/>
-                                            </p:txEl>
-                                          </p:spTgt>
-                                        </p:tgtEl>
-                                        <p:attrNameLst>
-                                          <p:attrName>style.visibility</p:attrName>
-                                        </p:attrNameLst>
-                                      </p:cBhvr>
-                                      <p:to>
-                                        <p:strVal val="visible"/>
-                                      </p:to>
-                                    </p:set>
-                                  </p:childTnLst>
-                                </p:cTn>
-                              </p:par>
-                            </p:childTnLst>
-                          </p:cTn>
-                        </p:par>
-                      </p:childTnLst>
-                    </p:cTn>
-                  </p:par>
-                </p:childTnLst>
-              </p:cTn>
-              <p:prevCondLst>
-                <p:cond evt="onPrev" delay="0">
-                  <p:tgtEl>
-                    <p:sldTgt/>
-                  </p:tgtEl>
-                </p:cond>
-              </p:prevCondLst>
-              <p:nextCondLst>
-                <p:cond evt="onNext" delay="0">
-                  <p:tgtEl>
-                    <p:sldTgt/>
-                  </p:tgtEl>
-                </p:cond>
-              </p:nextCondLst>
-            </p:seq>
-          </p:childTnLst>
-        </p:cTn>
-      </p:par>
-    </p:tnLst>
-  </p:timing>
-</p:sld>
-</file>
-
-<file path=ppt/slides/slide24.xml><?xml version="1.0" encoding="utf-8"?>
-<p:sld xmlns:a="http://schemas.openxmlformats.org/drawingml/2006/main" xmlns:r="http://schemas.openxmlformats.org/officeDocument/2006/relationships" xmlns:p="http://schemas.openxmlformats.org/presentationml/2006/main">
-  <p:cSld>
-    <p:spTree>
-      <p:nvGrpSpPr>
-        <p:cNvPr id="1" name=""/>
-        <p:cNvGrpSpPr/>
-        <p:nvPr/>
-      </p:nvGrpSpPr>
-      <p:grpSpPr>
-        <a:xfrm>
-          <a:off x="0" y="0"/>
-          <a:ext cx="0" cy="0"/>
-          <a:chOff x="0" y="0"/>
-          <a:chExt cx="0" cy="0"/>
-        </a:xfrm>
-      </p:grpSpPr>
-      <p:sp>
-        <p:nvSpPr>
-          <p:cNvPr id="2" name="Title 1">
-            <a:extLst>
-              <a:ext uri="{FF2B5EF4-FFF2-40B4-BE49-F238E27FC236}">
-                <a16:creationId xmlns:a16="http://schemas.microsoft.com/office/drawing/2014/main" id="{AA3A228F-61D0-D949-A5E7-F83756230BF8}"/>
-              </a:ext>
-            </a:extLst>
-          </p:cNvPr>
-          <p:cNvSpPr>
-            <a:spLocks noGrp="1"/>
-          </p:cNvSpPr>
-          <p:nvPr>
-            <p:ph type="title"/>
-          </p:nvPr>
-        </p:nvSpPr>
-        <p:spPr>
-          <a:xfrm>
-            <a:off x="159107" y="134008"/>
-            <a:ext cx="7053542" cy="683886"/>
-          </a:xfrm>
-        </p:spPr>
-        <p:txBody>
-          <a:bodyPr/>
-          <a:lstStyle/>
-          <a:p>
-            <a:r>
-              <a:rPr lang="en-US" dirty="0"/>
-              <a:t>Example 1</a:t>
-            </a:r>
-          </a:p>
-        </p:txBody>
-      </p:sp>
-      <p:sp>
-        <p:nvSpPr>
-          <p:cNvPr id="9" name="Content Placeholder 8">
-            <a:extLst>
-              <a:ext uri="{FF2B5EF4-FFF2-40B4-BE49-F238E27FC236}">
-                <a16:creationId xmlns:a16="http://schemas.microsoft.com/office/drawing/2014/main" id="{E3B2E017-30B2-884B-A113-B419A2ED51AD}"/>
-              </a:ext>
-            </a:extLst>
-          </p:cNvPr>
-          <p:cNvSpPr>
-            <a:spLocks noGrp="1"/>
-          </p:cNvSpPr>
-          <p:nvPr>
-            <p:ph idx="1"/>
-          </p:nvPr>
-        </p:nvSpPr>
-        <p:spPr>
-          <a:xfrm>
-            <a:off x="159108" y="897309"/>
-            <a:ext cx="8376466" cy="4683684"/>
-          </a:xfrm>
-        </p:spPr>
-        <p:txBody>
-          <a:bodyPr>
-            <a:normAutofit/>
-          </a:bodyPr>
-          <a:lstStyle/>
-          <a:p>
-            <a:pPr marL="0" indent="0">
-              <a:buNone/>
-            </a:pPr>
-            <a:r>
-              <a:rPr lang="en-US" dirty="0">
-                <a:latin typeface="Gill Sans MT" panose="020B0502020104020203" pitchFamily="34" charset="77"/>
-              </a:rPr>
-              <a:t>Write a segment of code which asks the user to enter a number and prints out whether the number is even.</a:t>
-            </a:r>
-          </a:p>
-          <a:p>
-            <a:pPr marL="0" indent="0">
-              <a:buNone/>
-            </a:pPr>
-            <a:endParaRPr lang="en-US" sz="2100" dirty="0">
-              <a:latin typeface="Gill Sans MT" panose="020B0502020104020203" pitchFamily="34" charset="77"/>
-            </a:endParaRPr>
-          </a:p>
-          <a:p>
-            <a:pPr marL="0" indent="0">
-              <a:buNone/>
-            </a:pPr>
-            <a:r>
-              <a:rPr lang="en-US" sz="2000" b="1" dirty="0">
-                <a:solidFill>
-                  <a:srgbClr val="000000"/>
-                </a:solidFill>
-                <a:latin typeface="Inconsolata" panose="020B0609030003000000" pitchFamily="49" charset="77"/>
-              </a:rPr>
-              <a:t>x = </a:t>
-            </a:r>
-            <a:r>
-              <a:rPr lang="en-US" sz="2000" b="1" dirty="0">
-                <a:solidFill>
-                  <a:srgbClr val="34A327"/>
-                </a:solidFill>
-                <a:latin typeface="Inconsolata" panose="020B0609030003000000" pitchFamily="49" charset="77"/>
-              </a:rPr>
-              <a:t>int(input(</a:t>
-            </a:r>
-            <a:r>
-              <a:rPr lang="en-US" sz="2000" b="1" dirty="0">
-                <a:solidFill>
-                  <a:srgbClr val="CD7923"/>
-                </a:solidFill>
-                <a:latin typeface="Inconsolata" panose="020B0609030003000000" pitchFamily="49" charset="77"/>
-              </a:rPr>
-              <a:t>‘Enter an integer: ’</a:t>
-            </a:r>
-            <a:r>
-              <a:rPr lang="en-US" sz="2000" b="1" dirty="0">
-                <a:solidFill>
-                  <a:srgbClr val="34A327"/>
-                </a:solidFill>
-                <a:latin typeface="Inconsolata" panose="020B0609030003000000" pitchFamily="49" charset="77"/>
-              </a:rPr>
-              <a:t>))</a:t>
-            </a:r>
-            <a:r>
-              <a:rPr lang="en-US" sz="2000" b="1" dirty="0">
-                <a:solidFill>
-                  <a:srgbClr val="000000"/>
-                </a:solidFill>
-                <a:latin typeface="Inconsolata" panose="020B0609030003000000" pitchFamily="49" charset="77"/>
-              </a:rPr>
-              <a:t> </a:t>
-            </a:r>
-            <a:endParaRPr lang="en-US" sz="2000" b="1" dirty="0">
-              <a:solidFill>
-                <a:srgbClr val="CD7923"/>
-              </a:solidFill>
-              <a:latin typeface="Inconsolata" panose="020B0609030003000000" pitchFamily="49" charset="77"/>
-            </a:endParaRPr>
-          </a:p>
-          <a:p>
-            <a:pPr marL="0" indent="0">
-              <a:buNone/>
-            </a:pPr>
-            <a:r>
-              <a:rPr lang="en-US" sz="2000" b="1" dirty="0">
-                <a:solidFill>
-                  <a:srgbClr val="006699"/>
-                </a:solidFill>
-                <a:latin typeface="Inconsolata" panose="020B0609030003000000" pitchFamily="49" charset="77"/>
-              </a:rPr>
-              <a:t>if </a:t>
-            </a:r>
-            <a:r>
-              <a:rPr lang="en-US" sz="2000" b="1" dirty="0">
-                <a:solidFill>
-                  <a:srgbClr val="000087"/>
-                </a:solidFill>
-                <a:latin typeface="Inconsolata" panose="020B0609030003000000" pitchFamily="49" charset="77"/>
-              </a:rPr>
-              <a:t>x </a:t>
-            </a:r>
-            <a:r>
-              <a:rPr lang="en-US" sz="2000" b="1" dirty="0">
-                <a:solidFill>
-                  <a:srgbClr val="545454"/>
-                </a:solidFill>
-                <a:latin typeface="Inconsolata" panose="020B0609030003000000" pitchFamily="49" charset="77"/>
-              </a:rPr>
-              <a:t>% 2 == </a:t>
-            </a:r>
-            <a:r>
-              <a:rPr lang="en-US" sz="2000" b="1" dirty="0">
-                <a:solidFill>
-                  <a:srgbClr val="FF6600"/>
-                </a:solidFill>
-                <a:latin typeface="Inconsolata" panose="020B0609030003000000" pitchFamily="49" charset="77"/>
-              </a:rPr>
-              <a:t>0</a:t>
-            </a:r>
-            <a:r>
-              <a:rPr lang="en-US" sz="2000" b="1" dirty="0">
-                <a:latin typeface="Inconsolata" panose="020B0609030003000000" pitchFamily="49" charset="77"/>
-              </a:rPr>
-              <a:t>:</a:t>
-            </a:r>
-          </a:p>
-          <a:p>
-            <a:pPr marL="0" indent="0">
-              <a:buNone/>
-            </a:pPr>
-            <a:r>
-              <a:rPr lang="en-US" sz="2000" b="1" dirty="0">
-                <a:solidFill>
-                  <a:srgbClr val="006699"/>
-                </a:solidFill>
-                <a:latin typeface="Inconsolata" panose="020B0609030003000000" pitchFamily="49" charset="77"/>
-              </a:rPr>
-              <a:t>    print</a:t>
-            </a:r>
-            <a:r>
-              <a:rPr lang="en-US" sz="2000" b="1" dirty="0">
-                <a:latin typeface="Inconsolata" panose="020B0609030003000000" pitchFamily="49" charset="77"/>
-              </a:rPr>
-              <a:t>(</a:t>
-            </a:r>
-            <a:r>
-              <a:rPr lang="en-US" sz="2000" b="1" dirty="0">
-                <a:solidFill>
-                  <a:srgbClr val="000087"/>
-                </a:solidFill>
-                <a:latin typeface="Inconsolata" panose="020B0609030003000000" pitchFamily="49" charset="77"/>
-              </a:rPr>
-              <a:t>“x is even”</a:t>
-            </a:r>
-            <a:r>
-              <a:rPr lang="en-US" sz="2000" b="1" dirty="0">
-                <a:latin typeface="Inconsolata" panose="020B0609030003000000" pitchFamily="49" charset="77"/>
-              </a:rPr>
-              <a:t>)</a:t>
-            </a:r>
-          </a:p>
-          <a:p>
-            <a:pPr marL="0" indent="0">
-              <a:buNone/>
-            </a:pPr>
-            <a:r>
-              <a:rPr lang="en-US" sz="2000" b="1" dirty="0">
-                <a:solidFill>
-                  <a:srgbClr val="006699"/>
-                </a:solidFill>
-                <a:latin typeface="Inconsolata" panose="020B0609030003000000" pitchFamily="49" charset="77"/>
-              </a:rPr>
-              <a:t>else</a:t>
-            </a:r>
-            <a:r>
-              <a:rPr lang="en-US" sz="2000" b="1" dirty="0">
-                <a:latin typeface="Inconsolata" panose="020B0609030003000000" pitchFamily="49" charset="77"/>
-              </a:rPr>
-              <a:t>:</a:t>
-            </a:r>
-          </a:p>
-          <a:p>
-            <a:pPr marL="0" indent="0">
-              <a:buNone/>
-            </a:pPr>
-            <a:r>
-              <a:rPr lang="en-US" sz="2000" b="1" dirty="0">
-                <a:solidFill>
-                  <a:srgbClr val="006699"/>
-                </a:solidFill>
-                <a:latin typeface="Inconsolata" panose="020B0609030003000000" pitchFamily="49" charset="77"/>
-              </a:rPr>
-              <a:t>    print</a:t>
-            </a:r>
-            <a:r>
-              <a:rPr lang="en-US" sz="2000" b="1" dirty="0">
-                <a:latin typeface="Inconsolata" panose="020B0609030003000000" pitchFamily="49" charset="77"/>
-              </a:rPr>
-              <a:t>(</a:t>
-            </a:r>
-            <a:r>
-              <a:rPr lang="en-US" sz="2000" b="1" dirty="0">
-                <a:solidFill>
-                  <a:srgbClr val="000087"/>
-                </a:solidFill>
-                <a:latin typeface="Inconsolata" panose="020B0609030003000000" pitchFamily="49" charset="77"/>
-              </a:rPr>
-              <a:t>“x is odd”</a:t>
-            </a:r>
-            <a:r>
-              <a:rPr lang="en-US" sz="2000" b="1" dirty="0">
-                <a:latin typeface="Inconsolata" panose="020B0609030003000000" pitchFamily="49" charset="77"/>
-              </a:rPr>
-              <a:t>)</a:t>
-            </a:r>
-          </a:p>
-          <a:p>
-            <a:pPr marL="0" indent="0">
-              <a:buNone/>
-            </a:pPr>
-            <a:endParaRPr lang="en-US" sz="2000" b="1" dirty="0">
-              <a:solidFill>
-                <a:srgbClr val="34A327"/>
-              </a:solidFill>
-              <a:latin typeface="Inconsolata" panose="020B0609030003000000" pitchFamily="49" charset="77"/>
-            </a:endParaRPr>
-          </a:p>
-          <a:p>
-            <a:pPr marL="0" indent="0">
-              <a:buNone/>
-            </a:pPr>
-            <a:endParaRPr lang="en-US" sz="2000" b="1" dirty="0">
-              <a:solidFill>
-                <a:srgbClr val="34A327"/>
-              </a:solidFill>
-              <a:latin typeface="Inconsolata" panose="020B0609030003000000" pitchFamily="49" charset="77"/>
-            </a:endParaRPr>
-          </a:p>
-          <a:p>
-            <a:pPr marL="0" indent="0">
-              <a:buNone/>
-            </a:pPr>
-            <a:endParaRPr lang="en-US" sz="2100" dirty="0">
-              <a:latin typeface="Gill Sans MT" panose="020B0502020104020203" pitchFamily="34" charset="77"/>
-            </a:endParaRPr>
-          </a:p>
-          <a:p>
-            <a:pPr marL="342900" lvl="1" indent="0">
-              <a:buNone/>
-            </a:pPr>
-            <a:endParaRPr lang="en-US" sz="2100" dirty="0">
-              <a:solidFill>
-                <a:srgbClr val="000087"/>
-              </a:solidFill>
-              <a:latin typeface="Gill Sans MT" panose="020B0502020104020203" pitchFamily="34" charset="77"/>
-            </a:endParaRPr>
-          </a:p>
-        </p:txBody>
-      </p:sp>
-      <p:sp>
-        <p:nvSpPr>
-          <p:cNvPr id="3" name="Slide Number Placeholder 2">
-            <a:extLst>
-              <a:ext uri="{FF2B5EF4-FFF2-40B4-BE49-F238E27FC236}">
-                <a16:creationId xmlns:a16="http://schemas.microsoft.com/office/drawing/2014/main" id="{05019E21-C7E3-AF4D-A5CE-F7FB20D3B7AD}"/>
-              </a:ext>
-            </a:extLst>
-          </p:cNvPr>
-          <p:cNvSpPr>
-            <a:spLocks noGrp="1"/>
-          </p:cNvSpPr>
-          <p:nvPr>
-            <p:ph type="sldNum" sz="quarter" idx="12"/>
-          </p:nvPr>
-        </p:nvSpPr>
-        <p:spPr/>
-        <p:txBody>
-          <a:bodyPr/>
-          <a:lstStyle/>
-          <a:p>
-            <a:fld id="{D57F1E4F-1CFF-5643-939E-02111984F565}" type="slidenum">
-              <a:rPr lang="en-US" smtClean="0"/>
-              <a:t>24</a:t>
-            </a:fld>
-            <a:endParaRPr lang="en-US" dirty="0"/>
-          </a:p>
-        </p:txBody>
-      </p:sp>
-    </p:spTree>
-    <p:extLst>
-      <p:ext uri="{BB962C8B-B14F-4D97-AF65-F5344CB8AC3E}">
-        <p14:creationId xmlns:p14="http://schemas.microsoft.com/office/powerpoint/2010/main" val="2651057456"/>
-      </p:ext>
-    </p:extLst>
-  </p:cSld>
-  <p:clrMapOvr>
-    <a:masterClrMapping/>
-  </p:clrMapOvr>
-</p:sld>
-</file>
-
-<file path=ppt/slides/slide25.xml><?xml version="1.0" encoding="utf-8"?>
-<p:sld xmlns:a="http://schemas.openxmlformats.org/drawingml/2006/main" xmlns:r="http://schemas.openxmlformats.org/officeDocument/2006/relationships" xmlns:p="http://schemas.openxmlformats.org/presentationml/2006/main">
-  <p:cSld>
-    <p:spTree>
-      <p:nvGrpSpPr>
-        <p:cNvPr id="1" name=""/>
-        <p:cNvGrpSpPr/>
-        <p:nvPr/>
-      </p:nvGrpSpPr>
-      <p:grpSpPr>
-        <a:xfrm>
-          <a:off x="0" y="0"/>
-          <a:ext cx="0" cy="0"/>
-          <a:chOff x="0" y="0"/>
-          <a:chExt cx="0" cy="0"/>
-        </a:xfrm>
-      </p:grpSpPr>
-      <p:sp>
-        <p:nvSpPr>
-          <p:cNvPr id="2" name="Title 1">
-            <a:extLst>
-              <a:ext uri="{FF2B5EF4-FFF2-40B4-BE49-F238E27FC236}">
-                <a16:creationId xmlns:a16="http://schemas.microsoft.com/office/drawing/2014/main" id="{AA3A228F-61D0-D949-A5E7-F83756230BF8}"/>
-              </a:ext>
-            </a:extLst>
-          </p:cNvPr>
-          <p:cNvSpPr>
-            <a:spLocks noGrp="1"/>
-          </p:cNvSpPr>
-          <p:nvPr>
-            <p:ph type="title"/>
-          </p:nvPr>
-        </p:nvSpPr>
-        <p:spPr>
-          <a:xfrm>
-            <a:off x="159107" y="134008"/>
-            <a:ext cx="7053542" cy="683886"/>
-          </a:xfrm>
-        </p:spPr>
-        <p:txBody>
-          <a:bodyPr/>
-          <a:lstStyle/>
-          <a:p>
-            <a:r>
-              <a:rPr lang="en-US" dirty="0"/>
               <a:t>Example 2: </a:t>
             </a:r>
             <a:r>
@@ -15398,7 +14382,7 @@
           <a:p>
             <a:fld id="{D57F1E4F-1CFF-5643-939E-02111984F565}" type="slidenum">
               <a:rPr lang="en-US" smtClean="0"/>
-              <a:t>25</a:t>
+              <a:t>23</a:t>
             </a:fld>
             <a:endParaRPr lang="en-US" dirty="0"/>
           </a:p>
@@ -15838,7 +14822,7 @@
 </p:sld>
 </file>
 
-<file path=ppt/slides/slide26.xml><?xml version="1.0" encoding="utf-8"?>
+<file path=ppt/slides/slide24.xml><?xml version="1.0" encoding="utf-8"?>
 <p:sld xmlns:a="http://schemas.openxmlformats.org/drawingml/2006/main" xmlns:r="http://schemas.openxmlformats.org/officeDocument/2006/relationships" xmlns:p="http://schemas.openxmlformats.org/presentationml/2006/main">
   <p:cSld>
     <p:spTree>
@@ -16431,7 +15415,7 @@
           <a:p>
             <a:fld id="{D57F1E4F-1CFF-5643-939E-02111984F565}" type="slidenum">
               <a:rPr lang="en-US" smtClean="0"/>
-              <a:t>26</a:t>
+              <a:t>24</a:t>
             </a:fld>
             <a:endParaRPr lang="en-US" dirty="0"/>
           </a:p>
@@ -16450,7 +15434,7 @@
 </p:sld>
 </file>
 
-<file path=ppt/slides/slide27.xml><?xml version="1.0" encoding="utf-8"?>
+<file path=ppt/slides/slide25.xml><?xml version="1.0" encoding="utf-8"?>
 <p:sld xmlns:a="http://schemas.openxmlformats.org/drawingml/2006/main" xmlns:r="http://schemas.openxmlformats.org/officeDocument/2006/relationships" xmlns:p="http://schemas.openxmlformats.org/presentationml/2006/main">
   <p:cSld>
     <p:spTree>
@@ -16940,7 +15924,7 @@
           <a:p>
             <a:fld id="{D57F1E4F-1CFF-5643-939E-02111984F565}" type="slidenum">
               <a:rPr lang="en-US" smtClean="0"/>
-              <a:t>27</a:t>
+              <a:t>25</a:t>
             </a:fld>
             <a:endParaRPr lang="en-US" dirty="0"/>
           </a:p>
@@ -17038,7 +16022,7 @@
 </p:sld>
 </file>
 
-<file path=ppt/slides/slide28.xml><?xml version="1.0" encoding="utf-8"?>
+<file path=ppt/slides/slide26.xml><?xml version="1.0" encoding="utf-8"?>
 <p:sld xmlns:a="http://schemas.openxmlformats.org/drawingml/2006/main" xmlns:r="http://schemas.openxmlformats.org/officeDocument/2006/relationships" xmlns:p="http://schemas.openxmlformats.org/presentationml/2006/main">
   <p:cSld>
     <p:spTree>
@@ -17262,7 +16246,7 @@
           <a:p>
             <a:fld id="{D57F1E4F-1CFF-5643-939E-02111984F565}" type="slidenum">
               <a:rPr lang="en-US" smtClean="0"/>
-              <a:t>28</a:t>
+              <a:t>26</a:t>
             </a:fld>
             <a:endParaRPr lang="en-US" dirty="0"/>
           </a:p>
@@ -17281,7 +16265,7 @@
 </p:sld>
 </file>
 
-<file path=ppt/slides/slide29.xml><?xml version="1.0" encoding="utf-8"?>
+<file path=ppt/slides/slide27.xml><?xml version="1.0" encoding="utf-8"?>
 <p:sld xmlns:a="http://schemas.openxmlformats.org/drawingml/2006/main" xmlns:r="http://schemas.openxmlformats.org/officeDocument/2006/relationships" xmlns:p="http://schemas.openxmlformats.org/presentationml/2006/main">
   <p:cSld>
     <p:spTree>
@@ -17613,7 +16597,7 @@
           <a:p>
             <a:fld id="{D57F1E4F-1CFF-5643-939E-02111984F565}" type="slidenum">
               <a:rPr lang="en-US" smtClean="0"/>
-              <a:t>29</a:t>
+              <a:t>27</a:t>
             </a:fld>
             <a:endParaRPr lang="en-US" dirty="0"/>
           </a:p>
@@ -17623,6 +16607,183 @@
     <p:extLst>
       <p:ext uri="{BB962C8B-B14F-4D97-AF65-F5344CB8AC3E}">
         <p14:creationId xmlns:p14="http://schemas.microsoft.com/office/powerpoint/2010/main" val="1575070404"/>
+      </p:ext>
+    </p:extLst>
+  </p:cSld>
+  <p:clrMapOvr>
+    <a:masterClrMapping/>
+  </p:clrMapOvr>
+</p:sld>
+</file>
+
+<file path=ppt/slides/slide28.xml><?xml version="1.0" encoding="utf-8"?>
+<p:sld xmlns:a="http://schemas.openxmlformats.org/drawingml/2006/main" xmlns:r="http://schemas.openxmlformats.org/officeDocument/2006/relationships" xmlns:p="http://schemas.openxmlformats.org/presentationml/2006/main">
+  <p:cSld>
+    <p:spTree>
+      <p:nvGrpSpPr>
+        <p:cNvPr id="1" name=""/>
+        <p:cNvGrpSpPr/>
+        <p:nvPr/>
+      </p:nvGrpSpPr>
+      <p:grpSpPr>
+        <a:xfrm>
+          <a:off x="0" y="0"/>
+          <a:ext cx="0" cy="0"/>
+          <a:chOff x="0" y="0"/>
+          <a:chExt cx="0" cy="0"/>
+        </a:xfrm>
+      </p:grpSpPr>
+      <p:sp>
+        <p:nvSpPr>
+          <p:cNvPr id="2" name="Title 1">
+            <a:extLst>
+              <a:ext uri="{FF2B5EF4-FFF2-40B4-BE49-F238E27FC236}">
+                <a16:creationId xmlns:a16="http://schemas.microsoft.com/office/drawing/2014/main" id="{AA3A228F-61D0-D949-A5E7-F83756230BF8}"/>
+              </a:ext>
+            </a:extLst>
+          </p:cNvPr>
+          <p:cNvSpPr>
+            <a:spLocks noGrp="1"/>
+          </p:cNvSpPr>
+          <p:nvPr>
+            <p:ph type="title"/>
+          </p:nvPr>
+        </p:nvSpPr>
+        <p:spPr>
+          <a:xfrm>
+            <a:off x="483848" y="467027"/>
+            <a:ext cx="7053542" cy="683886"/>
+          </a:xfrm>
+        </p:spPr>
+        <p:txBody>
+          <a:bodyPr/>
+          <a:lstStyle/>
+          <a:p>
+            <a:r>
+              <a:rPr lang="en-US" dirty="0"/>
+              <a:t>References</a:t>
+            </a:r>
+          </a:p>
+        </p:txBody>
+      </p:sp>
+      <p:sp>
+        <p:nvSpPr>
+          <p:cNvPr id="9" name="Content Placeholder 8">
+            <a:extLst>
+              <a:ext uri="{FF2B5EF4-FFF2-40B4-BE49-F238E27FC236}">
+                <a16:creationId xmlns:a16="http://schemas.microsoft.com/office/drawing/2014/main" id="{E3B2E017-30B2-884B-A113-B419A2ED51AD}"/>
+              </a:ext>
+            </a:extLst>
+          </p:cNvPr>
+          <p:cNvSpPr>
+            <a:spLocks noGrp="1"/>
+          </p:cNvSpPr>
+          <p:nvPr>
+            <p:ph idx="1"/>
+          </p:nvPr>
+        </p:nvSpPr>
+        <p:spPr>
+          <a:xfrm>
+            <a:off x="483848" y="1150913"/>
+            <a:ext cx="8051725" cy="4440590"/>
+          </a:xfrm>
+        </p:spPr>
+        <p:txBody>
+          <a:bodyPr>
+            <a:noAutofit/>
+          </a:bodyPr>
+          <a:lstStyle/>
+          <a:p>
+            <a:pPr marL="0" indent="0">
+              <a:buNone/>
+            </a:pPr>
+            <a:endParaRPr lang="en-US" dirty="0"/>
+          </a:p>
+          <a:p>
+            <a:pPr marL="0" indent="0">
+              <a:buNone/>
+            </a:pPr>
+            <a:endParaRPr lang="en-US" dirty="0"/>
+          </a:p>
+          <a:p>
+            <a:pPr marL="457200" indent="-457200">
+              <a:buAutoNum type="arabicParenR"/>
+            </a:pPr>
+            <a:r>
+              <a:rPr lang="en-US" dirty="0" err="1"/>
+              <a:t>Vanderplas</a:t>
+            </a:r>
+            <a:r>
+              <a:rPr lang="en-US" dirty="0"/>
+              <a:t>, Jake, A Whirlwind Tour of Python, </a:t>
+            </a:r>
+            <a:r>
+              <a:rPr lang="en-US" dirty="0" err="1"/>
+              <a:t>O’reilly</a:t>
+            </a:r>
+            <a:r>
+              <a:rPr lang="en-US" dirty="0"/>
+              <a:t> Media. </a:t>
+            </a:r>
+          </a:p>
+          <a:p>
+            <a:pPr marL="457200" indent="-457200">
+              <a:buAutoNum type="arabicParenR"/>
+            </a:pPr>
+            <a:r>
+              <a:rPr lang="en-US" dirty="0"/>
+              <a:t>Richard </a:t>
+            </a:r>
+            <a:r>
+              <a:rPr lang="en-US" dirty="0" err="1"/>
+              <a:t>Halterman</a:t>
+            </a:r>
+            <a:r>
+              <a:rPr lang="en-US" dirty="0"/>
+              <a:t>, Fundamental of Python Programming.</a:t>
+            </a:r>
+          </a:p>
+          <a:p>
+            <a:pPr marL="0" indent="0">
+              <a:buNone/>
+            </a:pPr>
+            <a:endParaRPr lang="en-US" dirty="0"/>
+          </a:p>
+        </p:txBody>
+      </p:sp>
+      <p:sp>
+        <p:nvSpPr>
+          <p:cNvPr id="3" name="Slide Number Placeholder 2">
+            <a:extLst>
+              <a:ext uri="{FF2B5EF4-FFF2-40B4-BE49-F238E27FC236}">
+                <a16:creationId xmlns:a16="http://schemas.microsoft.com/office/drawing/2014/main" id="{D2645337-8E21-574C-B0AB-5A587EA6ABFA}"/>
+              </a:ext>
+            </a:extLst>
+          </p:cNvPr>
+          <p:cNvSpPr>
+            <a:spLocks noGrp="1"/>
+          </p:cNvSpPr>
+          <p:nvPr>
+            <p:ph type="sldNum" sz="quarter" idx="12"/>
+          </p:nvPr>
+        </p:nvSpPr>
+        <p:spPr/>
+        <p:txBody>
+          <a:bodyPr/>
+          <a:lstStyle/>
+          <a:p>
+            <a:fld id="{D57F1E4F-1CFF-5643-939E-02111984F565}" type="slidenum">
+              <a:rPr lang="en-US" smtClean="0"/>
+              <a:t>28</a:t>
+            </a:fld>
+            <a:endParaRPr lang="en-US" dirty="0"/>
+          </a:p>
+        </p:txBody>
+      </p:sp>
+    </p:spTree>
+    <p:extLst>
+      <p:ext uri="{BB962C8B-B14F-4D97-AF65-F5344CB8AC3E}">
+        <p14:creationId xmlns:p14="http://schemas.microsoft.com/office/powerpoint/2010/main" val="1438711869"/>
       </p:ext>
     </p:extLst>
   </p:cSld>
@@ -17949,183 +17110,6 @@
       <p:bldP spid="3" grpId="0"/>
     </p:bldLst>
   </p:timing>
-</p:sld>
-</file>
-
-<file path=ppt/slides/slide30.xml><?xml version="1.0" encoding="utf-8"?>
-<p:sld xmlns:a="http://schemas.openxmlformats.org/drawingml/2006/main" xmlns:r="http://schemas.openxmlformats.org/officeDocument/2006/relationships" xmlns:p="http://schemas.openxmlformats.org/presentationml/2006/main">
-  <p:cSld>
-    <p:spTree>
-      <p:nvGrpSpPr>
-        <p:cNvPr id="1" name=""/>
-        <p:cNvGrpSpPr/>
-        <p:nvPr/>
-      </p:nvGrpSpPr>
-      <p:grpSpPr>
-        <a:xfrm>
-          <a:off x="0" y="0"/>
-          <a:ext cx="0" cy="0"/>
-          <a:chOff x="0" y="0"/>
-          <a:chExt cx="0" cy="0"/>
-        </a:xfrm>
-      </p:grpSpPr>
-      <p:sp>
-        <p:nvSpPr>
-          <p:cNvPr id="2" name="Title 1">
-            <a:extLst>
-              <a:ext uri="{FF2B5EF4-FFF2-40B4-BE49-F238E27FC236}">
-                <a16:creationId xmlns:a16="http://schemas.microsoft.com/office/drawing/2014/main" id="{AA3A228F-61D0-D949-A5E7-F83756230BF8}"/>
-              </a:ext>
-            </a:extLst>
-          </p:cNvPr>
-          <p:cNvSpPr>
-            <a:spLocks noGrp="1"/>
-          </p:cNvSpPr>
-          <p:nvPr>
-            <p:ph type="title"/>
-          </p:nvPr>
-        </p:nvSpPr>
-        <p:spPr>
-          <a:xfrm>
-            <a:off x="483848" y="467027"/>
-            <a:ext cx="7053542" cy="683886"/>
-          </a:xfrm>
-        </p:spPr>
-        <p:txBody>
-          <a:bodyPr/>
-          <a:lstStyle/>
-          <a:p>
-            <a:r>
-              <a:rPr lang="en-US" dirty="0"/>
-              <a:t>References</a:t>
-            </a:r>
-          </a:p>
-        </p:txBody>
-      </p:sp>
-      <p:sp>
-        <p:nvSpPr>
-          <p:cNvPr id="9" name="Content Placeholder 8">
-            <a:extLst>
-              <a:ext uri="{FF2B5EF4-FFF2-40B4-BE49-F238E27FC236}">
-                <a16:creationId xmlns:a16="http://schemas.microsoft.com/office/drawing/2014/main" id="{E3B2E017-30B2-884B-A113-B419A2ED51AD}"/>
-              </a:ext>
-            </a:extLst>
-          </p:cNvPr>
-          <p:cNvSpPr>
-            <a:spLocks noGrp="1"/>
-          </p:cNvSpPr>
-          <p:nvPr>
-            <p:ph idx="1"/>
-          </p:nvPr>
-        </p:nvSpPr>
-        <p:spPr>
-          <a:xfrm>
-            <a:off x="483848" y="1150913"/>
-            <a:ext cx="8051725" cy="4440590"/>
-          </a:xfrm>
-        </p:spPr>
-        <p:txBody>
-          <a:bodyPr>
-            <a:noAutofit/>
-          </a:bodyPr>
-          <a:lstStyle/>
-          <a:p>
-            <a:pPr marL="0" indent="0">
-              <a:buNone/>
-            </a:pPr>
-            <a:endParaRPr lang="en-US" dirty="0"/>
-          </a:p>
-          <a:p>
-            <a:pPr marL="0" indent="0">
-              <a:buNone/>
-            </a:pPr>
-            <a:endParaRPr lang="en-US" dirty="0"/>
-          </a:p>
-          <a:p>
-            <a:pPr marL="457200" indent="-457200">
-              <a:buAutoNum type="arabicParenR"/>
-            </a:pPr>
-            <a:r>
-              <a:rPr lang="en-US" dirty="0" err="1"/>
-              <a:t>Vanderplas</a:t>
-            </a:r>
-            <a:r>
-              <a:rPr lang="en-US" dirty="0"/>
-              <a:t>, Jake, A Whirlwind Tour of Python, </a:t>
-            </a:r>
-            <a:r>
-              <a:rPr lang="en-US" dirty="0" err="1"/>
-              <a:t>O’reilly</a:t>
-            </a:r>
-            <a:r>
-              <a:rPr lang="en-US" dirty="0"/>
-              <a:t> Media. </a:t>
-            </a:r>
-          </a:p>
-          <a:p>
-            <a:pPr marL="457200" indent="-457200">
-              <a:buAutoNum type="arabicParenR"/>
-            </a:pPr>
-            <a:r>
-              <a:rPr lang="en-US" dirty="0"/>
-              <a:t>Richard </a:t>
-            </a:r>
-            <a:r>
-              <a:rPr lang="en-US" dirty="0" err="1"/>
-              <a:t>Halterman</a:t>
-            </a:r>
-            <a:r>
-              <a:rPr lang="en-US" dirty="0"/>
-              <a:t>, Fundamental of Python Programming.</a:t>
-            </a:r>
-          </a:p>
-          <a:p>
-            <a:pPr marL="0" indent="0">
-              <a:buNone/>
-            </a:pPr>
-            <a:endParaRPr lang="en-US" dirty="0"/>
-          </a:p>
-        </p:txBody>
-      </p:sp>
-      <p:sp>
-        <p:nvSpPr>
-          <p:cNvPr id="3" name="Slide Number Placeholder 2">
-            <a:extLst>
-              <a:ext uri="{FF2B5EF4-FFF2-40B4-BE49-F238E27FC236}">
-                <a16:creationId xmlns:a16="http://schemas.microsoft.com/office/drawing/2014/main" id="{D2645337-8E21-574C-B0AB-5A587EA6ABFA}"/>
-              </a:ext>
-            </a:extLst>
-          </p:cNvPr>
-          <p:cNvSpPr>
-            <a:spLocks noGrp="1"/>
-          </p:cNvSpPr>
-          <p:nvPr>
-            <p:ph type="sldNum" sz="quarter" idx="12"/>
-          </p:nvPr>
-        </p:nvSpPr>
-        <p:spPr/>
-        <p:txBody>
-          <a:bodyPr/>
-          <a:lstStyle/>
-          <a:p>
-            <a:fld id="{D57F1E4F-1CFF-5643-939E-02111984F565}" type="slidenum">
-              <a:rPr lang="en-US" smtClean="0"/>
-              <a:t>30</a:t>
-            </a:fld>
-            <a:endParaRPr lang="en-US" dirty="0"/>
-          </a:p>
-        </p:txBody>
-      </p:sp>
-    </p:spTree>
-    <p:extLst>
-      <p:ext uri="{BB962C8B-B14F-4D97-AF65-F5344CB8AC3E}">
-        <p14:creationId xmlns:p14="http://schemas.microsoft.com/office/powerpoint/2010/main" val="1438711869"/>
-      </p:ext>
-    </p:extLst>
-  </p:cSld>
-  <p:clrMapOvr>
-    <a:masterClrMapping/>
-  </p:clrMapOvr>
 </p:sld>
 </file>
 

--- a/courses/apcsp/lect3.pptx
+++ b/courses/apcsp/lect3.pptx
@@ -5,7 +5,7 @@
     <p:sldMasterId id="2147483791" r:id="rId1"/>
   </p:sldMasterIdLst>
   <p:notesMasterIdLst>
-    <p:notesMasterId r:id="rId30"/>
+    <p:notesMasterId r:id="rId32"/>
   </p:notesMasterIdLst>
   <p:sldIdLst>
     <p:sldId id="256" r:id="rId2"/>
@@ -33,9 +33,11 @@
     <p:sldId id="303" r:id="rId24"/>
     <p:sldId id="304" r:id="rId25"/>
     <p:sldId id="305" r:id="rId26"/>
-    <p:sldId id="306" r:id="rId27"/>
-    <p:sldId id="311" r:id="rId28"/>
-    <p:sldId id="284" r:id="rId29"/>
+    <p:sldId id="312" r:id="rId27"/>
+    <p:sldId id="313" r:id="rId28"/>
+    <p:sldId id="306" r:id="rId29"/>
+    <p:sldId id="311" r:id="rId30"/>
+    <p:sldId id="284" r:id="rId31"/>
   </p:sldIdLst>
   <p:sldSz cx="9144000" cy="5715000" type="screen16x10"/>
   <p:notesSz cx="6858000" cy="9144000"/>
@@ -140,6 +142,14 @@
     </p:ext>
   </p:extLst>
 </p:presentation>
+</file>
+
+<file path=ppt/revisionInfo.xml><?xml version="1.0" encoding="utf-8"?>
+<p1510:revInfo xmlns:a="http://schemas.openxmlformats.org/drawingml/2006/main" xmlns:r="http://schemas.openxmlformats.org/officeDocument/2006/relationships" xmlns:p1510="http://schemas.microsoft.com/office/powerpoint/2015/10/main">
+  <p1510:revLst>
+    <p1510:client id="{7B0EC6D4-0FC1-F04C-9149-0AB89A44FEB3}" v="4" dt="2022-09-26T11:56:54.441"/>
+  </p1510:revLst>
+</p1510:revInfo>
 </file>
 
 <file path=ppt/changesInfos/changesInfo1.xml><?xml version="1.0" encoding="utf-8"?>
@@ -1868,8 +1878,8 @@
   </pc:docChgLst>
   <pc:docChgLst>
     <pc:chgData name="Long Nguyen" userId="f59fb8f3-a021-417a-8bc1-65c8d471c621" providerId="ADAL" clId="{7B0EC6D4-0FC1-F04C-9149-0AB89A44FEB3}"/>
-    <pc:docChg chg="delSld modSld">
-      <pc:chgData name="Long Nguyen" userId="f59fb8f3-a021-417a-8bc1-65c8d471c621" providerId="ADAL" clId="{7B0EC6D4-0FC1-F04C-9149-0AB89A44FEB3}" dt="2022-09-21T14:01:00.998" v="8" actId="2696"/>
+    <pc:docChg chg="custSel addSld delSld modSld">
+      <pc:chgData name="Long Nguyen" userId="f59fb8f3-a021-417a-8bc1-65c8d471c621" providerId="ADAL" clId="{7B0EC6D4-0FC1-F04C-9149-0AB89A44FEB3}" dt="2022-09-28T16:12:21.793" v="1166" actId="20577"/>
       <pc:docMkLst>
         <pc:docMk/>
       </pc:docMkLst>
@@ -1901,6 +1911,99 @@
           <pc:docMk/>
           <pc:sldMk cId="3463737959" sldId="300"/>
         </pc:sldMkLst>
+      </pc:sldChg>
+      <pc:sldChg chg="modSp mod">
+        <pc:chgData name="Long Nguyen" userId="f59fb8f3-a021-417a-8bc1-65c8d471c621" providerId="ADAL" clId="{7B0EC6D4-0FC1-F04C-9149-0AB89A44FEB3}" dt="2022-09-26T16:17:09.413" v="217" actId="20577"/>
+        <pc:sldMkLst>
+          <pc:docMk/>
+          <pc:sldMk cId="3711384961" sldId="305"/>
+        </pc:sldMkLst>
+        <pc:spChg chg="mod">
+          <ac:chgData name="Long Nguyen" userId="f59fb8f3-a021-417a-8bc1-65c8d471c621" providerId="ADAL" clId="{7B0EC6D4-0FC1-F04C-9149-0AB89A44FEB3}" dt="2022-09-26T16:17:09.413" v="217" actId="20577"/>
+          <ac:spMkLst>
+            <pc:docMk/>
+            <pc:sldMk cId="3711384961" sldId="305"/>
+            <ac:spMk id="9" creationId="{E3B2E017-30B2-884B-A113-B419A2ED51AD}"/>
+          </ac:spMkLst>
+        </pc:spChg>
+      </pc:sldChg>
+      <pc:sldChg chg="addSp delSp modSp new mod">
+        <pc:chgData name="Long Nguyen" userId="f59fb8f3-a021-417a-8bc1-65c8d471c621" providerId="ADAL" clId="{7B0EC6D4-0FC1-F04C-9149-0AB89A44FEB3}" dt="2022-09-26T11:57:22.833" v="203" actId="14100"/>
+        <pc:sldMkLst>
+          <pc:docMk/>
+          <pc:sldMk cId="2306410590" sldId="312"/>
+        </pc:sldMkLst>
+        <pc:spChg chg="mod">
+          <ac:chgData name="Long Nguyen" userId="f59fb8f3-a021-417a-8bc1-65c8d471c621" providerId="ADAL" clId="{7B0EC6D4-0FC1-F04C-9149-0AB89A44FEB3}" dt="2022-09-26T11:54:51.681" v="18" actId="1076"/>
+          <ac:spMkLst>
+            <pc:docMk/>
+            <pc:sldMk cId="2306410590" sldId="312"/>
+            <ac:spMk id="2" creationId="{8EC51B26-7BE4-C7B3-A61E-EB8A05A4FF6D}"/>
+          </ac:spMkLst>
+        </pc:spChg>
+        <pc:spChg chg="del mod">
+          <ac:chgData name="Long Nguyen" userId="f59fb8f3-a021-417a-8bc1-65c8d471c621" providerId="ADAL" clId="{7B0EC6D4-0FC1-F04C-9149-0AB89A44FEB3}" dt="2022-09-26T11:55:20.727" v="21"/>
+          <ac:spMkLst>
+            <pc:docMk/>
+            <pc:sldMk cId="2306410590" sldId="312"/>
+            <ac:spMk id="3" creationId="{10C694C7-62A9-6192-52C8-579CDB7698A4}"/>
+          </ac:spMkLst>
+        </pc:spChg>
+        <pc:spChg chg="add mod">
+          <ac:chgData name="Long Nguyen" userId="f59fb8f3-a021-417a-8bc1-65c8d471c621" providerId="ADAL" clId="{7B0EC6D4-0FC1-F04C-9149-0AB89A44FEB3}" dt="2022-09-26T11:57:22.833" v="203" actId="14100"/>
+          <ac:spMkLst>
+            <pc:docMk/>
+            <pc:sldMk cId="2306410590" sldId="312"/>
+            <ac:spMk id="7" creationId="{2C47E254-65D5-B56A-C179-3D96D8DBE736}"/>
+          </ac:spMkLst>
+        </pc:spChg>
+        <pc:spChg chg="add mod">
+          <ac:chgData name="Long Nguyen" userId="f59fb8f3-a021-417a-8bc1-65c8d471c621" providerId="ADAL" clId="{7B0EC6D4-0FC1-F04C-9149-0AB89A44FEB3}" dt="2022-09-26T11:56:54.441" v="131" actId="767"/>
+          <ac:spMkLst>
+            <pc:docMk/>
+            <pc:sldMk cId="2306410590" sldId="312"/>
+            <ac:spMk id="8" creationId="{B7C4F510-6BF4-6C73-5565-EA53997E4F83}"/>
+          </ac:spMkLst>
+        </pc:spChg>
+        <pc:picChg chg="add mod">
+          <ac:chgData name="Long Nguyen" userId="f59fb8f3-a021-417a-8bc1-65c8d471c621" providerId="ADAL" clId="{7B0EC6D4-0FC1-F04C-9149-0AB89A44FEB3}" dt="2022-09-26T11:57:09.768" v="167" actId="1076"/>
+          <ac:picMkLst>
+            <pc:docMk/>
+            <pc:sldMk cId="2306410590" sldId="312"/>
+            <ac:picMk id="5" creationId="{D3E6D51C-354F-620C-6FD0-07C3CD363688}"/>
+          </ac:picMkLst>
+        </pc:picChg>
+        <pc:picChg chg="add mod">
+          <ac:chgData name="Long Nguyen" userId="f59fb8f3-a021-417a-8bc1-65c8d471c621" providerId="ADAL" clId="{7B0EC6D4-0FC1-F04C-9149-0AB89A44FEB3}" dt="2022-09-26T11:57:11.045" v="168" actId="1076"/>
+          <ac:picMkLst>
+            <pc:docMk/>
+            <pc:sldMk cId="2306410590" sldId="312"/>
+            <ac:picMk id="6" creationId="{2446D835-EE30-7E2D-B35E-A189D40FC284}"/>
+          </ac:picMkLst>
+        </pc:picChg>
+      </pc:sldChg>
+      <pc:sldChg chg="modSp new mod">
+        <pc:chgData name="Long Nguyen" userId="f59fb8f3-a021-417a-8bc1-65c8d471c621" providerId="ADAL" clId="{7B0EC6D4-0FC1-F04C-9149-0AB89A44FEB3}" dt="2022-09-28T16:12:21.793" v="1166" actId="20577"/>
+        <pc:sldMkLst>
+          <pc:docMk/>
+          <pc:sldMk cId="81284116" sldId="313"/>
+        </pc:sldMkLst>
+        <pc:spChg chg="mod">
+          <ac:chgData name="Long Nguyen" userId="f59fb8f3-a021-417a-8bc1-65c8d471c621" providerId="ADAL" clId="{7B0EC6D4-0FC1-F04C-9149-0AB89A44FEB3}" dt="2022-09-26T12:57:17.689" v="213" actId="1076"/>
+          <ac:spMkLst>
+            <pc:docMk/>
+            <pc:sldMk cId="81284116" sldId="313"/>
+            <ac:spMk id="2" creationId="{4C03FA4C-F350-A6A9-0C25-CC8A6947F312}"/>
+          </ac:spMkLst>
+        </pc:spChg>
+        <pc:spChg chg="mod">
+          <ac:chgData name="Long Nguyen" userId="f59fb8f3-a021-417a-8bc1-65c8d471c621" providerId="ADAL" clId="{7B0EC6D4-0FC1-F04C-9149-0AB89A44FEB3}" dt="2022-09-28T16:12:21.793" v="1166" actId="20577"/>
+          <ac:spMkLst>
+            <pc:docMk/>
+            <pc:sldMk cId="81284116" sldId="313"/>
+            <ac:spMk id="3" creationId="{EEDF52ED-EF19-B9F9-0F53-F835BCD179FF}"/>
+          </ac:spMkLst>
+        </pc:spChg>
       </pc:sldChg>
     </pc:docChg>
   </pc:docChgLst>
@@ -1989,7 +2092,7 @@
           <a:p>
             <a:fld id="{9D301EED-E2D1-F049-803F-2B2D7B9862B9}" type="datetimeFigureOut">
               <a:rPr lang="en-US" smtClean="0"/>
-              <a:t>9/21/22</a:t>
+              <a:t>9/28/22</a:t>
             </a:fld>
             <a:endParaRPr lang="en-US"/>
           </a:p>
@@ -2387,7 +2490,7 @@
           <a:p>
             <a:fld id="{C8DC95A9-5905-034D-8F0F-88F4992BD886}" type="datetime1">
               <a:rPr lang="en-US" smtClean="0"/>
-              <a:t>9/21/22</a:t>
+              <a:t>9/28/22</a:t>
             </a:fld>
             <a:endParaRPr lang="en-US" dirty="0"/>
           </a:p>
@@ -2557,7 +2660,7 @@
           <a:p>
             <a:fld id="{B62993F3-2B1C-D044-B3D8-D24CD08900F5}" type="datetime1">
               <a:rPr lang="en-US" smtClean="0"/>
-              <a:t>9/21/22</a:t>
+              <a:t>9/28/22</a:t>
             </a:fld>
             <a:endParaRPr lang="en-US" dirty="0"/>
           </a:p>
@@ -2737,7 +2840,7 @@
           <a:p>
             <a:fld id="{05BA4B57-4B83-BD4E-912E-A55CDC84D3E7}" type="datetime1">
               <a:rPr lang="en-US" smtClean="0"/>
-              <a:t>9/21/22</a:t>
+              <a:t>9/28/22</a:t>
             </a:fld>
             <a:endParaRPr lang="en-US" dirty="0"/>
           </a:p>
@@ -2907,7 +3010,7 @@
           <a:p>
             <a:fld id="{2057D30F-FFAF-1446-BF1E-187E637503EF}" type="datetime1">
               <a:rPr lang="en-US" smtClean="0"/>
-              <a:t>9/21/22</a:t>
+              <a:t>9/28/22</a:t>
             </a:fld>
             <a:endParaRPr lang="en-US" dirty="0"/>
           </a:p>
@@ -3153,7 +3256,7 @@
           <a:p>
             <a:fld id="{27E3C224-2814-964E-B1E1-5A64F6E84EEA}" type="datetime1">
               <a:rPr lang="en-US" smtClean="0"/>
-              <a:t>9/21/22</a:t>
+              <a:t>9/28/22</a:t>
             </a:fld>
             <a:endParaRPr lang="en-US" dirty="0"/>
           </a:p>
@@ -3385,7 +3488,7 @@
           <a:p>
             <a:fld id="{E968726F-0D4A-9D4A-AE0E-9B268929CC0D}" type="datetime1">
               <a:rPr lang="en-US" smtClean="0"/>
-              <a:t>9/21/22</a:t>
+              <a:t>9/28/22</a:t>
             </a:fld>
             <a:endParaRPr lang="en-US" dirty="0"/>
           </a:p>
@@ -3752,7 +3855,7 @@
           <a:p>
             <a:fld id="{91898463-251B-2249-8D70-52DCF6298AEB}" type="datetime1">
               <a:rPr lang="en-US" smtClean="0"/>
-              <a:t>9/21/22</a:t>
+              <a:t>9/28/22</a:t>
             </a:fld>
             <a:endParaRPr lang="en-US" dirty="0"/>
           </a:p>
@@ -3870,7 +3973,7 @@
           <a:p>
             <a:fld id="{85A9B4BE-CF33-3F42-A262-ADCA67C13E36}" type="datetime1">
               <a:rPr lang="en-US" smtClean="0"/>
-              <a:t>9/21/22</a:t>
+              <a:t>9/28/22</a:t>
             </a:fld>
             <a:endParaRPr lang="en-US" dirty="0"/>
           </a:p>
@@ -3965,7 +4068,7 @@
           <a:p>
             <a:fld id="{B3D8E36F-A10F-E644-AF35-4A8FBDD57076}" type="datetime1">
               <a:rPr lang="en-US" smtClean="0"/>
-              <a:t>9/21/22</a:t>
+              <a:t>9/28/22</a:t>
             </a:fld>
             <a:endParaRPr lang="en-US" dirty="0"/>
           </a:p>
@@ -4242,7 +4345,7 @@
           <a:p>
             <a:fld id="{34CE13BB-B7FE-914B-86E7-0F53569511F2}" type="datetime1">
               <a:rPr lang="en-US" smtClean="0"/>
-              <a:t>9/21/22</a:t>
+              <a:t>9/28/22</a:t>
             </a:fld>
             <a:endParaRPr lang="en-US" dirty="0"/>
           </a:p>
@@ -4499,7 +4602,7 @@
           <a:p>
             <a:fld id="{401FA0EA-9D66-FA4B-B558-6A820F60D25A}" type="datetime1">
               <a:rPr lang="en-US" smtClean="0"/>
-              <a:t>9/21/22</a:t>
+              <a:t>9/28/22</a:t>
             </a:fld>
             <a:endParaRPr lang="en-US" dirty="0"/>
           </a:p>
@@ -4712,7 +4815,7 @@
           <a:p>
             <a:fld id="{B205C5C4-72F5-B341-9DCA-7B993C36540D}" type="datetime1">
               <a:rPr lang="en-US" smtClean="0"/>
-              <a:t>9/21/22</a:t>
+              <a:t>9/28/22</a:t>
             </a:fld>
             <a:endParaRPr lang="en-US" dirty="0"/>
           </a:p>
@@ -16044,7 +16147,7 @@
           <p:cNvPr id="2" name="Title 1">
             <a:extLst>
               <a:ext uri="{FF2B5EF4-FFF2-40B4-BE49-F238E27FC236}">
-                <a16:creationId xmlns:a16="http://schemas.microsoft.com/office/drawing/2014/main" id="{AA3A228F-61D0-D949-A5E7-F83756230BF8}"/>
+                <a16:creationId xmlns:a16="http://schemas.microsoft.com/office/drawing/2014/main" id="{8EC51B26-7BE4-C7B3-A61E-EB8A05A4FF6D}"/>
               </a:ext>
             </a:extLst>
           </p:cNvPr>
@@ -16057,8 +16160,8 @@
         </p:nvSpPr>
         <p:spPr>
           <a:xfrm>
-            <a:off x="124252" y="117706"/>
-            <a:ext cx="7053542" cy="683886"/>
+            <a:off x="217683" y="222673"/>
+            <a:ext cx="7886700" cy="689716"/>
           </a:xfrm>
         </p:spPr>
         <p:txBody>
@@ -16066,169 +16169,50 @@
           <a:lstStyle/>
           <a:p>
             <a:r>
-              <a:rPr lang="en-US" dirty="0"/>
-              <a:t>Lab 1: Absolute Value</a:t>
+              <a:rPr lang="en-US"/>
+              <a:t>AP Exam</a:t>
             </a:r>
           </a:p>
         </p:txBody>
       </p:sp>
-      <p:sp>
-        <p:nvSpPr>
-          <p:cNvPr id="9" name="Content Placeholder 8">
+      <p:pic>
+        <p:nvPicPr>
+          <p:cNvPr id="5" name="Content Placeholder 4">
             <a:extLst>
               <a:ext uri="{FF2B5EF4-FFF2-40B4-BE49-F238E27FC236}">
-                <a16:creationId xmlns:a16="http://schemas.microsoft.com/office/drawing/2014/main" id="{E3B2E017-30B2-884B-A113-B419A2ED51AD}"/>
+                <a16:creationId xmlns:a16="http://schemas.microsoft.com/office/drawing/2014/main" id="{D3E6D51C-354F-620C-6FD0-07C3CD363688}"/>
               </a:ext>
             </a:extLst>
           </p:cNvPr>
-          <p:cNvSpPr>
-            <a:spLocks noGrp="1"/>
-          </p:cNvSpPr>
+          <p:cNvPicPr>
+            <a:picLocks noGrp="1" noChangeAspect="1"/>
+          </p:cNvPicPr>
           <p:nvPr>
             <p:ph idx="1"/>
           </p:nvPr>
-        </p:nvSpPr>
+        </p:nvPicPr>
+        <p:blipFill>
+          <a:blip r:embed="rId2"/>
+          <a:stretch>
+            <a:fillRect/>
+          </a:stretch>
+        </p:blipFill>
         <p:spPr>
           <a:xfrm>
-            <a:off x="124252" y="801592"/>
-            <a:ext cx="8411321" cy="4913407"/>
+            <a:off x="395589" y="2770193"/>
+            <a:ext cx="3319480" cy="2057441"/>
           </a:xfrm>
+          <a:prstGeom prst="rect">
+            <a:avLst/>
+          </a:prstGeom>
         </p:spPr>
-        <p:txBody>
-          <a:bodyPr>
-            <a:noAutofit/>
-          </a:bodyPr>
-          <a:lstStyle/>
-          <a:p>
-            <a:pPr marL="0" indent="0">
-              <a:buNone/>
-            </a:pPr>
-            <a:r>
-              <a:rPr lang="en-US" dirty="0"/>
-              <a:t>Create a new </a:t>
-            </a:r>
-            <a:r>
-              <a:rPr lang="en-US" dirty="0" err="1"/>
-              <a:t>repl</a:t>
-            </a:r>
-            <a:r>
-              <a:rPr lang="en-US" dirty="0"/>
-              <a:t> on </a:t>
-            </a:r>
-            <a:r>
-              <a:rPr lang="en-US" dirty="0" err="1"/>
-              <a:t>repl.it</a:t>
-            </a:r>
-            <a:r>
-              <a:rPr lang="en-US" dirty="0"/>
-              <a:t>.  If you wish, you can use this same </a:t>
-            </a:r>
-            <a:r>
-              <a:rPr lang="en-US" dirty="0" err="1"/>
-              <a:t>repl</a:t>
-            </a:r>
-            <a:r>
-              <a:rPr lang="en-US" dirty="0"/>
-              <a:t> for all of the labs in this lecture.  </a:t>
-            </a:r>
-          </a:p>
-          <a:p>
-            <a:pPr marL="0" indent="0">
-              <a:buNone/>
-            </a:pPr>
-            <a:endParaRPr lang="en-US" dirty="0"/>
-          </a:p>
-          <a:p>
-            <a:pPr marL="0" indent="0">
-              <a:buNone/>
-            </a:pPr>
-            <a:r>
-              <a:rPr lang="en-US" dirty="0"/>
-              <a:t>Write a program which asks for an integer and prints out </a:t>
-            </a:r>
-            <a:r>
-              <a:rPr lang="en-US"/>
-              <a:t>the absolute </a:t>
-            </a:r>
-            <a:r>
-              <a:rPr lang="en-US" dirty="0"/>
-              <a:t>value of the number. </a:t>
-            </a:r>
-          </a:p>
-          <a:p>
-            <a:pPr marL="0" indent="0">
-              <a:buNone/>
-            </a:pPr>
-            <a:r>
-              <a:rPr lang="en-US" dirty="0"/>
-              <a:t>Example output 1:</a:t>
-            </a:r>
-          </a:p>
-          <a:p>
-            <a:pPr marL="0" indent="0">
-              <a:buNone/>
-            </a:pPr>
-            <a:r>
-              <a:rPr lang="en-US" dirty="0"/>
-              <a:t>Enter a number: 34</a:t>
-            </a:r>
-          </a:p>
-          <a:p>
-            <a:pPr marL="0" indent="0">
-              <a:buNone/>
-            </a:pPr>
-            <a:r>
-              <a:rPr lang="en-US" dirty="0"/>
-              <a:t>Absolute value of 34 is 34.</a:t>
-            </a:r>
-          </a:p>
-          <a:p>
-            <a:pPr marL="0" indent="0">
-              <a:buNone/>
-            </a:pPr>
-            <a:endParaRPr lang="en-US" dirty="0"/>
-          </a:p>
-          <a:p>
-            <a:pPr marL="0" indent="0">
-              <a:buNone/>
-            </a:pPr>
-            <a:r>
-              <a:rPr lang="en-US" dirty="0"/>
-              <a:t>Example output 2:</a:t>
-            </a:r>
-          </a:p>
-          <a:p>
-            <a:pPr marL="0" indent="0">
-              <a:buNone/>
-            </a:pPr>
-            <a:r>
-              <a:rPr lang="en-US" dirty="0"/>
-              <a:t>Enter a number: -11</a:t>
-            </a:r>
-          </a:p>
-          <a:p>
-            <a:pPr marL="0" indent="0">
-              <a:buNone/>
-            </a:pPr>
-            <a:r>
-              <a:rPr lang="en-US" dirty="0"/>
-              <a:t>Absolute value of -11 is 11.</a:t>
-            </a:r>
-          </a:p>
-          <a:p>
-            <a:pPr marL="0" indent="0">
-              <a:buNone/>
-            </a:pPr>
-            <a:endParaRPr lang="en-US" u="sng" dirty="0"/>
-          </a:p>
-        </p:txBody>
-      </p:sp>
+      </p:pic>
       <p:sp>
         <p:nvSpPr>
-          <p:cNvPr id="3" name="Slide Number Placeholder 2">
+          <p:cNvPr id="4" name="Slide Number Placeholder 3">
             <a:extLst>
               <a:ext uri="{FF2B5EF4-FFF2-40B4-BE49-F238E27FC236}">
-                <a16:creationId xmlns:a16="http://schemas.microsoft.com/office/drawing/2014/main" id="{4B164F2C-92CE-214B-A2AA-ACC59878605C}"/>
+                <a16:creationId xmlns:a16="http://schemas.microsoft.com/office/drawing/2014/main" id="{D9ED70AA-BFE3-7AA1-4A69-C376AFA728C0}"/>
               </a:ext>
             </a:extLst>
           </p:cNvPr>
@@ -16252,10 +16236,131 @@
           </a:p>
         </p:txBody>
       </p:sp>
+      <p:pic>
+        <p:nvPicPr>
+          <p:cNvPr id="6" name="Picture 5">
+            <a:extLst>
+              <a:ext uri="{FF2B5EF4-FFF2-40B4-BE49-F238E27FC236}">
+                <a16:creationId xmlns:a16="http://schemas.microsoft.com/office/drawing/2014/main" id="{2446D835-EE30-7E2D-B35E-A189D40FC284}"/>
+              </a:ext>
+            </a:extLst>
+          </p:cNvPr>
+          <p:cNvPicPr>
+            <a:picLocks noChangeAspect="1"/>
+          </p:cNvPicPr>
+          <p:nvPr/>
+        </p:nvPicPr>
+        <p:blipFill>
+          <a:blip r:embed="rId3"/>
+          <a:stretch>
+            <a:fillRect/>
+          </a:stretch>
+        </p:blipFill>
+        <p:spPr>
+          <a:xfrm>
+            <a:off x="4021117" y="2157665"/>
+            <a:ext cx="3465533" cy="3557335"/>
+          </a:xfrm>
+          <a:prstGeom prst="rect">
+            <a:avLst/>
+          </a:prstGeom>
+        </p:spPr>
+      </p:pic>
+      <p:sp>
+        <p:nvSpPr>
+          <p:cNvPr id="7" name="TextBox 6">
+            <a:extLst>
+              <a:ext uri="{FF2B5EF4-FFF2-40B4-BE49-F238E27FC236}">
+                <a16:creationId xmlns:a16="http://schemas.microsoft.com/office/drawing/2014/main" id="{2C47E254-65D5-B56A-C179-3D96D8DBE736}"/>
+              </a:ext>
+            </a:extLst>
+          </p:cNvPr>
+          <p:cNvSpPr txBox="1"/>
+          <p:nvPr/>
+        </p:nvSpPr>
+        <p:spPr>
+          <a:xfrm>
+            <a:off x="217682" y="773158"/>
+            <a:ext cx="7703693" cy="1446550"/>
+          </a:xfrm>
+          <a:prstGeom prst="rect">
+            <a:avLst/>
+          </a:prstGeom>
+          <a:noFill/>
+        </p:spPr>
+        <p:txBody>
+          <a:bodyPr wrap="square" rtlCol="0">
+            <a:spAutoFit/>
+          </a:bodyPr>
+          <a:lstStyle/>
+          <a:p>
+            <a:r>
+              <a:rPr lang="en-US" sz="2200"/>
+              <a:t>The AP exam only uses two types of if blocks:</a:t>
+            </a:r>
+          </a:p>
+          <a:p>
+            <a:pPr marL="457200" indent="-457200">
+              <a:buAutoNum type="arabicParenR"/>
+            </a:pPr>
+            <a:r>
+              <a:rPr lang="en-US" sz="2200"/>
+              <a:t>If</a:t>
+            </a:r>
+          </a:p>
+          <a:p>
+            <a:pPr marL="457200" indent="-457200">
+              <a:buAutoNum type="arabicParenR"/>
+            </a:pPr>
+            <a:r>
+              <a:rPr lang="en-US" sz="2200"/>
+              <a:t>If – Else</a:t>
+            </a:r>
+          </a:p>
+          <a:p>
+            <a:r>
+              <a:rPr lang="en-US" sz="2200"/>
+              <a:t>To cover more complex logic, nesting of conditionals are used. </a:t>
+            </a:r>
+          </a:p>
+        </p:txBody>
+      </p:sp>
+      <p:sp>
+        <p:nvSpPr>
+          <p:cNvPr id="8" name="TextBox 7">
+            <a:extLst>
+              <a:ext uri="{FF2B5EF4-FFF2-40B4-BE49-F238E27FC236}">
+                <a16:creationId xmlns:a16="http://schemas.microsoft.com/office/drawing/2014/main" id="{B7C4F510-6BF4-6C73-5565-EA53997E4F83}"/>
+              </a:ext>
+            </a:extLst>
+          </p:cNvPr>
+          <p:cNvSpPr txBox="1"/>
+          <p:nvPr/>
+        </p:nvSpPr>
+        <p:spPr>
+          <a:xfrm>
+            <a:off x="554804" y="5219272"/>
+            <a:ext cx="184731" cy="308418"/>
+          </a:xfrm>
+          <a:prstGeom prst="rect">
+            <a:avLst/>
+          </a:prstGeom>
+          <a:noFill/>
+        </p:spPr>
+        <p:txBody>
+          <a:bodyPr wrap="none" rtlCol="0">
+            <a:spAutoFit/>
+          </a:bodyPr>
+          <a:lstStyle/>
+          <a:p>
+            <a:endParaRPr lang="en-US"/>
+          </a:p>
+        </p:txBody>
+      </p:sp>
     </p:spTree>
     <p:extLst>
       <p:ext uri="{BB962C8B-B14F-4D97-AF65-F5344CB8AC3E}">
-        <p14:creationId xmlns:p14="http://schemas.microsoft.com/office/powerpoint/2010/main" val="3843624186"/>
+        <p14:creationId xmlns:p14="http://schemas.microsoft.com/office/powerpoint/2010/main" val="2306410590"/>
       </p:ext>
     </p:extLst>
   </p:cSld>
@@ -16287,7 +16392,7 @@
           <p:cNvPr id="2" name="Title 1">
             <a:extLst>
               <a:ext uri="{FF2B5EF4-FFF2-40B4-BE49-F238E27FC236}">
-                <a16:creationId xmlns:a16="http://schemas.microsoft.com/office/drawing/2014/main" id="{AA3A228F-61D0-D949-A5E7-F83756230BF8}"/>
+                <a16:creationId xmlns:a16="http://schemas.microsoft.com/office/drawing/2014/main" id="{4C03FA4C-F350-A6A9-0C25-CC8A6947F312}"/>
               </a:ext>
             </a:extLst>
           </p:cNvPr>
@@ -16300,8 +16405,8 @@
         </p:nvSpPr>
         <p:spPr>
           <a:xfrm>
-            <a:off x="124252" y="117706"/>
-            <a:ext cx="7053542" cy="683886"/>
+            <a:off x="227958" y="113770"/>
+            <a:ext cx="7886700" cy="607523"/>
           </a:xfrm>
         </p:spPr>
         <p:txBody>
@@ -16309,18 +16414,18 @@
           <a:lstStyle/>
           <a:p>
             <a:r>
-              <a:rPr lang="en-US" dirty="0"/>
-              <a:t>Lab 2: Quadratic</a:t>
+              <a:rPr lang="en-US"/>
+              <a:t>Example</a:t>
             </a:r>
           </a:p>
         </p:txBody>
       </p:sp>
       <p:sp>
         <p:nvSpPr>
-          <p:cNvPr id="9" name="Content Placeholder 8">
+          <p:cNvPr id="3" name="Content Placeholder 2">
             <a:extLst>
               <a:ext uri="{FF2B5EF4-FFF2-40B4-BE49-F238E27FC236}">
-                <a16:creationId xmlns:a16="http://schemas.microsoft.com/office/drawing/2014/main" id="{E3B2E017-30B2-884B-A113-B419A2ED51AD}"/>
+                <a16:creationId xmlns:a16="http://schemas.microsoft.com/office/drawing/2014/main" id="{EEDF52ED-EF19-B9F9-0F53-F835BCD179FF}"/>
               </a:ext>
             </a:extLst>
           </p:cNvPr>
@@ -16333,13 +16438,13 @@
         </p:nvSpPr>
         <p:spPr>
           <a:xfrm>
-            <a:off x="124252" y="801592"/>
-            <a:ext cx="8411321" cy="4913407"/>
+            <a:off x="227957" y="721294"/>
+            <a:ext cx="8484527" cy="4734284"/>
           </a:xfrm>
         </p:spPr>
         <p:txBody>
           <a:bodyPr>
-            <a:noAutofit/>
+            <a:normAutofit lnSpcReduction="10000"/>
           </a:bodyPr>
           <a:lstStyle/>
           <a:p>
@@ -16347,230 +16452,344 @@
               <a:buNone/>
             </a:pPr>
             <a:r>
-              <a:rPr lang="en-US" dirty="0"/>
-              <a:t>Create a new </a:t>
-            </a:r>
-            <a:r>
-              <a:rPr lang="en-US" dirty="0" err="1"/>
-              <a:t>repl</a:t>
-            </a:r>
-            <a:r>
-              <a:rPr lang="en-US" dirty="0"/>
-              <a:t> on </a:t>
-            </a:r>
-            <a:r>
-              <a:rPr lang="en-US" dirty="0" err="1"/>
-              <a:t>repl.it</a:t>
-            </a:r>
-            <a:r>
-              <a:rPr lang="en-US" dirty="0"/>
-              <a:t>. Write a program which asks for the coefficients of the quadratic f(x) = ax^2 + bx + c and prints out the number of real roots of f(x). </a:t>
-            </a:r>
-          </a:p>
-          <a:p>
-            <a:pPr marL="0" indent="0">
-              <a:buNone/>
-            </a:pPr>
-            <a:r>
-              <a:rPr lang="en-US" dirty="0"/>
-              <a:t>Hint: Compute the discriminant b^2 – 4ac. If the discriminant is &gt; 0, it has two real roots. If it is &lt; 0 , it has no real roots and if it is = 0, it has one repeated root.</a:t>
-            </a:r>
-          </a:p>
-          <a:p>
-            <a:pPr marL="0" indent="0">
-              <a:buNone/>
-            </a:pPr>
-            <a:endParaRPr lang="en-US" dirty="0"/>
-          </a:p>
-          <a:p>
-            <a:pPr marL="0" indent="0">
-              <a:buNone/>
-            </a:pPr>
-            <a:r>
-              <a:rPr lang="en-US" dirty="0"/>
-              <a:t>Enter a: </a:t>
-            </a:r>
-            <a:r>
-              <a:rPr lang="en-US" u="sng" dirty="0"/>
-              <a:t>1</a:t>
-            </a:r>
-          </a:p>
-          <a:p>
-            <a:pPr marL="0" indent="0">
-              <a:buNone/>
-            </a:pPr>
-            <a:r>
-              <a:rPr lang="en-US" dirty="0"/>
-              <a:t>Enter b: </a:t>
-            </a:r>
-            <a:r>
-              <a:rPr lang="en-US" u="sng" dirty="0"/>
-              <a:t>-2</a:t>
-            </a:r>
-          </a:p>
-          <a:p>
-            <a:pPr marL="0" indent="0">
-              <a:buNone/>
-            </a:pPr>
-            <a:r>
-              <a:rPr lang="en-US" dirty="0"/>
-              <a:t>Enter c: </a:t>
-            </a:r>
-            <a:r>
-              <a:rPr lang="en-US" u="sng" dirty="0"/>
-              <a:t>-15</a:t>
-            </a:r>
-          </a:p>
-          <a:p>
-            <a:pPr marL="0" indent="0">
-              <a:buNone/>
-            </a:pPr>
-            <a:r>
-              <a:rPr lang="en-US" dirty="0"/>
-              <a:t>Two real roots. </a:t>
-            </a:r>
-          </a:p>
-          <a:p>
-            <a:pPr marL="0" indent="0">
-              <a:buNone/>
-            </a:pPr>
-            <a:endParaRPr lang="en-US" dirty="0"/>
-          </a:p>
-        </p:txBody>
-      </p:sp>
-      <p:sp>
-        <p:nvSpPr>
-          <p:cNvPr id="3" name="TextBox 2">
-            <a:extLst>
-              <a:ext uri="{FF2B5EF4-FFF2-40B4-BE49-F238E27FC236}">
-                <a16:creationId xmlns:a16="http://schemas.microsoft.com/office/drawing/2014/main" id="{E3FA655A-5AB5-F240-962A-94B89E2A3F46}"/>
-              </a:ext>
-            </a:extLst>
-          </p:cNvPr>
-          <p:cNvSpPr txBox="1"/>
-          <p:nvPr/>
-        </p:nvSpPr>
-        <p:spPr>
-          <a:xfrm>
-            <a:off x="3045360" y="3202818"/>
-            <a:ext cx="2355582" cy="1708160"/>
-          </a:xfrm>
-          <a:prstGeom prst="rect">
-            <a:avLst/>
-          </a:prstGeom>
-          <a:noFill/>
-        </p:spPr>
-        <p:txBody>
-          <a:bodyPr wrap="square" rtlCol="0">
-            <a:spAutoFit/>
-          </a:bodyPr>
-          <a:lstStyle/>
-          <a:p>
-            <a:r>
-              <a:rPr lang="en-US" sz="2100" dirty="0"/>
-              <a:t>Enter a: </a:t>
-            </a:r>
-            <a:r>
-              <a:rPr lang="en-US" sz="2100" u="sng" dirty="0"/>
-              <a:t>1</a:t>
-            </a:r>
-          </a:p>
-          <a:p>
-            <a:r>
-              <a:rPr lang="en-US" sz="2100" dirty="0"/>
-              <a:t>Enter b: </a:t>
-            </a:r>
-            <a:r>
-              <a:rPr lang="en-US" sz="2100" u="sng" dirty="0"/>
-              <a:t>0</a:t>
-            </a:r>
-          </a:p>
-          <a:p>
-            <a:r>
-              <a:rPr lang="en-US" sz="2100" dirty="0"/>
-              <a:t>Enter c: </a:t>
-            </a:r>
-            <a:r>
-              <a:rPr lang="en-US" sz="2100" u="sng" dirty="0"/>
-              <a:t>1</a:t>
-            </a:r>
-          </a:p>
-          <a:p>
-            <a:r>
-              <a:rPr lang="en-US" sz="2100" dirty="0"/>
-              <a:t>No real roots. </a:t>
-            </a:r>
-          </a:p>
-          <a:p>
-            <a:endParaRPr lang="en-US" sz="2100" dirty="0"/>
-          </a:p>
-        </p:txBody>
-      </p:sp>
-      <p:sp>
-        <p:nvSpPr>
-          <p:cNvPr id="5" name="TextBox 4">
-            <a:extLst>
-              <a:ext uri="{FF2B5EF4-FFF2-40B4-BE49-F238E27FC236}">
-                <a16:creationId xmlns:a16="http://schemas.microsoft.com/office/drawing/2014/main" id="{E3902497-A323-8444-BA6A-683A07A0DC35}"/>
-              </a:ext>
-            </a:extLst>
-          </p:cNvPr>
-          <p:cNvSpPr txBox="1"/>
-          <p:nvPr/>
-        </p:nvSpPr>
-        <p:spPr>
-          <a:xfrm>
-            <a:off x="5888742" y="3202817"/>
-            <a:ext cx="3131005" cy="1708160"/>
-          </a:xfrm>
-          <a:prstGeom prst="rect">
-            <a:avLst/>
-          </a:prstGeom>
-          <a:noFill/>
-        </p:spPr>
-        <p:txBody>
-          <a:bodyPr wrap="square" rtlCol="0">
-            <a:spAutoFit/>
-          </a:bodyPr>
-          <a:lstStyle/>
-          <a:p>
-            <a:r>
-              <a:rPr lang="en-US" sz="2100" dirty="0"/>
-              <a:t>Enter a: </a:t>
-            </a:r>
-            <a:r>
-              <a:rPr lang="en-US" sz="2100" u="sng" dirty="0"/>
-              <a:t>1</a:t>
-            </a:r>
-          </a:p>
-          <a:p>
-            <a:r>
-              <a:rPr lang="en-US" sz="2100" dirty="0"/>
-              <a:t>Enter b: </a:t>
-            </a:r>
-            <a:r>
-              <a:rPr lang="en-US" sz="2100" u="sng" dirty="0"/>
-              <a:t>-2</a:t>
-            </a:r>
-          </a:p>
-          <a:p>
-            <a:r>
-              <a:rPr lang="en-US" sz="2100" dirty="0"/>
-              <a:t>Enter c: </a:t>
-            </a:r>
-            <a:r>
-              <a:rPr lang="en-US" sz="2100" u="sng" dirty="0"/>
-              <a:t>1</a:t>
-            </a:r>
-          </a:p>
-          <a:p>
-            <a:r>
-              <a:rPr lang="en-US" sz="2100" dirty="0"/>
-              <a:t>One repeated real root. </a:t>
-            </a:r>
-          </a:p>
-          <a:p>
-            <a:endParaRPr lang="en-US" sz="2100" dirty="0"/>
+              <a:rPr lang="en-US"/>
+              <a:t>Write a program that asks the user to enter their gpa. Print out “With Distinction” if the gpa is at least 3.8 and “With Honor” if it’s between 3.3 and 3.8(not including end points) and “No distinction” otherwise. </a:t>
+            </a:r>
+          </a:p>
+          <a:p>
+            <a:pPr marL="0" indent="0">
+              <a:buNone/>
+            </a:pPr>
+            <a:r>
+              <a:rPr lang="en-US"/>
+              <a:t>Since the AP exam only uses if, and if-else. DO NOT use elif in the code.</a:t>
+            </a:r>
+          </a:p>
+          <a:p>
+            <a:pPr marL="0" indent="0">
+              <a:buNone/>
+            </a:pPr>
+            <a:endParaRPr lang="en-US"/>
+          </a:p>
+          <a:p>
+            <a:pPr marL="0" indent="0">
+              <a:buNone/>
+            </a:pPr>
+            <a:r>
+              <a:rPr lang="en-US" sz="1800" b="1" dirty="0">
+                <a:solidFill>
+                  <a:srgbClr val="000000"/>
+                </a:solidFill>
+                <a:latin typeface="Inconsolata" panose="020B0609030003000000" pitchFamily="49" charset="77"/>
+              </a:rPr>
+              <a:t>gpa = </a:t>
+            </a:r>
+            <a:r>
+              <a:rPr lang="en-US" sz="1800" b="1" dirty="0">
+                <a:solidFill>
+                  <a:srgbClr val="34A327"/>
+                </a:solidFill>
+                <a:latin typeface="Inconsolata" panose="020B0609030003000000" pitchFamily="49" charset="77"/>
+              </a:rPr>
+              <a:t>float(input(</a:t>
+            </a:r>
+            <a:r>
+              <a:rPr lang="en-US" sz="1800" b="1" dirty="0">
+                <a:solidFill>
+                  <a:srgbClr val="CD7923"/>
+                </a:solidFill>
+                <a:latin typeface="Inconsolata" panose="020B0609030003000000" pitchFamily="49" charset="77"/>
+              </a:rPr>
+              <a:t>‘Enter gpa: ’</a:t>
+            </a:r>
+            <a:r>
+              <a:rPr lang="en-US" sz="1800" b="1" dirty="0">
+                <a:solidFill>
+                  <a:srgbClr val="34A327"/>
+                </a:solidFill>
+                <a:latin typeface="Inconsolata" panose="020B0609030003000000" pitchFamily="49" charset="77"/>
+              </a:rPr>
+              <a:t>))</a:t>
+            </a:r>
+            <a:r>
+              <a:rPr lang="en-US" sz="1800" b="1" dirty="0">
+                <a:solidFill>
+                  <a:srgbClr val="000000"/>
+                </a:solidFill>
+                <a:latin typeface="Inconsolata" panose="020B0609030003000000" pitchFamily="49" charset="77"/>
+              </a:rPr>
+              <a:t> </a:t>
+            </a:r>
+            <a:endParaRPr lang="en-US" sz="1800" b="1" dirty="0">
+              <a:solidFill>
+                <a:srgbClr val="CD7923"/>
+              </a:solidFill>
+              <a:latin typeface="Inconsolata" panose="020B0609030003000000" pitchFamily="49" charset="77"/>
+            </a:endParaRPr>
+          </a:p>
+          <a:p>
+            <a:pPr marL="0" indent="0">
+              <a:buNone/>
+            </a:pPr>
+            <a:r>
+              <a:rPr lang="en-US" sz="1800" b="1" dirty="0">
+                <a:solidFill>
+                  <a:srgbClr val="006699"/>
+                </a:solidFill>
+                <a:latin typeface="Inconsolata" panose="020B0609030003000000" pitchFamily="49" charset="77"/>
+              </a:rPr>
+              <a:t>if </a:t>
+            </a:r>
+            <a:r>
+              <a:rPr lang="en-US" sz="1800" b="1" dirty="0">
+                <a:solidFill>
+                  <a:srgbClr val="000087"/>
+                </a:solidFill>
+                <a:latin typeface="Inconsolata" panose="020B0609030003000000" pitchFamily="49" charset="77"/>
+              </a:rPr>
+              <a:t>gpa</a:t>
+            </a:r>
+            <a:r>
+              <a:rPr lang="en-US" sz="1800" b="1" dirty="0">
+                <a:solidFill>
+                  <a:srgbClr val="545454"/>
+                </a:solidFill>
+                <a:latin typeface="Inconsolata" panose="020B0609030003000000" pitchFamily="49" charset="77"/>
+              </a:rPr>
+              <a:t> &gt;= 3.8</a:t>
+            </a:r>
+            <a:r>
+              <a:rPr lang="en-US" sz="1800" b="1" dirty="0">
+                <a:latin typeface="Inconsolata" panose="020B0609030003000000" pitchFamily="49" charset="77"/>
+              </a:rPr>
+              <a:t>:</a:t>
+            </a:r>
+          </a:p>
+          <a:p>
+            <a:pPr marL="0" indent="0">
+              <a:buNone/>
+            </a:pPr>
+            <a:r>
+              <a:rPr lang="en-US" sz="1800" b="1" dirty="0">
+                <a:solidFill>
+                  <a:srgbClr val="006699"/>
+                </a:solidFill>
+                <a:latin typeface="Inconsolata" panose="020B0609030003000000" pitchFamily="49" charset="77"/>
+              </a:rPr>
+              <a:t>    print</a:t>
+            </a:r>
+            <a:r>
+              <a:rPr lang="en-US" sz="1800" b="1" dirty="0">
+                <a:latin typeface="Inconsolata" panose="020B0609030003000000" pitchFamily="49" charset="77"/>
+              </a:rPr>
+              <a:t>(</a:t>
+            </a:r>
+            <a:r>
+              <a:rPr lang="en-US" sz="1800" b="1" dirty="0">
+                <a:solidFill>
+                  <a:srgbClr val="000087"/>
+                </a:solidFill>
+                <a:latin typeface="Inconsolata" panose="020B0609030003000000" pitchFamily="49" charset="77"/>
+              </a:rPr>
+              <a:t>“With Distinction”</a:t>
+            </a:r>
+            <a:r>
+              <a:rPr lang="en-US" sz="1800" b="1" dirty="0">
+                <a:latin typeface="Inconsolata" panose="020B0609030003000000" pitchFamily="49" charset="77"/>
+              </a:rPr>
+              <a:t>)</a:t>
+            </a:r>
+          </a:p>
+          <a:p>
+            <a:pPr marL="0" indent="0">
+              <a:buNone/>
+            </a:pPr>
+            <a:r>
+              <a:rPr lang="en-US" sz="1800" b="1" dirty="0" err="1">
+                <a:solidFill>
+                  <a:srgbClr val="006699"/>
+                </a:solidFill>
+                <a:latin typeface="Inconsolata" panose="020B0609030003000000" pitchFamily="49" charset="77"/>
+              </a:rPr>
+              <a:t>else:</a:t>
+            </a:r>
+          </a:p>
+          <a:p>
+            <a:pPr marL="0" indent="0">
+              <a:buNone/>
+            </a:pPr>
+            <a:r>
+              <a:rPr lang="en-US" sz="1800" b="1" dirty="0" err="1">
+                <a:solidFill>
+                  <a:srgbClr val="006699"/>
+                </a:solidFill>
+                <a:latin typeface="Inconsolata" panose="020B0609030003000000" pitchFamily="49" charset="77"/>
+              </a:rPr>
+              <a:t>	</a:t>
+            </a:r>
+            <a:r>
+              <a:rPr lang="en-US" sz="1800" b="1" dirty="0">
+                <a:solidFill>
+                  <a:srgbClr val="006699"/>
+                </a:solidFill>
+                <a:latin typeface="Inconsolata" panose="020B0609030003000000" pitchFamily="49" charset="77"/>
+              </a:rPr>
+              <a:t>if </a:t>
+            </a:r>
+            <a:r>
+              <a:rPr lang="en-US" sz="1800" b="1" dirty="0">
+                <a:solidFill>
+                  <a:srgbClr val="000087"/>
+                </a:solidFill>
+                <a:latin typeface="Inconsolata" panose="020B0609030003000000" pitchFamily="49" charset="77"/>
+              </a:rPr>
+              <a:t>gpa </a:t>
+            </a:r>
+            <a:r>
+              <a:rPr lang="en-US" sz="1800" b="1" dirty="0">
+                <a:solidFill>
+                  <a:srgbClr val="545454"/>
+                </a:solidFill>
+                <a:latin typeface="Inconsolata" panose="020B0609030003000000" pitchFamily="49" charset="77"/>
+              </a:rPr>
+              <a:t>&gt; 3.3</a:t>
+            </a:r>
+            <a:r>
+              <a:rPr lang="en-US" sz="1800" b="1" dirty="0">
+                <a:latin typeface="Inconsolata" panose="020B0609030003000000" pitchFamily="49" charset="77"/>
+              </a:rPr>
+              <a:t>:</a:t>
+            </a:r>
+          </a:p>
+          <a:p>
+            <a:pPr marL="0" indent="0">
+              <a:buNone/>
+            </a:pPr>
+            <a:r>
+              <a:rPr lang="en-US" sz="1800" b="1" dirty="0">
+                <a:solidFill>
+                  <a:srgbClr val="006699"/>
+                </a:solidFill>
+                <a:latin typeface="Inconsolata" panose="020B0609030003000000" pitchFamily="49" charset="77"/>
+              </a:rPr>
+              <a:t>    		print</a:t>
+            </a:r>
+            <a:r>
+              <a:rPr lang="en-US" sz="1800" b="1" dirty="0">
+                <a:latin typeface="Inconsolata" panose="020B0609030003000000" pitchFamily="49" charset="77"/>
+              </a:rPr>
+              <a:t>(</a:t>
+            </a:r>
+            <a:r>
+              <a:rPr lang="en-US" sz="1800" b="1" dirty="0">
+                <a:solidFill>
+                  <a:srgbClr val="000087"/>
+                </a:solidFill>
+                <a:latin typeface="Inconsolata" panose="020B0609030003000000" pitchFamily="49" charset="77"/>
+              </a:rPr>
+              <a:t>“With Honor”</a:t>
+            </a:r>
+            <a:r>
+              <a:rPr lang="en-US" sz="1800" b="1" dirty="0">
+                <a:latin typeface="Inconsolata" panose="020B0609030003000000" pitchFamily="49" charset="77"/>
+              </a:rPr>
+              <a:t>)</a:t>
+            </a:r>
+          </a:p>
+          <a:p>
+            <a:pPr marL="0" indent="0">
+              <a:buNone/>
+            </a:pPr>
+            <a:r>
+              <a:rPr lang="en-US" sz="1800" b="1" dirty="0">
+                <a:latin typeface="Inconsolata" panose="020B0609030003000000" pitchFamily="49" charset="77"/>
+              </a:rPr>
+              <a:t>	</a:t>
+            </a:r>
+            <a:r>
+              <a:rPr lang="en-US" sz="1800" b="1" dirty="0" err="1">
+                <a:solidFill>
+                  <a:srgbClr val="006699"/>
+                </a:solidFill>
+                <a:latin typeface="Inconsolata" panose="020B0609030003000000" pitchFamily="49" charset="77"/>
+              </a:rPr>
+              <a:t>else:</a:t>
+            </a:r>
+          </a:p>
+          <a:p>
+            <a:pPr marL="0" indent="0">
+              <a:buNone/>
+            </a:pPr>
+            <a:r>
+              <a:rPr lang="en-US" sz="1800" b="1" dirty="0" err="1">
+                <a:solidFill>
+                  <a:srgbClr val="006699"/>
+                </a:solidFill>
+                <a:latin typeface="Inconsolata" panose="020B0609030003000000" pitchFamily="49" charset="77"/>
+              </a:rPr>
+              <a:t>		</a:t>
+            </a:r>
+            <a:r>
+              <a:rPr lang="en-US" sz="1800" b="1" dirty="0">
+                <a:solidFill>
+                  <a:srgbClr val="006699"/>
+                </a:solidFill>
+                <a:latin typeface="Inconsolata" panose="020B0609030003000000" pitchFamily="49" charset="77"/>
+              </a:rPr>
+              <a:t>print</a:t>
+            </a:r>
+            <a:r>
+              <a:rPr lang="en-US" sz="1800" b="1" dirty="0">
+                <a:latin typeface="Inconsolata" panose="020B0609030003000000" pitchFamily="49" charset="77"/>
+              </a:rPr>
+              <a:t>(</a:t>
+            </a:r>
+            <a:r>
+              <a:rPr lang="en-US" sz="1800" b="1" dirty="0">
+                <a:solidFill>
+                  <a:srgbClr val="000087"/>
+                </a:solidFill>
+                <a:latin typeface="Inconsolata" panose="020B0609030003000000" pitchFamily="49" charset="77"/>
+              </a:rPr>
+              <a:t>“No distinction”</a:t>
+            </a:r>
+            <a:r>
+              <a:rPr lang="en-US" sz="1800" b="1" dirty="0">
+                <a:latin typeface="Inconsolata" panose="020B0609030003000000" pitchFamily="49" charset="77"/>
+              </a:rPr>
+              <a:t>)</a:t>
+            </a:r>
+          </a:p>
+          <a:p>
+            <a:pPr marL="0" indent="0">
+              <a:buNone/>
+            </a:pPr>
+            <a:r>
+              <a:rPr lang="en-US" sz="1800" b="1" dirty="0">
+                <a:latin typeface="Inconsolata" panose="020B0609030003000000" pitchFamily="49" charset="77"/>
+              </a:rPr>
+              <a:t>			</a:t>
+            </a:r>
+          </a:p>
+          <a:p>
+            <a:pPr marL="0" indent="0">
+              <a:buNone/>
+            </a:pPr>
+            <a:endParaRPr lang="en-US" sz="1800" b="1" dirty="0">
+              <a:latin typeface="Inconsolata" panose="020B0609030003000000" pitchFamily="49" charset="77"/>
+            </a:endParaRPr>
+          </a:p>
+          <a:p>
+            <a:pPr marL="0" indent="0">
+              <a:buNone/>
+            </a:pPr>
+            <a:endParaRPr lang="en-US"/>
+          </a:p>
+          <a:p>
+            <a:pPr marL="0" indent="0">
+              <a:buNone/>
+            </a:pPr>
+            <a:endParaRPr lang="en-US"/>
           </a:p>
         </p:txBody>
       </p:sp>
@@ -16579,7 +16798,7 @@
           <p:cNvPr id="4" name="Slide Number Placeholder 3">
             <a:extLst>
               <a:ext uri="{FF2B5EF4-FFF2-40B4-BE49-F238E27FC236}">
-                <a16:creationId xmlns:a16="http://schemas.microsoft.com/office/drawing/2014/main" id="{BA24DAAD-1E10-1B47-9666-DD82DF0DF64F}"/>
+                <a16:creationId xmlns:a16="http://schemas.microsoft.com/office/drawing/2014/main" id="{261CFA8D-1801-D119-0E8E-3137078E0113}"/>
               </a:ext>
             </a:extLst>
           </p:cNvPr>
@@ -16606,7 +16825,7 @@
     </p:spTree>
     <p:extLst>
       <p:ext uri="{BB962C8B-B14F-4D97-AF65-F5344CB8AC3E}">
-        <p14:creationId xmlns:p14="http://schemas.microsoft.com/office/powerpoint/2010/main" val="1575070404"/>
+        <p14:creationId xmlns:p14="http://schemas.microsoft.com/office/powerpoint/2010/main" val="81284116"/>
       </p:ext>
     </p:extLst>
   </p:cSld>
@@ -16651,7 +16870,7 @@
         </p:nvSpPr>
         <p:spPr>
           <a:xfrm>
-            <a:off x="483848" y="467027"/>
+            <a:off x="124252" y="117706"/>
             <a:ext cx="7053542" cy="683886"/>
           </a:xfrm>
         </p:spPr>
@@ -16661,7 +16880,7 @@
           <a:p>
             <a:r>
               <a:rPr lang="en-US" dirty="0"/>
-              <a:t>References</a:t>
+              <a:t>Lab 1: Absolute Value</a:t>
             </a:r>
           </a:p>
         </p:txBody>
@@ -16684,8 +16903,8 @@
         </p:nvSpPr>
         <p:spPr>
           <a:xfrm>
-            <a:off x="483848" y="1150913"/>
-            <a:ext cx="8051725" cy="4440590"/>
+            <a:off x="124252" y="801592"/>
+            <a:ext cx="8411321" cy="4913407"/>
           </a:xfrm>
         </p:spPr>
         <p:txBody>
@@ -16697,57 +16916,123 @@
             <a:pPr marL="0" indent="0">
               <a:buNone/>
             </a:pPr>
+            <a:r>
+              <a:rPr lang="en-US" dirty="0"/>
+              <a:t>Create a new </a:t>
+            </a:r>
+            <a:r>
+              <a:rPr lang="en-US" dirty="0" err="1"/>
+              <a:t>repl</a:t>
+            </a:r>
+            <a:r>
+              <a:rPr lang="en-US" dirty="0"/>
+              <a:t> on </a:t>
+            </a:r>
+            <a:r>
+              <a:rPr lang="en-US" dirty="0" err="1"/>
+              <a:t>repl.it</a:t>
+            </a:r>
+            <a:r>
+              <a:rPr lang="en-US" dirty="0"/>
+              <a:t>.  If you wish, you can use this same </a:t>
+            </a:r>
+            <a:r>
+              <a:rPr lang="en-US" dirty="0" err="1"/>
+              <a:t>repl</a:t>
+            </a:r>
+            <a:r>
+              <a:rPr lang="en-US" dirty="0"/>
+              <a:t> for all of the labs in this lecture.  </a:t>
+            </a:r>
+          </a:p>
+          <a:p>
+            <a:pPr marL="0" indent="0">
+              <a:buNone/>
+            </a:pPr>
             <a:endParaRPr lang="en-US" dirty="0"/>
           </a:p>
           <a:p>
             <a:pPr marL="0" indent="0">
               <a:buNone/>
             </a:pPr>
+            <a:r>
+              <a:rPr lang="en-US" dirty="0"/>
+              <a:t>Write a program which asks for an integer and prints out </a:t>
+            </a:r>
+            <a:r>
+              <a:rPr lang="en-US"/>
+              <a:t>the absolute </a:t>
+            </a:r>
+            <a:r>
+              <a:rPr lang="en-US" dirty="0"/>
+              <a:t>value of the number. </a:t>
+            </a:r>
+          </a:p>
+          <a:p>
+            <a:pPr marL="0" indent="0">
+              <a:buNone/>
+            </a:pPr>
+            <a:r>
+              <a:rPr lang="en-US" dirty="0"/>
+              <a:t>Example output 1:</a:t>
+            </a:r>
+          </a:p>
+          <a:p>
+            <a:pPr marL="0" indent="0">
+              <a:buNone/>
+            </a:pPr>
+            <a:r>
+              <a:rPr lang="en-US" dirty="0"/>
+              <a:t>Enter a number: 34</a:t>
+            </a:r>
+          </a:p>
+          <a:p>
+            <a:pPr marL="0" indent="0">
+              <a:buNone/>
+            </a:pPr>
+            <a:r>
+              <a:rPr lang="en-US" dirty="0"/>
+              <a:t>Absolute value of 34 is 34.</a:t>
+            </a:r>
+          </a:p>
+          <a:p>
+            <a:pPr marL="0" indent="0">
+              <a:buNone/>
+            </a:pPr>
             <a:endParaRPr lang="en-US" dirty="0"/>
           </a:p>
           <a:p>
-            <a:pPr marL="457200" indent="-457200">
-              <a:buAutoNum type="arabicParenR"/>
-            </a:pPr>
-            <a:r>
-              <a:rPr lang="en-US" dirty="0" err="1"/>
-              <a:t>Vanderplas</a:t>
-            </a:r>
+            <a:pPr marL="0" indent="0">
+              <a:buNone/>
+            </a:pPr>
             <a:r>
               <a:rPr lang="en-US" dirty="0"/>
-              <a:t>, Jake, A Whirlwind Tour of Python, </a:t>
-            </a:r>
-            <a:r>
-              <a:rPr lang="en-US" dirty="0" err="1"/>
-              <a:t>O’reilly</a:t>
-            </a:r>
+              <a:t>Example output 2:</a:t>
+            </a:r>
+          </a:p>
+          <a:p>
+            <a:pPr marL="0" indent="0">
+              <a:buNone/>
+            </a:pPr>
             <a:r>
               <a:rPr lang="en-US" dirty="0"/>
-              <a:t> Media. </a:t>
-            </a:r>
-          </a:p>
-          <a:p>
-            <a:pPr marL="457200" indent="-457200">
-              <a:buAutoNum type="arabicParenR"/>
+              <a:t>Enter a number: -11</a:t>
+            </a:r>
+          </a:p>
+          <a:p>
+            <a:pPr marL="0" indent="0">
+              <a:buNone/>
             </a:pPr>
             <a:r>
               <a:rPr lang="en-US" dirty="0"/>
-              <a:t>Richard </a:t>
-            </a:r>
-            <a:r>
-              <a:rPr lang="en-US" dirty="0" err="1"/>
-              <a:t>Halterman</a:t>
-            </a:r>
-            <a:r>
-              <a:rPr lang="en-US" dirty="0"/>
-              <a:t>, Fundamental of Python Programming.</a:t>
-            </a:r>
-          </a:p>
-          <a:p>
-            <a:pPr marL="0" indent="0">
-              <a:buNone/>
-            </a:pPr>
-            <a:endParaRPr lang="en-US" dirty="0"/>
+              <a:t>Absolute value of -11 is 11.</a:t>
+            </a:r>
+          </a:p>
+          <a:p>
+            <a:pPr marL="0" indent="0">
+              <a:buNone/>
+            </a:pPr>
+            <a:endParaRPr lang="en-US" u="sng" dirty="0"/>
           </a:p>
         </p:txBody>
       </p:sp>
@@ -16756,7 +17041,7 @@
           <p:cNvPr id="3" name="Slide Number Placeholder 2">
             <a:extLst>
               <a:ext uri="{FF2B5EF4-FFF2-40B4-BE49-F238E27FC236}">
-                <a16:creationId xmlns:a16="http://schemas.microsoft.com/office/drawing/2014/main" id="{D2645337-8E21-574C-B0AB-5A587EA6ABFA}"/>
+                <a16:creationId xmlns:a16="http://schemas.microsoft.com/office/drawing/2014/main" id="{4B164F2C-92CE-214B-A2AA-ACC59878605C}"/>
               </a:ext>
             </a:extLst>
           </p:cNvPr>
@@ -16783,7 +17068,358 @@
     </p:spTree>
     <p:extLst>
       <p:ext uri="{BB962C8B-B14F-4D97-AF65-F5344CB8AC3E}">
-        <p14:creationId xmlns:p14="http://schemas.microsoft.com/office/powerpoint/2010/main" val="1438711869"/>
+        <p14:creationId xmlns:p14="http://schemas.microsoft.com/office/powerpoint/2010/main" val="3843624186"/>
+      </p:ext>
+    </p:extLst>
+  </p:cSld>
+  <p:clrMapOvr>
+    <a:masterClrMapping/>
+  </p:clrMapOvr>
+</p:sld>
+</file>
+
+<file path=ppt/slides/slide29.xml><?xml version="1.0" encoding="utf-8"?>
+<p:sld xmlns:a="http://schemas.openxmlformats.org/drawingml/2006/main" xmlns:r="http://schemas.openxmlformats.org/officeDocument/2006/relationships" xmlns:p="http://schemas.openxmlformats.org/presentationml/2006/main">
+  <p:cSld>
+    <p:spTree>
+      <p:nvGrpSpPr>
+        <p:cNvPr id="1" name=""/>
+        <p:cNvGrpSpPr/>
+        <p:nvPr/>
+      </p:nvGrpSpPr>
+      <p:grpSpPr>
+        <a:xfrm>
+          <a:off x="0" y="0"/>
+          <a:ext cx="0" cy="0"/>
+          <a:chOff x="0" y="0"/>
+          <a:chExt cx="0" cy="0"/>
+        </a:xfrm>
+      </p:grpSpPr>
+      <p:sp>
+        <p:nvSpPr>
+          <p:cNvPr id="2" name="Title 1">
+            <a:extLst>
+              <a:ext uri="{FF2B5EF4-FFF2-40B4-BE49-F238E27FC236}">
+                <a16:creationId xmlns:a16="http://schemas.microsoft.com/office/drawing/2014/main" id="{AA3A228F-61D0-D949-A5E7-F83756230BF8}"/>
+              </a:ext>
+            </a:extLst>
+          </p:cNvPr>
+          <p:cNvSpPr>
+            <a:spLocks noGrp="1"/>
+          </p:cNvSpPr>
+          <p:nvPr>
+            <p:ph type="title"/>
+          </p:nvPr>
+        </p:nvSpPr>
+        <p:spPr>
+          <a:xfrm>
+            <a:off x="124252" y="117706"/>
+            <a:ext cx="7053542" cy="683886"/>
+          </a:xfrm>
+        </p:spPr>
+        <p:txBody>
+          <a:bodyPr/>
+          <a:lstStyle/>
+          <a:p>
+            <a:r>
+              <a:rPr lang="en-US" dirty="0"/>
+              <a:t>Lab 2: Quadratic</a:t>
+            </a:r>
+          </a:p>
+        </p:txBody>
+      </p:sp>
+      <p:sp>
+        <p:nvSpPr>
+          <p:cNvPr id="9" name="Content Placeholder 8">
+            <a:extLst>
+              <a:ext uri="{FF2B5EF4-FFF2-40B4-BE49-F238E27FC236}">
+                <a16:creationId xmlns:a16="http://schemas.microsoft.com/office/drawing/2014/main" id="{E3B2E017-30B2-884B-A113-B419A2ED51AD}"/>
+              </a:ext>
+            </a:extLst>
+          </p:cNvPr>
+          <p:cNvSpPr>
+            <a:spLocks noGrp="1"/>
+          </p:cNvSpPr>
+          <p:nvPr>
+            <p:ph idx="1"/>
+          </p:nvPr>
+        </p:nvSpPr>
+        <p:spPr>
+          <a:xfrm>
+            <a:off x="124252" y="801592"/>
+            <a:ext cx="8411321" cy="4913407"/>
+          </a:xfrm>
+        </p:spPr>
+        <p:txBody>
+          <a:bodyPr>
+            <a:noAutofit/>
+          </a:bodyPr>
+          <a:lstStyle/>
+          <a:p>
+            <a:pPr marL="0" indent="0">
+              <a:buNone/>
+            </a:pPr>
+            <a:r>
+              <a:rPr lang="en-US" dirty="0"/>
+              <a:t>Create a new </a:t>
+            </a:r>
+            <a:r>
+              <a:rPr lang="en-US" dirty="0" err="1"/>
+              <a:t>repl</a:t>
+            </a:r>
+            <a:r>
+              <a:rPr lang="en-US" dirty="0"/>
+              <a:t> on </a:t>
+            </a:r>
+            <a:r>
+              <a:rPr lang="en-US" dirty="0" err="1"/>
+              <a:t>repl.it</a:t>
+            </a:r>
+            <a:r>
+              <a:rPr lang="en-US" dirty="0"/>
+              <a:t>. Write a program which asks for the coefficients of the quadratic f(x) = ax^2 + bx + c and prints out the number of real roots of f(x). </a:t>
+            </a:r>
+          </a:p>
+          <a:p>
+            <a:pPr marL="0" indent="0">
+              <a:buNone/>
+            </a:pPr>
+            <a:r>
+              <a:rPr lang="en-US" dirty="0"/>
+              <a:t>Hint: Compute the discriminant b^2 – 4ac. If the discriminant is &gt; 0, it has two real roots. If it is &lt; 0 , it has no real roots and if it is = 0, it has one repeated root.</a:t>
+            </a:r>
+          </a:p>
+          <a:p>
+            <a:pPr marL="0" indent="0">
+              <a:buNone/>
+            </a:pPr>
+            <a:endParaRPr lang="en-US" dirty="0"/>
+          </a:p>
+          <a:p>
+            <a:pPr marL="0" indent="0">
+              <a:buNone/>
+            </a:pPr>
+            <a:r>
+              <a:rPr lang="en-US" dirty="0"/>
+              <a:t>Enter a: </a:t>
+            </a:r>
+            <a:r>
+              <a:rPr lang="en-US" u="sng" dirty="0"/>
+              <a:t>1</a:t>
+            </a:r>
+          </a:p>
+          <a:p>
+            <a:pPr marL="0" indent="0">
+              <a:buNone/>
+            </a:pPr>
+            <a:r>
+              <a:rPr lang="en-US" dirty="0"/>
+              <a:t>Enter b: </a:t>
+            </a:r>
+            <a:r>
+              <a:rPr lang="en-US" u="sng" dirty="0"/>
+              <a:t>-2</a:t>
+            </a:r>
+          </a:p>
+          <a:p>
+            <a:pPr marL="0" indent="0">
+              <a:buNone/>
+            </a:pPr>
+            <a:r>
+              <a:rPr lang="en-US" dirty="0"/>
+              <a:t>Enter c: </a:t>
+            </a:r>
+            <a:r>
+              <a:rPr lang="en-US" u="sng" dirty="0"/>
+              <a:t>-15</a:t>
+            </a:r>
+          </a:p>
+          <a:p>
+            <a:pPr marL="0" indent="0">
+              <a:buNone/>
+            </a:pPr>
+            <a:r>
+              <a:rPr lang="en-US" dirty="0"/>
+              <a:t>Two real roots. </a:t>
+            </a:r>
+          </a:p>
+          <a:p>
+            <a:pPr marL="0" indent="0">
+              <a:buNone/>
+            </a:pPr>
+            <a:endParaRPr lang="en-US" dirty="0"/>
+          </a:p>
+        </p:txBody>
+      </p:sp>
+      <p:sp>
+        <p:nvSpPr>
+          <p:cNvPr id="3" name="TextBox 2">
+            <a:extLst>
+              <a:ext uri="{FF2B5EF4-FFF2-40B4-BE49-F238E27FC236}">
+                <a16:creationId xmlns:a16="http://schemas.microsoft.com/office/drawing/2014/main" id="{E3FA655A-5AB5-F240-962A-94B89E2A3F46}"/>
+              </a:ext>
+            </a:extLst>
+          </p:cNvPr>
+          <p:cNvSpPr txBox="1"/>
+          <p:nvPr/>
+        </p:nvSpPr>
+        <p:spPr>
+          <a:xfrm>
+            <a:off x="3045360" y="3202818"/>
+            <a:ext cx="2355582" cy="1708160"/>
+          </a:xfrm>
+          <a:prstGeom prst="rect">
+            <a:avLst/>
+          </a:prstGeom>
+          <a:noFill/>
+        </p:spPr>
+        <p:txBody>
+          <a:bodyPr wrap="square" rtlCol="0">
+            <a:spAutoFit/>
+          </a:bodyPr>
+          <a:lstStyle/>
+          <a:p>
+            <a:r>
+              <a:rPr lang="en-US" sz="2100" dirty="0"/>
+              <a:t>Enter a: </a:t>
+            </a:r>
+            <a:r>
+              <a:rPr lang="en-US" sz="2100" u="sng" dirty="0"/>
+              <a:t>1</a:t>
+            </a:r>
+          </a:p>
+          <a:p>
+            <a:r>
+              <a:rPr lang="en-US" sz="2100" dirty="0"/>
+              <a:t>Enter b: </a:t>
+            </a:r>
+            <a:r>
+              <a:rPr lang="en-US" sz="2100" u="sng" dirty="0"/>
+              <a:t>0</a:t>
+            </a:r>
+          </a:p>
+          <a:p>
+            <a:r>
+              <a:rPr lang="en-US" sz="2100" dirty="0"/>
+              <a:t>Enter c: </a:t>
+            </a:r>
+            <a:r>
+              <a:rPr lang="en-US" sz="2100" u="sng" dirty="0"/>
+              <a:t>1</a:t>
+            </a:r>
+          </a:p>
+          <a:p>
+            <a:r>
+              <a:rPr lang="en-US" sz="2100" dirty="0"/>
+              <a:t>No real roots. </a:t>
+            </a:r>
+          </a:p>
+          <a:p>
+            <a:endParaRPr lang="en-US" sz="2100" dirty="0"/>
+          </a:p>
+        </p:txBody>
+      </p:sp>
+      <p:sp>
+        <p:nvSpPr>
+          <p:cNvPr id="5" name="TextBox 4">
+            <a:extLst>
+              <a:ext uri="{FF2B5EF4-FFF2-40B4-BE49-F238E27FC236}">
+                <a16:creationId xmlns:a16="http://schemas.microsoft.com/office/drawing/2014/main" id="{E3902497-A323-8444-BA6A-683A07A0DC35}"/>
+              </a:ext>
+            </a:extLst>
+          </p:cNvPr>
+          <p:cNvSpPr txBox="1"/>
+          <p:nvPr/>
+        </p:nvSpPr>
+        <p:spPr>
+          <a:xfrm>
+            <a:off x="5888742" y="3202817"/>
+            <a:ext cx="3131005" cy="1708160"/>
+          </a:xfrm>
+          <a:prstGeom prst="rect">
+            <a:avLst/>
+          </a:prstGeom>
+          <a:noFill/>
+        </p:spPr>
+        <p:txBody>
+          <a:bodyPr wrap="square" rtlCol="0">
+            <a:spAutoFit/>
+          </a:bodyPr>
+          <a:lstStyle/>
+          <a:p>
+            <a:r>
+              <a:rPr lang="en-US" sz="2100" dirty="0"/>
+              <a:t>Enter a: </a:t>
+            </a:r>
+            <a:r>
+              <a:rPr lang="en-US" sz="2100" u="sng" dirty="0"/>
+              <a:t>1</a:t>
+            </a:r>
+          </a:p>
+          <a:p>
+            <a:r>
+              <a:rPr lang="en-US" sz="2100" dirty="0"/>
+              <a:t>Enter b: </a:t>
+            </a:r>
+            <a:r>
+              <a:rPr lang="en-US" sz="2100" u="sng" dirty="0"/>
+              <a:t>-2</a:t>
+            </a:r>
+          </a:p>
+          <a:p>
+            <a:r>
+              <a:rPr lang="en-US" sz="2100" dirty="0"/>
+              <a:t>Enter c: </a:t>
+            </a:r>
+            <a:r>
+              <a:rPr lang="en-US" sz="2100" u="sng" dirty="0"/>
+              <a:t>1</a:t>
+            </a:r>
+          </a:p>
+          <a:p>
+            <a:r>
+              <a:rPr lang="en-US" sz="2100" dirty="0"/>
+              <a:t>One repeated real root. </a:t>
+            </a:r>
+          </a:p>
+          <a:p>
+            <a:endParaRPr lang="en-US" sz="2100" dirty="0"/>
+          </a:p>
+        </p:txBody>
+      </p:sp>
+      <p:sp>
+        <p:nvSpPr>
+          <p:cNvPr id="4" name="Slide Number Placeholder 3">
+            <a:extLst>
+              <a:ext uri="{FF2B5EF4-FFF2-40B4-BE49-F238E27FC236}">
+                <a16:creationId xmlns:a16="http://schemas.microsoft.com/office/drawing/2014/main" id="{BA24DAAD-1E10-1B47-9666-DD82DF0DF64F}"/>
+              </a:ext>
+            </a:extLst>
+          </p:cNvPr>
+          <p:cNvSpPr>
+            <a:spLocks noGrp="1"/>
+          </p:cNvSpPr>
+          <p:nvPr>
+            <p:ph type="sldNum" sz="quarter" idx="12"/>
+          </p:nvPr>
+        </p:nvSpPr>
+        <p:spPr/>
+        <p:txBody>
+          <a:bodyPr/>
+          <a:lstStyle/>
+          <a:p>
+            <a:fld id="{D57F1E4F-1CFF-5643-939E-02111984F565}" type="slidenum">
+              <a:rPr lang="en-US" smtClean="0"/>
+              <a:t>29</a:t>
+            </a:fld>
+            <a:endParaRPr lang="en-US" dirty="0"/>
+          </a:p>
+        </p:txBody>
+      </p:sp>
+    </p:spTree>
+    <p:extLst>
+      <p:ext uri="{BB962C8B-B14F-4D97-AF65-F5344CB8AC3E}">
+        <p14:creationId xmlns:p14="http://schemas.microsoft.com/office/powerpoint/2010/main" val="1575070404"/>
       </p:ext>
     </p:extLst>
   </p:cSld>
@@ -17110,6 +17746,183 @@
       <p:bldP spid="3" grpId="0"/>
     </p:bldLst>
   </p:timing>
+</p:sld>
+</file>
+
+<file path=ppt/slides/slide30.xml><?xml version="1.0" encoding="utf-8"?>
+<p:sld xmlns:a="http://schemas.openxmlformats.org/drawingml/2006/main" xmlns:r="http://schemas.openxmlformats.org/officeDocument/2006/relationships" xmlns:p="http://schemas.openxmlformats.org/presentationml/2006/main">
+  <p:cSld>
+    <p:spTree>
+      <p:nvGrpSpPr>
+        <p:cNvPr id="1" name=""/>
+        <p:cNvGrpSpPr/>
+        <p:nvPr/>
+      </p:nvGrpSpPr>
+      <p:grpSpPr>
+        <a:xfrm>
+          <a:off x="0" y="0"/>
+          <a:ext cx="0" cy="0"/>
+          <a:chOff x="0" y="0"/>
+          <a:chExt cx="0" cy="0"/>
+        </a:xfrm>
+      </p:grpSpPr>
+      <p:sp>
+        <p:nvSpPr>
+          <p:cNvPr id="2" name="Title 1">
+            <a:extLst>
+              <a:ext uri="{FF2B5EF4-FFF2-40B4-BE49-F238E27FC236}">
+                <a16:creationId xmlns:a16="http://schemas.microsoft.com/office/drawing/2014/main" id="{AA3A228F-61D0-D949-A5E7-F83756230BF8}"/>
+              </a:ext>
+            </a:extLst>
+          </p:cNvPr>
+          <p:cNvSpPr>
+            <a:spLocks noGrp="1"/>
+          </p:cNvSpPr>
+          <p:nvPr>
+            <p:ph type="title"/>
+          </p:nvPr>
+        </p:nvSpPr>
+        <p:spPr>
+          <a:xfrm>
+            <a:off x="483848" y="467027"/>
+            <a:ext cx="7053542" cy="683886"/>
+          </a:xfrm>
+        </p:spPr>
+        <p:txBody>
+          <a:bodyPr/>
+          <a:lstStyle/>
+          <a:p>
+            <a:r>
+              <a:rPr lang="en-US" dirty="0"/>
+              <a:t>References</a:t>
+            </a:r>
+          </a:p>
+        </p:txBody>
+      </p:sp>
+      <p:sp>
+        <p:nvSpPr>
+          <p:cNvPr id="9" name="Content Placeholder 8">
+            <a:extLst>
+              <a:ext uri="{FF2B5EF4-FFF2-40B4-BE49-F238E27FC236}">
+                <a16:creationId xmlns:a16="http://schemas.microsoft.com/office/drawing/2014/main" id="{E3B2E017-30B2-884B-A113-B419A2ED51AD}"/>
+              </a:ext>
+            </a:extLst>
+          </p:cNvPr>
+          <p:cNvSpPr>
+            <a:spLocks noGrp="1"/>
+          </p:cNvSpPr>
+          <p:nvPr>
+            <p:ph idx="1"/>
+          </p:nvPr>
+        </p:nvSpPr>
+        <p:spPr>
+          <a:xfrm>
+            <a:off x="483848" y="1150913"/>
+            <a:ext cx="8051725" cy="4440590"/>
+          </a:xfrm>
+        </p:spPr>
+        <p:txBody>
+          <a:bodyPr>
+            <a:noAutofit/>
+          </a:bodyPr>
+          <a:lstStyle/>
+          <a:p>
+            <a:pPr marL="0" indent="0">
+              <a:buNone/>
+            </a:pPr>
+            <a:endParaRPr lang="en-US" dirty="0"/>
+          </a:p>
+          <a:p>
+            <a:pPr marL="0" indent="0">
+              <a:buNone/>
+            </a:pPr>
+            <a:endParaRPr lang="en-US" dirty="0"/>
+          </a:p>
+          <a:p>
+            <a:pPr marL="457200" indent="-457200">
+              <a:buAutoNum type="arabicParenR"/>
+            </a:pPr>
+            <a:r>
+              <a:rPr lang="en-US" dirty="0" err="1"/>
+              <a:t>Vanderplas</a:t>
+            </a:r>
+            <a:r>
+              <a:rPr lang="en-US" dirty="0"/>
+              <a:t>, Jake, A Whirlwind Tour of Python, </a:t>
+            </a:r>
+            <a:r>
+              <a:rPr lang="en-US" dirty="0" err="1"/>
+              <a:t>O’reilly</a:t>
+            </a:r>
+            <a:r>
+              <a:rPr lang="en-US" dirty="0"/>
+              <a:t> Media. </a:t>
+            </a:r>
+          </a:p>
+          <a:p>
+            <a:pPr marL="457200" indent="-457200">
+              <a:buAutoNum type="arabicParenR"/>
+            </a:pPr>
+            <a:r>
+              <a:rPr lang="en-US" dirty="0"/>
+              <a:t>Richard </a:t>
+            </a:r>
+            <a:r>
+              <a:rPr lang="en-US" dirty="0" err="1"/>
+              <a:t>Halterman</a:t>
+            </a:r>
+            <a:r>
+              <a:rPr lang="en-US" dirty="0"/>
+              <a:t>, Fundamental of Python Programming.</a:t>
+            </a:r>
+          </a:p>
+          <a:p>
+            <a:pPr marL="0" indent="0">
+              <a:buNone/>
+            </a:pPr>
+            <a:endParaRPr lang="en-US" dirty="0"/>
+          </a:p>
+        </p:txBody>
+      </p:sp>
+      <p:sp>
+        <p:nvSpPr>
+          <p:cNvPr id="3" name="Slide Number Placeholder 2">
+            <a:extLst>
+              <a:ext uri="{FF2B5EF4-FFF2-40B4-BE49-F238E27FC236}">
+                <a16:creationId xmlns:a16="http://schemas.microsoft.com/office/drawing/2014/main" id="{D2645337-8E21-574C-B0AB-5A587EA6ABFA}"/>
+              </a:ext>
+            </a:extLst>
+          </p:cNvPr>
+          <p:cNvSpPr>
+            <a:spLocks noGrp="1"/>
+          </p:cNvSpPr>
+          <p:nvPr>
+            <p:ph type="sldNum" sz="quarter" idx="12"/>
+          </p:nvPr>
+        </p:nvSpPr>
+        <p:spPr/>
+        <p:txBody>
+          <a:bodyPr/>
+          <a:lstStyle/>
+          <a:p>
+            <a:fld id="{D57F1E4F-1CFF-5643-939E-02111984F565}" type="slidenum">
+              <a:rPr lang="en-US" smtClean="0"/>
+              <a:t>30</a:t>
+            </a:fld>
+            <a:endParaRPr lang="en-US" dirty="0"/>
+          </a:p>
+        </p:txBody>
+      </p:sp>
+    </p:spTree>
+    <p:extLst>
+      <p:ext uri="{BB962C8B-B14F-4D97-AF65-F5344CB8AC3E}">
+        <p14:creationId xmlns:p14="http://schemas.microsoft.com/office/powerpoint/2010/main" val="1438711869"/>
+      </p:ext>
+    </p:extLst>
+  </p:cSld>
+  <p:clrMapOvr>
+    <a:masterClrMapping/>
+  </p:clrMapOvr>
 </p:sld>
 </file>
 

--- a/courses/apcsp/lect3.pptx
+++ b/courses/apcsp/lect3.pptx
@@ -5,7 +5,7 @@
     <p:sldMasterId id="2147483791" r:id="rId1"/>
   </p:sldMasterIdLst>
   <p:notesMasterIdLst>
-    <p:notesMasterId r:id="rId32"/>
+    <p:notesMasterId r:id="rId34"/>
   </p:notesMasterIdLst>
   <p:sldIdLst>
     <p:sldId id="256" r:id="rId2"/>
@@ -34,10 +34,12 @@
     <p:sldId id="304" r:id="rId25"/>
     <p:sldId id="305" r:id="rId26"/>
     <p:sldId id="312" r:id="rId27"/>
-    <p:sldId id="313" r:id="rId28"/>
-    <p:sldId id="306" r:id="rId29"/>
-    <p:sldId id="311" r:id="rId30"/>
-    <p:sldId id="284" r:id="rId31"/>
+    <p:sldId id="315" r:id="rId28"/>
+    <p:sldId id="314" r:id="rId29"/>
+    <p:sldId id="313" r:id="rId30"/>
+    <p:sldId id="306" r:id="rId31"/>
+    <p:sldId id="311" r:id="rId32"/>
+    <p:sldId id="284" r:id="rId33"/>
   </p:sldIdLst>
   <p:sldSz cx="9144000" cy="5715000" type="screen16x10"/>
   <p:notesSz cx="6858000" cy="9144000"/>
@@ -147,13 +149,198 @@
 <file path=ppt/revisionInfo.xml><?xml version="1.0" encoding="utf-8"?>
 <p1510:revInfo xmlns:a="http://schemas.openxmlformats.org/drawingml/2006/main" xmlns:r="http://schemas.openxmlformats.org/officeDocument/2006/relationships" xmlns:p1510="http://schemas.microsoft.com/office/powerpoint/2015/10/main">
   <p1510:revLst>
-    <p1510:client id="{7B0EC6D4-0FC1-F04C-9149-0AB89A44FEB3}" v="4" dt="2022-09-26T11:56:54.441"/>
+    <p1510:client id="{4A431689-D450-A242-AF35-F259AC7C000E}" v="5" dt="2023-09-22T17:59:08.242"/>
   </p1510:revLst>
 </p1510:revInfo>
 </file>
 
 <file path=ppt/changesInfos/changesInfo1.xml><?xml version="1.0" encoding="utf-8"?>
 <pc:chgInfo xmlns:a="http://schemas.openxmlformats.org/drawingml/2006/main" xmlns:r="http://schemas.openxmlformats.org/officeDocument/2006/relationships" xmlns:ac="http://schemas.microsoft.com/office/drawing/2013/main/command" xmlns:pc="http://schemas.microsoft.com/office/powerpoint/2013/main/command">
+  <pc:docChgLst>
+    <pc:chgData name="Long Nguyen" userId="f59fb8f3-a021-417a-8bc1-65c8d471c621" providerId="ADAL" clId="{7B0EC6D4-0FC1-F04C-9149-0AB89A44FEB3}"/>
+    <pc:docChg chg="custSel addSld delSld modSld">
+      <pc:chgData name="Long Nguyen" userId="f59fb8f3-a021-417a-8bc1-65c8d471c621" providerId="ADAL" clId="{7B0EC6D4-0FC1-F04C-9149-0AB89A44FEB3}" dt="2022-09-28T16:12:21.793" v="1166" actId="20577"/>
+      <pc:docMkLst>
+        <pc:docMk/>
+      </pc:docMkLst>
+      <pc:sldChg chg="modSp mod">
+        <pc:chgData name="Long Nguyen" userId="f59fb8f3-a021-417a-8bc1-65c8d471c621" providerId="ADAL" clId="{7B0EC6D4-0FC1-F04C-9149-0AB89A44FEB3}" dt="2022-09-21T14:00:51.912" v="7" actId="20577"/>
+        <pc:sldMkLst>
+          <pc:docMk/>
+          <pc:sldMk cId="131840209" sldId="286"/>
+        </pc:sldMkLst>
+        <pc:spChg chg="mod">
+          <ac:chgData name="Long Nguyen" userId="f59fb8f3-a021-417a-8bc1-65c8d471c621" providerId="ADAL" clId="{7B0EC6D4-0FC1-F04C-9149-0AB89A44FEB3}" dt="2022-09-21T14:00:51.912" v="7" actId="20577"/>
+          <ac:spMkLst>
+            <pc:docMk/>
+            <pc:sldMk cId="131840209" sldId="286"/>
+            <ac:spMk id="9" creationId="{E3B2E017-30B2-884B-A113-B419A2ED51AD}"/>
+          </ac:spMkLst>
+        </pc:spChg>
+      </pc:sldChg>
+      <pc:sldChg chg="del">
+        <pc:chgData name="Long Nguyen" userId="f59fb8f3-a021-417a-8bc1-65c8d471c621" providerId="ADAL" clId="{7B0EC6D4-0FC1-F04C-9149-0AB89A44FEB3}" dt="2022-09-21T14:01:00.998" v="8" actId="2696"/>
+        <pc:sldMkLst>
+          <pc:docMk/>
+          <pc:sldMk cId="3539054576" sldId="294"/>
+        </pc:sldMkLst>
+      </pc:sldChg>
+      <pc:sldChg chg="del">
+        <pc:chgData name="Long Nguyen" userId="f59fb8f3-a021-417a-8bc1-65c8d471c621" providerId="ADAL" clId="{7B0EC6D4-0FC1-F04C-9149-0AB89A44FEB3}" dt="2022-09-21T14:01:00.998" v="8" actId="2696"/>
+        <pc:sldMkLst>
+          <pc:docMk/>
+          <pc:sldMk cId="3463737959" sldId="300"/>
+        </pc:sldMkLst>
+      </pc:sldChg>
+      <pc:sldChg chg="modSp mod">
+        <pc:chgData name="Long Nguyen" userId="f59fb8f3-a021-417a-8bc1-65c8d471c621" providerId="ADAL" clId="{7B0EC6D4-0FC1-F04C-9149-0AB89A44FEB3}" dt="2022-09-26T16:17:09.413" v="217" actId="20577"/>
+        <pc:sldMkLst>
+          <pc:docMk/>
+          <pc:sldMk cId="3711384961" sldId="305"/>
+        </pc:sldMkLst>
+        <pc:spChg chg="mod">
+          <ac:chgData name="Long Nguyen" userId="f59fb8f3-a021-417a-8bc1-65c8d471c621" providerId="ADAL" clId="{7B0EC6D4-0FC1-F04C-9149-0AB89A44FEB3}" dt="2022-09-26T16:17:09.413" v="217" actId="20577"/>
+          <ac:spMkLst>
+            <pc:docMk/>
+            <pc:sldMk cId="3711384961" sldId="305"/>
+            <ac:spMk id="9" creationId="{E3B2E017-30B2-884B-A113-B419A2ED51AD}"/>
+          </ac:spMkLst>
+        </pc:spChg>
+      </pc:sldChg>
+      <pc:sldChg chg="addSp delSp modSp new mod">
+        <pc:chgData name="Long Nguyen" userId="f59fb8f3-a021-417a-8bc1-65c8d471c621" providerId="ADAL" clId="{7B0EC6D4-0FC1-F04C-9149-0AB89A44FEB3}" dt="2022-09-26T11:57:22.833" v="203" actId="14100"/>
+        <pc:sldMkLst>
+          <pc:docMk/>
+          <pc:sldMk cId="2306410590" sldId="312"/>
+        </pc:sldMkLst>
+        <pc:spChg chg="mod">
+          <ac:chgData name="Long Nguyen" userId="f59fb8f3-a021-417a-8bc1-65c8d471c621" providerId="ADAL" clId="{7B0EC6D4-0FC1-F04C-9149-0AB89A44FEB3}" dt="2022-09-26T11:54:51.681" v="18" actId="1076"/>
+          <ac:spMkLst>
+            <pc:docMk/>
+            <pc:sldMk cId="2306410590" sldId="312"/>
+            <ac:spMk id="2" creationId="{8EC51B26-7BE4-C7B3-A61E-EB8A05A4FF6D}"/>
+          </ac:spMkLst>
+        </pc:spChg>
+        <pc:spChg chg="del mod">
+          <ac:chgData name="Long Nguyen" userId="f59fb8f3-a021-417a-8bc1-65c8d471c621" providerId="ADAL" clId="{7B0EC6D4-0FC1-F04C-9149-0AB89A44FEB3}" dt="2022-09-26T11:55:20.727" v="21"/>
+          <ac:spMkLst>
+            <pc:docMk/>
+            <pc:sldMk cId="2306410590" sldId="312"/>
+            <ac:spMk id="3" creationId="{10C694C7-62A9-6192-52C8-579CDB7698A4}"/>
+          </ac:spMkLst>
+        </pc:spChg>
+        <pc:spChg chg="add mod">
+          <ac:chgData name="Long Nguyen" userId="f59fb8f3-a021-417a-8bc1-65c8d471c621" providerId="ADAL" clId="{7B0EC6D4-0FC1-F04C-9149-0AB89A44FEB3}" dt="2022-09-26T11:57:22.833" v="203" actId="14100"/>
+          <ac:spMkLst>
+            <pc:docMk/>
+            <pc:sldMk cId="2306410590" sldId="312"/>
+            <ac:spMk id="7" creationId="{2C47E254-65D5-B56A-C179-3D96D8DBE736}"/>
+          </ac:spMkLst>
+        </pc:spChg>
+        <pc:spChg chg="add mod">
+          <ac:chgData name="Long Nguyen" userId="f59fb8f3-a021-417a-8bc1-65c8d471c621" providerId="ADAL" clId="{7B0EC6D4-0FC1-F04C-9149-0AB89A44FEB3}" dt="2022-09-26T11:56:54.441" v="131" actId="767"/>
+          <ac:spMkLst>
+            <pc:docMk/>
+            <pc:sldMk cId="2306410590" sldId="312"/>
+            <ac:spMk id="8" creationId="{B7C4F510-6BF4-6C73-5565-EA53997E4F83}"/>
+          </ac:spMkLst>
+        </pc:spChg>
+        <pc:picChg chg="add mod">
+          <ac:chgData name="Long Nguyen" userId="f59fb8f3-a021-417a-8bc1-65c8d471c621" providerId="ADAL" clId="{7B0EC6D4-0FC1-F04C-9149-0AB89A44FEB3}" dt="2022-09-26T11:57:09.768" v="167" actId="1076"/>
+          <ac:picMkLst>
+            <pc:docMk/>
+            <pc:sldMk cId="2306410590" sldId="312"/>
+            <ac:picMk id="5" creationId="{D3E6D51C-354F-620C-6FD0-07C3CD363688}"/>
+          </ac:picMkLst>
+        </pc:picChg>
+        <pc:picChg chg="add mod">
+          <ac:chgData name="Long Nguyen" userId="f59fb8f3-a021-417a-8bc1-65c8d471c621" providerId="ADAL" clId="{7B0EC6D4-0FC1-F04C-9149-0AB89A44FEB3}" dt="2022-09-26T11:57:11.045" v="168" actId="1076"/>
+          <ac:picMkLst>
+            <pc:docMk/>
+            <pc:sldMk cId="2306410590" sldId="312"/>
+            <ac:picMk id="6" creationId="{2446D835-EE30-7E2D-B35E-A189D40FC284}"/>
+          </ac:picMkLst>
+        </pc:picChg>
+      </pc:sldChg>
+      <pc:sldChg chg="modSp new mod">
+        <pc:chgData name="Long Nguyen" userId="f59fb8f3-a021-417a-8bc1-65c8d471c621" providerId="ADAL" clId="{7B0EC6D4-0FC1-F04C-9149-0AB89A44FEB3}" dt="2022-09-28T16:12:21.793" v="1166" actId="20577"/>
+        <pc:sldMkLst>
+          <pc:docMk/>
+          <pc:sldMk cId="81284116" sldId="313"/>
+        </pc:sldMkLst>
+        <pc:spChg chg="mod">
+          <ac:chgData name="Long Nguyen" userId="f59fb8f3-a021-417a-8bc1-65c8d471c621" providerId="ADAL" clId="{7B0EC6D4-0FC1-F04C-9149-0AB89A44FEB3}" dt="2022-09-26T12:57:17.689" v="213" actId="1076"/>
+          <ac:spMkLst>
+            <pc:docMk/>
+            <pc:sldMk cId="81284116" sldId="313"/>
+            <ac:spMk id="2" creationId="{4C03FA4C-F350-A6A9-0C25-CC8A6947F312}"/>
+          </ac:spMkLst>
+        </pc:spChg>
+        <pc:spChg chg="mod">
+          <ac:chgData name="Long Nguyen" userId="f59fb8f3-a021-417a-8bc1-65c8d471c621" providerId="ADAL" clId="{7B0EC6D4-0FC1-F04C-9149-0AB89A44FEB3}" dt="2022-09-28T16:12:21.793" v="1166" actId="20577"/>
+          <ac:spMkLst>
+            <pc:docMk/>
+            <pc:sldMk cId="81284116" sldId="313"/>
+            <ac:spMk id="3" creationId="{EEDF52ED-EF19-B9F9-0F53-F835BCD179FF}"/>
+          </ac:spMkLst>
+        </pc:spChg>
+      </pc:sldChg>
+    </pc:docChg>
+  </pc:docChgLst>
+  <pc:docChgLst>
+    <pc:chgData name="Long B Nguyen" userId="f59fb8f3-a021-417a-8bc1-65c8d471c621" providerId="ADAL" clId="{20F795C0-FEDA-E84F-993A-5AC8F4EC703F}"/>
+    <pc:docChg chg="undo custSel modSld">
+      <pc:chgData name="Long B Nguyen" userId="f59fb8f3-a021-417a-8bc1-65c8d471c621" providerId="ADAL" clId="{20F795C0-FEDA-E84F-993A-5AC8F4EC703F}" dt="2021-06-09T15:10:37.758" v="58" actId="20577"/>
+      <pc:docMkLst>
+        <pc:docMk/>
+      </pc:docMkLst>
+      <pc:sldChg chg="modSp mod">
+        <pc:chgData name="Long B Nguyen" userId="f59fb8f3-a021-417a-8bc1-65c8d471c621" providerId="ADAL" clId="{20F795C0-FEDA-E84F-993A-5AC8F4EC703F}" dt="2021-06-09T15:08:05.467" v="57" actId="20577"/>
+        <pc:sldMkLst>
+          <pc:docMk/>
+          <pc:sldMk cId="1313115290" sldId="287"/>
+        </pc:sldMkLst>
+        <pc:spChg chg="mod">
+          <ac:chgData name="Long B Nguyen" userId="f59fb8f3-a021-417a-8bc1-65c8d471c621" providerId="ADAL" clId="{20F795C0-FEDA-E84F-993A-5AC8F4EC703F}" dt="2021-06-09T15:08:05.467" v="57" actId="20577"/>
+          <ac:spMkLst>
+            <pc:docMk/>
+            <pc:sldMk cId="1313115290" sldId="287"/>
+            <ac:spMk id="9" creationId="{E3B2E017-30B2-884B-A113-B419A2ED51AD}"/>
+          </ac:spMkLst>
+        </pc:spChg>
+      </pc:sldChg>
+      <pc:sldChg chg="modSp mod">
+        <pc:chgData name="Long B Nguyen" userId="f59fb8f3-a021-417a-8bc1-65c8d471c621" providerId="ADAL" clId="{20F795C0-FEDA-E84F-993A-5AC8F4EC703F}" dt="2021-06-09T15:10:37.758" v="58" actId="20577"/>
+        <pc:sldMkLst>
+          <pc:docMk/>
+          <pc:sldMk cId="3843624186" sldId="306"/>
+        </pc:sldMkLst>
+        <pc:spChg chg="mod">
+          <ac:chgData name="Long B Nguyen" userId="f59fb8f3-a021-417a-8bc1-65c8d471c621" providerId="ADAL" clId="{20F795C0-FEDA-E84F-993A-5AC8F4EC703F}" dt="2021-06-09T15:10:37.758" v="58" actId="20577"/>
+          <ac:spMkLst>
+            <pc:docMk/>
+            <pc:sldMk cId="3843624186" sldId="306"/>
+            <ac:spMk id="9" creationId="{E3B2E017-30B2-884B-A113-B419A2ED51AD}"/>
+          </ac:spMkLst>
+        </pc:spChg>
+      </pc:sldChg>
+      <pc:sldChg chg="modSp modAnim">
+        <pc:chgData name="Long B Nguyen" userId="f59fb8f3-a021-417a-8bc1-65c8d471c621" providerId="ADAL" clId="{20F795C0-FEDA-E84F-993A-5AC8F4EC703F}" dt="2021-06-05T03:55:13.106" v="48" actId="207"/>
+        <pc:sldMkLst>
+          <pc:docMk/>
+          <pc:sldMk cId="1342898592" sldId="310"/>
+        </pc:sldMkLst>
+        <pc:spChg chg="mod">
+          <ac:chgData name="Long B Nguyen" userId="f59fb8f3-a021-417a-8bc1-65c8d471c621" providerId="ADAL" clId="{20F795C0-FEDA-E84F-993A-5AC8F4EC703F}" dt="2021-06-05T03:55:13.106" v="48" actId="207"/>
+          <ac:spMkLst>
+            <pc:docMk/>
+            <pc:sldMk cId="1342898592" sldId="310"/>
+            <ac:spMk id="9" creationId="{E3B2E017-30B2-884B-A113-B419A2ED51AD}"/>
+          </ac:spMkLst>
+        </pc:spChg>
+      </pc:sldChg>
+    </pc:docChg>
+  </pc:docChgLst>
   <pc:docChgLst>
     <pc:chgData name="Long B Nguyen" userId="f59fb8f3-a021-417a-8bc1-65c8d471c621" providerId="ADAL" clId="{C6451DEB-47FC-9B48-B2AC-0C987BB51814}"/>
     <pc:docChg chg="custSel addSld delSld modSld">
@@ -929,6 +1116,116 @@
             <ac:spMk id="2" creationId="{AA3A228F-61D0-D949-A5E7-F83756230BF8}"/>
           </ac:spMkLst>
         </pc:spChg>
+      </pc:sldChg>
+    </pc:docChg>
+  </pc:docChgLst>
+  <pc:docChgLst>
+    <pc:chgData name="Long B Nguyen" userId="f59fb8f3-a021-417a-8bc1-65c8d471c621" providerId="ADAL" clId="{4A431689-D450-A242-AF35-F259AC7C000E}"/>
+    <pc:docChg chg="undo custSel addSld modSld">
+      <pc:chgData name="Long B Nguyen" userId="f59fb8f3-a021-417a-8bc1-65c8d471c621" providerId="ADAL" clId="{4A431689-D450-A242-AF35-F259AC7C000E}" dt="2023-09-22T18:00:02.745" v="124" actId="1076"/>
+      <pc:docMkLst>
+        <pc:docMk/>
+      </pc:docMkLst>
+      <pc:sldChg chg="addSp delSp modSp mod">
+        <pc:chgData name="Long B Nguyen" userId="f59fb8f3-a021-417a-8bc1-65c8d471c621" providerId="ADAL" clId="{4A431689-D450-A242-AF35-F259AC7C000E}" dt="2023-09-22T17:59:52.994" v="121" actId="20577"/>
+        <pc:sldMkLst>
+          <pc:docMk/>
+          <pc:sldMk cId="2306410590" sldId="312"/>
+        </pc:sldMkLst>
+        <pc:spChg chg="del mod">
+          <ac:chgData name="Long B Nguyen" userId="f59fb8f3-a021-417a-8bc1-65c8d471c621" providerId="ADAL" clId="{4A431689-D450-A242-AF35-F259AC7C000E}" dt="2023-09-22T17:57:37.928" v="4" actId="478"/>
+          <ac:spMkLst>
+            <pc:docMk/>
+            <pc:sldMk cId="2306410590" sldId="312"/>
+            <ac:spMk id="7" creationId="{2C47E254-65D5-B56A-C179-3D96D8DBE736}"/>
+          </ac:spMkLst>
+        </pc:spChg>
+        <pc:spChg chg="add del mod">
+          <ac:chgData name="Long B Nguyen" userId="f59fb8f3-a021-417a-8bc1-65c8d471c621" providerId="ADAL" clId="{4A431689-D450-A242-AF35-F259AC7C000E}" dt="2023-09-22T17:57:57.656" v="9"/>
+          <ac:spMkLst>
+            <pc:docMk/>
+            <pc:sldMk cId="2306410590" sldId="312"/>
+            <ac:spMk id="9" creationId="{116EEC5B-D71F-A565-0815-523B8C7A3C4B}"/>
+          </ac:spMkLst>
+        </pc:spChg>
+        <pc:spChg chg="add mod">
+          <ac:chgData name="Long B Nguyen" userId="f59fb8f3-a021-417a-8bc1-65c8d471c621" providerId="ADAL" clId="{4A431689-D450-A242-AF35-F259AC7C000E}" dt="2023-09-22T17:59:52.994" v="121" actId="20577"/>
+          <ac:spMkLst>
+            <pc:docMk/>
+            <pc:sldMk cId="2306410590" sldId="312"/>
+            <ac:spMk id="12" creationId="{F491567D-9740-B149-FD75-6C81B1AB153E}"/>
+          </ac:spMkLst>
+        </pc:spChg>
+        <pc:picChg chg="del">
+          <ac:chgData name="Long B Nguyen" userId="f59fb8f3-a021-417a-8bc1-65c8d471c621" providerId="ADAL" clId="{4A431689-D450-A242-AF35-F259AC7C000E}" dt="2023-09-22T17:57:33.083" v="2" actId="478"/>
+          <ac:picMkLst>
+            <pc:docMk/>
+            <pc:sldMk cId="2306410590" sldId="312"/>
+            <ac:picMk id="5" creationId="{D3E6D51C-354F-620C-6FD0-07C3CD363688}"/>
+          </ac:picMkLst>
+        </pc:picChg>
+        <pc:picChg chg="del">
+          <ac:chgData name="Long B Nguyen" userId="f59fb8f3-a021-417a-8bc1-65c8d471c621" providerId="ADAL" clId="{4A431689-D450-A242-AF35-F259AC7C000E}" dt="2023-09-22T17:57:32.102" v="1" actId="478"/>
+          <ac:picMkLst>
+            <pc:docMk/>
+            <pc:sldMk cId="2306410590" sldId="312"/>
+            <ac:picMk id="6" creationId="{2446D835-EE30-7E2D-B35E-A189D40FC284}"/>
+          </ac:picMkLst>
+        </pc:picChg>
+        <pc:picChg chg="add mod">
+          <ac:chgData name="Long B Nguyen" userId="f59fb8f3-a021-417a-8bc1-65c8d471c621" providerId="ADAL" clId="{4A431689-D450-A242-AF35-F259AC7C000E}" dt="2023-09-22T17:59:04.468" v="27" actId="1076"/>
+          <ac:picMkLst>
+            <pc:docMk/>
+            <pc:sldMk cId="2306410590" sldId="312"/>
+            <ac:picMk id="10" creationId="{AD15F765-1E3D-8122-0C05-DA975B928027}"/>
+          </ac:picMkLst>
+        </pc:picChg>
+        <pc:picChg chg="add del mod">
+          <ac:chgData name="Long B Nguyen" userId="f59fb8f3-a021-417a-8bc1-65c8d471c621" providerId="ADAL" clId="{4A431689-D450-A242-AF35-F259AC7C000E}" dt="2023-09-22T17:58:52.688" v="25" actId="478"/>
+          <ac:picMkLst>
+            <pc:docMk/>
+            <pc:sldMk cId="2306410590" sldId="312"/>
+            <ac:picMk id="11" creationId="{490D161B-4A5E-16B0-5046-826E7D39D35E}"/>
+          </ac:picMkLst>
+        </pc:picChg>
+      </pc:sldChg>
+      <pc:sldChg chg="add">
+        <pc:chgData name="Long B Nguyen" userId="f59fb8f3-a021-417a-8bc1-65c8d471c621" providerId="ADAL" clId="{4A431689-D450-A242-AF35-F259AC7C000E}" dt="2023-09-22T17:57:29.578" v="0"/>
+        <pc:sldMkLst>
+          <pc:docMk/>
+          <pc:sldMk cId="3227803771" sldId="314"/>
+        </pc:sldMkLst>
+      </pc:sldChg>
+      <pc:sldChg chg="addSp delSp modSp add mod">
+        <pc:chgData name="Long B Nguyen" userId="f59fb8f3-a021-417a-8bc1-65c8d471c621" providerId="ADAL" clId="{4A431689-D450-A242-AF35-F259AC7C000E}" dt="2023-09-22T18:00:02.745" v="124" actId="1076"/>
+        <pc:sldMkLst>
+          <pc:docMk/>
+          <pc:sldMk cId="4041846522" sldId="315"/>
+        </pc:sldMkLst>
+        <pc:spChg chg="add del mod">
+          <ac:chgData name="Long B Nguyen" userId="f59fb8f3-a021-417a-8bc1-65c8d471c621" providerId="ADAL" clId="{4A431689-D450-A242-AF35-F259AC7C000E}" dt="2023-09-22T17:59:59.989" v="123" actId="478"/>
+          <ac:spMkLst>
+            <pc:docMk/>
+            <pc:sldMk cId="4041846522" sldId="315"/>
+            <ac:spMk id="5" creationId="{82F6E8A6-F542-C04E-F698-03ADA2851DE4}"/>
+          </ac:spMkLst>
+        </pc:spChg>
+        <pc:picChg chg="del">
+          <ac:chgData name="Long B Nguyen" userId="f59fb8f3-a021-417a-8bc1-65c8d471c621" providerId="ADAL" clId="{4A431689-D450-A242-AF35-F259AC7C000E}" dt="2023-09-22T17:59:57.560" v="122" actId="478"/>
+          <ac:picMkLst>
+            <pc:docMk/>
+            <pc:sldMk cId="4041846522" sldId="315"/>
+            <ac:picMk id="10" creationId="{AD15F765-1E3D-8122-0C05-DA975B928027}"/>
+          </ac:picMkLst>
+        </pc:picChg>
+        <pc:picChg chg="mod">
+          <ac:chgData name="Long B Nguyen" userId="f59fb8f3-a021-417a-8bc1-65c8d471c621" providerId="ADAL" clId="{4A431689-D450-A242-AF35-F259AC7C000E}" dt="2023-09-22T18:00:02.745" v="124" actId="1076"/>
+          <ac:picMkLst>
+            <pc:docMk/>
+            <pc:sldMk cId="4041846522" sldId="315"/>
+            <ac:picMk id="11" creationId="{490D161B-4A5E-16B0-5046-826E7D39D35E}"/>
+          </ac:picMkLst>
+        </pc:picChg>
       </pc:sldChg>
     </pc:docChg>
   </pc:docChgLst>
@@ -1822,191 +2119,6 @@
       </pc:sldChg>
     </pc:docChg>
   </pc:docChgLst>
-  <pc:docChgLst>
-    <pc:chgData name="Long B Nguyen" userId="f59fb8f3-a021-417a-8bc1-65c8d471c621" providerId="ADAL" clId="{20F795C0-FEDA-E84F-993A-5AC8F4EC703F}"/>
-    <pc:docChg chg="undo custSel modSld">
-      <pc:chgData name="Long B Nguyen" userId="f59fb8f3-a021-417a-8bc1-65c8d471c621" providerId="ADAL" clId="{20F795C0-FEDA-E84F-993A-5AC8F4EC703F}" dt="2021-06-09T15:10:37.758" v="58" actId="20577"/>
-      <pc:docMkLst>
-        <pc:docMk/>
-      </pc:docMkLst>
-      <pc:sldChg chg="modSp mod">
-        <pc:chgData name="Long B Nguyen" userId="f59fb8f3-a021-417a-8bc1-65c8d471c621" providerId="ADAL" clId="{20F795C0-FEDA-E84F-993A-5AC8F4EC703F}" dt="2021-06-09T15:08:05.467" v="57" actId="20577"/>
-        <pc:sldMkLst>
-          <pc:docMk/>
-          <pc:sldMk cId="1313115290" sldId="287"/>
-        </pc:sldMkLst>
-        <pc:spChg chg="mod">
-          <ac:chgData name="Long B Nguyen" userId="f59fb8f3-a021-417a-8bc1-65c8d471c621" providerId="ADAL" clId="{20F795C0-FEDA-E84F-993A-5AC8F4EC703F}" dt="2021-06-09T15:08:05.467" v="57" actId="20577"/>
-          <ac:spMkLst>
-            <pc:docMk/>
-            <pc:sldMk cId="1313115290" sldId="287"/>
-            <ac:spMk id="9" creationId="{E3B2E017-30B2-884B-A113-B419A2ED51AD}"/>
-          </ac:spMkLst>
-        </pc:spChg>
-      </pc:sldChg>
-      <pc:sldChg chg="modSp mod">
-        <pc:chgData name="Long B Nguyen" userId="f59fb8f3-a021-417a-8bc1-65c8d471c621" providerId="ADAL" clId="{20F795C0-FEDA-E84F-993A-5AC8F4EC703F}" dt="2021-06-09T15:10:37.758" v="58" actId="20577"/>
-        <pc:sldMkLst>
-          <pc:docMk/>
-          <pc:sldMk cId="3843624186" sldId="306"/>
-        </pc:sldMkLst>
-        <pc:spChg chg="mod">
-          <ac:chgData name="Long B Nguyen" userId="f59fb8f3-a021-417a-8bc1-65c8d471c621" providerId="ADAL" clId="{20F795C0-FEDA-E84F-993A-5AC8F4EC703F}" dt="2021-06-09T15:10:37.758" v="58" actId="20577"/>
-          <ac:spMkLst>
-            <pc:docMk/>
-            <pc:sldMk cId="3843624186" sldId="306"/>
-            <ac:spMk id="9" creationId="{E3B2E017-30B2-884B-A113-B419A2ED51AD}"/>
-          </ac:spMkLst>
-        </pc:spChg>
-      </pc:sldChg>
-      <pc:sldChg chg="modSp modAnim">
-        <pc:chgData name="Long B Nguyen" userId="f59fb8f3-a021-417a-8bc1-65c8d471c621" providerId="ADAL" clId="{20F795C0-FEDA-E84F-993A-5AC8F4EC703F}" dt="2021-06-05T03:55:13.106" v="48" actId="207"/>
-        <pc:sldMkLst>
-          <pc:docMk/>
-          <pc:sldMk cId="1342898592" sldId="310"/>
-        </pc:sldMkLst>
-        <pc:spChg chg="mod">
-          <ac:chgData name="Long B Nguyen" userId="f59fb8f3-a021-417a-8bc1-65c8d471c621" providerId="ADAL" clId="{20F795C0-FEDA-E84F-993A-5AC8F4EC703F}" dt="2021-06-05T03:55:13.106" v="48" actId="207"/>
-          <ac:spMkLst>
-            <pc:docMk/>
-            <pc:sldMk cId="1342898592" sldId="310"/>
-            <ac:spMk id="9" creationId="{E3B2E017-30B2-884B-A113-B419A2ED51AD}"/>
-          </ac:spMkLst>
-        </pc:spChg>
-      </pc:sldChg>
-    </pc:docChg>
-  </pc:docChgLst>
-  <pc:docChgLst>
-    <pc:chgData name="Long Nguyen" userId="f59fb8f3-a021-417a-8bc1-65c8d471c621" providerId="ADAL" clId="{7B0EC6D4-0FC1-F04C-9149-0AB89A44FEB3}"/>
-    <pc:docChg chg="custSel addSld delSld modSld">
-      <pc:chgData name="Long Nguyen" userId="f59fb8f3-a021-417a-8bc1-65c8d471c621" providerId="ADAL" clId="{7B0EC6D4-0FC1-F04C-9149-0AB89A44FEB3}" dt="2022-09-28T16:12:21.793" v="1166" actId="20577"/>
-      <pc:docMkLst>
-        <pc:docMk/>
-      </pc:docMkLst>
-      <pc:sldChg chg="modSp mod">
-        <pc:chgData name="Long Nguyen" userId="f59fb8f3-a021-417a-8bc1-65c8d471c621" providerId="ADAL" clId="{7B0EC6D4-0FC1-F04C-9149-0AB89A44FEB3}" dt="2022-09-21T14:00:51.912" v="7" actId="20577"/>
-        <pc:sldMkLst>
-          <pc:docMk/>
-          <pc:sldMk cId="131840209" sldId="286"/>
-        </pc:sldMkLst>
-        <pc:spChg chg="mod">
-          <ac:chgData name="Long Nguyen" userId="f59fb8f3-a021-417a-8bc1-65c8d471c621" providerId="ADAL" clId="{7B0EC6D4-0FC1-F04C-9149-0AB89A44FEB3}" dt="2022-09-21T14:00:51.912" v="7" actId="20577"/>
-          <ac:spMkLst>
-            <pc:docMk/>
-            <pc:sldMk cId="131840209" sldId="286"/>
-            <ac:spMk id="9" creationId="{E3B2E017-30B2-884B-A113-B419A2ED51AD}"/>
-          </ac:spMkLst>
-        </pc:spChg>
-      </pc:sldChg>
-      <pc:sldChg chg="del">
-        <pc:chgData name="Long Nguyen" userId="f59fb8f3-a021-417a-8bc1-65c8d471c621" providerId="ADAL" clId="{7B0EC6D4-0FC1-F04C-9149-0AB89A44FEB3}" dt="2022-09-21T14:01:00.998" v="8" actId="2696"/>
-        <pc:sldMkLst>
-          <pc:docMk/>
-          <pc:sldMk cId="3539054576" sldId="294"/>
-        </pc:sldMkLst>
-      </pc:sldChg>
-      <pc:sldChg chg="del">
-        <pc:chgData name="Long Nguyen" userId="f59fb8f3-a021-417a-8bc1-65c8d471c621" providerId="ADAL" clId="{7B0EC6D4-0FC1-F04C-9149-0AB89A44FEB3}" dt="2022-09-21T14:01:00.998" v="8" actId="2696"/>
-        <pc:sldMkLst>
-          <pc:docMk/>
-          <pc:sldMk cId="3463737959" sldId="300"/>
-        </pc:sldMkLst>
-      </pc:sldChg>
-      <pc:sldChg chg="modSp mod">
-        <pc:chgData name="Long Nguyen" userId="f59fb8f3-a021-417a-8bc1-65c8d471c621" providerId="ADAL" clId="{7B0EC6D4-0FC1-F04C-9149-0AB89A44FEB3}" dt="2022-09-26T16:17:09.413" v="217" actId="20577"/>
-        <pc:sldMkLst>
-          <pc:docMk/>
-          <pc:sldMk cId="3711384961" sldId="305"/>
-        </pc:sldMkLst>
-        <pc:spChg chg="mod">
-          <ac:chgData name="Long Nguyen" userId="f59fb8f3-a021-417a-8bc1-65c8d471c621" providerId="ADAL" clId="{7B0EC6D4-0FC1-F04C-9149-0AB89A44FEB3}" dt="2022-09-26T16:17:09.413" v="217" actId="20577"/>
-          <ac:spMkLst>
-            <pc:docMk/>
-            <pc:sldMk cId="3711384961" sldId="305"/>
-            <ac:spMk id="9" creationId="{E3B2E017-30B2-884B-A113-B419A2ED51AD}"/>
-          </ac:spMkLst>
-        </pc:spChg>
-      </pc:sldChg>
-      <pc:sldChg chg="addSp delSp modSp new mod">
-        <pc:chgData name="Long Nguyen" userId="f59fb8f3-a021-417a-8bc1-65c8d471c621" providerId="ADAL" clId="{7B0EC6D4-0FC1-F04C-9149-0AB89A44FEB3}" dt="2022-09-26T11:57:22.833" v="203" actId="14100"/>
-        <pc:sldMkLst>
-          <pc:docMk/>
-          <pc:sldMk cId="2306410590" sldId="312"/>
-        </pc:sldMkLst>
-        <pc:spChg chg="mod">
-          <ac:chgData name="Long Nguyen" userId="f59fb8f3-a021-417a-8bc1-65c8d471c621" providerId="ADAL" clId="{7B0EC6D4-0FC1-F04C-9149-0AB89A44FEB3}" dt="2022-09-26T11:54:51.681" v="18" actId="1076"/>
-          <ac:spMkLst>
-            <pc:docMk/>
-            <pc:sldMk cId="2306410590" sldId="312"/>
-            <ac:spMk id="2" creationId="{8EC51B26-7BE4-C7B3-A61E-EB8A05A4FF6D}"/>
-          </ac:spMkLst>
-        </pc:spChg>
-        <pc:spChg chg="del mod">
-          <ac:chgData name="Long Nguyen" userId="f59fb8f3-a021-417a-8bc1-65c8d471c621" providerId="ADAL" clId="{7B0EC6D4-0FC1-F04C-9149-0AB89A44FEB3}" dt="2022-09-26T11:55:20.727" v="21"/>
-          <ac:spMkLst>
-            <pc:docMk/>
-            <pc:sldMk cId="2306410590" sldId="312"/>
-            <ac:spMk id="3" creationId="{10C694C7-62A9-6192-52C8-579CDB7698A4}"/>
-          </ac:spMkLst>
-        </pc:spChg>
-        <pc:spChg chg="add mod">
-          <ac:chgData name="Long Nguyen" userId="f59fb8f3-a021-417a-8bc1-65c8d471c621" providerId="ADAL" clId="{7B0EC6D4-0FC1-F04C-9149-0AB89A44FEB3}" dt="2022-09-26T11:57:22.833" v="203" actId="14100"/>
-          <ac:spMkLst>
-            <pc:docMk/>
-            <pc:sldMk cId="2306410590" sldId="312"/>
-            <ac:spMk id="7" creationId="{2C47E254-65D5-B56A-C179-3D96D8DBE736}"/>
-          </ac:spMkLst>
-        </pc:spChg>
-        <pc:spChg chg="add mod">
-          <ac:chgData name="Long Nguyen" userId="f59fb8f3-a021-417a-8bc1-65c8d471c621" providerId="ADAL" clId="{7B0EC6D4-0FC1-F04C-9149-0AB89A44FEB3}" dt="2022-09-26T11:56:54.441" v="131" actId="767"/>
-          <ac:spMkLst>
-            <pc:docMk/>
-            <pc:sldMk cId="2306410590" sldId="312"/>
-            <ac:spMk id="8" creationId="{B7C4F510-6BF4-6C73-5565-EA53997E4F83}"/>
-          </ac:spMkLst>
-        </pc:spChg>
-        <pc:picChg chg="add mod">
-          <ac:chgData name="Long Nguyen" userId="f59fb8f3-a021-417a-8bc1-65c8d471c621" providerId="ADAL" clId="{7B0EC6D4-0FC1-F04C-9149-0AB89A44FEB3}" dt="2022-09-26T11:57:09.768" v="167" actId="1076"/>
-          <ac:picMkLst>
-            <pc:docMk/>
-            <pc:sldMk cId="2306410590" sldId="312"/>
-            <ac:picMk id="5" creationId="{D3E6D51C-354F-620C-6FD0-07C3CD363688}"/>
-          </ac:picMkLst>
-        </pc:picChg>
-        <pc:picChg chg="add mod">
-          <ac:chgData name="Long Nguyen" userId="f59fb8f3-a021-417a-8bc1-65c8d471c621" providerId="ADAL" clId="{7B0EC6D4-0FC1-F04C-9149-0AB89A44FEB3}" dt="2022-09-26T11:57:11.045" v="168" actId="1076"/>
-          <ac:picMkLst>
-            <pc:docMk/>
-            <pc:sldMk cId="2306410590" sldId="312"/>
-            <ac:picMk id="6" creationId="{2446D835-EE30-7E2D-B35E-A189D40FC284}"/>
-          </ac:picMkLst>
-        </pc:picChg>
-      </pc:sldChg>
-      <pc:sldChg chg="modSp new mod">
-        <pc:chgData name="Long Nguyen" userId="f59fb8f3-a021-417a-8bc1-65c8d471c621" providerId="ADAL" clId="{7B0EC6D4-0FC1-F04C-9149-0AB89A44FEB3}" dt="2022-09-28T16:12:21.793" v="1166" actId="20577"/>
-        <pc:sldMkLst>
-          <pc:docMk/>
-          <pc:sldMk cId="81284116" sldId="313"/>
-        </pc:sldMkLst>
-        <pc:spChg chg="mod">
-          <ac:chgData name="Long Nguyen" userId="f59fb8f3-a021-417a-8bc1-65c8d471c621" providerId="ADAL" clId="{7B0EC6D4-0FC1-F04C-9149-0AB89A44FEB3}" dt="2022-09-26T12:57:17.689" v="213" actId="1076"/>
-          <ac:spMkLst>
-            <pc:docMk/>
-            <pc:sldMk cId="81284116" sldId="313"/>
-            <ac:spMk id="2" creationId="{4C03FA4C-F350-A6A9-0C25-CC8A6947F312}"/>
-          </ac:spMkLst>
-        </pc:spChg>
-        <pc:spChg chg="mod">
-          <ac:chgData name="Long Nguyen" userId="f59fb8f3-a021-417a-8bc1-65c8d471c621" providerId="ADAL" clId="{7B0EC6D4-0FC1-F04C-9149-0AB89A44FEB3}" dt="2022-09-28T16:12:21.793" v="1166" actId="20577"/>
-          <ac:spMkLst>
-            <pc:docMk/>
-            <pc:sldMk cId="81284116" sldId="313"/>
-            <ac:spMk id="3" creationId="{EEDF52ED-EF19-B9F9-0F53-F835BCD179FF}"/>
-          </ac:spMkLst>
-        </pc:spChg>
-      </pc:sldChg>
-    </pc:docChg>
-  </pc:docChgLst>
 </pc:chgInfo>
 </file>
 
@@ -2092,7 +2204,7 @@
           <a:p>
             <a:fld id="{9D301EED-E2D1-F049-803F-2B2D7B9862B9}" type="datetimeFigureOut">
               <a:rPr lang="en-US" smtClean="0"/>
-              <a:t>9/28/22</a:t>
+              <a:t>9/22/23</a:t>
             </a:fld>
             <a:endParaRPr lang="en-US"/>
           </a:p>
@@ -2490,7 +2602,7 @@
           <a:p>
             <a:fld id="{C8DC95A9-5905-034D-8F0F-88F4992BD886}" type="datetime1">
               <a:rPr lang="en-US" smtClean="0"/>
-              <a:t>9/28/22</a:t>
+              <a:t>9/22/23</a:t>
             </a:fld>
             <a:endParaRPr lang="en-US" dirty="0"/>
           </a:p>
@@ -2660,7 +2772,7 @@
           <a:p>
             <a:fld id="{B62993F3-2B1C-D044-B3D8-D24CD08900F5}" type="datetime1">
               <a:rPr lang="en-US" smtClean="0"/>
-              <a:t>9/28/22</a:t>
+              <a:t>9/22/23</a:t>
             </a:fld>
             <a:endParaRPr lang="en-US" dirty="0"/>
           </a:p>
@@ -2840,7 +2952,7 @@
           <a:p>
             <a:fld id="{05BA4B57-4B83-BD4E-912E-A55CDC84D3E7}" type="datetime1">
               <a:rPr lang="en-US" smtClean="0"/>
-              <a:t>9/28/22</a:t>
+              <a:t>9/22/23</a:t>
             </a:fld>
             <a:endParaRPr lang="en-US" dirty="0"/>
           </a:p>
@@ -3010,7 +3122,7 @@
           <a:p>
             <a:fld id="{2057D30F-FFAF-1446-BF1E-187E637503EF}" type="datetime1">
               <a:rPr lang="en-US" smtClean="0"/>
-              <a:t>9/28/22</a:t>
+              <a:t>9/22/23</a:t>
             </a:fld>
             <a:endParaRPr lang="en-US" dirty="0"/>
           </a:p>
@@ -3256,7 +3368,7 @@
           <a:p>
             <a:fld id="{27E3C224-2814-964E-B1E1-5A64F6E84EEA}" type="datetime1">
               <a:rPr lang="en-US" smtClean="0"/>
-              <a:t>9/28/22</a:t>
+              <a:t>9/22/23</a:t>
             </a:fld>
             <a:endParaRPr lang="en-US" dirty="0"/>
           </a:p>
@@ -3488,7 +3600,7 @@
           <a:p>
             <a:fld id="{E968726F-0D4A-9D4A-AE0E-9B268929CC0D}" type="datetime1">
               <a:rPr lang="en-US" smtClean="0"/>
-              <a:t>9/28/22</a:t>
+              <a:t>9/22/23</a:t>
             </a:fld>
             <a:endParaRPr lang="en-US" dirty="0"/>
           </a:p>
@@ -3855,7 +3967,7 @@
           <a:p>
             <a:fld id="{91898463-251B-2249-8D70-52DCF6298AEB}" type="datetime1">
               <a:rPr lang="en-US" smtClean="0"/>
-              <a:t>9/28/22</a:t>
+              <a:t>9/22/23</a:t>
             </a:fld>
             <a:endParaRPr lang="en-US" dirty="0"/>
           </a:p>
@@ -3973,7 +4085,7 @@
           <a:p>
             <a:fld id="{85A9B4BE-CF33-3F42-A262-ADCA67C13E36}" type="datetime1">
               <a:rPr lang="en-US" smtClean="0"/>
-              <a:t>9/28/22</a:t>
+              <a:t>9/22/23</a:t>
             </a:fld>
             <a:endParaRPr lang="en-US" dirty="0"/>
           </a:p>
@@ -4068,7 +4180,7 @@
           <a:p>
             <a:fld id="{B3D8E36F-A10F-E644-AF35-4A8FBDD57076}" type="datetime1">
               <a:rPr lang="en-US" smtClean="0"/>
-              <a:t>9/28/22</a:t>
+              <a:t>9/22/23</a:t>
             </a:fld>
             <a:endParaRPr lang="en-US" dirty="0"/>
           </a:p>
@@ -4345,7 +4457,7 @@
           <a:p>
             <a:fld id="{34CE13BB-B7FE-914B-86E7-0F53569511F2}" type="datetime1">
               <a:rPr lang="en-US" smtClean="0"/>
-              <a:t>9/28/22</a:t>
+              <a:t>9/22/23</a:t>
             </a:fld>
             <a:endParaRPr lang="en-US" dirty="0"/>
           </a:p>
@@ -4602,7 +4714,7 @@
           <a:p>
             <a:fld id="{401FA0EA-9D66-FA4B-B558-6A820F60D25A}" type="datetime1">
               <a:rPr lang="en-US" smtClean="0"/>
-              <a:t>9/28/22</a:t>
+              <a:t>9/22/23</a:t>
             </a:fld>
             <a:endParaRPr lang="en-US" dirty="0"/>
           </a:p>
@@ -4815,7 +4927,7 @@
           <a:p>
             <a:fld id="{B205C5C4-72F5-B341-9DCA-7B993C36540D}" type="datetime1">
               <a:rPr lang="en-US" smtClean="0"/>
-              <a:t>9/28/22</a:t>
+              <a:t>9/22/23</a:t>
             </a:fld>
             <a:endParaRPr lang="en-US" dirty="0"/>
           </a:p>
@@ -16175,6 +16287,355 @@
           </a:p>
         </p:txBody>
       </p:sp>
+      <p:sp>
+        <p:nvSpPr>
+          <p:cNvPr id="4" name="Slide Number Placeholder 3">
+            <a:extLst>
+              <a:ext uri="{FF2B5EF4-FFF2-40B4-BE49-F238E27FC236}">
+                <a16:creationId xmlns:a16="http://schemas.microsoft.com/office/drawing/2014/main" id="{D9ED70AA-BFE3-7AA1-4A69-C376AFA728C0}"/>
+              </a:ext>
+            </a:extLst>
+          </p:cNvPr>
+          <p:cNvSpPr>
+            <a:spLocks noGrp="1"/>
+          </p:cNvSpPr>
+          <p:nvPr>
+            <p:ph type="sldNum" sz="quarter" idx="12"/>
+          </p:nvPr>
+        </p:nvSpPr>
+        <p:spPr/>
+        <p:txBody>
+          <a:bodyPr/>
+          <a:lstStyle/>
+          <a:p>
+            <a:fld id="{D57F1E4F-1CFF-5643-939E-02111984F565}" type="slidenum">
+              <a:rPr lang="en-US" smtClean="0"/>
+              <a:t>26</a:t>
+            </a:fld>
+            <a:endParaRPr lang="en-US" dirty="0"/>
+          </a:p>
+        </p:txBody>
+      </p:sp>
+      <p:sp>
+        <p:nvSpPr>
+          <p:cNvPr id="8" name="TextBox 7">
+            <a:extLst>
+              <a:ext uri="{FF2B5EF4-FFF2-40B4-BE49-F238E27FC236}">
+                <a16:creationId xmlns:a16="http://schemas.microsoft.com/office/drawing/2014/main" id="{B7C4F510-6BF4-6C73-5565-EA53997E4F83}"/>
+              </a:ext>
+            </a:extLst>
+          </p:cNvPr>
+          <p:cNvSpPr txBox="1"/>
+          <p:nvPr/>
+        </p:nvSpPr>
+        <p:spPr>
+          <a:xfrm>
+            <a:off x="554804" y="5219272"/>
+            <a:ext cx="184731" cy="308418"/>
+          </a:xfrm>
+          <a:prstGeom prst="rect">
+            <a:avLst/>
+          </a:prstGeom>
+          <a:noFill/>
+        </p:spPr>
+        <p:txBody>
+          <a:bodyPr wrap="none" rtlCol="0">
+            <a:spAutoFit/>
+          </a:bodyPr>
+          <a:lstStyle/>
+          <a:p>
+            <a:endParaRPr lang="en-US"/>
+          </a:p>
+        </p:txBody>
+      </p:sp>
+      <p:pic>
+        <p:nvPicPr>
+          <p:cNvPr id="10" name="Content Placeholder 9">
+            <a:extLst>
+              <a:ext uri="{FF2B5EF4-FFF2-40B4-BE49-F238E27FC236}">
+                <a16:creationId xmlns:a16="http://schemas.microsoft.com/office/drawing/2014/main" id="{AD15F765-1E3D-8122-0C05-DA975B928027}"/>
+              </a:ext>
+            </a:extLst>
+          </p:cNvPr>
+          <p:cNvPicPr>
+            <a:picLocks noGrp="1" noChangeAspect="1"/>
+          </p:cNvPicPr>
+          <p:nvPr>
+            <p:ph idx="1"/>
+          </p:nvPr>
+        </p:nvPicPr>
+        <p:blipFill>
+          <a:blip r:embed="rId2"/>
+          <a:stretch>
+            <a:fillRect/>
+          </a:stretch>
+        </p:blipFill>
+        <p:spPr>
+          <a:xfrm>
+            <a:off x="-6945" y="1330520"/>
+            <a:ext cx="9150945" cy="2211478"/>
+          </a:xfrm>
+          <a:prstGeom prst="rect">
+            <a:avLst/>
+          </a:prstGeom>
+        </p:spPr>
+      </p:pic>
+      <p:sp>
+        <p:nvSpPr>
+          <p:cNvPr id="12" name="TextBox 11">
+            <a:extLst>
+              <a:ext uri="{FF2B5EF4-FFF2-40B4-BE49-F238E27FC236}">
+                <a16:creationId xmlns:a16="http://schemas.microsoft.com/office/drawing/2014/main" id="{F491567D-9740-B149-FD75-6C81B1AB153E}"/>
+              </a:ext>
+            </a:extLst>
+          </p:cNvPr>
+          <p:cNvSpPr txBox="1"/>
+          <p:nvPr/>
+        </p:nvSpPr>
+        <p:spPr>
+          <a:xfrm>
+            <a:off x="217683" y="3819313"/>
+            <a:ext cx="8518999" cy="400110"/>
+          </a:xfrm>
+          <a:prstGeom prst="rect">
+            <a:avLst/>
+          </a:prstGeom>
+          <a:noFill/>
+        </p:spPr>
+        <p:txBody>
+          <a:bodyPr wrap="none" rtlCol="0">
+            <a:spAutoFit/>
+          </a:bodyPr>
+          <a:lstStyle/>
+          <a:p>
+            <a:r>
+              <a:rPr lang="en-US" sz="2000">
+                <a:solidFill>
+                  <a:srgbClr val="FF0000"/>
+                </a:solidFill>
+              </a:rPr>
+              <a:t>Note that the AP’s (a = b) is equivalent to Python’s boolean expression (a == b).</a:t>
+            </a:r>
+          </a:p>
+        </p:txBody>
+      </p:sp>
+    </p:spTree>
+    <p:extLst>
+      <p:ext uri="{BB962C8B-B14F-4D97-AF65-F5344CB8AC3E}">
+        <p14:creationId xmlns:p14="http://schemas.microsoft.com/office/powerpoint/2010/main" val="2306410590"/>
+      </p:ext>
+    </p:extLst>
+  </p:cSld>
+  <p:clrMapOvr>
+    <a:masterClrMapping/>
+  </p:clrMapOvr>
+</p:sld>
+</file>
+
+<file path=ppt/slides/slide27.xml><?xml version="1.0" encoding="utf-8"?>
+<p:sld xmlns:a="http://schemas.openxmlformats.org/drawingml/2006/main" xmlns:r="http://schemas.openxmlformats.org/officeDocument/2006/relationships" xmlns:p="http://schemas.openxmlformats.org/presentationml/2006/main">
+  <p:cSld>
+    <p:spTree>
+      <p:nvGrpSpPr>
+        <p:cNvPr id="1" name=""/>
+        <p:cNvGrpSpPr/>
+        <p:nvPr/>
+      </p:nvGrpSpPr>
+      <p:grpSpPr>
+        <a:xfrm>
+          <a:off x="0" y="0"/>
+          <a:ext cx="0" cy="0"/>
+          <a:chOff x="0" y="0"/>
+          <a:chExt cx="0" cy="0"/>
+        </a:xfrm>
+      </p:grpSpPr>
+      <p:sp>
+        <p:nvSpPr>
+          <p:cNvPr id="2" name="Title 1">
+            <a:extLst>
+              <a:ext uri="{FF2B5EF4-FFF2-40B4-BE49-F238E27FC236}">
+                <a16:creationId xmlns:a16="http://schemas.microsoft.com/office/drawing/2014/main" id="{8EC51B26-7BE4-C7B3-A61E-EB8A05A4FF6D}"/>
+              </a:ext>
+            </a:extLst>
+          </p:cNvPr>
+          <p:cNvSpPr>
+            <a:spLocks noGrp="1"/>
+          </p:cNvSpPr>
+          <p:nvPr>
+            <p:ph type="title"/>
+          </p:nvPr>
+        </p:nvSpPr>
+        <p:spPr>
+          <a:xfrm>
+            <a:off x="217683" y="222673"/>
+            <a:ext cx="7886700" cy="689716"/>
+          </a:xfrm>
+        </p:spPr>
+        <p:txBody>
+          <a:bodyPr/>
+          <a:lstStyle/>
+          <a:p>
+            <a:r>
+              <a:rPr lang="en-US"/>
+              <a:t>AP Exam</a:t>
+            </a:r>
+          </a:p>
+        </p:txBody>
+      </p:sp>
+      <p:sp>
+        <p:nvSpPr>
+          <p:cNvPr id="4" name="Slide Number Placeholder 3">
+            <a:extLst>
+              <a:ext uri="{FF2B5EF4-FFF2-40B4-BE49-F238E27FC236}">
+                <a16:creationId xmlns:a16="http://schemas.microsoft.com/office/drawing/2014/main" id="{D9ED70AA-BFE3-7AA1-4A69-C376AFA728C0}"/>
+              </a:ext>
+            </a:extLst>
+          </p:cNvPr>
+          <p:cNvSpPr>
+            <a:spLocks noGrp="1"/>
+          </p:cNvSpPr>
+          <p:nvPr>
+            <p:ph type="sldNum" sz="quarter" idx="12"/>
+          </p:nvPr>
+        </p:nvSpPr>
+        <p:spPr/>
+        <p:txBody>
+          <a:bodyPr/>
+          <a:lstStyle/>
+          <a:p>
+            <a:fld id="{D57F1E4F-1CFF-5643-939E-02111984F565}" type="slidenum">
+              <a:rPr lang="en-US" smtClean="0"/>
+              <a:t>27</a:t>
+            </a:fld>
+            <a:endParaRPr lang="en-US" dirty="0"/>
+          </a:p>
+        </p:txBody>
+      </p:sp>
+      <p:sp>
+        <p:nvSpPr>
+          <p:cNvPr id="8" name="TextBox 7">
+            <a:extLst>
+              <a:ext uri="{FF2B5EF4-FFF2-40B4-BE49-F238E27FC236}">
+                <a16:creationId xmlns:a16="http://schemas.microsoft.com/office/drawing/2014/main" id="{B7C4F510-6BF4-6C73-5565-EA53997E4F83}"/>
+              </a:ext>
+            </a:extLst>
+          </p:cNvPr>
+          <p:cNvSpPr txBox="1"/>
+          <p:nvPr/>
+        </p:nvSpPr>
+        <p:spPr>
+          <a:xfrm>
+            <a:off x="554804" y="5219272"/>
+            <a:ext cx="184731" cy="308418"/>
+          </a:xfrm>
+          <a:prstGeom prst="rect">
+            <a:avLst/>
+          </a:prstGeom>
+          <a:noFill/>
+        </p:spPr>
+        <p:txBody>
+          <a:bodyPr wrap="none" rtlCol="0">
+            <a:spAutoFit/>
+          </a:bodyPr>
+          <a:lstStyle/>
+          <a:p>
+            <a:endParaRPr lang="en-US"/>
+          </a:p>
+        </p:txBody>
+      </p:sp>
+      <p:pic>
+        <p:nvPicPr>
+          <p:cNvPr id="11" name="Picture 10">
+            <a:extLst>
+              <a:ext uri="{FF2B5EF4-FFF2-40B4-BE49-F238E27FC236}">
+                <a16:creationId xmlns:a16="http://schemas.microsoft.com/office/drawing/2014/main" id="{490D161B-4A5E-16B0-5046-826E7D39D35E}"/>
+              </a:ext>
+            </a:extLst>
+          </p:cNvPr>
+          <p:cNvPicPr>
+            <a:picLocks noChangeAspect="1"/>
+          </p:cNvPicPr>
+          <p:nvPr/>
+        </p:nvPicPr>
+        <p:blipFill>
+          <a:blip r:embed="rId2"/>
+          <a:stretch>
+            <a:fillRect/>
+          </a:stretch>
+        </p:blipFill>
+        <p:spPr>
+          <a:xfrm>
+            <a:off x="685800" y="1268186"/>
+            <a:ext cx="7772400" cy="3178628"/>
+          </a:xfrm>
+          <a:prstGeom prst="rect">
+            <a:avLst/>
+          </a:prstGeom>
+        </p:spPr>
+      </p:pic>
+    </p:spTree>
+    <p:extLst>
+      <p:ext uri="{BB962C8B-B14F-4D97-AF65-F5344CB8AC3E}">
+        <p14:creationId xmlns:p14="http://schemas.microsoft.com/office/powerpoint/2010/main" val="4041846522"/>
+      </p:ext>
+    </p:extLst>
+  </p:cSld>
+  <p:clrMapOvr>
+    <a:masterClrMapping/>
+  </p:clrMapOvr>
+</p:sld>
+</file>
+
+<file path=ppt/slides/slide28.xml><?xml version="1.0" encoding="utf-8"?>
+<p:sld xmlns:a="http://schemas.openxmlformats.org/drawingml/2006/main" xmlns:r="http://schemas.openxmlformats.org/officeDocument/2006/relationships" xmlns:p="http://schemas.openxmlformats.org/presentationml/2006/main">
+  <p:cSld>
+    <p:spTree>
+      <p:nvGrpSpPr>
+        <p:cNvPr id="1" name=""/>
+        <p:cNvGrpSpPr/>
+        <p:nvPr/>
+      </p:nvGrpSpPr>
+      <p:grpSpPr>
+        <a:xfrm>
+          <a:off x="0" y="0"/>
+          <a:ext cx="0" cy="0"/>
+          <a:chOff x="0" y="0"/>
+          <a:chExt cx="0" cy="0"/>
+        </a:xfrm>
+      </p:grpSpPr>
+      <p:sp>
+        <p:nvSpPr>
+          <p:cNvPr id="2" name="Title 1">
+            <a:extLst>
+              <a:ext uri="{FF2B5EF4-FFF2-40B4-BE49-F238E27FC236}">
+                <a16:creationId xmlns:a16="http://schemas.microsoft.com/office/drawing/2014/main" id="{8EC51B26-7BE4-C7B3-A61E-EB8A05A4FF6D}"/>
+              </a:ext>
+            </a:extLst>
+          </p:cNvPr>
+          <p:cNvSpPr>
+            <a:spLocks noGrp="1"/>
+          </p:cNvSpPr>
+          <p:nvPr>
+            <p:ph type="title"/>
+          </p:nvPr>
+        </p:nvSpPr>
+        <p:spPr>
+          <a:xfrm>
+            <a:off x="217683" y="222673"/>
+            <a:ext cx="7886700" cy="689716"/>
+          </a:xfrm>
+        </p:spPr>
+        <p:txBody>
+          <a:bodyPr/>
+          <a:lstStyle/>
+          <a:p>
+            <a:r>
+              <a:rPr lang="en-US"/>
+              <a:t>AP Exam</a:t>
+            </a:r>
+          </a:p>
+        </p:txBody>
+      </p:sp>
       <p:pic>
         <p:nvPicPr>
           <p:cNvPr id="5" name="Content Placeholder 4">
@@ -16230,7 +16691,7 @@
           <a:p>
             <a:fld id="{D57F1E4F-1CFF-5643-939E-02111984F565}" type="slidenum">
               <a:rPr lang="en-US" smtClean="0"/>
-              <a:t>26</a:t>
+              <a:t>28</a:t>
             </a:fld>
             <a:endParaRPr lang="en-US" dirty="0"/>
           </a:p>
@@ -16360,7 +16821,7 @@
     </p:spTree>
     <p:extLst>
       <p:ext uri="{BB962C8B-B14F-4D97-AF65-F5344CB8AC3E}">
-        <p14:creationId xmlns:p14="http://schemas.microsoft.com/office/powerpoint/2010/main" val="2306410590"/>
+        <p14:creationId xmlns:p14="http://schemas.microsoft.com/office/powerpoint/2010/main" val="3227803771"/>
       </p:ext>
     </p:extLst>
   </p:cSld>
@@ -16370,7 +16831,7 @@
 </p:sld>
 </file>
 
-<file path=ppt/slides/slide27.xml><?xml version="1.0" encoding="utf-8"?>
+<file path=ppt/slides/slide29.xml><?xml version="1.0" encoding="utf-8"?>
 <p:sld xmlns:a="http://schemas.openxmlformats.org/drawingml/2006/main" xmlns:r="http://schemas.openxmlformats.org/officeDocument/2006/relationships" xmlns:p="http://schemas.openxmlformats.org/presentationml/2006/main">
   <p:cSld>
     <p:spTree>
@@ -16816,7 +17277,7 @@
           <a:p>
             <a:fld id="{D57F1E4F-1CFF-5643-939E-02111984F565}" type="slidenum">
               <a:rPr lang="en-US" smtClean="0"/>
-              <a:t>27</a:t>
+              <a:t>29</a:t>
             </a:fld>
             <a:endParaRPr lang="en-US" dirty="0"/>
           </a:p>
@@ -16826,600 +17287,6 @@
     <p:extLst>
       <p:ext uri="{BB962C8B-B14F-4D97-AF65-F5344CB8AC3E}">
         <p14:creationId xmlns:p14="http://schemas.microsoft.com/office/powerpoint/2010/main" val="81284116"/>
-      </p:ext>
-    </p:extLst>
-  </p:cSld>
-  <p:clrMapOvr>
-    <a:masterClrMapping/>
-  </p:clrMapOvr>
-</p:sld>
-</file>
-
-<file path=ppt/slides/slide28.xml><?xml version="1.0" encoding="utf-8"?>
-<p:sld xmlns:a="http://schemas.openxmlformats.org/drawingml/2006/main" xmlns:r="http://schemas.openxmlformats.org/officeDocument/2006/relationships" xmlns:p="http://schemas.openxmlformats.org/presentationml/2006/main">
-  <p:cSld>
-    <p:spTree>
-      <p:nvGrpSpPr>
-        <p:cNvPr id="1" name=""/>
-        <p:cNvGrpSpPr/>
-        <p:nvPr/>
-      </p:nvGrpSpPr>
-      <p:grpSpPr>
-        <a:xfrm>
-          <a:off x="0" y="0"/>
-          <a:ext cx="0" cy="0"/>
-          <a:chOff x="0" y="0"/>
-          <a:chExt cx="0" cy="0"/>
-        </a:xfrm>
-      </p:grpSpPr>
-      <p:sp>
-        <p:nvSpPr>
-          <p:cNvPr id="2" name="Title 1">
-            <a:extLst>
-              <a:ext uri="{FF2B5EF4-FFF2-40B4-BE49-F238E27FC236}">
-                <a16:creationId xmlns:a16="http://schemas.microsoft.com/office/drawing/2014/main" id="{AA3A228F-61D0-D949-A5E7-F83756230BF8}"/>
-              </a:ext>
-            </a:extLst>
-          </p:cNvPr>
-          <p:cNvSpPr>
-            <a:spLocks noGrp="1"/>
-          </p:cNvSpPr>
-          <p:nvPr>
-            <p:ph type="title"/>
-          </p:nvPr>
-        </p:nvSpPr>
-        <p:spPr>
-          <a:xfrm>
-            <a:off x="124252" y="117706"/>
-            <a:ext cx="7053542" cy="683886"/>
-          </a:xfrm>
-        </p:spPr>
-        <p:txBody>
-          <a:bodyPr/>
-          <a:lstStyle/>
-          <a:p>
-            <a:r>
-              <a:rPr lang="en-US" dirty="0"/>
-              <a:t>Lab 1: Absolute Value</a:t>
-            </a:r>
-          </a:p>
-        </p:txBody>
-      </p:sp>
-      <p:sp>
-        <p:nvSpPr>
-          <p:cNvPr id="9" name="Content Placeholder 8">
-            <a:extLst>
-              <a:ext uri="{FF2B5EF4-FFF2-40B4-BE49-F238E27FC236}">
-                <a16:creationId xmlns:a16="http://schemas.microsoft.com/office/drawing/2014/main" id="{E3B2E017-30B2-884B-A113-B419A2ED51AD}"/>
-              </a:ext>
-            </a:extLst>
-          </p:cNvPr>
-          <p:cNvSpPr>
-            <a:spLocks noGrp="1"/>
-          </p:cNvSpPr>
-          <p:nvPr>
-            <p:ph idx="1"/>
-          </p:nvPr>
-        </p:nvSpPr>
-        <p:spPr>
-          <a:xfrm>
-            <a:off x="124252" y="801592"/>
-            <a:ext cx="8411321" cy="4913407"/>
-          </a:xfrm>
-        </p:spPr>
-        <p:txBody>
-          <a:bodyPr>
-            <a:noAutofit/>
-          </a:bodyPr>
-          <a:lstStyle/>
-          <a:p>
-            <a:pPr marL="0" indent="0">
-              <a:buNone/>
-            </a:pPr>
-            <a:r>
-              <a:rPr lang="en-US" dirty="0"/>
-              <a:t>Create a new </a:t>
-            </a:r>
-            <a:r>
-              <a:rPr lang="en-US" dirty="0" err="1"/>
-              <a:t>repl</a:t>
-            </a:r>
-            <a:r>
-              <a:rPr lang="en-US" dirty="0"/>
-              <a:t> on </a:t>
-            </a:r>
-            <a:r>
-              <a:rPr lang="en-US" dirty="0" err="1"/>
-              <a:t>repl.it</a:t>
-            </a:r>
-            <a:r>
-              <a:rPr lang="en-US" dirty="0"/>
-              <a:t>.  If you wish, you can use this same </a:t>
-            </a:r>
-            <a:r>
-              <a:rPr lang="en-US" dirty="0" err="1"/>
-              <a:t>repl</a:t>
-            </a:r>
-            <a:r>
-              <a:rPr lang="en-US" dirty="0"/>
-              <a:t> for all of the labs in this lecture.  </a:t>
-            </a:r>
-          </a:p>
-          <a:p>
-            <a:pPr marL="0" indent="0">
-              <a:buNone/>
-            </a:pPr>
-            <a:endParaRPr lang="en-US" dirty="0"/>
-          </a:p>
-          <a:p>
-            <a:pPr marL="0" indent="0">
-              <a:buNone/>
-            </a:pPr>
-            <a:r>
-              <a:rPr lang="en-US" dirty="0"/>
-              <a:t>Write a program which asks for an integer and prints out </a:t>
-            </a:r>
-            <a:r>
-              <a:rPr lang="en-US"/>
-              <a:t>the absolute </a:t>
-            </a:r>
-            <a:r>
-              <a:rPr lang="en-US" dirty="0"/>
-              <a:t>value of the number. </a:t>
-            </a:r>
-          </a:p>
-          <a:p>
-            <a:pPr marL="0" indent="0">
-              <a:buNone/>
-            </a:pPr>
-            <a:r>
-              <a:rPr lang="en-US" dirty="0"/>
-              <a:t>Example output 1:</a:t>
-            </a:r>
-          </a:p>
-          <a:p>
-            <a:pPr marL="0" indent="0">
-              <a:buNone/>
-            </a:pPr>
-            <a:r>
-              <a:rPr lang="en-US" dirty="0"/>
-              <a:t>Enter a number: 34</a:t>
-            </a:r>
-          </a:p>
-          <a:p>
-            <a:pPr marL="0" indent="0">
-              <a:buNone/>
-            </a:pPr>
-            <a:r>
-              <a:rPr lang="en-US" dirty="0"/>
-              <a:t>Absolute value of 34 is 34.</a:t>
-            </a:r>
-          </a:p>
-          <a:p>
-            <a:pPr marL="0" indent="0">
-              <a:buNone/>
-            </a:pPr>
-            <a:endParaRPr lang="en-US" dirty="0"/>
-          </a:p>
-          <a:p>
-            <a:pPr marL="0" indent="0">
-              <a:buNone/>
-            </a:pPr>
-            <a:r>
-              <a:rPr lang="en-US" dirty="0"/>
-              <a:t>Example output 2:</a:t>
-            </a:r>
-          </a:p>
-          <a:p>
-            <a:pPr marL="0" indent="0">
-              <a:buNone/>
-            </a:pPr>
-            <a:r>
-              <a:rPr lang="en-US" dirty="0"/>
-              <a:t>Enter a number: -11</a:t>
-            </a:r>
-          </a:p>
-          <a:p>
-            <a:pPr marL="0" indent="0">
-              <a:buNone/>
-            </a:pPr>
-            <a:r>
-              <a:rPr lang="en-US" dirty="0"/>
-              <a:t>Absolute value of -11 is 11.</a:t>
-            </a:r>
-          </a:p>
-          <a:p>
-            <a:pPr marL="0" indent="0">
-              <a:buNone/>
-            </a:pPr>
-            <a:endParaRPr lang="en-US" u="sng" dirty="0"/>
-          </a:p>
-        </p:txBody>
-      </p:sp>
-      <p:sp>
-        <p:nvSpPr>
-          <p:cNvPr id="3" name="Slide Number Placeholder 2">
-            <a:extLst>
-              <a:ext uri="{FF2B5EF4-FFF2-40B4-BE49-F238E27FC236}">
-                <a16:creationId xmlns:a16="http://schemas.microsoft.com/office/drawing/2014/main" id="{4B164F2C-92CE-214B-A2AA-ACC59878605C}"/>
-              </a:ext>
-            </a:extLst>
-          </p:cNvPr>
-          <p:cNvSpPr>
-            <a:spLocks noGrp="1"/>
-          </p:cNvSpPr>
-          <p:nvPr>
-            <p:ph type="sldNum" sz="quarter" idx="12"/>
-          </p:nvPr>
-        </p:nvSpPr>
-        <p:spPr/>
-        <p:txBody>
-          <a:bodyPr/>
-          <a:lstStyle/>
-          <a:p>
-            <a:fld id="{D57F1E4F-1CFF-5643-939E-02111984F565}" type="slidenum">
-              <a:rPr lang="en-US" smtClean="0"/>
-              <a:t>28</a:t>
-            </a:fld>
-            <a:endParaRPr lang="en-US" dirty="0"/>
-          </a:p>
-        </p:txBody>
-      </p:sp>
-    </p:spTree>
-    <p:extLst>
-      <p:ext uri="{BB962C8B-B14F-4D97-AF65-F5344CB8AC3E}">
-        <p14:creationId xmlns:p14="http://schemas.microsoft.com/office/powerpoint/2010/main" val="3843624186"/>
-      </p:ext>
-    </p:extLst>
-  </p:cSld>
-  <p:clrMapOvr>
-    <a:masterClrMapping/>
-  </p:clrMapOvr>
-</p:sld>
-</file>
-
-<file path=ppt/slides/slide29.xml><?xml version="1.0" encoding="utf-8"?>
-<p:sld xmlns:a="http://schemas.openxmlformats.org/drawingml/2006/main" xmlns:r="http://schemas.openxmlformats.org/officeDocument/2006/relationships" xmlns:p="http://schemas.openxmlformats.org/presentationml/2006/main">
-  <p:cSld>
-    <p:spTree>
-      <p:nvGrpSpPr>
-        <p:cNvPr id="1" name=""/>
-        <p:cNvGrpSpPr/>
-        <p:nvPr/>
-      </p:nvGrpSpPr>
-      <p:grpSpPr>
-        <a:xfrm>
-          <a:off x="0" y="0"/>
-          <a:ext cx="0" cy="0"/>
-          <a:chOff x="0" y="0"/>
-          <a:chExt cx="0" cy="0"/>
-        </a:xfrm>
-      </p:grpSpPr>
-      <p:sp>
-        <p:nvSpPr>
-          <p:cNvPr id="2" name="Title 1">
-            <a:extLst>
-              <a:ext uri="{FF2B5EF4-FFF2-40B4-BE49-F238E27FC236}">
-                <a16:creationId xmlns:a16="http://schemas.microsoft.com/office/drawing/2014/main" id="{AA3A228F-61D0-D949-A5E7-F83756230BF8}"/>
-              </a:ext>
-            </a:extLst>
-          </p:cNvPr>
-          <p:cNvSpPr>
-            <a:spLocks noGrp="1"/>
-          </p:cNvSpPr>
-          <p:nvPr>
-            <p:ph type="title"/>
-          </p:nvPr>
-        </p:nvSpPr>
-        <p:spPr>
-          <a:xfrm>
-            <a:off x="124252" y="117706"/>
-            <a:ext cx="7053542" cy="683886"/>
-          </a:xfrm>
-        </p:spPr>
-        <p:txBody>
-          <a:bodyPr/>
-          <a:lstStyle/>
-          <a:p>
-            <a:r>
-              <a:rPr lang="en-US" dirty="0"/>
-              <a:t>Lab 2: Quadratic</a:t>
-            </a:r>
-          </a:p>
-        </p:txBody>
-      </p:sp>
-      <p:sp>
-        <p:nvSpPr>
-          <p:cNvPr id="9" name="Content Placeholder 8">
-            <a:extLst>
-              <a:ext uri="{FF2B5EF4-FFF2-40B4-BE49-F238E27FC236}">
-                <a16:creationId xmlns:a16="http://schemas.microsoft.com/office/drawing/2014/main" id="{E3B2E017-30B2-884B-A113-B419A2ED51AD}"/>
-              </a:ext>
-            </a:extLst>
-          </p:cNvPr>
-          <p:cNvSpPr>
-            <a:spLocks noGrp="1"/>
-          </p:cNvSpPr>
-          <p:nvPr>
-            <p:ph idx="1"/>
-          </p:nvPr>
-        </p:nvSpPr>
-        <p:spPr>
-          <a:xfrm>
-            <a:off x="124252" y="801592"/>
-            <a:ext cx="8411321" cy="4913407"/>
-          </a:xfrm>
-        </p:spPr>
-        <p:txBody>
-          <a:bodyPr>
-            <a:noAutofit/>
-          </a:bodyPr>
-          <a:lstStyle/>
-          <a:p>
-            <a:pPr marL="0" indent="0">
-              <a:buNone/>
-            </a:pPr>
-            <a:r>
-              <a:rPr lang="en-US" dirty="0"/>
-              <a:t>Create a new </a:t>
-            </a:r>
-            <a:r>
-              <a:rPr lang="en-US" dirty="0" err="1"/>
-              <a:t>repl</a:t>
-            </a:r>
-            <a:r>
-              <a:rPr lang="en-US" dirty="0"/>
-              <a:t> on </a:t>
-            </a:r>
-            <a:r>
-              <a:rPr lang="en-US" dirty="0" err="1"/>
-              <a:t>repl.it</a:t>
-            </a:r>
-            <a:r>
-              <a:rPr lang="en-US" dirty="0"/>
-              <a:t>. Write a program which asks for the coefficients of the quadratic f(x) = ax^2 + bx + c and prints out the number of real roots of f(x). </a:t>
-            </a:r>
-          </a:p>
-          <a:p>
-            <a:pPr marL="0" indent="0">
-              <a:buNone/>
-            </a:pPr>
-            <a:r>
-              <a:rPr lang="en-US" dirty="0"/>
-              <a:t>Hint: Compute the discriminant b^2 – 4ac. If the discriminant is &gt; 0, it has two real roots. If it is &lt; 0 , it has no real roots and if it is = 0, it has one repeated root.</a:t>
-            </a:r>
-          </a:p>
-          <a:p>
-            <a:pPr marL="0" indent="0">
-              <a:buNone/>
-            </a:pPr>
-            <a:endParaRPr lang="en-US" dirty="0"/>
-          </a:p>
-          <a:p>
-            <a:pPr marL="0" indent="0">
-              <a:buNone/>
-            </a:pPr>
-            <a:r>
-              <a:rPr lang="en-US" dirty="0"/>
-              <a:t>Enter a: </a:t>
-            </a:r>
-            <a:r>
-              <a:rPr lang="en-US" u="sng" dirty="0"/>
-              <a:t>1</a:t>
-            </a:r>
-          </a:p>
-          <a:p>
-            <a:pPr marL="0" indent="0">
-              <a:buNone/>
-            </a:pPr>
-            <a:r>
-              <a:rPr lang="en-US" dirty="0"/>
-              <a:t>Enter b: </a:t>
-            </a:r>
-            <a:r>
-              <a:rPr lang="en-US" u="sng" dirty="0"/>
-              <a:t>-2</a:t>
-            </a:r>
-          </a:p>
-          <a:p>
-            <a:pPr marL="0" indent="0">
-              <a:buNone/>
-            </a:pPr>
-            <a:r>
-              <a:rPr lang="en-US" dirty="0"/>
-              <a:t>Enter c: </a:t>
-            </a:r>
-            <a:r>
-              <a:rPr lang="en-US" u="sng" dirty="0"/>
-              <a:t>-15</a:t>
-            </a:r>
-          </a:p>
-          <a:p>
-            <a:pPr marL="0" indent="0">
-              <a:buNone/>
-            </a:pPr>
-            <a:r>
-              <a:rPr lang="en-US" dirty="0"/>
-              <a:t>Two real roots. </a:t>
-            </a:r>
-          </a:p>
-          <a:p>
-            <a:pPr marL="0" indent="0">
-              <a:buNone/>
-            </a:pPr>
-            <a:endParaRPr lang="en-US" dirty="0"/>
-          </a:p>
-        </p:txBody>
-      </p:sp>
-      <p:sp>
-        <p:nvSpPr>
-          <p:cNvPr id="3" name="TextBox 2">
-            <a:extLst>
-              <a:ext uri="{FF2B5EF4-FFF2-40B4-BE49-F238E27FC236}">
-                <a16:creationId xmlns:a16="http://schemas.microsoft.com/office/drawing/2014/main" id="{E3FA655A-5AB5-F240-962A-94B89E2A3F46}"/>
-              </a:ext>
-            </a:extLst>
-          </p:cNvPr>
-          <p:cNvSpPr txBox="1"/>
-          <p:nvPr/>
-        </p:nvSpPr>
-        <p:spPr>
-          <a:xfrm>
-            <a:off x="3045360" y="3202818"/>
-            <a:ext cx="2355582" cy="1708160"/>
-          </a:xfrm>
-          <a:prstGeom prst="rect">
-            <a:avLst/>
-          </a:prstGeom>
-          <a:noFill/>
-        </p:spPr>
-        <p:txBody>
-          <a:bodyPr wrap="square" rtlCol="0">
-            <a:spAutoFit/>
-          </a:bodyPr>
-          <a:lstStyle/>
-          <a:p>
-            <a:r>
-              <a:rPr lang="en-US" sz="2100" dirty="0"/>
-              <a:t>Enter a: </a:t>
-            </a:r>
-            <a:r>
-              <a:rPr lang="en-US" sz="2100" u="sng" dirty="0"/>
-              <a:t>1</a:t>
-            </a:r>
-          </a:p>
-          <a:p>
-            <a:r>
-              <a:rPr lang="en-US" sz="2100" dirty="0"/>
-              <a:t>Enter b: </a:t>
-            </a:r>
-            <a:r>
-              <a:rPr lang="en-US" sz="2100" u="sng" dirty="0"/>
-              <a:t>0</a:t>
-            </a:r>
-          </a:p>
-          <a:p>
-            <a:r>
-              <a:rPr lang="en-US" sz="2100" dirty="0"/>
-              <a:t>Enter c: </a:t>
-            </a:r>
-            <a:r>
-              <a:rPr lang="en-US" sz="2100" u="sng" dirty="0"/>
-              <a:t>1</a:t>
-            </a:r>
-          </a:p>
-          <a:p>
-            <a:r>
-              <a:rPr lang="en-US" sz="2100" dirty="0"/>
-              <a:t>No real roots. </a:t>
-            </a:r>
-          </a:p>
-          <a:p>
-            <a:endParaRPr lang="en-US" sz="2100" dirty="0"/>
-          </a:p>
-        </p:txBody>
-      </p:sp>
-      <p:sp>
-        <p:nvSpPr>
-          <p:cNvPr id="5" name="TextBox 4">
-            <a:extLst>
-              <a:ext uri="{FF2B5EF4-FFF2-40B4-BE49-F238E27FC236}">
-                <a16:creationId xmlns:a16="http://schemas.microsoft.com/office/drawing/2014/main" id="{E3902497-A323-8444-BA6A-683A07A0DC35}"/>
-              </a:ext>
-            </a:extLst>
-          </p:cNvPr>
-          <p:cNvSpPr txBox="1"/>
-          <p:nvPr/>
-        </p:nvSpPr>
-        <p:spPr>
-          <a:xfrm>
-            <a:off x="5888742" y="3202817"/>
-            <a:ext cx="3131005" cy="1708160"/>
-          </a:xfrm>
-          <a:prstGeom prst="rect">
-            <a:avLst/>
-          </a:prstGeom>
-          <a:noFill/>
-        </p:spPr>
-        <p:txBody>
-          <a:bodyPr wrap="square" rtlCol="0">
-            <a:spAutoFit/>
-          </a:bodyPr>
-          <a:lstStyle/>
-          <a:p>
-            <a:r>
-              <a:rPr lang="en-US" sz="2100" dirty="0"/>
-              <a:t>Enter a: </a:t>
-            </a:r>
-            <a:r>
-              <a:rPr lang="en-US" sz="2100" u="sng" dirty="0"/>
-              <a:t>1</a:t>
-            </a:r>
-          </a:p>
-          <a:p>
-            <a:r>
-              <a:rPr lang="en-US" sz="2100" dirty="0"/>
-              <a:t>Enter b: </a:t>
-            </a:r>
-            <a:r>
-              <a:rPr lang="en-US" sz="2100" u="sng" dirty="0"/>
-              <a:t>-2</a:t>
-            </a:r>
-          </a:p>
-          <a:p>
-            <a:r>
-              <a:rPr lang="en-US" sz="2100" dirty="0"/>
-              <a:t>Enter c: </a:t>
-            </a:r>
-            <a:r>
-              <a:rPr lang="en-US" sz="2100" u="sng" dirty="0"/>
-              <a:t>1</a:t>
-            </a:r>
-          </a:p>
-          <a:p>
-            <a:r>
-              <a:rPr lang="en-US" sz="2100" dirty="0"/>
-              <a:t>One repeated real root. </a:t>
-            </a:r>
-          </a:p>
-          <a:p>
-            <a:endParaRPr lang="en-US" sz="2100" dirty="0"/>
-          </a:p>
-        </p:txBody>
-      </p:sp>
-      <p:sp>
-        <p:nvSpPr>
-          <p:cNvPr id="4" name="Slide Number Placeholder 3">
-            <a:extLst>
-              <a:ext uri="{FF2B5EF4-FFF2-40B4-BE49-F238E27FC236}">
-                <a16:creationId xmlns:a16="http://schemas.microsoft.com/office/drawing/2014/main" id="{BA24DAAD-1E10-1B47-9666-DD82DF0DF64F}"/>
-              </a:ext>
-            </a:extLst>
-          </p:cNvPr>
-          <p:cNvSpPr>
-            <a:spLocks noGrp="1"/>
-          </p:cNvSpPr>
-          <p:nvPr>
-            <p:ph type="sldNum" sz="quarter" idx="12"/>
-          </p:nvPr>
-        </p:nvSpPr>
-        <p:spPr/>
-        <p:txBody>
-          <a:bodyPr/>
-          <a:lstStyle/>
-          <a:p>
-            <a:fld id="{D57F1E4F-1CFF-5643-939E-02111984F565}" type="slidenum">
-              <a:rPr lang="en-US" smtClean="0"/>
-              <a:t>29</a:t>
-            </a:fld>
-            <a:endParaRPr lang="en-US" dirty="0"/>
-          </a:p>
-        </p:txBody>
-      </p:sp>
-    </p:spTree>
-    <p:extLst>
-      <p:ext uri="{BB962C8B-B14F-4D97-AF65-F5344CB8AC3E}">
-        <p14:creationId xmlns:p14="http://schemas.microsoft.com/office/powerpoint/2010/main" val="1575070404"/>
       </p:ext>
     </p:extLst>
   </p:cSld>
@@ -17784,6 +17651,600 @@
         </p:nvSpPr>
         <p:spPr>
           <a:xfrm>
+            <a:off x="124252" y="117706"/>
+            <a:ext cx="7053542" cy="683886"/>
+          </a:xfrm>
+        </p:spPr>
+        <p:txBody>
+          <a:bodyPr/>
+          <a:lstStyle/>
+          <a:p>
+            <a:r>
+              <a:rPr lang="en-US" dirty="0"/>
+              <a:t>Lab 1: Absolute Value</a:t>
+            </a:r>
+          </a:p>
+        </p:txBody>
+      </p:sp>
+      <p:sp>
+        <p:nvSpPr>
+          <p:cNvPr id="9" name="Content Placeholder 8">
+            <a:extLst>
+              <a:ext uri="{FF2B5EF4-FFF2-40B4-BE49-F238E27FC236}">
+                <a16:creationId xmlns:a16="http://schemas.microsoft.com/office/drawing/2014/main" id="{E3B2E017-30B2-884B-A113-B419A2ED51AD}"/>
+              </a:ext>
+            </a:extLst>
+          </p:cNvPr>
+          <p:cNvSpPr>
+            <a:spLocks noGrp="1"/>
+          </p:cNvSpPr>
+          <p:nvPr>
+            <p:ph idx="1"/>
+          </p:nvPr>
+        </p:nvSpPr>
+        <p:spPr>
+          <a:xfrm>
+            <a:off x="124252" y="801592"/>
+            <a:ext cx="8411321" cy="4913407"/>
+          </a:xfrm>
+        </p:spPr>
+        <p:txBody>
+          <a:bodyPr>
+            <a:noAutofit/>
+          </a:bodyPr>
+          <a:lstStyle/>
+          <a:p>
+            <a:pPr marL="0" indent="0">
+              <a:buNone/>
+            </a:pPr>
+            <a:r>
+              <a:rPr lang="en-US" dirty="0"/>
+              <a:t>Create a new </a:t>
+            </a:r>
+            <a:r>
+              <a:rPr lang="en-US" dirty="0" err="1"/>
+              <a:t>repl</a:t>
+            </a:r>
+            <a:r>
+              <a:rPr lang="en-US" dirty="0"/>
+              <a:t> on </a:t>
+            </a:r>
+            <a:r>
+              <a:rPr lang="en-US" dirty="0" err="1"/>
+              <a:t>repl.it</a:t>
+            </a:r>
+            <a:r>
+              <a:rPr lang="en-US" dirty="0"/>
+              <a:t>.  If you wish, you can use this same </a:t>
+            </a:r>
+            <a:r>
+              <a:rPr lang="en-US" dirty="0" err="1"/>
+              <a:t>repl</a:t>
+            </a:r>
+            <a:r>
+              <a:rPr lang="en-US" dirty="0"/>
+              <a:t> for all of the labs in this lecture.  </a:t>
+            </a:r>
+          </a:p>
+          <a:p>
+            <a:pPr marL="0" indent="0">
+              <a:buNone/>
+            </a:pPr>
+            <a:endParaRPr lang="en-US" dirty="0"/>
+          </a:p>
+          <a:p>
+            <a:pPr marL="0" indent="0">
+              <a:buNone/>
+            </a:pPr>
+            <a:r>
+              <a:rPr lang="en-US" dirty="0"/>
+              <a:t>Write a program which asks for an integer and prints out </a:t>
+            </a:r>
+            <a:r>
+              <a:rPr lang="en-US"/>
+              <a:t>the absolute </a:t>
+            </a:r>
+            <a:r>
+              <a:rPr lang="en-US" dirty="0"/>
+              <a:t>value of the number. </a:t>
+            </a:r>
+          </a:p>
+          <a:p>
+            <a:pPr marL="0" indent="0">
+              <a:buNone/>
+            </a:pPr>
+            <a:r>
+              <a:rPr lang="en-US" dirty="0"/>
+              <a:t>Example output 1:</a:t>
+            </a:r>
+          </a:p>
+          <a:p>
+            <a:pPr marL="0" indent="0">
+              <a:buNone/>
+            </a:pPr>
+            <a:r>
+              <a:rPr lang="en-US" dirty="0"/>
+              <a:t>Enter a number: 34</a:t>
+            </a:r>
+          </a:p>
+          <a:p>
+            <a:pPr marL="0" indent="0">
+              <a:buNone/>
+            </a:pPr>
+            <a:r>
+              <a:rPr lang="en-US" dirty="0"/>
+              <a:t>Absolute value of 34 is 34.</a:t>
+            </a:r>
+          </a:p>
+          <a:p>
+            <a:pPr marL="0" indent="0">
+              <a:buNone/>
+            </a:pPr>
+            <a:endParaRPr lang="en-US" dirty="0"/>
+          </a:p>
+          <a:p>
+            <a:pPr marL="0" indent="0">
+              <a:buNone/>
+            </a:pPr>
+            <a:r>
+              <a:rPr lang="en-US" dirty="0"/>
+              <a:t>Example output 2:</a:t>
+            </a:r>
+          </a:p>
+          <a:p>
+            <a:pPr marL="0" indent="0">
+              <a:buNone/>
+            </a:pPr>
+            <a:r>
+              <a:rPr lang="en-US" dirty="0"/>
+              <a:t>Enter a number: -11</a:t>
+            </a:r>
+          </a:p>
+          <a:p>
+            <a:pPr marL="0" indent="0">
+              <a:buNone/>
+            </a:pPr>
+            <a:r>
+              <a:rPr lang="en-US" dirty="0"/>
+              <a:t>Absolute value of -11 is 11.</a:t>
+            </a:r>
+          </a:p>
+          <a:p>
+            <a:pPr marL="0" indent="0">
+              <a:buNone/>
+            </a:pPr>
+            <a:endParaRPr lang="en-US" u="sng" dirty="0"/>
+          </a:p>
+        </p:txBody>
+      </p:sp>
+      <p:sp>
+        <p:nvSpPr>
+          <p:cNvPr id="3" name="Slide Number Placeholder 2">
+            <a:extLst>
+              <a:ext uri="{FF2B5EF4-FFF2-40B4-BE49-F238E27FC236}">
+                <a16:creationId xmlns:a16="http://schemas.microsoft.com/office/drawing/2014/main" id="{4B164F2C-92CE-214B-A2AA-ACC59878605C}"/>
+              </a:ext>
+            </a:extLst>
+          </p:cNvPr>
+          <p:cNvSpPr>
+            <a:spLocks noGrp="1"/>
+          </p:cNvSpPr>
+          <p:nvPr>
+            <p:ph type="sldNum" sz="quarter" idx="12"/>
+          </p:nvPr>
+        </p:nvSpPr>
+        <p:spPr/>
+        <p:txBody>
+          <a:bodyPr/>
+          <a:lstStyle/>
+          <a:p>
+            <a:fld id="{D57F1E4F-1CFF-5643-939E-02111984F565}" type="slidenum">
+              <a:rPr lang="en-US" smtClean="0"/>
+              <a:t>30</a:t>
+            </a:fld>
+            <a:endParaRPr lang="en-US" dirty="0"/>
+          </a:p>
+        </p:txBody>
+      </p:sp>
+    </p:spTree>
+    <p:extLst>
+      <p:ext uri="{BB962C8B-B14F-4D97-AF65-F5344CB8AC3E}">
+        <p14:creationId xmlns:p14="http://schemas.microsoft.com/office/powerpoint/2010/main" val="3843624186"/>
+      </p:ext>
+    </p:extLst>
+  </p:cSld>
+  <p:clrMapOvr>
+    <a:masterClrMapping/>
+  </p:clrMapOvr>
+</p:sld>
+</file>
+
+<file path=ppt/slides/slide31.xml><?xml version="1.0" encoding="utf-8"?>
+<p:sld xmlns:a="http://schemas.openxmlformats.org/drawingml/2006/main" xmlns:r="http://schemas.openxmlformats.org/officeDocument/2006/relationships" xmlns:p="http://schemas.openxmlformats.org/presentationml/2006/main">
+  <p:cSld>
+    <p:spTree>
+      <p:nvGrpSpPr>
+        <p:cNvPr id="1" name=""/>
+        <p:cNvGrpSpPr/>
+        <p:nvPr/>
+      </p:nvGrpSpPr>
+      <p:grpSpPr>
+        <a:xfrm>
+          <a:off x="0" y="0"/>
+          <a:ext cx="0" cy="0"/>
+          <a:chOff x="0" y="0"/>
+          <a:chExt cx="0" cy="0"/>
+        </a:xfrm>
+      </p:grpSpPr>
+      <p:sp>
+        <p:nvSpPr>
+          <p:cNvPr id="2" name="Title 1">
+            <a:extLst>
+              <a:ext uri="{FF2B5EF4-FFF2-40B4-BE49-F238E27FC236}">
+                <a16:creationId xmlns:a16="http://schemas.microsoft.com/office/drawing/2014/main" id="{AA3A228F-61D0-D949-A5E7-F83756230BF8}"/>
+              </a:ext>
+            </a:extLst>
+          </p:cNvPr>
+          <p:cNvSpPr>
+            <a:spLocks noGrp="1"/>
+          </p:cNvSpPr>
+          <p:nvPr>
+            <p:ph type="title"/>
+          </p:nvPr>
+        </p:nvSpPr>
+        <p:spPr>
+          <a:xfrm>
+            <a:off x="124252" y="117706"/>
+            <a:ext cx="7053542" cy="683886"/>
+          </a:xfrm>
+        </p:spPr>
+        <p:txBody>
+          <a:bodyPr/>
+          <a:lstStyle/>
+          <a:p>
+            <a:r>
+              <a:rPr lang="en-US" dirty="0"/>
+              <a:t>Lab 2: Quadratic</a:t>
+            </a:r>
+          </a:p>
+        </p:txBody>
+      </p:sp>
+      <p:sp>
+        <p:nvSpPr>
+          <p:cNvPr id="9" name="Content Placeholder 8">
+            <a:extLst>
+              <a:ext uri="{FF2B5EF4-FFF2-40B4-BE49-F238E27FC236}">
+                <a16:creationId xmlns:a16="http://schemas.microsoft.com/office/drawing/2014/main" id="{E3B2E017-30B2-884B-A113-B419A2ED51AD}"/>
+              </a:ext>
+            </a:extLst>
+          </p:cNvPr>
+          <p:cNvSpPr>
+            <a:spLocks noGrp="1"/>
+          </p:cNvSpPr>
+          <p:nvPr>
+            <p:ph idx="1"/>
+          </p:nvPr>
+        </p:nvSpPr>
+        <p:spPr>
+          <a:xfrm>
+            <a:off x="124252" y="801592"/>
+            <a:ext cx="8411321" cy="4913407"/>
+          </a:xfrm>
+        </p:spPr>
+        <p:txBody>
+          <a:bodyPr>
+            <a:noAutofit/>
+          </a:bodyPr>
+          <a:lstStyle/>
+          <a:p>
+            <a:pPr marL="0" indent="0">
+              <a:buNone/>
+            </a:pPr>
+            <a:r>
+              <a:rPr lang="en-US" dirty="0"/>
+              <a:t>Create a new </a:t>
+            </a:r>
+            <a:r>
+              <a:rPr lang="en-US" dirty="0" err="1"/>
+              <a:t>repl</a:t>
+            </a:r>
+            <a:r>
+              <a:rPr lang="en-US" dirty="0"/>
+              <a:t> on </a:t>
+            </a:r>
+            <a:r>
+              <a:rPr lang="en-US" dirty="0" err="1"/>
+              <a:t>repl.it</a:t>
+            </a:r>
+            <a:r>
+              <a:rPr lang="en-US" dirty="0"/>
+              <a:t>. Write a program which asks for the coefficients of the quadratic f(x) = ax^2 + bx + c and prints out the number of real roots of f(x). </a:t>
+            </a:r>
+          </a:p>
+          <a:p>
+            <a:pPr marL="0" indent="0">
+              <a:buNone/>
+            </a:pPr>
+            <a:r>
+              <a:rPr lang="en-US" dirty="0"/>
+              <a:t>Hint: Compute the discriminant b^2 – 4ac. If the discriminant is &gt; 0, it has two real roots. If it is &lt; 0 , it has no real roots and if it is = 0, it has one repeated root.</a:t>
+            </a:r>
+          </a:p>
+          <a:p>
+            <a:pPr marL="0" indent="0">
+              <a:buNone/>
+            </a:pPr>
+            <a:endParaRPr lang="en-US" dirty="0"/>
+          </a:p>
+          <a:p>
+            <a:pPr marL="0" indent="0">
+              <a:buNone/>
+            </a:pPr>
+            <a:r>
+              <a:rPr lang="en-US" dirty="0"/>
+              <a:t>Enter a: </a:t>
+            </a:r>
+            <a:r>
+              <a:rPr lang="en-US" u="sng" dirty="0"/>
+              <a:t>1</a:t>
+            </a:r>
+          </a:p>
+          <a:p>
+            <a:pPr marL="0" indent="0">
+              <a:buNone/>
+            </a:pPr>
+            <a:r>
+              <a:rPr lang="en-US" dirty="0"/>
+              <a:t>Enter b: </a:t>
+            </a:r>
+            <a:r>
+              <a:rPr lang="en-US" u="sng" dirty="0"/>
+              <a:t>-2</a:t>
+            </a:r>
+          </a:p>
+          <a:p>
+            <a:pPr marL="0" indent="0">
+              <a:buNone/>
+            </a:pPr>
+            <a:r>
+              <a:rPr lang="en-US" dirty="0"/>
+              <a:t>Enter c: </a:t>
+            </a:r>
+            <a:r>
+              <a:rPr lang="en-US" u="sng" dirty="0"/>
+              <a:t>-15</a:t>
+            </a:r>
+          </a:p>
+          <a:p>
+            <a:pPr marL="0" indent="0">
+              <a:buNone/>
+            </a:pPr>
+            <a:r>
+              <a:rPr lang="en-US" dirty="0"/>
+              <a:t>Two real roots. </a:t>
+            </a:r>
+          </a:p>
+          <a:p>
+            <a:pPr marL="0" indent="0">
+              <a:buNone/>
+            </a:pPr>
+            <a:endParaRPr lang="en-US" dirty="0"/>
+          </a:p>
+        </p:txBody>
+      </p:sp>
+      <p:sp>
+        <p:nvSpPr>
+          <p:cNvPr id="3" name="TextBox 2">
+            <a:extLst>
+              <a:ext uri="{FF2B5EF4-FFF2-40B4-BE49-F238E27FC236}">
+                <a16:creationId xmlns:a16="http://schemas.microsoft.com/office/drawing/2014/main" id="{E3FA655A-5AB5-F240-962A-94B89E2A3F46}"/>
+              </a:ext>
+            </a:extLst>
+          </p:cNvPr>
+          <p:cNvSpPr txBox="1"/>
+          <p:nvPr/>
+        </p:nvSpPr>
+        <p:spPr>
+          <a:xfrm>
+            <a:off x="3045360" y="3202818"/>
+            <a:ext cx="2355582" cy="1708160"/>
+          </a:xfrm>
+          <a:prstGeom prst="rect">
+            <a:avLst/>
+          </a:prstGeom>
+          <a:noFill/>
+        </p:spPr>
+        <p:txBody>
+          <a:bodyPr wrap="square" rtlCol="0">
+            <a:spAutoFit/>
+          </a:bodyPr>
+          <a:lstStyle/>
+          <a:p>
+            <a:r>
+              <a:rPr lang="en-US" sz="2100" dirty="0"/>
+              <a:t>Enter a: </a:t>
+            </a:r>
+            <a:r>
+              <a:rPr lang="en-US" sz="2100" u="sng" dirty="0"/>
+              <a:t>1</a:t>
+            </a:r>
+          </a:p>
+          <a:p>
+            <a:r>
+              <a:rPr lang="en-US" sz="2100" dirty="0"/>
+              <a:t>Enter b: </a:t>
+            </a:r>
+            <a:r>
+              <a:rPr lang="en-US" sz="2100" u="sng" dirty="0"/>
+              <a:t>0</a:t>
+            </a:r>
+          </a:p>
+          <a:p>
+            <a:r>
+              <a:rPr lang="en-US" sz="2100" dirty="0"/>
+              <a:t>Enter c: </a:t>
+            </a:r>
+            <a:r>
+              <a:rPr lang="en-US" sz="2100" u="sng" dirty="0"/>
+              <a:t>1</a:t>
+            </a:r>
+          </a:p>
+          <a:p>
+            <a:r>
+              <a:rPr lang="en-US" sz="2100" dirty="0"/>
+              <a:t>No real roots. </a:t>
+            </a:r>
+          </a:p>
+          <a:p>
+            <a:endParaRPr lang="en-US" sz="2100" dirty="0"/>
+          </a:p>
+        </p:txBody>
+      </p:sp>
+      <p:sp>
+        <p:nvSpPr>
+          <p:cNvPr id="5" name="TextBox 4">
+            <a:extLst>
+              <a:ext uri="{FF2B5EF4-FFF2-40B4-BE49-F238E27FC236}">
+                <a16:creationId xmlns:a16="http://schemas.microsoft.com/office/drawing/2014/main" id="{E3902497-A323-8444-BA6A-683A07A0DC35}"/>
+              </a:ext>
+            </a:extLst>
+          </p:cNvPr>
+          <p:cNvSpPr txBox="1"/>
+          <p:nvPr/>
+        </p:nvSpPr>
+        <p:spPr>
+          <a:xfrm>
+            <a:off x="5888742" y="3202817"/>
+            <a:ext cx="3131005" cy="1708160"/>
+          </a:xfrm>
+          <a:prstGeom prst="rect">
+            <a:avLst/>
+          </a:prstGeom>
+          <a:noFill/>
+        </p:spPr>
+        <p:txBody>
+          <a:bodyPr wrap="square" rtlCol="0">
+            <a:spAutoFit/>
+          </a:bodyPr>
+          <a:lstStyle/>
+          <a:p>
+            <a:r>
+              <a:rPr lang="en-US" sz="2100" dirty="0"/>
+              <a:t>Enter a: </a:t>
+            </a:r>
+            <a:r>
+              <a:rPr lang="en-US" sz="2100" u="sng" dirty="0"/>
+              <a:t>1</a:t>
+            </a:r>
+          </a:p>
+          <a:p>
+            <a:r>
+              <a:rPr lang="en-US" sz="2100" dirty="0"/>
+              <a:t>Enter b: </a:t>
+            </a:r>
+            <a:r>
+              <a:rPr lang="en-US" sz="2100" u="sng" dirty="0"/>
+              <a:t>-2</a:t>
+            </a:r>
+          </a:p>
+          <a:p>
+            <a:r>
+              <a:rPr lang="en-US" sz="2100" dirty="0"/>
+              <a:t>Enter c: </a:t>
+            </a:r>
+            <a:r>
+              <a:rPr lang="en-US" sz="2100" u="sng" dirty="0"/>
+              <a:t>1</a:t>
+            </a:r>
+          </a:p>
+          <a:p>
+            <a:r>
+              <a:rPr lang="en-US" sz="2100" dirty="0"/>
+              <a:t>One repeated real root. </a:t>
+            </a:r>
+          </a:p>
+          <a:p>
+            <a:endParaRPr lang="en-US" sz="2100" dirty="0"/>
+          </a:p>
+        </p:txBody>
+      </p:sp>
+      <p:sp>
+        <p:nvSpPr>
+          <p:cNvPr id="4" name="Slide Number Placeholder 3">
+            <a:extLst>
+              <a:ext uri="{FF2B5EF4-FFF2-40B4-BE49-F238E27FC236}">
+                <a16:creationId xmlns:a16="http://schemas.microsoft.com/office/drawing/2014/main" id="{BA24DAAD-1E10-1B47-9666-DD82DF0DF64F}"/>
+              </a:ext>
+            </a:extLst>
+          </p:cNvPr>
+          <p:cNvSpPr>
+            <a:spLocks noGrp="1"/>
+          </p:cNvSpPr>
+          <p:nvPr>
+            <p:ph type="sldNum" sz="quarter" idx="12"/>
+          </p:nvPr>
+        </p:nvSpPr>
+        <p:spPr/>
+        <p:txBody>
+          <a:bodyPr/>
+          <a:lstStyle/>
+          <a:p>
+            <a:fld id="{D57F1E4F-1CFF-5643-939E-02111984F565}" type="slidenum">
+              <a:rPr lang="en-US" smtClean="0"/>
+              <a:t>31</a:t>
+            </a:fld>
+            <a:endParaRPr lang="en-US" dirty="0"/>
+          </a:p>
+        </p:txBody>
+      </p:sp>
+    </p:spTree>
+    <p:extLst>
+      <p:ext uri="{BB962C8B-B14F-4D97-AF65-F5344CB8AC3E}">
+        <p14:creationId xmlns:p14="http://schemas.microsoft.com/office/powerpoint/2010/main" val="1575070404"/>
+      </p:ext>
+    </p:extLst>
+  </p:cSld>
+  <p:clrMapOvr>
+    <a:masterClrMapping/>
+  </p:clrMapOvr>
+</p:sld>
+</file>
+
+<file path=ppt/slides/slide32.xml><?xml version="1.0" encoding="utf-8"?>
+<p:sld xmlns:a="http://schemas.openxmlformats.org/drawingml/2006/main" xmlns:r="http://schemas.openxmlformats.org/officeDocument/2006/relationships" xmlns:p="http://schemas.openxmlformats.org/presentationml/2006/main">
+  <p:cSld>
+    <p:spTree>
+      <p:nvGrpSpPr>
+        <p:cNvPr id="1" name=""/>
+        <p:cNvGrpSpPr/>
+        <p:nvPr/>
+      </p:nvGrpSpPr>
+      <p:grpSpPr>
+        <a:xfrm>
+          <a:off x="0" y="0"/>
+          <a:ext cx="0" cy="0"/>
+          <a:chOff x="0" y="0"/>
+          <a:chExt cx="0" cy="0"/>
+        </a:xfrm>
+      </p:grpSpPr>
+      <p:sp>
+        <p:nvSpPr>
+          <p:cNvPr id="2" name="Title 1">
+            <a:extLst>
+              <a:ext uri="{FF2B5EF4-FFF2-40B4-BE49-F238E27FC236}">
+                <a16:creationId xmlns:a16="http://schemas.microsoft.com/office/drawing/2014/main" id="{AA3A228F-61D0-D949-A5E7-F83756230BF8}"/>
+              </a:ext>
+            </a:extLst>
+          </p:cNvPr>
+          <p:cNvSpPr>
+            <a:spLocks noGrp="1"/>
+          </p:cNvSpPr>
+          <p:nvPr>
+            <p:ph type="title"/>
+          </p:nvPr>
+        </p:nvSpPr>
+        <p:spPr>
+          <a:xfrm>
             <a:off x="483848" y="467027"/>
             <a:ext cx="7053542" cy="683886"/>
           </a:xfrm>
@@ -17907,7 +18368,7 @@
           <a:p>
             <a:fld id="{D57F1E4F-1CFF-5643-939E-02111984F565}" type="slidenum">
               <a:rPr lang="en-US" smtClean="0"/>
-              <a:t>30</a:t>
+              <a:t>32</a:t>
             </a:fld>
             <a:endParaRPr lang="en-US" dirty="0"/>
           </a:p>
